--- a/defence/презентация защита работы.pptx
+++ b/defence/презентация защита работы.pptx
@@ -838,7 +838,7 @@
             <a:fld id="{B61BEF0D-F0BB-DE4B-95CE-6DB70DBA9567}" type="datetimeFigureOut">
               <a:rPr lang="en-US" dirty="0"/>
               <a:pPr/>
-              <a:t>4/28/2022</a:t>
+              <a:t>5/1/2022</a:t>
             </a:fld>
             <a:endParaRPr lang="en-US" dirty="0"/>
           </a:p>
@@ -1086,7 +1086,7 @@
             <a:fld id="{B61BEF0D-F0BB-DE4B-95CE-6DB70DBA9567}" type="datetimeFigureOut">
               <a:rPr lang="en-US" dirty="0"/>
               <a:pPr/>
-              <a:t>4/28/2022</a:t>
+              <a:t>5/1/2022</a:t>
             </a:fld>
             <a:endParaRPr lang="en-US" dirty="0"/>
           </a:p>
@@ -1397,7 +1397,7 @@
             <a:fld id="{B61BEF0D-F0BB-DE4B-95CE-6DB70DBA9567}" type="datetimeFigureOut">
               <a:rPr lang="en-US" dirty="0"/>
               <a:pPr/>
-              <a:t>4/28/2022</a:t>
+              <a:t>5/1/2022</a:t>
             </a:fld>
             <a:endParaRPr lang="en-US" dirty="0"/>
           </a:p>
@@ -1735,7 +1735,7 @@
             <a:fld id="{B61BEF0D-F0BB-DE4B-95CE-6DB70DBA9567}" type="datetimeFigureOut">
               <a:rPr lang="en-US" dirty="0"/>
               <a:pPr/>
-              <a:t>4/28/2022</a:t>
+              <a:t>5/1/2022</a:t>
             </a:fld>
             <a:endParaRPr lang="en-US" dirty="0"/>
           </a:p>
@@ -2046,7 +2046,7 @@
             <a:fld id="{B61BEF0D-F0BB-DE4B-95CE-6DB70DBA9567}" type="datetimeFigureOut">
               <a:rPr lang="en-US" dirty="0"/>
               <a:pPr/>
-              <a:t>4/28/2022</a:t>
+              <a:t>5/1/2022</a:t>
             </a:fld>
             <a:endParaRPr lang="en-US" dirty="0"/>
           </a:p>
@@ -2436,7 +2436,7 @@
             <a:fld id="{B61BEF0D-F0BB-DE4B-95CE-6DB70DBA9567}" type="datetimeFigureOut">
               <a:rPr lang="en-US" dirty="0"/>
               <a:pPr/>
-              <a:t>4/28/2022</a:t>
+              <a:t>5/1/2022</a:t>
             </a:fld>
             <a:endParaRPr lang="en-US" dirty="0"/>
           </a:p>
@@ -2602,7 +2602,7 @@
           <a:p>
             <a:fld id="{55C6B4A9-1611-4792-9094-5F34BCA07E0B}" type="datetimeFigureOut">
               <a:rPr lang="en-US" dirty="0"/>
-              <a:t>4/28/2022</a:t>
+              <a:t>5/1/2022</a:t>
             </a:fld>
             <a:endParaRPr lang="en-US" dirty="0"/>
           </a:p>
@@ -2778,7 +2778,7 @@
             <a:fld id="{B61BEF0D-F0BB-DE4B-95CE-6DB70DBA9567}" type="datetimeFigureOut">
               <a:rPr lang="en-US" dirty="0"/>
               <a:pPr/>
-              <a:t>4/28/2022</a:t>
+              <a:t>5/1/2022</a:t>
             </a:fld>
             <a:endParaRPr lang="en-US" dirty="0"/>
           </a:p>
@@ -2951,7 +2951,7 @@
             <a:fld id="{B61BEF0D-F0BB-DE4B-95CE-6DB70DBA9567}" type="datetimeFigureOut">
               <a:rPr lang="en-US" dirty="0"/>
               <a:pPr/>
-              <a:t>4/28/2022</a:t>
+              <a:t>5/1/2022</a:t>
             </a:fld>
             <a:endParaRPr lang="en-US" dirty="0"/>
           </a:p>
@@ -3195,7 +3195,7 @@
             <a:fld id="{B61BEF0D-F0BB-DE4B-95CE-6DB70DBA9567}" type="datetimeFigureOut">
               <a:rPr lang="en-US" dirty="0"/>
               <a:pPr/>
-              <a:t>4/28/2022</a:t>
+              <a:t>5/1/2022</a:t>
             </a:fld>
             <a:endParaRPr lang="en-US" dirty="0"/>
           </a:p>
@@ -3423,7 +3423,7 @@
           <a:p>
             <a:fld id="{EB712588-04B1-427B-82EE-E8DB90309F08}" type="datetimeFigureOut">
               <a:rPr lang="en-US" dirty="0"/>
-              <a:t>4/28/2022</a:t>
+              <a:t>5/1/2022</a:t>
             </a:fld>
             <a:endParaRPr lang="en-US" dirty="0"/>
           </a:p>
@@ -3793,7 +3793,7 @@
             <a:fld id="{B61BEF0D-F0BB-DE4B-95CE-6DB70DBA9567}" type="datetimeFigureOut">
               <a:rPr lang="en-US" dirty="0"/>
               <a:pPr/>
-              <a:t>4/28/2022</a:t>
+              <a:t>5/1/2022</a:t>
             </a:fld>
             <a:endParaRPr lang="en-US" dirty="0"/>
           </a:p>
@@ -3913,7 +3913,7 @@
             <a:fld id="{B61BEF0D-F0BB-DE4B-95CE-6DB70DBA9567}" type="datetimeFigureOut">
               <a:rPr lang="en-US" dirty="0"/>
               <a:pPr/>
-              <a:t>4/28/2022</a:t>
+              <a:t>5/1/2022</a:t>
             </a:fld>
             <a:endParaRPr lang="en-US" dirty="0"/>
           </a:p>
@@ -4005,7 +4005,7 @@
             <a:fld id="{B61BEF0D-F0BB-DE4B-95CE-6DB70DBA9567}" type="datetimeFigureOut">
               <a:rPr lang="en-US" dirty="0"/>
               <a:pPr/>
-              <a:t>4/28/2022</a:t>
+              <a:t>5/1/2022</a:t>
             </a:fld>
             <a:endParaRPr lang="en-US" dirty="0"/>
           </a:p>
@@ -4256,7 +4256,7 @@
           <a:p>
             <a:fld id="{42A54C80-263E-416B-A8E0-580EDEADCBDC}" type="datetimeFigureOut">
               <a:rPr lang="en-US" dirty="0"/>
-              <a:t>4/28/2022</a:t>
+              <a:t>5/1/2022</a:t>
             </a:fld>
             <a:endParaRPr lang="en-US" dirty="0"/>
           </a:p>
@@ -4515,7 +4515,7 @@
             <a:fld id="{B61BEF0D-F0BB-DE4B-95CE-6DB70DBA9567}" type="datetimeFigureOut">
               <a:rPr lang="en-US" dirty="0"/>
               <a:pPr/>
-              <a:t>4/28/2022</a:t>
+              <a:t>5/1/2022</a:t>
             </a:fld>
             <a:endParaRPr lang="en-US" dirty="0"/>
           </a:p>
@@ -5255,7 +5255,7 @@
             <a:fld id="{B61BEF0D-F0BB-DE4B-95CE-6DB70DBA9567}" type="datetimeFigureOut">
               <a:rPr lang="en-US" dirty="0"/>
               <a:pPr/>
-              <a:t>4/28/2022</a:t>
+              <a:t>5/1/2022</a:t>
             </a:fld>
             <a:endParaRPr lang="en-US" dirty="0"/>
           </a:p>
@@ -6447,8 +6447,8 @@
           </a:p>
         </p:txBody>
       </p:sp>
-      <mc:AlternateContent xmlns:mc="http://schemas.openxmlformats.org/markup-compatibility/2006">
-        <mc:Choice xmlns:a14="http://schemas.microsoft.com/office/drawing/2010/main" Requires="a14">
+      <mc:AlternateContent xmlns:mc="http://schemas.openxmlformats.org/markup-compatibility/2006" xmlns:a14="http://schemas.microsoft.com/office/drawing/2010/main">
+        <mc:Choice Requires="a14">
           <p:sp>
             <p:nvSpPr>
               <p:cNvPr id="3" name="TextBox 2"/>
@@ -6471,6 +6471,7 @@
               </a:bodyPr>
               <a:lstStyle/>
               <a:p>
+                <a:pPr/>
                 <a14:m>
                   <m:oMathPara xmlns:m="http://schemas.openxmlformats.org/officeDocument/2006/math">
                     <m:oMathParaPr>
@@ -6538,7 +6539,7 @@
             </p:txBody>
           </p:sp>
         </mc:Choice>
-        <mc:Fallback>
+        <mc:Fallback xmlns="">
           <p:sp>
             <p:nvSpPr>
               <p:cNvPr id="3" name="TextBox 2"/>
@@ -7098,7 +7099,7 @@
         </p:nvSpPr>
         <p:spPr>
           <a:xfrm>
-            <a:off x="677334" y="609600"/>
+            <a:off x="677333" y="394601"/>
             <a:ext cx="8596668" cy="749643"/>
           </a:xfrm>
         </p:spPr>
@@ -7114,25 +7115,761 @@
           </a:p>
         </p:txBody>
       </p:sp>
-      <p:sp>
-        <p:nvSpPr>
-          <p:cNvPr id="7" name="Объект 6"/>
-          <p:cNvSpPr>
-            <a:spLocks noGrp="1"/>
-          </p:cNvSpPr>
-          <p:nvPr>
-            <p:ph idx="1"/>
-          </p:nvPr>
-        </p:nvSpPr>
-        <p:spPr/>
-        <p:txBody>
-          <a:bodyPr/>
-          <a:lstStyle/>
-          <a:p>
-            <a:endParaRPr lang="ru-RU"/>
-          </a:p>
-        </p:txBody>
-      </p:sp>
+      <mc:AlternateContent xmlns:mc="http://schemas.openxmlformats.org/markup-compatibility/2006">
+        <mc:Choice xmlns:a14="http://schemas.microsoft.com/office/drawing/2010/main" Requires="a14">
+          <p:sp>
+            <p:nvSpPr>
+              <p:cNvPr id="4" name="TextBox 3"/>
+              <p:cNvSpPr txBox="1"/>
+              <p:nvPr/>
+            </p:nvSpPr>
+            <p:spPr>
+              <a:xfrm>
+                <a:off x="3732634" y="1144244"/>
+                <a:ext cx="2027414" cy="706219"/>
+              </a:xfrm>
+              <a:prstGeom prst="rect">
+                <a:avLst/>
+              </a:prstGeom>
+              <a:noFill/>
+            </p:spPr>
+            <p:txBody>
+              <a:bodyPr wrap="none" lIns="0" tIns="0" rIns="0" bIns="0" rtlCol="0">
+                <a:spAutoFit/>
+              </a:bodyPr>
+              <a:lstStyle/>
+              <a:p>
+                <a14:m>
+                  <m:oMathPara xmlns:m="http://schemas.openxmlformats.org/officeDocument/2006/math">
+                    <m:oMathParaPr>
+                      <m:jc m:val="centerGroup"/>
+                    </m:oMathParaPr>
+                    <m:oMath xmlns:m="http://schemas.openxmlformats.org/officeDocument/2006/math">
+                      <m:acc>
+                        <m:accPr>
+                          <m:chr m:val="̂"/>
+                          <m:ctrlPr>
+                            <a:rPr lang="ru-RU" sz="2400" i="1" smtClean="0">
+                              <a:latin typeface="Cambria Math" panose="02040503050406030204" pitchFamily="18" charset="0"/>
+                            </a:rPr>
+                          </m:ctrlPr>
+                        </m:accPr>
+                        <m:e>
+                          <m:r>
+                            <a:rPr lang="en-US" sz="2400" b="0" i="1" smtClean="0">
+                              <a:latin typeface="Cambria Math" panose="02040503050406030204" pitchFamily="18" charset="0"/>
+                            </a:rPr>
+                            <m:t>𝑝</m:t>
+                          </m:r>
+                        </m:e>
+                      </m:acc>
+                      <m:r>
+                        <a:rPr lang="en-US" sz="2400" b="0" i="1" smtClean="0">
+                          <a:latin typeface="Cambria Math" panose="02040503050406030204" pitchFamily="18" charset="0"/>
+                        </a:rPr>
+                        <m:t>=</m:t>
+                      </m:r>
+                      <m:f>
+                        <m:fPr>
+                          <m:ctrlPr>
+                            <a:rPr lang="en-US" sz="2400" b="0" i="1" smtClean="0">
+                              <a:latin typeface="Cambria Math" panose="02040503050406030204" pitchFamily="18" charset="0"/>
+                            </a:rPr>
+                          </m:ctrlPr>
+                        </m:fPr>
+                        <m:num>
+                          <m:r>
+                            <a:rPr lang="en-US" sz="2400" b="0" i="1" smtClean="0">
+                              <a:latin typeface="Cambria Math" panose="02040503050406030204" pitchFamily="18" charset="0"/>
+                            </a:rPr>
+                            <m:t>1</m:t>
+                          </m:r>
+                        </m:num>
+                        <m:den>
+                          <m:r>
+                            <a:rPr lang="en-US" sz="2400" b="0" i="1" smtClean="0">
+                              <a:latin typeface="Cambria Math" panose="02040503050406030204" pitchFamily="18" charset="0"/>
+                            </a:rPr>
+                            <m:t>1+</m:t>
+                          </m:r>
+                          <m:sSup>
+                            <m:sSupPr>
+                              <m:ctrlPr>
+                                <a:rPr lang="en-US" sz="2400" b="0" i="1" smtClean="0">
+                                  <a:latin typeface="Cambria Math" panose="02040503050406030204" pitchFamily="18" charset="0"/>
+                                </a:rPr>
+                              </m:ctrlPr>
+                            </m:sSupPr>
+                            <m:e>
+                              <m:r>
+                                <a:rPr lang="en-US" sz="2400" b="0" i="1" smtClean="0">
+                                  <a:latin typeface="Cambria Math" panose="02040503050406030204" pitchFamily="18" charset="0"/>
+                                </a:rPr>
+                                <m:t>𝑒</m:t>
+                              </m:r>
+                            </m:e>
+                            <m:sup>
+                              <m:r>
+                                <a:rPr lang="en-US" sz="2400" b="0" i="1" smtClean="0">
+                                  <a:latin typeface="Cambria Math" panose="02040503050406030204" pitchFamily="18" charset="0"/>
+                                </a:rPr>
+                                <m:t>−</m:t>
+                              </m:r>
+                              <m:r>
+                                <a:rPr lang="en-US" sz="2400" b="0" i="1" smtClean="0">
+                                  <a:latin typeface="Cambria Math" panose="02040503050406030204" pitchFamily="18" charset="0"/>
+                                </a:rPr>
+                                <m:t>𝑔</m:t>
+                              </m:r>
+                              <m:r>
+                                <a:rPr lang="en-US" sz="2400" b="0" i="1" smtClean="0">
+                                  <a:latin typeface="Cambria Math" panose="02040503050406030204" pitchFamily="18" charset="0"/>
+                                </a:rPr>
+                                <m:t>(</m:t>
+                              </m:r>
+                              <m:acc>
+                                <m:accPr>
+                                  <m:chr m:val="̅"/>
+                                  <m:ctrlPr>
+                                    <a:rPr lang="en-US" sz="2400" b="0" i="1" smtClean="0">
+                                      <a:latin typeface="Cambria Math" panose="02040503050406030204" pitchFamily="18" charset="0"/>
+                                    </a:rPr>
+                                  </m:ctrlPr>
+                                </m:accPr>
+                                <m:e>
+                                  <m:r>
+                                    <a:rPr lang="en-US" sz="2400" b="0" i="1" smtClean="0">
+                                      <a:latin typeface="Cambria Math" panose="02040503050406030204" pitchFamily="18" charset="0"/>
+                                    </a:rPr>
+                                    <m:t>𝑥</m:t>
+                                  </m:r>
+                                </m:e>
+                              </m:acc>
+                              <m:r>
+                                <a:rPr lang="en-US" sz="2400" b="0" i="1" smtClean="0">
+                                  <a:latin typeface="Cambria Math" panose="02040503050406030204" pitchFamily="18" charset="0"/>
+                                </a:rPr>
+                                <m:t>)</m:t>
+                              </m:r>
+                            </m:sup>
+                          </m:sSup>
+                        </m:den>
+                      </m:f>
+                    </m:oMath>
+                  </m:oMathPara>
+                </a14:m>
+                <a:endParaRPr lang="ru-RU" sz="1400" dirty="0"/>
+              </a:p>
+            </p:txBody>
+          </p:sp>
+        </mc:Choice>
+        <mc:Fallback>
+          <p:sp>
+            <p:nvSpPr>
+              <p:cNvPr id="4" name="TextBox 3"/>
+              <p:cNvSpPr txBox="1">
+                <a:spLocks noRot="1" noChangeAspect="1" noMove="1" noResize="1" noEditPoints="1" noAdjustHandles="1" noChangeArrowheads="1" noChangeShapeType="1" noTextEdit="1"/>
+              </p:cNvSpPr>
+              <p:nvPr/>
+            </p:nvSpPr>
+            <p:spPr>
+              <a:xfrm>
+                <a:off x="3732634" y="1144244"/>
+                <a:ext cx="2027414" cy="706219"/>
+              </a:xfrm>
+              <a:prstGeom prst="rect">
+                <a:avLst/>
+              </a:prstGeom>
+              <a:blipFill rotWithShape="0">
+                <a:blip r:embed="rId2"/>
+                <a:stretch>
+                  <a:fillRect/>
+                </a:stretch>
+              </a:blipFill>
+            </p:spPr>
+            <p:txBody>
+              <a:bodyPr/>
+              <a:lstStyle/>
+              <a:p>
+                <a:r>
+                  <a:rPr lang="ru-RU">
+                    <a:noFill/>
+                  </a:rPr>
+                  <a:t> </a:t>
+                </a:r>
+              </a:p>
+            </p:txBody>
+          </p:sp>
+        </mc:Fallback>
+      </mc:AlternateContent>
+      <mc:AlternateContent xmlns:mc="http://schemas.openxmlformats.org/markup-compatibility/2006">
+        <mc:Choice xmlns:a14="http://schemas.microsoft.com/office/drawing/2010/main" Requires="a14">
+          <p:sp>
+            <p:nvSpPr>
+              <p:cNvPr id="6" name="TextBox 5"/>
+              <p:cNvSpPr txBox="1"/>
+              <p:nvPr/>
+            </p:nvSpPr>
+            <p:spPr>
+              <a:xfrm>
+                <a:off x="1364910" y="2889149"/>
+                <a:ext cx="6752105" cy="862352"/>
+              </a:xfrm>
+              <a:prstGeom prst="rect">
+                <a:avLst/>
+              </a:prstGeom>
+              <a:noFill/>
+            </p:spPr>
+            <p:txBody>
+              <a:bodyPr wrap="none" rtlCol="0">
+                <a:spAutoFit/>
+              </a:bodyPr>
+              <a:lstStyle/>
+              <a:p>
+                <a:r>
+                  <a:rPr lang="ru-RU" sz="1600" dirty="0" smtClean="0"/>
+                  <a:t>Где </a:t>
+                </a:r>
+                <a14:m>
+                  <m:oMath xmlns:m="http://schemas.openxmlformats.org/officeDocument/2006/math">
+                    <m:acc>
+                      <m:accPr>
+                        <m:chr m:val="̂"/>
+                        <m:ctrlPr>
+                          <a:rPr lang="ru-RU" sz="1600" i="1">
+                            <a:latin typeface="Cambria Math" panose="02040503050406030204" pitchFamily="18" charset="0"/>
+                          </a:rPr>
+                        </m:ctrlPr>
+                      </m:accPr>
+                      <m:e>
+                        <m:r>
+                          <a:rPr lang="en-US" sz="1600" i="1">
+                            <a:latin typeface="Cambria Math" panose="02040503050406030204" pitchFamily="18" charset="0"/>
+                          </a:rPr>
+                          <m:t>𝑝</m:t>
+                        </m:r>
+                      </m:e>
+                    </m:acc>
+                  </m:oMath>
+                </a14:m>
+                <a:r>
+                  <a:rPr lang="ru-RU" sz="1600" dirty="0" smtClean="0"/>
+                  <a:t> — оценка вероятности наступления дефолта</a:t>
+                </a:r>
+                <a:r>
+                  <a:rPr lang="en-US" sz="1600" dirty="0" smtClean="0"/>
+                  <a:t>;</a:t>
+                </a:r>
+              </a:p>
+              <a:p>
+                <a:pPr marL="360000"/>
+                <a14:m>
+                  <m:oMath xmlns:m="http://schemas.openxmlformats.org/officeDocument/2006/math">
+                    <m:acc>
+                      <m:accPr>
+                        <m:chr m:val="̅"/>
+                        <m:ctrlPr>
+                          <a:rPr lang="en-US" sz="1600" i="1">
+                            <a:latin typeface="Cambria Math" panose="02040503050406030204" pitchFamily="18" charset="0"/>
+                          </a:rPr>
+                        </m:ctrlPr>
+                      </m:accPr>
+                      <m:e>
+                        <m:r>
+                          <a:rPr lang="en-US" sz="1600" i="1">
+                            <a:latin typeface="Cambria Math" panose="02040503050406030204" pitchFamily="18" charset="0"/>
+                          </a:rPr>
+                          <m:t>𝑥</m:t>
+                        </m:r>
+                      </m:e>
+                    </m:acc>
+                    <m:r>
+                      <a:rPr lang="en-US" sz="1600" b="0" i="1" smtClean="0">
+                        <a:latin typeface="Cambria Math" panose="02040503050406030204" pitchFamily="18" charset="0"/>
+                      </a:rPr>
+                      <m:t>=(</m:t>
+                    </m:r>
+                    <m:sSub>
+                      <m:sSubPr>
+                        <m:ctrlPr>
+                          <a:rPr lang="en-US" sz="1600" b="0" i="1" smtClean="0">
+                            <a:latin typeface="Cambria Math" panose="02040503050406030204" pitchFamily="18" charset="0"/>
+                          </a:rPr>
+                        </m:ctrlPr>
+                      </m:sSubPr>
+                      <m:e>
+                        <m:r>
+                          <a:rPr lang="en-US" sz="1600" b="0" i="1" smtClean="0">
+                            <a:latin typeface="Cambria Math" panose="02040503050406030204" pitchFamily="18" charset="0"/>
+                          </a:rPr>
+                          <m:t>𝑥</m:t>
+                        </m:r>
+                      </m:e>
+                      <m:sub>
+                        <m:r>
+                          <a:rPr lang="en-US" sz="1600" b="0" i="1" smtClean="0">
+                            <a:latin typeface="Cambria Math" panose="02040503050406030204" pitchFamily="18" charset="0"/>
+                          </a:rPr>
+                          <m:t>1</m:t>
+                        </m:r>
+                      </m:sub>
+                    </m:sSub>
+                    <m:r>
+                      <a:rPr lang="en-US" sz="1600" b="0" i="1" smtClean="0">
+                        <a:latin typeface="Cambria Math" panose="02040503050406030204" pitchFamily="18" charset="0"/>
+                      </a:rPr>
+                      <m:t>,</m:t>
+                    </m:r>
+                    <m:sSub>
+                      <m:sSubPr>
+                        <m:ctrlPr>
+                          <a:rPr lang="en-US" sz="1600" b="0" i="1" smtClean="0">
+                            <a:latin typeface="Cambria Math" panose="02040503050406030204" pitchFamily="18" charset="0"/>
+                          </a:rPr>
+                        </m:ctrlPr>
+                      </m:sSubPr>
+                      <m:e>
+                        <m:r>
+                          <a:rPr lang="en-US" sz="1600" b="0" i="1" smtClean="0">
+                            <a:latin typeface="Cambria Math" panose="02040503050406030204" pitchFamily="18" charset="0"/>
+                          </a:rPr>
+                          <m:t>𝑥</m:t>
+                        </m:r>
+                      </m:e>
+                      <m:sub>
+                        <m:r>
+                          <a:rPr lang="en-US" sz="1600" b="0" i="1" smtClean="0">
+                            <a:latin typeface="Cambria Math" panose="02040503050406030204" pitchFamily="18" charset="0"/>
+                          </a:rPr>
+                          <m:t>2</m:t>
+                        </m:r>
+                      </m:sub>
+                    </m:sSub>
+                    <m:r>
+                      <a:rPr lang="en-US" sz="1600" b="0" i="1" smtClean="0">
+                        <a:latin typeface="Cambria Math" panose="02040503050406030204" pitchFamily="18" charset="0"/>
+                      </a:rPr>
+                      <m:t>,…,</m:t>
+                    </m:r>
+                    <m:sSub>
+                      <m:sSubPr>
+                        <m:ctrlPr>
+                          <a:rPr lang="en-US" sz="1600" b="0" i="1" smtClean="0">
+                            <a:latin typeface="Cambria Math" panose="02040503050406030204" pitchFamily="18" charset="0"/>
+                          </a:rPr>
+                        </m:ctrlPr>
+                      </m:sSubPr>
+                      <m:e>
+                        <m:r>
+                          <a:rPr lang="en-US" sz="1600" b="0" i="1" smtClean="0">
+                            <a:latin typeface="Cambria Math" panose="02040503050406030204" pitchFamily="18" charset="0"/>
+                          </a:rPr>
+                          <m:t>𝑥</m:t>
+                        </m:r>
+                      </m:e>
+                      <m:sub>
+                        <m:r>
+                          <a:rPr lang="en-US" sz="1600" b="0" i="1" smtClean="0">
+                            <a:latin typeface="Cambria Math" panose="02040503050406030204" pitchFamily="18" charset="0"/>
+                          </a:rPr>
+                          <m:t>𝑚</m:t>
+                        </m:r>
+                      </m:sub>
+                    </m:sSub>
+                    <m:r>
+                      <a:rPr lang="en-US" sz="1600" b="0" i="1" smtClean="0">
+                        <a:latin typeface="Cambria Math" panose="02040503050406030204" pitchFamily="18" charset="0"/>
+                      </a:rPr>
+                      <m:t>)</m:t>
+                    </m:r>
+                  </m:oMath>
+                </a14:m>
+                <a:r>
+                  <a:rPr lang="ru-RU" sz="1600" dirty="0"/>
+                  <a:t> </a:t>
+                </a:r>
+                <a:r>
+                  <a:rPr lang="ru-RU" sz="1600" dirty="0"/>
+                  <a:t>— </a:t>
+                </a:r>
+                <a:r>
+                  <a:rPr lang="ru-RU" sz="1600" dirty="0" smtClean="0"/>
+                  <a:t>вектор характеристик некоторого заёмщика</a:t>
+                </a:r>
+                <a:r>
+                  <a:rPr lang="en-US" sz="1600" dirty="0" smtClean="0"/>
+                  <a:t>;</a:t>
+                </a:r>
+              </a:p>
+              <a:p>
+                <a:pPr marL="360000"/>
+                <a14:m>
+                  <m:oMath xmlns:m="http://schemas.openxmlformats.org/officeDocument/2006/math">
+                    <m:sSub>
+                      <m:sSubPr>
+                        <m:ctrlPr>
+                          <a:rPr lang="en-US" sz="1600" i="1">
+                            <a:latin typeface="Cambria Math" panose="02040503050406030204" pitchFamily="18" charset="0"/>
+                          </a:rPr>
+                        </m:ctrlPr>
+                      </m:sSubPr>
+                      <m:e>
+                        <m:r>
+                          <a:rPr lang="en-US" sz="1600" i="1">
+                            <a:latin typeface="Cambria Math" panose="02040503050406030204" pitchFamily="18" charset="0"/>
+                          </a:rPr>
+                          <m:t>𝑏</m:t>
+                        </m:r>
+                      </m:e>
+                      <m:sub>
+                        <m:r>
+                          <a:rPr lang="en-US" sz="1600" i="1">
+                            <a:latin typeface="Cambria Math" panose="02040503050406030204" pitchFamily="18" charset="0"/>
+                          </a:rPr>
+                          <m:t>𝑖</m:t>
+                        </m:r>
+                      </m:sub>
+                    </m:sSub>
+                    <m:r>
+                      <a:rPr lang="en-US" sz="1600" b="0" i="1">
+                        <a:latin typeface="Cambria Math" panose="02040503050406030204" pitchFamily="18" charset="0"/>
+                      </a:rPr>
+                      <m:t> </m:t>
+                    </m:r>
+                    <m:r>
+                      <a:rPr lang="en-US" sz="1600" b="0" i="1" smtClean="0">
+                        <a:latin typeface="Cambria Math" panose="02040503050406030204" pitchFamily="18" charset="0"/>
+                      </a:rPr>
+                      <m:t>𝑖</m:t>
+                    </m:r>
+                    <m:r>
+                      <a:rPr lang="en-US" sz="1600" b="0" i="1" smtClean="0">
+                        <a:latin typeface="Cambria Math" panose="02040503050406030204" pitchFamily="18" charset="0"/>
+                      </a:rPr>
+                      <m:t>=</m:t>
+                    </m:r>
+                    <m:acc>
+                      <m:accPr>
+                        <m:chr m:val="̅"/>
+                        <m:ctrlPr>
+                          <a:rPr lang="en-US" sz="1600" b="0" i="1" smtClean="0">
+                            <a:latin typeface="Cambria Math" panose="02040503050406030204" pitchFamily="18" charset="0"/>
+                          </a:rPr>
+                        </m:ctrlPr>
+                      </m:accPr>
+                      <m:e>
+                        <m:r>
+                          <a:rPr lang="en-US" sz="1600" b="0" i="1" smtClean="0">
+                            <a:latin typeface="Cambria Math" panose="02040503050406030204" pitchFamily="18" charset="0"/>
+                          </a:rPr>
+                          <m:t>1,</m:t>
+                        </m:r>
+                        <m:r>
+                          <a:rPr lang="en-US" sz="1600" b="0" i="1" smtClean="0">
+                            <a:latin typeface="Cambria Math" panose="02040503050406030204" pitchFamily="18" charset="0"/>
+                          </a:rPr>
+                          <m:t>𝑚</m:t>
+                        </m:r>
+                      </m:e>
+                    </m:acc>
+                    <m:r>
+                      <a:rPr lang="en-US" sz="1600" b="0" i="1" smtClean="0">
+                        <a:latin typeface="Cambria Math" panose="02040503050406030204" pitchFamily="18" charset="0"/>
+                      </a:rPr>
+                      <m:t>;</m:t>
+                    </m:r>
+                    <m:r>
+                      <a:rPr lang="en-US" sz="1600" b="0" i="1" smtClean="0">
+                        <a:latin typeface="Cambria Math" panose="02040503050406030204" pitchFamily="18" charset="0"/>
+                      </a:rPr>
+                      <m:t>𝑏</m:t>
+                    </m:r>
+                  </m:oMath>
+                </a14:m>
+                <a:r>
+                  <a:rPr lang="en-US" sz="1600" dirty="0" smtClean="0"/>
+                  <a:t> </a:t>
+                </a:r>
+                <a:r>
+                  <a:rPr lang="ru-RU" sz="1600" dirty="0"/>
+                  <a:t>— </a:t>
+                </a:r>
+                <a:r>
+                  <a:rPr lang="ru-RU" sz="1600" dirty="0" smtClean="0"/>
+                  <a:t>оценки коэффициентов модели</a:t>
+                </a:r>
+                <a:r>
+                  <a:rPr lang="en-US" sz="1600" dirty="0" smtClean="0"/>
+                  <a:t>.</a:t>
+                </a:r>
+                <a:endParaRPr lang="en-US" sz="1600" dirty="0"/>
+              </a:p>
+            </p:txBody>
+          </p:sp>
+        </mc:Choice>
+        <mc:Fallback>
+          <p:sp>
+            <p:nvSpPr>
+              <p:cNvPr id="6" name="TextBox 5"/>
+              <p:cNvSpPr txBox="1">
+                <a:spLocks noRot="1" noChangeAspect="1" noMove="1" noResize="1" noEditPoints="1" noAdjustHandles="1" noChangeArrowheads="1" noChangeShapeType="1" noTextEdit="1"/>
+              </p:cNvSpPr>
+              <p:nvPr/>
+            </p:nvSpPr>
+            <p:spPr>
+              <a:xfrm>
+                <a:off x="1364910" y="2889149"/>
+                <a:ext cx="6752105" cy="862352"/>
+              </a:xfrm>
+              <a:prstGeom prst="rect">
+                <a:avLst/>
+              </a:prstGeom>
+              <a:blipFill rotWithShape="0">
+                <a:blip r:embed="rId3"/>
+                <a:stretch>
+                  <a:fillRect l="-542" t="-2837" b="-4255"/>
+                </a:stretch>
+              </a:blipFill>
+            </p:spPr>
+            <p:txBody>
+              <a:bodyPr/>
+              <a:lstStyle/>
+              <a:p>
+                <a:r>
+                  <a:rPr lang="ru-RU">
+                    <a:noFill/>
+                  </a:rPr>
+                  <a:t> </a:t>
+                </a:r>
+              </a:p>
+            </p:txBody>
+          </p:sp>
+        </mc:Fallback>
+      </mc:AlternateContent>
+      <mc:AlternateContent xmlns:mc="http://schemas.openxmlformats.org/markup-compatibility/2006">
+        <mc:Choice xmlns:a14="http://schemas.microsoft.com/office/drawing/2010/main" Requires="a14">
+          <p:sp>
+            <p:nvSpPr>
+              <p:cNvPr id="7" name="Прямоугольник 6"/>
+              <p:cNvSpPr/>
+              <p:nvPr/>
+            </p:nvSpPr>
+            <p:spPr>
+              <a:xfrm>
+                <a:off x="3589590" y="2171109"/>
+                <a:ext cx="2302746" cy="370358"/>
+              </a:xfrm>
+              <a:prstGeom prst="rect">
+                <a:avLst/>
+              </a:prstGeom>
+            </p:spPr>
+            <p:txBody>
+              <a:bodyPr wrap="none">
+                <a:spAutoFit/>
+              </a:bodyPr>
+              <a:lstStyle/>
+              <a:p>
+                <a14:m>
+                  <m:oMath xmlns:m="http://schemas.openxmlformats.org/officeDocument/2006/math">
+                    <m:r>
+                      <a:rPr lang="en-US" i="1">
+                        <a:latin typeface="Cambria Math" panose="02040503050406030204" pitchFamily="18" charset="0"/>
+                      </a:rPr>
+                      <m:t>𝑔</m:t>
+                    </m:r>
+                    <m:d>
+                      <m:dPr>
+                        <m:ctrlPr>
+                          <a:rPr lang="en-US" i="1">
+                            <a:latin typeface="Cambria Math" panose="02040503050406030204" pitchFamily="18" charset="0"/>
+                          </a:rPr>
+                        </m:ctrlPr>
+                      </m:dPr>
+                      <m:e>
+                        <m:acc>
+                          <m:accPr>
+                            <m:chr m:val="̅"/>
+                            <m:ctrlPr>
+                              <a:rPr lang="en-US" i="1">
+                                <a:latin typeface="Cambria Math" panose="02040503050406030204" pitchFamily="18" charset="0"/>
+                              </a:rPr>
+                            </m:ctrlPr>
+                          </m:accPr>
+                          <m:e>
+                            <m:r>
+                              <a:rPr lang="en-US" i="1">
+                                <a:latin typeface="Cambria Math" panose="02040503050406030204" pitchFamily="18" charset="0"/>
+                              </a:rPr>
+                              <m:t>𝑥</m:t>
+                            </m:r>
+                          </m:e>
+                        </m:acc>
+                      </m:e>
+                    </m:d>
+                    <m:r>
+                      <a:rPr lang="en-US" i="1">
+                        <a:latin typeface="Cambria Math" panose="02040503050406030204" pitchFamily="18" charset="0"/>
+                      </a:rPr>
+                      <m:t>=</m:t>
+                    </m:r>
+                    <m:nary>
+                      <m:naryPr>
+                        <m:chr m:val="∑"/>
+                        <m:ctrlPr>
+                          <a:rPr lang="en-US" i="1">
+                            <a:latin typeface="Cambria Math" panose="02040503050406030204" pitchFamily="18" charset="0"/>
+                          </a:rPr>
+                        </m:ctrlPr>
+                      </m:naryPr>
+                      <m:sub>
+                        <m:r>
+                          <m:rPr>
+                            <m:brk m:alnAt="23"/>
+                          </m:rPr>
+                          <a:rPr lang="en-US" i="1">
+                            <a:latin typeface="Cambria Math" panose="02040503050406030204" pitchFamily="18" charset="0"/>
+                          </a:rPr>
+                          <m:t>𝑖</m:t>
+                        </m:r>
+                        <m:r>
+                          <a:rPr lang="en-US" i="1">
+                            <a:latin typeface="Cambria Math" panose="02040503050406030204" pitchFamily="18" charset="0"/>
+                          </a:rPr>
+                          <m:t>=</m:t>
+                        </m:r>
+                        <m:r>
+                          <m:rPr>
+                            <m:brk m:alnAt="23"/>
+                          </m:rPr>
+                          <a:rPr lang="en-US" i="1">
+                            <a:latin typeface="Cambria Math" panose="02040503050406030204" pitchFamily="18" charset="0"/>
+                          </a:rPr>
+                          <m:t>1</m:t>
+                        </m:r>
+                      </m:sub>
+                      <m:sup>
+                        <m:r>
+                          <a:rPr lang="en-US" i="1">
+                            <a:latin typeface="Cambria Math" panose="02040503050406030204" pitchFamily="18" charset="0"/>
+                          </a:rPr>
+                          <m:t>𝑚</m:t>
+                        </m:r>
+                      </m:sup>
+                      <m:e>
+                        <m:sSub>
+                          <m:sSubPr>
+                            <m:ctrlPr>
+                              <a:rPr lang="en-US" i="1">
+                                <a:latin typeface="Cambria Math" panose="02040503050406030204" pitchFamily="18" charset="0"/>
+                              </a:rPr>
+                            </m:ctrlPr>
+                          </m:sSubPr>
+                          <m:e>
+                            <m:r>
+                              <a:rPr lang="en-US" i="1">
+                                <a:latin typeface="Cambria Math" panose="02040503050406030204" pitchFamily="18" charset="0"/>
+                              </a:rPr>
+                              <m:t>𝑥</m:t>
+                            </m:r>
+                          </m:e>
+                          <m:sub>
+                            <m:r>
+                              <a:rPr lang="en-US" i="1">
+                                <a:latin typeface="Cambria Math" panose="02040503050406030204" pitchFamily="18" charset="0"/>
+                              </a:rPr>
+                              <m:t>𝑖</m:t>
+                            </m:r>
+                          </m:sub>
+                        </m:sSub>
+                        <m:sSub>
+                          <m:sSubPr>
+                            <m:ctrlPr>
+                              <a:rPr lang="en-US" i="1">
+                                <a:latin typeface="Cambria Math" panose="02040503050406030204" pitchFamily="18" charset="0"/>
+                              </a:rPr>
+                            </m:ctrlPr>
+                          </m:sSubPr>
+                          <m:e>
+                            <m:r>
+                              <a:rPr lang="en-US" i="1">
+                                <a:latin typeface="Cambria Math" panose="02040503050406030204" pitchFamily="18" charset="0"/>
+                              </a:rPr>
+                              <m:t>𝑏</m:t>
+                            </m:r>
+                          </m:e>
+                          <m:sub>
+                            <m:r>
+                              <a:rPr lang="en-US" i="1">
+                                <a:latin typeface="Cambria Math" panose="02040503050406030204" pitchFamily="18" charset="0"/>
+                              </a:rPr>
+                              <m:t>𝑖</m:t>
+                            </m:r>
+                          </m:sub>
+                        </m:sSub>
+                      </m:e>
+                    </m:nary>
+                    <m:r>
+                      <a:rPr lang="en-US" i="1">
+                        <a:latin typeface="Cambria Math" panose="02040503050406030204" pitchFamily="18" charset="0"/>
+                      </a:rPr>
+                      <m:t>+</m:t>
+                    </m:r>
+                    <m:r>
+                      <a:rPr lang="en-US" i="1">
+                        <a:latin typeface="Cambria Math" panose="02040503050406030204" pitchFamily="18" charset="0"/>
+                      </a:rPr>
+                      <m:t>𝑏</m:t>
+                    </m:r>
+                  </m:oMath>
+                </a14:m>
+                <a:r>
+                  <a:rPr lang="en-US" dirty="0"/>
+                  <a:t> </a:t>
+                </a:r>
+                <a:endParaRPr lang="ru-RU" dirty="0"/>
+              </a:p>
+            </p:txBody>
+          </p:sp>
+        </mc:Choice>
+        <mc:Fallback>
+          <p:sp>
+            <p:nvSpPr>
+              <p:cNvPr id="7" name="Прямоугольник 6"/>
+              <p:cNvSpPr>
+                <a:spLocks noRot="1" noChangeAspect="1" noMove="1" noResize="1" noEditPoints="1" noAdjustHandles="1" noChangeArrowheads="1" noChangeShapeType="1" noTextEdit="1"/>
+              </p:cNvSpPr>
+              <p:nvPr/>
+            </p:nvSpPr>
+            <p:spPr>
+              <a:xfrm>
+                <a:off x="3589590" y="2171109"/>
+                <a:ext cx="2302746" cy="370358"/>
+              </a:xfrm>
+              <a:prstGeom prst="rect">
+                <a:avLst/>
+              </a:prstGeom>
+              <a:blipFill rotWithShape="0">
+                <a:blip r:embed="rId4"/>
+                <a:stretch>
+                  <a:fillRect t="-118033" b="-185246"/>
+                </a:stretch>
+              </a:blipFill>
+            </p:spPr>
+            <p:txBody>
+              <a:bodyPr/>
+              <a:lstStyle/>
+              <a:p>
+                <a:r>
+                  <a:rPr lang="ru-RU">
+                    <a:noFill/>
+                  </a:rPr>
+                  <a:t> </a:t>
+                </a:r>
+              </a:p>
+            </p:txBody>
+          </p:sp>
+        </mc:Fallback>
+      </mc:AlternateContent>
     </p:spTree>
     <p:extLst>
       <p:ext uri="{BB962C8B-B14F-4D97-AF65-F5344CB8AC3E}">

--- a/defence/презентация защита работы.pptx
+++ b/defence/презентация защита работы.pptx
@@ -838,7 +838,7 @@
             <a:fld id="{B61BEF0D-F0BB-DE4B-95CE-6DB70DBA9567}" type="datetimeFigureOut">
               <a:rPr lang="en-US" dirty="0"/>
               <a:pPr/>
-              <a:t>5/1/2022</a:t>
+              <a:t>5/4/2022</a:t>
             </a:fld>
             <a:endParaRPr lang="en-US" dirty="0"/>
           </a:p>
@@ -1086,7 +1086,7 @@
             <a:fld id="{B61BEF0D-F0BB-DE4B-95CE-6DB70DBA9567}" type="datetimeFigureOut">
               <a:rPr lang="en-US" dirty="0"/>
               <a:pPr/>
-              <a:t>5/1/2022</a:t>
+              <a:t>5/4/2022</a:t>
             </a:fld>
             <a:endParaRPr lang="en-US" dirty="0"/>
           </a:p>
@@ -1397,7 +1397,7 @@
             <a:fld id="{B61BEF0D-F0BB-DE4B-95CE-6DB70DBA9567}" type="datetimeFigureOut">
               <a:rPr lang="en-US" dirty="0"/>
               <a:pPr/>
-              <a:t>5/1/2022</a:t>
+              <a:t>5/4/2022</a:t>
             </a:fld>
             <a:endParaRPr lang="en-US" dirty="0"/>
           </a:p>
@@ -1735,7 +1735,7 @@
             <a:fld id="{B61BEF0D-F0BB-DE4B-95CE-6DB70DBA9567}" type="datetimeFigureOut">
               <a:rPr lang="en-US" dirty="0"/>
               <a:pPr/>
-              <a:t>5/1/2022</a:t>
+              <a:t>5/4/2022</a:t>
             </a:fld>
             <a:endParaRPr lang="en-US" dirty="0"/>
           </a:p>
@@ -2046,7 +2046,7 @@
             <a:fld id="{B61BEF0D-F0BB-DE4B-95CE-6DB70DBA9567}" type="datetimeFigureOut">
               <a:rPr lang="en-US" dirty="0"/>
               <a:pPr/>
-              <a:t>5/1/2022</a:t>
+              <a:t>5/4/2022</a:t>
             </a:fld>
             <a:endParaRPr lang="en-US" dirty="0"/>
           </a:p>
@@ -2436,7 +2436,7 @@
             <a:fld id="{B61BEF0D-F0BB-DE4B-95CE-6DB70DBA9567}" type="datetimeFigureOut">
               <a:rPr lang="en-US" dirty="0"/>
               <a:pPr/>
-              <a:t>5/1/2022</a:t>
+              <a:t>5/4/2022</a:t>
             </a:fld>
             <a:endParaRPr lang="en-US" dirty="0"/>
           </a:p>
@@ -2602,7 +2602,7 @@
           <a:p>
             <a:fld id="{55C6B4A9-1611-4792-9094-5F34BCA07E0B}" type="datetimeFigureOut">
               <a:rPr lang="en-US" dirty="0"/>
-              <a:t>5/1/2022</a:t>
+              <a:t>5/4/2022</a:t>
             </a:fld>
             <a:endParaRPr lang="en-US" dirty="0"/>
           </a:p>
@@ -2778,7 +2778,7 @@
             <a:fld id="{B61BEF0D-F0BB-DE4B-95CE-6DB70DBA9567}" type="datetimeFigureOut">
               <a:rPr lang="en-US" dirty="0"/>
               <a:pPr/>
-              <a:t>5/1/2022</a:t>
+              <a:t>5/4/2022</a:t>
             </a:fld>
             <a:endParaRPr lang="en-US" dirty="0"/>
           </a:p>
@@ -2951,7 +2951,7 @@
             <a:fld id="{B61BEF0D-F0BB-DE4B-95CE-6DB70DBA9567}" type="datetimeFigureOut">
               <a:rPr lang="en-US" dirty="0"/>
               <a:pPr/>
-              <a:t>5/1/2022</a:t>
+              <a:t>5/4/2022</a:t>
             </a:fld>
             <a:endParaRPr lang="en-US" dirty="0"/>
           </a:p>
@@ -3195,7 +3195,7 @@
             <a:fld id="{B61BEF0D-F0BB-DE4B-95CE-6DB70DBA9567}" type="datetimeFigureOut">
               <a:rPr lang="en-US" dirty="0"/>
               <a:pPr/>
-              <a:t>5/1/2022</a:t>
+              <a:t>5/4/2022</a:t>
             </a:fld>
             <a:endParaRPr lang="en-US" dirty="0"/>
           </a:p>
@@ -3423,7 +3423,7 @@
           <a:p>
             <a:fld id="{EB712588-04B1-427B-82EE-E8DB90309F08}" type="datetimeFigureOut">
               <a:rPr lang="en-US" dirty="0"/>
-              <a:t>5/1/2022</a:t>
+              <a:t>5/4/2022</a:t>
             </a:fld>
             <a:endParaRPr lang="en-US" dirty="0"/>
           </a:p>
@@ -3793,7 +3793,7 @@
             <a:fld id="{B61BEF0D-F0BB-DE4B-95CE-6DB70DBA9567}" type="datetimeFigureOut">
               <a:rPr lang="en-US" dirty="0"/>
               <a:pPr/>
-              <a:t>5/1/2022</a:t>
+              <a:t>5/4/2022</a:t>
             </a:fld>
             <a:endParaRPr lang="en-US" dirty="0"/>
           </a:p>
@@ -3913,7 +3913,7 @@
             <a:fld id="{B61BEF0D-F0BB-DE4B-95CE-6DB70DBA9567}" type="datetimeFigureOut">
               <a:rPr lang="en-US" dirty="0"/>
               <a:pPr/>
-              <a:t>5/1/2022</a:t>
+              <a:t>5/4/2022</a:t>
             </a:fld>
             <a:endParaRPr lang="en-US" dirty="0"/>
           </a:p>
@@ -4005,7 +4005,7 @@
             <a:fld id="{B61BEF0D-F0BB-DE4B-95CE-6DB70DBA9567}" type="datetimeFigureOut">
               <a:rPr lang="en-US" dirty="0"/>
               <a:pPr/>
-              <a:t>5/1/2022</a:t>
+              <a:t>5/4/2022</a:t>
             </a:fld>
             <a:endParaRPr lang="en-US" dirty="0"/>
           </a:p>
@@ -4256,7 +4256,7 @@
           <a:p>
             <a:fld id="{42A54C80-263E-416B-A8E0-580EDEADCBDC}" type="datetimeFigureOut">
               <a:rPr lang="en-US" dirty="0"/>
-              <a:t>5/1/2022</a:t>
+              <a:t>5/4/2022</a:t>
             </a:fld>
             <a:endParaRPr lang="en-US" dirty="0"/>
           </a:p>
@@ -4515,7 +4515,7 @@
             <a:fld id="{B61BEF0D-F0BB-DE4B-95CE-6DB70DBA9567}" type="datetimeFigureOut">
               <a:rPr lang="en-US" dirty="0"/>
               <a:pPr/>
-              <a:t>5/1/2022</a:t>
+              <a:t>5/4/2022</a:t>
             </a:fld>
             <a:endParaRPr lang="en-US" dirty="0"/>
           </a:p>
@@ -5255,7 +5255,7 @@
             <a:fld id="{B61BEF0D-F0BB-DE4B-95CE-6DB70DBA9567}" type="datetimeFigureOut">
               <a:rPr lang="en-US" dirty="0"/>
               <a:pPr/>
-              <a:t>5/1/2022</a:t>
+              <a:t>5/4/2022</a:t>
             </a:fld>
             <a:endParaRPr lang="en-US" dirty="0"/>
           </a:p>
@@ -7125,8 +7125,8 @@
             </p:nvSpPr>
             <p:spPr>
               <a:xfrm>
-                <a:off x="3732634" y="1144244"/>
-                <a:ext cx="2027414" cy="706219"/>
+                <a:off x="3835183" y="1069182"/>
+                <a:ext cx="1690078" cy="588494"/>
               </a:xfrm>
               <a:prstGeom prst="rect">
                 <a:avLst/>
@@ -7139,6 +7139,7 @@
               </a:bodyPr>
               <a:lstStyle/>
               <a:p>
+                <a:pPr/>
                 <a14:m>
                   <m:oMathPara xmlns:m="http://schemas.openxmlformats.org/officeDocument/2006/math">
                     <m:oMathParaPr>
@@ -7149,14 +7150,14 @@
                         <m:accPr>
                           <m:chr m:val="̂"/>
                           <m:ctrlPr>
-                            <a:rPr lang="ru-RU" sz="2400" i="1" smtClean="0">
+                            <a:rPr lang="ru-RU" sz="2000" i="1" smtClean="0">
                               <a:latin typeface="Cambria Math" panose="02040503050406030204" pitchFamily="18" charset="0"/>
                             </a:rPr>
                           </m:ctrlPr>
                         </m:accPr>
                         <m:e>
                           <m:r>
-                            <a:rPr lang="en-US" sz="2400" b="0" i="1" smtClean="0">
+                            <a:rPr lang="en-US" sz="2000" b="0" i="1" smtClean="0">
                               <a:latin typeface="Cambria Math" panose="02040503050406030204" pitchFamily="18" charset="0"/>
                             </a:rPr>
                             <m:t>𝑝</m:t>
@@ -7164,7 +7165,7 @@
                         </m:e>
                       </m:acc>
                       <m:r>
-                        <a:rPr lang="en-US" sz="2400" b="0" i="1" smtClean="0">
+                        <a:rPr lang="en-US" sz="2000" b="0" i="1" smtClean="0">
                           <a:latin typeface="Cambria Math" panose="02040503050406030204" pitchFamily="18" charset="0"/>
                         </a:rPr>
                         <m:t>=</m:t>
@@ -7172,14 +7173,14 @@
                       <m:f>
                         <m:fPr>
                           <m:ctrlPr>
-                            <a:rPr lang="en-US" sz="2400" b="0" i="1" smtClean="0">
+                            <a:rPr lang="en-US" sz="2000" b="0" i="1" smtClean="0">
                               <a:latin typeface="Cambria Math" panose="02040503050406030204" pitchFamily="18" charset="0"/>
                             </a:rPr>
                           </m:ctrlPr>
                         </m:fPr>
                         <m:num>
                           <m:r>
-                            <a:rPr lang="en-US" sz="2400" b="0" i="1" smtClean="0">
+                            <a:rPr lang="en-US" sz="2000" b="0" i="1" smtClean="0">
                               <a:latin typeface="Cambria Math" panose="02040503050406030204" pitchFamily="18" charset="0"/>
                             </a:rPr>
                             <m:t>1</m:t>
@@ -7187,7 +7188,7 @@
                         </m:num>
                         <m:den>
                           <m:r>
-                            <a:rPr lang="en-US" sz="2400" b="0" i="1" smtClean="0">
+                            <a:rPr lang="en-US" sz="2000" b="0" i="1" smtClean="0">
                               <a:latin typeface="Cambria Math" panose="02040503050406030204" pitchFamily="18" charset="0"/>
                             </a:rPr>
                             <m:t>1+</m:t>
@@ -7195,14 +7196,14 @@
                           <m:sSup>
                             <m:sSupPr>
                               <m:ctrlPr>
-                                <a:rPr lang="en-US" sz="2400" b="0" i="1" smtClean="0">
+                                <a:rPr lang="en-US" sz="2000" b="0" i="1" smtClean="0">
                                   <a:latin typeface="Cambria Math" panose="02040503050406030204" pitchFamily="18" charset="0"/>
                                 </a:rPr>
                               </m:ctrlPr>
                             </m:sSupPr>
                             <m:e>
                               <m:r>
-                                <a:rPr lang="en-US" sz="2400" b="0" i="1" smtClean="0">
+                                <a:rPr lang="en-US" sz="2000" b="0" i="1" smtClean="0">
                                   <a:latin typeface="Cambria Math" panose="02040503050406030204" pitchFamily="18" charset="0"/>
                                 </a:rPr>
                                 <m:t>𝑒</m:t>
@@ -7210,19 +7211,19 @@
                             </m:e>
                             <m:sup>
                               <m:r>
-                                <a:rPr lang="en-US" sz="2400" b="0" i="1" smtClean="0">
+                                <a:rPr lang="en-US" sz="2000" b="0" i="1" smtClean="0">
                                   <a:latin typeface="Cambria Math" panose="02040503050406030204" pitchFamily="18" charset="0"/>
                                 </a:rPr>
                                 <m:t>−</m:t>
                               </m:r>
                               <m:r>
-                                <a:rPr lang="en-US" sz="2400" b="0" i="1" smtClean="0">
+                                <a:rPr lang="en-US" sz="2000" b="0" i="1" smtClean="0">
                                   <a:latin typeface="Cambria Math" panose="02040503050406030204" pitchFamily="18" charset="0"/>
                                 </a:rPr>
                                 <m:t>𝑔</m:t>
                               </m:r>
                               <m:r>
-                                <a:rPr lang="en-US" sz="2400" b="0" i="1" smtClean="0">
+                                <a:rPr lang="en-US" sz="2000" b="0" i="1" smtClean="0">
                                   <a:latin typeface="Cambria Math" panose="02040503050406030204" pitchFamily="18" charset="0"/>
                                 </a:rPr>
                                 <m:t>(</m:t>
@@ -7231,14 +7232,14 @@
                                 <m:accPr>
                                   <m:chr m:val="̅"/>
                                   <m:ctrlPr>
-                                    <a:rPr lang="en-US" sz="2400" b="0" i="1" smtClean="0">
+                                    <a:rPr lang="en-US" sz="2000" b="0" i="1" smtClean="0">
                                       <a:latin typeface="Cambria Math" panose="02040503050406030204" pitchFamily="18" charset="0"/>
                                     </a:rPr>
                                   </m:ctrlPr>
                                 </m:accPr>
                                 <m:e>
                                   <m:r>
-                                    <a:rPr lang="en-US" sz="2400" b="0" i="1" smtClean="0">
+                                    <a:rPr lang="en-US" sz="2000" b="0" i="1" smtClean="0">
                                       <a:latin typeface="Cambria Math" panose="02040503050406030204" pitchFamily="18" charset="0"/>
                                     </a:rPr>
                                     <m:t>𝑥</m:t>
@@ -7246,7 +7247,7 @@
                                 </m:e>
                               </m:acc>
                               <m:r>
-                                <a:rPr lang="en-US" sz="2400" b="0" i="1" smtClean="0">
+                                <a:rPr lang="en-US" sz="2000" b="0" i="1" smtClean="0">
                                   <a:latin typeface="Cambria Math" panose="02040503050406030204" pitchFamily="18" charset="0"/>
                                 </a:rPr>
                                 <m:t>)</m:t>
@@ -7274,8 +7275,8 @@
             </p:nvSpPr>
             <p:spPr>
               <a:xfrm>
-                <a:off x="3732634" y="1144244"/>
-                <a:ext cx="2027414" cy="706219"/>
+                <a:off x="3835183" y="1069182"/>
+                <a:ext cx="1690078" cy="588494"/>
               </a:xfrm>
               <a:prstGeom prst="rect">
                 <a:avLst/>
@@ -7312,8 +7313,8 @@
             </p:nvSpPr>
             <p:spPr>
               <a:xfrm>
-                <a:off x="1364910" y="2889149"/>
-                <a:ext cx="6752105" cy="862352"/>
+                <a:off x="2132491" y="2690868"/>
+                <a:ext cx="5216941" cy="646716"/>
               </a:xfrm>
               <a:prstGeom prst="rect">
                 <a:avLst/>
@@ -7327,7 +7328,7 @@
               <a:lstStyle/>
               <a:p>
                 <a:r>
-                  <a:rPr lang="ru-RU" sz="1600" dirty="0" smtClean="0"/>
+                  <a:rPr lang="ru-RU" sz="1200" dirty="0" smtClean="0"/>
                   <a:t>Где </a:t>
                 </a:r>
                 <a14:m>
@@ -7336,14 +7337,14 @@
                       <m:accPr>
                         <m:chr m:val="̂"/>
                         <m:ctrlPr>
-                          <a:rPr lang="ru-RU" sz="1600" i="1">
+                          <a:rPr lang="ru-RU" sz="1200" i="1">
                             <a:latin typeface="Cambria Math" panose="02040503050406030204" pitchFamily="18" charset="0"/>
                           </a:rPr>
                         </m:ctrlPr>
                       </m:accPr>
                       <m:e>
                         <m:r>
-                          <a:rPr lang="en-US" sz="1600" i="1">
+                          <a:rPr lang="en-US" sz="1200" i="1">
                             <a:latin typeface="Cambria Math" panose="02040503050406030204" pitchFamily="18" charset="0"/>
                           </a:rPr>
                           <m:t>𝑝</m:t>
@@ -7353,11 +7354,11 @@
                   </m:oMath>
                 </a14:m>
                 <a:r>
-                  <a:rPr lang="ru-RU" sz="1600" dirty="0" smtClean="0"/>
+                  <a:rPr lang="ru-RU" sz="1200" dirty="0" smtClean="0"/>
                   <a:t> — оценка вероятности наступления дефолта</a:t>
                 </a:r>
                 <a:r>
-                  <a:rPr lang="en-US" sz="1600" dirty="0" smtClean="0"/>
+                  <a:rPr lang="en-US" sz="1200" dirty="0" smtClean="0"/>
                   <a:t>;</a:t>
                 </a:r>
               </a:p>
@@ -7369,14 +7370,14 @@
                       <m:accPr>
                         <m:chr m:val="̅"/>
                         <m:ctrlPr>
-                          <a:rPr lang="en-US" sz="1600" i="1">
+                          <a:rPr lang="en-US" sz="1200" i="1">
                             <a:latin typeface="Cambria Math" panose="02040503050406030204" pitchFamily="18" charset="0"/>
                           </a:rPr>
                         </m:ctrlPr>
                       </m:accPr>
                       <m:e>
                         <m:r>
-                          <a:rPr lang="en-US" sz="1600" i="1">
+                          <a:rPr lang="en-US" sz="1200" i="1">
                             <a:latin typeface="Cambria Math" panose="02040503050406030204" pitchFamily="18" charset="0"/>
                           </a:rPr>
                           <m:t>𝑥</m:t>
@@ -7384,7 +7385,7 @@
                       </m:e>
                     </m:acc>
                     <m:r>
-                      <a:rPr lang="en-US" sz="1600" b="0" i="1" smtClean="0">
+                      <a:rPr lang="en-US" sz="1200" b="0" i="1" smtClean="0">
                         <a:latin typeface="Cambria Math" panose="02040503050406030204" pitchFamily="18" charset="0"/>
                       </a:rPr>
                       <m:t>=(</m:t>
@@ -7392,14 +7393,14 @@
                     <m:sSub>
                       <m:sSubPr>
                         <m:ctrlPr>
-                          <a:rPr lang="en-US" sz="1600" b="0" i="1" smtClean="0">
+                          <a:rPr lang="en-US" sz="1200" b="0" i="1" smtClean="0">
                             <a:latin typeface="Cambria Math" panose="02040503050406030204" pitchFamily="18" charset="0"/>
                           </a:rPr>
                         </m:ctrlPr>
                       </m:sSubPr>
                       <m:e>
                         <m:r>
-                          <a:rPr lang="en-US" sz="1600" b="0" i="1" smtClean="0">
+                          <a:rPr lang="en-US" sz="1200" b="0" i="1" smtClean="0">
                             <a:latin typeface="Cambria Math" panose="02040503050406030204" pitchFamily="18" charset="0"/>
                           </a:rPr>
                           <m:t>𝑥</m:t>
@@ -7407,7 +7408,7 @@
                       </m:e>
                       <m:sub>
                         <m:r>
-                          <a:rPr lang="en-US" sz="1600" b="0" i="1" smtClean="0">
+                          <a:rPr lang="en-US" sz="1200" b="0" i="1" smtClean="0">
                             <a:latin typeface="Cambria Math" panose="02040503050406030204" pitchFamily="18" charset="0"/>
                           </a:rPr>
                           <m:t>1</m:t>
@@ -7415,7 +7416,7 @@
                       </m:sub>
                     </m:sSub>
                     <m:r>
-                      <a:rPr lang="en-US" sz="1600" b="0" i="1" smtClean="0">
+                      <a:rPr lang="en-US" sz="1200" b="0" i="1" smtClean="0">
                         <a:latin typeface="Cambria Math" panose="02040503050406030204" pitchFamily="18" charset="0"/>
                       </a:rPr>
                       <m:t>,</m:t>
@@ -7423,14 +7424,14 @@
                     <m:sSub>
                       <m:sSubPr>
                         <m:ctrlPr>
-                          <a:rPr lang="en-US" sz="1600" b="0" i="1" smtClean="0">
+                          <a:rPr lang="en-US" sz="1200" b="0" i="1" smtClean="0">
                             <a:latin typeface="Cambria Math" panose="02040503050406030204" pitchFamily="18" charset="0"/>
                           </a:rPr>
                         </m:ctrlPr>
                       </m:sSubPr>
                       <m:e>
                         <m:r>
-                          <a:rPr lang="en-US" sz="1600" b="0" i="1" smtClean="0">
+                          <a:rPr lang="en-US" sz="1200" b="0" i="1" smtClean="0">
                             <a:latin typeface="Cambria Math" panose="02040503050406030204" pitchFamily="18" charset="0"/>
                           </a:rPr>
                           <m:t>𝑥</m:t>
@@ -7438,7 +7439,7 @@
                       </m:e>
                       <m:sub>
                         <m:r>
-                          <a:rPr lang="en-US" sz="1600" b="0" i="1" smtClean="0">
+                          <a:rPr lang="en-US" sz="1200" b="0" i="1" smtClean="0">
                             <a:latin typeface="Cambria Math" panose="02040503050406030204" pitchFamily="18" charset="0"/>
                           </a:rPr>
                           <m:t>2</m:t>
@@ -7446,7 +7447,7 @@
                       </m:sub>
                     </m:sSub>
                     <m:r>
-                      <a:rPr lang="en-US" sz="1600" b="0" i="1" smtClean="0">
+                      <a:rPr lang="en-US" sz="1200" b="0" i="1" smtClean="0">
                         <a:latin typeface="Cambria Math" panose="02040503050406030204" pitchFamily="18" charset="0"/>
                       </a:rPr>
                       <m:t>,…,</m:t>
@@ -7454,14 +7455,14 @@
                     <m:sSub>
                       <m:sSubPr>
                         <m:ctrlPr>
-                          <a:rPr lang="en-US" sz="1600" b="0" i="1" smtClean="0">
+                          <a:rPr lang="en-US" sz="1200" b="0" i="1" smtClean="0">
                             <a:latin typeface="Cambria Math" panose="02040503050406030204" pitchFamily="18" charset="0"/>
                           </a:rPr>
                         </m:ctrlPr>
                       </m:sSubPr>
                       <m:e>
                         <m:r>
-                          <a:rPr lang="en-US" sz="1600" b="0" i="1" smtClean="0">
+                          <a:rPr lang="en-US" sz="1200" b="0" i="1" smtClean="0">
                             <a:latin typeface="Cambria Math" panose="02040503050406030204" pitchFamily="18" charset="0"/>
                           </a:rPr>
                           <m:t>𝑥</m:t>
@@ -7469,7 +7470,7 @@
                       </m:e>
                       <m:sub>
                         <m:r>
-                          <a:rPr lang="en-US" sz="1600" b="0" i="1" smtClean="0">
+                          <a:rPr lang="en-US" sz="1200" b="0" i="1" smtClean="0">
                             <a:latin typeface="Cambria Math" panose="02040503050406030204" pitchFamily="18" charset="0"/>
                           </a:rPr>
                           <m:t>𝑚</m:t>
@@ -7477,7 +7478,7 @@
                       </m:sub>
                     </m:sSub>
                     <m:r>
-                      <a:rPr lang="en-US" sz="1600" b="0" i="1" smtClean="0">
+                      <a:rPr lang="en-US" sz="1200" b="0" i="1" smtClean="0">
                         <a:latin typeface="Cambria Math" panose="02040503050406030204" pitchFamily="18" charset="0"/>
                       </a:rPr>
                       <m:t>)</m:t>
@@ -7485,19 +7486,15 @@
                   </m:oMath>
                 </a14:m>
                 <a:r>
-                  <a:rPr lang="ru-RU" sz="1600" dirty="0"/>
-                  <a:t> </a:t>
+                  <a:rPr lang="ru-RU" sz="1200" dirty="0"/>
+                  <a:t> — </a:t>
                 </a:r>
                 <a:r>
-                  <a:rPr lang="ru-RU" sz="1600" dirty="0"/>
-                  <a:t>— </a:t>
-                </a:r>
-                <a:r>
-                  <a:rPr lang="ru-RU" sz="1600" dirty="0" smtClean="0"/>
+                  <a:rPr lang="ru-RU" sz="1200" dirty="0" smtClean="0"/>
                   <a:t>вектор характеристик некоторого заёмщика</a:t>
                 </a:r>
                 <a:r>
-                  <a:rPr lang="en-US" sz="1600" dirty="0" smtClean="0"/>
+                  <a:rPr lang="en-US" sz="1200" dirty="0" smtClean="0"/>
                   <a:t>;</a:t>
                 </a:r>
               </a:p>
@@ -7508,14 +7505,14 @@
                     <m:sSub>
                       <m:sSubPr>
                         <m:ctrlPr>
-                          <a:rPr lang="en-US" sz="1600" i="1">
+                          <a:rPr lang="en-US" sz="1200" i="1">
                             <a:latin typeface="Cambria Math" panose="02040503050406030204" pitchFamily="18" charset="0"/>
                           </a:rPr>
                         </m:ctrlPr>
                       </m:sSubPr>
                       <m:e>
                         <m:r>
-                          <a:rPr lang="en-US" sz="1600" i="1">
+                          <a:rPr lang="en-US" sz="1200" i="1">
                             <a:latin typeface="Cambria Math" panose="02040503050406030204" pitchFamily="18" charset="0"/>
                           </a:rPr>
                           <m:t>𝑏</m:t>
@@ -7523,7 +7520,7 @@
                       </m:e>
                       <m:sub>
                         <m:r>
-                          <a:rPr lang="en-US" sz="1600" i="1">
+                          <a:rPr lang="en-US" sz="1200" i="1">
                             <a:latin typeface="Cambria Math" panose="02040503050406030204" pitchFamily="18" charset="0"/>
                           </a:rPr>
                           <m:t>𝑖</m:t>
@@ -7531,19 +7528,19 @@
                       </m:sub>
                     </m:sSub>
                     <m:r>
-                      <a:rPr lang="en-US" sz="1600" b="0" i="1">
+                      <a:rPr lang="en-US" sz="1200" b="0" i="1">
                         <a:latin typeface="Cambria Math" panose="02040503050406030204" pitchFamily="18" charset="0"/>
                       </a:rPr>
                       <m:t> </m:t>
                     </m:r>
                     <m:r>
-                      <a:rPr lang="en-US" sz="1600" b="0" i="1" smtClean="0">
+                      <a:rPr lang="en-US" sz="1200" b="0" i="1" smtClean="0">
                         <a:latin typeface="Cambria Math" panose="02040503050406030204" pitchFamily="18" charset="0"/>
                       </a:rPr>
                       <m:t>𝑖</m:t>
                     </m:r>
                     <m:r>
-                      <a:rPr lang="en-US" sz="1600" b="0" i="1" smtClean="0">
+                      <a:rPr lang="en-US" sz="1200" b="0" i="1" smtClean="0">
                         <a:latin typeface="Cambria Math" panose="02040503050406030204" pitchFamily="18" charset="0"/>
                       </a:rPr>
                       <m:t>=</m:t>
@@ -7552,20 +7549,20 @@
                       <m:accPr>
                         <m:chr m:val="̅"/>
                         <m:ctrlPr>
-                          <a:rPr lang="en-US" sz="1600" b="0" i="1" smtClean="0">
+                          <a:rPr lang="en-US" sz="1200" b="0" i="1" smtClean="0">
                             <a:latin typeface="Cambria Math" panose="02040503050406030204" pitchFamily="18" charset="0"/>
                           </a:rPr>
                         </m:ctrlPr>
                       </m:accPr>
                       <m:e>
                         <m:r>
-                          <a:rPr lang="en-US" sz="1600" b="0" i="1" smtClean="0">
+                          <a:rPr lang="en-US" sz="1200" b="0" i="1" smtClean="0">
                             <a:latin typeface="Cambria Math" panose="02040503050406030204" pitchFamily="18" charset="0"/>
                           </a:rPr>
                           <m:t>1,</m:t>
                         </m:r>
                         <m:r>
-                          <a:rPr lang="en-US" sz="1600" b="0" i="1" smtClean="0">
+                          <a:rPr lang="en-US" sz="1200" b="0" i="1" smtClean="0">
                             <a:latin typeface="Cambria Math" panose="02040503050406030204" pitchFamily="18" charset="0"/>
                           </a:rPr>
                           <m:t>𝑚</m:t>
@@ -7573,13 +7570,13 @@
                       </m:e>
                     </m:acc>
                     <m:r>
-                      <a:rPr lang="en-US" sz="1600" b="0" i="1" smtClean="0">
+                      <a:rPr lang="en-US" sz="1200" b="0" i="1" smtClean="0">
                         <a:latin typeface="Cambria Math" panose="02040503050406030204" pitchFamily="18" charset="0"/>
                       </a:rPr>
                       <m:t>;</m:t>
                     </m:r>
                     <m:r>
-                      <a:rPr lang="en-US" sz="1600" b="0" i="1" smtClean="0">
+                      <a:rPr lang="en-US" sz="1200" b="0" i="1" smtClean="0">
                         <a:latin typeface="Cambria Math" panose="02040503050406030204" pitchFamily="18" charset="0"/>
                       </a:rPr>
                       <m:t>𝑏</m:t>
@@ -7587,22 +7584,22 @@
                   </m:oMath>
                 </a14:m>
                 <a:r>
-                  <a:rPr lang="en-US" sz="1600" dirty="0" smtClean="0"/>
+                  <a:rPr lang="en-US" sz="1200" dirty="0" smtClean="0"/>
                   <a:t> </a:t>
                 </a:r>
                 <a:r>
-                  <a:rPr lang="ru-RU" sz="1600" dirty="0"/>
+                  <a:rPr lang="ru-RU" sz="1200" dirty="0"/>
                   <a:t>— </a:t>
                 </a:r>
                 <a:r>
-                  <a:rPr lang="ru-RU" sz="1600" dirty="0" smtClean="0"/>
+                  <a:rPr lang="ru-RU" sz="1200" dirty="0" smtClean="0"/>
                   <a:t>оценки коэффициентов модели</a:t>
                 </a:r>
                 <a:r>
-                  <a:rPr lang="en-US" sz="1600" dirty="0" smtClean="0"/>
+                  <a:rPr lang="en-US" sz="1200" dirty="0" smtClean="0"/>
                   <a:t>.</a:t>
                 </a:r>
-                <a:endParaRPr lang="en-US" sz="1600" dirty="0"/>
+                <a:endParaRPr lang="en-US" sz="1200" dirty="0"/>
               </a:p>
             </p:txBody>
           </p:sp>
@@ -7618,8 +7615,8 @@
             </p:nvSpPr>
             <p:spPr>
               <a:xfrm>
-                <a:off x="1364910" y="2889149"/>
-                <a:ext cx="6752105" cy="862352"/>
+                <a:off x="2132491" y="2690868"/>
+                <a:ext cx="5216941" cy="646716"/>
               </a:xfrm>
               <a:prstGeom prst="rect">
                 <a:avLst/>
@@ -7627,7 +7624,7 @@
               <a:blipFill rotWithShape="0">
                 <a:blip r:embed="rId3"/>
                 <a:stretch>
-                  <a:fillRect l="-542" t="-2837" b="-4255"/>
+                  <a:fillRect l="-117" b="-5607"/>
                 </a:stretch>
               </a:blipFill>
             </p:spPr>
@@ -7656,8 +7653,8 @@
             </p:nvSpPr>
             <p:spPr>
               <a:xfrm>
-                <a:off x="3589590" y="2171109"/>
-                <a:ext cx="2302746" cy="370358"/>
+                <a:off x="3704428" y="1984531"/>
+                <a:ext cx="2073068" cy="369332"/>
               </a:xfrm>
               <a:prstGeom prst="rect">
                 <a:avLst/>
@@ -7672,7 +7669,7 @@
                 <a14:m>
                   <m:oMath xmlns:m="http://schemas.openxmlformats.org/officeDocument/2006/math">
                     <m:r>
-                      <a:rPr lang="en-US" i="1">
+                      <a:rPr lang="en-US" sz="1600" i="1">
                         <a:latin typeface="Cambria Math" panose="02040503050406030204" pitchFamily="18" charset="0"/>
                       </a:rPr>
                       <m:t>𝑔</m:t>
@@ -7680,7 +7677,7 @@
                     <m:d>
                       <m:dPr>
                         <m:ctrlPr>
-                          <a:rPr lang="en-US" i="1">
+                          <a:rPr lang="en-US" sz="1600" i="1">
                             <a:latin typeface="Cambria Math" panose="02040503050406030204" pitchFamily="18" charset="0"/>
                           </a:rPr>
                         </m:ctrlPr>
@@ -7690,14 +7687,14 @@
                           <m:accPr>
                             <m:chr m:val="̅"/>
                             <m:ctrlPr>
-                              <a:rPr lang="en-US" i="1">
+                              <a:rPr lang="en-US" sz="1600" i="1">
                                 <a:latin typeface="Cambria Math" panose="02040503050406030204" pitchFamily="18" charset="0"/>
                               </a:rPr>
                             </m:ctrlPr>
                           </m:accPr>
                           <m:e>
                             <m:r>
-                              <a:rPr lang="en-US" i="1">
+                              <a:rPr lang="en-US" sz="1600" i="1">
                                 <a:latin typeface="Cambria Math" panose="02040503050406030204" pitchFamily="18" charset="0"/>
                               </a:rPr>
                               <m:t>𝑥</m:t>
@@ -7707,7 +7704,7 @@
                       </m:e>
                     </m:d>
                     <m:r>
-                      <a:rPr lang="en-US" i="1">
+                      <a:rPr lang="en-US" sz="1600" i="1">
                         <a:latin typeface="Cambria Math" panose="02040503050406030204" pitchFamily="18" charset="0"/>
                       </a:rPr>
                       <m:t>=</m:t>
@@ -7716,7 +7713,7 @@
                       <m:naryPr>
                         <m:chr m:val="∑"/>
                         <m:ctrlPr>
-                          <a:rPr lang="en-US" i="1">
+                          <a:rPr lang="en-US" sz="1600" i="1">
                             <a:latin typeface="Cambria Math" panose="02040503050406030204" pitchFamily="18" charset="0"/>
                           </a:rPr>
                         </m:ctrlPr>
@@ -7726,13 +7723,13 @@
                           <m:rPr>
                             <m:brk m:alnAt="23"/>
                           </m:rPr>
-                          <a:rPr lang="en-US" i="1">
+                          <a:rPr lang="en-US" sz="1600" i="1">
                             <a:latin typeface="Cambria Math" panose="02040503050406030204" pitchFamily="18" charset="0"/>
                           </a:rPr>
                           <m:t>𝑖</m:t>
                         </m:r>
                         <m:r>
-                          <a:rPr lang="en-US" i="1">
+                          <a:rPr lang="en-US" sz="1600" i="1">
                             <a:latin typeface="Cambria Math" panose="02040503050406030204" pitchFamily="18" charset="0"/>
                           </a:rPr>
                           <m:t>=</m:t>
@@ -7741,7 +7738,7 @@
                           <m:rPr>
                             <m:brk m:alnAt="23"/>
                           </m:rPr>
-                          <a:rPr lang="en-US" i="1">
+                          <a:rPr lang="en-US" sz="1600" i="1">
                             <a:latin typeface="Cambria Math" panose="02040503050406030204" pitchFamily="18" charset="0"/>
                           </a:rPr>
                           <m:t>1</m:t>
@@ -7749,7 +7746,7 @@
                       </m:sub>
                       <m:sup>
                         <m:r>
-                          <a:rPr lang="en-US" i="1">
+                          <a:rPr lang="en-US" sz="1600" i="1">
                             <a:latin typeface="Cambria Math" panose="02040503050406030204" pitchFamily="18" charset="0"/>
                           </a:rPr>
                           <m:t>𝑚</m:t>
@@ -7759,14 +7756,14 @@
                         <m:sSub>
                           <m:sSubPr>
                             <m:ctrlPr>
-                              <a:rPr lang="en-US" i="1">
+                              <a:rPr lang="en-US" sz="1600" i="1">
                                 <a:latin typeface="Cambria Math" panose="02040503050406030204" pitchFamily="18" charset="0"/>
                               </a:rPr>
                             </m:ctrlPr>
                           </m:sSubPr>
                           <m:e>
                             <m:r>
-                              <a:rPr lang="en-US" i="1">
+                              <a:rPr lang="en-US" sz="1600" i="1">
                                 <a:latin typeface="Cambria Math" panose="02040503050406030204" pitchFamily="18" charset="0"/>
                               </a:rPr>
                               <m:t>𝑥</m:t>
@@ -7774,7 +7771,7 @@
                           </m:e>
                           <m:sub>
                             <m:r>
-                              <a:rPr lang="en-US" i="1">
+                              <a:rPr lang="en-US" sz="1600" i="1">
                                 <a:latin typeface="Cambria Math" panose="02040503050406030204" pitchFamily="18" charset="0"/>
                               </a:rPr>
                               <m:t>𝑖</m:t>
@@ -7784,14 +7781,14 @@
                         <m:sSub>
                           <m:sSubPr>
                             <m:ctrlPr>
-                              <a:rPr lang="en-US" i="1">
+                              <a:rPr lang="en-US" sz="1600" i="1">
                                 <a:latin typeface="Cambria Math" panose="02040503050406030204" pitchFamily="18" charset="0"/>
                               </a:rPr>
                             </m:ctrlPr>
                           </m:sSubPr>
                           <m:e>
                             <m:r>
-                              <a:rPr lang="en-US" i="1">
+                              <a:rPr lang="en-US" sz="1600" i="1">
                                 <a:latin typeface="Cambria Math" panose="02040503050406030204" pitchFamily="18" charset="0"/>
                               </a:rPr>
                               <m:t>𝑏</m:t>
@@ -7799,7 +7796,7 @@
                           </m:e>
                           <m:sub>
                             <m:r>
-                              <a:rPr lang="en-US" i="1">
+                              <a:rPr lang="en-US" sz="1600" i="1">
                                 <a:latin typeface="Cambria Math" panose="02040503050406030204" pitchFamily="18" charset="0"/>
                               </a:rPr>
                               <m:t>𝑖</m:t>
@@ -7809,13 +7806,13 @@
                       </m:e>
                     </m:nary>
                     <m:r>
-                      <a:rPr lang="en-US" i="1">
+                      <a:rPr lang="en-US" sz="1600" i="1">
                         <a:latin typeface="Cambria Math" panose="02040503050406030204" pitchFamily="18" charset="0"/>
                       </a:rPr>
                       <m:t>+</m:t>
                     </m:r>
                     <m:r>
-                      <a:rPr lang="en-US" i="1">
+                      <a:rPr lang="en-US" sz="1600" i="1">
                         <a:latin typeface="Cambria Math" panose="02040503050406030204" pitchFamily="18" charset="0"/>
                       </a:rPr>
                       <m:t>𝑏</m:t>
@@ -7842,8 +7839,8 @@
             </p:nvSpPr>
             <p:spPr>
               <a:xfrm>
-                <a:off x="3589590" y="2171109"/>
-                <a:ext cx="2302746" cy="370358"/>
+                <a:off x="3704428" y="1984531"/>
+                <a:ext cx="2073068" cy="369332"/>
               </a:xfrm>
               <a:prstGeom prst="rect">
                 <a:avLst/>
@@ -7851,7 +7848,7 @@
               <a:blipFill rotWithShape="0">
                 <a:blip r:embed="rId4"/>
                 <a:stretch>
-                  <a:fillRect t="-118033" b="-185246"/>
+                  <a:fillRect t="-93333" b="-158333"/>
                 </a:stretch>
               </a:blipFill>
             </p:spPr>
@@ -7870,6 +7867,66 @@
           </p:sp>
         </mc:Fallback>
       </mc:AlternateContent>
+      <p:pic>
+        <p:nvPicPr>
+          <p:cNvPr id="3" name="Рисунок 2"/>
+          <p:cNvPicPr>
+            <a:picLocks noChangeAspect="1"/>
+          </p:cNvPicPr>
+          <p:nvPr/>
+        </p:nvPicPr>
+        <p:blipFill>
+          <a:blip r:embed="rId5">
+            <a:extLst>
+              <a:ext uri="{28A0092B-C50C-407E-A947-70E740481C1C}">
+                <a14:useLocalDpi xmlns:a14="http://schemas.microsoft.com/office/drawing/2010/main" val="0"/>
+              </a:ext>
+            </a:extLst>
+          </a:blip>
+          <a:stretch>
+            <a:fillRect/>
+          </a:stretch>
+        </p:blipFill>
+        <p:spPr>
+          <a:xfrm>
+            <a:off x="1364910" y="3332107"/>
+            <a:ext cx="3430644" cy="3430644"/>
+          </a:xfrm>
+          <a:prstGeom prst="rect">
+            <a:avLst/>
+          </a:prstGeom>
+        </p:spPr>
+      </p:pic>
+      <p:pic>
+        <p:nvPicPr>
+          <p:cNvPr id="5" name="Рисунок 4"/>
+          <p:cNvPicPr>
+            <a:picLocks noChangeAspect="1"/>
+          </p:cNvPicPr>
+          <p:nvPr/>
+        </p:nvPicPr>
+        <p:blipFill>
+          <a:blip r:embed="rId6">
+            <a:extLst>
+              <a:ext uri="{28A0092B-C50C-407E-A947-70E740481C1C}">
+                <a14:useLocalDpi xmlns:a14="http://schemas.microsoft.com/office/drawing/2010/main" val="0"/>
+              </a:ext>
+            </a:extLst>
+          </a:blip>
+          <a:stretch>
+            <a:fillRect/>
+          </a:stretch>
+        </p:blipFill>
+        <p:spPr>
+          <a:xfrm>
+            <a:off x="4795554" y="3409682"/>
+            <a:ext cx="2949052" cy="2949052"/>
+          </a:xfrm>
+          <a:prstGeom prst="rect">
+            <a:avLst/>
+          </a:prstGeom>
+        </p:spPr>
+      </p:pic>
     </p:spTree>
     <p:extLst>
       <p:ext uri="{BB962C8B-B14F-4D97-AF65-F5344CB8AC3E}">

--- a/defence/презентация защита работы.pptx
+++ b/defence/презентация защита работы.pptx
@@ -7115,8 +7115,8 @@
           </a:p>
         </p:txBody>
       </p:sp>
-      <mc:AlternateContent xmlns:mc="http://schemas.openxmlformats.org/markup-compatibility/2006">
-        <mc:Choice xmlns:a14="http://schemas.microsoft.com/office/drawing/2010/main" Requires="a14">
+      <mc:AlternateContent xmlns:mc="http://schemas.openxmlformats.org/markup-compatibility/2006" xmlns:a14="http://schemas.microsoft.com/office/drawing/2010/main">
+        <mc:Choice Requires="a14">
           <p:sp>
             <p:nvSpPr>
               <p:cNvPr id="4" name="TextBox 3"/>
@@ -7264,7 +7264,7 @@
             </p:txBody>
           </p:sp>
         </mc:Choice>
-        <mc:Fallback>
+        <mc:Fallback xmlns="">
           <p:sp>
             <p:nvSpPr>
               <p:cNvPr id="4" name="TextBox 3"/>
@@ -7303,8 +7303,8 @@
           </p:sp>
         </mc:Fallback>
       </mc:AlternateContent>
-      <mc:AlternateContent xmlns:mc="http://schemas.openxmlformats.org/markup-compatibility/2006">
-        <mc:Choice xmlns:a14="http://schemas.microsoft.com/office/drawing/2010/main" Requires="a14">
+      <mc:AlternateContent xmlns:mc="http://schemas.openxmlformats.org/markup-compatibility/2006" xmlns:a14="http://schemas.microsoft.com/office/drawing/2010/main">
+        <mc:Choice Requires="a14">
           <p:sp>
             <p:nvSpPr>
               <p:cNvPr id="6" name="TextBox 5"/>
@@ -7604,7 +7604,7 @@
             </p:txBody>
           </p:sp>
         </mc:Choice>
-        <mc:Fallback>
+        <mc:Fallback xmlns="">
           <p:sp>
             <p:nvSpPr>
               <p:cNvPr id="6" name="TextBox 5"/>
@@ -7643,8 +7643,8 @@
           </p:sp>
         </mc:Fallback>
       </mc:AlternateContent>
-      <mc:AlternateContent xmlns:mc="http://schemas.openxmlformats.org/markup-compatibility/2006">
-        <mc:Choice xmlns:a14="http://schemas.microsoft.com/office/drawing/2010/main" Requires="a14">
+      <mc:AlternateContent xmlns:mc="http://schemas.openxmlformats.org/markup-compatibility/2006" xmlns:a14="http://schemas.microsoft.com/office/drawing/2010/main">
+        <mc:Choice Requires="a14">
           <p:sp>
             <p:nvSpPr>
               <p:cNvPr id="7" name="Прямоугольник 6"/>
@@ -7828,7 +7828,7 @@
             </p:txBody>
           </p:sp>
         </mc:Choice>
-        <mc:Fallback>
+        <mc:Fallback xmlns="">
           <p:sp>
             <p:nvSpPr>
               <p:cNvPr id="7" name="Прямоугольник 6"/>
@@ -7869,7 +7869,7 @@
       </mc:AlternateContent>
       <p:pic>
         <p:nvPicPr>
-          <p:cNvPr id="3" name="Рисунок 2"/>
+          <p:cNvPr id="8" name="Рисунок 7"/>
           <p:cNvPicPr>
             <a:picLocks noChangeAspect="1"/>
           </p:cNvPicPr>
@@ -7889,8 +7889,8 @@
         </p:blipFill>
         <p:spPr>
           <a:xfrm>
-            <a:off x="1364910" y="3332107"/>
-            <a:ext cx="3430644" cy="3430644"/>
+            <a:off x="677333" y="3337584"/>
+            <a:ext cx="3425166" cy="3425166"/>
           </a:xfrm>
           <a:prstGeom prst="rect">
             <a:avLst/>
@@ -7899,7 +7899,7 @@
       </p:pic>
       <p:pic>
         <p:nvPicPr>
-          <p:cNvPr id="5" name="Рисунок 4"/>
+          <p:cNvPr id="9" name="Рисунок 8"/>
           <p:cNvPicPr>
             <a:picLocks noChangeAspect="1"/>
           </p:cNvPicPr>
@@ -7919,8 +7919,38 @@
         </p:blipFill>
         <p:spPr>
           <a:xfrm>
-            <a:off x="4795554" y="3409682"/>
-            <a:ext cx="2949052" cy="2949052"/>
+            <a:off x="4680222" y="3356873"/>
+            <a:ext cx="3054670" cy="3054670"/>
+          </a:xfrm>
+          <a:prstGeom prst="rect">
+            <a:avLst/>
+          </a:prstGeom>
+        </p:spPr>
+      </p:pic>
+      <p:pic>
+        <p:nvPicPr>
+          <p:cNvPr id="10" name="Рисунок 9"/>
+          <p:cNvPicPr>
+            <a:picLocks noChangeAspect="1"/>
+          </p:cNvPicPr>
+          <p:nvPr/>
+        </p:nvPicPr>
+        <p:blipFill>
+          <a:blip r:embed="rId7">
+            <a:extLst>
+              <a:ext uri="{28A0092B-C50C-407E-A947-70E740481C1C}">
+                <a14:useLocalDpi xmlns:a14="http://schemas.microsoft.com/office/drawing/2010/main" val="0"/>
+              </a:ext>
+            </a:extLst>
+          </a:blip>
+          <a:stretch>
+            <a:fillRect/>
+          </a:stretch>
+        </p:blipFill>
+        <p:spPr>
+          <a:xfrm>
+            <a:off x="677333" y="3337584"/>
+            <a:ext cx="3425166" cy="3425166"/>
           </a:xfrm>
           <a:prstGeom prst="rect">
             <a:avLst/>
@@ -7940,7 +7970,83 @@
   <p:timing>
     <p:tnLst>
       <p:par>
-        <p:cTn id="1" dur="indefinite" restart="never" nodeType="tmRoot"/>
+        <p:cTn id="1" dur="indefinite" restart="never" nodeType="tmRoot">
+          <p:childTnLst>
+            <p:seq concurrent="1" nextAc="seek">
+              <p:cTn id="2" dur="indefinite" nodeType="mainSeq">
+                <p:childTnLst>
+                  <p:par>
+                    <p:cTn id="3" fill="hold">
+                      <p:stCondLst>
+                        <p:cond delay="indefinite"/>
+                      </p:stCondLst>
+                      <p:childTnLst>
+                        <p:par>
+                          <p:cTn id="4" fill="hold">
+                            <p:stCondLst>
+                              <p:cond delay="0"/>
+                            </p:stCondLst>
+                            <p:childTnLst>
+                              <p:par>
+                                <p:cTn id="5" presetID="10" presetClass="entr" presetSubtype="0" fill="hold" nodeType="clickEffect">
+                                  <p:stCondLst>
+                                    <p:cond delay="0"/>
+                                  </p:stCondLst>
+                                  <p:childTnLst>
+                                    <p:set>
+                                      <p:cBhvr>
+                                        <p:cTn id="6" dur="1" fill="hold">
+                                          <p:stCondLst>
+                                            <p:cond delay="0"/>
+                                          </p:stCondLst>
+                                        </p:cTn>
+                                        <p:tgtEl>
+                                          <p:spTgt spid="10"/>
+                                        </p:tgtEl>
+                                        <p:attrNameLst>
+                                          <p:attrName>style.visibility</p:attrName>
+                                        </p:attrNameLst>
+                                      </p:cBhvr>
+                                      <p:to>
+                                        <p:strVal val="visible"/>
+                                      </p:to>
+                                    </p:set>
+                                    <p:animEffect transition="in" filter="fade">
+                                      <p:cBhvr>
+                                        <p:cTn id="7" dur="500"/>
+                                        <p:tgtEl>
+                                          <p:spTgt spid="10"/>
+                                        </p:tgtEl>
+                                      </p:cBhvr>
+                                    </p:animEffect>
+                                  </p:childTnLst>
+                                </p:cTn>
+                              </p:par>
+                            </p:childTnLst>
+                          </p:cTn>
+                        </p:par>
+                      </p:childTnLst>
+                    </p:cTn>
+                  </p:par>
+                </p:childTnLst>
+              </p:cTn>
+              <p:prevCondLst>
+                <p:cond evt="onPrev" delay="0">
+                  <p:tgtEl>
+                    <p:sldTgt/>
+                  </p:tgtEl>
+                </p:cond>
+              </p:prevCondLst>
+              <p:nextCondLst>
+                <p:cond evt="onNext" delay="0">
+                  <p:tgtEl>
+                    <p:sldTgt/>
+                  </p:tgtEl>
+                </p:cond>
+              </p:nextCondLst>
+            </p:seq>
+          </p:childTnLst>
+        </p:cTn>
       </p:par>
     </p:tnLst>
   </p:timing>

--- a/defence/презентация защита работы.pptx
+++ b/defence/презентация защита работы.pptx
@@ -9,6 +9,7 @@
     <p:sldId id="257" r:id="rId3"/>
     <p:sldId id="258" r:id="rId4"/>
     <p:sldId id="259" r:id="rId5"/>
+    <p:sldId id="260" r:id="rId6"/>
   </p:sldIdLst>
   <p:sldSz cx="12192000" cy="6858000"/>
   <p:notesSz cx="6858000" cy="9144000"/>
@@ -838,7 +839,7 @@
             <a:fld id="{B61BEF0D-F0BB-DE4B-95CE-6DB70DBA9567}" type="datetimeFigureOut">
               <a:rPr lang="en-US" dirty="0"/>
               <a:pPr/>
-              <a:t>5/4/2022</a:t>
+              <a:t>5/5/2022</a:t>
             </a:fld>
             <a:endParaRPr lang="en-US" dirty="0"/>
           </a:p>
@@ -1086,7 +1087,7 @@
             <a:fld id="{B61BEF0D-F0BB-DE4B-95CE-6DB70DBA9567}" type="datetimeFigureOut">
               <a:rPr lang="en-US" dirty="0"/>
               <a:pPr/>
-              <a:t>5/4/2022</a:t>
+              <a:t>5/5/2022</a:t>
             </a:fld>
             <a:endParaRPr lang="en-US" dirty="0"/>
           </a:p>
@@ -1397,7 +1398,7 @@
             <a:fld id="{B61BEF0D-F0BB-DE4B-95CE-6DB70DBA9567}" type="datetimeFigureOut">
               <a:rPr lang="en-US" dirty="0"/>
               <a:pPr/>
-              <a:t>5/4/2022</a:t>
+              <a:t>5/5/2022</a:t>
             </a:fld>
             <a:endParaRPr lang="en-US" dirty="0"/>
           </a:p>
@@ -1735,7 +1736,7 @@
             <a:fld id="{B61BEF0D-F0BB-DE4B-95CE-6DB70DBA9567}" type="datetimeFigureOut">
               <a:rPr lang="en-US" dirty="0"/>
               <a:pPr/>
-              <a:t>5/4/2022</a:t>
+              <a:t>5/5/2022</a:t>
             </a:fld>
             <a:endParaRPr lang="en-US" dirty="0"/>
           </a:p>
@@ -2046,7 +2047,7 @@
             <a:fld id="{B61BEF0D-F0BB-DE4B-95CE-6DB70DBA9567}" type="datetimeFigureOut">
               <a:rPr lang="en-US" dirty="0"/>
               <a:pPr/>
-              <a:t>5/4/2022</a:t>
+              <a:t>5/5/2022</a:t>
             </a:fld>
             <a:endParaRPr lang="en-US" dirty="0"/>
           </a:p>
@@ -2436,7 +2437,7 @@
             <a:fld id="{B61BEF0D-F0BB-DE4B-95CE-6DB70DBA9567}" type="datetimeFigureOut">
               <a:rPr lang="en-US" dirty="0"/>
               <a:pPr/>
-              <a:t>5/4/2022</a:t>
+              <a:t>5/5/2022</a:t>
             </a:fld>
             <a:endParaRPr lang="en-US" dirty="0"/>
           </a:p>
@@ -2602,7 +2603,7 @@
           <a:p>
             <a:fld id="{55C6B4A9-1611-4792-9094-5F34BCA07E0B}" type="datetimeFigureOut">
               <a:rPr lang="en-US" dirty="0"/>
-              <a:t>5/4/2022</a:t>
+              <a:t>5/5/2022</a:t>
             </a:fld>
             <a:endParaRPr lang="en-US" dirty="0"/>
           </a:p>
@@ -2778,7 +2779,7 @@
             <a:fld id="{B61BEF0D-F0BB-DE4B-95CE-6DB70DBA9567}" type="datetimeFigureOut">
               <a:rPr lang="en-US" dirty="0"/>
               <a:pPr/>
-              <a:t>5/4/2022</a:t>
+              <a:t>5/5/2022</a:t>
             </a:fld>
             <a:endParaRPr lang="en-US" dirty="0"/>
           </a:p>
@@ -2951,7 +2952,7 @@
             <a:fld id="{B61BEF0D-F0BB-DE4B-95CE-6DB70DBA9567}" type="datetimeFigureOut">
               <a:rPr lang="en-US" dirty="0"/>
               <a:pPr/>
-              <a:t>5/4/2022</a:t>
+              <a:t>5/5/2022</a:t>
             </a:fld>
             <a:endParaRPr lang="en-US" dirty="0"/>
           </a:p>
@@ -3195,7 +3196,7 @@
             <a:fld id="{B61BEF0D-F0BB-DE4B-95CE-6DB70DBA9567}" type="datetimeFigureOut">
               <a:rPr lang="en-US" dirty="0"/>
               <a:pPr/>
-              <a:t>5/4/2022</a:t>
+              <a:t>5/5/2022</a:t>
             </a:fld>
             <a:endParaRPr lang="en-US" dirty="0"/>
           </a:p>
@@ -3423,7 +3424,7 @@
           <a:p>
             <a:fld id="{EB712588-04B1-427B-82EE-E8DB90309F08}" type="datetimeFigureOut">
               <a:rPr lang="en-US" dirty="0"/>
-              <a:t>5/4/2022</a:t>
+              <a:t>5/5/2022</a:t>
             </a:fld>
             <a:endParaRPr lang="en-US" dirty="0"/>
           </a:p>
@@ -3793,7 +3794,7 @@
             <a:fld id="{B61BEF0D-F0BB-DE4B-95CE-6DB70DBA9567}" type="datetimeFigureOut">
               <a:rPr lang="en-US" dirty="0"/>
               <a:pPr/>
-              <a:t>5/4/2022</a:t>
+              <a:t>5/5/2022</a:t>
             </a:fld>
             <a:endParaRPr lang="en-US" dirty="0"/>
           </a:p>
@@ -3913,7 +3914,7 @@
             <a:fld id="{B61BEF0D-F0BB-DE4B-95CE-6DB70DBA9567}" type="datetimeFigureOut">
               <a:rPr lang="en-US" dirty="0"/>
               <a:pPr/>
-              <a:t>5/4/2022</a:t>
+              <a:t>5/5/2022</a:t>
             </a:fld>
             <a:endParaRPr lang="en-US" dirty="0"/>
           </a:p>
@@ -4005,7 +4006,7 @@
             <a:fld id="{B61BEF0D-F0BB-DE4B-95CE-6DB70DBA9567}" type="datetimeFigureOut">
               <a:rPr lang="en-US" dirty="0"/>
               <a:pPr/>
-              <a:t>5/4/2022</a:t>
+              <a:t>5/5/2022</a:t>
             </a:fld>
             <a:endParaRPr lang="en-US" dirty="0"/>
           </a:p>
@@ -4256,7 +4257,7 @@
           <a:p>
             <a:fld id="{42A54C80-263E-416B-A8E0-580EDEADCBDC}" type="datetimeFigureOut">
               <a:rPr lang="en-US" dirty="0"/>
-              <a:t>5/4/2022</a:t>
+              <a:t>5/5/2022</a:t>
             </a:fld>
             <a:endParaRPr lang="en-US" dirty="0"/>
           </a:p>
@@ -4515,7 +4516,7 @@
             <a:fld id="{B61BEF0D-F0BB-DE4B-95CE-6DB70DBA9567}" type="datetimeFigureOut">
               <a:rPr lang="en-US" dirty="0"/>
               <a:pPr/>
-              <a:t>5/4/2022</a:t>
+              <a:t>5/5/2022</a:t>
             </a:fld>
             <a:endParaRPr lang="en-US" dirty="0"/>
           </a:p>
@@ -5255,7 +5256,7 @@
             <a:fld id="{B61BEF0D-F0BB-DE4B-95CE-6DB70DBA9567}" type="datetimeFigureOut">
               <a:rPr lang="en-US" dirty="0"/>
               <a:pPr/>
-              <a:t>5/4/2022</a:t>
+              <a:t>5/5/2022</a:t>
             </a:fld>
             <a:endParaRPr lang="en-US" dirty="0"/>
           </a:p>
@@ -7125,7 +7126,7 @@
             </p:nvSpPr>
             <p:spPr>
               <a:xfrm>
-                <a:off x="3835183" y="1069182"/>
+                <a:off x="2132491" y="1481249"/>
                 <a:ext cx="1690078" cy="588494"/>
               </a:xfrm>
               <a:prstGeom prst="rect">
@@ -7275,7 +7276,7 @@
             </p:nvSpPr>
             <p:spPr>
               <a:xfrm>
-                <a:off x="3835183" y="1069182"/>
+                <a:off x="2132491" y="1481249"/>
                 <a:ext cx="1690078" cy="588494"/>
               </a:xfrm>
               <a:prstGeom prst="rect">
@@ -7653,7 +7654,7 @@
             </p:nvSpPr>
             <p:spPr>
               <a:xfrm>
-                <a:off x="3704428" y="1984531"/>
+                <a:off x="4858111" y="1590830"/>
                 <a:ext cx="2073068" cy="369332"/>
               </a:xfrm>
               <a:prstGeom prst="rect">
@@ -7839,7 +7840,7 @@
             </p:nvSpPr>
             <p:spPr>
               <a:xfrm>
-                <a:off x="3704428" y="1984531"/>
+                <a:off x="4858111" y="1590830"/>
                 <a:ext cx="2073068" cy="369332"/>
               </a:xfrm>
               <a:prstGeom prst="rect">
@@ -7848,7 +7849,7 @@
               <a:blipFill rotWithShape="0">
                 <a:blip r:embed="rId4"/>
                 <a:stretch>
-                  <a:fillRect t="-93333" b="-158333"/>
+                  <a:fillRect t="-91803" b="-154098"/>
                 </a:stretch>
               </a:blipFill>
             </p:spPr>
@@ -7957,6 +7958,819 @@
           </a:prstGeom>
         </p:spPr>
       </p:pic>
+      <p:pic>
+        <p:nvPicPr>
+          <p:cNvPr id="3" name="Рисунок 2"/>
+          <p:cNvPicPr>
+            <a:picLocks noChangeAspect="1"/>
+          </p:cNvPicPr>
+          <p:nvPr/>
+        </p:nvPicPr>
+        <p:blipFill>
+          <a:blip r:embed="rId8">
+            <a:extLst>
+              <a:ext uri="{28A0092B-C50C-407E-A947-70E740481C1C}">
+                <a14:useLocalDpi xmlns:a14="http://schemas.microsoft.com/office/drawing/2010/main" val="0"/>
+              </a:ext>
+            </a:extLst>
+          </a:blip>
+          <a:stretch>
+            <a:fillRect/>
+          </a:stretch>
+        </p:blipFill>
+        <p:spPr>
+          <a:xfrm>
+            <a:off x="4680222" y="3356873"/>
+            <a:ext cx="3054670" cy="3054670"/>
+          </a:xfrm>
+          <a:prstGeom prst="rect">
+            <a:avLst/>
+          </a:prstGeom>
+        </p:spPr>
+      </p:pic>
+      <p:pic>
+        <p:nvPicPr>
+          <p:cNvPr id="5" name="Рисунок 4"/>
+          <p:cNvPicPr>
+            <a:picLocks noChangeAspect="1"/>
+          </p:cNvPicPr>
+          <p:nvPr/>
+        </p:nvPicPr>
+        <p:blipFill>
+          <a:blip r:embed="rId9">
+            <a:extLst>
+              <a:ext uri="{28A0092B-C50C-407E-A947-70E740481C1C}">
+                <a14:useLocalDpi xmlns:a14="http://schemas.microsoft.com/office/drawing/2010/main" val="0"/>
+              </a:ext>
+            </a:extLst>
+          </a:blip>
+          <a:stretch>
+            <a:fillRect/>
+          </a:stretch>
+        </p:blipFill>
+        <p:spPr>
+          <a:xfrm>
+            <a:off x="677333" y="3337584"/>
+            <a:ext cx="3425166" cy="3405877"/>
+          </a:xfrm>
+          <a:prstGeom prst="rect">
+            <a:avLst/>
+          </a:prstGeom>
+        </p:spPr>
+      </p:pic>
+      <p:pic>
+        <p:nvPicPr>
+          <p:cNvPr id="11" name="Рисунок 10"/>
+          <p:cNvPicPr>
+            <a:picLocks noChangeAspect="1"/>
+          </p:cNvPicPr>
+          <p:nvPr/>
+        </p:nvPicPr>
+        <p:blipFill>
+          <a:blip r:embed="rId10">
+            <a:extLst>
+              <a:ext uri="{28A0092B-C50C-407E-A947-70E740481C1C}">
+                <a14:useLocalDpi xmlns:a14="http://schemas.microsoft.com/office/drawing/2010/main" val="0"/>
+              </a:ext>
+            </a:extLst>
+          </a:blip>
+          <a:stretch>
+            <a:fillRect/>
+          </a:stretch>
+        </p:blipFill>
+        <p:spPr>
+          <a:xfrm>
+            <a:off x="4680222" y="3337584"/>
+            <a:ext cx="3054670" cy="3073959"/>
+          </a:xfrm>
+          <a:prstGeom prst="rect">
+            <a:avLst/>
+          </a:prstGeom>
+        </p:spPr>
+      </p:pic>
+      <mc:AlternateContent xmlns:mc="http://schemas.openxmlformats.org/markup-compatibility/2006">
+        <mc:Choice xmlns:a14="http://schemas.microsoft.com/office/drawing/2010/main" Requires="a14">
+          <p:sp>
+            <p:nvSpPr>
+              <p:cNvPr id="12" name="TextBox 11"/>
+              <p:cNvSpPr txBox="1"/>
+              <p:nvPr/>
+            </p:nvSpPr>
+            <p:spPr>
+              <a:xfrm>
+                <a:off x="4872634" y="989202"/>
+                <a:ext cx="2044021" cy="1603516"/>
+              </a:xfrm>
+              <a:prstGeom prst="rect">
+                <a:avLst/>
+              </a:prstGeom>
+              <a:noFill/>
+            </p:spPr>
+            <p:txBody>
+              <a:bodyPr wrap="none" lIns="0" tIns="0" rIns="0" bIns="0" rtlCol="0">
+                <a:spAutoFit/>
+              </a:bodyPr>
+              <a:lstStyle/>
+              <a:p>
+                <a:pPr/>
+                <a14:m>
+                  <m:oMathPara xmlns:m="http://schemas.openxmlformats.org/officeDocument/2006/math">
+                    <m:oMathParaPr>
+                      <m:jc m:val="centerGroup"/>
+                    </m:oMathParaPr>
+                    <m:oMath xmlns:m="http://schemas.openxmlformats.org/officeDocument/2006/math">
+                      <m:r>
+                        <a:rPr lang="en-US" sz="1200" b="0" i="1" smtClean="0">
+                          <a:latin typeface="Cambria Math" panose="02040503050406030204" pitchFamily="18" charset="0"/>
+                        </a:rPr>
+                        <m:t>𝑔</m:t>
+                      </m:r>
+                      <m:d>
+                        <m:dPr>
+                          <m:ctrlPr>
+                            <a:rPr lang="en-US" sz="1200" b="0" i="1" smtClean="0">
+                              <a:latin typeface="Cambria Math" panose="02040503050406030204" pitchFamily="18" charset="0"/>
+                            </a:rPr>
+                          </m:ctrlPr>
+                        </m:dPr>
+                        <m:e>
+                          <m:acc>
+                            <m:accPr>
+                              <m:chr m:val="̅"/>
+                              <m:ctrlPr>
+                                <a:rPr lang="en-US" sz="1200" b="0" i="1" smtClean="0">
+                                  <a:latin typeface="Cambria Math" panose="02040503050406030204" pitchFamily="18" charset="0"/>
+                                </a:rPr>
+                              </m:ctrlPr>
+                            </m:accPr>
+                            <m:e>
+                              <m:r>
+                                <a:rPr lang="en-US" sz="1200" b="0" i="1" smtClean="0">
+                                  <a:latin typeface="Cambria Math" panose="02040503050406030204" pitchFamily="18" charset="0"/>
+                                </a:rPr>
+                                <m:t>𝑥</m:t>
+                              </m:r>
+                            </m:e>
+                          </m:acc>
+                        </m:e>
+                      </m:d>
+                      <m:r>
+                        <a:rPr lang="en-US" sz="1200" b="0" i="1" smtClean="0">
+                          <a:latin typeface="Cambria Math" panose="02040503050406030204" pitchFamily="18" charset="0"/>
+                        </a:rPr>
+                        <m:t>=</m:t>
+                      </m:r>
+                      <m:d>
+                        <m:dPr>
+                          <m:begChr m:val="{"/>
+                          <m:endChr m:val=""/>
+                          <m:ctrlPr>
+                            <a:rPr lang="en-US" sz="1200" b="0" i="1" smtClean="0">
+                              <a:latin typeface="Cambria Math" panose="02040503050406030204" pitchFamily="18" charset="0"/>
+                            </a:rPr>
+                          </m:ctrlPr>
+                        </m:dPr>
+                        <m:e>
+                          <m:eqArr>
+                            <m:eqArrPr>
+                              <m:ctrlPr>
+                                <a:rPr lang="en-US" sz="1200" b="0" i="1" smtClean="0">
+                                  <a:latin typeface="Cambria Math" panose="02040503050406030204" pitchFamily="18" charset="0"/>
+                                </a:rPr>
+                              </m:ctrlPr>
+                            </m:eqArrPr>
+                            <m:e>
+                              <m:nary>
+                                <m:naryPr>
+                                  <m:chr m:val="∑"/>
+                                  <m:ctrlPr>
+                                    <a:rPr lang="en-US" sz="1200" i="1">
+                                      <a:latin typeface="Cambria Math" panose="02040503050406030204" pitchFamily="18" charset="0"/>
+                                    </a:rPr>
+                                  </m:ctrlPr>
+                                </m:naryPr>
+                                <m:sub>
+                                  <m:r>
+                                    <m:rPr>
+                                      <m:brk m:alnAt="23"/>
+                                    </m:rPr>
+                                    <a:rPr lang="en-US" sz="1200" i="1">
+                                      <a:latin typeface="Cambria Math" panose="02040503050406030204" pitchFamily="18" charset="0"/>
+                                    </a:rPr>
+                                    <m:t>𝑖</m:t>
+                                  </m:r>
+                                  <m:r>
+                                    <a:rPr lang="en-US" sz="1200" i="1">
+                                      <a:latin typeface="Cambria Math" panose="02040503050406030204" pitchFamily="18" charset="0"/>
+                                    </a:rPr>
+                                    <m:t>=</m:t>
+                                  </m:r>
+                                  <m:r>
+                                    <m:rPr>
+                                      <m:brk m:alnAt="23"/>
+                                    </m:rPr>
+                                    <a:rPr lang="en-US" sz="1200" i="1">
+                                      <a:latin typeface="Cambria Math" panose="02040503050406030204" pitchFamily="18" charset="0"/>
+                                    </a:rPr>
+                                    <m:t>1</m:t>
+                                  </m:r>
+                                </m:sub>
+                                <m:sup>
+                                  <m:r>
+                                    <a:rPr lang="en-US" sz="1200" i="1">
+                                      <a:latin typeface="Cambria Math" panose="02040503050406030204" pitchFamily="18" charset="0"/>
+                                    </a:rPr>
+                                    <m:t>𝑚</m:t>
+                                  </m:r>
+                                </m:sup>
+                                <m:e>
+                                  <m:sSub>
+                                    <m:sSubPr>
+                                      <m:ctrlPr>
+                                        <a:rPr lang="en-US" sz="1200" i="1">
+                                          <a:latin typeface="Cambria Math" panose="02040503050406030204" pitchFamily="18" charset="0"/>
+                                        </a:rPr>
+                                      </m:ctrlPr>
+                                    </m:sSubPr>
+                                    <m:e>
+                                      <m:r>
+                                        <a:rPr lang="en-US" sz="1200" i="1">
+                                          <a:latin typeface="Cambria Math" panose="02040503050406030204" pitchFamily="18" charset="0"/>
+                                        </a:rPr>
+                                        <m:t>𝑥</m:t>
+                                      </m:r>
+                                    </m:e>
+                                    <m:sub>
+                                      <m:r>
+                                        <a:rPr lang="en-US" sz="1200" i="1">
+                                          <a:latin typeface="Cambria Math" panose="02040503050406030204" pitchFamily="18" charset="0"/>
+                                        </a:rPr>
+                                        <m:t>𝑖</m:t>
+                                      </m:r>
+                                    </m:sub>
+                                  </m:sSub>
+                                  <m:sSub>
+                                    <m:sSubPr>
+                                      <m:ctrlPr>
+                                        <a:rPr lang="en-US" sz="1200" i="1">
+                                          <a:latin typeface="Cambria Math" panose="02040503050406030204" pitchFamily="18" charset="0"/>
+                                        </a:rPr>
+                                      </m:ctrlPr>
+                                    </m:sSubPr>
+                                    <m:e>
+                                      <m:r>
+                                        <a:rPr lang="en-US" sz="1200" i="1">
+                                          <a:latin typeface="Cambria Math" panose="02040503050406030204" pitchFamily="18" charset="0"/>
+                                        </a:rPr>
+                                        <m:t>𝑏</m:t>
+                                      </m:r>
+                                    </m:e>
+                                    <m:sub>
+                                      <m:r>
+                                        <a:rPr lang="en-US" sz="1200" b="0" i="1" smtClean="0">
+                                          <a:latin typeface="Cambria Math" panose="02040503050406030204" pitchFamily="18" charset="0"/>
+                                        </a:rPr>
+                                        <m:t>1</m:t>
+                                      </m:r>
+                                      <m:r>
+                                        <a:rPr lang="en-US" sz="1200" i="1">
+                                          <a:latin typeface="Cambria Math" panose="02040503050406030204" pitchFamily="18" charset="0"/>
+                                        </a:rPr>
+                                        <m:t>𝑖</m:t>
+                                      </m:r>
+                                    </m:sub>
+                                  </m:sSub>
+                                </m:e>
+                              </m:nary>
+                              <m:r>
+                                <a:rPr lang="en-US" sz="1200" i="1">
+                                  <a:latin typeface="Cambria Math" panose="02040503050406030204" pitchFamily="18" charset="0"/>
+                                </a:rPr>
+                                <m:t>+</m:t>
+                              </m:r>
+                              <m:sSub>
+                                <m:sSubPr>
+                                  <m:ctrlPr>
+                                    <a:rPr lang="en-US" sz="1200" i="1" smtClean="0">
+                                      <a:latin typeface="Cambria Math" panose="02040503050406030204" pitchFamily="18" charset="0"/>
+                                    </a:rPr>
+                                  </m:ctrlPr>
+                                </m:sSubPr>
+                                <m:e>
+                                  <m:r>
+                                    <a:rPr lang="en-US" sz="1200" b="0" i="1" smtClean="0">
+                                      <a:latin typeface="Cambria Math" panose="02040503050406030204" pitchFamily="18" charset="0"/>
+                                    </a:rPr>
+                                    <m:t>𝑏</m:t>
+                                  </m:r>
+                                </m:e>
+                                <m:sub>
+                                  <m:r>
+                                    <a:rPr lang="en-US" sz="1200" b="0" i="1" smtClean="0">
+                                      <a:latin typeface="Cambria Math" panose="02040503050406030204" pitchFamily="18" charset="0"/>
+                                    </a:rPr>
+                                    <m:t>1</m:t>
+                                  </m:r>
+                                </m:sub>
+                              </m:sSub>
+                              <m:r>
+                                <a:rPr lang="en-US" sz="1200" b="0" i="1" smtClean="0">
+                                  <a:latin typeface="Cambria Math" panose="02040503050406030204" pitchFamily="18" charset="0"/>
+                                </a:rPr>
+                                <m:t>,</m:t>
+                              </m:r>
+                              <m:acc>
+                                <m:accPr>
+                                  <m:chr m:val="̅"/>
+                                  <m:ctrlPr>
+                                    <a:rPr lang="en-US" sz="1200" b="0" i="1" smtClean="0">
+                                      <a:latin typeface="Cambria Math" panose="02040503050406030204" pitchFamily="18" charset="0"/>
+                                    </a:rPr>
+                                  </m:ctrlPr>
+                                </m:accPr>
+                                <m:e>
+                                  <m:r>
+                                    <a:rPr lang="en-US" sz="1200" b="0" i="1" smtClean="0">
+                                      <a:latin typeface="Cambria Math" panose="02040503050406030204" pitchFamily="18" charset="0"/>
+                                    </a:rPr>
+                                    <m:t>𝑥</m:t>
+                                  </m:r>
+                                </m:e>
+                              </m:acc>
+                              <m:r>
+                                <a:rPr lang="en-US" sz="1200" b="0" i="1" smtClean="0">
+                                  <a:latin typeface="Cambria Math" panose="02040503050406030204" pitchFamily="18" charset="0"/>
+                                  <a:ea typeface="Cambria Math" panose="02040503050406030204" pitchFamily="18" charset="0"/>
+                                </a:rPr>
+                                <m:t>∈</m:t>
+                              </m:r>
+                              <m:sSub>
+                                <m:sSubPr>
+                                  <m:ctrlPr>
+                                    <a:rPr lang="en-US" sz="1200" b="0" i="1" smtClean="0">
+                                      <a:latin typeface="Cambria Math" panose="02040503050406030204" pitchFamily="18" charset="0"/>
+                                      <a:ea typeface="Cambria Math" panose="02040503050406030204" pitchFamily="18" charset="0"/>
+                                    </a:rPr>
+                                  </m:ctrlPr>
+                                </m:sSubPr>
+                                <m:e>
+                                  <m:r>
+                                    <a:rPr lang="en-US" sz="1200" b="0" i="1" smtClean="0">
+                                      <a:latin typeface="Cambria Math" panose="02040503050406030204" pitchFamily="18" charset="0"/>
+                                      <a:ea typeface="Cambria Math" panose="02040503050406030204" pitchFamily="18" charset="0"/>
+                                    </a:rPr>
+                                    <m:t>𝑋</m:t>
+                                  </m:r>
+                                </m:e>
+                                <m:sub>
+                                  <m:r>
+                                    <a:rPr lang="en-US" sz="1200" b="0" i="1" smtClean="0">
+                                      <a:latin typeface="Cambria Math" panose="02040503050406030204" pitchFamily="18" charset="0"/>
+                                      <a:ea typeface="Cambria Math" panose="02040503050406030204" pitchFamily="18" charset="0"/>
+                                    </a:rPr>
+                                    <m:t>1</m:t>
+                                  </m:r>
+                                </m:sub>
+                              </m:sSub>
+                            </m:e>
+                            <m:e>
+                              <m:nary>
+                                <m:naryPr>
+                                  <m:chr m:val="∑"/>
+                                  <m:ctrlPr>
+                                    <a:rPr lang="en-US" sz="1200" i="1">
+                                      <a:latin typeface="Cambria Math" panose="02040503050406030204" pitchFamily="18" charset="0"/>
+                                    </a:rPr>
+                                  </m:ctrlPr>
+                                </m:naryPr>
+                                <m:sub>
+                                  <m:r>
+                                    <m:rPr>
+                                      <m:brk m:alnAt="23"/>
+                                    </m:rPr>
+                                    <a:rPr lang="en-US" sz="1200" i="1">
+                                      <a:latin typeface="Cambria Math" panose="02040503050406030204" pitchFamily="18" charset="0"/>
+                                    </a:rPr>
+                                    <m:t>𝑖</m:t>
+                                  </m:r>
+                                  <m:r>
+                                    <a:rPr lang="en-US" sz="1200" i="1">
+                                      <a:latin typeface="Cambria Math" panose="02040503050406030204" pitchFamily="18" charset="0"/>
+                                    </a:rPr>
+                                    <m:t>=</m:t>
+                                  </m:r>
+                                  <m:r>
+                                    <m:rPr>
+                                      <m:brk m:alnAt="23"/>
+                                    </m:rPr>
+                                    <a:rPr lang="en-US" sz="1200" i="1">
+                                      <a:latin typeface="Cambria Math" panose="02040503050406030204" pitchFamily="18" charset="0"/>
+                                    </a:rPr>
+                                    <m:t>1</m:t>
+                                  </m:r>
+                                </m:sub>
+                                <m:sup>
+                                  <m:r>
+                                    <a:rPr lang="en-US" sz="1200" i="1">
+                                      <a:latin typeface="Cambria Math" panose="02040503050406030204" pitchFamily="18" charset="0"/>
+                                    </a:rPr>
+                                    <m:t>𝑚</m:t>
+                                  </m:r>
+                                </m:sup>
+                                <m:e>
+                                  <m:sSub>
+                                    <m:sSubPr>
+                                      <m:ctrlPr>
+                                        <a:rPr lang="en-US" sz="1200" i="1">
+                                          <a:latin typeface="Cambria Math" panose="02040503050406030204" pitchFamily="18" charset="0"/>
+                                        </a:rPr>
+                                      </m:ctrlPr>
+                                    </m:sSubPr>
+                                    <m:e>
+                                      <m:r>
+                                        <a:rPr lang="en-US" sz="1200" i="1">
+                                          <a:latin typeface="Cambria Math" panose="02040503050406030204" pitchFamily="18" charset="0"/>
+                                        </a:rPr>
+                                        <m:t>𝑥</m:t>
+                                      </m:r>
+                                    </m:e>
+                                    <m:sub>
+                                      <m:r>
+                                        <a:rPr lang="en-US" sz="1200" i="1">
+                                          <a:latin typeface="Cambria Math" panose="02040503050406030204" pitchFamily="18" charset="0"/>
+                                        </a:rPr>
+                                        <m:t>𝑖</m:t>
+                                      </m:r>
+                                    </m:sub>
+                                  </m:sSub>
+                                  <m:sSub>
+                                    <m:sSubPr>
+                                      <m:ctrlPr>
+                                        <a:rPr lang="en-US" sz="1200" i="1">
+                                          <a:latin typeface="Cambria Math" panose="02040503050406030204" pitchFamily="18" charset="0"/>
+                                        </a:rPr>
+                                      </m:ctrlPr>
+                                    </m:sSubPr>
+                                    <m:e>
+                                      <m:r>
+                                        <a:rPr lang="en-US" sz="1200" i="1">
+                                          <a:latin typeface="Cambria Math" panose="02040503050406030204" pitchFamily="18" charset="0"/>
+                                        </a:rPr>
+                                        <m:t>𝑏</m:t>
+                                      </m:r>
+                                    </m:e>
+                                    <m:sub>
+                                      <m:r>
+                                        <a:rPr lang="en-US" sz="1200" b="0" i="1" smtClean="0">
+                                          <a:latin typeface="Cambria Math" panose="02040503050406030204" pitchFamily="18" charset="0"/>
+                                        </a:rPr>
+                                        <m:t>2</m:t>
+                                      </m:r>
+                                      <m:r>
+                                        <a:rPr lang="en-US" sz="1200" i="1">
+                                          <a:latin typeface="Cambria Math" panose="02040503050406030204" pitchFamily="18" charset="0"/>
+                                        </a:rPr>
+                                        <m:t>𝑖</m:t>
+                                      </m:r>
+                                    </m:sub>
+                                  </m:sSub>
+                                </m:e>
+                              </m:nary>
+                              <m:r>
+                                <a:rPr lang="en-US" sz="1200" i="1">
+                                  <a:latin typeface="Cambria Math" panose="02040503050406030204" pitchFamily="18" charset="0"/>
+                                </a:rPr>
+                                <m:t>+</m:t>
+                              </m:r>
+                              <m:sSub>
+                                <m:sSubPr>
+                                  <m:ctrlPr>
+                                    <a:rPr lang="en-US" sz="1200" i="1">
+                                      <a:latin typeface="Cambria Math" panose="02040503050406030204" pitchFamily="18" charset="0"/>
+                                    </a:rPr>
+                                  </m:ctrlPr>
+                                </m:sSubPr>
+                                <m:e>
+                                  <m:r>
+                                    <a:rPr lang="en-US" sz="1200" i="1">
+                                      <a:latin typeface="Cambria Math" panose="02040503050406030204" pitchFamily="18" charset="0"/>
+                                    </a:rPr>
+                                    <m:t>𝑏</m:t>
+                                  </m:r>
+                                </m:e>
+                                <m:sub>
+                                  <m:r>
+                                    <a:rPr lang="en-US" sz="1200" b="0" i="1" smtClean="0">
+                                      <a:latin typeface="Cambria Math" panose="02040503050406030204" pitchFamily="18" charset="0"/>
+                                    </a:rPr>
+                                    <m:t>2</m:t>
+                                  </m:r>
+                                </m:sub>
+                              </m:sSub>
+                              <m:r>
+                                <a:rPr lang="en-US" sz="1200" b="0" i="1" smtClean="0">
+                                  <a:latin typeface="Cambria Math" panose="02040503050406030204" pitchFamily="18" charset="0"/>
+                                </a:rPr>
+                                <m:t>,</m:t>
+                              </m:r>
+                              <m:acc>
+                                <m:accPr>
+                                  <m:chr m:val="̅"/>
+                                  <m:ctrlPr>
+                                    <a:rPr lang="en-US" sz="1200" i="1">
+                                      <a:latin typeface="Cambria Math" panose="02040503050406030204" pitchFamily="18" charset="0"/>
+                                    </a:rPr>
+                                  </m:ctrlPr>
+                                </m:accPr>
+                                <m:e>
+                                  <m:r>
+                                    <a:rPr lang="en-US" sz="1200" i="1">
+                                      <a:latin typeface="Cambria Math" panose="02040503050406030204" pitchFamily="18" charset="0"/>
+                                    </a:rPr>
+                                    <m:t>𝑥</m:t>
+                                  </m:r>
+                                </m:e>
+                              </m:acc>
+                              <m:r>
+                                <a:rPr lang="en-US" sz="1200" i="1">
+                                  <a:latin typeface="Cambria Math" panose="02040503050406030204" pitchFamily="18" charset="0"/>
+                                  <a:ea typeface="Cambria Math" panose="02040503050406030204" pitchFamily="18" charset="0"/>
+                                </a:rPr>
+                                <m:t>∈</m:t>
+                              </m:r>
+                              <m:sSub>
+                                <m:sSubPr>
+                                  <m:ctrlPr>
+                                    <a:rPr lang="en-US" sz="1200" i="1">
+                                      <a:latin typeface="Cambria Math" panose="02040503050406030204" pitchFamily="18" charset="0"/>
+                                      <a:ea typeface="Cambria Math" panose="02040503050406030204" pitchFamily="18" charset="0"/>
+                                    </a:rPr>
+                                  </m:ctrlPr>
+                                </m:sSubPr>
+                                <m:e>
+                                  <m:r>
+                                    <a:rPr lang="en-US" sz="1200" i="1">
+                                      <a:latin typeface="Cambria Math" panose="02040503050406030204" pitchFamily="18" charset="0"/>
+                                      <a:ea typeface="Cambria Math" panose="02040503050406030204" pitchFamily="18" charset="0"/>
+                                    </a:rPr>
+                                    <m:t>𝑋</m:t>
+                                  </m:r>
+                                </m:e>
+                                <m:sub>
+                                  <m:r>
+                                    <a:rPr lang="en-US" sz="1200" b="0" i="1" smtClean="0">
+                                      <a:latin typeface="Cambria Math" panose="02040503050406030204" pitchFamily="18" charset="0"/>
+                                      <a:ea typeface="Cambria Math" panose="02040503050406030204" pitchFamily="18" charset="0"/>
+                                    </a:rPr>
+                                    <m:t>2</m:t>
+                                  </m:r>
+                                </m:sub>
+                              </m:sSub>
+                            </m:e>
+                            <m:e>
+                              <m:nary>
+                                <m:naryPr>
+                                  <m:chr m:val="∑"/>
+                                  <m:ctrlPr>
+                                    <a:rPr lang="en-US" sz="1200" i="1">
+                                      <a:latin typeface="Cambria Math" panose="02040503050406030204" pitchFamily="18" charset="0"/>
+                                    </a:rPr>
+                                  </m:ctrlPr>
+                                </m:naryPr>
+                                <m:sub>
+                                  <m:r>
+                                    <m:rPr>
+                                      <m:brk m:alnAt="23"/>
+                                    </m:rPr>
+                                    <a:rPr lang="en-US" sz="1200" i="1">
+                                      <a:latin typeface="Cambria Math" panose="02040503050406030204" pitchFamily="18" charset="0"/>
+                                    </a:rPr>
+                                    <m:t>𝑖</m:t>
+                                  </m:r>
+                                  <m:r>
+                                    <a:rPr lang="en-US" sz="1200" i="1">
+                                      <a:latin typeface="Cambria Math" panose="02040503050406030204" pitchFamily="18" charset="0"/>
+                                    </a:rPr>
+                                    <m:t>=</m:t>
+                                  </m:r>
+                                  <m:r>
+                                    <m:rPr>
+                                      <m:brk m:alnAt="23"/>
+                                    </m:rPr>
+                                    <a:rPr lang="en-US" sz="1200" i="1">
+                                      <a:latin typeface="Cambria Math" panose="02040503050406030204" pitchFamily="18" charset="0"/>
+                                    </a:rPr>
+                                    <m:t>1</m:t>
+                                  </m:r>
+                                </m:sub>
+                                <m:sup>
+                                  <m:r>
+                                    <a:rPr lang="en-US" sz="1200" i="1">
+                                      <a:latin typeface="Cambria Math" panose="02040503050406030204" pitchFamily="18" charset="0"/>
+                                    </a:rPr>
+                                    <m:t>𝑚</m:t>
+                                  </m:r>
+                                </m:sup>
+                                <m:e>
+                                  <m:sSub>
+                                    <m:sSubPr>
+                                      <m:ctrlPr>
+                                        <a:rPr lang="en-US" sz="1200" i="1">
+                                          <a:latin typeface="Cambria Math" panose="02040503050406030204" pitchFamily="18" charset="0"/>
+                                        </a:rPr>
+                                      </m:ctrlPr>
+                                    </m:sSubPr>
+                                    <m:e>
+                                      <m:r>
+                                        <a:rPr lang="en-US" sz="1200" i="1">
+                                          <a:latin typeface="Cambria Math" panose="02040503050406030204" pitchFamily="18" charset="0"/>
+                                        </a:rPr>
+                                        <m:t>𝑥</m:t>
+                                      </m:r>
+                                    </m:e>
+                                    <m:sub>
+                                      <m:r>
+                                        <a:rPr lang="en-US" sz="1200" i="1">
+                                          <a:latin typeface="Cambria Math" panose="02040503050406030204" pitchFamily="18" charset="0"/>
+                                        </a:rPr>
+                                        <m:t>𝑖</m:t>
+                                      </m:r>
+                                    </m:sub>
+                                  </m:sSub>
+                                  <m:sSub>
+                                    <m:sSubPr>
+                                      <m:ctrlPr>
+                                        <a:rPr lang="en-US" sz="1200" i="1">
+                                          <a:latin typeface="Cambria Math" panose="02040503050406030204" pitchFamily="18" charset="0"/>
+                                        </a:rPr>
+                                      </m:ctrlPr>
+                                    </m:sSubPr>
+                                    <m:e>
+                                      <m:r>
+                                        <a:rPr lang="en-US" sz="1200" i="1">
+                                          <a:latin typeface="Cambria Math" panose="02040503050406030204" pitchFamily="18" charset="0"/>
+                                        </a:rPr>
+                                        <m:t>𝑏</m:t>
+                                      </m:r>
+                                    </m:e>
+                                    <m:sub>
+                                      <m:r>
+                                        <a:rPr lang="en-US" sz="1200" b="0" i="1" smtClean="0">
+                                          <a:latin typeface="Cambria Math" panose="02040503050406030204" pitchFamily="18" charset="0"/>
+                                        </a:rPr>
+                                        <m:t>3</m:t>
+                                      </m:r>
+                                      <m:r>
+                                        <a:rPr lang="en-US" sz="1200" i="1">
+                                          <a:latin typeface="Cambria Math" panose="02040503050406030204" pitchFamily="18" charset="0"/>
+                                        </a:rPr>
+                                        <m:t>𝑖</m:t>
+                                      </m:r>
+                                    </m:sub>
+                                  </m:sSub>
+                                </m:e>
+                              </m:nary>
+                              <m:r>
+                                <a:rPr lang="en-US" sz="1200" i="1">
+                                  <a:latin typeface="Cambria Math" panose="02040503050406030204" pitchFamily="18" charset="0"/>
+                                </a:rPr>
+                                <m:t>+</m:t>
+                              </m:r>
+                              <m:sSub>
+                                <m:sSubPr>
+                                  <m:ctrlPr>
+                                    <a:rPr lang="en-US" sz="1200" i="1">
+                                      <a:latin typeface="Cambria Math" panose="02040503050406030204" pitchFamily="18" charset="0"/>
+                                    </a:rPr>
+                                  </m:ctrlPr>
+                                </m:sSubPr>
+                                <m:e>
+                                  <m:r>
+                                    <a:rPr lang="en-US" sz="1200" i="1">
+                                      <a:latin typeface="Cambria Math" panose="02040503050406030204" pitchFamily="18" charset="0"/>
+                                    </a:rPr>
+                                    <m:t>𝑏</m:t>
+                                  </m:r>
+                                </m:e>
+                                <m:sub>
+                                  <m:r>
+                                    <a:rPr lang="en-US" sz="1200" b="0" i="1" smtClean="0">
+                                      <a:latin typeface="Cambria Math" panose="02040503050406030204" pitchFamily="18" charset="0"/>
+                                    </a:rPr>
+                                    <m:t>3</m:t>
+                                  </m:r>
+                                </m:sub>
+                              </m:sSub>
+                              <m:r>
+                                <a:rPr lang="en-US" sz="1200" i="1">
+                                  <a:latin typeface="Cambria Math" panose="02040503050406030204" pitchFamily="18" charset="0"/>
+                                </a:rPr>
+                                <m:t>,</m:t>
+                              </m:r>
+                              <m:acc>
+                                <m:accPr>
+                                  <m:chr m:val="̅"/>
+                                  <m:ctrlPr>
+                                    <a:rPr lang="en-US" sz="1200" i="1">
+                                      <a:latin typeface="Cambria Math" panose="02040503050406030204" pitchFamily="18" charset="0"/>
+                                    </a:rPr>
+                                  </m:ctrlPr>
+                                </m:accPr>
+                                <m:e>
+                                  <m:r>
+                                    <a:rPr lang="en-US" sz="1200" i="1">
+                                      <a:latin typeface="Cambria Math" panose="02040503050406030204" pitchFamily="18" charset="0"/>
+                                    </a:rPr>
+                                    <m:t>𝑥</m:t>
+                                  </m:r>
+                                </m:e>
+                              </m:acc>
+                              <m:r>
+                                <a:rPr lang="en-US" sz="1200" i="1">
+                                  <a:latin typeface="Cambria Math" panose="02040503050406030204" pitchFamily="18" charset="0"/>
+                                  <a:ea typeface="Cambria Math" panose="02040503050406030204" pitchFamily="18" charset="0"/>
+                                </a:rPr>
+                                <m:t>∈</m:t>
+                              </m:r>
+                              <m:sSub>
+                                <m:sSubPr>
+                                  <m:ctrlPr>
+                                    <a:rPr lang="en-US" sz="1200" i="1">
+                                      <a:latin typeface="Cambria Math" panose="02040503050406030204" pitchFamily="18" charset="0"/>
+                                      <a:ea typeface="Cambria Math" panose="02040503050406030204" pitchFamily="18" charset="0"/>
+                                    </a:rPr>
+                                  </m:ctrlPr>
+                                </m:sSubPr>
+                                <m:e>
+                                  <m:r>
+                                    <a:rPr lang="en-US" sz="1200" i="1">
+                                      <a:latin typeface="Cambria Math" panose="02040503050406030204" pitchFamily="18" charset="0"/>
+                                      <a:ea typeface="Cambria Math" panose="02040503050406030204" pitchFamily="18" charset="0"/>
+                                    </a:rPr>
+                                    <m:t>𝑋</m:t>
+                                  </m:r>
+                                </m:e>
+                                <m:sub>
+                                  <m:r>
+                                    <a:rPr lang="en-US" sz="1200" b="0" i="1" smtClean="0">
+                                      <a:latin typeface="Cambria Math" panose="02040503050406030204" pitchFamily="18" charset="0"/>
+                                      <a:ea typeface="Cambria Math" panose="02040503050406030204" pitchFamily="18" charset="0"/>
+                                    </a:rPr>
+                                    <m:t>3</m:t>
+                                  </m:r>
+                                </m:sub>
+                              </m:sSub>
+                            </m:e>
+                          </m:eqArr>
+                        </m:e>
+                      </m:d>
+                    </m:oMath>
+                  </m:oMathPara>
+                </a14:m>
+                <a:endParaRPr lang="ru-RU" dirty="0"/>
+              </a:p>
+            </p:txBody>
+          </p:sp>
+        </mc:Choice>
+        <mc:Fallback>
+          <p:sp>
+            <p:nvSpPr>
+              <p:cNvPr id="12" name="TextBox 11"/>
+              <p:cNvSpPr txBox="1">
+                <a:spLocks noRot="1" noChangeAspect="1" noMove="1" noResize="1" noEditPoints="1" noAdjustHandles="1" noChangeArrowheads="1" noChangeShapeType="1" noTextEdit="1"/>
+              </p:cNvSpPr>
+              <p:nvPr/>
+            </p:nvSpPr>
+            <p:spPr>
+              <a:xfrm>
+                <a:off x="4872634" y="989202"/>
+                <a:ext cx="2044021" cy="1603516"/>
+              </a:xfrm>
+              <a:prstGeom prst="rect">
+                <a:avLst/>
+              </a:prstGeom>
+              <a:blipFill rotWithShape="0">
+                <a:blip r:embed="rId11"/>
+                <a:stretch>
+                  <a:fillRect/>
+                </a:stretch>
+              </a:blipFill>
+            </p:spPr>
+            <p:txBody>
+              <a:bodyPr/>
+              <a:lstStyle/>
+              <a:p>
+                <a:r>
+                  <a:rPr lang="ru-RU">
+                    <a:noFill/>
+                  </a:rPr>
+                  <a:t> </a:t>
+                </a:r>
+              </a:p>
+            </p:txBody>
+          </p:sp>
+        </mc:Fallback>
+      </mc:AlternateContent>
     </p:spTree>
     <p:extLst>
       <p:ext uri="{BB962C8B-B14F-4D97-AF65-F5344CB8AC3E}">
@@ -8022,6 +8836,199 @@
                                   </p:childTnLst>
                                 </p:cTn>
                               </p:par>
+                              <p:par>
+                                <p:cTn id="8" presetID="10" presetClass="entr" presetSubtype="0" fill="hold" nodeType="withEffect">
+                                  <p:stCondLst>
+                                    <p:cond delay="0"/>
+                                  </p:stCondLst>
+                                  <p:childTnLst>
+                                    <p:set>
+                                      <p:cBhvr>
+                                        <p:cTn id="9" dur="1" fill="hold">
+                                          <p:stCondLst>
+                                            <p:cond delay="0"/>
+                                          </p:stCondLst>
+                                        </p:cTn>
+                                        <p:tgtEl>
+                                          <p:spTgt spid="3"/>
+                                        </p:tgtEl>
+                                        <p:attrNameLst>
+                                          <p:attrName>style.visibility</p:attrName>
+                                        </p:attrNameLst>
+                                      </p:cBhvr>
+                                      <p:to>
+                                        <p:strVal val="visible"/>
+                                      </p:to>
+                                    </p:set>
+                                    <p:animEffect transition="in" filter="fade">
+                                      <p:cBhvr>
+                                        <p:cTn id="10" dur="500"/>
+                                        <p:tgtEl>
+                                          <p:spTgt spid="3"/>
+                                        </p:tgtEl>
+                                      </p:cBhvr>
+                                    </p:animEffect>
+                                  </p:childTnLst>
+                                </p:cTn>
+                              </p:par>
+                            </p:childTnLst>
+                          </p:cTn>
+                        </p:par>
+                      </p:childTnLst>
+                    </p:cTn>
+                  </p:par>
+                  <p:par>
+                    <p:cTn id="11" fill="hold">
+                      <p:stCondLst>
+                        <p:cond delay="indefinite"/>
+                      </p:stCondLst>
+                      <p:childTnLst>
+                        <p:par>
+                          <p:cTn id="12" fill="hold">
+                            <p:stCondLst>
+                              <p:cond delay="0"/>
+                            </p:stCondLst>
+                            <p:childTnLst>
+                              <p:par>
+                                <p:cTn id="13" presetID="10" presetClass="entr" presetSubtype="0" fill="hold" nodeType="clickEffect">
+                                  <p:stCondLst>
+                                    <p:cond delay="0"/>
+                                  </p:stCondLst>
+                                  <p:childTnLst>
+                                    <p:set>
+                                      <p:cBhvr>
+                                        <p:cTn id="14" dur="1" fill="hold">
+                                          <p:stCondLst>
+                                            <p:cond delay="0"/>
+                                          </p:stCondLst>
+                                        </p:cTn>
+                                        <p:tgtEl>
+                                          <p:spTgt spid="5"/>
+                                        </p:tgtEl>
+                                        <p:attrNameLst>
+                                          <p:attrName>style.visibility</p:attrName>
+                                        </p:attrNameLst>
+                                      </p:cBhvr>
+                                      <p:to>
+                                        <p:strVal val="visible"/>
+                                      </p:to>
+                                    </p:set>
+                                    <p:animEffect transition="in" filter="fade">
+                                      <p:cBhvr>
+                                        <p:cTn id="15" dur="500"/>
+                                        <p:tgtEl>
+                                          <p:spTgt spid="5"/>
+                                        </p:tgtEl>
+                                      </p:cBhvr>
+                                    </p:animEffect>
+                                  </p:childTnLst>
+                                </p:cTn>
+                              </p:par>
+                              <p:par>
+                                <p:cTn id="16" presetID="10" presetClass="entr" presetSubtype="0" fill="hold" nodeType="withEffect">
+                                  <p:stCondLst>
+                                    <p:cond delay="0"/>
+                                  </p:stCondLst>
+                                  <p:childTnLst>
+                                    <p:set>
+                                      <p:cBhvr>
+                                        <p:cTn id="17" dur="1" fill="hold">
+                                          <p:stCondLst>
+                                            <p:cond delay="0"/>
+                                          </p:stCondLst>
+                                        </p:cTn>
+                                        <p:tgtEl>
+                                          <p:spTgt spid="11"/>
+                                        </p:tgtEl>
+                                        <p:attrNameLst>
+                                          <p:attrName>style.visibility</p:attrName>
+                                        </p:attrNameLst>
+                                      </p:cBhvr>
+                                      <p:to>
+                                        <p:strVal val="visible"/>
+                                      </p:to>
+                                    </p:set>
+                                    <p:animEffect transition="in" filter="fade">
+                                      <p:cBhvr>
+                                        <p:cTn id="18" dur="500"/>
+                                        <p:tgtEl>
+                                          <p:spTgt spid="11"/>
+                                        </p:tgtEl>
+                                      </p:cBhvr>
+                                    </p:animEffect>
+                                  </p:childTnLst>
+                                </p:cTn>
+                              </p:par>
+                              <p:par>
+                                <p:cTn id="19" presetID="10" presetClass="exit" presetSubtype="0" fill="hold" grpId="0" nodeType="withEffect">
+                                  <p:stCondLst>
+                                    <p:cond delay="0"/>
+                                  </p:stCondLst>
+                                  <p:childTnLst>
+                                    <p:animEffect transition="out" filter="fade">
+                                      <p:cBhvr>
+                                        <p:cTn id="20" dur="500"/>
+                                        <p:tgtEl>
+                                          <p:spTgt spid="7"/>
+                                        </p:tgtEl>
+                                      </p:cBhvr>
+                                    </p:animEffect>
+                                    <p:set>
+                                      <p:cBhvr>
+                                        <p:cTn id="21" dur="1" fill="hold">
+                                          <p:stCondLst>
+                                            <p:cond delay="499"/>
+                                          </p:stCondLst>
+                                        </p:cTn>
+                                        <p:tgtEl>
+                                          <p:spTgt spid="7"/>
+                                        </p:tgtEl>
+                                        <p:attrNameLst>
+                                          <p:attrName>style.visibility</p:attrName>
+                                        </p:attrNameLst>
+                                      </p:cBhvr>
+                                      <p:to>
+                                        <p:strVal val="hidden"/>
+                                      </p:to>
+                                    </p:set>
+                                  </p:childTnLst>
+                                </p:cTn>
+                              </p:par>
+                              <p:par>
+                                <p:cTn id="22" presetID="10" presetClass="entr" presetSubtype="0" fill="hold" grpId="0" nodeType="withEffect">
+                                  <p:stCondLst>
+                                    <p:cond delay="0"/>
+                                  </p:stCondLst>
+                                  <p:childTnLst>
+                                    <p:set>
+                                      <p:cBhvr>
+                                        <p:cTn id="23" dur="1" fill="hold">
+                                          <p:stCondLst>
+                                            <p:cond delay="0"/>
+                                          </p:stCondLst>
+                                        </p:cTn>
+                                        <p:tgtEl>
+                                          <p:spTgt spid="12"/>
+                                        </p:tgtEl>
+                                        <p:attrNameLst>
+                                          <p:attrName>style.visibility</p:attrName>
+                                        </p:attrNameLst>
+                                      </p:cBhvr>
+                                      <p:to>
+                                        <p:strVal val="visible"/>
+                                      </p:to>
+                                    </p:set>
+                                    <p:animEffect transition="in" filter="fade">
+                                      <p:cBhvr>
+                                        <p:cTn id="24" dur="500"/>
+                                        <p:tgtEl>
+                                          <p:spTgt spid="12"/>
+                                        </p:tgtEl>
+                                      </p:cBhvr>
+                                    </p:animEffect>
+                                  </p:childTnLst>
+                                </p:cTn>
+                              </p:par>
                             </p:childTnLst>
                           </p:cTn>
                         </p:par>
@@ -8049,6 +9056,1359 @@
         </p:cTn>
       </p:par>
     </p:tnLst>
+    <p:bldLst>
+      <p:bldP spid="7" grpId="0"/>
+      <p:bldP spid="12" grpId="0"/>
+    </p:bldLst>
+  </p:timing>
+</p:sld>
+</file>
+
+<file path=ppt/slides/slide5.xml><?xml version="1.0" encoding="utf-8"?>
+<p:sld xmlns:a="http://schemas.openxmlformats.org/drawingml/2006/main" xmlns:r="http://schemas.openxmlformats.org/officeDocument/2006/relationships" xmlns:p="http://schemas.openxmlformats.org/presentationml/2006/main">
+  <p:cSld>
+    <p:spTree>
+      <p:nvGrpSpPr>
+        <p:cNvPr id="1" name=""/>
+        <p:cNvGrpSpPr/>
+        <p:nvPr/>
+      </p:nvGrpSpPr>
+      <p:grpSpPr>
+        <a:xfrm>
+          <a:off x="0" y="0"/>
+          <a:ext cx="0" cy="0"/>
+          <a:chOff x="0" y="0"/>
+          <a:chExt cx="0" cy="0"/>
+        </a:xfrm>
+      </p:grpSpPr>
+      <p:sp>
+        <p:nvSpPr>
+          <p:cNvPr id="2" name="Заголовок 1"/>
+          <p:cNvSpPr>
+            <a:spLocks noGrp="1"/>
+          </p:cNvSpPr>
+          <p:nvPr>
+            <p:ph type="title"/>
+          </p:nvPr>
+        </p:nvSpPr>
+        <p:spPr>
+          <a:xfrm>
+            <a:off x="649902" y="262128"/>
+            <a:ext cx="8596668" cy="752856"/>
+          </a:xfrm>
+        </p:spPr>
+        <p:txBody>
+          <a:bodyPr/>
+          <a:lstStyle/>
+          <a:p>
+            <a:r>
+              <a:rPr lang="ru-RU" dirty="0" smtClean="0"/>
+              <a:t>Идентификационная форма модели</a:t>
+            </a:r>
+            <a:endParaRPr lang="ru-RU" dirty="0"/>
+          </a:p>
+        </p:txBody>
+      </p:sp>
+      <mc:AlternateContent xmlns:mc="http://schemas.openxmlformats.org/markup-compatibility/2006">
+        <mc:Choice xmlns:a14="http://schemas.microsoft.com/office/drawing/2010/main" Requires="a14">
+          <p:sp>
+            <p:nvSpPr>
+              <p:cNvPr id="7" name="TextBox 6"/>
+              <p:cNvSpPr txBox="1"/>
+              <p:nvPr/>
+            </p:nvSpPr>
+            <p:spPr>
+              <a:xfrm>
+                <a:off x="1152144" y="4530852"/>
+                <a:ext cx="9555480" cy="1840247"/>
+              </a:xfrm>
+              <a:prstGeom prst="rect">
+                <a:avLst/>
+              </a:prstGeom>
+              <a:noFill/>
+            </p:spPr>
+            <p:txBody>
+              <a:bodyPr wrap="square" lIns="0" tIns="0" rIns="0" bIns="0" rtlCol="0">
+                <a:spAutoFit/>
+              </a:bodyPr>
+              <a:lstStyle/>
+              <a:p>
+                <a:pPr indent="-1152000"/>
+                <a:r>
+                  <a:rPr lang="ru-RU" dirty="0" smtClean="0">
+                    <a:latin typeface="Times New Roman" panose="02020603050405020304" pitchFamily="18" charset="0"/>
+                    <a:cs typeface="Times New Roman" panose="02020603050405020304" pitchFamily="18" charset="0"/>
+                  </a:rPr>
+                  <a:t>Где </a:t>
+                </a:r>
+                <a14:m>
+                  <m:oMath xmlns:m="http://schemas.openxmlformats.org/officeDocument/2006/math">
+                    <m:sSubSup>
+                      <m:sSubSupPr>
+                        <m:ctrlPr>
+                          <a:rPr lang="ru-RU" i="1" smtClean="0">
+                            <a:latin typeface="Cambria Math" panose="02040503050406030204" pitchFamily="18" charset="0"/>
+                          </a:rPr>
+                        </m:ctrlPr>
+                      </m:sSubSupPr>
+                      <m:e>
+                        <m:r>
+                          <a:rPr lang="en-US" b="0" i="1" smtClean="0">
+                            <a:latin typeface="Cambria Math" panose="02040503050406030204" pitchFamily="18" charset="0"/>
+                          </a:rPr>
+                          <m:t>𝑧</m:t>
+                        </m:r>
+                      </m:e>
+                      <m:sub>
+                        <m:r>
+                          <a:rPr lang="en-US" b="0" i="1" smtClean="0">
+                            <a:latin typeface="Cambria Math" panose="02040503050406030204" pitchFamily="18" charset="0"/>
+                          </a:rPr>
+                          <m:t>𝑖</m:t>
+                        </m:r>
+                      </m:sub>
+                      <m:sup>
+                        <m:r>
+                          <a:rPr lang="en-US" b="0" i="1" smtClean="0">
+                            <a:latin typeface="Cambria Math" panose="02040503050406030204" pitchFamily="18" charset="0"/>
+                          </a:rPr>
+                          <m:t>𝑙</m:t>
+                        </m:r>
+                      </m:sup>
+                    </m:sSubSup>
+                    <m:r>
+                      <a:rPr lang="en-US" b="0" i="1" smtClean="0">
+                        <a:latin typeface="Cambria Math" panose="02040503050406030204" pitchFamily="18" charset="0"/>
+                      </a:rPr>
+                      <m:t>=</m:t>
+                    </m:r>
+                    <m:nary>
+                      <m:naryPr>
+                        <m:chr m:val="∑"/>
+                        <m:ctrlPr>
+                          <a:rPr lang="en-US" b="0" i="1" smtClean="0">
+                            <a:latin typeface="Cambria Math" panose="02040503050406030204" pitchFamily="18" charset="0"/>
+                          </a:rPr>
+                        </m:ctrlPr>
+                      </m:naryPr>
+                      <m:sub>
+                        <m:r>
+                          <m:rPr>
+                            <m:brk m:alnAt="23"/>
+                          </m:rPr>
+                          <a:rPr lang="en-US" b="0" i="1" smtClean="0">
+                            <a:latin typeface="Cambria Math" panose="02040503050406030204" pitchFamily="18" charset="0"/>
+                          </a:rPr>
+                          <m:t>𝑗</m:t>
+                        </m:r>
+                        <m:r>
+                          <a:rPr lang="en-US" b="0" i="1" smtClean="0">
+                            <a:latin typeface="Cambria Math" panose="02040503050406030204" pitchFamily="18" charset="0"/>
+                          </a:rPr>
+                          <m:t>=1</m:t>
+                        </m:r>
+                      </m:sub>
+                      <m:sup>
+                        <m:sSub>
+                          <m:sSubPr>
+                            <m:ctrlPr>
+                              <a:rPr lang="en-US" b="0" i="1" smtClean="0">
+                                <a:latin typeface="Cambria Math" panose="02040503050406030204" pitchFamily="18" charset="0"/>
+                              </a:rPr>
+                            </m:ctrlPr>
+                          </m:sSubPr>
+                          <m:e>
+                            <m:r>
+                              <a:rPr lang="en-US" b="0" i="1" smtClean="0">
+                                <a:latin typeface="Cambria Math" panose="02040503050406030204" pitchFamily="18" charset="0"/>
+                              </a:rPr>
+                              <m:t>𝑛</m:t>
+                            </m:r>
+                          </m:e>
+                          <m:sub>
+                            <m:r>
+                              <a:rPr lang="en-US" b="0" i="1" smtClean="0">
+                                <a:latin typeface="Cambria Math" panose="02040503050406030204" pitchFamily="18" charset="0"/>
+                              </a:rPr>
+                              <m:t>𝑙</m:t>
+                            </m:r>
+                            <m:r>
+                              <a:rPr lang="en-US" b="0" i="1" smtClean="0">
+                                <a:latin typeface="Cambria Math" panose="02040503050406030204" pitchFamily="18" charset="0"/>
+                              </a:rPr>
+                              <m:t>−1</m:t>
+                            </m:r>
+                          </m:sub>
+                        </m:sSub>
+                      </m:sup>
+                      <m:e>
+                        <m:sSubSup>
+                          <m:sSubSupPr>
+                            <m:ctrlPr>
+                              <a:rPr lang="en-US" b="0" i="1" smtClean="0">
+                                <a:latin typeface="Cambria Math" panose="02040503050406030204" pitchFamily="18" charset="0"/>
+                              </a:rPr>
+                            </m:ctrlPr>
+                          </m:sSubSupPr>
+                          <m:e>
+                            <m:r>
+                              <a:rPr lang="en-US" b="0" i="1" smtClean="0">
+                                <a:latin typeface="Cambria Math" panose="02040503050406030204" pitchFamily="18" charset="0"/>
+                              </a:rPr>
+                              <m:t>𝑡</m:t>
+                            </m:r>
+                          </m:e>
+                          <m:sub>
+                            <m:r>
+                              <a:rPr lang="en-US" b="0" i="1" smtClean="0">
+                                <a:latin typeface="Cambria Math" panose="02040503050406030204" pitchFamily="18" charset="0"/>
+                              </a:rPr>
+                              <m:t>𝑗</m:t>
+                            </m:r>
+                          </m:sub>
+                          <m:sup>
+                            <m:r>
+                              <a:rPr lang="en-US" b="0" i="1" smtClean="0">
+                                <a:latin typeface="Cambria Math" panose="02040503050406030204" pitchFamily="18" charset="0"/>
+                              </a:rPr>
+                              <m:t>𝑙</m:t>
+                            </m:r>
+                            <m:r>
+                              <a:rPr lang="en-US" b="0" i="1" smtClean="0">
+                                <a:latin typeface="Cambria Math" panose="02040503050406030204" pitchFamily="18" charset="0"/>
+                              </a:rPr>
+                              <m:t>−1</m:t>
+                            </m:r>
+                          </m:sup>
+                        </m:sSubSup>
+                        <m:sSubSup>
+                          <m:sSubSupPr>
+                            <m:ctrlPr>
+                              <a:rPr lang="en-US" b="0" i="1" smtClean="0">
+                                <a:latin typeface="Cambria Math" panose="02040503050406030204" pitchFamily="18" charset="0"/>
+                              </a:rPr>
+                            </m:ctrlPr>
+                          </m:sSubSupPr>
+                          <m:e>
+                            <m:r>
+                              <a:rPr lang="en-US" b="0" i="1" smtClean="0">
+                                <a:latin typeface="Cambria Math" panose="02040503050406030204" pitchFamily="18" charset="0"/>
+                              </a:rPr>
+                              <m:t>𝑏</m:t>
+                            </m:r>
+                          </m:e>
+                          <m:sub>
+                            <m:r>
+                              <a:rPr lang="en-US" b="0" i="1" smtClean="0">
+                                <a:latin typeface="Cambria Math" panose="02040503050406030204" pitchFamily="18" charset="0"/>
+                              </a:rPr>
+                              <m:t>𝑖𝑗</m:t>
+                            </m:r>
+                          </m:sub>
+                          <m:sup>
+                            <m:r>
+                              <a:rPr lang="en-US" b="0" i="1" smtClean="0">
+                                <a:latin typeface="Cambria Math" panose="02040503050406030204" pitchFamily="18" charset="0"/>
+                              </a:rPr>
+                              <m:t>𝑙</m:t>
+                            </m:r>
+                          </m:sup>
+                        </m:sSubSup>
+                      </m:e>
+                    </m:nary>
+                    <m:r>
+                      <a:rPr lang="en-US" b="0" i="1" smtClean="0">
+                        <a:latin typeface="Cambria Math" panose="02040503050406030204" pitchFamily="18" charset="0"/>
+                      </a:rPr>
+                      <m:t>+</m:t>
+                    </m:r>
+                    <m:sSubSup>
+                      <m:sSubSupPr>
+                        <m:ctrlPr>
+                          <a:rPr lang="en-US" b="0" i="1" smtClean="0">
+                            <a:latin typeface="Cambria Math" panose="02040503050406030204" pitchFamily="18" charset="0"/>
+                          </a:rPr>
+                        </m:ctrlPr>
+                      </m:sSubSupPr>
+                      <m:e>
+                        <m:r>
+                          <a:rPr lang="en-US" b="0" i="1" smtClean="0">
+                            <a:latin typeface="Cambria Math" panose="02040503050406030204" pitchFamily="18" charset="0"/>
+                          </a:rPr>
+                          <m:t>𝑏</m:t>
+                        </m:r>
+                      </m:e>
+                      <m:sub>
+                        <m:r>
+                          <a:rPr lang="en-US" b="0" i="1" smtClean="0">
+                            <a:latin typeface="Cambria Math" panose="02040503050406030204" pitchFamily="18" charset="0"/>
+                          </a:rPr>
+                          <m:t>𝑖</m:t>
+                        </m:r>
+                      </m:sub>
+                      <m:sup>
+                        <m:r>
+                          <a:rPr lang="en-US" b="0" i="1" smtClean="0">
+                            <a:latin typeface="Cambria Math" panose="02040503050406030204" pitchFamily="18" charset="0"/>
+                          </a:rPr>
+                          <m:t>𝑙</m:t>
+                        </m:r>
+                      </m:sup>
+                    </m:sSubSup>
+                  </m:oMath>
+                </a14:m>
+                <a:r>
+                  <a:rPr lang="en-US" dirty="0" smtClean="0">
+                    <a:latin typeface="Times New Roman" panose="02020603050405020304" pitchFamily="18" charset="0"/>
+                    <a:cs typeface="Times New Roman" panose="02020603050405020304" pitchFamily="18" charset="0"/>
+                  </a:rPr>
+                  <a:t> </a:t>
+                </a:r>
+                <a:r>
+                  <a:rPr lang="ru-RU" dirty="0" smtClean="0">
+                    <a:latin typeface="Times New Roman" panose="02020603050405020304" pitchFamily="18" charset="0"/>
+                    <a:cs typeface="Times New Roman" panose="02020603050405020304" pitchFamily="18" charset="0"/>
+                  </a:rPr>
+                  <a:t>—</a:t>
+                </a:r>
+                <a:r>
+                  <a:rPr lang="en-US" dirty="0" smtClean="0">
+                    <a:latin typeface="Times New Roman" panose="02020603050405020304" pitchFamily="18" charset="0"/>
+                    <a:cs typeface="Times New Roman" panose="02020603050405020304" pitchFamily="18" charset="0"/>
+                  </a:rPr>
+                  <a:t> </a:t>
+                </a:r>
+                <a:r>
+                  <a:rPr lang="ru-RU" dirty="0" err="1" smtClean="0">
+                    <a:latin typeface="Times New Roman" panose="02020603050405020304" pitchFamily="18" charset="0"/>
+                    <a:cs typeface="Times New Roman" panose="02020603050405020304" pitchFamily="18" charset="0"/>
+                  </a:rPr>
+                  <a:t>сумматорная</a:t>
+                </a:r>
+                <a:r>
+                  <a:rPr lang="ru-RU" dirty="0" smtClean="0">
+                    <a:latin typeface="Times New Roman" panose="02020603050405020304" pitchFamily="18" charset="0"/>
+                    <a:cs typeface="Times New Roman" panose="02020603050405020304" pitchFamily="18" charset="0"/>
+                  </a:rPr>
+                  <a:t> функция </a:t>
+                </a:r>
+                <a:r>
+                  <a:rPr lang="en-US" dirty="0" err="1" smtClean="0">
+                    <a:latin typeface="Times New Roman" panose="02020603050405020304" pitchFamily="18" charset="0"/>
+                    <a:cs typeface="Times New Roman" panose="02020603050405020304" pitchFamily="18" charset="0"/>
+                  </a:rPr>
+                  <a:t>i</a:t>
+                </a:r>
+                <a:r>
+                  <a:rPr lang="en-US" dirty="0" smtClean="0">
+                    <a:latin typeface="Times New Roman" panose="02020603050405020304" pitchFamily="18" charset="0"/>
+                    <a:cs typeface="Times New Roman" panose="02020603050405020304" pitchFamily="18" charset="0"/>
+                  </a:rPr>
+                  <a:t>-</a:t>
+                </a:r>
+                <a:r>
+                  <a:rPr lang="ru-RU" dirty="0" err="1" smtClean="0">
+                    <a:latin typeface="Times New Roman" panose="02020603050405020304" pitchFamily="18" charset="0"/>
+                    <a:cs typeface="Times New Roman" panose="02020603050405020304" pitchFamily="18" charset="0"/>
+                  </a:rPr>
+                  <a:t>го</a:t>
+                </a:r>
+                <a:r>
+                  <a:rPr lang="ru-RU" dirty="0" smtClean="0">
+                    <a:latin typeface="Times New Roman" panose="02020603050405020304" pitchFamily="18" charset="0"/>
+                    <a:cs typeface="Times New Roman" panose="02020603050405020304" pitchFamily="18" charset="0"/>
+                  </a:rPr>
+                  <a:t> нейрона </a:t>
+                </a:r>
+                <a:r>
+                  <a:rPr lang="en-US" dirty="0" smtClean="0">
+                    <a:latin typeface="Times New Roman" panose="02020603050405020304" pitchFamily="18" charset="0"/>
+                    <a:cs typeface="Times New Roman" panose="02020603050405020304" pitchFamily="18" charset="0"/>
+                  </a:rPr>
+                  <a:t>l</a:t>
+                </a:r>
+                <a:r>
+                  <a:rPr lang="ru-RU" dirty="0" smtClean="0">
+                    <a:latin typeface="Times New Roman" panose="02020603050405020304" pitchFamily="18" charset="0"/>
+                    <a:cs typeface="Times New Roman" panose="02020603050405020304" pitchFamily="18" charset="0"/>
+                  </a:rPr>
+                  <a:t>-го слоя </a:t>
+                </a:r>
+                <a14:m>
+                  <m:oMath xmlns:m="http://schemas.openxmlformats.org/officeDocument/2006/math">
+                    <m:r>
+                      <a:rPr lang="en-US" b="0" i="1" smtClean="0">
+                        <a:latin typeface="Cambria Math" panose="02040503050406030204" pitchFamily="18" charset="0"/>
+                      </a:rPr>
+                      <m:t>𝑖</m:t>
+                    </m:r>
+                    <m:r>
+                      <a:rPr lang="ru-RU" b="0" i="1" smtClean="0">
+                        <a:latin typeface="Cambria Math" panose="02040503050406030204" pitchFamily="18" charset="0"/>
+                      </a:rPr>
+                      <m:t>=</m:t>
+                    </m:r>
+                    <m:acc>
+                      <m:accPr>
+                        <m:chr m:val="̅"/>
+                        <m:ctrlPr>
+                          <a:rPr lang="en-US" b="0" i="1" smtClean="0">
+                            <a:latin typeface="Cambria Math" panose="02040503050406030204" pitchFamily="18" charset="0"/>
+                            <a:ea typeface="Cambria Math" panose="02040503050406030204" pitchFamily="18" charset="0"/>
+                          </a:rPr>
+                        </m:ctrlPr>
+                      </m:accPr>
+                      <m:e>
+                        <m:r>
+                          <a:rPr lang="en-US" b="0" i="1" smtClean="0">
+                            <a:latin typeface="Cambria Math" panose="02040503050406030204" pitchFamily="18" charset="0"/>
+                            <a:ea typeface="Cambria Math" panose="02040503050406030204" pitchFamily="18" charset="0"/>
+                          </a:rPr>
+                          <m:t>1,</m:t>
+                        </m:r>
+                        <m:sSub>
+                          <m:sSubPr>
+                            <m:ctrlPr>
+                              <a:rPr lang="en-US" b="0" i="1" smtClean="0">
+                                <a:latin typeface="Cambria Math" panose="02040503050406030204" pitchFamily="18" charset="0"/>
+                                <a:ea typeface="Cambria Math" panose="02040503050406030204" pitchFamily="18" charset="0"/>
+                              </a:rPr>
+                            </m:ctrlPr>
+                          </m:sSubPr>
+                          <m:e>
+                            <m:r>
+                              <a:rPr lang="en-US" b="0" i="1" smtClean="0">
+                                <a:latin typeface="Cambria Math" panose="02040503050406030204" pitchFamily="18" charset="0"/>
+                                <a:ea typeface="Cambria Math" panose="02040503050406030204" pitchFamily="18" charset="0"/>
+                              </a:rPr>
+                              <m:t>𝑛</m:t>
+                            </m:r>
+                          </m:e>
+                          <m:sub>
+                            <m:r>
+                              <a:rPr lang="en-US" b="0" i="1" smtClean="0">
+                                <a:latin typeface="Cambria Math" panose="02040503050406030204" pitchFamily="18" charset="0"/>
+                                <a:ea typeface="Cambria Math" panose="02040503050406030204" pitchFamily="18" charset="0"/>
+                              </a:rPr>
+                              <m:t>𝑙</m:t>
+                            </m:r>
+                          </m:sub>
+                        </m:sSub>
+                      </m:e>
+                    </m:acc>
+                  </m:oMath>
+                </a14:m>
+                <a:r>
+                  <a:rPr lang="en-US" dirty="0" smtClean="0">
+                    <a:latin typeface="Times New Roman" panose="02020603050405020304" pitchFamily="18" charset="0"/>
+                    <a:cs typeface="Times New Roman" panose="02020603050405020304" pitchFamily="18" charset="0"/>
+                  </a:rPr>
+                  <a:t>;</a:t>
+                </a:r>
+                <a14:m>
+                  <m:oMath xmlns:m="http://schemas.openxmlformats.org/officeDocument/2006/math">
+                    <m:r>
+                      <a:rPr lang="en-US" b="0" i="1" dirty="0" smtClean="0">
+                        <a:latin typeface="Cambria Math" panose="02040503050406030204" pitchFamily="18" charset="0"/>
+                      </a:rPr>
+                      <m:t>𝑙</m:t>
+                    </m:r>
+                    <m:r>
+                      <a:rPr lang="en-US" b="0" i="1" dirty="0" smtClean="0">
+                        <a:latin typeface="Cambria Math" panose="02040503050406030204" pitchFamily="18" charset="0"/>
+                      </a:rPr>
+                      <m:t>=</m:t>
+                    </m:r>
+                    <m:acc>
+                      <m:accPr>
+                        <m:chr m:val="̅"/>
+                        <m:ctrlPr>
+                          <a:rPr lang="en-US" b="0" i="1" dirty="0" smtClean="0">
+                            <a:latin typeface="Cambria Math" panose="02040503050406030204" pitchFamily="18" charset="0"/>
+                          </a:rPr>
+                        </m:ctrlPr>
+                      </m:accPr>
+                      <m:e>
+                        <m:r>
+                          <a:rPr lang="en-US" b="0" i="1" dirty="0" smtClean="0">
+                            <a:latin typeface="Cambria Math" panose="02040503050406030204" pitchFamily="18" charset="0"/>
+                          </a:rPr>
+                          <m:t>1,</m:t>
+                        </m:r>
+                        <m:r>
+                          <a:rPr lang="en-US" b="0" i="1" dirty="0" smtClean="0">
+                            <a:latin typeface="Cambria Math" panose="02040503050406030204" pitchFamily="18" charset="0"/>
+                          </a:rPr>
+                          <m:t>𝐿</m:t>
+                        </m:r>
+                      </m:e>
+                    </m:acc>
+                    <m:r>
+                      <a:rPr lang="en-US" b="0" i="1" dirty="0" smtClean="0">
+                        <a:latin typeface="Cambria Math" panose="02040503050406030204" pitchFamily="18" charset="0"/>
+                      </a:rPr>
+                      <m:t>.</m:t>
+                    </m:r>
+                  </m:oMath>
+                </a14:m>
+                <a:endParaRPr lang="en-US" dirty="0" smtClean="0">
+                  <a:latin typeface="Times New Roman" panose="02020603050405020304" pitchFamily="18" charset="0"/>
+                  <a:cs typeface="Times New Roman" panose="02020603050405020304" pitchFamily="18" charset="0"/>
+                </a:endParaRPr>
+              </a:p>
+              <a:p>
+                <a:pPr marL="360000"/>
+                <a:r>
+                  <a:rPr lang="ru-RU" dirty="0" smtClean="0">
+                    <a:latin typeface="Times New Roman" panose="02020603050405020304" pitchFamily="18" charset="0"/>
+                    <a:cs typeface="Times New Roman" panose="02020603050405020304" pitchFamily="18" charset="0"/>
+                  </a:rPr>
+                  <a:t> </a:t>
+                </a:r>
+                <a14:m>
+                  <m:oMath xmlns:m="http://schemas.openxmlformats.org/officeDocument/2006/math">
+                    <m:sSubSup>
+                      <m:sSubSupPr>
+                        <m:ctrlPr>
+                          <a:rPr lang="en-US" i="1">
+                            <a:latin typeface="Cambria Math" panose="02040503050406030204" pitchFamily="18" charset="0"/>
+                          </a:rPr>
+                        </m:ctrlPr>
+                      </m:sSubSupPr>
+                      <m:e>
+                        <m:r>
+                          <a:rPr lang="en-US" i="1">
+                            <a:latin typeface="Cambria Math" panose="02040503050406030204" pitchFamily="18" charset="0"/>
+                          </a:rPr>
+                          <m:t>𝑡</m:t>
+                        </m:r>
+                      </m:e>
+                      <m:sub>
+                        <m:r>
+                          <a:rPr lang="en-US" i="1">
+                            <a:latin typeface="Cambria Math" panose="02040503050406030204" pitchFamily="18" charset="0"/>
+                          </a:rPr>
+                          <m:t>𝑗</m:t>
+                        </m:r>
+                      </m:sub>
+                      <m:sup>
+                        <m:r>
+                          <a:rPr lang="en-US" i="1">
+                            <a:latin typeface="Cambria Math" panose="02040503050406030204" pitchFamily="18" charset="0"/>
+                          </a:rPr>
+                          <m:t>𝑙</m:t>
+                        </m:r>
+                        <m:r>
+                          <a:rPr lang="en-US" i="1">
+                            <a:latin typeface="Cambria Math" panose="02040503050406030204" pitchFamily="18" charset="0"/>
+                          </a:rPr>
+                          <m:t>−1</m:t>
+                        </m:r>
+                      </m:sup>
+                    </m:sSubSup>
+                  </m:oMath>
+                </a14:m>
+                <a:r>
+                  <a:rPr lang="ru-RU" dirty="0">
+                    <a:latin typeface="Times New Roman" panose="02020603050405020304" pitchFamily="18" charset="0"/>
+                    <a:cs typeface="Times New Roman" panose="02020603050405020304" pitchFamily="18" charset="0"/>
+                  </a:rPr>
+                  <a:t> —</a:t>
+                </a:r>
+                <a:r>
+                  <a:rPr lang="en-US" dirty="0">
+                    <a:latin typeface="Times New Roman" panose="02020603050405020304" pitchFamily="18" charset="0"/>
+                    <a:cs typeface="Times New Roman" panose="02020603050405020304" pitchFamily="18" charset="0"/>
+                  </a:rPr>
+                  <a:t> </a:t>
+                </a:r>
+                <a:r>
+                  <a:rPr lang="ru-RU" dirty="0" err="1" smtClean="0">
+                    <a:latin typeface="Times New Roman" panose="02020603050405020304" pitchFamily="18" charset="0"/>
+                    <a:cs typeface="Times New Roman" panose="02020603050405020304" pitchFamily="18" charset="0"/>
+                  </a:rPr>
+                  <a:t>активания</a:t>
+                </a:r>
+                <a:r>
+                  <a:rPr lang="ru-RU" dirty="0" smtClean="0">
+                    <a:latin typeface="Times New Roman" panose="02020603050405020304" pitchFamily="18" charset="0"/>
+                    <a:cs typeface="Times New Roman" panose="02020603050405020304" pitchFamily="18" charset="0"/>
+                  </a:rPr>
+                  <a:t> </a:t>
+                </a:r>
+                <a:r>
+                  <a:rPr lang="en-US" dirty="0" smtClean="0">
+                    <a:latin typeface="Times New Roman" panose="02020603050405020304" pitchFamily="18" charset="0"/>
+                    <a:cs typeface="Times New Roman" panose="02020603050405020304" pitchFamily="18" charset="0"/>
+                  </a:rPr>
+                  <a:t>j</a:t>
+                </a:r>
+                <a:r>
+                  <a:rPr lang="ru-RU" dirty="0" smtClean="0">
+                    <a:latin typeface="Times New Roman" panose="02020603050405020304" pitchFamily="18" charset="0"/>
+                    <a:cs typeface="Times New Roman" panose="02020603050405020304" pitchFamily="18" charset="0"/>
+                  </a:rPr>
+                  <a:t>-го нейрона (</a:t>
+                </a:r>
+                <a:r>
+                  <a:rPr lang="en-US" dirty="0" smtClean="0">
+                    <a:latin typeface="Times New Roman" panose="02020603050405020304" pitchFamily="18" charset="0"/>
+                    <a:cs typeface="Times New Roman" panose="02020603050405020304" pitchFamily="18" charset="0"/>
+                  </a:rPr>
+                  <a:t>l-1</a:t>
+                </a:r>
+                <a:r>
+                  <a:rPr lang="ru-RU" dirty="0" smtClean="0">
+                    <a:latin typeface="Times New Roman" panose="02020603050405020304" pitchFamily="18" charset="0"/>
+                    <a:cs typeface="Times New Roman" panose="02020603050405020304" pitchFamily="18" charset="0"/>
+                  </a:rPr>
+                  <a:t>)-го слоя</a:t>
+                </a:r>
+                <a:r>
+                  <a:rPr lang="en-US" dirty="0" smtClean="0">
+                    <a:latin typeface="Times New Roman" panose="02020603050405020304" pitchFamily="18" charset="0"/>
+                    <a:cs typeface="Times New Roman" panose="02020603050405020304" pitchFamily="18" charset="0"/>
+                  </a:rPr>
+                  <a:t> </a:t>
+                </a:r>
+                <a14:m>
+                  <m:oMath xmlns:m="http://schemas.openxmlformats.org/officeDocument/2006/math">
+                    <m:r>
+                      <a:rPr lang="en-US" i="1">
+                        <a:latin typeface="Cambria Math" panose="02040503050406030204" pitchFamily="18" charset="0"/>
+                      </a:rPr>
+                      <m:t>𝑖</m:t>
+                    </m:r>
+                    <m:r>
+                      <a:rPr lang="en-US" i="1">
+                        <a:latin typeface="Cambria Math" panose="02040503050406030204" pitchFamily="18" charset="0"/>
+                        <a:ea typeface="Cambria Math" panose="02040503050406030204" pitchFamily="18" charset="0"/>
+                      </a:rPr>
+                      <m:t>∈</m:t>
+                    </m:r>
+                    <m:acc>
+                      <m:accPr>
+                        <m:chr m:val="̅"/>
+                        <m:ctrlPr>
+                          <a:rPr lang="en-US" i="1">
+                            <a:latin typeface="Cambria Math" panose="02040503050406030204" pitchFamily="18" charset="0"/>
+                            <a:ea typeface="Cambria Math" panose="02040503050406030204" pitchFamily="18" charset="0"/>
+                          </a:rPr>
+                        </m:ctrlPr>
+                      </m:accPr>
+                      <m:e>
+                        <m:r>
+                          <a:rPr lang="en-US" i="1">
+                            <a:latin typeface="Cambria Math" panose="02040503050406030204" pitchFamily="18" charset="0"/>
+                            <a:ea typeface="Cambria Math" panose="02040503050406030204" pitchFamily="18" charset="0"/>
+                          </a:rPr>
+                          <m:t>1,</m:t>
+                        </m:r>
+                        <m:sSub>
+                          <m:sSubPr>
+                            <m:ctrlPr>
+                              <a:rPr lang="en-US" i="1">
+                                <a:latin typeface="Cambria Math" panose="02040503050406030204" pitchFamily="18" charset="0"/>
+                                <a:ea typeface="Cambria Math" panose="02040503050406030204" pitchFamily="18" charset="0"/>
+                              </a:rPr>
+                            </m:ctrlPr>
+                          </m:sSubPr>
+                          <m:e>
+                            <m:r>
+                              <a:rPr lang="en-US" i="1">
+                                <a:latin typeface="Cambria Math" panose="02040503050406030204" pitchFamily="18" charset="0"/>
+                                <a:ea typeface="Cambria Math" panose="02040503050406030204" pitchFamily="18" charset="0"/>
+                              </a:rPr>
+                              <m:t>𝑛</m:t>
+                            </m:r>
+                          </m:e>
+                          <m:sub>
+                            <m:r>
+                              <a:rPr lang="en-US" i="1">
+                                <a:latin typeface="Cambria Math" panose="02040503050406030204" pitchFamily="18" charset="0"/>
+                                <a:ea typeface="Cambria Math" panose="02040503050406030204" pitchFamily="18" charset="0"/>
+                              </a:rPr>
+                              <m:t>𝑙</m:t>
+                            </m:r>
+                            <m:r>
+                              <a:rPr lang="en-US" b="0" i="1" smtClean="0">
+                                <a:latin typeface="Cambria Math" panose="02040503050406030204" pitchFamily="18" charset="0"/>
+                                <a:ea typeface="Cambria Math" panose="02040503050406030204" pitchFamily="18" charset="0"/>
+                              </a:rPr>
+                              <m:t>−1</m:t>
+                            </m:r>
+                          </m:sub>
+                        </m:sSub>
+                      </m:e>
+                    </m:acc>
+                  </m:oMath>
+                </a14:m>
+                <a:r>
+                  <a:rPr lang="en-US" dirty="0" smtClean="0">
+                    <a:latin typeface="Times New Roman" panose="02020603050405020304" pitchFamily="18" charset="0"/>
+                    <a:cs typeface="Times New Roman" panose="02020603050405020304" pitchFamily="18" charset="0"/>
+                  </a:rPr>
+                  <a:t>;</a:t>
+                </a:r>
+              </a:p>
+              <a:p>
+                <a:pPr marL="360000"/>
+                <a14:m>
+                  <m:oMath xmlns:m="http://schemas.openxmlformats.org/officeDocument/2006/math">
+                    <m:sSubSup>
+                      <m:sSubSupPr>
+                        <m:ctrlPr>
+                          <a:rPr lang="en-US" i="1">
+                            <a:latin typeface="Cambria Math" panose="02040503050406030204" pitchFamily="18" charset="0"/>
+                          </a:rPr>
+                        </m:ctrlPr>
+                      </m:sSubSupPr>
+                      <m:e>
+                        <m:r>
+                          <a:rPr lang="en-US" i="1">
+                            <a:latin typeface="Cambria Math" panose="02040503050406030204" pitchFamily="18" charset="0"/>
+                          </a:rPr>
+                          <m:t>𝑏</m:t>
+                        </m:r>
+                      </m:e>
+                      <m:sub>
+                        <m:r>
+                          <a:rPr lang="en-US" i="1">
+                            <a:latin typeface="Cambria Math" panose="02040503050406030204" pitchFamily="18" charset="0"/>
+                          </a:rPr>
+                          <m:t>𝑖𝑗</m:t>
+                        </m:r>
+                      </m:sub>
+                      <m:sup>
+                        <m:r>
+                          <a:rPr lang="en-US" i="1">
+                            <a:latin typeface="Cambria Math" panose="02040503050406030204" pitchFamily="18" charset="0"/>
+                          </a:rPr>
+                          <m:t>𝑙</m:t>
+                        </m:r>
+                      </m:sup>
+                    </m:sSubSup>
+                    <m:r>
+                      <a:rPr lang="en-US" b="0" i="1" smtClean="0">
+                        <a:latin typeface="Cambria Math" panose="02040503050406030204" pitchFamily="18" charset="0"/>
+                      </a:rPr>
+                      <m:t>,</m:t>
+                    </m:r>
+                    <m:sSubSup>
+                      <m:sSubSupPr>
+                        <m:ctrlPr>
+                          <a:rPr lang="en-US" i="1">
+                            <a:latin typeface="Cambria Math" panose="02040503050406030204" pitchFamily="18" charset="0"/>
+                          </a:rPr>
+                        </m:ctrlPr>
+                      </m:sSubSupPr>
+                      <m:e>
+                        <m:r>
+                          <a:rPr lang="en-US" i="1">
+                            <a:latin typeface="Cambria Math" panose="02040503050406030204" pitchFamily="18" charset="0"/>
+                          </a:rPr>
+                          <m:t>𝑏</m:t>
+                        </m:r>
+                      </m:e>
+                      <m:sub>
+                        <m:r>
+                          <a:rPr lang="en-US" i="1">
+                            <a:latin typeface="Cambria Math" panose="02040503050406030204" pitchFamily="18" charset="0"/>
+                          </a:rPr>
+                          <m:t>𝑖</m:t>
+                        </m:r>
+                      </m:sub>
+                      <m:sup>
+                        <m:r>
+                          <a:rPr lang="en-US" i="1">
+                            <a:latin typeface="Cambria Math" panose="02040503050406030204" pitchFamily="18" charset="0"/>
+                          </a:rPr>
+                          <m:t>𝑙</m:t>
+                        </m:r>
+                      </m:sup>
+                    </m:sSubSup>
+                  </m:oMath>
+                </a14:m>
+                <a:r>
+                  <a:rPr lang="en-US" dirty="0" smtClean="0">
+                    <a:latin typeface="Times New Roman" panose="02020603050405020304" pitchFamily="18" charset="0"/>
+                    <a:cs typeface="Times New Roman" panose="02020603050405020304" pitchFamily="18" charset="0"/>
+                  </a:rPr>
+                  <a:t> </a:t>
+                </a:r>
+                <a:r>
+                  <a:rPr lang="ru-RU" dirty="0">
+                    <a:latin typeface="Times New Roman" panose="02020603050405020304" pitchFamily="18" charset="0"/>
+                    <a:cs typeface="Times New Roman" panose="02020603050405020304" pitchFamily="18" charset="0"/>
+                  </a:rPr>
+                  <a:t>—</a:t>
+                </a:r>
+                <a:r>
+                  <a:rPr lang="en-US" dirty="0">
+                    <a:latin typeface="Times New Roman" panose="02020603050405020304" pitchFamily="18" charset="0"/>
+                    <a:cs typeface="Times New Roman" panose="02020603050405020304" pitchFamily="18" charset="0"/>
+                  </a:rPr>
+                  <a:t> </a:t>
+                </a:r>
+                <a:r>
+                  <a:rPr lang="ru-RU" dirty="0" smtClean="0">
+                    <a:latin typeface="Times New Roman" panose="02020603050405020304" pitchFamily="18" charset="0"/>
+                    <a:cs typeface="Times New Roman" panose="02020603050405020304" pitchFamily="18" charset="0"/>
+                  </a:rPr>
+                  <a:t>коэффициенты </a:t>
+                </a:r>
+                <a:r>
+                  <a:rPr lang="en-US" i="1" dirty="0" smtClean="0">
+                    <a:latin typeface="Times New Roman" panose="02020603050405020304" pitchFamily="18" charset="0"/>
+                    <a:cs typeface="Times New Roman" panose="02020603050405020304" pitchFamily="18" charset="0"/>
+                  </a:rPr>
+                  <a:t>l</a:t>
+                </a:r>
+                <a:r>
+                  <a:rPr lang="ru-RU" dirty="0" smtClean="0">
+                    <a:latin typeface="Times New Roman" panose="02020603050405020304" pitchFamily="18" charset="0"/>
+                    <a:cs typeface="Times New Roman" panose="02020603050405020304" pitchFamily="18" charset="0"/>
+                  </a:rPr>
+                  <a:t>-го слоя модели</a:t>
+                </a:r>
+                <a:r>
+                  <a:rPr lang="en-US" dirty="0" smtClean="0">
+                    <a:latin typeface="Times New Roman" panose="02020603050405020304" pitchFamily="18" charset="0"/>
+                    <a:cs typeface="Times New Roman" panose="02020603050405020304" pitchFamily="18" charset="0"/>
+                  </a:rPr>
+                  <a:t>;</a:t>
+                </a:r>
+              </a:p>
+              <a:p>
+                <a:pPr marL="360000"/>
+                <a14:m>
+                  <m:oMath xmlns:m="http://schemas.openxmlformats.org/officeDocument/2006/math">
+                    <m:sSub>
+                      <m:sSubPr>
+                        <m:ctrlPr>
+                          <a:rPr lang="en-US" i="1">
+                            <a:latin typeface="Cambria Math" panose="02040503050406030204" pitchFamily="18" charset="0"/>
+                            <a:ea typeface="Cambria Math" panose="02040503050406030204" pitchFamily="18" charset="0"/>
+                          </a:rPr>
+                        </m:ctrlPr>
+                      </m:sSubPr>
+                      <m:e>
+                        <m:r>
+                          <a:rPr lang="en-US" i="1">
+                            <a:latin typeface="Cambria Math" panose="02040503050406030204" pitchFamily="18" charset="0"/>
+                            <a:ea typeface="Cambria Math" panose="02040503050406030204" pitchFamily="18" charset="0"/>
+                          </a:rPr>
+                          <m:t>𝑛</m:t>
+                        </m:r>
+                      </m:e>
+                      <m:sub>
+                        <m:r>
+                          <a:rPr lang="en-US" i="1">
+                            <a:latin typeface="Cambria Math" panose="02040503050406030204" pitchFamily="18" charset="0"/>
+                            <a:ea typeface="Cambria Math" panose="02040503050406030204" pitchFamily="18" charset="0"/>
+                          </a:rPr>
+                          <m:t>𝑙</m:t>
+                        </m:r>
+                      </m:sub>
+                    </m:sSub>
+                  </m:oMath>
+                </a14:m>
+                <a:r>
+                  <a:rPr lang="ru-RU" dirty="0">
+                    <a:latin typeface="Times New Roman" panose="02020603050405020304" pitchFamily="18" charset="0"/>
+                    <a:cs typeface="Times New Roman" panose="02020603050405020304" pitchFamily="18" charset="0"/>
+                  </a:rPr>
+                  <a:t> —</a:t>
+                </a:r>
+                <a:r>
+                  <a:rPr lang="en-US" dirty="0">
+                    <a:latin typeface="Times New Roman" panose="02020603050405020304" pitchFamily="18" charset="0"/>
+                    <a:cs typeface="Times New Roman" panose="02020603050405020304" pitchFamily="18" charset="0"/>
+                  </a:rPr>
+                  <a:t> </a:t>
+                </a:r>
+                <a:r>
+                  <a:rPr lang="ru-RU" dirty="0" smtClean="0">
+                    <a:latin typeface="Times New Roman" panose="02020603050405020304" pitchFamily="18" charset="0"/>
+                    <a:cs typeface="Times New Roman" panose="02020603050405020304" pitchFamily="18" charset="0"/>
+                  </a:rPr>
+                  <a:t>число нейронов в </a:t>
+                </a:r>
+                <a:r>
+                  <a:rPr lang="en-US" i="1" dirty="0" smtClean="0">
+                    <a:latin typeface="Times New Roman" panose="02020603050405020304" pitchFamily="18" charset="0"/>
+                    <a:cs typeface="Times New Roman" panose="02020603050405020304" pitchFamily="18" charset="0"/>
+                  </a:rPr>
+                  <a:t>l</a:t>
+                </a:r>
+                <a:r>
+                  <a:rPr lang="en-US" dirty="0" smtClean="0">
+                    <a:latin typeface="Times New Roman" panose="02020603050405020304" pitchFamily="18" charset="0"/>
+                    <a:cs typeface="Times New Roman" panose="02020603050405020304" pitchFamily="18" charset="0"/>
+                  </a:rPr>
+                  <a:t>-</a:t>
+                </a:r>
+                <a:r>
+                  <a:rPr lang="ru-RU" dirty="0" smtClean="0">
+                    <a:latin typeface="Times New Roman" panose="02020603050405020304" pitchFamily="18" charset="0"/>
+                    <a:cs typeface="Times New Roman" panose="02020603050405020304" pitchFamily="18" charset="0"/>
+                  </a:rPr>
+                  <a:t>м слое</a:t>
+                </a:r>
+                <a:r>
+                  <a:rPr lang="en-US" dirty="0" smtClean="0">
+                    <a:latin typeface="Times New Roman" panose="02020603050405020304" pitchFamily="18" charset="0"/>
+                    <a:cs typeface="Times New Roman" panose="02020603050405020304" pitchFamily="18" charset="0"/>
+                  </a:rPr>
+                  <a:t>;</a:t>
+                </a:r>
+              </a:p>
+              <a:p>
+                <a:pPr marL="360000"/>
+                <a14:m>
+                  <m:oMath xmlns:m="http://schemas.openxmlformats.org/officeDocument/2006/math">
+                    <m:r>
+                      <a:rPr lang="en-US" i="1" dirty="0">
+                        <a:latin typeface="Cambria Math" panose="02040503050406030204" pitchFamily="18" charset="0"/>
+                      </a:rPr>
+                      <m:t>𝐿</m:t>
+                    </m:r>
+                  </m:oMath>
+                </a14:m>
+                <a:r>
+                  <a:rPr lang="ru-RU" dirty="0">
+                    <a:latin typeface="Times New Roman" panose="02020603050405020304" pitchFamily="18" charset="0"/>
+                    <a:cs typeface="Times New Roman" panose="02020603050405020304" pitchFamily="18" charset="0"/>
+                  </a:rPr>
+                  <a:t> —</a:t>
+                </a:r>
+                <a:r>
+                  <a:rPr lang="en-US" dirty="0">
+                    <a:latin typeface="Times New Roman" panose="02020603050405020304" pitchFamily="18" charset="0"/>
+                    <a:cs typeface="Times New Roman" panose="02020603050405020304" pitchFamily="18" charset="0"/>
+                  </a:rPr>
+                  <a:t> </a:t>
+                </a:r>
+                <a:r>
+                  <a:rPr lang="ru-RU" dirty="0" smtClean="0">
+                    <a:latin typeface="Times New Roman" panose="02020603050405020304" pitchFamily="18" charset="0"/>
+                    <a:cs typeface="Times New Roman" panose="02020603050405020304" pitchFamily="18" charset="0"/>
+                  </a:rPr>
+                  <a:t>число слоев в модели.</a:t>
+                </a:r>
+                <a:endParaRPr lang="en-US" dirty="0" smtClean="0">
+                  <a:latin typeface="Times New Roman" panose="02020603050405020304" pitchFamily="18" charset="0"/>
+                  <a:cs typeface="Times New Roman" panose="02020603050405020304" pitchFamily="18" charset="0"/>
+                </a:endParaRPr>
+              </a:p>
+              <a:p>
+                <a:pPr marL="360000"/>
+                <a:endParaRPr lang="ru-RU" dirty="0"/>
+              </a:p>
+            </p:txBody>
+          </p:sp>
+        </mc:Choice>
+        <mc:Fallback>
+          <p:sp>
+            <p:nvSpPr>
+              <p:cNvPr id="7" name="TextBox 6"/>
+              <p:cNvSpPr txBox="1">
+                <a:spLocks noRot="1" noChangeAspect="1" noMove="1" noResize="1" noEditPoints="1" noAdjustHandles="1" noChangeArrowheads="1" noChangeShapeType="1" noTextEdit="1"/>
+              </p:cNvSpPr>
+              <p:nvPr/>
+            </p:nvSpPr>
+            <p:spPr>
+              <a:xfrm>
+                <a:off x="1152144" y="4530852"/>
+                <a:ext cx="9555480" cy="1840247"/>
+              </a:xfrm>
+              <a:prstGeom prst="rect">
+                <a:avLst/>
+              </a:prstGeom>
+              <a:blipFill rotWithShape="0">
+                <a:blip r:embed="rId2"/>
+                <a:stretch>
+                  <a:fillRect l="-1467" t="-25166"/>
+                </a:stretch>
+              </a:blipFill>
+            </p:spPr>
+            <p:txBody>
+              <a:bodyPr/>
+              <a:lstStyle/>
+              <a:p>
+                <a:r>
+                  <a:rPr lang="ru-RU">
+                    <a:noFill/>
+                  </a:rPr>
+                  <a:t> </a:t>
+                </a:r>
+              </a:p>
+            </p:txBody>
+          </p:sp>
+        </mc:Fallback>
+      </mc:AlternateContent>
+      <p:pic>
+        <p:nvPicPr>
+          <p:cNvPr id="9" name="Объект 8"/>
+          <p:cNvPicPr>
+            <a:picLocks noGrp="1" noChangeAspect="1"/>
+          </p:cNvPicPr>
+          <p:nvPr>
+            <p:ph idx="1"/>
+          </p:nvPr>
+        </p:nvPicPr>
+        <p:blipFill>
+          <a:blip r:embed="rId3">
+            <a:extLst>
+              <a:ext uri="{28A0092B-C50C-407E-A947-70E740481C1C}">
+                <a14:useLocalDpi xmlns:a14="http://schemas.microsoft.com/office/drawing/2010/main" val="0"/>
+              </a:ext>
+            </a:extLst>
+          </a:blip>
+          <a:stretch>
+            <a:fillRect/>
+          </a:stretch>
+        </p:blipFill>
+        <p:spPr>
+          <a:xfrm>
+            <a:off x="715742" y="1094554"/>
+            <a:ext cx="7971211" cy="3383573"/>
+          </a:xfrm>
+        </p:spPr>
+      </p:pic>
+      <mc:AlternateContent xmlns:mc="http://schemas.openxmlformats.org/markup-compatibility/2006">
+        <mc:Choice xmlns:a14="http://schemas.microsoft.com/office/drawing/2010/main" Requires="a14">
+          <p:sp>
+            <p:nvSpPr>
+              <p:cNvPr id="11" name="Выноска со стрелкой вверх 10"/>
+              <p:cNvSpPr/>
+              <p:nvPr/>
+            </p:nvSpPr>
+            <p:spPr>
+              <a:xfrm>
+                <a:off x="649902" y="4315968"/>
+                <a:ext cx="3337560" cy="2055131"/>
+              </a:xfrm>
+              <a:prstGeom prst="upArrowCallout">
+                <a:avLst/>
+              </a:prstGeom>
+            </p:spPr>
+            <p:style>
+              <a:lnRef idx="2">
+                <a:schemeClr val="accent6"/>
+              </a:lnRef>
+              <a:fillRef idx="1">
+                <a:schemeClr val="lt1"/>
+              </a:fillRef>
+              <a:effectRef idx="0">
+                <a:schemeClr val="accent6"/>
+              </a:effectRef>
+              <a:fontRef idx="minor">
+                <a:schemeClr val="dk1"/>
+              </a:fontRef>
+            </p:style>
+            <p:txBody>
+              <a:bodyPr rtlCol="0" anchor="ctr"/>
+              <a:lstStyle/>
+              <a:p>
+                <a:pPr algn="ctr"/>
+                <a:r>
+                  <a:rPr lang="ru-RU" sz="2400" b="1" dirty="0" smtClean="0"/>
+                  <a:t>Входной слой</a:t>
+                </a:r>
+              </a:p>
+              <a:p>
+                <a:pPr algn="ctr"/>
+                <a14:m>
+                  <m:oMath xmlns:m="http://schemas.openxmlformats.org/officeDocument/2006/math">
+                    <m:sSub>
+                      <m:sSubPr>
+                        <m:ctrlPr>
+                          <a:rPr lang="ru-RU" i="1" smtClean="0">
+                            <a:latin typeface="Cambria Math" panose="02040503050406030204" pitchFamily="18" charset="0"/>
+                          </a:rPr>
+                        </m:ctrlPr>
+                      </m:sSubPr>
+                      <m:e>
+                        <m:r>
+                          <a:rPr lang="en-US" b="0" i="1" smtClean="0">
+                            <a:latin typeface="Cambria Math" panose="02040503050406030204" pitchFamily="18" charset="0"/>
+                          </a:rPr>
+                          <m:t>𝑥</m:t>
+                        </m:r>
+                      </m:e>
+                      <m:sub>
+                        <m:r>
+                          <a:rPr lang="en-US" b="0" i="1" smtClean="0">
+                            <a:latin typeface="Cambria Math" panose="02040503050406030204" pitchFamily="18" charset="0"/>
+                          </a:rPr>
+                          <m:t>𝑗</m:t>
+                        </m:r>
+                      </m:sub>
+                    </m:sSub>
+                  </m:oMath>
+                </a14:m>
+                <a:r>
+                  <a:rPr lang="ru-RU" dirty="0">
+                    <a:latin typeface="Times New Roman" panose="02020603050405020304" pitchFamily="18" charset="0"/>
+                    <a:cs typeface="Times New Roman" panose="02020603050405020304" pitchFamily="18" charset="0"/>
+                  </a:rPr>
+                  <a:t> —</a:t>
+                </a:r>
+                <a:r>
+                  <a:rPr lang="en-US" dirty="0">
+                    <a:latin typeface="Times New Roman" panose="02020603050405020304" pitchFamily="18" charset="0"/>
+                    <a:cs typeface="Times New Roman" panose="02020603050405020304" pitchFamily="18" charset="0"/>
+                  </a:rPr>
+                  <a:t> </a:t>
+                </a:r>
+                <a14:m>
+                  <m:oMath xmlns:m="http://schemas.openxmlformats.org/officeDocument/2006/math">
+                    <m:r>
+                      <a:rPr lang="en-US" i="1">
+                        <a:latin typeface="Cambria Math" panose="02040503050406030204" pitchFamily="18" charset="0"/>
+                      </a:rPr>
+                      <m:t>𝑗</m:t>
+                    </m:r>
+                  </m:oMath>
+                </a14:m>
+                <a:r>
+                  <a:rPr lang="en-US" dirty="0" smtClean="0"/>
+                  <a:t>-</a:t>
+                </a:r>
+                <a:r>
+                  <a:rPr lang="ru-RU" dirty="0" smtClean="0"/>
+                  <a:t>я характеристика описываемого кредитополучателя </a:t>
+                </a:r>
+                <a:endParaRPr lang="ru-RU" dirty="0"/>
+              </a:p>
+            </p:txBody>
+          </p:sp>
+        </mc:Choice>
+        <mc:Fallback>
+          <p:sp>
+            <p:nvSpPr>
+              <p:cNvPr id="11" name="Выноска со стрелкой вверх 10"/>
+              <p:cNvSpPr>
+                <a:spLocks noRot="1" noChangeAspect="1" noMove="1" noResize="1" noEditPoints="1" noAdjustHandles="1" noChangeArrowheads="1" noChangeShapeType="1" noTextEdit="1"/>
+              </p:cNvSpPr>
+              <p:nvPr/>
+            </p:nvSpPr>
+            <p:spPr>
+              <a:xfrm>
+                <a:off x="649902" y="4315968"/>
+                <a:ext cx="3337560" cy="2055131"/>
+              </a:xfrm>
+              <a:prstGeom prst="upArrowCallout">
+                <a:avLst/>
+              </a:prstGeom>
+              <a:blipFill rotWithShape="0">
+                <a:blip r:embed="rId4"/>
+                <a:stretch>
+                  <a:fillRect b="-3235"/>
+                </a:stretch>
+              </a:blipFill>
+            </p:spPr>
+            <p:txBody>
+              <a:bodyPr/>
+              <a:lstStyle/>
+              <a:p>
+                <a:r>
+                  <a:rPr lang="ru-RU">
+                    <a:noFill/>
+                  </a:rPr>
+                  <a:t> </a:t>
+                </a:r>
+              </a:p>
+            </p:txBody>
+          </p:sp>
+        </mc:Fallback>
+      </mc:AlternateContent>
+    </p:spTree>
+    <p:extLst>
+      <p:ext uri="{BB962C8B-B14F-4D97-AF65-F5344CB8AC3E}">
+        <p14:creationId xmlns:p14="http://schemas.microsoft.com/office/powerpoint/2010/main" val="3373750552"/>
+      </p:ext>
+    </p:extLst>
+  </p:cSld>
+  <p:clrMapOvr>
+    <a:masterClrMapping/>
+  </p:clrMapOvr>
+  <p:timing>
+    <p:tnLst>
+      <p:par>
+        <p:cTn id="1" dur="indefinite" restart="never" nodeType="tmRoot">
+          <p:childTnLst>
+            <p:seq concurrent="1" nextAc="seek">
+              <p:cTn id="2" dur="indefinite" nodeType="mainSeq">
+                <p:childTnLst>
+                  <p:par>
+                    <p:cTn id="3" fill="hold">
+                      <p:stCondLst>
+                        <p:cond delay="indefinite"/>
+                      </p:stCondLst>
+                      <p:childTnLst>
+                        <p:par>
+                          <p:cTn id="4" fill="hold">
+                            <p:stCondLst>
+                              <p:cond delay="0"/>
+                            </p:stCondLst>
+                            <p:childTnLst>
+                              <p:par>
+                                <p:cTn id="5" presetID="10" presetClass="exit" presetSubtype="0" fill="hold" grpId="0" nodeType="clickEffect">
+                                  <p:stCondLst>
+                                    <p:cond delay="0"/>
+                                  </p:stCondLst>
+                                  <p:childTnLst>
+                                    <p:animEffect transition="out" filter="fade">
+                                      <p:cBhvr>
+                                        <p:cTn id="6" dur="500"/>
+                                        <p:tgtEl>
+                                          <p:spTgt spid="7"/>
+                                        </p:tgtEl>
+                                      </p:cBhvr>
+                                    </p:animEffect>
+                                    <p:set>
+                                      <p:cBhvr>
+                                        <p:cTn id="7" dur="1" fill="hold">
+                                          <p:stCondLst>
+                                            <p:cond delay="499"/>
+                                          </p:stCondLst>
+                                        </p:cTn>
+                                        <p:tgtEl>
+                                          <p:spTgt spid="7"/>
+                                        </p:tgtEl>
+                                        <p:attrNameLst>
+                                          <p:attrName>style.visibility</p:attrName>
+                                        </p:attrNameLst>
+                                      </p:cBhvr>
+                                      <p:to>
+                                        <p:strVal val="hidden"/>
+                                      </p:to>
+                                    </p:set>
+                                  </p:childTnLst>
+                                </p:cTn>
+                              </p:par>
+                              <p:par>
+                                <p:cTn id="8" presetID="10" presetClass="entr" presetSubtype="0" fill="hold" grpId="0" nodeType="withEffect">
+                                  <p:stCondLst>
+                                    <p:cond delay="0"/>
+                                  </p:stCondLst>
+                                  <p:childTnLst>
+                                    <p:set>
+                                      <p:cBhvr>
+                                        <p:cTn id="9" dur="1" fill="hold">
+                                          <p:stCondLst>
+                                            <p:cond delay="0"/>
+                                          </p:stCondLst>
+                                        </p:cTn>
+                                        <p:tgtEl>
+                                          <p:spTgt spid="11"/>
+                                        </p:tgtEl>
+                                        <p:attrNameLst>
+                                          <p:attrName>style.visibility</p:attrName>
+                                        </p:attrNameLst>
+                                      </p:cBhvr>
+                                      <p:to>
+                                        <p:strVal val="visible"/>
+                                      </p:to>
+                                    </p:set>
+                                    <p:animEffect transition="in" filter="fade">
+                                      <p:cBhvr>
+                                        <p:cTn id="10" dur="500"/>
+                                        <p:tgtEl>
+                                          <p:spTgt spid="11"/>
+                                        </p:tgtEl>
+                                      </p:cBhvr>
+                                    </p:animEffect>
+                                  </p:childTnLst>
+                                </p:cTn>
+                              </p:par>
+                            </p:childTnLst>
+                          </p:cTn>
+                        </p:par>
+                      </p:childTnLst>
+                    </p:cTn>
+                  </p:par>
+                  <p:par>
+                    <p:cTn id="11" fill="hold">
+                      <p:stCondLst>
+                        <p:cond delay="indefinite"/>
+                      </p:stCondLst>
+                      <p:childTnLst>
+                        <p:par>
+                          <p:cTn id="12" fill="hold">
+                            <p:stCondLst>
+                              <p:cond delay="0"/>
+                            </p:stCondLst>
+                            <p:childTnLst>
+                              <p:par>
+                                <p:cTn id="13" presetID="10" presetClass="exit" presetSubtype="0" fill="hold" grpId="1" nodeType="clickEffect">
+                                  <p:stCondLst>
+                                    <p:cond delay="0"/>
+                                  </p:stCondLst>
+                                  <p:childTnLst>
+                                    <p:animEffect transition="out" filter="fade">
+                                      <p:cBhvr>
+                                        <p:cTn id="14" dur="500"/>
+                                        <p:tgtEl>
+                                          <p:spTgt spid="11"/>
+                                        </p:tgtEl>
+                                      </p:cBhvr>
+                                    </p:animEffect>
+                                    <p:set>
+                                      <p:cBhvr>
+                                        <p:cTn id="15" dur="1" fill="hold">
+                                          <p:stCondLst>
+                                            <p:cond delay="499"/>
+                                          </p:stCondLst>
+                                        </p:cTn>
+                                        <p:tgtEl>
+                                          <p:spTgt spid="11"/>
+                                        </p:tgtEl>
+                                        <p:attrNameLst>
+                                          <p:attrName>style.visibility</p:attrName>
+                                        </p:attrNameLst>
+                                      </p:cBhvr>
+                                      <p:to>
+                                        <p:strVal val="hidden"/>
+                                      </p:to>
+                                    </p:set>
+                                  </p:childTnLst>
+                                </p:cTn>
+                              </p:par>
+                            </p:childTnLst>
+                          </p:cTn>
+                        </p:par>
+                      </p:childTnLst>
+                    </p:cTn>
+                  </p:par>
+                </p:childTnLst>
+              </p:cTn>
+              <p:prevCondLst>
+                <p:cond evt="onPrev" delay="0">
+                  <p:tgtEl>
+                    <p:sldTgt/>
+                  </p:tgtEl>
+                </p:cond>
+              </p:prevCondLst>
+              <p:nextCondLst>
+                <p:cond evt="onNext" delay="0">
+                  <p:tgtEl>
+                    <p:sldTgt/>
+                  </p:tgtEl>
+                </p:cond>
+              </p:nextCondLst>
+            </p:seq>
+          </p:childTnLst>
+        </p:cTn>
+      </p:par>
+    </p:tnLst>
+    <p:bldLst>
+      <p:bldP spid="7" grpId="0"/>
+      <p:bldP spid="11" grpId="0" animBg="1"/>
+      <p:bldP spid="11" grpId="1" animBg="1"/>
+    </p:bldLst>
   </p:timing>
 </p:sld>
 </file>

--- a/defence/презентация защита работы.pptx
+++ b/defence/презентация защита работы.pptx
@@ -842,7 +842,7 @@
             <a:fld id="{B61BEF0D-F0BB-DE4B-95CE-6DB70DBA9567}" type="datetimeFigureOut">
               <a:rPr lang="en-US" dirty="0"/>
               <a:pPr/>
-              <a:t>5/8/2022</a:t>
+              <a:t>6/12/2022</a:t>
             </a:fld>
             <a:endParaRPr lang="en-US" dirty="0"/>
           </a:p>
@@ -1090,7 +1090,7 @@
             <a:fld id="{B61BEF0D-F0BB-DE4B-95CE-6DB70DBA9567}" type="datetimeFigureOut">
               <a:rPr lang="en-US" dirty="0"/>
               <a:pPr/>
-              <a:t>5/8/2022</a:t>
+              <a:t>6/12/2022</a:t>
             </a:fld>
             <a:endParaRPr lang="en-US" dirty="0"/>
           </a:p>
@@ -1401,7 +1401,7 @@
             <a:fld id="{B61BEF0D-F0BB-DE4B-95CE-6DB70DBA9567}" type="datetimeFigureOut">
               <a:rPr lang="en-US" dirty="0"/>
               <a:pPr/>
-              <a:t>5/8/2022</a:t>
+              <a:t>6/12/2022</a:t>
             </a:fld>
             <a:endParaRPr lang="en-US" dirty="0"/>
           </a:p>
@@ -1739,7 +1739,7 @@
             <a:fld id="{B61BEF0D-F0BB-DE4B-95CE-6DB70DBA9567}" type="datetimeFigureOut">
               <a:rPr lang="en-US" dirty="0"/>
               <a:pPr/>
-              <a:t>5/8/2022</a:t>
+              <a:t>6/12/2022</a:t>
             </a:fld>
             <a:endParaRPr lang="en-US" dirty="0"/>
           </a:p>
@@ -2050,7 +2050,7 @@
             <a:fld id="{B61BEF0D-F0BB-DE4B-95CE-6DB70DBA9567}" type="datetimeFigureOut">
               <a:rPr lang="en-US" dirty="0"/>
               <a:pPr/>
-              <a:t>5/8/2022</a:t>
+              <a:t>6/12/2022</a:t>
             </a:fld>
             <a:endParaRPr lang="en-US" dirty="0"/>
           </a:p>
@@ -2440,7 +2440,7 @@
             <a:fld id="{B61BEF0D-F0BB-DE4B-95CE-6DB70DBA9567}" type="datetimeFigureOut">
               <a:rPr lang="en-US" dirty="0"/>
               <a:pPr/>
-              <a:t>5/8/2022</a:t>
+              <a:t>6/12/2022</a:t>
             </a:fld>
             <a:endParaRPr lang="en-US" dirty="0"/>
           </a:p>
@@ -2606,7 +2606,7 @@
           <a:p>
             <a:fld id="{55C6B4A9-1611-4792-9094-5F34BCA07E0B}" type="datetimeFigureOut">
               <a:rPr lang="en-US" dirty="0"/>
-              <a:t>5/8/2022</a:t>
+              <a:t>6/12/2022</a:t>
             </a:fld>
             <a:endParaRPr lang="en-US" dirty="0"/>
           </a:p>
@@ -2782,7 +2782,7 @@
             <a:fld id="{B61BEF0D-F0BB-DE4B-95CE-6DB70DBA9567}" type="datetimeFigureOut">
               <a:rPr lang="en-US" dirty="0"/>
               <a:pPr/>
-              <a:t>5/8/2022</a:t>
+              <a:t>6/12/2022</a:t>
             </a:fld>
             <a:endParaRPr lang="en-US" dirty="0"/>
           </a:p>
@@ -2955,7 +2955,7 @@
             <a:fld id="{B61BEF0D-F0BB-DE4B-95CE-6DB70DBA9567}" type="datetimeFigureOut">
               <a:rPr lang="en-US" dirty="0"/>
               <a:pPr/>
-              <a:t>5/8/2022</a:t>
+              <a:t>6/12/2022</a:t>
             </a:fld>
             <a:endParaRPr lang="en-US" dirty="0"/>
           </a:p>
@@ -3199,7 +3199,7 @@
             <a:fld id="{B61BEF0D-F0BB-DE4B-95CE-6DB70DBA9567}" type="datetimeFigureOut">
               <a:rPr lang="en-US" dirty="0"/>
               <a:pPr/>
-              <a:t>5/8/2022</a:t>
+              <a:t>6/12/2022</a:t>
             </a:fld>
             <a:endParaRPr lang="en-US" dirty="0"/>
           </a:p>
@@ -3427,7 +3427,7 @@
           <a:p>
             <a:fld id="{EB712588-04B1-427B-82EE-E8DB90309F08}" type="datetimeFigureOut">
               <a:rPr lang="en-US" dirty="0"/>
-              <a:t>5/8/2022</a:t>
+              <a:t>6/12/2022</a:t>
             </a:fld>
             <a:endParaRPr lang="en-US" dirty="0"/>
           </a:p>
@@ -3797,7 +3797,7 @@
             <a:fld id="{B61BEF0D-F0BB-DE4B-95CE-6DB70DBA9567}" type="datetimeFigureOut">
               <a:rPr lang="en-US" dirty="0"/>
               <a:pPr/>
-              <a:t>5/8/2022</a:t>
+              <a:t>6/12/2022</a:t>
             </a:fld>
             <a:endParaRPr lang="en-US" dirty="0"/>
           </a:p>
@@ -3917,7 +3917,7 @@
             <a:fld id="{B61BEF0D-F0BB-DE4B-95CE-6DB70DBA9567}" type="datetimeFigureOut">
               <a:rPr lang="en-US" dirty="0"/>
               <a:pPr/>
-              <a:t>5/8/2022</a:t>
+              <a:t>6/12/2022</a:t>
             </a:fld>
             <a:endParaRPr lang="en-US" dirty="0"/>
           </a:p>
@@ -4009,7 +4009,7 @@
             <a:fld id="{B61BEF0D-F0BB-DE4B-95CE-6DB70DBA9567}" type="datetimeFigureOut">
               <a:rPr lang="en-US" dirty="0"/>
               <a:pPr/>
-              <a:t>5/8/2022</a:t>
+              <a:t>6/12/2022</a:t>
             </a:fld>
             <a:endParaRPr lang="en-US" dirty="0"/>
           </a:p>
@@ -4260,7 +4260,7 @@
           <a:p>
             <a:fld id="{42A54C80-263E-416B-A8E0-580EDEADCBDC}" type="datetimeFigureOut">
               <a:rPr lang="en-US" dirty="0"/>
-              <a:t>5/8/2022</a:t>
+              <a:t>6/12/2022</a:t>
             </a:fld>
             <a:endParaRPr lang="en-US" dirty="0"/>
           </a:p>
@@ -4519,7 +4519,7 @@
             <a:fld id="{B61BEF0D-F0BB-DE4B-95CE-6DB70DBA9567}" type="datetimeFigureOut">
               <a:rPr lang="en-US" dirty="0"/>
               <a:pPr/>
-              <a:t>5/8/2022</a:t>
+              <a:t>6/12/2022</a:t>
             </a:fld>
             <a:endParaRPr lang="en-US" dirty="0"/>
           </a:p>
@@ -5259,7 +5259,7 @@
             <a:fld id="{B61BEF0D-F0BB-DE4B-95CE-6DB70DBA9567}" type="datetimeFigureOut">
               <a:rPr lang="en-US" dirty="0"/>
               <a:pPr/>
-              <a:t>5/8/2022</a:t>
+              <a:t>6/12/2022</a:t>
             </a:fld>
             <a:endParaRPr lang="en-US" dirty="0"/>
           </a:p>
@@ -5923,7 +5923,7 @@
         <p:spPr>
           <a:xfrm>
             <a:off x="677333" y="2160589"/>
-            <a:ext cx="7454295" cy="2400525"/>
+            <a:ext cx="7454295" cy="3599276"/>
           </a:xfrm>
         </p:spPr>
         <p:txBody>
@@ -5932,6 +5932,10 @@
           </a:bodyPr>
           <a:lstStyle/>
           <a:p>
+            <a:pPr>
+              <a:buFont typeface="Wingdings" panose="05000000000000000000" pitchFamily="2" charset="2"/>
+              <a:buChar char="v"/>
+            </a:pPr>
             <a:r>
               <a:rPr lang="ru-RU" sz="2400" dirty="0" smtClean="0"/>
               <a:t>Постановка задачи</a:t>
@@ -5943,6 +5947,10 @@
             <a:endParaRPr lang="ru-RU" sz="2400" dirty="0" smtClean="0"/>
           </a:p>
           <a:p>
+            <a:pPr>
+              <a:buFont typeface="Wingdings" panose="05000000000000000000" pitchFamily="2" charset="2"/>
+              <a:buChar char="v"/>
+            </a:pPr>
             <a:r>
               <a:rPr lang="ru-RU" sz="2400" dirty="0" smtClean="0"/>
               <a:t>Описание идентификационной формы модели использованной в работе</a:t>
@@ -5953,6 +5961,10 @@
             </a:r>
           </a:p>
           <a:p>
+            <a:pPr>
+              <a:buFont typeface="Wingdings" panose="05000000000000000000" pitchFamily="2" charset="2"/>
+              <a:buChar char="Ø"/>
+            </a:pPr>
             <a:r>
               <a:rPr lang="ru-RU" sz="2400" dirty="0" smtClean="0"/>
               <a:t>Набор данных и его подготовка</a:t>
@@ -5965,11 +5977,29 @@
           <a:p>
             <a:r>
               <a:rPr lang="ru-RU" sz="2400" dirty="0" smtClean="0"/>
-              <a:t>Моделирование и </a:t>
+              <a:t>Моделирование</a:t>
+            </a:r>
+            <a:r>
+              <a:rPr lang="en-US" sz="2400" dirty="0" smtClean="0"/>
+              <a:t> </a:t>
+            </a:r>
+            <a:r>
+              <a:rPr lang="ru-RU" sz="2400" dirty="0" smtClean="0"/>
+              <a:t>и </a:t>
             </a:r>
             <a:r>
               <a:rPr lang="ru-RU" sz="2400" dirty="0" err="1" smtClean="0"/>
               <a:t>валидация</a:t>
+            </a:r>
+            <a:r>
+              <a:rPr lang="en-US" sz="2400" dirty="0" smtClean="0"/>
+              <a:t>;</a:t>
+            </a:r>
+          </a:p>
+          <a:p>
+            <a:r>
+              <a:rPr lang="ru-RU" sz="2400" dirty="0" smtClean="0"/>
+              <a:t>Подбор точки отсечения и оценка экономических выгод от использования в модели</a:t>
             </a:r>
             <a:r>
               <a:rPr lang="en-US" sz="2400" dirty="0" smtClean="0"/>
@@ -6363,13 +6393,15 @@
       <p:cxnSp>
         <p:nvCxnSpPr>
           <p:cNvPr id="16" name="Прямая со стрелкой 15"/>
-          <p:cNvCxnSpPr/>
+          <p:cNvCxnSpPr>
+            <a:stCxn id="14" idx="3"/>
+          </p:cNvCxnSpPr>
           <p:nvPr/>
         </p:nvCxnSpPr>
         <p:spPr>
           <a:xfrm flipV="1">
-            <a:off x="7153849" y="2726870"/>
-            <a:ext cx="1240971" cy="5442"/>
+            <a:off x="7239000" y="2726870"/>
+            <a:ext cx="1155820" cy="1"/>
           </a:xfrm>
           <a:prstGeom prst="straightConnector1">
             <a:avLst/>
@@ -7307,8 +7339,8 @@
           </p:sp>
         </mc:Fallback>
       </mc:AlternateContent>
-      <mc:AlternateContent xmlns:mc="http://schemas.openxmlformats.org/markup-compatibility/2006" xmlns:a14="http://schemas.microsoft.com/office/drawing/2010/main">
-        <mc:Choice Requires="a14">
+      <mc:AlternateContent xmlns:mc="http://schemas.openxmlformats.org/markup-compatibility/2006">
+        <mc:Choice xmlns:a14="http://schemas.microsoft.com/office/drawing/2010/main" Requires="a14">
           <p:sp>
             <p:nvSpPr>
               <p:cNvPr id="6" name="TextBox 5"/>
@@ -7317,8 +7349,8 @@
             </p:nvSpPr>
             <p:spPr>
               <a:xfrm>
-                <a:off x="2132491" y="2690868"/>
-                <a:ext cx="5216941" cy="646716"/>
+                <a:off x="2132491" y="2544786"/>
+                <a:ext cx="6215163" cy="831766"/>
               </a:xfrm>
               <a:prstGeom prst="rect">
                 <a:avLst/>
@@ -7332,7 +7364,10 @@
               <a:lstStyle/>
               <a:p>
                 <a:r>
-                  <a:rPr lang="ru-RU" sz="1200" dirty="0" smtClean="0"/>
+                  <a:rPr lang="ru-RU" sz="1200" dirty="0" smtClean="0">
+                    <a:latin typeface="Cambria" panose="02040503050406030204" pitchFamily="18" charset="0"/>
+                    <a:ea typeface="Cambria" panose="02040503050406030204" pitchFamily="18" charset="0"/>
+                  </a:rPr>
                   <a:t>Где </a:t>
                 </a:r>
                 <a14:m>
@@ -7358,11 +7393,17 @@
                   </m:oMath>
                 </a14:m>
                 <a:r>
-                  <a:rPr lang="ru-RU" sz="1200" dirty="0" smtClean="0"/>
+                  <a:rPr lang="ru-RU" sz="1200" dirty="0" smtClean="0">
+                    <a:latin typeface="Cambria" panose="02040503050406030204" pitchFamily="18" charset="0"/>
+                    <a:ea typeface="Cambria" panose="02040503050406030204" pitchFamily="18" charset="0"/>
+                  </a:rPr>
                   <a:t> — оценка вероятности наступления дефолта</a:t>
                 </a:r>
                 <a:r>
-                  <a:rPr lang="en-US" sz="1200" dirty="0" smtClean="0"/>
+                  <a:rPr lang="en-US" sz="1200" dirty="0" smtClean="0">
+                    <a:latin typeface="Cambria" panose="02040503050406030204" pitchFamily="18" charset="0"/>
+                    <a:ea typeface="Cambria" panose="02040503050406030204" pitchFamily="18" charset="0"/>
+                  </a:rPr>
                   <a:t>;</a:t>
                 </a:r>
               </a:p>
@@ -7490,15 +7531,24 @@
                   </m:oMath>
                 </a14:m>
                 <a:r>
-                  <a:rPr lang="ru-RU" sz="1200" dirty="0"/>
+                  <a:rPr lang="ru-RU" sz="1200" dirty="0">
+                    <a:latin typeface="Cambria" panose="02040503050406030204" pitchFamily="18" charset="0"/>
+                    <a:ea typeface="Cambria" panose="02040503050406030204" pitchFamily="18" charset="0"/>
+                  </a:rPr>
                   <a:t> — </a:t>
                 </a:r>
                 <a:r>
-                  <a:rPr lang="ru-RU" sz="1200" dirty="0" smtClean="0"/>
+                  <a:rPr lang="ru-RU" sz="1200" dirty="0" smtClean="0">
+                    <a:latin typeface="Cambria" panose="02040503050406030204" pitchFamily="18" charset="0"/>
+                    <a:ea typeface="Cambria" panose="02040503050406030204" pitchFamily="18" charset="0"/>
+                  </a:rPr>
                   <a:t>вектор характеристик некоторого заёмщика</a:t>
                 </a:r>
                 <a:r>
-                  <a:rPr lang="en-US" sz="1200" dirty="0" smtClean="0"/>
+                  <a:rPr lang="en-US" sz="1200" dirty="0" smtClean="0">
+                    <a:latin typeface="Cambria" panose="02040503050406030204" pitchFamily="18" charset="0"/>
+                    <a:ea typeface="Cambria" panose="02040503050406030204" pitchFamily="18" charset="0"/>
+                  </a:rPr>
                   <a:t>;</a:t>
                 </a:r>
               </a:p>
@@ -7506,6 +7556,43 @@
                 <a:pPr marL="360000"/>
                 <a14:m>
                   <m:oMath xmlns:m="http://schemas.openxmlformats.org/officeDocument/2006/math">
+                    <m:sSub>
+                      <m:sSubPr>
+                        <m:ctrlPr>
+                          <a:rPr lang="en-US" sz="1200" i="1">
+                            <a:latin typeface="Cambria Math" panose="02040503050406030204" pitchFamily="18" charset="0"/>
+                          </a:rPr>
+                        </m:ctrlPr>
+                      </m:sSubPr>
+                      <m:e>
+                        <m:r>
+                          <a:rPr lang="en-US" sz="1200" i="1">
+                            <a:latin typeface="Cambria Math" panose="02040503050406030204" pitchFamily="18" charset="0"/>
+                          </a:rPr>
+                          <m:t>𝑏</m:t>
+                        </m:r>
+                      </m:e>
+                      <m:sub>
+                        <m:r>
+                          <a:rPr lang="en-US" sz="1200" b="0" i="1" smtClean="0">
+                            <a:latin typeface="Cambria Math" panose="02040503050406030204" pitchFamily="18" charset="0"/>
+                          </a:rPr>
+                          <m:t>𝑘</m:t>
+                        </m:r>
+                        <m:r>
+                          <a:rPr lang="en-US" sz="1200" b="0" i="1" smtClean="0">
+                            <a:latin typeface="Cambria Math" panose="02040503050406030204" pitchFamily="18" charset="0"/>
+                          </a:rPr>
+                          <m:t>𝑖</m:t>
+                        </m:r>
+                      </m:sub>
+                    </m:sSub>
+                    <m:r>
+                      <a:rPr lang="en-US" sz="1200" b="0" i="1" smtClean="0">
+                        <a:latin typeface="Cambria Math" panose="02040503050406030204" pitchFamily="18" charset="0"/>
+                      </a:rPr>
+                      <m:t>,</m:t>
+                    </m:r>
                     <m:sSub>
                       <m:sSubPr>
                         <m:ctrlPr>
@@ -7532,19 +7619,57 @@
                       </m:sub>
                     </m:sSub>
                     <m:r>
-                      <a:rPr lang="en-US" sz="1200" b="0" i="1">
+                      <a:rPr lang="en-US" sz="1200" b="0" i="1" smtClean="0">
                         <a:latin typeface="Cambria Math" panose="02040503050406030204" pitchFamily="18" charset="0"/>
                       </a:rPr>
-                      <m:t> </m:t>
+                      <m:t>,</m:t>
                     </m:r>
                     <m:r>
                       <a:rPr lang="en-US" sz="1200" b="0" i="1" smtClean="0">
                         <a:latin typeface="Cambria Math" panose="02040503050406030204" pitchFamily="18" charset="0"/>
                       </a:rPr>
+                      <m:t>𝑏</m:t>
+                    </m:r>
+                  </m:oMath>
+                </a14:m>
+                <a:r>
+                  <a:rPr lang="en-US" sz="1200" dirty="0" smtClean="0">
+                    <a:latin typeface="Cambria" panose="02040503050406030204" pitchFamily="18" charset="0"/>
+                    <a:ea typeface="Cambria" panose="02040503050406030204" pitchFamily="18" charset="0"/>
+                  </a:rPr>
+                  <a:t> </a:t>
+                </a:r>
+                <a:r>
+                  <a:rPr lang="ru-RU" sz="1200" dirty="0">
+                    <a:latin typeface="Cambria" panose="02040503050406030204" pitchFamily="18" charset="0"/>
+                    <a:ea typeface="Cambria" panose="02040503050406030204" pitchFamily="18" charset="0"/>
+                  </a:rPr>
+                  <a:t>— </a:t>
+                </a:r>
+                <a:r>
+                  <a:rPr lang="ru-RU" sz="1200" dirty="0" smtClean="0">
+                    <a:latin typeface="Cambria" panose="02040503050406030204" pitchFamily="18" charset="0"/>
+                    <a:ea typeface="Cambria" panose="02040503050406030204" pitchFamily="18" charset="0"/>
+                  </a:rPr>
+                  <a:t>оценки коэффициентов модели</a:t>
+                </a:r>
+                <a:r>
+                  <a:rPr lang="en-US" sz="1200" dirty="0" smtClean="0">
+                    <a:latin typeface="Cambria" panose="02040503050406030204" pitchFamily="18" charset="0"/>
+                    <a:ea typeface="Cambria" panose="02040503050406030204" pitchFamily="18" charset="0"/>
+                  </a:rPr>
+                  <a:t> </a:t>
+                </a:r>
+                <a14:m>
+                  <m:oMath xmlns:m="http://schemas.openxmlformats.org/officeDocument/2006/math">
+                    <m:r>
+                      <a:rPr lang="en-US" sz="1200" i="1">
+                        <a:latin typeface="Cambria Math" panose="02040503050406030204" pitchFamily="18" charset="0"/>
+                      </a:rPr>
                       <m:t>𝑖</m:t>
                     </m:r>
                     <m:r>
-                      <a:rPr lang="en-US" sz="1200" b="0" i="1" smtClean="0">
+                      <a:rPr lang="en-US" sz="1200" i="1">
                         <a:latin typeface="Cambria Math" panose="02040503050406030204" pitchFamily="18" charset="0"/>
                       </a:rPr>
                       <m:t>=</m:t>
@@ -7553,20 +7678,20 @@
                       <m:accPr>
                         <m:chr m:val="̅"/>
                         <m:ctrlPr>
-                          <a:rPr lang="en-US" sz="1200" b="0" i="1" smtClean="0">
+                          <a:rPr lang="en-US" sz="1200" i="1">
                             <a:latin typeface="Cambria Math" panose="02040503050406030204" pitchFamily="18" charset="0"/>
                           </a:rPr>
                         </m:ctrlPr>
                       </m:accPr>
                       <m:e>
                         <m:r>
-                          <a:rPr lang="en-US" sz="1200" b="0" i="1" smtClean="0">
+                          <a:rPr lang="en-US" sz="1200" i="1">
                             <a:latin typeface="Cambria Math" panose="02040503050406030204" pitchFamily="18" charset="0"/>
                           </a:rPr>
                           <m:t>1,</m:t>
                         </m:r>
                         <m:r>
-                          <a:rPr lang="en-US" sz="1200" b="0" i="1" smtClean="0">
+                          <a:rPr lang="en-US" sz="1200" i="1">
                             <a:latin typeface="Cambria Math" panose="02040503050406030204" pitchFamily="18" charset="0"/>
                           </a:rPr>
                           <m:t>𝑚</m:t>
@@ -7583,32 +7708,180 @@
                       <a:rPr lang="en-US" sz="1200" b="0" i="1" smtClean="0">
                         <a:latin typeface="Cambria Math" panose="02040503050406030204" pitchFamily="18" charset="0"/>
                       </a:rPr>
-                      <m:t>𝑏</m:t>
+                      <m:t>𝑘</m:t>
+                    </m:r>
+                    <m:r>
+                      <a:rPr lang="en-US" sz="1200" i="1">
+                        <a:latin typeface="Cambria Math" panose="02040503050406030204" pitchFamily="18" charset="0"/>
+                      </a:rPr>
+                      <m:t>=</m:t>
+                    </m:r>
+                    <m:acc>
+                      <m:accPr>
+                        <m:chr m:val="̅"/>
+                        <m:ctrlPr>
+                          <a:rPr lang="en-US" sz="1200" i="1">
+                            <a:latin typeface="Cambria Math" panose="02040503050406030204" pitchFamily="18" charset="0"/>
+                          </a:rPr>
+                        </m:ctrlPr>
+                      </m:accPr>
+                      <m:e>
+                        <m:r>
+                          <a:rPr lang="en-US" sz="1200" i="1">
+                            <a:latin typeface="Cambria Math" panose="02040503050406030204" pitchFamily="18" charset="0"/>
+                          </a:rPr>
+                          <m:t>1,</m:t>
+                        </m:r>
+                        <m:r>
+                          <a:rPr lang="en-US" sz="1200" b="0" i="1" smtClean="0">
+                            <a:latin typeface="Cambria Math" panose="02040503050406030204" pitchFamily="18" charset="0"/>
+                          </a:rPr>
+                          <m:t>𝐾</m:t>
+                        </m:r>
+                      </m:e>
+                    </m:acc>
+                    <m:r>
+                      <a:rPr lang="en-US" sz="1200" b="0" i="0" smtClean="0">
+                        <a:latin typeface="Cambria Math" panose="02040503050406030204" pitchFamily="18" charset="0"/>
+                      </a:rPr>
+                      <m:t>;</m:t>
                     </m:r>
                   </m:oMath>
                 </a14:m>
+                <a:endParaRPr lang="en-US" sz="1200" dirty="0" smtClean="0">
+                  <a:latin typeface="Cambria" panose="02040503050406030204" pitchFamily="18" charset="0"/>
+                  <a:ea typeface="Cambria" panose="02040503050406030204" pitchFamily="18" charset="0"/>
+                </a:endParaRPr>
+              </a:p>
+              <a:p>
+                <a:pPr marL="360000"/>
+                <a14:m>
+                  <m:oMath xmlns:m="http://schemas.openxmlformats.org/officeDocument/2006/math">
+                    <m:sSub>
+                      <m:sSubPr>
+                        <m:ctrlPr>
+                          <a:rPr lang="en-US" sz="1200" i="1" smtClean="0">
+                            <a:latin typeface="Cambria Math" panose="02040503050406030204" pitchFamily="18" charset="0"/>
+                          </a:rPr>
+                        </m:ctrlPr>
+                      </m:sSubPr>
+                      <m:e>
+                        <m:r>
+                          <a:rPr lang="en-US" sz="1200" b="0" i="1" smtClean="0">
+                            <a:latin typeface="Cambria Math" panose="02040503050406030204" pitchFamily="18" charset="0"/>
+                          </a:rPr>
+                          <m:t>𝑋</m:t>
+                        </m:r>
+                      </m:e>
+                      <m:sub>
+                        <m:r>
+                          <a:rPr lang="en-US" sz="1200" b="0" i="1" smtClean="0">
+                            <a:latin typeface="Cambria Math" panose="02040503050406030204" pitchFamily="18" charset="0"/>
+                          </a:rPr>
+                          <m:t>𝑘</m:t>
+                        </m:r>
+                      </m:sub>
+                    </m:sSub>
+                  </m:oMath>
+                </a14:m>
                 <a:r>
-                  <a:rPr lang="en-US" sz="1200" dirty="0" smtClean="0"/>
+                  <a:rPr lang="ru-RU" sz="1200" dirty="0">
+                    <a:latin typeface="Cambria" panose="02040503050406030204" pitchFamily="18" charset="0"/>
+                    <a:ea typeface="Cambria" panose="02040503050406030204" pitchFamily="18" charset="0"/>
+                  </a:rPr>
+                  <a:t> — </a:t>
+                </a:r>
+                <a:r>
+                  <a:rPr lang="en-US" sz="1200" i="1" dirty="0" smtClean="0">
+                    <a:latin typeface="Cambria" panose="02040503050406030204" pitchFamily="18" charset="0"/>
+                    <a:ea typeface="Cambria" panose="02040503050406030204" pitchFamily="18" charset="0"/>
+                  </a:rPr>
+                  <a:t>k</a:t>
+                </a:r>
+                <a:r>
+                  <a:rPr lang="en-US" sz="1200" dirty="0" smtClean="0">
+                    <a:latin typeface="Cambria" panose="02040503050406030204" pitchFamily="18" charset="0"/>
+                    <a:ea typeface="Cambria" panose="02040503050406030204" pitchFamily="18" charset="0"/>
+                  </a:rPr>
+                  <a:t>-</a:t>
+                </a:r>
+                <a:r>
+                  <a:rPr lang="ru-RU" sz="1200" dirty="0" smtClean="0">
+                    <a:latin typeface="Cambria" panose="02040503050406030204" pitchFamily="18" charset="0"/>
+                    <a:ea typeface="Cambria" panose="02040503050406030204" pitchFamily="18" charset="0"/>
+                  </a:rPr>
+                  <a:t>я область точек в которой задействуется советующее уравнение</a:t>
+                </a:r>
+                <a:r>
+                  <a:rPr lang="en-US" sz="1200" dirty="0" smtClean="0">
+                    <a:latin typeface="Cambria" panose="02040503050406030204" pitchFamily="18" charset="0"/>
+                    <a:ea typeface="Cambria" panose="02040503050406030204" pitchFamily="18" charset="0"/>
+                  </a:rPr>
                   <a:t> </a:t>
                 </a:r>
+                <a14:m>
+                  <m:oMath xmlns:m="http://schemas.openxmlformats.org/officeDocument/2006/math">
+                    <m:r>
+                      <a:rPr lang="en-US" sz="1200" i="1">
+                        <a:latin typeface="Cambria Math" panose="02040503050406030204" pitchFamily="18" charset="0"/>
+                      </a:rPr>
+                      <m:t>𝑘</m:t>
+                    </m:r>
+                    <m:r>
+                      <a:rPr lang="en-US" sz="1200" i="1">
+                        <a:latin typeface="Cambria Math" panose="02040503050406030204" pitchFamily="18" charset="0"/>
+                      </a:rPr>
+                      <m:t>=</m:t>
+                    </m:r>
+                    <m:acc>
+                      <m:accPr>
+                        <m:chr m:val="̅"/>
+                        <m:ctrlPr>
+                          <a:rPr lang="en-US" sz="1200" i="1">
+                            <a:latin typeface="Cambria Math" panose="02040503050406030204" pitchFamily="18" charset="0"/>
+                          </a:rPr>
+                        </m:ctrlPr>
+                      </m:accPr>
+                      <m:e>
+                        <m:r>
+                          <a:rPr lang="en-US" sz="1200" i="1">
+                            <a:latin typeface="Cambria Math" panose="02040503050406030204" pitchFamily="18" charset="0"/>
+                          </a:rPr>
+                          <m:t>1,</m:t>
+                        </m:r>
+                        <m:r>
+                          <a:rPr lang="en-US" sz="1200" i="1">
+                            <a:latin typeface="Cambria Math" panose="02040503050406030204" pitchFamily="18" charset="0"/>
+                          </a:rPr>
+                          <m:t>𝐾</m:t>
+                        </m:r>
+                      </m:e>
+                    </m:acc>
+                  </m:oMath>
+                </a14:m>
                 <a:r>
-                  <a:rPr lang="ru-RU" sz="1200" dirty="0"/>
-                  <a:t>— </a:t>
+                  <a:rPr lang="en-US" sz="1200" dirty="0" smtClean="0">
+                    <a:latin typeface="Cambria" panose="02040503050406030204" pitchFamily="18" charset="0"/>
+                    <a:ea typeface="Cambria" panose="02040503050406030204" pitchFamily="18" charset="0"/>
+                  </a:rPr>
+                  <a:t>;</a:t>
                 </a:r>
                 <a:r>
-                  <a:rPr lang="ru-RU" sz="1200" dirty="0" smtClean="0"/>
-                  <a:t>оценки коэффициентов модели</a:t>
+                  <a:rPr lang="ru-RU" sz="1200" dirty="0" smtClean="0">
+                    <a:latin typeface="Cambria" panose="02040503050406030204" pitchFamily="18" charset="0"/>
+                    <a:ea typeface="Cambria" panose="02040503050406030204" pitchFamily="18" charset="0"/>
+                  </a:rPr>
+                  <a:t> </a:t>
                 </a:r>
-                <a:r>
-                  <a:rPr lang="en-US" sz="1200" dirty="0" smtClean="0"/>
-                  <a:t>.</a:t>
-                </a:r>
-                <a:endParaRPr lang="en-US" sz="1200" dirty="0"/>
+                <a:endParaRPr lang="en-US" sz="1200" dirty="0">
+                  <a:latin typeface="Cambria" panose="02040503050406030204" pitchFamily="18" charset="0"/>
+                  <a:ea typeface="Cambria" panose="02040503050406030204" pitchFamily="18" charset="0"/>
+                </a:endParaRPr>
               </a:p>
             </p:txBody>
           </p:sp>
         </mc:Choice>
-        <mc:Fallback xmlns="">
+        <mc:Fallback>
           <p:sp>
             <p:nvSpPr>
               <p:cNvPr id="6" name="TextBox 5"/>
@@ -7619,8 +7892,8 @@
             </p:nvSpPr>
             <p:spPr>
               <a:xfrm>
-                <a:off x="2132491" y="2690868"/>
-                <a:ext cx="5216941" cy="646716"/>
+                <a:off x="2132491" y="2544786"/>
+                <a:ext cx="6215163" cy="831766"/>
               </a:xfrm>
               <a:prstGeom prst="rect">
                 <a:avLst/>
@@ -7628,7 +7901,7 @@
               <a:blipFill rotWithShape="0">
                 <a:blip r:embed="rId3"/>
                 <a:stretch>
-                  <a:fillRect l="-117" b="-5607"/>
+                  <a:fillRect l="-98" b="-4380"/>
                 </a:stretch>
               </a:blipFill>
             </p:spPr>
@@ -8051,31 +8324,29 @@
           </a:prstGeom>
         </p:spPr>
       </p:pic>
-      <mc:AlternateContent xmlns:mc="http://schemas.openxmlformats.org/markup-compatibility/2006" xmlns:a14="http://schemas.microsoft.com/office/drawing/2010/main">
-        <mc:Choice Requires="a14">
+      <mc:AlternateContent xmlns:mc="http://schemas.openxmlformats.org/markup-compatibility/2006">
+        <mc:Choice xmlns:a14="http://schemas.microsoft.com/office/drawing/2010/main" Requires="a14">
           <p:sp>
             <p:nvSpPr>
-              <p:cNvPr id="12" name="TextBox 11"/>
-              <p:cNvSpPr txBox="1"/>
+              <p:cNvPr id="13" name="Прямоугольник 12"/>
+              <p:cNvSpPr/>
               <p:nvPr/>
             </p:nvSpPr>
             <p:spPr>
               <a:xfrm>
-                <a:off x="4872634" y="989202"/>
-                <a:ext cx="2044021" cy="1603516"/>
+                <a:off x="4858111" y="1011012"/>
+                <a:ext cx="2820900" cy="1557478"/>
               </a:xfrm>
               <a:prstGeom prst="rect">
                 <a:avLst/>
               </a:prstGeom>
-              <a:noFill/>
             </p:spPr>
             <p:txBody>
-              <a:bodyPr wrap="none" lIns="0" tIns="0" rIns="0" bIns="0" rtlCol="0">
+              <a:bodyPr wrap="none">
                 <a:spAutoFit/>
               </a:bodyPr>
               <a:lstStyle/>
               <a:p>
-                <a:pPr/>
                 <a14:m>
                   <m:oMathPara xmlns:m="http://schemas.openxmlformats.org/officeDocument/2006/math">
                     <m:oMathParaPr>
@@ -8083,7 +8354,7 @@
                     </m:oMathParaPr>
                     <m:oMath xmlns:m="http://schemas.openxmlformats.org/officeDocument/2006/math">
                       <m:r>
-                        <a:rPr lang="en-US" sz="1200" b="0" i="1" smtClean="0">
+                        <a:rPr lang="ru-RU" sz="1400" i="1">
                           <a:latin typeface="Cambria Math" panose="02040503050406030204" pitchFamily="18" charset="0"/>
                         </a:rPr>
                         <m:t>𝑔</m:t>
@@ -8091,7 +8362,7 @@
                       <m:d>
                         <m:dPr>
                           <m:ctrlPr>
-                            <a:rPr lang="en-US" sz="1200" b="0" i="1" smtClean="0">
+                            <a:rPr lang="ru-RU" sz="1400" i="1">
                               <a:latin typeface="Cambria Math" panose="02040503050406030204" pitchFamily="18" charset="0"/>
                             </a:rPr>
                           </m:ctrlPr>
@@ -8101,14 +8372,14 @@
                             <m:accPr>
                               <m:chr m:val="̅"/>
                               <m:ctrlPr>
-                                <a:rPr lang="en-US" sz="1200" b="0" i="1" smtClean="0">
+                                <a:rPr lang="ru-RU" sz="1400" i="1">
                                   <a:latin typeface="Cambria Math" panose="02040503050406030204" pitchFamily="18" charset="0"/>
                                 </a:rPr>
                               </m:ctrlPr>
                             </m:accPr>
                             <m:e>
                               <m:r>
-                                <a:rPr lang="en-US" sz="1200" b="0" i="1" smtClean="0">
+                                <a:rPr lang="ru-RU" sz="1400" i="1">
                                   <a:latin typeface="Cambria Math" panose="02040503050406030204" pitchFamily="18" charset="0"/>
                                 </a:rPr>
                                 <m:t>𝑥</m:t>
@@ -8118,7 +8389,7 @@
                         </m:e>
                       </m:d>
                       <m:r>
-                        <a:rPr lang="en-US" sz="1200" b="0" i="1" smtClean="0">
+                        <a:rPr lang="ru-RU" sz="1400" i="0">
                           <a:latin typeface="Cambria Math" panose="02040503050406030204" pitchFamily="18" charset="0"/>
                         </a:rPr>
                         <m:t>=</m:t>
@@ -8128,603 +8399,618 @@
                           <m:begChr m:val="{"/>
                           <m:endChr m:val=""/>
                           <m:ctrlPr>
-                            <a:rPr lang="en-US" sz="1200" b="0" i="1" smtClean="0">
+                            <a:rPr lang="ru-RU" sz="1400" i="1">
                               <a:latin typeface="Cambria Math" panose="02040503050406030204" pitchFamily="18" charset="0"/>
                             </a:rPr>
                           </m:ctrlPr>
                         </m:dPr>
                         <m:e>
-                          <m:eqArr>
-                            <m:eqArrPr>
+                          <m:m>
+                            <m:mPr>
+                              <m:mcs>
+                                <m:mc>
+                                  <m:mcPr>
+                                    <m:count m:val="1"/>
+                                    <m:mcJc m:val="center"/>
+                                  </m:mcPr>
+                                </m:mc>
+                              </m:mcs>
                               <m:ctrlPr>
-                                <a:rPr lang="en-US" sz="1200" b="0" i="1" smtClean="0">
+                                <a:rPr lang="ru-RU" sz="1400" i="1">
                                   <a:latin typeface="Cambria Math" panose="02040503050406030204" pitchFamily="18" charset="0"/>
                                 </a:rPr>
                               </m:ctrlPr>
-                            </m:eqArrPr>
-                            <m:e>
-                              <m:nary>
-                                <m:naryPr>
-                                  <m:chr m:val="∑"/>
-                                  <m:ctrlPr>
-                                    <a:rPr lang="en-US" sz="1200" i="1">
-                                      <a:latin typeface="Cambria Math" panose="02040503050406030204" pitchFamily="18" charset="0"/>
-                                    </a:rPr>
-                                  </m:ctrlPr>
-                                </m:naryPr>
-                                <m:sub>
-                                  <m:r>
-                                    <m:rPr>
-                                      <m:brk m:alnAt="23"/>
-                                    </m:rPr>
-                                    <a:rPr lang="en-US" sz="1200" i="1">
-                                      <a:latin typeface="Cambria Math" panose="02040503050406030204" pitchFamily="18" charset="0"/>
-                                    </a:rPr>
-                                    <m:t>𝑖</m:t>
-                                  </m:r>
-                                  <m:r>
-                                    <a:rPr lang="en-US" sz="1200" i="1">
-                                      <a:latin typeface="Cambria Math" panose="02040503050406030204" pitchFamily="18" charset="0"/>
-                                    </a:rPr>
-                                    <m:t>=</m:t>
-                                  </m:r>
-                                  <m:r>
-                                    <m:rPr>
-                                      <m:brk m:alnAt="23"/>
-                                    </m:rPr>
-                                    <a:rPr lang="en-US" sz="1200" i="1">
-                                      <a:latin typeface="Cambria Math" panose="02040503050406030204" pitchFamily="18" charset="0"/>
-                                    </a:rPr>
-                                    <m:t>1</m:t>
-                                  </m:r>
-                                </m:sub>
-                                <m:sup>
-                                  <m:r>
-                                    <a:rPr lang="en-US" sz="1200" i="1">
-                                      <a:latin typeface="Cambria Math" panose="02040503050406030204" pitchFamily="18" charset="0"/>
-                                    </a:rPr>
-                                    <m:t>𝑚</m:t>
-                                  </m:r>
-                                </m:sup>
-                                <m:e>
-                                  <m:sSub>
-                                    <m:sSubPr>
-                                      <m:ctrlPr>
-                                        <a:rPr lang="en-US" sz="1200" i="1">
+                            </m:mPr>
+                            <m:mr>
+                              <m:e>
+                                <m:m>
+                                  <m:mPr>
+                                    <m:mcs>
+                                      <m:mc>
+                                        <m:mcPr>
+                                          <m:count m:val="1"/>
+                                          <m:mcJc m:val="center"/>
+                                        </m:mcPr>
+                                      </m:mc>
+                                    </m:mcs>
+                                    <m:ctrlPr>
+                                      <a:rPr lang="ru-RU" sz="1400" i="1">
+                                        <a:latin typeface="Cambria Math" panose="02040503050406030204" pitchFamily="18" charset="0"/>
+                                      </a:rPr>
+                                    </m:ctrlPr>
+                                  </m:mPr>
+                                  <m:mr>
+                                    <m:e>
+                                      <m:nary>
+                                        <m:naryPr>
+                                          <m:chr m:val="∑"/>
+                                          <m:limLoc m:val="subSup"/>
+                                          <m:ctrlPr>
+                                            <a:rPr lang="ru-RU" sz="1400" i="1">
+                                              <a:latin typeface="Cambria Math" panose="02040503050406030204" pitchFamily="18" charset="0"/>
+                                            </a:rPr>
+                                          </m:ctrlPr>
+                                        </m:naryPr>
+                                        <m:sub>
+                                          <m:r>
+                                            <a:rPr lang="ru-RU" sz="1400" i="1">
+                                              <a:latin typeface="Cambria Math" panose="02040503050406030204" pitchFamily="18" charset="0"/>
+                                            </a:rPr>
+                                            <m:t>𝑖</m:t>
+                                          </m:r>
+                                          <m:r>
+                                            <a:rPr lang="ru-RU" sz="1400" i="0">
+                                              <a:latin typeface="Cambria Math" panose="02040503050406030204" pitchFamily="18" charset="0"/>
+                                            </a:rPr>
+                                            <m:t>=1</m:t>
+                                          </m:r>
+                                        </m:sub>
+                                        <m:sup>
+                                          <m:r>
+                                            <a:rPr lang="ru-RU" sz="1400" i="1">
+                                              <a:latin typeface="Cambria Math" panose="02040503050406030204" pitchFamily="18" charset="0"/>
+                                            </a:rPr>
+                                            <m:t>𝑚</m:t>
+                                          </m:r>
+                                        </m:sup>
+                                        <m:e>
+                                          <m:sSub>
+                                            <m:sSubPr>
+                                              <m:ctrlPr>
+                                                <a:rPr lang="ru-RU" sz="1400" i="1">
+                                                  <a:latin typeface="Cambria Math" panose="02040503050406030204" pitchFamily="18" charset="0"/>
+                                                </a:rPr>
+                                              </m:ctrlPr>
+                                            </m:sSubPr>
+                                            <m:e>
+                                              <m:r>
+                                                <a:rPr lang="ru-RU" sz="1400" i="1">
+                                                  <a:latin typeface="Cambria Math" panose="02040503050406030204" pitchFamily="18" charset="0"/>
+                                                </a:rPr>
+                                                <m:t>𝑥</m:t>
+                                              </m:r>
+                                            </m:e>
+                                            <m:sub>
+                                              <m:r>
+                                                <a:rPr lang="ru-RU" sz="1400" i="1">
+                                                  <a:latin typeface="Cambria Math" panose="02040503050406030204" pitchFamily="18" charset="0"/>
+                                                </a:rPr>
+                                                <m:t>𝑖</m:t>
+                                              </m:r>
+                                            </m:sub>
+                                          </m:sSub>
+                                          <m:sSub>
+                                            <m:sSubPr>
+                                              <m:ctrlPr>
+                                                <a:rPr lang="ru-RU" sz="1400" i="1">
+                                                  <a:latin typeface="Cambria Math" panose="02040503050406030204" pitchFamily="18" charset="0"/>
+                                                </a:rPr>
+                                              </m:ctrlPr>
+                                            </m:sSubPr>
+                                            <m:e>
+                                              <m:r>
+                                                <a:rPr lang="ru-RU" sz="1400" i="1">
+                                                  <a:latin typeface="Cambria Math" panose="02040503050406030204" pitchFamily="18" charset="0"/>
+                                                </a:rPr>
+                                                <m:t>𝑏</m:t>
+                                              </m:r>
+                                            </m:e>
+                                            <m:sub>
+                                              <m:r>
+                                                <a:rPr lang="ru-RU" sz="1400" i="0">
+                                                  <a:latin typeface="Cambria Math" panose="02040503050406030204" pitchFamily="18" charset="0"/>
+                                                </a:rPr>
+                                                <m:t>1</m:t>
+                                              </m:r>
+                                              <m:r>
+                                                <a:rPr lang="ru-RU" sz="1400" i="1">
+                                                  <a:latin typeface="Cambria Math" panose="02040503050406030204" pitchFamily="18" charset="0"/>
+                                                </a:rPr>
+                                                <m:t>𝑖</m:t>
+                                              </m:r>
+                                            </m:sub>
+                                          </m:sSub>
+                                        </m:e>
+                                      </m:nary>
+                                      <m:r>
+                                        <a:rPr lang="ru-RU" sz="1400" i="0">
                                           <a:latin typeface="Cambria Math" panose="02040503050406030204" pitchFamily="18" charset="0"/>
                                         </a:rPr>
-                                      </m:ctrlPr>
-                                    </m:sSubPr>
+                                        <m:t>+</m:t>
+                                      </m:r>
+                                      <m:sSub>
+                                        <m:sSubPr>
+                                          <m:ctrlPr>
+                                            <a:rPr lang="ru-RU" sz="1400" i="1">
+                                              <a:latin typeface="Cambria Math" panose="02040503050406030204" pitchFamily="18" charset="0"/>
+                                            </a:rPr>
+                                          </m:ctrlPr>
+                                        </m:sSubPr>
+                                        <m:e>
+                                          <m:r>
+                                            <a:rPr lang="ru-RU" sz="1400" i="1">
+                                              <a:latin typeface="Cambria Math" panose="02040503050406030204" pitchFamily="18" charset="0"/>
+                                            </a:rPr>
+                                            <m:t>𝑏</m:t>
+                                          </m:r>
+                                        </m:e>
+                                        <m:sub>
+                                          <m:r>
+                                            <a:rPr lang="ru-RU" sz="1400" i="0">
+                                              <a:latin typeface="Cambria Math" panose="02040503050406030204" pitchFamily="18" charset="0"/>
+                                            </a:rPr>
+                                            <m:t>1</m:t>
+                                          </m:r>
+                                        </m:sub>
+                                      </m:sSub>
+                                      <m:r>
+                                        <a:rPr lang="ru-RU" sz="1400" i="0">
+                                          <a:latin typeface="Cambria Math" panose="02040503050406030204" pitchFamily="18" charset="0"/>
+                                        </a:rPr>
+                                        <m:t>,</m:t>
+                                      </m:r>
+                                      <m:acc>
+                                        <m:accPr>
+                                          <m:chr m:val="̅"/>
+                                          <m:ctrlPr>
+                                            <a:rPr lang="ru-RU" sz="1400" i="1">
+                                              <a:latin typeface="Cambria Math" panose="02040503050406030204" pitchFamily="18" charset="0"/>
+                                            </a:rPr>
+                                          </m:ctrlPr>
+                                        </m:accPr>
+                                        <m:e>
+                                          <m:r>
+                                            <a:rPr lang="ru-RU" sz="1400" i="1">
+                                              <a:latin typeface="Cambria Math" panose="02040503050406030204" pitchFamily="18" charset="0"/>
+                                            </a:rPr>
+                                            <m:t>𝑥</m:t>
+                                          </m:r>
+                                        </m:e>
+                                      </m:acc>
+                                      <m:r>
+                                        <a:rPr lang="ru-RU" sz="1400" i="0">
+                                          <a:latin typeface="Cambria Math" panose="02040503050406030204" pitchFamily="18" charset="0"/>
+                                        </a:rPr>
+                                        <m:t>∈</m:t>
+                                      </m:r>
+                                      <m:sSub>
+                                        <m:sSubPr>
+                                          <m:ctrlPr>
+                                            <a:rPr lang="ru-RU" sz="1400" i="1">
+                                              <a:latin typeface="Cambria Math" panose="02040503050406030204" pitchFamily="18" charset="0"/>
+                                            </a:rPr>
+                                          </m:ctrlPr>
+                                        </m:sSubPr>
+                                        <m:e>
+                                          <m:r>
+                                            <a:rPr lang="ru-RU" sz="1400" i="1">
+                                              <a:latin typeface="Cambria Math" panose="02040503050406030204" pitchFamily="18" charset="0"/>
+                                            </a:rPr>
+                                            <m:t>𝑋</m:t>
+                                          </m:r>
+                                        </m:e>
+                                        <m:sub>
+                                          <m:r>
+                                            <a:rPr lang="ru-RU" sz="1400" i="0">
+                                              <a:latin typeface="Cambria Math" panose="02040503050406030204" pitchFamily="18" charset="0"/>
+                                            </a:rPr>
+                                            <m:t>1</m:t>
+                                          </m:r>
+                                        </m:sub>
+                                      </m:sSub>
+                                    </m:e>
+                                  </m:mr>
+                                  <m:mr>
+                                    <m:e>
+                                      <m:nary>
+                                        <m:naryPr>
+                                          <m:chr m:val="∑"/>
+                                          <m:limLoc m:val="subSup"/>
+                                          <m:ctrlPr>
+                                            <a:rPr lang="ru-RU" sz="1400" i="1">
+                                              <a:latin typeface="Cambria Math" panose="02040503050406030204" pitchFamily="18" charset="0"/>
+                                            </a:rPr>
+                                          </m:ctrlPr>
+                                        </m:naryPr>
+                                        <m:sub>
+                                          <m:r>
+                                            <a:rPr lang="ru-RU" sz="1400" i="1">
+                                              <a:latin typeface="Cambria Math" panose="02040503050406030204" pitchFamily="18" charset="0"/>
+                                            </a:rPr>
+                                            <m:t>𝑖</m:t>
+                                          </m:r>
+                                          <m:r>
+                                            <a:rPr lang="ru-RU" sz="1400" i="0">
+                                              <a:latin typeface="Cambria Math" panose="02040503050406030204" pitchFamily="18" charset="0"/>
+                                            </a:rPr>
+                                            <m:t>=1</m:t>
+                                          </m:r>
+                                        </m:sub>
+                                        <m:sup>
+                                          <m:r>
+                                            <a:rPr lang="ru-RU" sz="1400" i="1">
+                                              <a:latin typeface="Cambria Math" panose="02040503050406030204" pitchFamily="18" charset="0"/>
+                                            </a:rPr>
+                                            <m:t>𝑚</m:t>
+                                          </m:r>
+                                        </m:sup>
+                                        <m:e>
+                                          <m:sSub>
+                                            <m:sSubPr>
+                                              <m:ctrlPr>
+                                                <a:rPr lang="ru-RU" sz="1400" i="1">
+                                                  <a:latin typeface="Cambria Math" panose="02040503050406030204" pitchFamily="18" charset="0"/>
+                                                </a:rPr>
+                                              </m:ctrlPr>
+                                            </m:sSubPr>
+                                            <m:e>
+                                              <m:r>
+                                                <a:rPr lang="ru-RU" sz="1400" i="1">
+                                                  <a:latin typeface="Cambria Math" panose="02040503050406030204" pitchFamily="18" charset="0"/>
+                                                </a:rPr>
+                                                <m:t>𝑥</m:t>
+                                              </m:r>
+                                            </m:e>
+                                            <m:sub>
+                                              <m:r>
+                                                <a:rPr lang="ru-RU" sz="1400" i="1">
+                                                  <a:latin typeface="Cambria Math" panose="02040503050406030204" pitchFamily="18" charset="0"/>
+                                                </a:rPr>
+                                                <m:t>𝑖</m:t>
+                                              </m:r>
+                                            </m:sub>
+                                          </m:sSub>
+                                          <m:sSub>
+                                            <m:sSubPr>
+                                              <m:ctrlPr>
+                                                <a:rPr lang="ru-RU" sz="1400" i="1">
+                                                  <a:latin typeface="Cambria Math" panose="02040503050406030204" pitchFamily="18" charset="0"/>
+                                                </a:rPr>
+                                              </m:ctrlPr>
+                                            </m:sSubPr>
+                                            <m:e>
+                                              <m:r>
+                                                <a:rPr lang="ru-RU" sz="1400" i="1">
+                                                  <a:latin typeface="Cambria Math" panose="02040503050406030204" pitchFamily="18" charset="0"/>
+                                                </a:rPr>
+                                                <m:t>𝑏</m:t>
+                                              </m:r>
+                                            </m:e>
+                                            <m:sub>
+                                              <m:r>
+                                                <a:rPr lang="ru-RU" sz="1400" i="0">
+                                                  <a:latin typeface="Cambria Math" panose="02040503050406030204" pitchFamily="18" charset="0"/>
+                                                </a:rPr>
+                                                <m:t>2</m:t>
+                                              </m:r>
+                                              <m:r>
+                                                <a:rPr lang="ru-RU" sz="1400" i="1">
+                                                  <a:latin typeface="Cambria Math" panose="02040503050406030204" pitchFamily="18" charset="0"/>
+                                                </a:rPr>
+                                                <m:t>𝑖</m:t>
+                                              </m:r>
+                                            </m:sub>
+                                          </m:sSub>
+                                        </m:e>
+                                      </m:nary>
+                                      <m:r>
+                                        <a:rPr lang="ru-RU" sz="1400" i="0">
+                                          <a:latin typeface="Cambria Math" panose="02040503050406030204" pitchFamily="18" charset="0"/>
+                                        </a:rPr>
+                                        <m:t>+</m:t>
+                                      </m:r>
+                                      <m:sSub>
+                                        <m:sSubPr>
+                                          <m:ctrlPr>
+                                            <a:rPr lang="ru-RU" sz="1400" i="1">
+                                              <a:latin typeface="Cambria Math" panose="02040503050406030204" pitchFamily="18" charset="0"/>
+                                            </a:rPr>
+                                          </m:ctrlPr>
+                                        </m:sSubPr>
+                                        <m:e>
+                                          <m:r>
+                                            <a:rPr lang="ru-RU" sz="1400" i="1">
+                                              <a:latin typeface="Cambria Math" panose="02040503050406030204" pitchFamily="18" charset="0"/>
+                                            </a:rPr>
+                                            <m:t>𝑏</m:t>
+                                          </m:r>
+                                        </m:e>
+                                        <m:sub>
+                                          <m:r>
+                                            <a:rPr lang="ru-RU" sz="1400" i="0">
+                                              <a:latin typeface="Cambria Math" panose="02040503050406030204" pitchFamily="18" charset="0"/>
+                                            </a:rPr>
+                                            <m:t>2</m:t>
+                                          </m:r>
+                                        </m:sub>
+                                      </m:sSub>
+                                      <m:r>
+                                        <a:rPr lang="ru-RU" sz="1400" i="0">
+                                          <a:latin typeface="Cambria Math" panose="02040503050406030204" pitchFamily="18" charset="0"/>
+                                        </a:rPr>
+                                        <m:t>,</m:t>
+                                      </m:r>
+                                      <m:acc>
+                                        <m:accPr>
+                                          <m:chr m:val="̅"/>
+                                          <m:ctrlPr>
+                                            <a:rPr lang="ru-RU" sz="1400" i="1">
+                                              <a:latin typeface="Cambria Math" panose="02040503050406030204" pitchFamily="18" charset="0"/>
+                                            </a:rPr>
+                                          </m:ctrlPr>
+                                        </m:accPr>
+                                        <m:e>
+                                          <m:r>
+                                            <a:rPr lang="ru-RU" sz="1400" i="1">
+                                              <a:latin typeface="Cambria Math" panose="02040503050406030204" pitchFamily="18" charset="0"/>
+                                            </a:rPr>
+                                            <m:t>𝑥</m:t>
+                                          </m:r>
+                                        </m:e>
+                                      </m:acc>
+                                      <m:r>
+                                        <a:rPr lang="ru-RU" sz="1400" i="0">
+                                          <a:latin typeface="Cambria Math" panose="02040503050406030204" pitchFamily="18" charset="0"/>
+                                        </a:rPr>
+                                        <m:t>∈</m:t>
+                                      </m:r>
+                                      <m:sSub>
+                                        <m:sSubPr>
+                                          <m:ctrlPr>
+                                            <a:rPr lang="ru-RU" sz="1400" i="1">
+                                              <a:latin typeface="Cambria Math" panose="02040503050406030204" pitchFamily="18" charset="0"/>
+                                            </a:rPr>
+                                          </m:ctrlPr>
+                                        </m:sSubPr>
+                                        <m:e>
+                                          <m:r>
+                                            <a:rPr lang="ru-RU" sz="1400" i="1">
+                                              <a:latin typeface="Cambria Math" panose="02040503050406030204" pitchFamily="18" charset="0"/>
+                                            </a:rPr>
+                                            <m:t>𝑋</m:t>
+                                          </m:r>
+                                        </m:e>
+                                        <m:sub>
+                                          <m:r>
+                                            <a:rPr lang="ru-RU" sz="1400" i="0">
+                                              <a:latin typeface="Cambria Math" panose="02040503050406030204" pitchFamily="18" charset="0"/>
+                                            </a:rPr>
+                                            <m:t>2</m:t>
+                                          </m:r>
+                                        </m:sub>
+                                      </m:sSub>
+                                    </m:e>
+                                  </m:mr>
+                                </m:m>
+                              </m:e>
+                            </m:mr>
+                            <m:mr>
+                              <m:e>
+                                <m:m>
+                                  <m:mPr>
+                                    <m:mcs>
+                                      <m:mc>
+                                        <m:mcPr>
+                                          <m:count m:val="1"/>
+                                          <m:mcJc m:val="center"/>
+                                        </m:mcPr>
+                                      </m:mc>
+                                    </m:mcs>
+                                    <m:ctrlPr>
+                                      <a:rPr lang="ru-RU" sz="1400" i="1">
+                                        <a:latin typeface="Cambria Math" panose="02040503050406030204" pitchFamily="18" charset="0"/>
+                                      </a:rPr>
+                                    </m:ctrlPr>
+                                  </m:mPr>
+                                  <m:mr>
                                     <m:e>
                                       <m:r>
-                                        <a:rPr lang="en-US" sz="1200" i="1">
+                                        <a:rPr lang="ru-RU" sz="1400" i="0">
                                           <a:latin typeface="Cambria Math" panose="02040503050406030204" pitchFamily="18" charset="0"/>
                                         </a:rPr>
-                                        <m:t>𝑥</m:t>
+                                        <m:t>…</m:t>
                                       </m:r>
                                     </m:e>
-                                    <m:sub>
+                                  </m:mr>
+                                  <m:mr>
+                                    <m:e>
+                                      <m:nary>
+                                        <m:naryPr>
+                                          <m:chr m:val="∑"/>
+                                          <m:limLoc m:val="subSup"/>
+                                          <m:ctrlPr>
+                                            <a:rPr lang="ru-RU" sz="1400" i="1">
+                                              <a:latin typeface="Cambria Math" panose="02040503050406030204" pitchFamily="18" charset="0"/>
+                                            </a:rPr>
+                                          </m:ctrlPr>
+                                        </m:naryPr>
+                                        <m:sub>
+                                          <m:r>
+                                            <a:rPr lang="ru-RU" sz="1400" i="1">
+                                              <a:latin typeface="Cambria Math" panose="02040503050406030204" pitchFamily="18" charset="0"/>
+                                            </a:rPr>
+                                            <m:t>𝑖</m:t>
+                                          </m:r>
+                                          <m:r>
+                                            <a:rPr lang="ru-RU" sz="1400" i="0">
+                                              <a:latin typeface="Cambria Math" panose="02040503050406030204" pitchFamily="18" charset="0"/>
+                                            </a:rPr>
+                                            <m:t>=1</m:t>
+                                          </m:r>
+                                        </m:sub>
+                                        <m:sup>
+                                          <m:r>
+                                            <a:rPr lang="ru-RU" sz="1400" i="1">
+                                              <a:latin typeface="Cambria Math" panose="02040503050406030204" pitchFamily="18" charset="0"/>
+                                            </a:rPr>
+                                            <m:t>𝑚</m:t>
+                                          </m:r>
+                                        </m:sup>
+                                        <m:e>
+                                          <m:sSub>
+                                            <m:sSubPr>
+                                              <m:ctrlPr>
+                                                <a:rPr lang="ru-RU" sz="1400" i="1">
+                                                  <a:latin typeface="Cambria Math" panose="02040503050406030204" pitchFamily="18" charset="0"/>
+                                                </a:rPr>
+                                              </m:ctrlPr>
+                                            </m:sSubPr>
+                                            <m:e>
+                                              <m:r>
+                                                <a:rPr lang="ru-RU" sz="1400" i="1">
+                                                  <a:latin typeface="Cambria Math" panose="02040503050406030204" pitchFamily="18" charset="0"/>
+                                                </a:rPr>
+                                                <m:t>𝑥</m:t>
+                                              </m:r>
+                                            </m:e>
+                                            <m:sub>
+                                              <m:r>
+                                                <a:rPr lang="ru-RU" sz="1400" i="1">
+                                                  <a:latin typeface="Cambria Math" panose="02040503050406030204" pitchFamily="18" charset="0"/>
+                                                </a:rPr>
+                                                <m:t>𝑖</m:t>
+                                              </m:r>
+                                            </m:sub>
+                                          </m:sSub>
+                                          <m:sSub>
+                                            <m:sSubPr>
+                                              <m:ctrlPr>
+                                                <a:rPr lang="ru-RU" sz="1400" i="1">
+                                                  <a:latin typeface="Cambria Math" panose="02040503050406030204" pitchFamily="18" charset="0"/>
+                                                </a:rPr>
+                                              </m:ctrlPr>
+                                            </m:sSubPr>
+                                            <m:e>
+                                              <m:r>
+                                                <a:rPr lang="ru-RU" sz="1400" i="1">
+                                                  <a:latin typeface="Cambria Math" panose="02040503050406030204" pitchFamily="18" charset="0"/>
+                                                </a:rPr>
+                                                <m:t>𝑏</m:t>
+                                              </m:r>
+                                            </m:e>
+                                            <m:sub>
+                                              <m:r>
+                                                <a:rPr lang="ru-RU" sz="1400" i="1">
+                                                  <a:latin typeface="Cambria Math" panose="02040503050406030204" pitchFamily="18" charset="0"/>
+                                                </a:rPr>
+                                                <m:t>𝐾𝑖</m:t>
+                                              </m:r>
+                                            </m:sub>
+                                          </m:sSub>
+                                        </m:e>
+                                      </m:nary>
                                       <m:r>
-                                        <a:rPr lang="en-US" sz="1200" i="1">
+                                        <a:rPr lang="ru-RU" sz="1400" i="0">
                                           <a:latin typeface="Cambria Math" panose="02040503050406030204" pitchFamily="18" charset="0"/>
                                         </a:rPr>
-                                        <m:t>𝑖</m:t>
+                                        <m:t>+</m:t>
                                       </m:r>
-                                    </m:sub>
-                                  </m:sSub>
-                                  <m:sSub>
-                                    <m:sSubPr>
-                                      <m:ctrlPr>
-                                        <a:rPr lang="en-US" sz="1200" i="1">
+                                      <m:sSub>
+                                        <m:sSubPr>
+                                          <m:ctrlPr>
+                                            <a:rPr lang="ru-RU" sz="1400" i="1">
+                                              <a:latin typeface="Cambria Math" panose="02040503050406030204" pitchFamily="18" charset="0"/>
+                                            </a:rPr>
+                                          </m:ctrlPr>
+                                        </m:sSubPr>
+                                        <m:e>
+                                          <m:r>
+                                            <a:rPr lang="ru-RU" sz="1400" i="1">
+                                              <a:latin typeface="Cambria Math" panose="02040503050406030204" pitchFamily="18" charset="0"/>
+                                            </a:rPr>
+                                            <m:t>𝑏</m:t>
+                                          </m:r>
+                                        </m:e>
+                                        <m:sub>
+                                          <m:r>
+                                            <a:rPr lang="ru-RU" sz="1400" i="1">
+                                              <a:latin typeface="Cambria Math" panose="02040503050406030204" pitchFamily="18" charset="0"/>
+                                            </a:rPr>
+                                            <m:t>𝐾</m:t>
+                                          </m:r>
+                                        </m:sub>
+                                      </m:sSub>
+                                      <m:r>
+                                        <a:rPr lang="ru-RU" sz="1400" i="0">
                                           <a:latin typeface="Cambria Math" panose="02040503050406030204" pitchFamily="18" charset="0"/>
                                         </a:rPr>
-                                      </m:ctrlPr>
-                                    </m:sSubPr>
-                                    <m:e>
+                                        <m:t>,</m:t>
+                                      </m:r>
+                                      <m:acc>
+                                        <m:accPr>
+                                          <m:chr m:val="̅"/>
+                                          <m:ctrlPr>
+                                            <a:rPr lang="ru-RU" sz="1400" i="1">
+                                              <a:latin typeface="Cambria Math" panose="02040503050406030204" pitchFamily="18" charset="0"/>
+                                            </a:rPr>
+                                          </m:ctrlPr>
+                                        </m:accPr>
+                                        <m:e>
+                                          <m:r>
+                                            <a:rPr lang="ru-RU" sz="1400" i="1">
+                                              <a:latin typeface="Cambria Math" panose="02040503050406030204" pitchFamily="18" charset="0"/>
+                                            </a:rPr>
+                                            <m:t>𝑥</m:t>
+                                          </m:r>
+                                        </m:e>
+                                      </m:acc>
                                       <m:r>
-                                        <a:rPr lang="en-US" sz="1200" i="1">
+                                        <a:rPr lang="ru-RU" sz="1400" i="0">
                                           <a:latin typeface="Cambria Math" panose="02040503050406030204" pitchFamily="18" charset="0"/>
                                         </a:rPr>
-                                        <m:t>𝑏</m:t>
+                                        <m:t>∈</m:t>
                                       </m:r>
+                                      <m:sSub>
+                                        <m:sSubPr>
+                                          <m:ctrlPr>
+                                            <a:rPr lang="ru-RU" sz="1400" i="1">
+                                              <a:latin typeface="Cambria Math" panose="02040503050406030204" pitchFamily="18" charset="0"/>
+                                            </a:rPr>
+                                          </m:ctrlPr>
+                                        </m:sSubPr>
+                                        <m:e>
+                                          <m:r>
+                                            <a:rPr lang="ru-RU" sz="1400" i="1">
+                                              <a:latin typeface="Cambria Math" panose="02040503050406030204" pitchFamily="18" charset="0"/>
+                                            </a:rPr>
+                                            <m:t>𝑋</m:t>
+                                          </m:r>
+                                        </m:e>
+                                        <m:sub>
+                                          <m:r>
+                                            <a:rPr lang="ru-RU" sz="1400" i="1">
+                                              <a:latin typeface="Cambria Math" panose="02040503050406030204" pitchFamily="18" charset="0"/>
+                                            </a:rPr>
+                                            <m:t>𝐾</m:t>
+                                          </m:r>
+                                        </m:sub>
+                                      </m:sSub>
                                     </m:e>
-                                    <m:sub>
-                                      <m:r>
-                                        <a:rPr lang="en-US" sz="1200" b="0" i="1" smtClean="0">
-                                          <a:latin typeface="Cambria Math" panose="02040503050406030204" pitchFamily="18" charset="0"/>
-                                        </a:rPr>
-                                        <m:t>1</m:t>
-                                      </m:r>
-                                      <m:r>
-                                        <a:rPr lang="en-US" sz="1200" i="1">
-                                          <a:latin typeface="Cambria Math" panose="02040503050406030204" pitchFamily="18" charset="0"/>
-                                        </a:rPr>
-                                        <m:t>𝑖</m:t>
-                                      </m:r>
-                                    </m:sub>
-                                  </m:sSub>
-                                </m:e>
-                              </m:nary>
-                              <m:r>
-                                <a:rPr lang="en-US" sz="1200" i="1">
-                                  <a:latin typeface="Cambria Math" panose="02040503050406030204" pitchFamily="18" charset="0"/>
-                                </a:rPr>
-                                <m:t>+</m:t>
-                              </m:r>
-                              <m:sSub>
-                                <m:sSubPr>
-                                  <m:ctrlPr>
-                                    <a:rPr lang="en-US" sz="1200" i="1" smtClean="0">
-                                      <a:latin typeface="Cambria Math" panose="02040503050406030204" pitchFamily="18" charset="0"/>
-                                    </a:rPr>
-                                  </m:ctrlPr>
-                                </m:sSubPr>
-                                <m:e>
-                                  <m:r>
-                                    <a:rPr lang="en-US" sz="1200" b="0" i="1" smtClean="0">
-                                      <a:latin typeface="Cambria Math" panose="02040503050406030204" pitchFamily="18" charset="0"/>
-                                    </a:rPr>
-                                    <m:t>𝑏</m:t>
-                                  </m:r>
-                                </m:e>
-                                <m:sub>
-                                  <m:r>
-                                    <a:rPr lang="en-US" sz="1200" b="0" i="1" smtClean="0">
-                                      <a:latin typeface="Cambria Math" panose="02040503050406030204" pitchFamily="18" charset="0"/>
-                                    </a:rPr>
-                                    <m:t>1</m:t>
-                                  </m:r>
-                                </m:sub>
-                              </m:sSub>
-                              <m:r>
-                                <a:rPr lang="en-US" sz="1200" b="0" i="1" smtClean="0">
-                                  <a:latin typeface="Cambria Math" panose="02040503050406030204" pitchFamily="18" charset="0"/>
-                                </a:rPr>
-                                <m:t>,</m:t>
-                              </m:r>
-                              <m:acc>
-                                <m:accPr>
-                                  <m:chr m:val="̅"/>
-                                  <m:ctrlPr>
-                                    <a:rPr lang="en-US" sz="1200" b="0" i="1" smtClean="0">
-                                      <a:latin typeface="Cambria Math" panose="02040503050406030204" pitchFamily="18" charset="0"/>
-                                    </a:rPr>
-                                  </m:ctrlPr>
-                                </m:accPr>
-                                <m:e>
-                                  <m:r>
-                                    <a:rPr lang="en-US" sz="1200" b="0" i="1" smtClean="0">
-                                      <a:latin typeface="Cambria Math" panose="02040503050406030204" pitchFamily="18" charset="0"/>
-                                    </a:rPr>
-                                    <m:t>𝑥</m:t>
-                                  </m:r>
-                                </m:e>
-                              </m:acc>
-                              <m:r>
-                                <a:rPr lang="en-US" sz="1200" b="0" i="1" smtClean="0">
-                                  <a:latin typeface="Cambria Math" panose="02040503050406030204" pitchFamily="18" charset="0"/>
-                                  <a:ea typeface="Cambria Math" panose="02040503050406030204" pitchFamily="18" charset="0"/>
-                                </a:rPr>
-                                <m:t>∈</m:t>
-                              </m:r>
-                              <m:sSub>
-                                <m:sSubPr>
-                                  <m:ctrlPr>
-                                    <a:rPr lang="en-US" sz="1200" b="0" i="1" smtClean="0">
-                                      <a:latin typeface="Cambria Math" panose="02040503050406030204" pitchFamily="18" charset="0"/>
-                                      <a:ea typeface="Cambria Math" panose="02040503050406030204" pitchFamily="18" charset="0"/>
-                                    </a:rPr>
-                                  </m:ctrlPr>
-                                </m:sSubPr>
-                                <m:e>
-                                  <m:r>
-                                    <a:rPr lang="en-US" sz="1200" b="0" i="1" smtClean="0">
-                                      <a:latin typeface="Cambria Math" panose="02040503050406030204" pitchFamily="18" charset="0"/>
-                                      <a:ea typeface="Cambria Math" panose="02040503050406030204" pitchFamily="18" charset="0"/>
-                                    </a:rPr>
-                                    <m:t>𝑋</m:t>
-                                  </m:r>
-                                </m:e>
-                                <m:sub>
-                                  <m:r>
-                                    <a:rPr lang="en-US" sz="1200" b="0" i="1" smtClean="0">
-                                      <a:latin typeface="Cambria Math" panose="02040503050406030204" pitchFamily="18" charset="0"/>
-                                      <a:ea typeface="Cambria Math" panose="02040503050406030204" pitchFamily="18" charset="0"/>
-                                    </a:rPr>
-                                    <m:t>1</m:t>
-                                  </m:r>
-                                </m:sub>
-                              </m:sSub>
-                            </m:e>
-                            <m:e>
-                              <m:nary>
-                                <m:naryPr>
-                                  <m:chr m:val="∑"/>
-                                  <m:ctrlPr>
-                                    <a:rPr lang="en-US" sz="1200" i="1">
-                                      <a:latin typeface="Cambria Math" panose="02040503050406030204" pitchFamily="18" charset="0"/>
-                                    </a:rPr>
-                                  </m:ctrlPr>
-                                </m:naryPr>
-                                <m:sub>
-                                  <m:r>
-                                    <m:rPr>
-                                      <m:brk m:alnAt="23"/>
-                                    </m:rPr>
-                                    <a:rPr lang="en-US" sz="1200" i="1">
-                                      <a:latin typeface="Cambria Math" panose="02040503050406030204" pitchFamily="18" charset="0"/>
-                                    </a:rPr>
-                                    <m:t>𝑖</m:t>
-                                  </m:r>
-                                  <m:r>
-                                    <a:rPr lang="en-US" sz="1200" i="1">
-                                      <a:latin typeface="Cambria Math" panose="02040503050406030204" pitchFamily="18" charset="0"/>
-                                    </a:rPr>
-                                    <m:t>=</m:t>
-                                  </m:r>
-                                  <m:r>
-                                    <m:rPr>
-                                      <m:brk m:alnAt="23"/>
-                                    </m:rPr>
-                                    <a:rPr lang="en-US" sz="1200" i="1">
-                                      <a:latin typeface="Cambria Math" panose="02040503050406030204" pitchFamily="18" charset="0"/>
-                                    </a:rPr>
-                                    <m:t>1</m:t>
-                                  </m:r>
-                                </m:sub>
-                                <m:sup>
-                                  <m:r>
-                                    <a:rPr lang="en-US" sz="1200" i="1">
-                                      <a:latin typeface="Cambria Math" panose="02040503050406030204" pitchFamily="18" charset="0"/>
-                                    </a:rPr>
-                                    <m:t>𝑚</m:t>
-                                  </m:r>
-                                </m:sup>
-                                <m:e>
-                                  <m:sSub>
-                                    <m:sSubPr>
-                                      <m:ctrlPr>
-                                        <a:rPr lang="en-US" sz="1200" i="1">
-                                          <a:latin typeface="Cambria Math" panose="02040503050406030204" pitchFamily="18" charset="0"/>
-                                        </a:rPr>
-                                      </m:ctrlPr>
-                                    </m:sSubPr>
-                                    <m:e>
-                                      <m:r>
-                                        <a:rPr lang="en-US" sz="1200" i="1">
-                                          <a:latin typeface="Cambria Math" panose="02040503050406030204" pitchFamily="18" charset="0"/>
-                                        </a:rPr>
-                                        <m:t>𝑥</m:t>
-                                      </m:r>
-                                    </m:e>
-                                    <m:sub>
-                                      <m:r>
-                                        <a:rPr lang="en-US" sz="1200" i="1">
-                                          <a:latin typeface="Cambria Math" panose="02040503050406030204" pitchFamily="18" charset="0"/>
-                                        </a:rPr>
-                                        <m:t>𝑖</m:t>
-                                      </m:r>
-                                    </m:sub>
-                                  </m:sSub>
-                                  <m:sSub>
-                                    <m:sSubPr>
-                                      <m:ctrlPr>
-                                        <a:rPr lang="en-US" sz="1200" i="1">
-                                          <a:latin typeface="Cambria Math" panose="02040503050406030204" pitchFamily="18" charset="0"/>
-                                        </a:rPr>
-                                      </m:ctrlPr>
-                                    </m:sSubPr>
-                                    <m:e>
-                                      <m:r>
-                                        <a:rPr lang="en-US" sz="1200" i="1">
-                                          <a:latin typeface="Cambria Math" panose="02040503050406030204" pitchFamily="18" charset="0"/>
-                                        </a:rPr>
-                                        <m:t>𝑏</m:t>
-                                      </m:r>
-                                    </m:e>
-                                    <m:sub>
-                                      <m:r>
-                                        <a:rPr lang="en-US" sz="1200" b="0" i="1" smtClean="0">
-                                          <a:latin typeface="Cambria Math" panose="02040503050406030204" pitchFamily="18" charset="0"/>
-                                        </a:rPr>
-                                        <m:t>2</m:t>
-                                      </m:r>
-                                      <m:r>
-                                        <a:rPr lang="en-US" sz="1200" i="1">
-                                          <a:latin typeface="Cambria Math" panose="02040503050406030204" pitchFamily="18" charset="0"/>
-                                        </a:rPr>
-                                        <m:t>𝑖</m:t>
-                                      </m:r>
-                                    </m:sub>
-                                  </m:sSub>
-                                </m:e>
-                              </m:nary>
-                              <m:r>
-                                <a:rPr lang="en-US" sz="1200" i="1">
-                                  <a:latin typeface="Cambria Math" panose="02040503050406030204" pitchFamily="18" charset="0"/>
-                                </a:rPr>
-                                <m:t>+</m:t>
-                              </m:r>
-                              <m:sSub>
-                                <m:sSubPr>
-                                  <m:ctrlPr>
-                                    <a:rPr lang="en-US" sz="1200" i="1">
-                                      <a:latin typeface="Cambria Math" panose="02040503050406030204" pitchFamily="18" charset="0"/>
-                                    </a:rPr>
-                                  </m:ctrlPr>
-                                </m:sSubPr>
-                                <m:e>
-                                  <m:r>
-                                    <a:rPr lang="en-US" sz="1200" i="1">
-                                      <a:latin typeface="Cambria Math" panose="02040503050406030204" pitchFamily="18" charset="0"/>
-                                    </a:rPr>
-                                    <m:t>𝑏</m:t>
-                                  </m:r>
-                                </m:e>
-                                <m:sub>
-                                  <m:r>
-                                    <a:rPr lang="en-US" sz="1200" b="0" i="1" smtClean="0">
-                                      <a:latin typeface="Cambria Math" panose="02040503050406030204" pitchFamily="18" charset="0"/>
-                                    </a:rPr>
-                                    <m:t>2</m:t>
-                                  </m:r>
-                                </m:sub>
-                              </m:sSub>
-                              <m:r>
-                                <a:rPr lang="en-US" sz="1200" b="0" i="1" smtClean="0">
-                                  <a:latin typeface="Cambria Math" panose="02040503050406030204" pitchFamily="18" charset="0"/>
-                                </a:rPr>
-                                <m:t>,</m:t>
-                              </m:r>
-                              <m:acc>
-                                <m:accPr>
-                                  <m:chr m:val="̅"/>
-                                  <m:ctrlPr>
-                                    <a:rPr lang="en-US" sz="1200" i="1">
-                                      <a:latin typeface="Cambria Math" panose="02040503050406030204" pitchFamily="18" charset="0"/>
-                                    </a:rPr>
-                                  </m:ctrlPr>
-                                </m:accPr>
-                                <m:e>
-                                  <m:r>
-                                    <a:rPr lang="en-US" sz="1200" i="1">
-                                      <a:latin typeface="Cambria Math" panose="02040503050406030204" pitchFamily="18" charset="0"/>
-                                    </a:rPr>
-                                    <m:t>𝑥</m:t>
-                                  </m:r>
-                                </m:e>
-                              </m:acc>
-                              <m:r>
-                                <a:rPr lang="en-US" sz="1200" i="1">
-                                  <a:latin typeface="Cambria Math" panose="02040503050406030204" pitchFamily="18" charset="0"/>
-                                  <a:ea typeface="Cambria Math" panose="02040503050406030204" pitchFamily="18" charset="0"/>
-                                </a:rPr>
-                                <m:t>∈</m:t>
-                              </m:r>
-                              <m:sSub>
-                                <m:sSubPr>
-                                  <m:ctrlPr>
-                                    <a:rPr lang="en-US" sz="1200" i="1">
-                                      <a:latin typeface="Cambria Math" panose="02040503050406030204" pitchFamily="18" charset="0"/>
-                                      <a:ea typeface="Cambria Math" panose="02040503050406030204" pitchFamily="18" charset="0"/>
-                                    </a:rPr>
-                                  </m:ctrlPr>
-                                </m:sSubPr>
-                                <m:e>
-                                  <m:r>
-                                    <a:rPr lang="en-US" sz="1200" i="1">
-                                      <a:latin typeface="Cambria Math" panose="02040503050406030204" pitchFamily="18" charset="0"/>
-                                      <a:ea typeface="Cambria Math" panose="02040503050406030204" pitchFamily="18" charset="0"/>
-                                    </a:rPr>
-                                    <m:t>𝑋</m:t>
-                                  </m:r>
-                                </m:e>
-                                <m:sub>
-                                  <m:r>
-                                    <a:rPr lang="en-US" sz="1200" b="0" i="1" smtClean="0">
-                                      <a:latin typeface="Cambria Math" panose="02040503050406030204" pitchFamily="18" charset="0"/>
-                                      <a:ea typeface="Cambria Math" panose="02040503050406030204" pitchFamily="18" charset="0"/>
-                                    </a:rPr>
-                                    <m:t>2</m:t>
-                                  </m:r>
-                                </m:sub>
-                              </m:sSub>
-                            </m:e>
-                            <m:e>
-                              <m:nary>
-                                <m:naryPr>
-                                  <m:chr m:val="∑"/>
-                                  <m:ctrlPr>
-                                    <a:rPr lang="en-US" sz="1200" i="1">
-                                      <a:latin typeface="Cambria Math" panose="02040503050406030204" pitchFamily="18" charset="0"/>
-                                    </a:rPr>
-                                  </m:ctrlPr>
-                                </m:naryPr>
-                                <m:sub>
-                                  <m:r>
-                                    <m:rPr>
-                                      <m:brk m:alnAt="23"/>
-                                    </m:rPr>
-                                    <a:rPr lang="en-US" sz="1200" i="1">
-                                      <a:latin typeface="Cambria Math" panose="02040503050406030204" pitchFamily="18" charset="0"/>
-                                    </a:rPr>
-                                    <m:t>𝑖</m:t>
-                                  </m:r>
-                                  <m:r>
-                                    <a:rPr lang="en-US" sz="1200" i="1">
-                                      <a:latin typeface="Cambria Math" panose="02040503050406030204" pitchFamily="18" charset="0"/>
-                                    </a:rPr>
-                                    <m:t>=</m:t>
-                                  </m:r>
-                                  <m:r>
-                                    <m:rPr>
-                                      <m:brk m:alnAt="23"/>
-                                    </m:rPr>
-                                    <a:rPr lang="en-US" sz="1200" i="1">
-                                      <a:latin typeface="Cambria Math" panose="02040503050406030204" pitchFamily="18" charset="0"/>
-                                    </a:rPr>
-                                    <m:t>1</m:t>
-                                  </m:r>
-                                </m:sub>
-                                <m:sup>
-                                  <m:r>
-                                    <a:rPr lang="en-US" sz="1200" i="1">
-                                      <a:latin typeface="Cambria Math" panose="02040503050406030204" pitchFamily="18" charset="0"/>
-                                    </a:rPr>
-                                    <m:t>𝑚</m:t>
-                                  </m:r>
-                                </m:sup>
-                                <m:e>
-                                  <m:sSub>
-                                    <m:sSubPr>
-                                      <m:ctrlPr>
-                                        <a:rPr lang="en-US" sz="1200" i="1">
-                                          <a:latin typeface="Cambria Math" panose="02040503050406030204" pitchFamily="18" charset="0"/>
-                                        </a:rPr>
-                                      </m:ctrlPr>
-                                    </m:sSubPr>
-                                    <m:e>
-                                      <m:r>
-                                        <a:rPr lang="en-US" sz="1200" i="1">
-                                          <a:latin typeface="Cambria Math" panose="02040503050406030204" pitchFamily="18" charset="0"/>
-                                        </a:rPr>
-                                        <m:t>𝑥</m:t>
-                                      </m:r>
-                                    </m:e>
-                                    <m:sub>
-                                      <m:r>
-                                        <a:rPr lang="en-US" sz="1200" i="1">
-                                          <a:latin typeface="Cambria Math" panose="02040503050406030204" pitchFamily="18" charset="0"/>
-                                        </a:rPr>
-                                        <m:t>𝑖</m:t>
-                                      </m:r>
-                                    </m:sub>
-                                  </m:sSub>
-                                  <m:sSub>
-                                    <m:sSubPr>
-                                      <m:ctrlPr>
-                                        <a:rPr lang="en-US" sz="1200" i="1">
-                                          <a:latin typeface="Cambria Math" panose="02040503050406030204" pitchFamily="18" charset="0"/>
-                                        </a:rPr>
-                                      </m:ctrlPr>
-                                    </m:sSubPr>
-                                    <m:e>
-                                      <m:r>
-                                        <a:rPr lang="en-US" sz="1200" i="1">
-                                          <a:latin typeface="Cambria Math" panose="02040503050406030204" pitchFamily="18" charset="0"/>
-                                        </a:rPr>
-                                        <m:t>𝑏</m:t>
-                                      </m:r>
-                                    </m:e>
-                                    <m:sub>
-                                      <m:r>
-                                        <a:rPr lang="en-US" sz="1200" b="0" i="1" smtClean="0">
-                                          <a:latin typeface="Cambria Math" panose="02040503050406030204" pitchFamily="18" charset="0"/>
-                                        </a:rPr>
-                                        <m:t>3</m:t>
-                                      </m:r>
-                                      <m:r>
-                                        <a:rPr lang="en-US" sz="1200" i="1">
-                                          <a:latin typeface="Cambria Math" panose="02040503050406030204" pitchFamily="18" charset="0"/>
-                                        </a:rPr>
-                                        <m:t>𝑖</m:t>
-                                      </m:r>
-                                    </m:sub>
-                                  </m:sSub>
-                                </m:e>
-                              </m:nary>
-                              <m:r>
-                                <a:rPr lang="en-US" sz="1200" i="1">
-                                  <a:latin typeface="Cambria Math" panose="02040503050406030204" pitchFamily="18" charset="0"/>
-                                </a:rPr>
-                                <m:t>+</m:t>
-                              </m:r>
-                              <m:sSub>
-                                <m:sSubPr>
-                                  <m:ctrlPr>
-                                    <a:rPr lang="en-US" sz="1200" i="1">
-                                      <a:latin typeface="Cambria Math" panose="02040503050406030204" pitchFamily="18" charset="0"/>
-                                    </a:rPr>
-                                  </m:ctrlPr>
-                                </m:sSubPr>
-                                <m:e>
-                                  <m:r>
-                                    <a:rPr lang="en-US" sz="1200" i="1">
-                                      <a:latin typeface="Cambria Math" panose="02040503050406030204" pitchFamily="18" charset="0"/>
-                                    </a:rPr>
-                                    <m:t>𝑏</m:t>
-                                  </m:r>
-                                </m:e>
-                                <m:sub>
-                                  <m:r>
-                                    <a:rPr lang="en-US" sz="1200" b="0" i="1" smtClean="0">
-                                      <a:latin typeface="Cambria Math" panose="02040503050406030204" pitchFamily="18" charset="0"/>
-                                    </a:rPr>
-                                    <m:t>3</m:t>
-                                  </m:r>
-                                </m:sub>
-                              </m:sSub>
-                              <m:r>
-                                <a:rPr lang="en-US" sz="1200" i="1">
-                                  <a:latin typeface="Cambria Math" panose="02040503050406030204" pitchFamily="18" charset="0"/>
-                                </a:rPr>
-                                <m:t>,</m:t>
-                              </m:r>
-                              <m:acc>
-                                <m:accPr>
-                                  <m:chr m:val="̅"/>
-                                  <m:ctrlPr>
-                                    <a:rPr lang="en-US" sz="1200" i="1">
-                                      <a:latin typeface="Cambria Math" panose="02040503050406030204" pitchFamily="18" charset="0"/>
-                                    </a:rPr>
-                                  </m:ctrlPr>
-                                </m:accPr>
-                                <m:e>
-                                  <m:r>
-                                    <a:rPr lang="en-US" sz="1200" i="1">
-                                      <a:latin typeface="Cambria Math" panose="02040503050406030204" pitchFamily="18" charset="0"/>
-                                    </a:rPr>
-                                    <m:t>𝑥</m:t>
-                                  </m:r>
-                                </m:e>
-                              </m:acc>
-                              <m:r>
-                                <a:rPr lang="en-US" sz="1200" i="1">
-                                  <a:latin typeface="Cambria Math" panose="02040503050406030204" pitchFamily="18" charset="0"/>
-                                  <a:ea typeface="Cambria Math" panose="02040503050406030204" pitchFamily="18" charset="0"/>
-                                </a:rPr>
-                                <m:t>∈</m:t>
-                              </m:r>
-                              <m:sSub>
-                                <m:sSubPr>
-                                  <m:ctrlPr>
-                                    <a:rPr lang="en-US" sz="1200" i="1">
-                                      <a:latin typeface="Cambria Math" panose="02040503050406030204" pitchFamily="18" charset="0"/>
-                                      <a:ea typeface="Cambria Math" panose="02040503050406030204" pitchFamily="18" charset="0"/>
-                                    </a:rPr>
-                                  </m:ctrlPr>
-                                </m:sSubPr>
-                                <m:e>
-                                  <m:r>
-                                    <a:rPr lang="en-US" sz="1200" i="1">
-                                      <a:latin typeface="Cambria Math" panose="02040503050406030204" pitchFamily="18" charset="0"/>
-                                      <a:ea typeface="Cambria Math" panose="02040503050406030204" pitchFamily="18" charset="0"/>
-                                    </a:rPr>
-                                    <m:t>𝑋</m:t>
-                                  </m:r>
-                                </m:e>
-                                <m:sub>
-                                  <m:r>
-                                    <a:rPr lang="en-US" sz="1200" b="0" i="1" smtClean="0">
-                                      <a:latin typeface="Cambria Math" panose="02040503050406030204" pitchFamily="18" charset="0"/>
-                                      <a:ea typeface="Cambria Math" panose="02040503050406030204" pitchFamily="18" charset="0"/>
-                                    </a:rPr>
-                                    <m:t>3</m:t>
-                                  </m:r>
-                                </m:sub>
-                              </m:sSub>
-                            </m:e>
-                          </m:eqArr>
+                                  </m:mr>
+                                </m:m>
+                              </m:e>
+                            </m:mr>
+                          </m:m>
                         </m:e>
                       </m:d>
                     </m:oMath>
@@ -8735,19 +9021,19 @@
             </p:txBody>
           </p:sp>
         </mc:Choice>
-        <mc:Fallback xmlns="">
+        <mc:Fallback>
           <p:sp>
             <p:nvSpPr>
-              <p:cNvPr id="12" name="TextBox 11"/>
-              <p:cNvSpPr txBox="1">
+              <p:cNvPr id="13" name="Прямоугольник 12"/>
+              <p:cNvSpPr>
                 <a:spLocks noRot="1" noChangeAspect="1" noMove="1" noResize="1" noEditPoints="1" noAdjustHandles="1" noChangeArrowheads="1" noChangeShapeType="1" noTextEdit="1"/>
               </p:cNvSpPr>
               <p:nvPr/>
             </p:nvSpPr>
             <p:spPr>
               <a:xfrm>
-                <a:off x="4872634" y="989202"/>
-                <a:ext cx="2044021" cy="1603516"/>
+                <a:off x="4858111" y="1011012"/>
+                <a:ext cx="2820900" cy="1557478"/>
               </a:xfrm>
               <a:prstGeom prst="rect">
                 <a:avLst/>
@@ -9011,7 +9297,7 @@
                                           </p:stCondLst>
                                         </p:cTn>
                                         <p:tgtEl>
-                                          <p:spTgt spid="12"/>
+                                          <p:spTgt spid="13"/>
                                         </p:tgtEl>
                                         <p:attrNameLst>
                                           <p:attrName>style.visibility</p:attrName>
@@ -9025,7 +9311,7 @@
                                       <p:cBhvr>
                                         <p:cTn id="24" dur="500"/>
                                         <p:tgtEl>
-                                          <p:spTgt spid="12"/>
+                                          <p:spTgt spid="13"/>
                                         </p:tgtEl>
                                       </p:cBhvr>
                                     </p:animEffect>
@@ -9061,7 +9347,7 @@
     </p:tnLst>
     <p:bldLst>
       <p:bldP spid="7" grpId="0"/>
-      <p:bldP spid="12" grpId="0"/>
+      <p:bldP spid="13" grpId="0"/>
     </p:bldLst>
   </p:timing>
 </p:sld>
@@ -9112,8 +9398,8 @@
           </a:p>
         </p:txBody>
       </p:sp>
-      <mc:AlternateContent xmlns:mc="http://schemas.openxmlformats.org/markup-compatibility/2006" xmlns:a14="http://schemas.microsoft.com/office/drawing/2010/main">
-        <mc:Choice Requires="a14">
+      <mc:AlternateContent xmlns:mc="http://schemas.openxmlformats.org/markup-compatibility/2006">
+        <mc:Choice xmlns:a14="http://schemas.microsoft.com/office/drawing/2010/main" Requires="a14">
           <p:sp>
             <p:nvSpPr>
               <p:cNvPr id="7" name="TextBox 6"/>
@@ -9122,7 +9408,7 @@
             </p:nvSpPr>
             <p:spPr>
               <a:xfrm>
-                <a:off x="1152144" y="4530852"/>
+                <a:off x="715742" y="4805493"/>
                 <a:ext cx="9555480" cy="1840247"/>
               </a:xfrm>
               <a:prstGeom prst="rect">
@@ -9424,7 +9710,7 @@
                   <a:t> нейрона </a:t>
                 </a:r>
                 <a:r>
-                  <a:rPr lang="en-US" dirty="0" smtClean="0">
+                  <a:rPr lang="en-US" i="1" dirty="0" smtClean="0">
                     <a:latin typeface="Times New Roman" panose="02020603050405020304" pitchFamily="18" charset="0"/>
                     <a:cs typeface="Times New Roman" panose="02020603050405020304" pitchFamily="18" charset="0"/>
                   </a:rPr>
@@ -9626,18 +9912,11 @@
                   <a:t> </a:t>
                 </a:r>
                 <a:r>
-                  <a:rPr lang="ru-RU" dirty="0" err="1" smtClean="0">
-                    <a:latin typeface="Times New Roman" panose="02020603050405020304" pitchFamily="18" charset="0"/>
-                    <a:cs typeface="Times New Roman" panose="02020603050405020304" pitchFamily="18" charset="0"/>
-                  </a:rPr>
-                  <a:t>активания</a:t>
-                </a:r>
-                <a:r>
                   <a:rPr lang="ru-RU" dirty="0" smtClean="0">
                     <a:latin typeface="Times New Roman" panose="02020603050405020304" pitchFamily="18" charset="0"/>
                     <a:cs typeface="Times New Roman" panose="02020603050405020304" pitchFamily="18" charset="0"/>
                   </a:rPr>
-                  <a:t> </a:t>
+                  <a:t>активация </a:t>
                 </a:r>
                 <a:r>
                   <a:rPr lang="en-US" dirty="0" smtClean="0">
@@ -10011,7 +10290,7 @@
             </p:txBody>
           </p:sp>
         </mc:Choice>
-        <mc:Fallback xmlns="">
+        <mc:Fallback>
           <p:sp>
             <p:nvSpPr>
               <p:cNvPr id="7" name="TextBox 6"/>
@@ -10022,7 +10301,7 @@
             </p:nvSpPr>
             <p:spPr>
               <a:xfrm>
-                <a:off x="1152144" y="4530852"/>
+                <a:off x="715742" y="4805493"/>
                 <a:ext cx="9555480" cy="1840247"/>
               </a:xfrm>
               <a:prstGeom prst="rect">
@@ -10450,8 +10729,8 @@
           </p:sp>
         </mc:Fallback>
       </mc:AlternateContent>
-      <mc:AlternateContent xmlns:mc="http://schemas.openxmlformats.org/markup-compatibility/2006" xmlns:a14="http://schemas.microsoft.com/office/drawing/2010/main">
-        <mc:Choice Requires="a14">
+      <mc:AlternateContent xmlns:mc="http://schemas.openxmlformats.org/markup-compatibility/2006">
+        <mc:Choice xmlns:a14="http://schemas.microsoft.com/office/drawing/2010/main" Requires="a14">
           <p:sp>
             <p:nvSpPr>
               <p:cNvPr id="8" name="Выноска со стрелкой вверх 7"/>
@@ -10505,7 +10784,7 @@
                 <a:endParaRPr lang="ru-RU" sz="2000" dirty="0" smtClean="0"/>
               </a:p>
               <a:p>
-                <a:pPr algn="ctr"/>
+                <a:pPr lvl="1" algn="ctr"/>
                 <a14:m>
                   <m:oMathPara xmlns:m="http://schemas.openxmlformats.org/officeDocument/2006/math">
                     <m:oMathParaPr>
@@ -10617,7 +10896,7 @@
             </p:txBody>
           </p:sp>
         </mc:Choice>
-        <mc:Fallback xmlns="">
+        <mc:Fallback>
           <p:sp>
             <p:nvSpPr>
               <p:cNvPr id="8" name="Выноска со стрелкой вверх 7"/>
@@ -11089,8 +11368,8 @@
           </a:graphicData>
         </a:graphic>
       </p:graphicFrame>
-      <mc:AlternateContent xmlns:mc="http://schemas.openxmlformats.org/markup-compatibility/2006">
-        <mc:Choice xmlns:a14="http://schemas.microsoft.com/office/drawing/2010/main" Requires="a14">
+      <mc:AlternateContent xmlns:mc="http://schemas.openxmlformats.org/markup-compatibility/2006" xmlns:a14="http://schemas.microsoft.com/office/drawing/2010/main">
+        <mc:Choice Requires="a14">
           <p:graphicFrame>
             <p:nvGraphicFramePr>
               <p:cNvPr id="5" name="Таблица 4"/>
@@ -11140,15 +11419,7 @@
                                 <a:schemeClr val="tx1"/>
                               </a:solidFill>
                             </a:rPr>
-                            <a:t> </a:t>
-                          </a:r>
-                          <a:r>
-                            <a:rPr lang="ru-RU" baseline="0" dirty="0" smtClean="0">
-                              <a:solidFill>
-                                <a:schemeClr val="tx1"/>
-                              </a:solidFill>
-                            </a:rPr>
-                            <a:t>показателей</a:t>
+                            <a:t> показателей</a:t>
                           </a:r>
                           <a:endParaRPr lang="ru-RU" dirty="0">
                             <a:solidFill>
@@ -11232,7 +11503,7 @@
             </a:graphic>
           </p:graphicFrame>
         </mc:Choice>
-        <mc:Fallback>
+        <mc:Fallback xmlns="">
           <p:graphicFrame>
             <p:nvGraphicFramePr>
               <p:cNvPr id="5" name="Таблица 4"/>
@@ -11325,8 +11596,8 @@
           </p:graphicFrame>
         </mc:Fallback>
       </mc:AlternateContent>
-      <mc:AlternateContent xmlns:mc="http://schemas.openxmlformats.org/markup-compatibility/2006">
-        <mc:Choice xmlns:a14="http://schemas.microsoft.com/office/drawing/2010/main" Requires="a14">
+      <mc:AlternateContent xmlns:mc="http://schemas.openxmlformats.org/markup-compatibility/2006" xmlns:a14="http://schemas.microsoft.com/office/drawing/2010/main">
+        <mc:Choice Requires="a14">
           <p:graphicFrame>
             <p:nvGraphicFramePr>
               <p:cNvPr id="6" name="Таблица 5"/>
@@ -11392,15 +11663,7 @@
                                 <a:schemeClr val="tx1"/>
                               </a:solidFill>
                             </a:rPr>
-                            <a:t> </a:t>
-                          </a:r>
-                          <a:r>
-                            <a:rPr lang="ru-RU" baseline="0" dirty="0" smtClean="0">
-                              <a:solidFill>
-                                <a:schemeClr val="tx1"/>
-                              </a:solidFill>
-                            </a:rPr>
-                            <a:t>показателей</a:t>
+                            <a:t> показателей</a:t>
                           </a:r>
                           <a:endParaRPr lang="ru-RU" dirty="0" smtClean="0">
                             <a:solidFill>
@@ -11567,7 +11830,7 @@
             </a:graphic>
           </p:graphicFrame>
         </mc:Choice>
-        <mc:Fallback>
+        <mc:Fallback xmlns="">
           <p:graphicFrame>
             <p:nvGraphicFramePr>
               <p:cNvPr id="6" name="Таблица 5"/>
@@ -11676,8 +11939,8 @@
           </p:graphicFrame>
         </mc:Fallback>
       </mc:AlternateContent>
-      <mc:AlternateContent xmlns:mc="http://schemas.openxmlformats.org/markup-compatibility/2006">
-        <mc:Choice xmlns:a14="http://schemas.microsoft.com/office/drawing/2010/main" Requires="a14">
+      <mc:AlternateContent xmlns:mc="http://schemas.openxmlformats.org/markup-compatibility/2006" xmlns:a14="http://schemas.microsoft.com/office/drawing/2010/main">
+        <mc:Choice Requires="a14">
           <p:graphicFrame>
             <p:nvGraphicFramePr>
               <p:cNvPr id="12" name="Таблица 11"/>
@@ -11745,15 +12008,7 @@
                                 <a:sysClr val="windowText" lastClr="000000"/>
                               </a:solidFill>
                             </a:rPr>
-                            <a:t> </a:t>
-                          </a:r>
-                          <a:r>
-                            <a:rPr lang="ru-RU" baseline="0" dirty="0" smtClean="0">
-                              <a:solidFill>
-                                <a:sysClr val="windowText" lastClr="000000"/>
-                              </a:solidFill>
-                            </a:rPr>
-                            <a:t>показателей</a:t>
+                            <a:t> показателей</a:t>
                           </a:r>
                           <a:endParaRPr lang="ru-RU" dirty="0" smtClean="0">
                             <a:solidFill>
@@ -11998,13 +12253,8 @@
                           </a:pPr>
                           <a:r>
                             <a:rPr lang="ru-RU" dirty="0" smtClean="0"/>
-                            <a:t>14 </a:t>
+                            <a:t>14 числовых</a:t>
                           </a:r>
-                          <a:r>
-                            <a:rPr lang="ru-RU" dirty="0" smtClean="0"/>
-                            <a:t>числовых</a:t>
-                          </a:r>
-                          <a:endParaRPr lang="ru-RU" dirty="0" smtClean="0"/>
                         </a:p>
                       </a:txBody>
                       <a:tcPr anchor="ctr">
@@ -12037,13 +12287,8 @@
                           </a:pPr>
                           <a:r>
                             <a:rPr lang="ru-RU" dirty="0" smtClean="0"/>
-                            <a:t>23 </a:t>
+                            <a:t>23 категориальных</a:t>
                           </a:r>
-                          <a:r>
-                            <a:rPr lang="ru-RU" dirty="0" smtClean="0"/>
-                            <a:t>категориальных</a:t>
-                          </a:r>
-                          <a:endParaRPr lang="ru-RU" dirty="0" smtClean="0"/>
                         </a:p>
                       </a:txBody>
                       <a:tcPr anchor="ctr">
@@ -12076,7 +12321,7 @@
             </a:graphic>
           </p:graphicFrame>
         </mc:Choice>
-        <mc:Fallback>
+        <mc:Fallback xmlns="">
           <p:graphicFrame>
             <p:nvGraphicFramePr>
               <p:cNvPr id="12" name="Таблица 11"/>
@@ -12347,8 +12592,8 @@
           </p:graphicFrame>
         </mc:Fallback>
       </mc:AlternateContent>
-      <mc:AlternateContent xmlns:mc="http://schemas.openxmlformats.org/markup-compatibility/2006">
-        <mc:Choice xmlns:a14="http://schemas.microsoft.com/office/drawing/2010/main" Requires="a14">
+      <mc:AlternateContent xmlns:mc="http://schemas.openxmlformats.org/markup-compatibility/2006" xmlns:a14="http://schemas.microsoft.com/office/drawing/2010/main">
+        <mc:Choice Requires="a14">
           <p:graphicFrame>
             <p:nvGraphicFramePr>
               <p:cNvPr id="13" name="Таблица 12"/>
@@ -12415,15 +12660,7 @@
                                 <a:sysClr val="windowText" lastClr="000000"/>
                               </a:solidFill>
                             </a:rPr>
-                            <a:t> </a:t>
-                          </a:r>
-                          <a:r>
-                            <a:rPr lang="ru-RU" baseline="0" dirty="0" smtClean="0">
-                              <a:solidFill>
-                                <a:sysClr val="windowText" lastClr="000000"/>
-                              </a:solidFill>
-                            </a:rPr>
-                            <a:t>показателей</a:t>
+                            <a:t> показателей</a:t>
                           </a:r>
                           <a:endParaRPr lang="ru-RU" dirty="0" smtClean="0">
                             <a:solidFill>
@@ -12623,13 +12860,8 @@
                           </a:pPr>
                           <a:r>
                             <a:rPr lang="ru-RU" dirty="0" smtClean="0"/>
-                            <a:t>21 </a:t>
+                            <a:t>21 числовых</a:t>
                           </a:r>
-                          <a:r>
-                            <a:rPr lang="ru-RU" dirty="0" smtClean="0"/>
-                            <a:t>числовых</a:t>
-                          </a:r>
-                          <a:endParaRPr lang="ru-RU" dirty="0" smtClean="0"/>
                         </a:p>
                       </a:txBody>
                       <a:tcPr anchor="ctr">
@@ -12662,13 +12894,8 @@
                           </a:pPr>
                           <a:r>
                             <a:rPr lang="ru-RU" dirty="0" smtClean="0"/>
-                            <a:t>23 </a:t>
+                            <a:t>23 категориальных</a:t>
                           </a:r>
-                          <a:r>
-                            <a:rPr lang="ru-RU" dirty="0" smtClean="0"/>
-                            <a:t>категориальных</a:t>
-                          </a:r>
-                          <a:endParaRPr lang="ru-RU" dirty="0" smtClean="0"/>
                         </a:p>
                       </a:txBody>
                       <a:tcPr anchor="ctr">
@@ -12701,7 +12928,7 @@
             </a:graphic>
           </p:graphicFrame>
         </mc:Choice>
-        <mc:Fallback>
+        <mc:Fallback xmlns="">
           <p:graphicFrame>
             <p:nvGraphicFramePr>
               <p:cNvPr id="13" name="Таблица 12"/>
@@ -12926,8 +13153,8 @@
           </p:graphicFrame>
         </mc:Fallback>
       </mc:AlternateContent>
-      <mc:AlternateContent xmlns:mc="http://schemas.openxmlformats.org/markup-compatibility/2006">
-        <mc:Choice xmlns:a14="http://schemas.microsoft.com/office/drawing/2010/main" Requires="a14">
+      <mc:AlternateContent xmlns:mc="http://schemas.openxmlformats.org/markup-compatibility/2006" xmlns:a14="http://schemas.microsoft.com/office/drawing/2010/main">
+        <mc:Choice Requires="a14">
           <p:graphicFrame>
             <p:nvGraphicFramePr>
               <p:cNvPr id="9" name="Таблица 8"/>
@@ -12994,15 +13221,7 @@
                                 <a:sysClr val="windowText" lastClr="000000"/>
                               </a:solidFill>
                             </a:rPr>
-                            <a:t> </a:t>
-                          </a:r>
-                          <a:r>
-                            <a:rPr lang="ru-RU" baseline="0" dirty="0" smtClean="0">
-                              <a:solidFill>
-                                <a:sysClr val="windowText" lastClr="000000"/>
-                              </a:solidFill>
-                            </a:rPr>
-                            <a:t>показателей</a:t>
+                            <a:t> показателей</a:t>
                           </a:r>
                           <a:endParaRPr lang="ru-RU" dirty="0" smtClean="0">
                             <a:solidFill>
@@ -13202,13 +13421,8 @@
                           </a:pPr>
                           <a:r>
                             <a:rPr lang="ru-RU" dirty="0" smtClean="0"/>
-                            <a:t>21 </a:t>
+                            <a:t>21 числовых</a:t>
                           </a:r>
-                          <a:r>
-                            <a:rPr lang="ru-RU" dirty="0" smtClean="0"/>
-                            <a:t>числовых</a:t>
-                          </a:r>
-                          <a:endParaRPr lang="ru-RU" dirty="0" smtClean="0"/>
                         </a:p>
                       </a:txBody>
                       <a:tcPr anchor="ctr">
@@ -13275,7 +13489,7 @@
             </a:graphic>
           </p:graphicFrame>
         </mc:Choice>
-        <mc:Fallback>
+        <mc:Fallback xmlns="">
           <p:graphicFrame>
             <p:nvGraphicFramePr>
               <p:cNvPr id="9" name="Таблица 8"/>
@@ -13555,8 +13769,8 @@
           </a:p>
         </p:txBody>
       </p:sp>
-      <mc:AlternateContent xmlns:mc="http://schemas.openxmlformats.org/markup-compatibility/2006">
-        <mc:Choice xmlns:a14="http://schemas.microsoft.com/office/drawing/2010/main" Requires="a14">
+      <mc:AlternateContent xmlns:mc="http://schemas.openxmlformats.org/markup-compatibility/2006" xmlns:a14="http://schemas.microsoft.com/office/drawing/2010/main">
+        <mc:Choice Requires="a14">
           <p:graphicFrame>
             <p:nvGraphicFramePr>
               <p:cNvPr id="18" name="Таблица 17"/>
@@ -13883,7 +14097,7 @@
             </a:graphic>
           </p:graphicFrame>
         </mc:Choice>
-        <mc:Fallback>
+        <mc:Fallback xmlns="">
           <p:graphicFrame>
             <p:nvGraphicFramePr>
               <p:cNvPr id="18" name="Таблица 17"/>
@@ -14172,8 +14386,8 @@
           </a:p>
         </p:txBody>
       </p:sp>
-      <mc:AlternateContent xmlns:mc="http://schemas.openxmlformats.org/markup-compatibility/2006">
-        <mc:Choice xmlns:a14="http://schemas.microsoft.com/office/drawing/2010/main" Requires="a14">
+      <mc:AlternateContent xmlns:mc="http://schemas.openxmlformats.org/markup-compatibility/2006" xmlns:a14="http://schemas.microsoft.com/office/drawing/2010/main">
+        <mc:Choice Requires="a14">
           <p:graphicFrame>
             <p:nvGraphicFramePr>
               <p:cNvPr id="17" name="Таблица 16"/>
@@ -14444,11 +14658,7 @@
                           </a:r>
                           <a:r>
                             <a:rPr lang="ru-RU" dirty="0" smtClean="0"/>
-                            <a:t> </a:t>
-                          </a:r>
-                          <a:r>
-                            <a:rPr lang="ru-RU" dirty="0" smtClean="0"/>
-                            <a:t>числовых</a:t>
+                            <a:t> числовых</a:t>
                           </a:r>
                         </a:p>
                       </a:txBody>
@@ -14486,11 +14696,7 @@
                           </a:r>
                           <a:r>
                             <a:rPr lang="ru-RU" dirty="0" smtClean="0"/>
-                            <a:t> </a:t>
-                          </a:r>
-                          <a:r>
-                            <a:rPr lang="ru-RU" dirty="0" smtClean="0"/>
-                            <a:t>категориальных</a:t>
+                            <a:t> категориальных</a:t>
                           </a:r>
                         </a:p>
                       </a:txBody>
@@ -14524,7 +14730,7 @@
             </a:graphic>
           </p:graphicFrame>
         </mc:Choice>
-        <mc:Fallback>
+        <mc:Fallback xmlns="">
           <p:graphicFrame>
             <p:nvGraphicFramePr>
               <p:cNvPr id="17" name="Таблица 16"/>
@@ -18458,12 +18664,12 @@
                         </a:spcAft>
                       </a:pPr>
                       <a:r>
-                        <a:rPr lang="ru-RU" sz="1100">
+                        <a:rPr lang="ru-RU" sz="1100" dirty="0">
                           <a:effectLst/>
                         </a:rPr>
                         <a:t>Максимальное количество дней просрочки</a:t>
                       </a:r>
-                      <a:endParaRPr lang="ru-RU" sz="1100">
+                      <a:endParaRPr lang="ru-RU" sz="1100" dirty="0">
                         <a:effectLst/>
                         <a:latin typeface="Calibri" panose="020F0502020204030204" pitchFamily="34" charset="0"/>
                         <a:ea typeface="Calibri" panose="020F0502020204030204" pitchFamily="34" charset="0"/>
@@ -18640,12 +18846,12 @@
                         </a:spcAft>
                       </a:pPr>
                       <a:r>
-                        <a:rPr lang="ru-RU" sz="1100">
+                        <a:rPr lang="ru-RU" sz="1100" dirty="0">
                           <a:effectLst/>
                         </a:rPr>
                         <a:t>5,11</a:t>
                       </a:r>
-                      <a:endParaRPr lang="ru-RU" sz="1100">
+                      <a:endParaRPr lang="ru-RU" sz="1100" dirty="0">
                         <a:effectLst/>
                         <a:latin typeface="Calibri" panose="020F0502020204030204" pitchFamily="34" charset="0"/>
                         <a:ea typeface="Calibri" panose="020F0502020204030204" pitchFamily="34" charset="0"/>
@@ -20311,8 +20517,8 @@
           </a:graphicData>
         </a:graphic>
       </p:graphicFrame>
-      <mc:AlternateContent xmlns:mc="http://schemas.openxmlformats.org/markup-compatibility/2006">
-        <mc:Choice xmlns:a14="http://schemas.microsoft.com/office/drawing/2010/main" Requires="a14">
+      <mc:AlternateContent xmlns:mc="http://schemas.openxmlformats.org/markup-compatibility/2006" xmlns:a14="http://schemas.microsoft.com/office/drawing/2010/main">
+        <mc:Choice Requires="a14">
           <p:sp>
             <p:nvSpPr>
               <p:cNvPr id="6" name="Прямоугольник 5"/>
@@ -20334,6 +20540,7 @@
               </a:bodyPr>
               <a:lstStyle/>
               <a:p>
+                <a:pPr/>
                 <a14:m>
                   <m:oMathPara xmlns:m="http://schemas.openxmlformats.org/officeDocument/2006/math">
                     <m:oMathParaPr>
@@ -20345,7 +20552,7 @@
                           <m:begChr m:val="["/>
                           <m:endChr m:val="]"/>
                           <m:ctrlPr>
-                            <a:rPr lang="ru-RU">
+                            <a:rPr lang="ru-RU" i="1">
                               <a:latin typeface="Cambria Math" panose="02040503050406030204" pitchFamily="18" charset="0"/>
                             </a:rPr>
                           </m:ctrlPr>
@@ -20354,7 +20561,7 @@
                           <m:sSub>
                             <m:sSubPr>
                               <m:ctrlPr>
-                                <a:rPr lang="ru-RU">
+                                <a:rPr lang="ru-RU" i="1">
                                   <a:latin typeface="Cambria Math" panose="02040503050406030204" pitchFamily="18" charset="0"/>
                                 </a:rPr>
                               </m:ctrlPr>
@@ -20563,7 +20770,7 @@
             </p:txBody>
           </p:sp>
         </mc:Choice>
-        <mc:Fallback>
+        <mc:Fallback xmlns="">
           <p:sp>
             <p:nvSpPr>
               <p:cNvPr id="6" name="Прямоугольник 5"/>
@@ -20602,8 +20809,8 @@
           </p:sp>
         </mc:Fallback>
       </mc:AlternateContent>
-      <mc:AlternateContent xmlns:mc="http://schemas.openxmlformats.org/markup-compatibility/2006">
-        <mc:Choice xmlns:a14="http://schemas.microsoft.com/office/drawing/2010/main" Requires="a14">
+      <mc:AlternateContent xmlns:mc="http://schemas.openxmlformats.org/markup-compatibility/2006" xmlns:a14="http://schemas.microsoft.com/office/drawing/2010/main">
+        <mc:Choice Requires="a14">
           <p:sp>
             <p:nvSpPr>
               <p:cNvPr id="8" name="Прямоугольник 7"/>
@@ -20625,6 +20832,7 @@
               </a:bodyPr>
               <a:lstStyle/>
               <a:p>
+                <a:pPr/>
                 <a14:m>
                   <m:oMathPara xmlns:m="http://schemas.openxmlformats.org/officeDocument/2006/math">
                     <m:oMathParaPr>
@@ -20636,7 +20844,7 @@
                           <m:begChr m:val="["/>
                           <m:endChr m:val="]"/>
                           <m:ctrlPr>
-                            <a:rPr lang="ru-RU">
+                            <a:rPr lang="ru-RU" i="1">
                               <a:latin typeface="Cambria Math" panose="02040503050406030204" pitchFamily="18" charset="0"/>
                             </a:rPr>
                           </m:ctrlPr>
@@ -20762,7 +20970,7 @@
             </p:txBody>
           </p:sp>
         </mc:Choice>
-        <mc:Fallback>
+        <mc:Fallback xmlns="">
           <p:sp>
             <p:nvSpPr>
               <p:cNvPr id="8" name="Прямоугольник 7"/>
@@ -21083,12 +21291,12 @@
                         </a:spcAft>
                       </a:pPr>
                       <a:r>
-                        <a:rPr lang="ru-RU" sz="1100">
+                        <a:rPr lang="ru-RU" sz="1100" dirty="0">
                           <a:effectLst/>
                         </a:rPr>
                         <a:t>2,04</a:t>
                       </a:r>
-                      <a:endParaRPr lang="ru-RU" sz="1100">
+                      <a:endParaRPr lang="ru-RU" sz="1100" dirty="0">
                         <a:effectLst/>
                         <a:latin typeface="Calibri" panose="020F0502020204030204" pitchFamily="34" charset="0"/>
                         <a:ea typeface="Calibri" panose="020F0502020204030204" pitchFamily="34" charset="0"/>
@@ -21288,12 +21496,12 @@
                         </a:spcAft>
                       </a:pPr>
                       <a:r>
-                        <a:rPr lang="ru-RU" sz="1100">
+                        <a:rPr lang="ru-RU" sz="1100" dirty="0">
                           <a:effectLst/>
                         </a:rPr>
                         <a:t>2,89</a:t>
                       </a:r>
-                      <a:endParaRPr lang="ru-RU" sz="1100">
+                      <a:endParaRPr lang="ru-RU" sz="1100" dirty="0">
                         <a:effectLst/>
                         <a:latin typeface="Calibri" panose="020F0502020204030204" pitchFamily="34" charset="0"/>
                         <a:ea typeface="Calibri" panose="020F0502020204030204" pitchFamily="34" charset="0"/>
@@ -21493,12 +21701,12 @@
                         </a:spcAft>
                       </a:pPr>
                       <a:r>
-                        <a:rPr lang="ru-RU" sz="1100">
+                        <a:rPr lang="ru-RU" sz="1100" dirty="0">
                           <a:effectLst/>
                         </a:rPr>
                         <a:t>0,00</a:t>
                       </a:r>
-                      <a:endParaRPr lang="ru-RU" sz="1100">
+                      <a:endParaRPr lang="ru-RU" sz="1100" dirty="0">
                         <a:effectLst/>
                         <a:latin typeface="Calibri" panose="020F0502020204030204" pitchFamily="34" charset="0"/>
                         <a:ea typeface="Calibri" panose="020F0502020204030204" pitchFamily="34" charset="0"/>
@@ -21698,12 +21906,12 @@
                         </a:spcAft>
                       </a:pPr>
                       <a:r>
-                        <a:rPr lang="ru-RU" sz="1100">
+                        <a:rPr lang="ru-RU" sz="1100" dirty="0">
                           <a:effectLst/>
                         </a:rPr>
                         <a:t>0,00</a:t>
                       </a:r>
-                      <a:endParaRPr lang="ru-RU" sz="1100">
+                      <a:endParaRPr lang="ru-RU" sz="1100" dirty="0">
                         <a:effectLst/>
                         <a:latin typeface="Calibri" panose="020F0502020204030204" pitchFamily="34" charset="0"/>
                         <a:ea typeface="Calibri" panose="020F0502020204030204" pitchFamily="34" charset="0"/>
@@ -21727,12 +21935,12 @@
                         </a:spcAft>
                       </a:pPr>
                       <a:r>
-                        <a:rPr lang="ru-RU" sz="1100">
+                        <a:rPr lang="ru-RU" sz="1100" dirty="0">
                           <a:effectLst/>
                         </a:rPr>
                         <a:t>0,00</a:t>
                       </a:r>
-                      <a:endParaRPr lang="ru-RU" sz="1100">
+                      <a:endParaRPr lang="ru-RU" sz="1100" dirty="0">
                         <a:effectLst/>
                         <a:latin typeface="Calibri" panose="020F0502020204030204" pitchFamily="34" charset="0"/>
                         <a:ea typeface="Calibri" panose="020F0502020204030204" pitchFamily="34" charset="0"/>
@@ -21756,12 +21964,12 @@
                         </a:spcAft>
                       </a:pPr>
                       <a:r>
-                        <a:rPr lang="ru-RU" sz="1100">
+                        <a:rPr lang="ru-RU" sz="1100" dirty="0">
                           <a:effectLst/>
                         </a:rPr>
                         <a:t>3,00</a:t>
                       </a:r>
-                      <a:endParaRPr lang="ru-RU" sz="1100">
+                      <a:endParaRPr lang="ru-RU" sz="1100" dirty="0">
                         <a:effectLst/>
                         <a:latin typeface="Calibri" panose="020F0502020204030204" pitchFamily="34" charset="0"/>
                         <a:ea typeface="Calibri" panose="020F0502020204030204" pitchFamily="34" charset="0"/>
@@ -21785,12 +21993,12 @@
                         </a:spcAft>
                       </a:pPr>
                       <a:r>
-                        <a:rPr lang="ru-RU" sz="1100">
+                        <a:rPr lang="ru-RU" sz="1100" dirty="0">
                           <a:effectLst/>
                         </a:rPr>
                         <a:t>1000,00</a:t>
                       </a:r>
-                      <a:endParaRPr lang="ru-RU" sz="1100">
+                      <a:endParaRPr lang="ru-RU" sz="1100" dirty="0">
                         <a:effectLst/>
                         <a:latin typeface="Calibri" panose="020F0502020204030204" pitchFamily="34" charset="0"/>
                         <a:ea typeface="Calibri" panose="020F0502020204030204" pitchFamily="34" charset="0"/>
@@ -21990,12 +22198,12 @@
                         </a:spcAft>
                       </a:pPr>
                       <a:r>
-                        <a:rPr lang="ru-RU" sz="1100">
+                        <a:rPr lang="ru-RU" sz="1100" dirty="0">
                           <a:effectLst/>
                         </a:rPr>
                         <a:t>3200,00</a:t>
                       </a:r>
-                      <a:endParaRPr lang="ru-RU" sz="1100">
+                      <a:endParaRPr lang="ru-RU" sz="1100" dirty="0">
                         <a:effectLst/>
                         <a:latin typeface="Calibri" panose="020F0502020204030204" pitchFamily="34" charset="0"/>
                         <a:ea typeface="Calibri" panose="020F0502020204030204" pitchFamily="34" charset="0"/>
@@ -22216,12 +22424,12 @@
                         </a:spcAft>
                       </a:pPr>
                       <a:r>
-                        <a:rPr lang="ru-RU" sz="1100">
+                        <a:rPr lang="ru-RU" sz="1100" dirty="0">
                           <a:effectLst/>
                         </a:rPr>
                         <a:t>7000,00</a:t>
                       </a:r>
-                      <a:endParaRPr lang="ru-RU" sz="1100">
+                      <a:endParaRPr lang="ru-RU" sz="1100" dirty="0">
                         <a:effectLst/>
                         <a:latin typeface="Calibri" panose="020F0502020204030204" pitchFamily="34" charset="0"/>
                         <a:ea typeface="Calibri" panose="020F0502020204030204" pitchFamily="34" charset="0"/>
@@ -22252,12 +22460,12 @@
                         </a:spcAft>
                       </a:pPr>
                       <a:r>
-                        <a:rPr lang="ru-RU" sz="1100">
+                        <a:rPr lang="ru-RU" sz="1100" dirty="0">
                           <a:effectLst/>
                         </a:rPr>
                         <a:t>4000,00</a:t>
                       </a:r>
-                      <a:endParaRPr lang="ru-RU" sz="1100">
+                      <a:endParaRPr lang="ru-RU" sz="1100" dirty="0">
                         <a:effectLst/>
                         <a:latin typeface="Calibri" panose="020F0502020204030204" pitchFamily="34" charset="0"/>
                         <a:ea typeface="Calibri" panose="020F0502020204030204" pitchFamily="34" charset="0"/>
@@ -22499,12 +22707,12 @@
                         </a:spcAft>
                       </a:pPr>
                       <a:r>
-                        <a:rPr lang="ru-RU" sz="1100">
+                        <a:rPr lang="ru-RU" sz="1100" dirty="0">
                           <a:effectLst/>
                         </a:rPr>
                         <a:t>11600,00</a:t>
                       </a:r>
-                      <a:endParaRPr lang="ru-RU" sz="1100">
+                      <a:endParaRPr lang="ru-RU" sz="1100" dirty="0">
                         <a:effectLst/>
                         <a:latin typeface="Calibri" panose="020F0502020204030204" pitchFamily="34" charset="0"/>
                         <a:ea typeface="Calibri" panose="020F0502020204030204" pitchFamily="34" charset="0"/>
@@ -22902,25 +23110,6 @@
           </a:p>
         </p:txBody>
       </p:sp>
-      <p:sp>
-        <p:nvSpPr>
-          <p:cNvPr id="7" name="Объект 6"/>
-          <p:cNvSpPr>
-            <a:spLocks noGrp="1"/>
-          </p:cNvSpPr>
-          <p:nvPr>
-            <p:ph idx="1"/>
-          </p:nvPr>
-        </p:nvSpPr>
-        <p:spPr/>
-        <p:txBody>
-          <a:bodyPr/>
-          <a:lstStyle/>
-          <a:p>
-            <a:endParaRPr lang="ru-RU"/>
-          </a:p>
-        </p:txBody>
-      </p:sp>
     </p:spTree>
     <p:extLst>
       <p:ext uri="{BB962C8B-B14F-4D97-AF65-F5344CB8AC3E}">

--- a/defence/презентация защита работы.pptx
+++ b/defence/презентация защита работы.pptx
@@ -13,6 +13,8 @@
     <p:sldId id="261" r:id="rId7"/>
     <p:sldId id="262" r:id="rId8"/>
     <p:sldId id="263" r:id="rId9"/>
+    <p:sldId id="264" r:id="rId10"/>
+    <p:sldId id="265" r:id="rId11"/>
   </p:sldIdLst>
   <p:sldSz cx="12192000" cy="6858000"/>
   <p:notesSz cx="6858000" cy="9144000"/>
@@ -5865,6 +5867,81 @@
 </p:sld>
 </file>
 
+<file path=ppt/slides/slide10.xml><?xml version="1.0" encoding="utf-8"?>
+<p:sld xmlns:a="http://schemas.openxmlformats.org/drawingml/2006/main" xmlns:r="http://schemas.openxmlformats.org/officeDocument/2006/relationships" xmlns:p="http://schemas.openxmlformats.org/presentationml/2006/main">
+  <p:cSld>
+    <p:spTree>
+      <p:nvGrpSpPr>
+        <p:cNvPr id="1" name=""/>
+        <p:cNvGrpSpPr/>
+        <p:nvPr/>
+      </p:nvGrpSpPr>
+      <p:grpSpPr>
+        <a:xfrm>
+          <a:off x="0" y="0"/>
+          <a:ext cx="0" cy="0"/>
+          <a:chOff x="0" y="0"/>
+          <a:chExt cx="0" cy="0"/>
+        </a:xfrm>
+      </p:grpSpPr>
+      <p:sp>
+        <p:nvSpPr>
+          <p:cNvPr id="2" name="Заголовок 1"/>
+          <p:cNvSpPr>
+            <a:spLocks noGrp="1"/>
+          </p:cNvSpPr>
+          <p:nvPr>
+            <p:ph type="title"/>
+          </p:nvPr>
+        </p:nvSpPr>
+        <p:spPr/>
+        <p:txBody>
+          <a:bodyPr/>
+          <a:lstStyle/>
+          <a:p>
+            <a:endParaRPr lang="ru-RU"/>
+          </a:p>
+        </p:txBody>
+      </p:sp>
+      <p:sp>
+        <p:nvSpPr>
+          <p:cNvPr id="3" name="Объект 2"/>
+          <p:cNvSpPr>
+            <a:spLocks noGrp="1"/>
+          </p:cNvSpPr>
+          <p:nvPr>
+            <p:ph idx="1"/>
+          </p:nvPr>
+        </p:nvSpPr>
+        <p:spPr/>
+        <p:txBody>
+          <a:bodyPr/>
+          <a:lstStyle/>
+          <a:p>
+            <a:endParaRPr lang="ru-RU"/>
+          </a:p>
+        </p:txBody>
+      </p:sp>
+    </p:spTree>
+    <p:extLst>
+      <p:ext uri="{BB962C8B-B14F-4D97-AF65-F5344CB8AC3E}">
+        <p14:creationId xmlns:p14="http://schemas.microsoft.com/office/powerpoint/2010/main" val="3345272165"/>
+      </p:ext>
+    </p:extLst>
+  </p:cSld>
+  <p:clrMapOvr>
+    <a:masterClrMapping/>
+  </p:clrMapOvr>
+  <p:timing>
+    <p:tnLst>
+      <p:par>
+        <p:cTn id="1" dur="indefinite" restart="never" nodeType="tmRoot"/>
+      </p:par>
+    </p:tnLst>
+  </p:timing>
+</p:sld>
+</file>
+
 <file path=ppt/slides/slide2.xml><?xml version="1.0" encoding="utf-8"?>
 <p:sld xmlns:a="http://schemas.openxmlformats.org/drawingml/2006/main" xmlns:r="http://schemas.openxmlformats.org/officeDocument/2006/relationships" xmlns:p="http://schemas.openxmlformats.org/presentationml/2006/main">
   <p:cSld>
@@ -7339,8 +7416,8 @@
           </p:sp>
         </mc:Fallback>
       </mc:AlternateContent>
-      <mc:AlternateContent xmlns:mc="http://schemas.openxmlformats.org/markup-compatibility/2006">
-        <mc:Choice xmlns:a14="http://schemas.microsoft.com/office/drawing/2010/main" Requires="a14">
+      <mc:AlternateContent xmlns:mc="http://schemas.openxmlformats.org/markup-compatibility/2006" xmlns:a14="http://schemas.microsoft.com/office/drawing/2010/main">
+        <mc:Choice Requires="a14">
           <p:sp>
             <p:nvSpPr>
               <p:cNvPr id="6" name="TextBox 5"/>
@@ -7577,13 +7654,7 @@
                           <a:rPr lang="en-US" sz="1200" b="0" i="1" smtClean="0">
                             <a:latin typeface="Cambria Math" panose="02040503050406030204" pitchFamily="18" charset="0"/>
                           </a:rPr>
-                          <m:t>𝑘</m:t>
-                        </m:r>
-                        <m:r>
-                          <a:rPr lang="en-US" sz="1200" b="0" i="1" smtClean="0">
-                            <a:latin typeface="Cambria Math" panose="02040503050406030204" pitchFamily="18" charset="0"/>
-                          </a:rPr>
-                          <m:t>𝑖</m:t>
+                          <m:t>𝑘𝑖</m:t>
                         </m:r>
                       </m:sub>
                     </m:sSub>
@@ -7881,7 +7952,7 @@
             </p:txBody>
           </p:sp>
         </mc:Choice>
-        <mc:Fallback>
+        <mc:Fallback xmlns="">
           <p:sp>
             <p:nvSpPr>
               <p:cNvPr id="6" name="TextBox 5"/>
@@ -8324,8 +8395,8 @@
           </a:prstGeom>
         </p:spPr>
       </p:pic>
-      <mc:AlternateContent xmlns:mc="http://schemas.openxmlformats.org/markup-compatibility/2006">
-        <mc:Choice xmlns:a14="http://schemas.microsoft.com/office/drawing/2010/main" Requires="a14">
+      <mc:AlternateContent xmlns:mc="http://schemas.openxmlformats.org/markup-compatibility/2006" xmlns:a14="http://schemas.microsoft.com/office/drawing/2010/main">
+        <mc:Choice Requires="a14">
           <p:sp>
             <p:nvSpPr>
               <p:cNvPr id="13" name="Прямоугольник 12"/>
@@ -8347,6 +8418,7 @@
               </a:bodyPr>
               <a:lstStyle/>
               <a:p>
+                <a:pPr/>
                 <a14:m>
                   <m:oMathPara xmlns:m="http://schemas.openxmlformats.org/officeDocument/2006/math">
                     <m:oMathParaPr>
@@ -9021,7 +9093,7 @@
             </p:txBody>
           </p:sp>
         </mc:Choice>
-        <mc:Fallback>
+        <mc:Fallback xmlns="">
           <p:sp>
             <p:nvSpPr>
               <p:cNvPr id="13" name="Прямоугольник 12"/>
@@ -9398,8 +9470,8 @@
           </a:p>
         </p:txBody>
       </p:sp>
-      <mc:AlternateContent xmlns:mc="http://schemas.openxmlformats.org/markup-compatibility/2006">
-        <mc:Choice xmlns:a14="http://schemas.microsoft.com/office/drawing/2010/main" Requires="a14">
+      <mc:AlternateContent xmlns:mc="http://schemas.openxmlformats.org/markup-compatibility/2006" xmlns:a14="http://schemas.microsoft.com/office/drawing/2010/main">
+        <mc:Choice Requires="a14">
           <p:sp>
             <p:nvSpPr>
               <p:cNvPr id="7" name="TextBox 6"/>
@@ -10290,7 +10362,7 @@
             </p:txBody>
           </p:sp>
         </mc:Choice>
-        <mc:Fallback>
+        <mc:Fallback xmlns="">
           <p:sp>
             <p:nvSpPr>
               <p:cNvPr id="7" name="TextBox 6"/>
@@ -10729,8 +10801,8 @@
           </p:sp>
         </mc:Fallback>
       </mc:AlternateContent>
-      <mc:AlternateContent xmlns:mc="http://schemas.openxmlformats.org/markup-compatibility/2006">
-        <mc:Choice xmlns:a14="http://schemas.microsoft.com/office/drawing/2010/main" Requires="a14">
+      <mc:AlternateContent xmlns:mc="http://schemas.openxmlformats.org/markup-compatibility/2006" xmlns:a14="http://schemas.microsoft.com/office/drawing/2010/main">
+        <mc:Choice Requires="a14">
           <p:sp>
             <p:nvSpPr>
               <p:cNvPr id="8" name="Выноска со стрелкой вверх 7"/>
@@ -10896,7 +10968,7 @@
             </p:txBody>
           </p:sp>
         </mc:Choice>
-        <mc:Fallback>
+        <mc:Fallback xmlns="">
           <p:sp>
             <p:nvSpPr>
               <p:cNvPr id="8" name="Выноска со стрелкой вверх 7"/>
@@ -11368,8 +11440,8 @@
           </a:graphicData>
         </a:graphic>
       </p:graphicFrame>
-      <mc:AlternateContent xmlns:mc="http://schemas.openxmlformats.org/markup-compatibility/2006" xmlns:a14="http://schemas.microsoft.com/office/drawing/2010/main">
-        <mc:Choice Requires="a14">
+      <mc:AlternateContent xmlns:mc="http://schemas.openxmlformats.org/markup-compatibility/2006">
+        <mc:Choice xmlns:a14="http://schemas.microsoft.com/office/drawing/2010/main" Requires="a14">
           <p:graphicFrame>
             <p:nvGraphicFramePr>
               <p:cNvPr id="5" name="Таблица 4"/>
@@ -11379,7 +11451,7 @@
               <p:nvPr>
                 <p:extLst>
                   <p:ext uri="{D42A27DB-BD31-4B8C-83A1-F6EECF244321}">
-                    <p14:modId xmlns:p14="http://schemas.microsoft.com/office/powerpoint/2010/main" val="3980621004"/>
+                    <p14:modId xmlns:p14="http://schemas.microsoft.com/office/powerpoint/2010/main" val="3742633646"/>
                   </p:ext>
                 </p:extLst>
               </p:nvPr>
@@ -11503,7 +11575,7 @@
             </a:graphic>
           </p:graphicFrame>
         </mc:Choice>
-        <mc:Fallback xmlns="">
+        <mc:Fallback>
           <p:graphicFrame>
             <p:nvGraphicFramePr>
               <p:cNvPr id="5" name="Таблица 4"/>
@@ -11513,7 +11585,7 @@
               <p:nvPr>
                 <p:extLst>
                   <p:ext uri="{D42A27DB-BD31-4B8C-83A1-F6EECF244321}">
-                    <p14:modId xmlns:p14="http://schemas.microsoft.com/office/powerpoint/2010/main" val="3980621004"/>
+                    <p14:modId xmlns:p14="http://schemas.microsoft.com/office/powerpoint/2010/main" val="3742633646"/>
                   </p:ext>
                 </p:extLst>
               </p:nvPr>
@@ -11553,15 +11625,7 @@
                                 <a:schemeClr val="tx1"/>
                               </a:solidFill>
                             </a:rPr>
-                            <a:t> </a:t>
-                          </a:r>
-                          <a:r>
-                            <a:rPr lang="ru-RU" baseline="0" dirty="0" smtClean="0">
-                              <a:solidFill>
-                                <a:schemeClr val="tx1"/>
-                              </a:solidFill>
-                            </a:rPr>
-                            <a:t>показателей</a:t>
+                            <a:t> показателей</a:t>
                           </a:r>
                           <a:endParaRPr lang="ru-RU" dirty="0">
                             <a:solidFill>
@@ -11596,8 +11660,8 @@
           </p:graphicFrame>
         </mc:Fallback>
       </mc:AlternateContent>
-      <mc:AlternateContent xmlns:mc="http://schemas.openxmlformats.org/markup-compatibility/2006" xmlns:a14="http://schemas.microsoft.com/office/drawing/2010/main">
-        <mc:Choice Requires="a14">
+      <mc:AlternateContent xmlns:mc="http://schemas.openxmlformats.org/markup-compatibility/2006">
+        <mc:Choice xmlns:a14="http://schemas.microsoft.com/office/drawing/2010/main" Requires="a14">
           <p:graphicFrame>
             <p:nvGraphicFramePr>
               <p:cNvPr id="6" name="Таблица 5"/>
@@ -11830,7 +11894,7 @@
             </a:graphic>
           </p:graphicFrame>
         </mc:Choice>
-        <mc:Fallback xmlns="">
+        <mc:Fallback>
           <p:graphicFrame>
             <p:nvGraphicFramePr>
               <p:cNvPr id="6" name="Таблица 5"/>
@@ -11896,15 +11960,7 @@
                                 <a:schemeClr val="tx1"/>
                               </a:solidFill>
                             </a:rPr>
-                            <a:t> </a:t>
-                          </a:r>
-                          <a:r>
-                            <a:rPr lang="ru-RU" baseline="0" dirty="0" smtClean="0">
-                              <a:solidFill>
-                                <a:schemeClr val="tx1"/>
-                              </a:solidFill>
-                            </a:rPr>
-                            <a:t>показателей</a:t>
+                            <a:t> показателей</a:t>
                           </a:r>
                           <a:endParaRPr lang="ru-RU" dirty="0" smtClean="0">
                             <a:solidFill>
@@ -11939,8 +11995,8 @@
           </p:graphicFrame>
         </mc:Fallback>
       </mc:AlternateContent>
-      <mc:AlternateContent xmlns:mc="http://schemas.openxmlformats.org/markup-compatibility/2006" xmlns:a14="http://schemas.microsoft.com/office/drawing/2010/main">
-        <mc:Choice Requires="a14">
+      <mc:AlternateContent xmlns:mc="http://schemas.openxmlformats.org/markup-compatibility/2006">
+        <mc:Choice xmlns:a14="http://schemas.microsoft.com/office/drawing/2010/main" Requires="a14">
           <p:graphicFrame>
             <p:nvGraphicFramePr>
               <p:cNvPr id="12" name="Таблица 11"/>
@@ -12321,7 +12377,7 @@
             </a:graphic>
           </p:graphicFrame>
         </mc:Choice>
-        <mc:Fallback xmlns="">
+        <mc:Fallback>
           <p:graphicFrame>
             <p:nvGraphicFramePr>
               <p:cNvPr id="12" name="Таблица 11"/>
@@ -12389,15 +12445,7 @@
                                 <a:sysClr val="windowText" lastClr="000000"/>
                               </a:solidFill>
                             </a:rPr>
-                            <a:t> </a:t>
-                          </a:r>
-                          <a:r>
-                            <a:rPr lang="ru-RU" baseline="0" dirty="0" smtClean="0">
-                              <a:solidFill>
-                                <a:sysClr val="windowText" lastClr="000000"/>
-                              </a:solidFill>
-                            </a:rPr>
-                            <a:t>показателей</a:t>
+                            <a:t> показателей</a:t>
                           </a:r>
                           <a:endParaRPr lang="ru-RU" dirty="0" smtClean="0">
                             <a:solidFill>
@@ -12513,13 +12561,8 @@
                           </a:pPr>
                           <a:r>
                             <a:rPr lang="ru-RU" dirty="0" smtClean="0"/>
-                            <a:t>14 </a:t>
+                            <a:t>14 числовых</a:t>
                           </a:r>
-                          <a:r>
-                            <a:rPr lang="ru-RU" dirty="0" smtClean="0"/>
-                            <a:t>числовых</a:t>
-                          </a:r>
-                          <a:endParaRPr lang="ru-RU" dirty="0" smtClean="0"/>
                         </a:p>
                       </a:txBody>
                       <a:tcPr anchor="ctr">
@@ -12552,13 +12595,8 @@
                           </a:pPr>
                           <a:r>
                             <a:rPr lang="ru-RU" dirty="0" smtClean="0"/>
-                            <a:t>23 </a:t>
+                            <a:t>23 категориальных</a:t>
                           </a:r>
-                          <a:r>
-                            <a:rPr lang="ru-RU" dirty="0" smtClean="0"/>
-                            <a:t>категориальных</a:t>
-                          </a:r>
-                          <a:endParaRPr lang="ru-RU" dirty="0" smtClean="0"/>
                         </a:p>
                       </a:txBody>
                       <a:tcPr anchor="ctr">
@@ -12592,8 +12630,8 @@
           </p:graphicFrame>
         </mc:Fallback>
       </mc:AlternateContent>
-      <mc:AlternateContent xmlns:mc="http://schemas.openxmlformats.org/markup-compatibility/2006" xmlns:a14="http://schemas.microsoft.com/office/drawing/2010/main">
-        <mc:Choice Requires="a14">
+      <mc:AlternateContent xmlns:mc="http://schemas.openxmlformats.org/markup-compatibility/2006">
+        <mc:Choice xmlns:a14="http://schemas.microsoft.com/office/drawing/2010/main" Requires="a14">
           <p:graphicFrame>
             <p:nvGraphicFramePr>
               <p:cNvPr id="13" name="Таблица 12"/>
@@ -12928,7 +12966,7 @@
             </a:graphic>
           </p:graphicFrame>
         </mc:Choice>
-        <mc:Fallback xmlns="">
+        <mc:Fallback>
           <p:graphicFrame>
             <p:nvGraphicFramePr>
               <p:cNvPr id="13" name="Таблица 12"/>
@@ -12995,15 +13033,7 @@
                                 <a:sysClr val="windowText" lastClr="000000"/>
                               </a:solidFill>
                             </a:rPr>
-                            <a:t> </a:t>
-                          </a:r>
-                          <a:r>
-                            <a:rPr lang="ru-RU" baseline="0" dirty="0" smtClean="0">
-                              <a:solidFill>
-                                <a:sysClr val="windowText" lastClr="000000"/>
-                              </a:solidFill>
-                            </a:rPr>
-                            <a:t>показателей</a:t>
+                            <a:t> показателей</a:t>
                           </a:r>
                           <a:endParaRPr lang="ru-RU" dirty="0" smtClean="0">
                             <a:solidFill>
@@ -13074,13 +13104,8 @@
                           </a:pPr>
                           <a:r>
                             <a:rPr lang="ru-RU" dirty="0" smtClean="0"/>
-                            <a:t>21 </a:t>
+                            <a:t>21 числовых</a:t>
                           </a:r>
-                          <a:r>
-                            <a:rPr lang="ru-RU" dirty="0" smtClean="0"/>
-                            <a:t>числовых</a:t>
-                          </a:r>
-                          <a:endParaRPr lang="ru-RU" dirty="0" smtClean="0"/>
                         </a:p>
                       </a:txBody>
                       <a:tcPr anchor="ctr">
@@ -13113,13 +13138,8 @@
                           </a:pPr>
                           <a:r>
                             <a:rPr lang="ru-RU" dirty="0" smtClean="0"/>
-                            <a:t>23 </a:t>
+                            <a:t>23 категориальных</a:t>
                           </a:r>
-                          <a:r>
-                            <a:rPr lang="ru-RU" dirty="0" smtClean="0"/>
-                            <a:t>категориальных</a:t>
-                          </a:r>
-                          <a:endParaRPr lang="ru-RU" dirty="0" smtClean="0"/>
                         </a:p>
                       </a:txBody>
                       <a:tcPr anchor="ctr">
@@ -13153,8 +13173,8 @@
           </p:graphicFrame>
         </mc:Fallback>
       </mc:AlternateContent>
-      <mc:AlternateContent xmlns:mc="http://schemas.openxmlformats.org/markup-compatibility/2006" xmlns:a14="http://schemas.microsoft.com/office/drawing/2010/main">
-        <mc:Choice Requires="a14">
+      <mc:AlternateContent xmlns:mc="http://schemas.openxmlformats.org/markup-compatibility/2006">
+        <mc:Choice xmlns:a14="http://schemas.microsoft.com/office/drawing/2010/main" Requires="a14">
           <p:graphicFrame>
             <p:nvGraphicFramePr>
               <p:cNvPr id="9" name="Таблица 8"/>
@@ -13489,7 +13509,7 @@
             </a:graphic>
           </p:graphicFrame>
         </mc:Choice>
-        <mc:Fallback xmlns="">
+        <mc:Fallback>
           <p:graphicFrame>
             <p:nvGraphicFramePr>
               <p:cNvPr id="9" name="Таблица 8"/>
@@ -13556,15 +13576,7 @@
                                 <a:sysClr val="windowText" lastClr="000000"/>
                               </a:solidFill>
                             </a:rPr>
-                            <a:t> </a:t>
-                          </a:r>
-                          <a:r>
-                            <a:rPr lang="ru-RU" baseline="0" dirty="0" smtClean="0">
-                              <a:solidFill>
-                                <a:sysClr val="windowText" lastClr="000000"/>
-                              </a:solidFill>
-                            </a:rPr>
-                            <a:t>показателей</a:t>
+                            <a:t> показателей</a:t>
                           </a:r>
                           <a:endParaRPr lang="ru-RU" dirty="0" smtClean="0">
                             <a:solidFill>
@@ -13635,13 +13647,8 @@
                           </a:pPr>
                           <a:r>
                             <a:rPr lang="ru-RU" dirty="0" smtClean="0"/>
-                            <a:t>21 </a:t>
+                            <a:t>21 числовых</a:t>
                           </a:r>
-                          <a:r>
-                            <a:rPr lang="ru-RU" dirty="0" smtClean="0"/>
-                            <a:t>числовых</a:t>
-                          </a:r>
-                          <a:endParaRPr lang="ru-RU" dirty="0" smtClean="0"/>
                         </a:p>
                       </a:txBody>
                       <a:tcPr anchor="ctr">
@@ -13769,8 +13776,8 @@
           </a:p>
         </p:txBody>
       </p:sp>
-      <mc:AlternateContent xmlns:mc="http://schemas.openxmlformats.org/markup-compatibility/2006" xmlns:a14="http://schemas.microsoft.com/office/drawing/2010/main">
-        <mc:Choice Requires="a14">
+      <mc:AlternateContent xmlns:mc="http://schemas.openxmlformats.org/markup-compatibility/2006">
+        <mc:Choice xmlns:a14="http://schemas.microsoft.com/office/drawing/2010/main" Requires="a14">
           <p:graphicFrame>
             <p:nvGraphicFramePr>
               <p:cNvPr id="18" name="Таблица 17"/>
@@ -14097,7 +14104,7 @@
             </a:graphic>
           </p:graphicFrame>
         </mc:Choice>
-        <mc:Fallback xmlns="">
+        <mc:Fallback>
           <p:graphicFrame>
             <p:nvGraphicFramePr>
               <p:cNvPr id="18" name="Таблица 17"/>
@@ -14386,8 +14393,8 @@
           </a:p>
         </p:txBody>
       </p:sp>
-      <mc:AlternateContent xmlns:mc="http://schemas.openxmlformats.org/markup-compatibility/2006" xmlns:a14="http://schemas.microsoft.com/office/drawing/2010/main">
-        <mc:Choice Requires="a14">
+      <mc:AlternateContent xmlns:mc="http://schemas.openxmlformats.org/markup-compatibility/2006">
+        <mc:Choice xmlns:a14="http://schemas.microsoft.com/office/drawing/2010/main" Requires="a14">
           <p:graphicFrame>
             <p:nvGraphicFramePr>
               <p:cNvPr id="17" name="Таблица 16"/>
@@ -14397,7 +14404,7 @@
               <p:nvPr>
                 <p:extLst>
                   <p:ext uri="{D42A27DB-BD31-4B8C-83A1-F6EECF244321}">
-                    <p14:modId xmlns:p14="http://schemas.microsoft.com/office/powerpoint/2010/main" val="3541442149"/>
+                    <p14:modId xmlns:p14="http://schemas.microsoft.com/office/powerpoint/2010/main" val="3544440430"/>
                   </p:ext>
                 </p:extLst>
               </p:nvPr>
@@ -14730,7 +14737,7 @@
             </a:graphic>
           </p:graphicFrame>
         </mc:Choice>
-        <mc:Fallback xmlns="">
+        <mc:Fallback>
           <p:graphicFrame>
             <p:nvGraphicFramePr>
               <p:cNvPr id="17" name="Таблица 16"/>
@@ -14740,7 +14747,7 @@
               <p:nvPr>
                 <p:extLst>
                   <p:ext uri="{D42A27DB-BD31-4B8C-83A1-F6EECF244321}">
-                    <p14:modId xmlns:p14="http://schemas.microsoft.com/office/powerpoint/2010/main" val="3541442149"/>
+                    <p14:modId xmlns:p14="http://schemas.microsoft.com/office/powerpoint/2010/main" val="3544440430"/>
                   </p:ext>
                 </p:extLst>
               </p:nvPr>
@@ -14872,11 +14879,7 @@
                           </a:r>
                           <a:r>
                             <a:rPr lang="ru-RU" dirty="0" smtClean="0"/>
-                            <a:t> </a:t>
-                          </a:r>
-                          <a:r>
-                            <a:rPr lang="ru-RU" dirty="0" smtClean="0"/>
-                            <a:t>числовых</a:t>
+                            <a:t> числовых</a:t>
                           </a:r>
                         </a:p>
                       </a:txBody>
@@ -14914,11 +14917,7 @@
                           </a:r>
                           <a:r>
                             <a:rPr lang="ru-RU" dirty="0" smtClean="0"/>
-                            <a:t> </a:t>
-                          </a:r>
-                          <a:r>
-                            <a:rPr lang="ru-RU" dirty="0" smtClean="0"/>
-                            <a:t>категориальных</a:t>
+                            <a:t> категориальных</a:t>
                           </a:r>
                         </a:p>
                       </a:txBody>
@@ -16541,59 +16540,6 @@
                       </p:childTnLst>
                     </p:cTn>
                   </p:par>
-                  <p:par>
-                    <p:cTn id="115" fill="hold">
-                      <p:stCondLst>
-                        <p:cond delay="indefinite"/>
-                      </p:stCondLst>
-                      <p:childTnLst>
-                        <p:par>
-                          <p:cTn id="116" fill="hold">
-                            <p:stCondLst>
-                              <p:cond delay="0"/>
-                            </p:stCondLst>
-                            <p:childTnLst>
-                              <p:par>
-                                <p:cTn id="117" presetID="10" presetClass="exit" presetSubtype="0" fill="hold" nodeType="clickEffect">
-                                  <p:stCondLst>
-                                    <p:cond delay="0"/>
-                                  </p:stCondLst>
-                                  <p:childTnLst>
-                                    <p:animEffect transition="out" filter="fade">
-                                      <p:cBhvr>
-                                        <p:cTn id="118" dur="500"/>
-                                        <p:tgtEl>
-                                          <p:spTgt spid="17"/>
-                                        </p:tgtEl>
-                                      </p:cBhvr>
-                                    </p:animEffect>
-                                    <p:set>
-                                      <p:cBhvr>
-                                        <p:cTn id="119" dur="1" fill="hold">
-                                          <p:stCondLst>
-                                            <p:cond delay="499"/>
-                                          </p:stCondLst>
-                                        </p:cTn>
-                                        <p:tgtEl>
-                                          <p:spTgt spid="17"/>
-                                        </p:tgtEl>
-                                        <p:attrNameLst>
-                                          <p:attrName>style.visibility</p:attrName>
-                                        </p:attrNameLst>
-                                      </p:cBhvr>
-                                      <p:to>
-                                        <p:strVal val="hidden"/>
-                                      </p:to>
-                                    </p:set>
-                                  </p:childTnLst>
-                                </p:cTn>
-                              </p:par>
-                            </p:childTnLst>
-                          </p:cTn>
-                        </p:par>
-                      </p:childTnLst>
-                    </p:cTn>
-                  </p:par>
                 </p:childTnLst>
               </p:cTn>
               <p:prevCondLst>
@@ -16692,13 +16638,13 @@
             <p:ph idx="1"/>
             <p:extLst>
               <p:ext uri="{D42A27DB-BD31-4B8C-83A1-F6EECF244321}">
-                <p14:modId xmlns:p14="http://schemas.microsoft.com/office/powerpoint/2010/main" val="2000109658"/>
+                <p14:modId xmlns:p14="http://schemas.microsoft.com/office/powerpoint/2010/main" val="3657571353"/>
               </p:ext>
             </p:extLst>
           </p:nvPr>
         </p:nvGraphicFramePr>
         <p:xfrm>
-          <a:off x="2401548" y="1991823"/>
+          <a:off x="1236777" y="1806766"/>
           <a:ext cx="7388904" cy="2874354"/>
         </p:xfrm>
         <a:graphic>
@@ -18567,13 +18513,13 @@
           <p:nvPr>
             <p:extLst>
               <p:ext uri="{D42A27DB-BD31-4B8C-83A1-F6EECF244321}">
-                <p14:modId xmlns:p14="http://schemas.microsoft.com/office/powerpoint/2010/main" val="1437253165"/>
+                <p14:modId xmlns:p14="http://schemas.microsoft.com/office/powerpoint/2010/main" val="3247644209"/>
               </p:ext>
             </p:extLst>
           </p:nvPr>
         </p:nvGraphicFramePr>
         <p:xfrm>
-          <a:off x="2401548" y="1991823"/>
+          <a:off x="1236777" y="1806766"/>
           <a:ext cx="7388904" cy="2874354"/>
         </p:xfrm>
         <a:graphic>
@@ -20517,8 +20463,8 @@
           </a:graphicData>
         </a:graphic>
       </p:graphicFrame>
-      <mc:AlternateContent xmlns:mc="http://schemas.openxmlformats.org/markup-compatibility/2006" xmlns:a14="http://schemas.microsoft.com/office/drawing/2010/main">
-        <mc:Choice Requires="a14">
+      <mc:AlternateContent xmlns:mc="http://schemas.openxmlformats.org/markup-compatibility/2006">
+        <mc:Choice xmlns:a14="http://schemas.microsoft.com/office/drawing/2010/main" Requires="a14">
           <p:sp>
             <p:nvSpPr>
               <p:cNvPr id="6" name="Прямоугольник 5"/>
@@ -20527,7 +20473,7 @@
             </p:nvSpPr>
             <p:spPr>
               <a:xfrm>
-                <a:off x="3809377" y="5405643"/>
+                <a:off x="2644606" y="5220586"/>
                 <a:ext cx="4554773" cy="369332"/>
               </a:xfrm>
               <a:prstGeom prst="rect">
@@ -20770,7 +20716,7 @@
             </p:txBody>
           </p:sp>
         </mc:Choice>
-        <mc:Fallback xmlns="">
+        <mc:Fallback>
           <p:sp>
             <p:nvSpPr>
               <p:cNvPr id="6" name="Прямоугольник 5"/>
@@ -20781,7 +20727,7 @@
             </p:nvSpPr>
             <p:spPr>
               <a:xfrm>
-                <a:off x="3809377" y="5405643"/>
+                <a:off x="2644606" y="5220586"/>
                 <a:ext cx="4554773" cy="369332"/>
               </a:xfrm>
               <a:prstGeom prst="rect">
@@ -20790,7 +20736,7 @@
               <a:blipFill rotWithShape="0">
                 <a:blip r:embed="rId2"/>
                 <a:stretch>
-                  <a:fillRect b="-1667"/>
+                  <a:fillRect b="-1639"/>
                 </a:stretch>
               </a:blipFill>
             </p:spPr>
@@ -20809,8 +20755,8 @@
           </p:sp>
         </mc:Fallback>
       </mc:AlternateContent>
-      <mc:AlternateContent xmlns:mc="http://schemas.openxmlformats.org/markup-compatibility/2006" xmlns:a14="http://schemas.microsoft.com/office/drawing/2010/main">
-        <mc:Choice Requires="a14">
+      <mc:AlternateContent xmlns:mc="http://schemas.openxmlformats.org/markup-compatibility/2006">
+        <mc:Choice xmlns:a14="http://schemas.microsoft.com/office/drawing/2010/main" Requires="a14">
           <p:sp>
             <p:nvSpPr>
               <p:cNvPr id="8" name="Прямоугольник 7"/>
@@ -20819,7 +20765,7 @@
             </p:nvSpPr>
             <p:spPr>
               <a:xfrm>
-                <a:off x="4656916" y="5411507"/>
+                <a:off x="3492145" y="5226450"/>
                 <a:ext cx="2656496" cy="369332"/>
               </a:xfrm>
               <a:prstGeom prst="rect">
@@ -20970,7 +20916,7 @@
             </p:txBody>
           </p:sp>
         </mc:Choice>
-        <mc:Fallback xmlns="">
+        <mc:Fallback>
           <p:sp>
             <p:nvSpPr>
               <p:cNvPr id="8" name="Прямоугольник 7"/>
@@ -20981,7 +20927,7 @@
             </p:nvSpPr>
             <p:spPr>
               <a:xfrm>
-                <a:off x="4656916" y="5411507"/>
+                <a:off x="3492145" y="5226450"/>
                 <a:ext cx="2656496" cy="369332"/>
               </a:xfrm>
               <a:prstGeom prst="rect">
@@ -20990,7 +20936,7 @@
               <a:blipFill rotWithShape="0">
                 <a:blip r:embed="rId3"/>
                 <a:stretch>
-                  <a:fillRect b="-1667"/>
+                  <a:fillRect b="-1639"/>
                 </a:stretch>
               </a:blipFill>
             </p:spPr>
@@ -21018,13 +20964,13 @@
           <p:nvPr>
             <p:extLst>
               <p:ext uri="{D42A27DB-BD31-4B8C-83A1-F6EECF244321}">
-                <p14:modId xmlns:p14="http://schemas.microsoft.com/office/powerpoint/2010/main" val="176325751"/>
+                <p14:modId xmlns:p14="http://schemas.microsoft.com/office/powerpoint/2010/main" val="14166649"/>
               </p:ext>
             </p:extLst>
           </p:nvPr>
         </p:nvGraphicFramePr>
         <p:xfrm>
-          <a:off x="2409499" y="1996084"/>
+          <a:off x="1244728" y="1811027"/>
           <a:ext cx="7373003" cy="2865833"/>
         </p:xfrm>
         <a:graphic>
@@ -21231,12 +21177,12 @@
                         </a:spcAft>
                       </a:pPr>
                       <a:r>
-                        <a:rPr lang="ru-RU" sz="1100">
+                        <a:rPr lang="ru-RU" sz="1100" dirty="0">
                           <a:effectLst/>
                         </a:rPr>
                         <a:t>Ежедневный платеж</a:t>
                       </a:r>
-                      <a:endParaRPr lang="ru-RU" sz="1100">
+                      <a:endParaRPr lang="ru-RU" sz="1100" dirty="0">
                         <a:effectLst/>
                         <a:latin typeface="Calibri" panose="020F0502020204030204" pitchFamily="34" charset="0"/>
                         <a:ea typeface="Calibri" panose="020F0502020204030204" pitchFamily="34" charset="0"/>
@@ -23110,6 +23056,320 @@
           </a:p>
         </p:txBody>
       </p:sp>
+      <p:pic>
+        <p:nvPicPr>
+          <p:cNvPr id="4" name="Рисунок 3"/>
+          <p:cNvPicPr>
+            <a:picLocks noChangeAspect="1"/>
+          </p:cNvPicPr>
+          <p:nvPr/>
+        </p:nvPicPr>
+        <p:blipFill>
+          <a:blip r:embed="rId2">
+            <a:extLst>
+              <a:ext uri="{28A0092B-C50C-407E-A947-70E740481C1C}">
+                <a14:useLocalDpi xmlns:a14="http://schemas.microsoft.com/office/drawing/2010/main" val="0"/>
+              </a:ext>
+            </a:extLst>
+          </a:blip>
+          <a:stretch>
+            <a:fillRect/>
+          </a:stretch>
+        </p:blipFill>
+        <p:spPr>
+          <a:xfrm>
+            <a:off x="1468018" y="1320800"/>
+            <a:ext cx="5814525" cy="4360894"/>
+          </a:xfrm>
+          <a:prstGeom prst="rect">
+            <a:avLst/>
+          </a:prstGeom>
+        </p:spPr>
+      </p:pic>
+      <mc:AlternateContent xmlns:mc="http://schemas.openxmlformats.org/markup-compatibility/2006">
+        <mc:Choice xmlns:a14="http://schemas.microsoft.com/office/drawing/2010/main" Requires="a14">
+          <p:sp>
+            <p:nvSpPr>
+              <p:cNvPr id="5" name="TextBox 4"/>
+              <p:cNvSpPr txBox="1"/>
+              <p:nvPr/>
+            </p:nvSpPr>
+            <p:spPr>
+              <a:xfrm>
+                <a:off x="2726871" y="5681694"/>
+                <a:ext cx="2920479" cy="318164"/>
+              </a:xfrm>
+              <a:prstGeom prst="rect">
+                <a:avLst/>
+              </a:prstGeom>
+              <a:noFill/>
+            </p:spPr>
+            <p:txBody>
+              <a:bodyPr wrap="none" lIns="0" tIns="0" rIns="0" bIns="0" rtlCol="0">
+                <a:spAutoFit/>
+              </a:bodyPr>
+              <a:lstStyle/>
+              <a:p>
+                <a14:m>
+                  <m:oMathPara xmlns:m="http://schemas.openxmlformats.org/officeDocument/2006/math">
+                    <m:oMathParaPr>
+                      <m:jc m:val="centerGroup"/>
+                    </m:oMathParaPr>
+                    <m:oMath xmlns:m="http://schemas.openxmlformats.org/officeDocument/2006/math">
+                      <m:r>
+                        <a:rPr lang="en-US" b="0" i="1" smtClean="0">
+                          <a:latin typeface="Cambria Math" panose="02040503050406030204" pitchFamily="18" charset="0"/>
+                        </a:rPr>
+                        <m:t>𝐾𝑆</m:t>
+                      </m:r>
+                      <m:r>
+                        <a:rPr lang="en-US" b="0" i="1" smtClean="0">
+                          <a:latin typeface="Cambria Math" panose="02040503050406030204" pitchFamily="18" charset="0"/>
+                        </a:rPr>
+                        <m:t>=</m:t>
+                      </m:r>
+                      <m:sSub>
+                        <m:sSubPr>
+                          <m:ctrlPr>
+                            <a:rPr lang="en-US" b="0" i="1" smtClean="0">
+                              <a:latin typeface="Cambria Math" panose="02040503050406030204" pitchFamily="18" charset="0"/>
+                            </a:rPr>
+                          </m:ctrlPr>
+                        </m:sSubPr>
+                        <m:e>
+                          <m:r>
+                            <a:rPr lang="en-US" b="0" i="1" smtClean="0">
+                              <a:latin typeface="Cambria Math" panose="02040503050406030204" pitchFamily="18" charset="0"/>
+                            </a:rPr>
+                            <m:t>𝑚𝑎𝑥</m:t>
+                          </m:r>
+                        </m:e>
+                        <m:sub>
+                          <m:r>
+                            <a:rPr lang="en-US" b="0" i="1" smtClean="0">
+                              <a:latin typeface="Cambria Math" panose="02040503050406030204" pitchFamily="18" charset="0"/>
+                            </a:rPr>
+                            <m:t>𝑝</m:t>
+                          </m:r>
+                        </m:sub>
+                      </m:sSub>
+                      <m:r>
+                        <a:rPr lang="en-US" b="0" i="1" smtClean="0">
+                          <a:latin typeface="Cambria Math" panose="02040503050406030204" pitchFamily="18" charset="0"/>
+                        </a:rPr>
+                        <m:t>⁡(</m:t>
+                      </m:r>
+                      <m:d>
+                        <m:dPr>
+                          <m:begChr m:val="|"/>
+                          <m:endChr m:val="|"/>
+                          <m:ctrlPr>
+                            <a:rPr lang="en-US" b="0" i="1" smtClean="0">
+                              <a:latin typeface="Cambria Math" panose="02040503050406030204" pitchFamily="18" charset="0"/>
+                            </a:rPr>
+                          </m:ctrlPr>
+                        </m:dPr>
+                        <m:e>
+                          <m:sSub>
+                            <m:sSubPr>
+                              <m:ctrlPr>
+                                <a:rPr lang="en-US" b="0" i="1" smtClean="0">
+                                  <a:latin typeface="Cambria Math" panose="02040503050406030204" pitchFamily="18" charset="0"/>
+                                </a:rPr>
+                              </m:ctrlPr>
+                            </m:sSubPr>
+                            <m:e>
+                              <m:acc>
+                                <m:accPr>
+                                  <m:chr m:val="̂"/>
+                                  <m:ctrlPr>
+                                    <a:rPr lang="en-US" b="0" i="1" smtClean="0">
+                                      <a:latin typeface="Cambria Math" panose="02040503050406030204" pitchFamily="18" charset="0"/>
+                                    </a:rPr>
+                                  </m:ctrlPr>
+                                </m:accPr>
+                                <m:e>
+                                  <m:r>
+                                    <a:rPr lang="en-US" b="0" i="1" smtClean="0">
+                                      <a:latin typeface="Cambria Math" panose="02040503050406030204" pitchFamily="18" charset="0"/>
+                                    </a:rPr>
+                                    <m:t>𝐹</m:t>
+                                  </m:r>
+                                </m:e>
+                              </m:acc>
+                            </m:e>
+                            <m:sub>
+                              <m:r>
+                                <a:rPr lang="en-US" b="0" i="1" smtClean="0">
+                                  <a:latin typeface="Cambria Math" panose="02040503050406030204" pitchFamily="18" charset="0"/>
+                                </a:rPr>
+                                <m:t>0</m:t>
+                              </m:r>
+                            </m:sub>
+                          </m:sSub>
+                          <m:d>
+                            <m:dPr>
+                              <m:ctrlPr>
+                                <a:rPr lang="en-US" b="0" i="1" smtClean="0">
+                                  <a:latin typeface="Cambria Math" panose="02040503050406030204" pitchFamily="18" charset="0"/>
+                                </a:rPr>
+                              </m:ctrlPr>
+                            </m:dPr>
+                            <m:e>
+                              <m:r>
+                                <a:rPr lang="en-US" b="0" i="1" smtClean="0">
+                                  <a:latin typeface="Cambria Math" panose="02040503050406030204" pitchFamily="18" charset="0"/>
+                                </a:rPr>
+                                <m:t>𝑝</m:t>
+                              </m:r>
+                            </m:e>
+                          </m:d>
+                          <m:r>
+                            <a:rPr lang="en-US" b="0" i="1" smtClean="0">
+                              <a:latin typeface="Cambria Math" panose="02040503050406030204" pitchFamily="18" charset="0"/>
+                            </a:rPr>
+                            <m:t>−</m:t>
+                          </m:r>
+                          <m:sSub>
+                            <m:sSubPr>
+                              <m:ctrlPr>
+                                <a:rPr lang="en-US" b="0" i="1" smtClean="0">
+                                  <a:latin typeface="Cambria Math" panose="02040503050406030204" pitchFamily="18" charset="0"/>
+                                </a:rPr>
+                              </m:ctrlPr>
+                            </m:sSubPr>
+                            <m:e>
+                              <m:acc>
+                                <m:accPr>
+                                  <m:chr m:val="̂"/>
+                                  <m:ctrlPr>
+                                    <a:rPr lang="en-US" b="0" i="1" smtClean="0">
+                                      <a:latin typeface="Cambria Math" panose="02040503050406030204" pitchFamily="18" charset="0"/>
+                                    </a:rPr>
+                                  </m:ctrlPr>
+                                </m:accPr>
+                                <m:e>
+                                  <m:r>
+                                    <a:rPr lang="en-US" b="0" i="1" smtClean="0">
+                                      <a:latin typeface="Cambria Math" panose="02040503050406030204" pitchFamily="18" charset="0"/>
+                                    </a:rPr>
+                                    <m:t>𝐹</m:t>
+                                  </m:r>
+                                </m:e>
+                              </m:acc>
+                            </m:e>
+                            <m:sub>
+                              <m:r>
+                                <a:rPr lang="en-US" b="0" i="1" smtClean="0">
+                                  <a:latin typeface="Cambria Math" panose="02040503050406030204" pitchFamily="18" charset="0"/>
+                                </a:rPr>
+                                <m:t>1</m:t>
+                              </m:r>
+                            </m:sub>
+                          </m:sSub>
+                          <m:r>
+                            <a:rPr lang="en-US" b="0" i="1" smtClean="0">
+                              <a:latin typeface="Cambria Math" panose="02040503050406030204" pitchFamily="18" charset="0"/>
+                            </a:rPr>
+                            <m:t>(</m:t>
+                          </m:r>
+                          <m:r>
+                            <a:rPr lang="en-US" b="0" i="1" smtClean="0">
+                              <a:latin typeface="Cambria Math" panose="02040503050406030204" pitchFamily="18" charset="0"/>
+                            </a:rPr>
+                            <m:t>𝑝</m:t>
+                          </m:r>
+                          <m:r>
+                            <a:rPr lang="en-US" b="0" i="1" smtClean="0">
+                              <a:latin typeface="Cambria Math" panose="02040503050406030204" pitchFamily="18" charset="0"/>
+                            </a:rPr>
+                            <m:t>)</m:t>
+                          </m:r>
+                        </m:e>
+                      </m:d>
+                      <m:r>
+                        <a:rPr lang="en-US" b="0" i="1" smtClean="0">
+                          <a:latin typeface="Cambria Math" panose="02040503050406030204" pitchFamily="18" charset="0"/>
+                        </a:rPr>
+                        <m:t>)</m:t>
+                      </m:r>
+                    </m:oMath>
+                  </m:oMathPara>
+                </a14:m>
+                <a:endParaRPr lang="ru-RU" dirty="0"/>
+              </a:p>
+            </p:txBody>
+          </p:sp>
+        </mc:Choice>
+        <mc:Fallback>
+          <p:sp>
+            <p:nvSpPr>
+              <p:cNvPr id="5" name="TextBox 4"/>
+              <p:cNvSpPr txBox="1">
+                <a:spLocks noRot="1" noChangeAspect="1" noMove="1" noResize="1" noEditPoints="1" noAdjustHandles="1" noChangeArrowheads="1" noChangeShapeType="1" noTextEdit="1"/>
+              </p:cNvSpPr>
+              <p:nvPr/>
+            </p:nvSpPr>
+            <p:spPr>
+              <a:xfrm>
+                <a:off x="2726871" y="5681694"/>
+                <a:ext cx="2920479" cy="318164"/>
+              </a:xfrm>
+              <a:prstGeom prst="rect">
+                <a:avLst/>
+              </a:prstGeom>
+              <a:blipFill rotWithShape="0">
+                <a:blip r:embed="rId3"/>
+                <a:stretch>
+                  <a:fillRect l="-1044" t="-11538" r="-2296" b="-25000"/>
+                </a:stretch>
+              </a:blipFill>
+            </p:spPr>
+            <p:txBody>
+              <a:bodyPr/>
+              <a:lstStyle/>
+              <a:p>
+                <a:r>
+                  <a:rPr lang="ru-RU">
+                    <a:noFill/>
+                  </a:rPr>
+                  <a:t> </a:t>
+                </a:r>
+              </a:p>
+            </p:txBody>
+          </p:sp>
+        </mc:Fallback>
+      </mc:AlternateContent>
+      <p:pic>
+        <p:nvPicPr>
+          <p:cNvPr id="6" name="Рисунок 5"/>
+          <p:cNvPicPr>
+            <a:picLocks noChangeAspect="1"/>
+          </p:cNvPicPr>
+          <p:nvPr/>
+        </p:nvPicPr>
+        <p:blipFill>
+          <a:blip r:embed="rId4">
+            <a:extLst>
+              <a:ext uri="{28A0092B-C50C-407E-A947-70E740481C1C}">
+                <a14:useLocalDpi xmlns:a14="http://schemas.microsoft.com/office/drawing/2010/main" val="0"/>
+              </a:ext>
+            </a:extLst>
+          </a:blip>
+          <a:stretch>
+            <a:fillRect/>
+          </a:stretch>
+        </p:blipFill>
+        <p:spPr>
+          <a:xfrm>
+            <a:off x="1468018" y="1320800"/>
+            <a:ext cx="5814525" cy="4360894"/>
+          </a:xfrm>
+          <a:prstGeom prst="rect">
+            <a:avLst/>
+          </a:prstGeom>
+        </p:spPr>
+      </p:pic>
     </p:spTree>
     <p:extLst>
       <p:ext uri="{BB962C8B-B14F-4D97-AF65-F5344CB8AC3E}">
@@ -23123,7 +23383,773 @@
   <p:timing>
     <p:tnLst>
       <p:par>
-        <p:cTn id="1" dur="indefinite" restart="never" nodeType="tmRoot"/>
+        <p:cTn id="1" dur="indefinite" restart="never" nodeType="tmRoot">
+          <p:childTnLst>
+            <p:seq concurrent="1" nextAc="seek">
+              <p:cTn id="2" dur="indefinite" nodeType="mainSeq">
+                <p:childTnLst>
+                  <p:par>
+                    <p:cTn id="3" fill="hold">
+                      <p:stCondLst>
+                        <p:cond delay="indefinite"/>
+                      </p:stCondLst>
+                      <p:childTnLst>
+                        <p:par>
+                          <p:cTn id="4" fill="hold">
+                            <p:stCondLst>
+                              <p:cond delay="0"/>
+                            </p:stCondLst>
+                            <p:childTnLst>
+                              <p:par>
+                                <p:cTn id="5" presetID="1" presetClass="entr" presetSubtype="0" fill="hold" nodeType="clickEffect">
+                                  <p:stCondLst>
+                                    <p:cond delay="0"/>
+                                  </p:stCondLst>
+                                  <p:childTnLst>
+                                    <p:set>
+                                      <p:cBhvr>
+                                        <p:cTn id="6" dur="1" fill="hold">
+                                          <p:stCondLst>
+                                            <p:cond delay="0"/>
+                                          </p:stCondLst>
+                                        </p:cTn>
+                                        <p:tgtEl>
+                                          <p:spTgt spid="6"/>
+                                        </p:tgtEl>
+                                        <p:attrNameLst>
+                                          <p:attrName>style.visibility</p:attrName>
+                                        </p:attrNameLst>
+                                      </p:cBhvr>
+                                      <p:to>
+                                        <p:strVal val="visible"/>
+                                      </p:to>
+                                    </p:set>
+                                  </p:childTnLst>
+                                </p:cTn>
+                              </p:par>
+                            </p:childTnLst>
+                          </p:cTn>
+                        </p:par>
+                      </p:childTnLst>
+                    </p:cTn>
+                  </p:par>
+                </p:childTnLst>
+              </p:cTn>
+              <p:prevCondLst>
+                <p:cond evt="onPrev" delay="0">
+                  <p:tgtEl>
+                    <p:sldTgt/>
+                  </p:tgtEl>
+                </p:cond>
+              </p:prevCondLst>
+              <p:nextCondLst>
+                <p:cond evt="onNext" delay="0">
+                  <p:tgtEl>
+                    <p:sldTgt/>
+                  </p:tgtEl>
+                </p:cond>
+              </p:nextCondLst>
+            </p:seq>
+          </p:childTnLst>
+        </p:cTn>
+      </p:par>
+    </p:tnLst>
+  </p:timing>
+</p:sld>
+</file>
+
+<file path=ppt/slides/slide9.xml><?xml version="1.0" encoding="utf-8"?>
+<p:sld xmlns:a="http://schemas.openxmlformats.org/drawingml/2006/main" xmlns:r="http://schemas.openxmlformats.org/officeDocument/2006/relationships" xmlns:p="http://schemas.openxmlformats.org/presentationml/2006/main">
+  <p:cSld>
+    <p:spTree>
+      <p:nvGrpSpPr>
+        <p:cNvPr id="1" name=""/>
+        <p:cNvGrpSpPr/>
+        <p:nvPr/>
+      </p:nvGrpSpPr>
+      <p:grpSpPr>
+        <a:xfrm>
+          <a:off x="0" y="0"/>
+          <a:ext cx="0" cy="0"/>
+          <a:chOff x="0" y="0"/>
+          <a:chExt cx="0" cy="0"/>
+        </a:xfrm>
+      </p:grpSpPr>
+      <p:sp>
+        <p:nvSpPr>
+          <p:cNvPr id="2" name="Заголовок 1"/>
+          <p:cNvSpPr>
+            <a:spLocks noGrp="1"/>
+          </p:cNvSpPr>
+          <p:nvPr>
+            <p:ph type="title"/>
+          </p:nvPr>
+        </p:nvSpPr>
+        <p:spPr/>
+        <p:txBody>
+          <a:bodyPr/>
+          <a:lstStyle/>
+          <a:p>
+            <a:r>
+              <a:rPr lang="ru-RU" dirty="0" smtClean="0"/>
+              <a:t>Преобразованные данные для построения модели</a:t>
+            </a:r>
+            <a:endParaRPr lang="ru-RU" dirty="0"/>
+          </a:p>
+        </p:txBody>
+      </p:sp>
+      <mc:AlternateContent xmlns:mc="http://schemas.openxmlformats.org/markup-compatibility/2006">
+        <mc:Choice xmlns:a14="http://schemas.microsoft.com/office/drawing/2010/main" Requires="a14">
+          <p:graphicFrame>
+            <p:nvGraphicFramePr>
+              <p:cNvPr id="6" name="Таблица 5"/>
+              <p:cNvGraphicFramePr>
+                <a:graphicFrameLocks noGrp="1"/>
+              </p:cNvGraphicFramePr>
+              <p:nvPr>
+                <p:extLst>
+                  <p:ext uri="{D42A27DB-BD31-4B8C-83A1-F6EECF244321}">
+                    <p14:modId xmlns:p14="http://schemas.microsoft.com/office/powerpoint/2010/main" val="2668816689"/>
+                  </p:ext>
+                </p:extLst>
+              </p:nvPr>
+            </p:nvGraphicFramePr>
+            <p:xfrm>
+              <a:off x="634001" y="1930400"/>
+              <a:ext cx="8640001" cy="3171600"/>
+            </p:xfrm>
+            <a:graphic>
+              <a:graphicData uri="http://schemas.openxmlformats.org/drawingml/2006/table">
+                <a:tbl>
+                  <a:tblPr firstRow="1" bandRow="1">
+                    <a:tableStyleId>{5C22544A-7EE6-4342-B048-85BDC9FD1C3A}</a:tableStyleId>
+                  </a:tblPr>
+                  <a:tblGrid>
+                    <a:gridCol w="3482704"/>
+                    <a:gridCol w="3482704"/>
+                    <a:gridCol w="1674593"/>
+                  </a:tblGrid>
+                  <a:tr h="464400">
+                    <a:tc gridSpan="2">
+                      <a:txBody>
+                        <a:bodyPr/>
+                        <a:lstStyle/>
+                        <a:p>
+                          <a:pPr marL="0" marR="0" indent="0" algn="ctr" defTabSz="457200" rtl="0" eaLnBrk="1" fontAlgn="auto" latinLnBrk="0" hangingPunct="1">
+                            <a:lnSpc>
+                              <a:spcPct val="100000"/>
+                            </a:lnSpc>
+                            <a:spcBef>
+                              <a:spcPts val="0"/>
+                            </a:spcBef>
+                            <a:spcAft>
+                              <a:spcPts val="0"/>
+                            </a:spcAft>
+                            <a:buClrTx/>
+                            <a:buSzTx/>
+                            <a:buFontTx/>
+                            <a:buNone/>
+                            <a:tabLst/>
+                            <a:defRPr/>
+                          </a:pPr>
+                          <a:r>
+                            <a:rPr lang="ru-RU" baseline="0" dirty="0" smtClean="0">
+                              <a:solidFill>
+                                <a:sysClr val="windowText" lastClr="000000"/>
+                              </a:solidFill>
+                            </a:rPr>
+                            <a:t>27 </a:t>
+                          </a:r>
+                          <a:r>
+                            <a:rPr lang="ru-RU" baseline="0" dirty="0" smtClean="0">
+                              <a:solidFill>
+                                <a:sysClr val="windowText" lastClr="000000"/>
+                              </a:solidFill>
+                            </a:rPr>
+                            <a:t>показателей</a:t>
+                          </a:r>
+                          <a:endParaRPr lang="ru-RU" dirty="0" smtClean="0">
+                            <a:solidFill>
+                              <a:sysClr val="windowText" lastClr="000000"/>
+                            </a:solidFill>
+                          </a:endParaRPr>
+                        </a:p>
+                      </a:txBody>
+                      <a:tcPr anchor="ctr">
+                        <a:solidFill>
+                          <a:schemeClr val="accent1">
+                            <a:lumMod val="40000"/>
+                            <a:lumOff val="60000"/>
+                          </a:schemeClr>
+                        </a:solidFill>
+                      </a:tcPr>
+                    </a:tc>
+                    <a:tc hMerge="1">
+                      <a:txBody>
+                        <a:bodyPr/>
+                        <a:lstStyle/>
+                        <a:p>
+                          <a:endParaRPr lang="ru-RU"/>
+                        </a:p>
+                      </a:txBody>
+                      <a:tcPr/>
+                    </a:tc>
+                    <a:tc rowSpan="2">
+                      <a:txBody>
+                        <a:bodyPr/>
+                        <a:lstStyle/>
+                        <a:p>
+                          <a:pPr algn="ctr"/>
+                          <a14:m>
+                            <m:oMathPara xmlns:m="http://schemas.openxmlformats.org/officeDocument/2006/math">
+                              <m:oMathParaPr>
+                                <m:jc m:val="centerGroup"/>
+                              </m:oMathParaPr>
+                              <m:oMath xmlns:m="http://schemas.openxmlformats.org/officeDocument/2006/math">
+                                <m:d>
+                                  <m:dPr>
+                                    <m:begChr m:val="{"/>
+                                    <m:endChr m:val=""/>
+                                    <m:ctrlPr>
+                                      <a:rPr lang="ru-RU" i="1" smtClean="0">
+                                        <a:solidFill>
+                                          <a:schemeClr val="tx1"/>
+                                        </a:solidFill>
+                                        <a:latin typeface="Cambria Math" panose="02040503050406030204" pitchFamily="18" charset="0"/>
+                                      </a:rPr>
+                                    </m:ctrlPr>
+                                  </m:dPr>
+                                  <m:e>
+                                    <m:eqArr>
+                                      <m:eqArrPr>
+                                        <m:ctrlPr>
+                                          <a:rPr lang="ru-RU" i="1" smtClean="0">
+                                            <a:solidFill>
+                                              <a:schemeClr val="tx1"/>
+                                            </a:solidFill>
+                                            <a:latin typeface="Cambria Math" panose="02040503050406030204" pitchFamily="18" charset="0"/>
+                                          </a:rPr>
+                                        </m:ctrlPr>
+                                      </m:eqArrPr>
+                                      <m:e>
+                                        <m:r>
+                                          <a:rPr lang="en-US" b="1" i="1" smtClean="0">
+                                            <a:solidFill>
+                                              <a:schemeClr val="tx1"/>
+                                            </a:solidFill>
+                                            <a:latin typeface="Cambria Math" panose="02040503050406030204" pitchFamily="18" charset="0"/>
+                                          </a:rPr>
+                                          <m:t>𝟎</m:t>
+                                        </m:r>
+                                        <m:r>
+                                          <a:rPr lang="en-US" b="1" i="1" smtClean="0">
+                                            <a:solidFill>
+                                              <a:schemeClr val="tx1"/>
+                                            </a:solidFill>
+                                            <a:latin typeface="Cambria Math" panose="02040503050406030204" pitchFamily="18" charset="0"/>
+                                          </a:rPr>
+                                          <m:t>;</m:t>
+                                        </m:r>
+                                        <m:r>
+                                          <a:rPr lang="en-US" b="1" i="1" smtClean="0">
+                                            <a:solidFill>
+                                              <a:schemeClr val="tx1"/>
+                                            </a:solidFill>
+                                            <a:latin typeface="Cambria Math" panose="02040503050406030204" pitchFamily="18" charset="0"/>
+                                          </a:rPr>
+                                          <m:t>𝒀</m:t>
+                                        </m:r>
+                                        <m:r>
+                                          <a:rPr lang="en-US" b="1" i="1" smtClean="0">
+                                            <a:solidFill>
+                                              <a:schemeClr val="tx1"/>
+                                            </a:solidFill>
+                                            <a:latin typeface="Cambria Math" panose="02040503050406030204" pitchFamily="18" charset="0"/>
+                                          </a:rPr>
+                                          <m:t>&lt;</m:t>
+                                        </m:r>
+                                        <m:r>
+                                          <a:rPr lang="en-US" b="1" i="1" smtClean="0">
+                                            <a:solidFill>
+                                              <a:schemeClr val="tx1"/>
+                                            </a:solidFill>
+                                            <a:latin typeface="Cambria Math" panose="02040503050406030204" pitchFamily="18" charset="0"/>
+                                          </a:rPr>
+                                          <m:t>𝟓𝟗</m:t>
+                                        </m:r>
+                                      </m:e>
+                                      <m:e>
+                                        <m:r>
+                                          <a:rPr lang="en-US" b="1" i="1" smtClean="0">
+                                            <a:solidFill>
+                                              <a:schemeClr val="tx1"/>
+                                            </a:solidFill>
+                                            <a:latin typeface="Cambria Math" panose="02040503050406030204" pitchFamily="18" charset="0"/>
+                                          </a:rPr>
+                                          <m:t>𝟏</m:t>
+                                        </m:r>
+                                        <m:r>
+                                          <a:rPr lang="en-US" b="1" i="1" smtClean="0">
+                                            <a:solidFill>
+                                              <a:schemeClr val="tx1"/>
+                                            </a:solidFill>
+                                            <a:latin typeface="Cambria Math" panose="02040503050406030204" pitchFamily="18" charset="0"/>
+                                          </a:rPr>
+                                          <m:t>,</m:t>
+                                        </m:r>
+                                        <m:r>
+                                          <a:rPr lang="en-US" b="1" i="1" smtClean="0">
+                                            <a:solidFill>
+                                              <a:schemeClr val="tx1"/>
+                                            </a:solidFill>
+                                            <a:latin typeface="Cambria Math" panose="02040503050406030204" pitchFamily="18" charset="0"/>
+                                          </a:rPr>
+                                          <m:t>𝒀</m:t>
+                                        </m:r>
+                                        <m:r>
+                                          <a:rPr lang="en-US" b="1" i="1" smtClean="0">
+                                            <a:solidFill>
+                                              <a:schemeClr val="tx1"/>
+                                            </a:solidFill>
+                                            <a:latin typeface="Cambria Math" panose="02040503050406030204" pitchFamily="18" charset="0"/>
+                                          </a:rPr>
+                                          <m:t>≥</m:t>
+                                        </m:r>
+                                        <m:r>
+                                          <a:rPr lang="en-US" b="1" i="1" smtClean="0">
+                                            <a:solidFill>
+                                              <a:schemeClr val="tx1"/>
+                                            </a:solidFill>
+                                            <a:latin typeface="Cambria Math" panose="02040503050406030204" pitchFamily="18" charset="0"/>
+                                          </a:rPr>
+                                          <m:t>𝟔𝟎</m:t>
+                                        </m:r>
+                                      </m:e>
+                                    </m:eqArr>
+                                  </m:e>
+                                </m:d>
+                              </m:oMath>
+                            </m:oMathPara>
+                          </a14:m>
+                          <a:endParaRPr lang="ru-RU" dirty="0"/>
+                        </a:p>
+                      </a:txBody>
+                      <a:tcPr anchor="ctr">
+                        <a:solidFill>
+                          <a:srgbClr val="94DE61"/>
+                        </a:solidFill>
+                      </a:tcPr>
+                    </a:tc>
+                  </a:tr>
+                  <a:tr h="2707200">
+                    <a:tc>
+                      <a:txBody>
+                        <a:bodyPr/>
+                        <a:lstStyle/>
+                        <a:p>
+                          <a:pPr marL="0" marR="0" indent="0" algn="ctr" defTabSz="457200" rtl="0" eaLnBrk="1" fontAlgn="auto" latinLnBrk="0" hangingPunct="1">
+                            <a:lnSpc>
+                              <a:spcPct val="100000"/>
+                            </a:lnSpc>
+                            <a:spcBef>
+                              <a:spcPts val="0"/>
+                            </a:spcBef>
+                            <a:spcAft>
+                              <a:spcPts val="0"/>
+                            </a:spcAft>
+                            <a:buClrTx/>
+                            <a:buSzTx/>
+                            <a:buFontTx/>
+                            <a:buNone/>
+                            <a:tabLst/>
+                            <a:defRPr/>
+                          </a:pPr>
+                          <a:r>
+                            <a:rPr lang="ru-RU" dirty="0" smtClean="0"/>
+                            <a:t>6 </a:t>
+                          </a:r>
+                          <a:r>
+                            <a:rPr lang="ru-RU" dirty="0" smtClean="0"/>
+                            <a:t>числовых</a:t>
+                          </a:r>
+                        </a:p>
+                      </a:txBody>
+                      <a:tcPr anchor="ctr">
+                        <a:solidFill>
+                          <a:srgbClr val="90C226"/>
+                        </a:solidFill>
+                      </a:tcPr>
+                    </a:tc>
+                    <a:tc>
+                      <a:txBody>
+                        <a:bodyPr/>
+                        <a:lstStyle/>
+                        <a:p>
+                          <a:pPr marL="0" marR="0" indent="0" algn="ctr" defTabSz="457200" rtl="0" eaLnBrk="1" fontAlgn="auto" latinLnBrk="0" hangingPunct="1">
+                            <a:lnSpc>
+                              <a:spcPct val="100000"/>
+                            </a:lnSpc>
+                            <a:spcBef>
+                              <a:spcPts val="0"/>
+                            </a:spcBef>
+                            <a:spcAft>
+                              <a:spcPts val="0"/>
+                            </a:spcAft>
+                            <a:buClrTx/>
+                            <a:buSzTx/>
+                            <a:buFontTx/>
+                            <a:buNone/>
+                            <a:tabLst/>
+                            <a:defRPr/>
+                          </a:pPr>
+                          <a:r>
+                            <a:rPr lang="en-US" dirty="0" smtClean="0"/>
+                            <a:t>21</a:t>
+                          </a:r>
+                          <a:r>
+                            <a:rPr lang="ru-RU" dirty="0" smtClean="0"/>
+                            <a:t> категориальных</a:t>
+                          </a:r>
+                        </a:p>
+                      </a:txBody>
+                      <a:tcPr anchor="ctr">
+                        <a:solidFill>
+                          <a:srgbClr val="90C226"/>
+                        </a:solidFill>
+                      </a:tcPr>
+                    </a:tc>
+                    <a:tc vMerge="1">
+                      <a:txBody>
+                        <a:bodyPr/>
+                        <a:lstStyle/>
+                        <a:p>
+                          <a:pPr algn="ctr"/>
+                          <a:endParaRPr lang="ru-RU" dirty="0"/>
+                        </a:p>
+                      </a:txBody>
+                      <a:tcPr anchor="ctr">
+                        <a:solidFill>
+                          <a:schemeClr val="accent1">
+                            <a:lumMod val="60000"/>
+                            <a:lumOff val="40000"/>
+                          </a:schemeClr>
+                        </a:solidFill>
+                      </a:tcPr>
+                    </a:tc>
+                  </a:tr>
+                </a:tbl>
+              </a:graphicData>
+            </a:graphic>
+          </p:graphicFrame>
+        </mc:Choice>
+        <mc:Fallback>
+          <p:graphicFrame>
+            <p:nvGraphicFramePr>
+              <p:cNvPr id="6" name="Таблица 5"/>
+              <p:cNvGraphicFramePr>
+                <a:graphicFrameLocks noGrp="1"/>
+              </p:cNvGraphicFramePr>
+              <p:nvPr>
+                <p:extLst>
+                  <p:ext uri="{D42A27DB-BD31-4B8C-83A1-F6EECF244321}">
+                    <p14:modId xmlns:p14="http://schemas.microsoft.com/office/powerpoint/2010/main" val="2668816689"/>
+                  </p:ext>
+                </p:extLst>
+              </p:nvPr>
+            </p:nvGraphicFramePr>
+            <p:xfrm>
+              <a:off x="634001" y="1930400"/>
+              <a:ext cx="8640001" cy="3171600"/>
+            </p:xfrm>
+            <a:graphic>
+              <a:graphicData uri="http://schemas.openxmlformats.org/drawingml/2006/table">
+                <a:tbl>
+                  <a:tblPr firstRow="1" bandRow="1">
+                    <a:tableStyleId>{5C22544A-7EE6-4342-B048-85BDC9FD1C3A}</a:tableStyleId>
+                  </a:tblPr>
+                  <a:tblGrid>
+                    <a:gridCol w="3482704"/>
+                    <a:gridCol w="3482704"/>
+                    <a:gridCol w="1674593"/>
+                  </a:tblGrid>
+                  <a:tr h="464400">
+                    <a:tc gridSpan="2">
+                      <a:txBody>
+                        <a:bodyPr/>
+                        <a:lstStyle/>
+                        <a:p>
+                          <a:pPr marL="0" marR="0" indent="0" algn="ctr" defTabSz="457200" rtl="0" eaLnBrk="1" fontAlgn="auto" latinLnBrk="0" hangingPunct="1">
+                            <a:lnSpc>
+                              <a:spcPct val="100000"/>
+                            </a:lnSpc>
+                            <a:spcBef>
+                              <a:spcPts val="0"/>
+                            </a:spcBef>
+                            <a:spcAft>
+                              <a:spcPts val="0"/>
+                            </a:spcAft>
+                            <a:buClrTx/>
+                            <a:buSzTx/>
+                            <a:buFontTx/>
+                            <a:buNone/>
+                            <a:tabLst/>
+                            <a:defRPr/>
+                          </a:pPr>
+                          <a:r>
+                            <a:rPr lang="ru-RU" baseline="0" dirty="0" smtClean="0">
+                              <a:solidFill>
+                                <a:sysClr val="windowText" lastClr="000000"/>
+                              </a:solidFill>
+                            </a:rPr>
+                            <a:t>27 </a:t>
+                          </a:r>
+                          <a:r>
+                            <a:rPr lang="ru-RU" baseline="0" dirty="0" smtClean="0">
+                              <a:solidFill>
+                                <a:sysClr val="windowText" lastClr="000000"/>
+                              </a:solidFill>
+                            </a:rPr>
+                            <a:t>показателей</a:t>
+                          </a:r>
+                          <a:endParaRPr lang="ru-RU" dirty="0" smtClean="0">
+                            <a:solidFill>
+                              <a:sysClr val="windowText" lastClr="000000"/>
+                            </a:solidFill>
+                          </a:endParaRPr>
+                        </a:p>
+                      </a:txBody>
+                      <a:tcPr anchor="ctr">
+                        <a:solidFill>
+                          <a:schemeClr val="accent1">
+                            <a:lumMod val="40000"/>
+                            <a:lumOff val="60000"/>
+                          </a:schemeClr>
+                        </a:solidFill>
+                      </a:tcPr>
+                    </a:tc>
+                    <a:tc hMerge="1">
+                      <a:txBody>
+                        <a:bodyPr/>
+                        <a:lstStyle/>
+                        <a:p>
+                          <a:endParaRPr lang="ru-RU"/>
+                        </a:p>
+                      </a:txBody>
+                      <a:tcPr/>
+                    </a:tc>
+                    <a:tc rowSpan="2">
+                      <a:txBody>
+                        <a:bodyPr/>
+                        <a:lstStyle/>
+                        <a:p>
+                          <a:endParaRPr lang="ru-RU"/>
+                        </a:p>
+                      </a:txBody>
+                      <a:tcPr anchor="ctr">
+                        <a:blipFill rotWithShape="0">
+                          <a:blip r:embed="rId2"/>
+                          <a:stretch>
+                            <a:fillRect l="-416364" t="-192" r="-1455" b="-1344"/>
+                          </a:stretch>
+                        </a:blipFill>
+                      </a:tcPr>
+                    </a:tc>
+                  </a:tr>
+                  <a:tr h="2707200">
+                    <a:tc>
+                      <a:txBody>
+                        <a:bodyPr/>
+                        <a:lstStyle/>
+                        <a:p>
+                          <a:pPr marL="0" marR="0" indent="0" algn="ctr" defTabSz="457200" rtl="0" eaLnBrk="1" fontAlgn="auto" latinLnBrk="0" hangingPunct="1">
+                            <a:lnSpc>
+                              <a:spcPct val="100000"/>
+                            </a:lnSpc>
+                            <a:spcBef>
+                              <a:spcPts val="0"/>
+                            </a:spcBef>
+                            <a:spcAft>
+                              <a:spcPts val="0"/>
+                            </a:spcAft>
+                            <a:buClrTx/>
+                            <a:buSzTx/>
+                            <a:buFontTx/>
+                            <a:buNone/>
+                            <a:tabLst/>
+                            <a:defRPr/>
+                          </a:pPr>
+                          <a:r>
+                            <a:rPr lang="ru-RU" dirty="0" smtClean="0"/>
+                            <a:t>6 </a:t>
+                          </a:r>
+                          <a:r>
+                            <a:rPr lang="ru-RU" dirty="0" smtClean="0"/>
+                            <a:t>числовых</a:t>
+                          </a:r>
+                        </a:p>
+                      </a:txBody>
+                      <a:tcPr anchor="ctr">
+                        <a:solidFill>
+                          <a:srgbClr val="90C226"/>
+                        </a:solidFill>
+                      </a:tcPr>
+                    </a:tc>
+                    <a:tc>
+                      <a:txBody>
+                        <a:bodyPr/>
+                        <a:lstStyle/>
+                        <a:p>
+                          <a:pPr marL="0" marR="0" indent="0" algn="ctr" defTabSz="457200" rtl="0" eaLnBrk="1" fontAlgn="auto" latinLnBrk="0" hangingPunct="1">
+                            <a:lnSpc>
+                              <a:spcPct val="100000"/>
+                            </a:lnSpc>
+                            <a:spcBef>
+                              <a:spcPts val="0"/>
+                            </a:spcBef>
+                            <a:spcAft>
+                              <a:spcPts val="0"/>
+                            </a:spcAft>
+                            <a:buClrTx/>
+                            <a:buSzTx/>
+                            <a:buFontTx/>
+                            <a:buNone/>
+                            <a:tabLst/>
+                            <a:defRPr/>
+                          </a:pPr>
+                          <a:r>
+                            <a:rPr lang="en-US" dirty="0" smtClean="0"/>
+                            <a:t>21</a:t>
+                          </a:r>
+                          <a:r>
+                            <a:rPr lang="ru-RU" dirty="0" smtClean="0"/>
+                            <a:t> категориальных</a:t>
+                          </a:r>
+                        </a:p>
+                      </a:txBody>
+                      <a:tcPr anchor="ctr">
+                        <a:solidFill>
+                          <a:srgbClr val="90C226"/>
+                        </a:solidFill>
+                      </a:tcPr>
+                    </a:tc>
+                    <a:tc vMerge="1">
+                      <a:txBody>
+                        <a:bodyPr/>
+                        <a:lstStyle/>
+                        <a:p>
+                          <a:pPr algn="ctr"/>
+                          <a:endParaRPr lang="ru-RU" dirty="0"/>
+                        </a:p>
+                      </a:txBody>
+                      <a:tcPr anchor="ctr">
+                        <a:solidFill>
+                          <a:schemeClr val="accent1">
+                            <a:lumMod val="60000"/>
+                            <a:lumOff val="40000"/>
+                          </a:schemeClr>
+                        </a:solidFill>
+                      </a:tcPr>
+                    </a:tc>
+                  </a:tr>
+                </a:tbl>
+              </a:graphicData>
+            </a:graphic>
+          </p:graphicFrame>
+        </mc:Fallback>
+      </mc:AlternateContent>
+    </p:spTree>
+    <p:extLst>
+      <p:ext uri="{BB962C8B-B14F-4D97-AF65-F5344CB8AC3E}">
+        <p14:creationId xmlns:p14="http://schemas.microsoft.com/office/powerpoint/2010/main" val="1823732457"/>
+      </p:ext>
+    </p:extLst>
+  </p:cSld>
+  <p:clrMapOvr>
+    <a:masterClrMapping/>
+  </p:clrMapOvr>
+  <p:timing>
+    <p:tnLst>
+      <p:par>
+        <p:cTn id="1" dur="indefinite" restart="never" nodeType="tmRoot">
+          <p:childTnLst>
+            <p:seq concurrent="1" nextAc="seek">
+              <p:cTn id="2" dur="indefinite" nodeType="mainSeq">
+                <p:childTnLst>
+                  <p:par>
+                    <p:cTn id="3" fill="hold">
+                      <p:stCondLst>
+                        <p:cond delay="indefinite"/>
+                        <p:cond evt="onBegin" delay="0">
+                          <p:tn val="2"/>
+                        </p:cond>
+                      </p:stCondLst>
+                      <p:childTnLst>
+                        <p:par>
+                          <p:cTn id="4" fill="hold">
+                            <p:stCondLst>
+                              <p:cond delay="0"/>
+                            </p:stCondLst>
+                            <p:childTnLst>
+                              <p:par>
+                                <p:cTn id="5" presetID="10" presetClass="entr" presetSubtype="0" fill="hold" nodeType="withEffect">
+                                  <p:stCondLst>
+                                    <p:cond delay="0"/>
+                                  </p:stCondLst>
+                                  <p:childTnLst>
+                                    <p:set>
+                                      <p:cBhvr>
+                                        <p:cTn id="6" dur="1" fill="hold">
+                                          <p:stCondLst>
+                                            <p:cond delay="0"/>
+                                          </p:stCondLst>
+                                        </p:cTn>
+                                        <p:tgtEl>
+                                          <p:spTgt spid="6"/>
+                                        </p:tgtEl>
+                                        <p:attrNameLst>
+                                          <p:attrName>style.visibility</p:attrName>
+                                        </p:attrNameLst>
+                                      </p:cBhvr>
+                                      <p:to>
+                                        <p:strVal val="visible"/>
+                                      </p:to>
+                                    </p:set>
+                                    <p:animEffect transition="in" filter="fade">
+                                      <p:cBhvr>
+                                        <p:cTn id="7" dur="500"/>
+                                        <p:tgtEl>
+                                          <p:spTgt spid="6"/>
+                                        </p:tgtEl>
+                                      </p:cBhvr>
+                                    </p:animEffect>
+                                  </p:childTnLst>
+                                </p:cTn>
+                              </p:par>
+                            </p:childTnLst>
+                          </p:cTn>
+                        </p:par>
+                      </p:childTnLst>
+                    </p:cTn>
+                  </p:par>
+                </p:childTnLst>
+              </p:cTn>
+              <p:prevCondLst>
+                <p:cond evt="onPrev" delay="0">
+                  <p:tgtEl>
+                    <p:sldTgt/>
+                  </p:tgtEl>
+                </p:cond>
+              </p:prevCondLst>
+              <p:nextCondLst>
+                <p:cond evt="onNext" delay="0">
+                  <p:tgtEl>
+                    <p:sldTgt/>
+                  </p:tgtEl>
+                </p:cond>
+              </p:nextCondLst>
+            </p:seq>
+          </p:childTnLst>
+        </p:cTn>
       </p:par>
     </p:tnLst>
   </p:timing>

--- a/defence/презентация защита работы.pptx
+++ b/defence/презентация защита работы.pptx
@@ -15,6 +15,8 @@
     <p:sldId id="263" r:id="rId9"/>
     <p:sldId id="264" r:id="rId10"/>
     <p:sldId id="265" r:id="rId11"/>
+    <p:sldId id="266" r:id="rId12"/>
+    <p:sldId id="267" r:id="rId13"/>
   </p:sldIdLst>
   <p:sldSz cx="12192000" cy="6858000"/>
   <p:notesSz cx="6858000" cy="9144000"/>
@@ -844,7 +846,7 @@
             <a:fld id="{B61BEF0D-F0BB-DE4B-95CE-6DB70DBA9567}" type="datetimeFigureOut">
               <a:rPr lang="en-US" dirty="0"/>
               <a:pPr/>
-              <a:t>6/12/2022</a:t>
+              <a:t>6/13/2022</a:t>
             </a:fld>
             <a:endParaRPr lang="en-US" dirty="0"/>
           </a:p>
@@ -1092,7 +1094,7 @@
             <a:fld id="{B61BEF0D-F0BB-DE4B-95CE-6DB70DBA9567}" type="datetimeFigureOut">
               <a:rPr lang="en-US" dirty="0"/>
               <a:pPr/>
-              <a:t>6/12/2022</a:t>
+              <a:t>6/13/2022</a:t>
             </a:fld>
             <a:endParaRPr lang="en-US" dirty="0"/>
           </a:p>
@@ -1403,7 +1405,7 @@
             <a:fld id="{B61BEF0D-F0BB-DE4B-95CE-6DB70DBA9567}" type="datetimeFigureOut">
               <a:rPr lang="en-US" dirty="0"/>
               <a:pPr/>
-              <a:t>6/12/2022</a:t>
+              <a:t>6/13/2022</a:t>
             </a:fld>
             <a:endParaRPr lang="en-US" dirty="0"/>
           </a:p>
@@ -1741,7 +1743,7 @@
             <a:fld id="{B61BEF0D-F0BB-DE4B-95CE-6DB70DBA9567}" type="datetimeFigureOut">
               <a:rPr lang="en-US" dirty="0"/>
               <a:pPr/>
-              <a:t>6/12/2022</a:t>
+              <a:t>6/13/2022</a:t>
             </a:fld>
             <a:endParaRPr lang="en-US" dirty="0"/>
           </a:p>
@@ -2052,7 +2054,7 @@
             <a:fld id="{B61BEF0D-F0BB-DE4B-95CE-6DB70DBA9567}" type="datetimeFigureOut">
               <a:rPr lang="en-US" dirty="0"/>
               <a:pPr/>
-              <a:t>6/12/2022</a:t>
+              <a:t>6/13/2022</a:t>
             </a:fld>
             <a:endParaRPr lang="en-US" dirty="0"/>
           </a:p>
@@ -2442,7 +2444,7 @@
             <a:fld id="{B61BEF0D-F0BB-DE4B-95CE-6DB70DBA9567}" type="datetimeFigureOut">
               <a:rPr lang="en-US" dirty="0"/>
               <a:pPr/>
-              <a:t>6/12/2022</a:t>
+              <a:t>6/13/2022</a:t>
             </a:fld>
             <a:endParaRPr lang="en-US" dirty="0"/>
           </a:p>
@@ -2608,7 +2610,7 @@
           <a:p>
             <a:fld id="{55C6B4A9-1611-4792-9094-5F34BCA07E0B}" type="datetimeFigureOut">
               <a:rPr lang="en-US" dirty="0"/>
-              <a:t>6/12/2022</a:t>
+              <a:t>6/13/2022</a:t>
             </a:fld>
             <a:endParaRPr lang="en-US" dirty="0"/>
           </a:p>
@@ -2784,7 +2786,7 @@
             <a:fld id="{B61BEF0D-F0BB-DE4B-95CE-6DB70DBA9567}" type="datetimeFigureOut">
               <a:rPr lang="en-US" dirty="0"/>
               <a:pPr/>
-              <a:t>6/12/2022</a:t>
+              <a:t>6/13/2022</a:t>
             </a:fld>
             <a:endParaRPr lang="en-US" dirty="0"/>
           </a:p>
@@ -2957,7 +2959,7 @@
             <a:fld id="{B61BEF0D-F0BB-DE4B-95CE-6DB70DBA9567}" type="datetimeFigureOut">
               <a:rPr lang="en-US" dirty="0"/>
               <a:pPr/>
-              <a:t>6/12/2022</a:t>
+              <a:t>6/13/2022</a:t>
             </a:fld>
             <a:endParaRPr lang="en-US" dirty="0"/>
           </a:p>
@@ -3201,7 +3203,7 @@
             <a:fld id="{B61BEF0D-F0BB-DE4B-95CE-6DB70DBA9567}" type="datetimeFigureOut">
               <a:rPr lang="en-US" dirty="0"/>
               <a:pPr/>
-              <a:t>6/12/2022</a:t>
+              <a:t>6/13/2022</a:t>
             </a:fld>
             <a:endParaRPr lang="en-US" dirty="0"/>
           </a:p>
@@ -3429,7 +3431,7 @@
           <a:p>
             <a:fld id="{EB712588-04B1-427B-82EE-E8DB90309F08}" type="datetimeFigureOut">
               <a:rPr lang="en-US" dirty="0"/>
-              <a:t>6/12/2022</a:t>
+              <a:t>6/13/2022</a:t>
             </a:fld>
             <a:endParaRPr lang="en-US" dirty="0"/>
           </a:p>
@@ -3799,7 +3801,7 @@
             <a:fld id="{B61BEF0D-F0BB-DE4B-95CE-6DB70DBA9567}" type="datetimeFigureOut">
               <a:rPr lang="en-US" dirty="0"/>
               <a:pPr/>
-              <a:t>6/12/2022</a:t>
+              <a:t>6/13/2022</a:t>
             </a:fld>
             <a:endParaRPr lang="en-US" dirty="0"/>
           </a:p>
@@ -3919,7 +3921,7 @@
             <a:fld id="{B61BEF0D-F0BB-DE4B-95CE-6DB70DBA9567}" type="datetimeFigureOut">
               <a:rPr lang="en-US" dirty="0"/>
               <a:pPr/>
-              <a:t>6/12/2022</a:t>
+              <a:t>6/13/2022</a:t>
             </a:fld>
             <a:endParaRPr lang="en-US" dirty="0"/>
           </a:p>
@@ -4011,7 +4013,7 @@
             <a:fld id="{B61BEF0D-F0BB-DE4B-95CE-6DB70DBA9567}" type="datetimeFigureOut">
               <a:rPr lang="en-US" dirty="0"/>
               <a:pPr/>
-              <a:t>6/12/2022</a:t>
+              <a:t>6/13/2022</a:t>
             </a:fld>
             <a:endParaRPr lang="en-US" dirty="0"/>
           </a:p>
@@ -4262,7 +4264,7 @@
           <a:p>
             <a:fld id="{42A54C80-263E-416B-A8E0-580EDEADCBDC}" type="datetimeFigureOut">
               <a:rPr lang="en-US" dirty="0"/>
-              <a:t>6/12/2022</a:t>
+              <a:t>6/13/2022</a:t>
             </a:fld>
             <a:endParaRPr lang="en-US" dirty="0"/>
           </a:p>
@@ -4521,7 +4523,7 @@
             <a:fld id="{B61BEF0D-F0BB-DE4B-95CE-6DB70DBA9567}" type="datetimeFigureOut">
               <a:rPr lang="en-US" dirty="0"/>
               <a:pPr/>
-              <a:t>6/12/2022</a:t>
+              <a:t>6/13/2022</a:t>
             </a:fld>
             <a:endParaRPr lang="en-US" dirty="0"/>
           </a:p>
@@ -5261,7 +5263,7 @@
             <a:fld id="{B61BEF0D-F0BB-DE4B-95CE-6DB70DBA9567}" type="datetimeFigureOut">
               <a:rPr lang="en-US" dirty="0"/>
               <a:pPr/>
-              <a:t>6/12/2022</a:t>
+              <a:t>6/13/2022</a:t>
             </a:fld>
             <a:endParaRPr lang="en-US" dirty="0"/>
           </a:p>
@@ -5894,38 +5896,1573 @@
             <p:ph type="title"/>
           </p:nvPr>
         </p:nvSpPr>
-        <p:spPr/>
+        <p:spPr>
+          <a:xfrm>
+            <a:off x="1909670" y="609600"/>
+            <a:ext cx="6131994" cy="849086"/>
+          </a:xfrm>
+        </p:spPr>
         <p:txBody>
-          <a:bodyPr/>
+          <a:bodyPr>
+            <a:normAutofit fontScale="90000"/>
+          </a:bodyPr>
           <a:lstStyle/>
           <a:p>
-            <a:endParaRPr lang="ru-RU"/>
+            <a:r>
+              <a:rPr lang="ru-RU" dirty="0"/>
+              <a:t>Описание полученной модели</a:t>
+            </a:r>
           </a:p>
         </p:txBody>
       </p:sp>
+      <mc:AlternateContent xmlns:mc="http://schemas.openxmlformats.org/markup-compatibility/2006" xmlns:a14="http://schemas.microsoft.com/office/drawing/2010/main">
+        <mc:Choice Requires="a14">
+          <p:sp>
+            <p:nvSpPr>
+              <p:cNvPr id="3" name="Объект 2"/>
+              <p:cNvSpPr>
+                <a:spLocks noGrp="1"/>
+              </p:cNvSpPr>
+              <p:nvPr>
+                <p:ph idx="1"/>
+              </p:nvPr>
+            </p:nvSpPr>
+            <p:spPr>
+              <a:xfrm>
+                <a:off x="677333" y="1458686"/>
+                <a:ext cx="8596668" cy="3880773"/>
+              </a:xfrm>
+            </p:spPr>
+            <p:txBody>
+              <a:bodyPr/>
+              <a:lstStyle/>
+              <a:p>
+                <a:pPr marL="0" indent="0" algn="ctr">
+                  <a:buNone/>
+                </a:pPr>
+                <a14:m>
+                  <m:oMath xmlns:m="http://schemas.openxmlformats.org/officeDocument/2006/math">
+                    <m:r>
+                      <a:rPr lang="ru-RU" sz="2800" i="1" smtClean="0">
+                        <a:latin typeface="Cambria Math" panose="02040503050406030204" pitchFamily="18" charset="0"/>
+                        <a:ea typeface="Cambria Math" panose="02040503050406030204" pitchFamily="18" charset="0"/>
+                      </a:rPr>
+                      <m:t>𝜎</m:t>
+                    </m:r>
+                    <m:d>
+                      <m:dPr>
+                        <m:ctrlPr>
+                          <a:rPr lang="en-US" sz="2800" b="0" i="1" smtClean="0">
+                            <a:latin typeface="Cambria Math" panose="02040503050406030204" pitchFamily="18" charset="0"/>
+                            <a:ea typeface="Cambria Math" panose="02040503050406030204" pitchFamily="18" charset="0"/>
+                          </a:rPr>
+                        </m:ctrlPr>
+                      </m:dPr>
+                      <m:e>
+                        <m:sSup>
+                          <m:sSupPr>
+                            <m:ctrlPr>
+                              <a:rPr lang="en-US" sz="2800" b="0" i="1" smtClean="0">
+                                <a:latin typeface="Cambria Math" panose="02040503050406030204" pitchFamily="18" charset="0"/>
+                                <a:ea typeface="Cambria Math" panose="02040503050406030204" pitchFamily="18" charset="0"/>
+                              </a:rPr>
+                            </m:ctrlPr>
+                          </m:sSupPr>
+                          <m:e>
+                            <m:r>
+                              <a:rPr lang="en-US" sz="2800" b="0" i="1" smtClean="0">
+                                <a:latin typeface="Cambria Math" panose="02040503050406030204" pitchFamily="18" charset="0"/>
+                                <a:ea typeface="Cambria Math" panose="02040503050406030204" pitchFamily="18" charset="0"/>
+                              </a:rPr>
+                              <m:t>𝑧</m:t>
+                            </m:r>
+                          </m:e>
+                          <m:sup>
+                            <m:r>
+                              <a:rPr lang="en-US" sz="2800" b="0" i="1" smtClean="0">
+                                <a:latin typeface="Cambria Math" panose="02040503050406030204" pitchFamily="18" charset="0"/>
+                                <a:ea typeface="Cambria Math" panose="02040503050406030204" pitchFamily="18" charset="0"/>
+                              </a:rPr>
+                              <m:t>(2)</m:t>
+                            </m:r>
+                          </m:sup>
+                        </m:sSup>
+                      </m:e>
+                    </m:d>
+                    <m:r>
+                      <a:rPr lang="en-US" sz="2800" b="0" i="1" smtClean="0">
+                        <a:latin typeface="Cambria Math" panose="02040503050406030204" pitchFamily="18" charset="0"/>
+                        <a:ea typeface="Cambria Math" panose="02040503050406030204" pitchFamily="18" charset="0"/>
+                      </a:rPr>
+                      <m:t>=</m:t>
+                    </m:r>
+                    <m:f>
+                      <m:fPr>
+                        <m:ctrlPr>
+                          <a:rPr lang="ru-RU" sz="2800" i="1" smtClean="0">
+                            <a:latin typeface="Cambria Math" panose="02040503050406030204" pitchFamily="18" charset="0"/>
+                          </a:rPr>
+                        </m:ctrlPr>
+                      </m:fPr>
+                      <m:num>
+                        <m:r>
+                          <a:rPr lang="ru-RU" sz="2800" b="0" i="1" smtClean="0">
+                            <a:latin typeface="Cambria Math" panose="02040503050406030204" pitchFamily="18" charset="0"/>
+                          </a:rPr>
+                          <m:t>1</m:t>
+                        </m:r>
+                      </m:num>
+                      <m:den>
+                        <m:r>
+                          <a:rPr lang="ru-RU" sz="2800" b="0" i="1" smtClean="0">
+                            <a:latin typeface="Cambria Math" panose="02040503050406030204" pitchFamily="18" charset="0"/>
+                          </a:rPr>
+                          <m:t>1+</m:t>
+                        </m:r>
+                        <m:sSup>
+                          <m:sSupPr>
+                            <m:ctrlPr>
+                              <a:rPr lang="ru-RU" sz="2800" b="0" i="1" smtClean="0">
+                                <a:latin typeface="Cambria Math" panose="02040503050406030204" pitchFamily="18" charset="0"/>
+                              </a:rPr>
+                            </m:ctrlPr>
+                          </m:sSupPr>
+                          <m:e>
+                            <m:r>
+                              <a:rPr lang="en-US" sz="2800" b="0" i="1" smtClean="0">
+                                <a:latin typeface="Cambria Math" panose="02040503050406030204" pitchFamily="18" charset="0"/>
+                              </a:rPr>
+                              <m:t>𝑒</m:t>
+                            </m:r>
+                          </m:e>
+                          <m:sup>
+                            <m:sSup>
+                              <m:sSupPr>
+                                <m:ctrlPr>
+                                  <a:rPr lang="ru-RU" sz="2800" b="0" i="1" smtClean="0">
+                                    <a:latin typeface="Cambria Math" panose="02040503050406030204" pitchFamily="18" charset="0"/>
+                                  </a:rPr>
+                                </m:ctrlPr>
+                              </m:sSupPr>
+                              <m:e>
+                                <m:r>
+                                  <a:rPr lang="en-US" sz="2800" b="0" i="1" smtClean="0">
+                                    <a:latin typeface="Cambria Math" panose="02040503050406030204" pitchFamily="18" charset="0"/>
+                                  </a:rPr>
+                                  <m:t>𝑧</m:t>
+                                </m:r>
+                              </m:e>
+                              <m:sup>
+                                <m:r>
+                                  <a:rPr lang="en-US" sz="2800" b="0" i="1" smtClean="0">
+                                    <a:latin typeface="Cambria Math" panose="02040503050406030204" pitchFamily="18" charset="0"/>
+                                  </a:rPr>
+                                  <m:t>(2)</m:t>
+                                </m:r>
+                              </m:sup>
+                            </m:sSup>
+                          </m:sup>
+                        </m:sSup>
+                      </m:den>
+                    </m:f>
+                  </m:oMath>
+                </a14:m>
+                <a:r>
+                  <a:rPr lang="en-US" sz="2800" dirty="0" smtClean="0"/>
+                  <a:t>;</a:t>
+                </a:r>
+              </a:p>
+              <a:p>
+                <a:pPr marL="0" indent="0" algn="ctr">
+                  <a:buNone/>
+                </a:pPr>
+                <a14:m>
+                  <m:oMathPara xmlns:m="http://schemas.openxmlformats.org/officeDocument/2006/math">
+                    <m:oMathParaPr>
+                      <m:jc m:val="centerGroup"/>
+                    </m:oMathParaPr>
+                    <m:oMath xmlns:m="http://schemas.openxmlformats.org/officeDocument/2006/math">
+                      <m:sSup>
+                        <m:sSupPr>
+                          <m:ctrlPr>
+                            <a:rPr lang="en-US" sz="2400" b="0" i="1" smtClean="0">
+                              <a:latin typeface="Cambria Math" panose="02040503050406030204" pitchFamily="18" charset="0"/>
+                            </a:rPr>
+                          </m:ctrlPr>
+                        </m:sSupPr>
+                        <m:e>
+                          <m:r>
+                            <a:rPr lang="en-US" sz="2400" b="0" i="1" smtClean="0">
+                              <a:latin typeface="Cambria Math" panose="02040503050406030204" pitchFamily="18" charset="0"/>
+                            </a:rPr>
+                            <m:t>𝑧</m:t>
+                          </m:r>
+                        </m:e>
+                        <m:sup>
+                          <m:r>
+                            <a:rPr lang="en-US" sz="2400" b="0" i="1" smtClean="0">
+                              <a:latin typeface="Cambria Math" panose="02040503050406030204" pitchFamily="18" charset="0"/>
+                            </a:rPr>
+                            <m:t>(2)</m:t>
+                          </m:r>
+                        </m:sup>
+                      </m:sSup>
+                      <m:r>
+                        <a:rPr lang="en-US" sz="2400" b="0" i="1" smtClean="0">
+                          <a:latin typeface="Cambria Math" panose="02040503050406030204" pitchFamily="18" charset="0"/>
+                        </a:rPr>
+                        <m:t>=</m:t>
+                      </m:r>
+                      <m:nary>
+                        <m:naryPr>
+                          <m:chr m:val="∑"/>
+                          <m:ctrlPr>
+                            <a:rPr lang="en-US" sz="2400" b="0" i="1" smtClean="0">
+                              <a:latin typeface="Cambria Math" panose="02040503050406030204" pitchFamily="18" charset="0"/>
+                            </a:rPr>
+                          </m:ctrlPr>
+                        </m:naryPr>
+                        <m:sub>
+                          <m:r>
+                            <m:rPr>
+                              <m:brk m:alnAt="23"/>
+                            </m:rPr>
+                            <a:rPr lang="en-US" sz="2400" b="0" i="1" smtClean="0">
+                              <a:latin typeface="Cambria Math" panose="02040503050406030204" pitchFamily="18" charset="0"/>
+                            </a:rPr>
+                            <m:t>𝑖</m:t>
+                          </m:r>
+                          <m:r>
+                            <a:rPr lang="en-US" sz="2400" b="0" i="1" smtClean="0">
+                              <a:latin typeface="Cambria Math" panose="02040503050406030204" pitchFamily="18" charset="0"/>
+                            </a:rPr>
+                            <m:t>=1</m:t>
+                          </m:r>
+                        </m:sub>
+                        <m:sup>
+                          <m:r>
+                            <a:rPr lang="en-US" sz="2400" b="0" i="1" smtClean="0">
+                              <a:latin typeface="Cambria Math" panose="02040503050406030204" pitchFamily="18" charset="0"/>
+                            </a:rPr>
+                            <m:t>113</m:t>
+                          </m:r>
+                        </m:sup>
+                        <m:e>
+                          <m:sSub>
+                            <m:sSubPr>
+                              <m:ctrlPr>
+                                <a:rPr lang="en-US" sz="2400" b="0" i="1" smtClean="0">
+                                  <a:latin typeface="Cambria Math" panose="02040503050406030204" pitchFamily="18" charset="0"/>
+                                </a:rPr>
+                              </m:ctrlPr>
+                            </m:sSubPr>
+                            <m:e>
+                              <m:r>
+                                <a:rPr lang="en-US" sz="2400" b="0" i="1" smtClean="0">
+                                  <a:latin typeface="Cambria Math" panose="02040503050406030204" pitchFamily="18" charset="0"/>
+                                </a:rPr>
+                                <m:t>𝑓</m:t>
+                              </m:r>
+                            </m:e>
+                            <m:sub>
+                              <m:r>
+                                <a:rPr lang="en-US" sz="2400" b="0" i="1" smtClean="0">
+                                  <a:latin typeface="Cambria Math" panose="02040503050406030204" pitchFamily="18" charset="0"/>
+                                </a:rPr>
+                                <m:t>𝑖</m:t>
+                              </m:r>
+                            </m:sub>
+                          </m:sSub>
+                          <m:d>
+                            <m:dPr>
+                              <m:ctrlPr>
+                                <a:rPr lang="en-US" sz="2400" b="0" i="1" smtClean="0">
+                                  <a:latin typeface="Cambria Math" panose="02040503050406030204" pitchFamily="18" charset="0"/>
+                                </a:rPr>
+                              </m:ctrlPr>
+                            </m:dPr>
+                            <m:e>
+                              <m:sSubSup>
+                                <m:sSubSupPr>
+                                  <m:ctrlPr>
+                                    <a:rPr lang="en-US" sz="2400" b="0" i="1" smtClean="0">
+                                      <a:latin typeface="Cambria Math" panose="02040503050406030204" pitchFamily="18" charset="0"/>
+                                    </a:rPr>
+                                  </m:ctrlPr>
+                                </m:sSubSupPr>
+                                <m:e>
+                                  <m:r>
+                                    <a:rPr lang="en-US" sz="2400" b="0" i="1" smtClean="0">
+                                      <a:latin typeface="Cambria Math" panose="02040503050406030204" pitchFamily="18" charset="0"/>
+                                    </a:rPr>
+                                    <m:t>𝑧</m:t>
+                                  </m:r>
+                                </m:e>
+                                <m:sub>
+                                  <m:r>
+                                    <a:rPr lang="en-US" sz="2400" b="0" i="1" smtClean="0">
+                                      <a:latin typeface="Cambria Math" panose="02040503050406030204" pitchFamily="18" charset="0"/>
+                                    </a:rPr>
+                                    <m:t>𝑖</m:t>
+                                  </m:r>
+                                </m:sub>
+                                <m:sup>
+                                  <m:r>
+                                    <a:rPr lang="en-US" sz="2400" b="0" i="1" smtClean="0">
+                                      <a:latin typeface="Cambria Math" panose="02040503050406030204" pitchFamily="18" charset="0"/>
+                                    </a:rPr>
+                                    <m:t>(</m:t>
+                                  </m:r>
+                                  <m:r>
+                                    <a:rPr lang="ru-RU" sz="2400" b="0" i="1" smtClean="0">
+                                      <a:latin typeface="Cambria Math" panose="02040503050406030204" pitchFamily="18" charset="0"/>
+                                    </a:rPr>
+                                    <m:t>1</m:t>
+                                  </m:r>
+                                  <m:r>
+                                    <a:rPr lang="en-US" sz="2400" b="0" i="1" smtClean="0">
+                                      <a:latin typeface="Cambria Math" panose="02040503050406030204" pitchFamily="18" charset="0"/>
+                                    </a:rPr>
+                                    <m:t>)</m:t>
+                                  </m:r>
+                                </m:sup>
+                              </m:sSubSup>
+                            </m:e>
+                          </m:d>
+                          <m:sSubSup>
+                            <m:sSubSupPr>
+                              <m:ctrlPr>
+                                <a:rPr lang="en-US" sz="2400" b="0" i="1" smtClean="0">
+                                  <a:latin typeface="Cambria Math" panose="02040503050406030204" pitchFamily="18" charset="0"/>
+                                </a:rPr>
+                              </m:ctrlPr>
+                            </m:sSubSupPr>
+                            <m:e>
+                              <m:r>
+                                <a:rPr lang="en-US" sz="2400" b="0" i="1" smtClean="0">
+                                  <a:latin typeface="Cambria Math" panose="02040503050406030204" pitchFamily="18" charset="0"/>
+                                </a:rPr>
+                                <m:t>𝑏</m:t>
+                              </m:r>
+                            </m:e>
+                            <m:sub>
+                              <m:r>
+                                <a:rPr lang="en-US" sz="2400" b="0" i="1" smtClean="0">
+                                  <a:latin typeface="Cambria Math" panose="02040503050406030204" pitchFamily="18" charset="0"/>
+                                </a:rPr>
+                                <m:t>𝑖</m:t>
+                              </m:r>
+                            </m:sub>
+                            <m:sup>
+                              <m:r>
+                                <a:rPr lang="en-US" sz="2400" b="0" i="1" smtClean="0">
+                                  <a:latin typeface="Cambria Math" panose="02040503050406030204" pitchFamily="18" charset="0"/>
+                                </a:rPr>
+                                <m:t>(2)</m:t>
+                              </m:r>
+                            </m:sup>
+                          </m:sSubSup>
+                        </m:e>
+                      </m:nary>
+                      <m:r>
+                        <a:rPr lang="en-US" sz="2400" b="0" i="1" smtClean="0">
+                          <a:latin typeface="Cambria Math" panose="02040503050406030204" pitchFamily="18" charset="0"/>
+                        </a:rPr>
+                        <m:t>+</m:t>
+                      </m:r>
+                      <m:sSup>
+                        <m:sSupPr>
+                          <m:ctrlPr>
+                            <a:rPr lang="en-US" sz="2400" b="0" i="1" smtClean="0">
+                              <a:latin typeface="Cambria Math" panose="02040503050406030204" pitchFamily="18" charset="0"/>
+                            </a:rPr>
+                          </m:ctrlPr>
+                        </m:sSupPr>
+                        <m:e>
+                          <m:r>
+                            <a:rPr lang="en-US" sz="2400" b="0" i="1" smtClean="0">
+                              <a:latin typeface="Cambria Math" panose="02040503050406030204" pitchFamily="18" charset="0"/>
+                            </a:rPr>
+                            <m:t>𝑏</m:t>
+                          </m:r>
+                        </m:e>
+                        <m:sup>
+                          <m:r>
+                            <a:rPr lang="en-US" sz="2400" b="0" i="1" smtClean="0">
+                              <a:latin typeface="Cambria Math" panose="02040503050406030204" pitchFamily="18" charset="0"/>
+                            </a:rPr>
+                            <m:t>(2)</m:t>
+                          </m:r>
+                        </m:sup>
+                      </m:sSup>
+                      <m:r>
+                        <a:rPr lang="en-US" sz="2400" b="0" i="1" smtClean="0">
+                          <a:latin typeface="Cambria Math" panose="02040503050406030204" pitchFamily="18" charset="0"/>
+                        </a:rPr>
+                        <m:t>;</m:t>
+                      </m:r>
+                    </m:oMath>
+                  </m:oMathPara>
+                </a14:m>
+                <a:endParaRPr lang="en-US" sz="2400" dirty="0" smtClean="0"/>
+              </a:p>
+              <a:p>
+                <a:pPr marL="0" indent="0" algn="ctr">
+                  <a:buNone/>
+                </a:pPr>
+                <a14:m>
+                  <m:oMathPara xmlns:m="http://schemas.openxmlformats.org/officeDocument/2006/math">
+                    <m:oMathParaPr>
+                      <m:jc m:val="centerGroup"/>
+                    </m:oMathParaPr>
+                    <m:oMath xmlns:m="http://schemas.openxmlformats.org/officeDocument/2006/math">
+                      <m:sSub>
+                        <m:sSubPr>
+                          <m:ctrlPr>
+                            <a:rPr lang="en-US" sz="2400" i="1">
+                              <a:latin typeface="Cambria Math" panose="02040503050406030204" pitchFamily="18" charset="0"/>
+                            </a:rPr>
+                          </m:ctrlPr>
+                        </m:sSubPr>
+                        <m:e>
+                          <m:r>
+                            <a:rPr lang="en-US" sz="2400" i="1">
+                              <a:latin typeface="Cambria Math" panose="02040503050406030204" pitchFamily="18" charset="0"/>
+                            </a:rPr>
+                            <m:t>𝑓</m:t>
+                          </m:r>
+                        </m:e>
+                        <m:sub>
+                          <m:r>
+                            <a:rPr lang="en-US" sz="2400" i="1">
+                              <a:latin typeface="Cambria Math" panose="02040503050406030204" pitchFamily="18" charset="0"/>
+                            </a:rPr>
+                            <m:t>𝑖</m:t>
+                          </m:r>
+                        </m:sub>
+                      </m:sSub>
+                      <m:d>
+                        <m:dPr>
+                          <m:ctrlPr>
+                            <a:rPr lang="en-US" sz="2400" i="1">
+                              <a:latin typeface="Cambria Math" panose="02040503050406030204" pitchFamily="18" charset="0"/>
+                            </a:rPr>
+                          </m:ctrlPr>
+                        </m:dPr>
+                        <m:e>
+                          <m:r>
+                            <a:rPr lang="en-US" sz="2400" b="0" i="1" smtClean="0">
+                              <a:latin typeface="Cambria Math" panose="02040503050406030204" pitchFamily="18" charset="0"/>
+                            </a:rPr>
+                            <m:t>𝑡</m:t>
+                          </m:r>
+                        </m:e>
+                      </m:d>
+                      <m:r>
+                        <a:rPr lang="en-US" sz="2400" b="0" i="1" smtClean="0">
+                          <a:latin typeface="Cambria Math" panose="02040503050406030204" pitchFamily="18" charset="0"/>
+                        </a:rPr>
+                        <m:t>=</m:t>
+                      </m:r>
+                      <m:d>
+                        <m:dPr>
+                          <m:begChr m:val="{"/>
+                          <m:endChr m:val=""/>
+                          <m:ctrlPr>
+                            <a:rPr lang="en-US" sz="2400" b="0" i="1" smtClean="0">
+                              <a:latin typeface="Cambria Math" panose="02040503050406030204" pitchFamily="18" charset="0"/>
+                            </a:rPr>
+                          </m:ctrlPr>
+                        </m:dPr>
+                        <m:e>
+                          <m:eqArr>
+                            <m:eqArrPr>
+                              <m:ctrlPr>
+                                <a:rPr lang="en-US" sz="2400" b="0" i="1" smtClean="0">
+                                  <a:latin typeface="Cambria Math" panose="02040503050406030204" pitchFamily="18" charset="0"/>
+                                </a:rPr>
+                              </m:ctrlPr>
+                            </m:eqArrPr>
+                            <m:e>
+                              <m:r>
+                                <a:rPr lang="en-US" sz="2400" b="0" i="1" smtClean="0">
+                                  <a:latin typeface="Cambria Math" panose="02040503050406030204" pitchFamily="18" charset="0"/>
+                                </a:rPr>
+                                <m:t>𝑡</m:t>
+                              </m:r>
+                              <m:r>
+                                <a:rPr lang="en-US" sz="2400" b="0" i="1" smtClean="0">
+                                  <a:latin typeface="Cambria Math" panose="02040503050406030204" pitchFamily="18" charset="0"/>
+                                </a:rPr>
+                                <m:t>,</m:t>
+                              </m:r>
+                              <m:r>
+                                <a:rPr lang="en-US" sz="2400" b="0" i="1" smtClean="0">
+                                  <a:latin typeface="Cambria Math" panose="02040503050406030204" pitchFamily="18" charset="0"/>
+                                </a:rPr>
+                                <m:t>𝑡</m:t>
+                              </m:r>
+                              <m:r>
+                                <a:rPr lang="en-US" sz="2400" b="0" i="1" smtClean="0">
+                                  <a:latin typeface="Cambria Math" panose="02040503050406030204" pitchFamily="18" charset="0"/>
+                                </a:rPr>
+                                <m:t>≥0;</m:t>
+                              </m:r>
+                            </m:e>
+                            <m:e>
+                              <m:r>
+                                <a:rPr lang="en-US" sz="2400" b="0" i="1" smtClean="0">
+                                  <a:latin typeface="Cambria Math" panose="02040503050406030204" pitchFamily="18" charset="0"/>
+                                </a:rPr>
+                                <m:t>0,</m:t>
+                              </m:r>
+                              <m:r>
+                                <a:rPr lang="en-US" sz="2400" b="0" i="1" smtClean="0">
+                                  <a:latin typeface="Cambria Math" panose="02040503050406030204" pitchFamily="18" charset="0"/>
+                                </a:rPr>
+                                <m:t>𝑡</m:t>
+                              </m:r>
+                              <m:r>
+                                <a:rPr lang="en-US" sz="2400" b="0" i="1" smtClean="0">
+                                  <a:latin typeface="Cambria Math" panose="02040503050406030204" pitchFamily="18" charset="0"/>
+                                </a:rPr>
+                                <m:t>&lt;0;</m:t>
+                              </m:r>
+                            </m:e>
+                          </m:eqArr>
+                        </m:e>
+                      </m:d>
+                      <m:r>
+                        <a:rPr lang="en-US" sz="2400" i="1">
+                          <a:latin typeface="Cambria Math" panose="02040503050406030204" pitchFamily="18" charset="0"/>
+                        </a:rPr>
+                        <m:t>𝑖</m:t>
+                      </m:r>
+                      <m:r>
+                        <a:rPr lang="en-US" sz="2400" i="1">
+                          <a:latin typeface="Cambria Math" panose="02040503050406030204" pitchFamily="18" charset="0"/>
+                        </a:rPr>
+                        <m:t>=</m:t>
+                      </m:r>
+                      <m:acc>
+                        <m:accPr>
+                          <m:chr m:val="̅"/>
+                          <m:ctrlPr>
+                            <a:rPr lang="en-US" sz="2400" i="1">
+                              <a:latin typeface="Cambria Math" panose="02040503050406030204" pitchFamily="18" charset="0"/>
+                            </a:rPr>
+                          </m:ctrlPr>
+                        </m:accPr>
+                        <m:e>
+                          <m:r>
+                            <a:rPr lang="en-US" sz="2400" i="1">
+                              <a:latin typeface="Cambria Math" panose="02040503050406030204" pitchFamily="18" charset="0"/>
+                            </a:rPr>
+                            <m:t>1,113</m:t>
+                          </m:r>
+                        </m:e>
+                      </m:acc>
+                      <m:r>
+                        <a:rPr lang="en-US" sz="2400" b="0" i="1" smtClean="0">
+                          <a:latin typeface="Cambria Math" panose="02040503050406030204" pitchFamily="18" charset="0"/>
+                        </a:rPr>
+                        <m:t>;</m:t>
+                      </m:r>
+                    </m:oMath>
+                  </m:oMathPara>
+                </a14:m>
+                <a:endParaRPr lang="en-US" sz="2400" b="0" dirty="0" smtClean="0"/>
+              </a:p>
+              <a:p>
+                <a:pPr marL="0" indent="0" algn="ctr">
+                  <a:buNone/>
+                </a:pPr>
+                <a14:m>
+                  <m:oMathPara xmlns:m="http://schemas.openxmlformats.org/officeDocument/2006/math">
+                    <m:oMathParaPr>
+                      <m:jc m:val="centerGroup"/>
+                    </m:oMathParaPr>
+                    <m:oMath xmlns:m="http://schemas.openxmlformats.org/officeDocument/2006/math">
+                      <m:sSubSup>
+                        <m:sSubSupPr>
+                          <m:ctrlPr>
+                            <a:rPr lang="en-US" sz="2400" i="1">
+                              <a:latin typeface="Cambria Math" panose="02040503050406030204" pitchFamily="18" charset="0"/>
+                            </a:rPr>
+                          </m:ctrlPr>
+                        </m:sSubSupPr>
+                        <m:e>
+                          <m:r>
+                            <a:rPr lang="en-US" sz="2400" i="1">
+                              <a:latin typeface="Cambria Math" panose="02040503050406030204" pitchFamily="18" charset="0"/>
+                            </a:rPr>
+                            <m:t>𝑧</m:t>
+                          </m:r>
+                        </m:e>
+                        <m:sub>
+                          <m:r>
+                            <a:rPr lang="en-US" sz="2400" i="1">
+                              <a:latin typeface="Cambria Math" panose="02040503050406030204" pitchFamily="18" charset="0"/>
+                            </a:rPr>
+                            <m:t>𝑖</m:t>
+                          </m:r>
+                        </m:sub>
+                        <m:sup>
+                          <m:r>
+                            <a:rPr lang="en-US" sz="2400" i="1">
+                              <a:latin typeface="Cambria Math" panose="02040503050406030204" pitchFamily="18" charset="0"/>
+                            </a:rPr>
+                            <m:t>(</m:t>
+                          </m:r>
+                          <m:r>
+                            <a:rPr lang="ru-RU" sz="2400" i="1">
+                              <a:latin typeface="Cambria Math" panose="02040503050406030204" pitchFamily="18" charset="0"/>
+                            </a:rPr>
+                            <m:t>1</m:t>
+                          </m:r>
+                          <m:r>
+                            <a:rPr lang="en-US" sz="2400" i="1">
+                              <a:latin typeface="Cambria Math" panose="02040503050406030204" pitchFamily="18" charset="0"/>
+                            </a:rPr>
+                            <m:t>)</m:t>
+                          </m:r>
+                        </m:sup>
+                      </m:sSubSup>
+                      <m:r>
+                        <a:rPr lang="en-US" sz="2400" b="0" i="1" smtClean="0">
+                          <a:latin typeface="Cambria Math" panose="02040503050406030204" pitchFamily="18" charset="0"/>
+                        </a:rPr>
+                        <m:t>=</m:t>
+                      </m:r>
+                      <m:nary>
+                        <m:naryPr>
+                          <m:chr m:val="∑"/>
+                          <m:ctrlPr>
+                            <a:rPr lang="en-US" sz="2400" b="0" i="1" smtClean="0">
+                              <a:latin typeface="Cambria Math" panose="02040503050406030204" pitchFamily="18" charset="0"/>
+                            </a:rPr>
+                          </m:ctrlPr>
+                        </m:naryPr>
+                        <m:sub>
+                          <m:r>
+                            <m:rPr>
+                              <m:brk m:alnAt="23"/>
+                            </m:rPr>
+                            <a:rPr lang="en-US" sz="2400" b="0" i="1" smtClean="0">
+                              <a:latin typeface="Cambria Math" panose="02040503050406030204" pitchFamily="18" charset="0"/>
+                            </a:rPr>
+                            <m:t>𝑗</m:t>
+                          </m:r>
+                          <m:r>
+                            <a:rPr lang="en-US" sz="2400" b="0" i="1" smtClean="0">
+                              <a:latin typeface="Cambria Math" panose="02040503050406030204" pitchFamily="18" charset="0"/>
+                            </a:rPr>
+                            <m:t>=1</m:t>
+                          </m:r>
+                        </m:sub>
+                        <m:sup>
+                          <m:r>
+                            <a:rPr lang="en-US" sz="2400" b="0" i="1" smtClean="0">
+                              <a:latin typeface="Cambria Math" panose="02040503050406030204" pitchFamily="18" charset="0"/>
+                            </a:rPr>
+                            <m:t>113</m:t>
+                          </m:r>
+                        </m:sup>
+                        <m:e>
+                          <m:sSub>
+                            <m:sSubPr>
+                              <m:ctrlPr>
+                                <a:rPr lang="en-US" sz="2400" i="1">
+                                  <a:latin typeface="Cambria Math" panose="02040503050406030204" pitchFamily="18" charset="0"/>
+                                </a:rPr>
+                              </m:ctrlPr>
+                            </m:sSubPr>
+                            <m:e>
+                              <m:r>
+                                <a:rPr lang="en-US" sz="2400" i="1">
+                                  <a:latin typeface="Cambria Math" panose="02040503050406030204" pitchFamily="18" charset="0"/>
+                                </a:rPr>
+                                <m:t>𝑥</m:t>
+                              </m:r>
+                            </m:e>
+                            <m:sub>
+                              <m:r>
+                                <a:rPr lang="en-US" sz="2400" i="1">
+                                  <a:latin typeface="Cambria Math" panose="02040503050406030204" pitchFamily="18" charset="0"/>
+                                </a:rPr>
+                                <m:t>𝑗</m:t>
+                              </m:r>
+                            </m:sub>
+                          </m:sSub>
+                          <m:sSubSup>
+                            <m:sSubSupPr>
+                              <m:ctrlPr>
+                                <a:rPr lang="en-US" sz="2400" i="1">
+                                  <a:latin typeface="Cambria Math" panose="02040503050406030204" pitchFamily="18" charset="0"/>
+                                </a:rPr>
+                              </m:ctrlPr>
+                            </m:sSubSupPr>
+                            <m:e>
+                              <m:r>
+                                <a:rPr lang="en-US" sz="2400" i="1">
+                                  <a:latin typeface="Cambria Math" panose="02040503050406030204" pitchFamily="18" charset="0"/>
+                                </a:rPr>
+                                <m:t>𝑏</m:t>
+                              </m:r>
+                            </m:e>
+                            <m:sub>
+                              <m:r>
+                                <a:rPr lang="en-US" sz="2400" b="0" i="1" smtClean="0">
+                                  <a:latin typeface="Cambria Math" panose="02040503050406030204" pitchFamily="18" charset="0"/>
+                                </a:rPr>
+                                <m:t>𝑖</m:t>
+                              </m:r>
+                              <m:r>
+                                <a:rPr lang="en-US" sz="2400" i="1">
+                                  <a:latin typeface="Cambria Math" panose="02040503050406030204" pitchFamily="18" charset="0"/>
+                                </a:rPr>
+                                <m:t>𝑗</m:t>
+                              </m:r>
+                            </m:sub>
+                            <m:sup>
+                              <m:r>
+                                <a:rPr lang="en-US" sz="2400" i="1">
+                                  <a:latin typeface="Cambria Math" panose="02040503050406030204" pitchFamily="18" charset="0"/>
+                                </a:rPr>
+                                <m:t>(1)</m:t>
+                              </m:r>
+                            </m:sup>
+                          </m:sSubSup>
+                          <m:r>
+                            <a:rPr lang="en-US" sz="2400" i="1">
+                              <a:latin typeface="Cambria Math" panose="02040503050406030204" pitchFamily="18" charset="0"/>
+                            </a:rPr>
+                            <m:t>+</m:t>
+                          </m:r>
+                          <m:sSup>
+                            <m:sSupPr>
+                              <m:ctrlPr>
+                                <a:rPr lang="en-US" sz="2400" i="1">
+                                  <a:latin typeface="Cambria Math" panose="02040503050406030204" pitchFamily="18" charset="0"/>
+                                </a:rPr>
+                              </m:ctrlPr>
+                            </m:sSupPr>
+                            <m:e>
+                              <m:r>
+                                <a:rPr lang="en-US" sz="2400" i="1">
+                                  <a:latin typeface="Cambria Math" panose="02040503050406030204" pitchFamily="18" charset="0"/>
+                                </a:rPr>
+                                <m:t>𝑏</m:t>
+                              </m:r>
+                            </m:e>
+                            <m:sup>
+                              <m:r>
+                                <a:rPr lang="en-US" sz="2400" i="1">
+                                  <a:latin typeface="Cambria Math" panose="02040503050406030204" pitchFamily="18" charset="0"/>
+                                </a:rPr>
+                                <m:t>(1)</m:t>
+                              </m:r>
+                            </m:sup>
+                          </m:sSup>
+                        </m:e>
+                      </m:nary>
+                      <m:r>
+                        <a:rPr lang="en-US" sz="2400" b="0" i="1" smtClean="0">
+                          <a:latin typeface="Cambria Math" panose="02040503050406030204" pitchFamily="18" charset="0"/>
+                        </a:rPr>
+                        <m:t>,</m:t>
+                      </m:r>
+                      <m:r>
+                        <a:rPr lang="en-US" sz="2400" b="0" i="1" smtClean="0">
+                          <a:latin typeface="Cambria Math" panose="02040503050406030204" pitchFamily="18" charset="0"/>
+                        </a:rPr>
+                        <m:t>𝑖</m:t>
+                      </m:r>
+                      <m:r>
+                        <a:rPr lang="en-US" sz="2400" b="0" i="1" smtClean="0">
+                          <a:latin typeface="Cambria Math" panose="02040503050406030204" pitchFamily="18" charset="0"/>
+                        </a:rPr>
+                        <m:t>=</m:t>
+                      </m:r>
+                      <m:acc>
+                        <m:accPr>
+                          <m:chr m:val="̅"/>
+                          <m:ctrlPr>
+                            <a:rPr lang="en-US" sz="2400" b="0" i="1" smtClean="0">
+                              <a:latin typeface="Cambria Math" panose="02040503050406030204" pitchFamily="18" charset="0"/>
+                            </a:rPr>
+                          </m:ctrlPr>
+                        </m:accPr>
+                        <m:e>
+                          <m:r>
+                            <a:rPr lang="en-US" sz="2400" b="0" i="1" smtClean="0">
+                              <a:latin typeface="Cambria Math" panose="02040503050406030204" pitchFamily="18" charset="0"/>
+                            </a:rPr>
+                            <m:t>1,113</m:t>
+                          </m:r>
+                        </m:e>
+                      </m:acc>
+                      <m:r>
+                        <a:rPr lang="en-US" sz="2400" b="0" i="1" smtClean="0">
+                          <a:latin typeface="Cambria Math" panose="02040503050406030204" pitchFamily="18" charset="0"/>
+                        </a:rPr>
+                        <m:t>.</m:t>
+                      </m:r>
+                    </m:oMath>
+                  </m:oMathPara>
+                </a14:m>
+                <a:endParaRPr lang="ru-RU" sz="2400" dirty="0"/>
+              </a:p>
+            </p:txBody>
+          </p:sp>
+        </mc:Choice>
+        <mc:Fallback xmlns="">
+          <p:sp>
+            <p:nvSpPr>
+              <p:cNvPr id="3" name="Объект 2"/>
+              <p:cNvSpPr>
+                <a:spLocks noGrp="1" noRot="1" noChangeAspect="1" noMove="1" noResize="1" noEditPoints="1" noAdjustHandles="1" noChangeArrowheads="1" noChangeShapeType="1" noTextEdit="1"/>
+              </p:cNvSpPr>
+              <p:nvPr>
+                <p:ph idx="1"/>
+              </p:nvPr>
+            </p:nvSpPr>
+            <p:spPr>
+              <a:xfrm>
+                <a:off x="677333" y="1458686"/>
+                <a:ext cx="8596668" cy="3880773"/>
+              </a:xfrm>
+              <a:blipFill rotWithShape="0">
+                <a:blip r:embed="rId2"/>
+                <a:stretch>
+                  <a:fillRect/>
+                </a:stretch>
+              </a:blipFill>
+            </p:spPr>
+            <p:txBody>
+              <a:bodyPr/>
+              <a:lstStyle/>
+              <a:p>
+                <a:r>
+                  <a:rPr lang="ru-RU">
+                    <a:noFill/>
+                  </a:rPr>
+                  <a:t> </a:t>
+                </a:r>
+              </a:p>
+            </p:txBody>
+          </p:sp>
+        </mc:Fallback>
+      </mc:AlternateContent>
+    </p:spTree>
+    <p:extLst>
+      <p:ext uri="{BB962C8B-B14F-4D97-AF65-F5344CB8AC3E}">
+        <p14:creationId xmlns:p14="http://schemas.microsoft.com/office/powerpoint/2010/main" val="3345272165"/>
+      </p:ext>
+    </p:extLst>
+  </p:cSld>
+  <p:clrMapOvr>
+    <a:masterClrMapping/>
+  </p:clrMapOvr>
+  <p:timing>
+    <p:tnLst>
+      <p:par>
+        <p:cTn id="1" dur="indefinite" restart="never" nodeType="tmRoot">
+          <p:childTnLst>
+            <p:seq concurrent="1" nextAc="seek">
+              <p:cTn id="2" dur="indefinite" nodeType="mainSeq">
+                <p:childTnLst>
+                  <p:par>
+                    <p:cTn id="3" fill="hold">
+                      <p:stCondLst>
+                        <p:cond delay="indefinite"/>
+                      </p:stCondLst>
+                      <p:childTnLst>
+                        <p:par>
+                          <p:cTn id="4" fill="hold">
+                            <p:stCondLst>
+                              <p:cond delay="0"/>
+                            </p:stCondLst>
+                            <p:childTnLst>
+                              <p:par>
+                                <p:cTn id="5" presetID="10" presetClass="entr" presetSubtype="0" fill="hold" nodeType="clickEffect">
+                                  <p:stCondLst>
+                                    <p:cond delay="0"/>
+                                  </p:stCondLst>
+                                  <p:childTnLst>
+                                    <p:set>
+                                      <p:cBhvr>
+                                        <p:cTn id="6" dur="1" fill="hold">
+                                          <p:stCondLst>
+                                            <p:cond delay="0"/>
+                                          </p:stCondLst>
+                                        </p:cTn>
+                                        <p:tgtEl>
+                                          <p:spTgt spid="3">
+                                            <p:txEl>
+                                              <p:pRg st="0" end="0"/>
+                                            </p:txEl>
+                                          </p:spTgt>
+                                        </p:tgtEl>
+                                        <p:attrNameLst>
+                                          <p:attrName>style.visibility</p:attrName>
+                                        </p:attrNameLst>
+                                      </p:cBhvr>
+                                      <p:to>
+                                        <p:strVal val="visible"/>
+                                      </p:to>
+                                    </p:set>
+                                    <p:animEffect transition="in" filter="fade">
+                                      <p:cBhvr>
+                                        <p:cTn id="7" dur="500"/>
+                                        <p:tgtEl>
+                                          <p:spTgt spid="3">
+                                            <p:txEl>
+                                              <p:pRg st="0" end="0"/>
+                                            </p:txEl>
+                                          </p:spTgt>
+                                        </p:tgtEl>
+                                      </p:cBhvr>
+                                    </p:animEffect>
+                                  </p:childTnLst>
+                                </p:cTn>
+                              </p:par>
+                            </p:childTnLst>
+                          </p:cTn>
+                        </p:par>
+                      </p:childTnLst>
+                    </p:cTn>
+                  </p:par>
+                  <p:par>
+                    <p:cTn id="8" fill="hold">
+                      <p:stCondLst>
+                        <p:cond delay="indefinite"/>
+                      </p:stCondLst>
+                      <p:childTnLst>
+                        <p:par>
+                          <p:cTn id="9" fill="hold">
+                            <p:stCondLst>
+                              <p:cond delay="0"/>
+                            </p:stCondLst>
+                            <p:childTnLst>
+                              <p:par>
+                                <p:cTn id="10" presetID="10" presetClass="entr" presetSubtype="0" fill="hold" nodeType="clickEffect">
+                                  <p:stCondLst>
+                                    <p:cond delay="0"/>
+                                  </p:stCondLst>
+                                  <p:childTnLst>
+                                    <p:set>
+                                      <p:cBhvr>
+                                        <p:cTn id="11" dur="1" fill="hold">
+                                          <p:stCondLst>
+                                            <p:cond delay="0"/>
+                                          </p:stCondLst>
+                                        </p:cTn>
+                                        <p:tgtEl>
+                                          <p:spTgt spid="3">
+                                            <p:txEl>
+                                              <p:pRg st="1" end="1"/>
+                                            </p:txEl>
+                                          </p:spTgt>
+                                        </p:tgtEl>
+                                        <p:attrNameLst>
+                                          <p:attrName>style.visibility</p:attrName>
+                                        </p:attrNameLst>
+                                      </p:cBhvr>
+                                      <p:to>
+                                        <p:strVal val="visible"/>
+                                      </p:to>
+                                    </p:set>
+                                    <p:animEffect transition="in" filter="fade">
+                                      <p:cBhvr>
+                                        <p:cTn id="12" dur="500"/>
+                                        <p:tgtEl>
+                                          <p:spTgt spid="3">
+                                            <p:txEl>
+                                              <p:pRg st="1" end="1"/>
+                                            </p:txEl>
+                                          </p:spTgt>
+                                        </p:tgtEl>
+                                      </p:cBhvr>
+                                    </p:animEffect>
+                                  </p:childTnLst>
+                                </p:cTn>
+                              </p:par>
+                            </p:childTnLst>
+                          </p:cTn>
+                        </p:par>
+                      </p:childTnLst>
+                    </p:cTn>
+                  </p:par>
+                  <p:par>
+                    <p:cTn id="13" fill="hold">
+                      <p:stCondLst>
+                        <p:cond delay="indefinite"/>
+                      </p:stCondLst>
+                      <p:childTnLst>
+                        <p:par>
+                          <p:cTn id="14" fill="hold">
+                            <p:stCondLst>
+                              <p:cond delay="0"/>
+                            </p:stCondLst>
+                            <p:childTnLst>
+                              <p:par>
+                                <p:cTn id="15" presetID="10" presetClass="entr" presetSubtype="0" fill="hold" nodeType="clickEffect">
+                                  <p:stCondLst>
+                                    <p:cond delay="0"/>
+                                  </p:stCondLst>
+                                  <p:childTnLst>
+                                    <p:set>
+                                      <p:cBhvr>
+                                        <p:cTn id="16" dur="1" fill="hold">
+                                          <p:stCondLst>
+                                            <p:cond delay="0"/>
+                                          </p:stCondLst>
+                                        </p:cTn>
+                                        <p:tgtEl>
+                                          <p:spTgt spid="3">
+                                            <p:txEl>
+                                              <p:pRg st="2" end="2"/>
+                                            </p:txEl>
+                                          </p:spTgt>
+                                        </p:tgtEl>
+                                        <p:attrNameLst>
+                                          <p:attrName>style.visibility</p:attrName>
+                                        </p:attrNameLst>
+                                      </p:cBhvr>
+                                      <p:to>
+                                        <p:strVal val="visible"/>
+                                      </p:to>
+                                    </p:set>
+                                    <p:animEffect transition="in" filter="fade">
+                                      <p:cBhvr>
+                                        <p:cTn id="17" dur="500"/>
+                                        <p:tgtEl>
+                                          <p:spTgt spid="3">
+                                            <p:txEl>
+                                              <p:pRg st="2" end="2"/>
+                                            </p:txEl>
+                                          </p:spTgt>
+                                        </p:tgtEl>
+                                      </p:cBhvr>
+                                    </p:animEffect>
+                                  </p:childTnLst>
+                                </p:cTn>
+                              </p:par>
+                            </p:childTnLst>
+                          </p:cTn>
+                        </p:par>
+                      </p:childTnLst>
+                    </p:cTn>
+                  </p:par>
+                  <p:par>
+                    <p:cTn id="18" fill="hold">
+                      <p:stCondLst>
+                        <p:cond delay="indefinite"/>
+                      </p:stCondLst>
+                      <p:childTnLst>
+                        <p:par>
+                          <p:cTn id="19" fill="hold">
+                            <p:stCondLst>
+                              <p:cond delay="0"/>
+                            </p:stCondLst>
+                            <p:childTnLst>
+                              <p:par>
+                                <p:cTn id="20" presetID="10" presetClass="entr" presetSubtype="0" fill="hold" nodeType="clickEffect">
+                                  <p:stCondLst>
+                                    <p:cond delay="0"/>
+                                  </p:stCondLst>
+                                  <p:childTnLst>
+                                    <p:set>
+                                      <p:cBhvr>
+                                        <p:cTn id="21" dur="1" fill="hold">
+                                          <p:stCondLst>
+                                            <p:cond delay="0"/>
+                                          </p:stCondLst>
+                                        </p:cTn>
+                                        <p:tgtEl>
+                                          <p:spTgt spid="3">
+                                            <p:txEl>
+                                              <p:pRg st="3" end="3"/>
+                                            </p:txEl>
+                                          </p:spTgt>
+                                        </p:tgtEl>
+                                        <p:attrNameLst>
+                                          <p:attrName>style.visibility</p:attrName>
+                                        </p:attrNameLst>
+                                      </p:cBhvr>
+                                      <p:to>
+                                        <p:strVal val="visible"/>
+                                      </p:to>
+                                    </p:set>
+                                    <p:animEffect transition="in" filter="fade">
+                                      <p:cBhvr>
+                                        <p:cTn id="22" dur="500"/>
+                                        <p:tgtEl>
+                                          <p:spTgt spid="3">
+                                            <p:txEl>
+                                              <p:pRg st="3" end="3"/>
+                                            </p:txEl>
+                                          </p:spTgt>
+                                        </p:tgtEl>
+                                      </p:cBhvr>
+                                    </p:animEffect>
+                                  </p:childTnLst>
+                                </p:cTn>
+                              </p:par>
+                            </p:childTnLst>
+                          </p:cTn>
+                        </p:par>
+                      </p:childTnLst>
+                    </p:cTn>
+                  </p:par>
+                </p:childTnLst>
+              </p:cTn>
+              <p:prevCondLst>
+                <p:cond evt="onPrev" delay="0">
+                  <p:tgtEl>
+                    <p:sldTgt/>
+                  </p:tgtEl>
+                </p:cond>
+              </p:prevCondLst>
+              <p:nextCondLst>
+                <p:cond evt="onNext" delay="0">
+                  <p:tgtEl>
+                    <p:sldTgt/>
+                  </p:tgtEl>
+                </p:cond>
+              </p:nextCondLst>
+            </p:seq>
+          </p:childTnLst>
+        </p:cTn>
+      </p:par>
+    </p:tnLst>
+  </p:timing>
+</p:sld>
+</file>
+
+<file path=ppt/slides/slide11.xml><?xml version="1.0" encoding="utf-8"?>
+<p:sld xmlns:a="http://schemas.openxmlformats.org/drawingml/2006/main" xmlns:r="http://schemas.openxmlformats.org/officeDocument/2006/relationships" xmlns:p="http://schemas.openxmlformats.org/presentationml/2006/main">
+  <p:cSld>
+    <p:spTree>
+      <p:nvGrpSpPr>
+        <p:cNvPr id="1" name=""/>
+        <p:cNvGrpSpPr/>
+        <p:nvPr/>
+      </p:nvGrpSpPr>
+      <p:grpSpPr>
+        <a:xfrm>
+          <a:off x="0" y="0"/>
+          <a:ext cx="0" cy="0"/>
+          <a:chOff x="0" y="0"/>
+          <a:chExt cx="0" cy="0"/>
+        </a:xfrm>
+      </p:grpSpPr>
       <p:sp>
         <p:nvSpPr>
-          <p:cNvPr id="3" name="Объект 2"/>
+          <p:cNvPr id="2" name="Заголовок 1"/>
           <p:cNvSpPr>
             <a:spLocks noGrp="1"/>
           </p:cNvSpPr>
           <p:nvPr>
-            <p:ph idx="1"/>
+            <p:ph type="title"/>
           </p:nvPr>
         </p:nvSpPr>
-        <p:spPr/>
+        <p:spPr>
+          <a:xfrm>
+            <a:off x="677334" y="609600"/>
+            <a:ext cx="8596668" cy="674914"/>
+          </a:xfrm>
+        </p:spPr>
         <p:txBody>
-          <a:bodyPr/>
+          <a:bodyPr>
+            <a:normAutofit fontScale="90000"/>
+          </a:bodyPr>
           <a:lstStyle/>
           <a:p>
-            <a:endParaRPr lang="ru-RU"/>
+            <a:r>
+              <a:rPr lang="ru-RU" dirty="0" smtClean="0"/>
+              <a:t>Описание полученной модели – </a:t>
+            </a:r>
+            <a:r>
+              <a:rPr lang="en-US" dirty="0" smtClean="0"/>
+              <a:t>ROC </a:t>
+            </a:r>
+            <a:r>
+              <a:rPr lang="ru-RU" dirty="0" smtClean="0"/>
+              <a:t>кривая</a:t>
+            </a:r>
+            <a:endParaRPr lang="ru-RU" dirty="0"/>
+          </a:p>
+        </p:txBody>
+      </p:sp>
+      <p:pic>
+        <p:nvPicPr>
+          <p:cNvPr id="6" name="Рисунок 5"/>
+          <p:cNvPicPr>
+            <a:picLocks noChangeAspect="1"/>
+          </p:cNvPicPr>
+          <p:nvPr/>
+        </p:nvPicPr>
+        <p:blipFill>
+          <a:blip r:embed="rId2">
+            <a:extLst>
+              <a:ext uri="{28A0092B-C50C-407E-A947-70E740481C1C}">
+                <a14:useLocalDpi xmlns:a14="http://schemas.microsoft.com/office/drawing/2010/main" val="0"/>
+              </a:ext>
+            </a:extLst>
+          </a:blip>
+          <a:stretch>
+            <a:fillRect/>
+          </a:stretch>
+        </p:blipFill>
+        <p:spPr>
+          <a:xfrm>
+            <a:off x="2814853" y="1284514"/>
+            <a:ext cx="4321629" cy="4321629"/>
+          </a:xfrm>
+          <a:prstGeom prst="rect">
+            <a:avLst/>
+          </a:prstGeom>
+        </p:spPr>
+      </p:pic>
+      <p:pic>
+        <p:nvPicPr>
+          <p:cNvPr id="7" name="Рисунок 6"/>
+          <p:cNvPicPr>
+            <a:picLocks noChangeAspect="1"/>
+          </p:cNvPicPr>
+          <p:nvPr/>
+        </p:nvPicPr>
+        <p:blipFill>
+          <a:blip r:embed="rId3">
+            <a:extLst>
+              <a:ext uri="{28A0092B-C50C-407E-A947-70E740481C1C}">
+                <a14:useLocalDpi xmlns:a14="http://schemas.microsoft.com/office/drawing/2010/main" val="0"/>
+              </a:ext>
+            </a:extLst>
+          </a:blip>
+          <a:stretch>
+            <a:fillRect/>
+          </a:stretch>
+        </p:blipFill>
+        <p:spPr>
+          <a:xfrm>
+            <a:off x="2814853" y="1284514"/>
+            <a:ext cx="4321629" cy="4321629"/>
+          </a:xfrm>
+          <a:prstGeom prst="rect">
+            <a:avLst/>
+          </a:prstGeom>
+        </p:spPr>
+      </p:pic>
+      <p:sp>
+        <p:nvSpPr>
+          <p:cNvPr id="8" name="TextBox 7"/>
+          <p:cNvSpPr txBox="1"/>
+          <p:nvPr/>
+        </p:nvSpPr>
+        <p:spPr>
+          <a:xfrm>
+            <a:off x="2176034" y="5449291"/>
+            <a:ext cx="5593134" cy="646331"/>
+          </a:xfrm>
+          <a:prstGeom prst="rect">
+            <a:avLst/>
+          </a:prstGeom>
+          <a:noFill/>
+        </p:spPr>
+        <p:txBody>
+          <a:bodyPr wrap="none" rtlCol="0">
+            <a:spAutoFit/>
+          </a:bodyPr>
+          <a:lstStyle/>
+          <a:p>
+            <a:r>
+              <a:rPr lang="ru-RU" sz="1200" dirty="0" smtClean="0">
+                <a:latin typeface="Cambria" panose="02040503050406030204" pitchFamily="18" charset="0"/>
+                <a:ea typeface="Cambria" panose="02040503050406030204" pitchFamily="18" charset="0"/>
+              </a:rPr>
+              <a:t>Где</a:t>
+            </a:r>
+            <a:r>
+              <a:rPr lang="en-US" sz="1200" dirty="0" smtClean="0">
+                <a:latin typeface="Cambria" panose="02040503050406030204" pitchFamily="18" charset="0"/>
+                <a:ea typeface="Cambria" panose="02040503050406030204" pitchFamily="18" charset="0"/>
+              </a:rPr>
+              <a:t> FPR </a:t>
+            </a:r>
+            <a:r>
+              <a:rPr lang="ru-RU" sz="1200" dirty="0" smtClean="0">
+                <a:latin typeface="Cambria" panose="02040503050406030204" pitchFamily="18" charset="0"/>
+                <a:ea typeface="Cambria" panose="02040503050406030204" pitchFamily="18" charset="0"/>
+              </a:rPr>
+              <a:t>—</a:t>
+            </a:r>
+            <a:r>
+              <a:rPr lang="en-US" sz="1200" dirty="0" smtClean="0">
+                <a:latin typeface="Cambria" panose="02040503050406030204" pitchFamily="18" charset="0"/>
+                <a:ea typeface="Cambria" panose="02040503050406030204" pitchFamily="18" charset="0"/>
+              </a:rPr>
+              <a:t> False </a:t>
+            </a:r>
+            <a:r>
+              <a:rPr lang="en-US" sz="1200" dirty="0">
+                <a:latin typeface="Cambria" panose="02040503050406030204" pitchFamily="18" charset="0"/>
+                <a:ea typeface="Cambria" panose="02040503050406030204" pitchFamily="18" charset="0"/>
+              </a:rPr>
+              <a:t>Positive Rate </a:t>
+            </a:r>
+            <a:r>
+              <a:rPr lang="ru-RU" sz="1200" dirty="0">
+                <a:latin typeface="Cambria" panose="02040503050406030204" pitchFamily="18" charset="0"/>
+                <a:ea typeface="Cambria" panose="02040503050406030204" pitchFamily="18" charset="0"/>
+              </a:rPr>
+              <a:t>или доля ошибочно предсказанных </a:t>
+            </a:r>
+            <a:r>
+              <a:rPr lang="ru-RU" sz="1200" dirty="0" smtClean="0">
+                <a:latin typeface="Cambria" panose="02040503050406030204" pitchFamily="18" charset="0"/>
+                <a:ea typeface="Cambria" panose="02040503050406030204" pitchFamily="18" charset="0"/>
+              </a:rPr>
+              <a:t>дефолтов</a:t>
+            </a:r>
+            <a:r>
+              <a:rPr lang="en-US" sz="1200" dirty="0" smtClean="0">
+                <a:latin typeface="Cambria" panose="02040503050406030204" pitchFamily="18" charset="0"/>
+                <a:ea typeface="Cambria" panose="02040503050406030204" pitchFamily="18" charset="0"/>
+              </a:rPr>
+              <a:t>;</a:t>
+            </a:r>
+          </a:p>
+          <a:p>
+            <a:pPr marL="252000"/>
+            <a:r>
+              <a:rPr lang="en-US" sz="1200" dirty="0" smtClean="0">
+                <a:latin typeface="Cambria" panose="02040503050406030204" pitchFamily="18" charset="0"/>
+                <a:ea typeface="Cambria" panose="02040503050406030204" pitchFamily="18" charset="0"/>
+              </a:rPr>
+              <a:t>TPR </a:t>
+            </a:r>
+            <a:r>
+              <a:rPr lang="ru-RU" sz="1200" dirty="0" smtClean="0">
+                <a:latin typeface="Cambria" panose="02040503050406030204" pitchFamily="18" charset="0"/>
+                <a:ea typeface="Cambria" panose="02040503050406030204" pitchFamily="18" charset="0"/>
+              </a:rPr>
+              <a:t>– </a:t>
+            </a:r>
+            <a:r>
+              <a:rPr lang="en-US" sz="1200" dirty="0" smtClean="0">
+                <a:latin typeface="Cambria" panose="02040503050406030204" pitchFamily="18" charset="0"/>
+                <a:ea typeface="Cambria" panose="02040503050406030204" pitchFamily="18" charset="0"/>
+              </a:rPr>
+              <a:t>True Positive Rate </a:t>
+            </a:r>
+            <a:r>
+              <a:rPr lang="ru-RU" sz="1200" dirty="0" smtClean="0">
+                <a:latin typeface="Cambria" panose="02040503050406030204" pitchFamily="18" charset="0"/>
+                <a:ea typeface="Cambria" panose="02040503050406030204" pitchFamily="18" charset="0"/>
+              </a:rPr>
+              <a:t>или доля правильно предсказанных дефолтов</a:t>
+            </a:r>
+            <a:r>
+              <a:rPr lang="en-US" sz="1200" dirty="0" smtClean="0">
+                <a:latin typeface="Cambria" panose="02040503050406030204" pitchFamily="18" charset="0"/>
+                <a:ea typeface="Cambria" panose="02040503050406030204" pitchFamily="18" charset="0"/>
+              </a:rPr>
+              <a:t>;</a:t>
+            </a:r>
+          </a:p>
+          <a:p>
+            <a:pPr marL="252000"/>
+            <a:r>
+              <a:rPr lang="en-US" sz="1200" dirty="0" smtClean="0">
+                <a:latin typeface="Cambria" panose="02040503050406030204" pitchFamily="18" charset="0"/>
+                <a:ea typeface="Cambria" panose="02040503050406030204" pitchFamily="18" charset="0"/>
+              </a:rPr>
+              <a:t>AUC </a:t>
+            </a:r>
+            <a:r>
+              <a:rPr lang="ru-RU" sz="1200" dirty="0">
+                <a:latin typeface="Cambria" panose="02040503050406030204" pitchFamily="18" charset="0"/>
+                <a:ea typeface="Cambria" panose="02040503050406030204" pitchFamily="18" charset="0"/>
+              </a:rPr>
+              <a:t>– площадь под </a:t>
+            </a:r>
+            <a:r>
+              <a:rPr lang="en-US" sz="1200" dirty="0">
+                <a:latin typeface="Cambria" panose="02040503050406030204" pitchFamily="18" charset="0"/>
+                <a:ea typeface="Cambria" panose="02040503050406030204" pitchFamily="18" charset="0"/>
+              </a:rPr>
+              <a:t>ROC </a:t>
+            </a:r>
+            <a:r>
+              <a:rPr lang="ru-RU" sz="1200" dirty="0" smtClean="0">
+                <a:latin typeface="Cambria" panose="02040503050406030204" pitchFamily="18" charset="0"/>
+                <a:ea typeface="Cambria" panose="02040503050406030204" pitchFamily="18" charset="0"/>
+              </a:rPr>
+              <a:t>кривой</a:t>
+            </a:r>
+            <a:r>
+              <a:rPr lang="en-US" sz="1200" dirty="0" smtClean="0">
+                <a:latin typeface="Cambria" panose="02040503050406030204" pitchFamily="18" charset="0"/>
+                <a:ea typeface="Cambria" panose="02040503050406030204" pitchFamily="18" charset="0"/>
+              </a:rPr>
+              <a:t>.</a:t>
+            </a:r>
+            <a:endParaRPr lang="ru-RU" sz="1200" dirty="0">
+              <a:latin typeface="Cambria" panose="02040503050406030204" pitchFamily="18" charset="0"/>
+              <a:ea typeface="Cambria" panose="02040503050406030204" pitchFamily="18" charset="0"/>
+            </a:endParaRPr>
           </a:p>
         </p:txBody>
       </p:sp>
     </p:spTree>
     <p:extLst>
       <p:ext uri="{BB962C8B-B14F-4D97-AF65-F5344CB8AC3E}">
-        <p14:creationId xmlns:p14="http://schemas.microsoft.com/office/powerpoint/2010/main" val="3345272165"/>
+        <p14:creationId xmlns:p14="http://schemas.microsoft.com/office/powerpoint/2010/main" val="3535321158"/>
+      </p:ext>
+    </p:extLst>
+  </p:cSld>
+  <p:clrMapOvr>
+    <a:masterClrMapping/>
+  </p:clrMapOvr>
+  <p:timing>
+    <p:tnLst>
+      <p:par>
+        <p:cTn id="1" dur="indefinite" restart="never" nodeType="tmRoot">
+          <p:childTnLst>
+            <p:seq concurrent="1" nextAc="seek">
+              <p:cTn id="2" dur="indefinite" nodeType="mainSeq">
+                <p:childTnLst>
+                  <p:par>
+                    <p:cTn id="3" fill="hold">
+                      <p:stCondLst>
+                        <p:cond delay="indefinite"/>
+                      </p:stCondLst>
+                      <p:childTnLst>
+                        <p:par>
+                          <p:cTn id="4" fill="hold">
+                            <p:stCondLst>
+                              <p:cond delay="0"/>
+                            </p:stCondLst>
+                            <p:childTnLst>
+                              <p:par>
+                                <p:cTn id="5" presetID="10" presetClass="entr" presetSubtype="0" fill="hold" nodeType="clickEffect">
+                                  <p:stCondLst>
+                                    <p:cond delay="0"/>
+                                  </p:stCondLst>
+                                  <p:childTnLst>
+                                    <p:set>
+                                      <p:cBhvr>
+                                        <p:cTn id="6" dur="1" fill="hold">
+                                          <p:stCondLst>
+                                            <p:cond delay="0"/>
+                                          </p:stCondLst>
+                                        </p:cTn>
+                                        <p:tgtEl>
+                                          <p:spTgt spid="7"/>
+                                        </p:tgtEl>
+                                        <p:attrNameLst>
+                                          <p:attrName>style.visibility</p:attrName>
+                                        </p:attrNameLst>
+                                      </p:cBhvr>
+                                      <p:to>
+                                        <p:strVal val="visible"/>
+                                      </p:to>
+                                    </p:set>
+                                    <p:animEffect transition="in" filter="fade">
+                                      <p:cBhvr>
+                                        <p:cTn id="7" dur="500"/>
+                                        <p:tgtEl>
+                                          <p:spTgt spid="7"/>
+                                        </p:tgtEl>
+                                      </p:cBhvr>
+                                    </p:animEffect>
+                                  </p:childTnLst>
+                                </p:cTn>
+                              </p:par>
+                            </p:childTnLst>
+                          </p:cTn>
+                        </p:par>
+                      </p:childTnLst>
+                    </p:cTn>
+                  </p:par>
+                </p:childTnLst>
+              </p:cTn>
+              <p:prevCondLst>
+                <p:cond evt="onPrev" delay="0">
+                  <p:tgtEl>
+                    <p:sldTgt/>
+                  </p:tgtEl>
+                </p:cond>
+              </p:prevCondLst>
+              <p:nextCondLst>
+                <p:cond evt="onNext" delay="0">
+                  <p:tgtEl>
+                    <p:sldTgt/>
+                  </p:tgtEl>
+                </p:cond>
+              </p:nextCondLst>
+            </p:seq>
+          </p:childTnLst>
+        </p:cTn>
+      </p:par>
+    </p:tnLst>
+  </p:timing>
+</p:sld>
+</file>
+
+<file path=ppt/slides/slide12.xml><?xml version="1.0" encoding="utf-8"?>
+<p:sld xmlns:a="http://schemas.openxmlformats.org/drawingml/2006/main" xmlns:r="http://schemas.openxmlformats.org/officeDocument/2006/relationships" xmlns:p="http://schemas.openxmlformats.org/presentationml/2006/main">
+  <p:cSld>
+    <p:spTree>
+      <p:nvGrpSpPr>
+        <p:cNvPr id="1" name=""/>
+        <p:cNvGrpSpPr/>
+        <p:nvPr/>
+      </p:nvGrpSpPr>
+      <p:grpSpPr>
+        <a:xfrm>
+          <a:off x="0" y="0"/>
+          <a:ext cx="0" cy="0"/>
+          <a:chOff x="0" y="0"/>
+          <a:chExt cx="0" cy="0"/>
+        </a:xfrm>
+      </p:grpSpPr>
+      <p:sp>
+        <p:nvSpPr>
+          <p:cNvPr id="2" name="Заголовок 1"/>
+          <p:cNvSpPr>
+            <a:spLocks noGrp="1"/>
+          </p:cNvSpPr>
+          <p:nvPr>
+            <p:ph type="title"/>
+          </p:nvPr>
+        </p:nvSpPr>
+        <p:spPr>
+          <a:xfrm>
+            <a:off x="677334" y="609600"/>
+            <a:ext cx="8596668" cy="674914"/>
+          </a:xfrm>
+        </p:spPr>
+        <p:txBody>
+          <a:bodyPr/>
+          <a:lstStyle/>
+          <a:p>
+            <a:pPr algn="ctr"/>
+            <a:r>
+              <a:rPr lang="ru-RU" dirty="0" smtClean="0"/>
+              <a:t>Подбор точки отсечения</a:t>
+            </a:r>
+            <a:endParaRPr lang="ru-RU" dirty="0"/>
+          </a:p>
+        </p:txBody>
+      </p:sp>
+    </p:spTree>
+    <p:extLst>
+      <p:ext uri="{BB962C8B-B14F-4D97-AF65-F5344CB8AC3E}">
+        <p14:creationId xmlns:p14="http://schemas.microsoft.com/office/powerpoint/2010/main" val="29296739"/>
       </p:ext>
     </p:extLst>
   </p:cSld>
@@ -6000,7 +7537,7 @@
         <p:spPr>
           <a:xfrm>
             <a:off x="677333" y="2160589"/>
-            <a:ext cx="7454295" cy="3599276"/>
+            <a:ext cx="7454295" cy="2182811"/>
           </a:xfrm>
         </p:spPr>
         <p:txBody>
@@ -6010,12 +7547,12 @@
           <a:lstStyle/>
           <a:p>
             <a:pPr>
-              <a:buFont typeface="Wingdings" panose="05000000000000000000" pitchFamily="2" charset="2"/>
-              <a:buChar char="v"/>
+              <a:buFont typeface="Courier New" panose="02070309020205020404" pitchFamily="49" charset="0"/>
+              <a:buChar char="o"/>
             </a:pPr>
             <a:r>
               <a:rPr lang="ru-RU" sz="2400" dirty="0" smtClean="0"/>
-              <a:t>Постановка задачи</a:t>
+              <a:t>Постановка задачи и идентификационная форма модели</a:t>
             </a:r>
             <a:r>
               <a:rPr lang="en-US" sz="2400" dirty="0" smtClean="0"/>
@@ -6025,22 +7562,8 @@
           </a:p>
           <a:p>
             <a:pPr>
-              <a:buFont typeface="Wingdings" panose="05000000000000000000" pitchFamily="2" charset="2"/>
-              <a:buChar char="v"/>
-            </a:pPr>
-            <a:r>
-              <a:rPr lang="ru-RU" sz="2400" dirty="0" smtClean="0"/>
-              <a:t>Описание идентификационной формы модели использованной в работе</a:t>
-            </a:r>
-            <a:r>
-              <a:rPr lang="en-US" sz="2400" dirty="0" smtClean="0"/>
-              <a:t>;</a:t>
-            </a:r>
-          </a:p>
-          <a:p>
-            <a:pPr>
-              <a:buFont typeface="Wingdings" panose="05000000000000000000" pitchFamily="2" charset="2"/>
-              <a:buChar char="Ø"/>
+              <a:buFont typeface="Courier New" panose="02070309020205020404" pitchFamily="49" charset="0"/>
+              <a:buChar char="o"/>
             </a:pPr>
             <a:r>
               <a:rPr lang="ru-RU" sz="2400" dirty="0" smtClean="0"/>
@@ -6052,31 +7575,13 @@
             </a:r>
           </a:p>
           <a:p>
+            <a:pPr>
+              <a:buFont typeface="Courier New" panose="02070309020205020404" pitchFamily="49" charset="0"/>
+              <a:buChar char="o"/>
+            </a:pPr>
             <a:r>
               <a:rPr lang="ru-RU" sz="2400" dirty="0" smtClean="0"/>
-              <a:t>Моделирование</a:t>
-            </a:r>
-            <a:r>
-              <a:rPr lang="en-US" sz="2400" dirty="0" smtClean="0"/>
-              <a:t> </a:t>
-            </a:r>
-            <a:r>
-              <a:rPr lang="ru-RU" sz="2400" dirty="0" smtClean="0"/>
-              <a:t>и </a:t>
-            </a:r>
-            <a:r>
-              <a:rPr lang="ru-RU" sz="2400" dirty="0" err="1" smtClean="0"/>
-              <a:t>валидация</a:t>
-            </a:r>
-            <a:r>
-              <a:rPr lang="en-US" sz="2400" dirty="0" smtClean="0"/>
-              <a:t>;</a:t>
-            </a:r>
-          </a:p>
-          <a:p>
-            <a:r>
-              <a:rPr lang="ru-RU" sz="2400" dirty="0" smtClean="0"/>
-              <a:t>Подбор точки отсечения и оценка экономических выгод от использования в модели</a:t>
+              <a:t>Описание модели и выбор точки отсечения</a:t>
             </a:r>
             <a:r>
               <a:rPr lang="en-US" sz="2400" dirty="0" smtClean="0"/>
@@ -7416,8 +8921,8 @@
           </p:sp>
         </mc:Fallback>
       </mc:AlternateContent>
-      <mc:AlternateContent xmlns:mc="http://schemas.openxmlformats.org/markup-compatibility/2006" xmlns:a14="http://schemas.microsoft.com/office/drawing/2010/main">
-        <mc:Choice Requires="a14">
+      <mc:AlternateContent xmlns:mc="http://schemas.openxmlformats.org/markup-compatibility/2006">
+        <mc:Choice xmlns:a14="http://schemas.microsoft.com/office/drawing/2010/main" Requires="a14">
           <p:sp>
             <p:nvSpPr>
               <p:cNvPr id="6" name="TextBox 5"/>
@@ -7485,7 +8990,7 @@
                 </a:r>
               </a:p>
               <a:p>
-                <a:pPr marL="360000"/>
+                <a:pPr marL="252000"/>
                 <a14:m>
                   <m:oMath xmlns:m="http://schemas.openxmlformats.org/officeDocument/2006/math">
                     <m:acc>
@@ -7630,7 +9135,7 @@
                 </a:r>
               </a:p>
               <a:p>
-                <a:pPr marL="360000"/>
+                <a:pPr marL="252000"/>
                 <a14:m>
                   <m:oMath xmlns:m="http://schemas.openxmlformats.org/officeDocument/2006/math">
                     <m:sSub>
@@ -7825,7 +9330,7 @@
                 </a:endParaRPr>
               </a:p>
               <a:p>
-                <a:pPr marL="360000"/>
+                <a:pPr marL="252000"/>
                 <a14:m>
                   <m:oMath xmlns:m="http://schemas.openxmlformats.org/officeDocument/2006/math">
                     <m:sSub>
@@ -7935,14 +9440,7 @@
                     <a:latin typeface="Cambria" panose="02040503050406030204" pitchFamily="18" charset="0"/>
                     <a:ea typeface="Cambria" panose="02040503050406030204" pitchFamily="18" charset="0"/>
                   </a:rPr>
-                  <a:t>;</a:t>
-                </a:r>
-                <a:r>
-                  <a:rPr lang="ru-RU" sz="1200" dirty="0" smtClean="0">
-                    <a:latin typeface="Cambria" panose="02040503050406030204" pitchFamily="18" charset="0"/>
-                    <a:ea typeface="Cambria" panose="02040503050406030204" pitchFamily="18" charset="0"/>
-                  </a:rPr>
-                  <a:t> </a:t>
+                  <a:t>.</a:t>
                 </a:r>
                 <a:endParaRPr lang="en-US" sz="1200" dirty="0">
                   <a:latin typeface="Cambria" panose="02040503050406030204" pitchFamily="18" charset="0"/>
@@ -7952,7 +9450,7 @@
             </p:txBody>
           </p:sp>
         </mc:Choice>
-        <mc:Fallback xmlns="">
+        <mc:Fallback>
           <p:sp>
             <p:nvSpPr>
               <p:cNvPr id="6" name="TextBox 5"/>
@@ -11440,8 +12938,8 @@
           </a:graphicData>
         </a:graphic>
       </p:graphicFrame>
-      <mc:AlternateContent xmlns:mc="http://schemas.openxmlformats.org/markup-compatibility/2006">
-        <mc:Choice xmlns:a14="http://schemas.microsoft.com/office/drawing/2010/main" Requires="a14">
+      <mc:AlternateContent xmlns:mc="http://schemas.openxmlformats.org/markup-compatibility/2006" xmlns:a14="http://schemas.microsoft.com/office/drawing/2010/main">
+        <mc:Choice Requires="a14">
           <p:graphicFrame>
             <p:nvGraphicFramePr>
               <p:cNvPr id="5" name="Таблица 4"/>
@@ -11575,7 +13073,7 @@
             </a:graphic>
           </p:graphicFrame>
         </mc:Choice>
-        <mc:Fallback>
+        <mc:Fallback xmlns="">
           <p:graphicFrame>
             <p:nvGraphicFramePr>
               <p:cNvPr id="5" name="Таблица 4"/>
@@ -11660,8 +13158,8 @@
           </p:graphicFrame>
         </mc:Fallback>
       </mc:AlternateContent>
-      <mc:AlternateContent xmlns:mc="http://schemas.openxmlformats.org/markup-compatibility/2006">
-        <mc:Choice xmlns:a14="http://schemas.microsoft.com/office/drawing/2010/main" Requires="a14">
+      <mc:AlternateContent xmlns:mc="http://schemas.openxmlformats.org/markup-compatibility/2006" xmlns:a14="http://schemas.microsoft.com/office/drawing/2010/main">
+        <mc:Choice Requires="a14">
           <p:graphicFrame>
             <p:nvGraphicFramePr>
               <p:cNvPr id="6" name="Таблица 5"/>
@@ -11894,7 +13392,7 @@
             </a:graphic>
           </p:graphicFrame>
         </mc:Choice>
-        <mc:Fallback>
+        <mc:Fallback xmlns="">
           <p:graphicFrame>
             <p:nvGraphicFramePr>
               <p:cNvPr id="6" name="Таблица 5"/>
@@ -11995,8 +13493,8 @@
           </p:graphicFrame>
         </mc:Fallback>
       </mc:AlternateContent>
-      <mc:AlternateContent xmlns:mc="http://schemas.openxmlformats.org/markup-compatibility/2006">
-        <mc:Choice xmlns:a14="http://schemas.microsoft.com/office/drawing/2010/main" Requires="a14">
+      <mc:AlternateContent xmlns:mc="http://schemas.openxmlformats.org/markup-compatibility/2006" xmlns:a14="http://schemas.microsoft.com/office/drawing/2010/main">
+        <mc:Choice Requires="a14">
           <p:graphicFrame>
             <p:nvGraphicFramePr>
               <p:cNvPr id="12" name="Таблица 11"/>
@@ -12377,7 +13875,7 @@
             </a:graphic>
           </p:graphicFrame>
         </mc:Choice>
-        <mc:Fallback>
+        <mc:Fallback xmlns="">
           <p:graphicFrame>
             <p:nvGraphicFramePr>
               <p:cNvPr id="12" name="Таблица 11"/>
@@ -12630,8 +14128,8 @@
           </p:graphicFrame>
         </mc:Fallback>
       </mc:AlternateContent>
-      <mc:AlternateContent xmlns:mc="http://schemas.openxmlformats.org/markup-compatibility/2006">
-        <mc:Choice xmlns:a14="http://schemas.microsoft.com/office/drawing/2010/main" Requires="a14">
+      <mc:AlternateContent xmlns:mc="http://schemas.openxmlformats.org/markup-compatibility/2006" xmlns:a14="http://schemas.microsoft.com/office/drawing/2010/main">
+        <mc:Choice Requires="a14">
           <p:graphicFrame>
             <p:nvGraphicFramePr>
               <p:cNvPr id="13" name="Таблица 12"/>
@@ -12966,7 +14464,7 @@
             </a:graphic>
           </p:graphicFrame>
         </mc:Choice>
-        <mc:Fallback>
+        <mc:Fallback xmlns="">
           <p:graphicFrame>
             <p:nvGraphicFramePr>
               <p:cNvPr id="13" name="Таблица 12"/>
@@ -13173,8 +14671,8 @@
           </p:graphicFrame>
         </mc:Fallback>
       </mc:AlternateContent>
-      <mc:AlternateContent xmlns:mc="http://schemas.openxmlformats.org/markup-compatibility/2006">
-        <mc:Choice xmlns:a14="http://schemas.microsoft.com/office/drawing/2010/main" Requires="a14">
+      <mc:AlternateContent xmlns:mc="http://schemas.openxmlformats.org/markup-compatibility/2006" xmlns:a14="http://schemas.microsoft.com/office/drawing/2010/main">
+        <mc:Choice Requires="a14">
           <p:graphicFrame>
             <p:nvGraphicFramePr>
               <p:cNvPr id="9" name="Таблица 8"/>
@@ -13509,7 +15007,7 @@
             </a:graphic>
           </p:graphicFrame>
         </mc:Choice>
-        <mc:Fallback>
+        <mc:Fallback xmlns="">
           <p:graphicFrame>
             <p:nvGraphicFramePr>
               <p:cNvPr id="9" name="Таблица 8"/>
@@ -13776,8 +15274,8 @@
           </a:p>
         </p:txBody>
       </p:sp>
-      <mc:AlternateContent xmlns:mc="http://schemas.openxmlformats.org/markup-compatibility/2006">
-        <mc:Choice xmlns:a14="http://schemas.microsoft.com/office/drawing/2010/main" Requires="a14">
+      <mc:AlternateContent xmlns:mc="http://schemas.openxmlformats.org/markup-compatibility/2006" xmlns:a14="http://schemas.microsoft.com/office/drawing/2010/main">
+        <mc:Choice Requires="a14">
           <p:graphicFrame>
             <p:nvGraphicFramePr>
               <p:cNvPr id="18" name="Таблица 17"/>
@@ -14104,7 +15602,7 @@
             </a:graphic>
           </p:graphicFrame>
         </mc:Choice>
-        <mc:Fallback>
+        <mc:Fallback xmlns="">
           <p:graphicFrame>
             <p:nvGraphicFramePr>
               <p:cNvPr id="18" name="Таблица 17"/>
@@ -14393,8 +15891,8 @@
           </a:p>
         </p:txBody>
       </p:sp>
-      <mc:AlternateContent xmlns:mc="http://schemas.openxmlformats.org/markup-compatibility/2006">
-        <mc:Choice xmlns:a14="http://schemas.microsoft.com/office/drawing/2010/main" Requires="a14">
+      <mc:AlternateContent xmlns:mc="http://schemas.openxmlformats.org/markup-compatibility/2006" xmlns:a14="http://schemas.microsoft.com/office/drawing/2010/main">
+        <mc:Choice Requires="a14">
           <p:graphicFrame>
             <p:nvGraphicFramePr>
               <p:cNvPr id="17" name="Таблица 16"/>
@@ -14737,7 +16235,7 @@
             </a:graphic>
           </p:graphicFrame>
         </mc:Choice>
-        <mc:Fallback>
+        <mc:Fallback xmlns="">
           <p:graphicFrame>
             <p:nvGraphicFramePr>
               <p:cNvPr id="17" name="Таблица 16"/>
@@ -20463,8 +21961,8 @@
           </a:graphicData>
         </a:graphic>
       </p:graphicFrame>
-      <mc:AlternateContent xmlns:mc="http://schemas.openxmlformats.org/markup-compatibility/2006">
-        <mc:Choice xmlns:a14="http://schemas.microsoft.com/office/drawing/2010/main" Requires="a14">
+      <mc:AlternateContent xmlns:mc="http://schemas.openxmlformats.org/markup-compatibility/2006" xmlns:a14="http://schemas.microsoft.com/office/drawing/2010/main">
+        <mc:Choice Requires="a14">
           <p:sp>
             <p:nvSpPr>
               <p:cNvPr id="6" name="Прямоугольник 5"/>
@@ -20716,7 +22214,7 @@
             </p:txBody>
           </p:sp>
         </mc:Choice>
-        <mc:Fallback>
+        <mc:Fallback xmlns="">
           <p:sp>
             <p:nvSpPr>
               <p:cNvPr id="6" name="Прямоугольник 5"/>
@@ -20755,8 +22253,8 @@
           </p:sp>
         </mc:Fallback>
       </mc:AlternateContent>
-      <mc:AlternateContent xmlns:mc="http://schemas.openxmlformats.org/markup-compatibility/2006">
-        <mc:Choice xmlns:a14="http://schemas.microsoft.com/office/drawing/2010/main" Requires="a14">
+      <mc:AlternateContent xmlns:mc="http://schemas.openxmlformats.org/markup-compatibility/2006" xmlns:a14="http://schemas.microsoft.com/office/drawing/2010/main">
+        <mc:Choice Requires="a14">
           <p:sp>
             <p:nvSpPr>
               <p:cNvPr id="8" name="Прямоугольник 7"/>
@@ -20916,7 +22414,7 @@
             </p:txBody>
           </p:sp>
         </mc:Choice>
-        <mc:Fallback>
+        <mc:Fallback xmlns="">
           <p:sp>
             <p:nvSpPr>
               <p:cNvPr id="8" name="Прямоугольник 7"/>
@@ -23086,8 +24584,8 @@
           </a:prstGeom>
         </p:spPr>
       </p:pic>
-      <mc:AlternateContent xmlns:mc="http://schemas.openxmlformats.org/markup-compatibility/2006">
-        <mc:Choice xmlns:a14="http://schemas.microsoft.com/office/drawing/2010/main" Requires="a14">
+      <mc:AlternateContent xmlns:mc="http://schemas.openxmlformats.org/markup-compatibility/2006" xmlns:a14="http://schemas.microsoft.com/office/drawing/2010/main">
+        <mc:Choice Requires="a14">
           <p:sp>
             <p:nvSpPr>
               <p:cNvPr id="5" name="TextBox 4"/>
@@ -23110,6 +24608,7 @@
               </a:bodyPr>
               <a:lstStyle/>
               <a:p>
+                <a:pPr/>
                 <a14:m>
                   <m:oMathPara xmlns:m="http://schemas.openxmlformats.org/officeDocument/2006/math">
                     <m:oMathParaPr>
@@ -23301,7 +24800,7 @@
             </p:txBody>
           </p:sp>
         </mc:Choice>
-        <mc:Fallback>
+        <mc:Fallback xmlns="">
           <p:sp>
             <p:nvSpPr>
               <p:cNvPr id="5" name="TextBox 4"/>
@@ -23498,8 +24997,8 @@
           </a:p>
         </p:txBody>
       </p:sp>
-      <mc:AlternateContent xmlns:mc="http://schemas.openxmlformats.org/markup-compatibility/2006">
-        <mc:Choice xmlns:a14="http://schemas.microsoft.com/office/drawing/2010/main" Requires="a14">
+      <mc:AlternateContent xmlns:mc="http://schemas.openxmlformats.org/markup-compatibility/2006" xmlns:a14="http://schemas.microsoft.com/office/drawing/2010/main">
+        <mc:Choice Requires="a14">
           <p:graphicFrame>
             <p:nvGraphicFramePr>
               <p:cNvPr id="6" name="Таблица 5"/>
@@ -23558,15 +25057,7 @@
                                 <a:sysClr val="windowText" lastClr="000000"/>
                               </a:solidFill>
                             </a:rPr>
-                            <a:t>27 </a:t>
-                          </a:r>
-                          <a:r>
-                            <a:rPr lang="ru-RU" baseline="0" dirty="0" smtClean="0">
-                              <a:solidFill>
-                                <a:sysClr val="windowText" lastClr="000000"/>
-                              </a:solidFill>
-                            </a:rPr>
-                            <a:t>показателей</a:t>
+                            <a:t>27 показателей</a:t>
                           </a:r>
                           <a:endParaRPr lang="ru-RU" dirty="0" smtClean="0">
                             <a:solidFill>
@@ -23766,11 +25257,7 @@
                           </a:pPr>
                           <a:r>
                             <a:rPr lang="ru-RU" dirty="0" smtClean="0"/>
-                            <a:t>6 </a:t>
-                          </a:r>
-                          <a:r>
-                            <a:rPr lang="ru-RU" dirty="0" smtClean="0"/>
-                            <a:t>числовых</a:t>
+                            <a:t>6 числовых</a:t>
                           </a:r>
                         </a:p>
                       </a:txBody>
@@ -23842,7 +25329,7 @@
             </a:graphic>
           </p:graphicFrame>
         </mc:Choice>
-        <mc:Fallback>
+        <mc:Fallback xmlns="">
           <p:graphicFrame>
             <p:nvGraphicFramePr>
               <p:cNvPr id="6" name="Таблица 5"/>

--- a/defence/презентация защита работы.pptx
+++ b/defence/презентация защита работы.pptx
@@ -17,6 +17,7 @@
     <p:sldId id="265" r:id="rId11"/>
     <p:sldId id="266" r:id="rId12"/>
     <p:sldId id="267" r:id="rId13"/>
+    <p:sldId id="268" r:id="rId14"/>
   </p:sldIdLst>
   <p:sldSz cx="12192000" cy="6858000"/>
   <p:notesSz cx="6858000" cy="9144000"/>
@@ -7442,8 +7443,8 @@
         </p:nvSpPr>
         <p:spPr>
           <a:xfrm>
-            <a:off x="677334" y="609600"/>
-            <a:ext cx="8596668" cy="674914"/>
+            <a:off x="2712963" y="609600"/>
+            <a:ext cx="6354837" cy="674914"/>
           </a:xfrm>
         </p:spPr>
         <p:txBody>
@@ -7459,10 +7460,7288 @@
           </a:p>
         </p:txBody>
       </p:sp>
+      <p:pic>
+        <p:nvPicPr>
+          <p:cNvPr id="3" name="Рисунок 2"/>
+          <p:cNvPicPr>
+            <a:picLocks noChangeAspect="1"/>
+          </p:cNvPicPr>
+          <p:nvPr/>
+        </p:nvPicPr>
+        <p:blipFill>
+          <a:blip r:embed="rId2">
+            <a:extLst>
+              <a:ext uri="{28A0092B-C50C-407E-A947-70E740481C1C}">
+                <a14:useLocalDpi xmlns:a14="http://schemas.microsoft.com/office/drawing/2010/main" val="0"/>
+              </a:ext>
+            </a:extLst>
+          </a:blip>
+          <a:stretch>
+            <a:fillRect/>
+          </a:stretch>
+        </p:blipFill>
+        <p:spPr>
+          <a:xfrm>
+            <a:off x="741125" y="1284514"/>
+            <a:ext cx="4234543" cy="5293179"/>
+          </a:xfrm>
+          <a:prstGeom prst="rect">
+            <a:avLst/>
+          </a:prstGeom>
+        </p:spPr>
+      </p:pic>
+      <p:pic>
+        <p:nvPicPr>
+          <p:cNvPr id="4" name="Рисунок 3"/>
+          <p:cNvPicPr>
+            <a:picLocks noChangeAspect="1"/>
+          </p:cNvPicPr>
+          <p:nvPr/>
+        </p:nvPicPr>
+        <p:blipFill>
+          <a:blip r:embed="rId3">
+            <a:extLst>
+              <a:ext uri="{28A0092B-C50C-407E-A947-70E740481C1C}">
+                <a14:useLocalDpi xmlns:a14="http://schemas.microsoft.com/office/drawing/2010/main" val="0"/>
+              </a:ext>
+            </a:extLst>
+          </a:blip>
+          <a:stretch>
+            <a:fillRect/>
+          </a:stretch>
+        </p:blipFill>
+        <p:spPr>
+          <a:xfrm>
+            <a:off x="741125" y="1284514"/>
+            <a:ext cx="4234543" cy="5293179"/>
+          </a:xfrm>
+          <a:prstGeom prst="rect">
+            <a:avLst/>
+          </a:prstGeom>
+        </p:spPr>
+      </p:pic>
+      <p:graphicFrame>
+        <p:nvGraphicFramePr>
+          <p:cNvPr id="10" name="Таблица 9"/>
+          <p:cNvGraphicFramePr>
+            <a:graphicFrameLocks noGrp="1"/>
+          </p:cNvGraphicFramePr>
+          <p:nvPr>
+            <p:extLst>
+              <p:ext uri="{D42A27DB-BD31-4B8C-83A1-F6EECF244321}">
+                <p14:modId xmlns:p14="http://schemas.microsoft.com/office/powerpoint/2010/main" val="1585582187"/>
+              </p:ext>
+            </p:extLst>
+          </p:nvPr>
+        </p:nvGraphicFramePr>
+        <p:xfrm>
+          <a:off x="4975670" y="1703387"/>
+          <a:ext cx="5855614" cy="4085342"/>
+        </p:xfrm>
+        <a:graphic>
+          <a:graphicData uri="http://schemas.openxmlformats.org/drawingml/2006/table">
+            <a:tbl>
+              <a:tblPr firstRow="1" firstCol="1" bandRow="1">
+                <a:tableStyleId>{5C22544A-7EE6-4342-B048-85BDC9FD1C3A}</a:tableStyleId>
+              </a:tblPr>
+              <a:tblGrid>
+                <a:gridCol w="1194950"/>
+                <a:gridCol w="1194950"/>
+                <a:gridCol w="577619"/>
+                <a:gridCol w="577619"/>
+                <a:gridCol w="577619"/>
+                <a:gridCol w="577619"/>
+                <a:gridCol w="577619"/>
+                <a:gridCol w="577619"/>
+              </a:tblGrid>
+              <a:tr h="117619">
+                <a:tc gridSpan="2">
+                  <a:txBody>
+                    <a:bodyPr/>
+                    <a:lstStyle/>
+                    <a:p>
+                      <a:pPr algn="ctr">
+                        <a:lnSpc>
+                          <a:spcPct val="107000"/>
+                        </a:lnSpc>
+                        <a:spcAft>
+                          <a:spcPts val="0"/>
+                        </a:spcAft>
+                      </a:pPr>
+                      <a:r>
+                        <a:rPr lang="ru-RU" sz="900" dirty="0">
+                          <a:effectLst/>
+                        </a:rPr>
+                        <a:t>p</a:t>
+                      </a:r>
+                      <a:endParaRPr lang="ru-RU" sz="900" dirty="0">
+                        <a:effectLst/>
+                        <a:latin typeface="Calibri" panose="020F0502020204030204" pitchFamily="34" charset="0"/>
+                        <a:ea typeface="Calibri" panose="020F0502020204030204" pitchFamily="34" charset="0"/>
+                        <a:cs typeface="Times New Roman" panose="02020603050405020304" pitchFamily="18" charset="0"/>
+                      </a:endParaRPr>
+                    </a:p>
+                  </a:txBody>
+                  <a:tcPr marL="42343" marR="42343" marT="0" marB="0" anchor="ctr"/>
+                </a:tc>
+                <a:tc hMerge="1">
+                  <a:txBody>
+                    <a:bodyPr/>
+                    <a:lstStyle/>
+                    <a:p>
+                      <a:endParaRPr lang="ru-RU"/>
+                    </a:p>
+                  </a:txBody>
+                  <a:tcPr/>
+                </a:tc>
+                <a:tc>
+                  <a:txBody>
+                    <a:bodyPr/>
+                    <a:lstStyle/>
+                    <a:p>
+                      <a:pPr algn="ctr">
+                        <a:lnSpc>
+                          <a:spcPct val="107000"/>
+                        </a:lnSpc>
+                        <a:spcAft>
+                          <a:spcPts val="0"/>
+                        </a:spcAft>
+                      </a:pPr>
+                      <a:r>
+                        <a:rPr lang="ru-RU" sz="900">
+                          <a:effectLst/>
+                        </a:rPr>
+                        <a:t>0,05</a:t>
+                      </a:r>
+                      <a:endParaRPr lang="ru-RU" sz="900">
+                        <a:effectLst/>
+                        <a:latin typeface="Calibri" panose="020F0502020204030204" pitchFamily="34" charset="0"/>
+                        <a:ea typeface="Calibri" panose="020F0502020204030204" pitchFamily="34" charset="0"/>
+                        <a:cs typeface="Times New Roman" panose="02020603050405020304" pitchFamily="18" charset="0"/>
+                      </a:endParaRPr>
+                    </a:p>
+                  </a:txBody>
+                  <a:tcPr marL="42343" marR="42343" marT="0" marB="0" anchor="ctr"/>
+                </a:tc>
+                <a:tc>
+                  <a:txBody>
+                    <a:bodyPr/>
+                    <a:lstStyle/>
+                    <a:p>
+                      <a:pPr algn="ctr">
+                        <a:lnSpc>
+                          <a:spcPct val="107000"/>
+                        </a:lnSpc>
+                        <a:spcAft>
+                          <a:spcPts val="0"/>
+                        </a:spcAft>
+                      </a:pPr>
+                      <a:r>
+                        <a:rPr lang="ru-RU" sz="900">
+                          <a:effectLst/>
+                        </a:rPr>
+                        <a:t>0,11</a:t>
+                      </a:r>
+                      <a:endParaRPr lang="ru-RU" sz="900">
+                        <a:effectLst/>
+                        <a:latin typeface="Calibri" panose="020F0502020204030204" pitchFamily="34" charset="0"/>
+                        <a:ea typeface="Calibri" panose="020F0502020204030204" pitchFamily="34" charset="0"/>
+                        <a:cs typeface="Times New Roman" panose="02020603050405020304" pitchFamily="18" charset="0"/>
+                      </a:endParaRPr>
+                    </a:p>
+                  </a:txBody>
+                  <a:tcPr marL="42343" marR="42343" marT="0" marB="0" anchor="ctr"/>
+                </a:tc>
+                <a:tc>
+                  <a:txBody>
+                    <a:bodyPr/>
+                    <a:lstStyle/>
+                    <a:p>
+                      <a:pPr algn="ctr">
+                        <a:lnSpc>
+                          <a:spcPct val="107000"/>
+                        </a:lnSpc>
+                        <a:spcAft>
+                          <a:spcPts val="0"/>
+                        </a:spcAft>
+                      </a:pPr>
+                      <a:r>
+                        <a:rPr lang="ru-RU" sz="900">
+                          <a:effectLst/>
+                        </a:rPr>
+                        <a:t>0,16</a:t>
+                      </a:r>
+                      <a:endParaRPr lang="ru-RU" sz="900">
+                        <a:effectLst/>
+                        <a:latin typeface="Calibri" panose="020F0502020204030204" pitchFamily="34" charset="0"/>
+                        <a:ea typeface="Calibri" panose="020F0502020204030204" pitchFamily="34" charset="0"/>
+                        <a:cs typeface="Times New Roman" panose="02020603050405020304" pitchFamily="18" charset="0"/>
+                      </a:endParaRPr>
+                    </a:p>
+                  </a:txBody>
+                  <a:tcPr marL="42343" marR="42343" marT="0" marB="0" anchor="ctr"/>
+                </a:tc>
+                <a:tc>
+                  <a:txBody>
+                    <a:bodyPr/>
+                    <a:lstStyle/>
+                    <a:p>
+                      <a:pPr algn="ctr">
+                        <a:lnSpc>
+                          <a:spcPct val="107000"/>
+                        </a:lnSpc>
+                        <a:spcAft>
+                          <a:spcPts val="0"/>
+                        </a:spcAft>
+                      </a:pPr>
+                      <a:r>
+                        <a:rPr lang="ru-RU" sz="900">
+                          <a:effectLst/>
+                        </a:rPr>
+                        <a:t>0,22</a:t>
+                      </a:r>
+                      <a:endParaRPr lang="ru-RU" sz="900">
+                        <a:effectLst/>
+                        <a:latin typeface="Calibri" panose="020F0502020204030204" pitchFamily="34" charset="0"/>
+                        <a:ea typeface="Calibri" panose="020F0502020204030204" pitchFamily="34" charset="0"/>
+                        <a:cs typeface="Times New Roman" panose="02020603050405020304" pitchFamily="18" charset="0"/>
+                      </a:endParaRPr>
+                    </a:p>
+                  </a:txBody>
+                  <a:tcPr marL="42343" marR="42343" marT="0" marB="0" anchor="ctr"/>
+                </a:tc>
+                <a:tc>
+                  <a:txBody>
+                    <a:bodyPr/>
+                    <a:lstStyle/>
+                    <a:p>
+                      <a:pPr algn="ctr">
+                        <a:lnSpc>
+                          <a:spcPct val="107000"/>
+                        </a:lnSpc>
+                        <a:spcAft>
+                          <a:spcPts val="0"/>
+                        </a:spcAft>
+                      </a:pPr>
+                      <a:r>
+                        <a:rPr lang="ru-RU" sz="900">
+                          <a:effectLst/>
+                        </a:rPr>
+                        <a:t>0,28</a:t>
+                      </a:r>
+                      <a:endParaRPr lang="ru-RU" sz="900">
+                        <a:effectLst/>
+                        <a:latin typeface="Calibri" panose="020F0502020204030204" pitchFamily="34" charset="0"/>
+                        <a:ea typeface="Calibri" panose="020F0502020204030204" pitchFamily="34" charset="0"/>
+                        <a:cs typeface="Times New Roman" panose="02020603050405020304" pitchFamily="18" charset="0"/>
+                      </a:endParaRPr>
+                    </a:p>
+                  </a:txBody>
+                  <a:tcPr marL="42343" marR="42343" marT="0" marB="0" anchor="ctr"/>
+                </a:tc>
+                <a:tc>
+                  <a:txBody>
+                    <a:bodyPr/>
+                    <a:lstStyle/>
+                    <a:p>
+                      <a:pPr algn="ctr">
+                        <a:lnSpc>
+                          <a:spcPct val="107000"/>
+                        </a:lnSpc>
+                        <a:spcAft>
+                          <a:spcPts val="0"/>
+                        </a:spcAft>
+                      </a:pPr>
+                      <a:r>
+                        <a:rPr lang="ru-RU" sz="900">
+                          <a:effectLst/>
+                        </a:rPr>
+                        <a:t>0,34</a:t>
+                      </a:r>
+                      <a:endParaRPr lang="ru-RU" sz="900">
+                        <a:effectLst/>
+                        <a:latin typeface="Calibri" panose="020F0502020204030204" pitchFamily="34" charset="0"/>
+                        <a:ea typeface="Calibri" panose="020F0502020204030204" pitchFamily="34" charset="0"/>
+                        <a:cs typeface="Times New Roman" panose="02020603050405020304" pitchFamily="18" charset="0"/>
+                      </a:endParaRPr>
+                    </a:p>
+                  </a:txBody>
+                  <a:tcPr marL="42343" marR="42343" marT="0" marB="0" anchor="ctr"/>
+                </a:tc>
+              </a:tr>
+              <a:tr h="470477">
+                <a:tc rowSpan="2">
+                  <a:txBody>
+                    <a:bodyPr/>
+                    <a:lstStyle/>
+                    <a:p>
+                      <a:pPr algn="ctr">
+                        <a:lnSpc>
+                          <a:spcPct val="107000"/>
+                        </a:lnSpc>
+                        <a:spcAft>
+                          <a:spcPts val="0"/>
+                        </a:spcAft>
+                      </a:pPr>
+                      <a:r>
+                        <a:rPr lang="ru-RU" sz="900">
+                          <a:effectLst/>
+                        </a:rPr>
+                        <a:t>Количества</a:t>
+                      </a:r>
+                      <a:endParaRPr lang="ru-RU" sz="900">
+                        <a:effectLst/>
+                        <a:latin typeface="Calibri" panose="020F0502020204030204" pitchFamily="34" charset="0"/>
+                        <a:ea typeface="Calibri" panose="020F0502020204030204" pitchFamily="34" charset="0"/>
+                        <a:cs typeface="Times New Roman" panose="02020603050405020304" pitchFamily="18" charset="0"/>
+                      </a:endParaRPr>
+                    </a:p>
+                  </a:txBody>
+                  <a:tcPr marL="42343" marR="42343" marT="0" marB="0" vert="vert270" anchor="ctr"/>
+                </a:tc>
+                <a:tc>
+                  <a:txBody>
+                    <a:bodyPr/>
+                    <a:lstStyle/>
+                    <a:p>
+                      <a:pPr algn="ctr">
+                        <a:lnSpc>
+                          <a:spcPct val="107000"/>
+                        </a:lnSpc>
+                        <a:spcAft>
+                          <a:spcPts val="0"/>
+                        </a:spcAft>
+                      </a:pPr>
+                      <a:r>
+                        <a:rPr lang="ru-RU" sz="900">
+                          <a:effectLst/>
+                        </a:rPr>
+                        <a:t>Правильно класси-фицировано дефолтов</a:t>
+                      </a:r>
+                      <a:endParaRPr lang="ru-RU" sz="900">
+                        <a:effectLst/>
+                        <a:latin typeface="Calibri" panose="020F0502020204030204" pitchFamily="34" charset="0"/>
+                        <a:ea typeface="Calibri" panose="020F0502020204030204" pitchFamily="34" charset="0"/>
+                        <a:cs typeface="Times New Roman" panose="02020603050405020304" pitchFamily="18" charset="0"/>
+                      </a:endParaRPr>
+                    </a:p>
+                  </a:txBody>
+                  <a:tcPr marL="42343" marR="42343" marT="0" marB="0" anchor="ctr"/>
+                </a:tc>
+                <a:tc>
+                  <a:txBody>
+                    <a:bodyPr/>
+                    <a:lstStyle/>
+                    <a:p>
+                      <a:pPr algn="ctr">
+                        <a:lnSpc>
+                          <a:spcPct val="107000"/>
+                        </a:lnSpc>
+                        <a:spcAft>
+                          <a:spcPts val="0"/>
+                        </a:spcAft>
+                      </a:pPr>
+                      <a:r>
+                        <a:rPr lang="ru-RU" sz="900" dirty="0">
+                          <a:effectLst/>
+                        </a:rPr>
+                        <a:t>4304</a:t>
+                      </a:r>
+                      <a:endParaRPr lang="ru-RU" sz="900" dirty="0">
+                        <a:effectLst/>
+                        <a:latin typeface="Calibri" panose="020F0502020204030204" pitchFamily="34" charset="0"/>
+                        <a:ea typeface="Calibri" panose="020F0502020204030204" pitchFamily="34" charset="0"/>
+                        <a:cs typeface="Times New Roman" panose="02020603050405020304" pitchFamily="18" charset="0"/>
+                      </a:endParaRPr>
+                    </a:p>
+                  </a:txBody>
+                  <a:tcPr marL="42343" marR="42343" marT="0" marB="0" anchor="ctr"/>
+                </a:tc>
+                <a:tc>
+                  <a:txBody>
+                    <a:bodyPr/>
+                    <a:lstStyle/>
+                    <a:p>
+                      <a:pPr algn="ctr">
+                        <a:lnSpc>
+                          <a:spcPct val="107000"/>
+                        </a:lnSpc>
+                        <a:spcAft>
+                          <a:spcPts val="0"/>
+                        </a:spcAft>
+                      </a:pPr>
+                      <a:r>
+                        <a:rPr lang="ru-RU" sz="900">
+                          <a:effectLst/>
+                        </a:rPr>
+                        <a:t>2132</a:t>
+                      </a:r>
+                      <a:endParaRPr lang="ru-RU" sz="900">
+                        <a:effectLst/>
+                        <a:latin typeface="Calibri" panose="020F0502020204030204" pitchFamily="34" charset="0"/>
+                        <a:ea typeface="Calibri" panose="020F0502020204030204" pitchFamily="34" charset="0"/>
+                        <a:cs typeface="Times New Roman" panose="02020603050405020304" pitchFamily="18" charset="0"/>
+                      </a:endParaRPr>
+                    </a:p>
+                  </a:txBody>
+                  <a:tcPr marL="42343" marR="42343" marT="0" marB="0" anchor="ctr"/>
+                </a:tc>
+                <a:tc>
+                  <a:txBody>
+                    <a:bodyPr/>
+                    <a:lstStyle/>
+                    <a:p>
+                      <a:pPr algn="ctr">
+                        <a:lnSpc>
+                          <a:spcPct val="107000"/>
+                        </a:lnSpc>
+                        <a:spcAft>
+                          <a:spcPts val="0"/>
+                        </a:spcAft>
+                      </a:pPr>
+                      <a:r>
+                        <a:rPr lang="ru-RU" sz="900" dirty="0">
+                          <a:effectLst/>
+                        </a:rPr>
+                        <a:t>1028</a:t>
+                      </a:r>
+                      <a:endParaRPr lang="ru-RU" sz="900" dirty="0">
+                        <a:effectLst/>
+                        <a:latin typeface="Calibri" panose="020F0502020204030204" pitchFamily="34" charset="0"/>
+                        <a:ea typeface="Calibri" panose="020F0502020204030204" pitchFamily="34" charset="0"/>
+                        <a:cs typeface="Times New Roman" panose="02020603050405020304" pitchFamily="18" charset="0"/>
+                      </a:endParaRPr>
+                    </a:p>
+                  </a:txBody>
+                  <a:tcPr marL="42343" marR="42343" marT="0" marB="0" anchor="ctr"/>
+                </a:tc>
+                <a:tc>
+                  <a:txBody>
+                    <a:bodyPr/>
+                    <a:lstStyle/>
+                    <a:p>
+                      <a:pPr algn="ctr">
+                        <a:lnSpc>
+                          <a:spcPct val="107000"/>
+                        </a:lnSpc>
+                        <a:spcAft>
+                          <a:spcPts val="0"/>
+                        </a:spcAft>
+                      </a:pPr>
+                      <a:r>
+                        <a:rPr lang="ru-RU" sz="900">
+                          <a:effectLst/>
+                        </a:rPr>
+                        <a:t>515</a:t>
+                      </a:r>
+                      <a:endParaRPr lang="ru-RU" sz="900">
+                        <a:effectLst/>
+                        <a:latin typeface="Calibri" panose="020F0502020204030204" pitchFamily="34" charset="0"/>
+                        <a:ea typeface="Calibri" panose="020F0502020204030204" pitchFamily="34" charset="0"/>
+                        <a:cs typeface="Times New Roman" panose="02020603050405020304" pitchFamily="18" charset="0"/>
+                      </a:endParaRPr>
+                    </a:p>
+                  </a:txBody>
+                  <a:tcPr marL="42343" marR="42343" marT="0" marB="0" anchor="ctr"/>
+                </a:tc>
+                <a:tc>
+                  <a:txBody>
+                    <a:bodyPr/>
+                    <a:lstStyle/>
+                    <a:p>
+                      <a:pPr algn="ctr">
+                        <a:lnSpc>
+                          <a:spcPct val="107000"/>
+                        </a:lnSpc>
+                        <a:spcAft>
+                          <a:spcPts val="0"/>
+                        </a:spcAft>
+                      </a:pPr>
+                      <a:r>
+                        <a:rPr lang="ru-RU" sz="900">
+                          <a:effectLst/>
+                        </a:rPr>
+                        <a:t>256</a:t>
+                      </a:r>
+                      <a:endParaRPr lang="ru-RU" sz="900">
+                        <a:effectLst/>
+                        <a:latin typeface="Calibri" panose="020F0502020204030204" pitchFamily="34" charset="0"/>
+                        <a:ea typeface="Calibri" panose="020F0502020204030204" pitchFamily="34" charset="0"/>
+                        <a:cs typeface="Times New Roman" panose="02020603050405020304" pitchFamily="18" charset="0"/>
+                      </a:endParaRPr>
+                    </a:p>
+                  </a:txBody>
+                  <a:tcPr marL="42343" marR="42343" marT="0" marB="0" anchor="ctr"/>
+                </a:tc>
+                <a:tc>
+                  <a:txBody>
+                    <a:bodyPr/>
+                    <a:lstStyle/>
+                    <a:p>
+                      <a:pPr algn="ctr">
+                        <a:lnSpc>
+                          <a:spcPct val="107000"/>
+                        </a:lnSpc>
+                        <a:spcAft>
+                          <a:spcPts val="0"/>
+                        </a:spcAft>
+                      </a:pPr>
+                      <a:r>
+                        <a:rPr lang="ru-RU" sz="900">
+                          <a:effectLst/>
+                        </a:rPr>
+                        <a:t>133</a:t>
+                      </a:r>
+                      <a:endParaRPr lang="ru-RU" sz="900">
+                        <a:effectLst/>
+                        <a:latin typeface="Calibri" panose="020F0502020204030204" pitchFamily="34" charset="0"/>
+                        <a:ea typeface="Calibri" panose="020F0502020204030204" pitchFamily="34" charset="0"/>
+                        <a:cs typeface="Times New Roman" panose="02020603050405020304" pitchFamily="18" charset="0"/>
+                      </a:endParaRPr>
+                    </a:p>
+                  </a:txBody>
+                  <a:tcPr marL="42343" marR="42343" marT="0" marB="0" anchor="ctr"/>
+                </a:tc>
+              </a:tr>
+              <a:tr h="470477">
+                <a:tc vMerge="1">
+                  <a:txBody>
+                    <a:bodyPr/>
+                    <a:lstStyle/>
+                    <a:p>
+                      <a:endParaRPr lang="ru-RU"/>
+                    </a:p>
+                  </a:txBody>
+                  <a:tcPr/>
+                </a:tc>
+                <a:tc>
+                  <a:txBody>
+                    <a:bodyPr/>
+                    <a:lstStyle/>
+                    <a:p>
+                      <a:pPr algn="ctr">
+                        <a:lnSpc>
+                          <a:spcPct val="107000"/>
+                        </a:lnSpc>
+                        <a:spcAft>
+                          <a:spcPts val="0"/>
+                        </a:spcAft>
+                      </a:pPr>
+                      <a:r>
+                        <a:rPr lang="ru-RU" sz="900">
+                          <a:effectLst/>
+                        </a:rPr>
+                        <a:t>Правильно класси-фицировано не дефолтов</a:t>
+                      </a:r>
+                      <a:endParaRPr lang="ru-RU" sz="900">
+                        <a:effectLst/>
+                        <a:latin typeface="Calibri" panose="020F0502020204030204" pitchFamily="34" charset="0"/>
+                        <a:ea typeface="Calibri" panose="020F0502020204030204" pitchFamily="34" charset="0"/>
+                        <a:cs typeface="Times New Roman" panose="02020603050405020304" pitchFamily="18" charset="0"/>
+                      </a:endParaRPr>
+                    </a:p>
+                  </a:txBody>
+                  <a:tcPr marL="42343" marR="42343" marT="0" marB="0" anchor="ctr"/>
+                </a:tc>
+                <a:tc>
+                  <a:txBody>
+                    <a:bodyPr/>
+                    <a:lstStyle/>
+                    <a:p>
+                      <a:pPr algn="ctr">
+                        <a:lnSpc>
+                          <a:spcPct val="107000"/>
+                        </a:lnSpc>
+                        <a:spcAft>
+                          <a:spcPts val="0"/>
+                        </a:spcAft>
+                      </a:pPr>
+                      <a:r>
+                        <a:rPr lang="ru-RU" sz="900" dirty="0">
+                          <a:effectLst/>
+                        </a:rPr>
+                        <a:t>171477</a:t>
+                      </a:r>
+                      <a:endParaRPr lang="ru-RU" sz="900" dirty="0">
+                        <a:effectLst/>
+                        <a:latin typeface="Calibri" panose="020F0502020204030204" pitchFamily="34" charset="0"/>
+                        <a:ea typeface="Calibri" panose="020F0502020204030204" pitchFamily="34" charset="0"/>
+                        <a:cs typeface="Times New Roman" panose="02020603050405020304" pitchFamily="18" charset="0"/>
+                      </a:endParaRPr>
+                    </a:p>
+                  </a:txBody>
+                  <a:tcPr marL="42343" marR="42343" marT="0" marB="0" anchor="ctr"/>
+                </a:tc>
+                <a:tc>
+                  <a:txBody>
+                    <a:bodyPr/>
+                    <a:lstStyle/>
+                    <a:p>
+                      <a:pPr algn="ctr">
+                        <a:lnSpc>
+                          <a:spcPct val="107000"/>
+                        </a:lnSpc>
+                        <a:spcAft>
+                          <a:spcPts val="0"/>
+                        </a:spcAft>
+                      </a:pPr>
+                      <a:r>
+                        <a:rPr lang="ru-RU" sz="900">
+                          <a:effectLst/>
+                        </a:rPr>
+                        <a:t>199168</a:t>
+                      </a:r>
+                      <a:endParaRPr lang="ru-RU" sz="900">
+                        <a:effectLst/>
+                        <a:latin typeface="Calibri" panose="020F0502020204030204" pitchFamily="34" charset="0"/>
+                        <a:ea typeface="Calibri" panose="020F0502020204030204" pitchFamily="34" charset="0"/>
+                        <a:cs typeface="Times New Roman" panose="02020603050405020304" pitchFamily="18" charset="0"/>
+                      </a:endParaRPr>
+                    </a:p>
+                  </a:txBody>
+                  <a:tcPr marL="42343" marR="42343" marT="0" marB="0" anchor="ctr"/>
+                </a:tc>
+                <a:tc>
+                  <a:txBody>
+                    <a:bodyPr/>
+                    <a:lstStyle/>
+                    <a:p>
+                      <a:pPr algn="ctr">
+                        <a:lnSpc>
+                          <a:spcPct val="107000"/>
+                        </a:lnSpc>
+                        <a:spcAft>
+                          <a:spcPts val="0"/>
+                        </a:spcAft>
+                      </a:pPr>
+                      <a:r>
+                        <a:rPr lang="ru-RU" sz="900">
+                          <a:effectLst/>
+                        </a:rPr>
+                        <a:t>206352</a:t>
+                      </a:r>
+                      <a:endParaRPr lang="ru-RU" sz="900">
+                        <a:effectLst/>
+                        <a:latin typeface="Calibri" panose="020F0502020204030204" pitchFamily="34" charset="0"/>
+                        <a:ea typeface="Calibri" panose="020F0502020204030204" pitchFamily="34" charset="0"/>
+                        <a:cs typeface="Times New Roman" panose="02020603050405020304" pitchFamily="18" charset="0"/>
+                      </a:endParaRPr>
+                    </a:p>
+                  </a:txBody>
+                  <a:tcPr marL="42343" marR="42343" marT="0" marB="0" anchor="ctr"/>
+                </a:tc>
+                <a:tc>
+                  <a:txBody>
+                    <a:bodyPr/>
+                    <a:lstStyle/>
+                    <a:p>
+                      <a:pPr algn="ctr">
+                        <a:lnSpc>
+                          <a:spcPct val="107000"/>
+                        </a:lnSpc>
+                        <a:spcAft>
+                          <a:spcPts val="0"/>
+                        </a:spcAft>
+                      </a:pPr>
+                      <a:r>
+                        <a:rPr lang="ru-RU" sz="900">
+                          <a:effectLst/>
+                        </a:rPr>
+                        <a:t>208329</a:t>
+                      </a:r>
+                      <a:endParaRPr lang="ru-RU" sz="900">
+                        <a:effectLst/>
+                        <a:latin typeface="Calibri" panose="020F0502020204030204" pitchFamily="34" charset="0"/>
+                        <a:ea typeface="Calibri" panose="020F0502020204030204" pitchFamily="34" charset="0"/>
+                        <a:cs typeface="Times New Roman" panose="02020603050405020304" pitchFamily="18" charset="0"/>
+                      </a:endParaRPr>
+                    </a:p>
+                  </a:txBody>
+                  <a:tcPr marL="42343" marR="42343" marT="0" marB="0" anchor="ctr"/>
+                </a:tc>
+                <a:tc>
+                  <a:txBody>
+                    <a:bodyPr/>
+                    <a:lstStyle/>
+                    <a:p>
+                      <a:pPr algn="ctr">
+                        <a:lnSpc>
+                          <a:spcPct val="107000"/>
+                        </a:lnSpc>
+                        <a:spcAft>
+                          <a:spcPts val="0"/>
+                        </a:spcAft>
+                      </a:pPr>
+                      <a:r>
+                        <a:rPr lang="ru-RU" sz="900">
+                          <a:effectLst/>
+                        </a:rPr>
+                        <a:t>208990</a:t>
+                      </a:r>
+                      <a:endParaRPr lang="ru-RU" sz="900">
+                        <a:effectLst/>
+                        <a:latin typeface="Calibri" panose="020F0502020204030204" pitchFamily="34" charset="0"/>
+                        <a:ea typeface="Calibri" panose="020F0502020204030204" pitchFamily="34" charset="0"/>
+                        <a:cs typeface="Times New Roman" panose="02020603050405020304" pitchFamily="18" charset="0"/>
+                      </a:endParaRPr>
+                    </a:p>
+                  </a:txBody>
+                  <a:tcPr marL="42343" marR="42343" marT="0" marB="0" anchor="ctr"/>
+                </a:tc>
+                <a:tc>
+                  <a:txBody>
+                    <a:bodyPr/>
+                    <a:lstStyle/>
+                    <a:p>
+                      <a:pPr algn="ctr">
+                        <a:lnSpc>
+                          <a:spcPct val="107000"/>
+                        </a:lnSpc>
+                        <a:spcAft>
+                          <a:spcPts val="0"/>
+                        </a:spcAft>
+                      </a:pPr>
+                      <a:r>
+                        <a:rPr lang="ru-RU" sz="900">
+                          <a:effectLst/>
+                        </a:rPr>
+                        <a:t>209235</a:t>
+                      </a:r>
+                      <a:endParaRPr lang="ru-RU" sz="900">
+                        <a:effectLst/>
+                        <a:latin typeface="Calibri" panose="020F0502020204030204" pitchFamily="34" charset="0"/>
+                        <a:ea typeface="Calibri" panose="020F0502020204030204" pitchFamily="34" charset="0"/>
+                        <a:cs typeface="Times New Roman" panose="02020603050405020304" pitchFamily="18" charset="0"/>
+                      </a:endParaRPr>
+                    </a:p>
+                  </a:txBody>
+                  <a:tcPr marL="42343" marR="42343" marT="0" marB="0" anchor="ctr"/>
+                </a:tc>
+              </a:tr>
+              <a:tr h="705716">
+                <a:tc rowSpan="2">
+                  <a:txBody>
+                    <a:bodyPr/>
+                    <a:lstStyle/>
+                    <a:p>
+                      <a:pPr algn="ctr">
+                        <a:lnSpc>
+                          <a:spcPct val="107000"/>
+                        </a:lnSpc>
+                        <a:spcAft>
+                          <a:spcPts val="0"/>
+                        </a:spcAft>
+                      </a:pPr>
+                      <a:r>
+                        <a:rPr lang="ru-RU" sz="900">
+                          <a:effectLst/>
+                        </a:rPr>
+                        <a:t>Доли</a:t>
+                      </a:r>
+                      <a:endParaRPr lang="ru-RU" sz="900">
+                        <a:effectLst/>
+                        <a:latin typeface="Calibri" panose="020F0502020204030204" pitchFamily="34" charset="0"/>
+                        <a:ea typeface="Calibri" panose="020F0502020204030204" pitchFamily="34" charset="0"/>
+                        <a:cs typeface="Times New Roman" panose="02020603050405020304" pitchFamily="18" charset="0"/>
+                      </a:endParaRPr>
+                    </a:p>
+                  </a:txBody>
+                  <a:tcPr marL="42343" marR="42343" marT="0" marB="0" vert="vert270" anchor="ctr"/>
+                </a:tc>
+                <a:tc>
+                  <a:txBody>
+                    <a:bodyPr/>
+                    <a:lstStyle/>
+                    <a:p>
+                      <a:pPr algn="ctr">
+                        <a:lnSpc>
+                          <a:spcPct val="107000"/>
+                        </a:lnSpc>
+                        <a:spcAft>
+                          <a:spcPts val="0"/>
+                        </a:spcAft>
+                      </a:pPr>
+                      <a:r>
+                        <a:rPr lang="ru-RU" sz="900">
+                          <a:effectLst/>
+                        </a:rPr>
+                        <a:t>Доля правильно клас-сифицированных дефолтов%</a:t>
+                      </a:r>
+                      <a:endParaRPr lang="ru-RU" sz="900">
+                        <a:effectLst/>
+                        <a:latin typeface="Calibri" panose="020F0502020204030204" pitchFamily="34" charset="0"/>
+                        <a:ea typeface="Calibri" panose="020F0502020204030204" pitchFamily="34" charset="0"/>
+                        <a:cs typeface="Times New Roman" panose="02020603050405020304" pitchFamily="18" charset="0"/>
+                      </a:endParaRPr>
+                    </a:p>
+                  </a:txBody>
+                  <a:tcPr marL="42343" marR="42343" marT="0" marB="0" anchor="ctr"/>
+                </a:tc>
+                <a:tc>
+                  <a:txBody>
+                    <a:bodyPr/>
+                    <a:lstStyle/>
+                    <a:p>
+                      <a:pPr algn="ctr">
+                        <a:lnSpc>
+                          <a:spcPct val="107000"/>
+                        </a:lnSpc>
+                        <a:spcAft>
+                          <a:spcPts val="0"/>
+                        </a:spcAft>
+                      </a:pPr>
+                      <a:r>
+                        <a:rPr lang="ru-RU" sz="900" dirty="0">
+                          <a:effectLst/>
+                        </a:rPr>
+                        <a:t>61,81</a:t>
+                      </a:r>
+                      <a:endParaRPr lang="ru-RU" sz="900" dirty="0">
+                        <a:effectLst/>
+                        <a:latin typeface="Calibri" panose="020F0502020204030204" pitchFamily="34" charset="0"/>
+                        <a:ea typeface="Calibri" panose="020F0502020204030204" pitchFamily="34" charset="0"/>
+                        <a:cs typeface="Times New Roman" panose="02020603050405020304" pitchFamily="18" charset="0"/>
+                      </a:endParaRPr>
+                    </a:p>
+                  </a:txBody>
+                  <a:tcPr marL="42343" marR="42343" marT="0" marB="0" anchor="ctr"/>
+                </a:tc>
+                <a:tc>
+                  <a:txBody>
+                    <a:bodyPr/>
+                    <a:lstStyle/>
+                    <a:p>
+                      <a:pPr algn="ctr">
+                        <a:lnSpc>
+                          <a:spcPct val="107000"/>
+                        </a:lnSpc>
+                        <a:spcAft>
+                          <a:spcPts val="0"/>
+                        </a:spcAft>
+                      </a:pPr>
+                      <a:r>
+                        <a:rPr lang="ru-RU" sz="900">
+                          <a:effectLst/>
+                        </a:rPr>
+                        <a:t>30,62</a:t>
+                      </a:r>
+                      <a:endParaRPr lang="ru-RU" sz="900">
+                        <a:effectLst/>
+                        <a:latin typeface="Calibri" panose="020F0502020204030204" pitchFamily="34" charset="0"/>
+                        <a:ea typeface="Calibri" panose="020F0502020204030204" pitchFamily="34" charset="0"/>
+                        <a:cs typeface="Times New Roman" panose="02020603050405020304" pitchFamily="18" charset="0"/>
+                      </a:endParaRPr>
+                    </a:p>
+                  </a:txBody>
+                  <a:tcPr marL="42343" marR="42343" marT="0" marB="0" anchor="ctr"/>
+                </a:tc>
+                <a:tc>
+                  <a:txBody>
+                    <a:bodyPr/>
+                    <a:lstStyle/>
+                    <a:p>
+                      <a:pPr algn="ctr">
+                        <a:lnSpc>
+                          <a:spcPct val="107000"/>
+                        </a:lnSpc>
+                        <a:spcAft>
+                          <a:spcPts val="0"/>
+                        </a:spcAft>
+                      </a:pPr>
+                      <a:r>
+                        <a:rPr lang="ru-RU" sz="900">
+                          <a:effectLst/>
+                        </a:rPr>
+                        <a:t>14,76</a:t>
+                      </a:r>
+                      <a:endParaRPr lang="ru-RU" sz="900">
+                        <a:effectLst/>
+                        <a:latin typeface="Calibri" panose="020F0502020204030204" pitchFamily="34" charset="0"/>
+                        <a:ea typeface="Calibri" panose="020F0502020204030204" pitchFamily="34" charset="0"/>
+                        <a:cs typeface="Times New Roman" panose="02020603050405020304" pitchFamily="18" charset="0"/>
+                      </a:endParaRPr>
+                    </a:p>
+                  </a:txBody>
+                  <a:tcPr marL="42343" marR="42343" marT="0" marB="0" anchor="ctr"/>
+                </a:tc>
+                <a:tc>
+                  <a:txBody>
+                    <a:bodyPr/>
+                    <a:lstStyle/>
+                    <a:p>
+                      <a:pPr algn="ctr">
+                        <a:lnSpc>
+                          <a:spcPct val="107000"/>
+                        </a:lnSpc>
+                        <a:spcAft>
+                          <a:spcPts val="0"/>
+                        </a:spcAft>
+                      </a:pPr>
+                      <a:r>
+                        <a:rPr lang="ru-RU" sz="900">
+                          <a:effectLst/>
+                        </a:rPr>
+                        <a:t>7,4</a:t>
+                      </a:r>
+                      <a:endParaRPr lang="ru-RU" sz="900">
+                        <a:effectLst/>
+                        <a:latin typeface="Calibri" panose="020F0502020204030204" pitchFamily="34" charset="0"/>
+                        <a:ea typeface="Calibri" panose="020F0502020204030204" pitchFamily="34" charset="0"/>
+                        <a:cs typeface="Times New Roman" panose="02020603050405020304" pitchFamily="18" charset="0"/>
+                      </a:endParaRPr>
+                    </a:p>
+                  </a:txBody>
+                  <a:tcPr marL="42343" marR="42343" marT="0" marB="0" anchor="ctr"/>
+                </a:tc>
+                <a:tc>
+                  <a:txBody>
+                    <a:bodyPr/>
+                    <a:lstStyle/>
+                    <a:p>
+                      <a:pPr algn="ctr">
+                        <a:lnSpc>
+                          <a:spcPct val="107000"/>
+                        </a:lnSpc>
+                        <a:spcAft>
+                          <a:spcPts val="0"/>
+                        </a:spcAft>
+                      </a:pPr>
+                      <a:r>
+                        <a:rPr lang="ru-RU" sz="900">
+                          <a:effectLst/>
+                        </a:rPr>
+                        <a:t>3,68</a:t>
+                      </a:r>
+                      <a:endParaRPr lang="ru-RU" sz="900">
+                        <a:effectLst/>
+                        <a:latin typeface="Calibri" panose="020F0502020204030204" pitchFamily="34" charset="0"/>
+                        <a:ea typeface="Calibri" panose="020F0502020204030204" pitchFamily="34" charset="0"/>
+                        <a:cs typeface="Times New Roman" panose="02020603050405020304" pitchFamily="18" charset="0"/>
+                      </a:endParaRPr>
+                    </a:p>
+                  </a:txBody>
+                  <a:tcPr marL="42343" marR="42343" marT="0" marB="0" anchor="ctr"/>
+                </a:tc>
+                <a:tc>
+                  <a:txBody>
+                    <a:bodyPr/>
+                    <a:lstStyle/>
+                    <a:p>
+                      <a:pPr algn="ctr">
+                        <a:lnSpc>
+                          <a:spcPct val="107000"/>
+                        </a:lnSpc>
+                        <a:spcAft>
+                          <a:spcPts val="0"/>
+                        </a:spcAft>
+                      </a:pPr>
+                      <a:r>
+                        <a:rPr lang="ru-RU" sz="900">
+                          <a:effectLst/>
+                        </a:rPr>
+                        <a:t>1,91</a:t>
+                      </a:r>
+                      <a:endParaRPr lang="ru-RU" sz="900">
+                        <a:effectLst/>
+                        <a:latin typeface="Calibri" panose="020F0502020204030204" pitchFamily="34" charset="0"/>
+                        <a:ea typeface="Calibri" panose="020F0502020204030204" pitchFamily="34" charset="0"/>
+                        <a:cs typeface="Times New Roman" panose="02020603050405020304" pitchFamily="18" charset="0"/>
+                      </a:endParaRPr>
+                    </a:p>
+                  </a:txBody>
+                  <a:tcPr marL="42343" marR="42343" marT="0" marB="0" anchor="ctr"/>
+                </a:tc>
+              </a:tr>
+              <a:tr h="705716">
+                <a:tc vMerge="1">
+                  <a:txBody>
+                    <a:bodyPr/>
+                    <a:lstStyle/>
+                    <a:p>
+                      <a:endParaRPr lang="ru-RU"/>
+                    </a:p>
+                  </a:txBody>
+                  <a:tcPr/>
+                </a:tc>
+                <a:tc>
+                  <a:txBody>
+                    <a:bodyPr/>
+                    <a:lstStyle/>
+                    <a:p>
+                      <a:pPr algn="ctr">
+                        <a:lnSpc>
+                          <a:spcPct val="107000"/>
+                        </a:lnSpc>
+                        <a:spcAft>
+                          <a:spcPts val="0"/>
+                        </a:spcAft>
+                      </a:pPr>
+                      <a:r>
+                        <a:rPr lang="ru-RU" sz="900">
+                          <a:effectLst/>
+                        </a:rPr>
+                        <a:t>Доля правильно клас-сифицированных не дефолтов%</a:t>
+                      </a:r>
+                      <a:endParaRPr lang="ru-RU" sz="900">
+                        <a:effectLst/>
+                        <a:latin typeface="Calibri" panose="020F0502020204030204" pitchFamily="34" charset="0"/>
+                        <a:ea typeface="Calibri" panose="020F0502020204030204" pitchFamily="34" charset="0"/>
+                        <a:cs typeface="Times New Roman" panose="02020603050405020304" pitchFamily="18" charset="0"/>
+                      </a:endParaRPr>
+                    </a:p>
+                  </a:txBody>
+                  <a:tcPr marL="42343" marR="42343" marT="0" marB="0" anchor="ctr"/>
+                </a:tc>
+                <a:tc>
+                  <a:txBody>
+                    <a:bodyPr/>
+                    <a:lstStyle/>
+                    <a:p>
+                      <a:pPr algn="ctr">
+                        <a:lnSpc>
+                          <a:spcPct val="107000"/>
+                        </a:lnSpc>
+                        <a:spcAft>
+                          <a:spcPts val="0"/>
+                        </a:spcAft>
+                      </a:pPr>
+                      <a:r>
+                        <a:rPr lang="ru-RU" sz="900">
+                          <a:effectLst/>
+                        </a:rPr>
+                        <a:t>81,89</a:t>
+                      </a:r>
+                      <a:endParaRPr lang="ru-RU" sz="900">
+                        <a:effectLst/>
+                        <a:latin typeface="Calibri" panose="020F0502020204030204" pitchFamily="34" charset="0"/>
+                        <a:ea typeface="Calibri" panose="020F0502020204030204" pitchFamily="34" charset="0"/>
+                        <a:cs typeface="Times New Roman" panose="02020603050405020304" pitchFamily="18" charset="0"/>
+                      </a:endParaRPr>
+                    </a:p>
+                  </a:txBody>
+                  <a:tcPr marL="42343" marR="42343" marT="0" marB="0" anchor="ctr"/>
+                </a:tc>
+                <a:tc>
+                  <a:txBody>
+                    <a:bodyPr/>
+                    <a:lstStyle/>
+                    <a:p>
+                      <a:pPr algn="ctr">
+                        <a:lnSpc>
+                          <a:spcPct val="107000"/>
+                        </a:lnSpc>
+                        <a:spcAft>
+                          <a:spcPts val="0"/>
+                        </a:spcAft>
+                      </a:pPr>
+                      <a:r>
+                        <a:rPr lang="ru-RU" sz="900">
+                          <a:effectLst/>
+                        </a:rPr>
+                        <a:t>95,11</a:t>
+                      </a:r>
+                      <a:endParaRPr lang="ru-RU" sz="900">
+                        <a:effectLst/>
+                        <a:latin typeface="Calibri" panose="020F0502020204030204" pitchFamily="34" charset="0"/>
+                        <a:ea typeface="Calibri" panose="020F0502020204030204" pitchFamily="34" charset="0"/>
+                        <a:cs typeface="Times New Roman" panose="02020603050405020304" pitchFamily="18" charset="0"/>
+                      </a:endParaRPr>
+                    </a:p>
+                  </a:txBody>
+                  <a:tcPr marL="42343" marR="42343" marT="0" marB="0" anchor="ctr"/>
+                </a:tc>
+                <a:tc>
+                  <a:txBody>
+                    <a:bodyPr/>
+                    <a:lstStyle/>
+                    <a:p>
+                      <a:pPr algn="ctr">
+                        <a:lnSpc>
+                          <a:spcPct val="107000"/>
+                        </a:lnSpc>
+                        <a:spcAft>
+                          <a:spcPts val="0"/>
+                        </a:spcAft>
+                      </a:pPr>
+                      <a:r>
+                        <a:rPr lang="ru-RU" sz="900">
+                          <a:effectLst/>
+                        </a:rPr>
+                        <a:t>98,54</a:t>
+                      </a:r>
+                      <a:endParaRPr lang="ru-RU" sz="900">
+                        <a:effectLst/>
+                        <a:latin typeface="Calibri" panose="020F0502020204030204" pitchFamily="34" charset="0"/>
+                        <a:ea typeface="Calibri" panose="020F0502020204030204" pitchFamily="34" charset="0"/>
+                        <a:cs typeface="Times New Roman" panose="02020603050405020304" pitchFamily="18" charset="0"/>
+                      </a:endParaRPr>
+                    </a:p>
+                  </a:txBody>
+                  <a:tcPr marL="42343" marR="42343" marT="0" marB="0" anchor="ctr"/>
+                </a:tc>
+                <a:tc>
+                  <a:txBody>
+                    <a:bodyPr/>
+                    <a:lstStyle/>
+                    <a:p>
+                      <a:pPr algn="ctr">
+                        <a:lnSpc>
+                          <a:spcPct val="107000"/>
+                        </a:lnSpc>
+                        <a:spcAft>
+                          <a:spcPts val="0"/>
+                        </a:spcAft>
+                      </a:pPr>
+                      <a:r>
+                        <a:rPr lang="ru-RU" sz="900">
+                          <a:effectLst/>
+                        </a:rPr>
+                        <a:t>99,49</a:t>
+                      </a:r>
+                      <a:endParaRPr lang="ru-RU" sz="900">
+                        <a:effectLst/>
+                        <a:latin typeface="Calibri" panose="020F0502020204030204" pitchFamily="34" charset="0"/>
+                        <a:ea typeface="Calibri" panose="020F0502020204030204" pitchFamily="34" charset="0"/>
+                        <a:cs typeface="Times New Roman" panose="02020603050405020304" pitchFamily="18" charset="0"/>
+                      </a:endParaRPr>
+                    </a:p>
+                  </a:txBody>
+                  <a:tcPr marL="42343" marR="42343" marT="0" marB="0" anchor="ctr"/>
+                </a:tc>
+                <a:tc>
+                  <a:txBody>
+                    <a:bodyPr/>
+                    <a:lstStyle/>
+                    <a:p>
+                      <a:pPr algn="ctr">
+                        <a:lnSpc>
+                          <a:spcPct val="107000"/>
+                        </a:lnSpc>
+                        <a:spcAft>
+                          <a:spcPts val="0"/>
+                        </a:spcAft>
+                      </a:pPr>
+                      <a:r>
+                        <a:rPr lang="ru-RU" sz="900">
+                          <a:effectLst/>
+                        </a:rPr>
+                        <a:t>99,8</a:t>
+                      </a:r>
+                      <a:endParaRPr lang="ru-RU" sz="900">
+                        <a:effectLst/>
+                        <a:latin typeface="Calibri" panose="020F0502020204030204" pitchFamily="34" charset="0"/>
+                        <a:ea typeface="Calibri" panose="020F0502020204030204" pitchFamily="34" charset="0"/>
+                        <a:cs typeface="Times New Roman" panose="02020603050405020304" pitchFamily="18" charset="0"/>
+                      </a:endParaRPr>
+                    </a:p>
+                  </a:txBody>
+                  <a:tcPr marL="42343" marR="42343" marT="0" marB="0" anchor="ctr"/>
+                </a:tc>
+                <a:tc>
+                  <a:txBody>
+                    <a:bodyPr/>
+                    <a:lstStyle/>
+                    <a:p>
+                      <a:pPr algn="ctr">
+                        <a:lnSpc>
+                          <a:spcPct val="107000"/>
+                        </a:lnSpc>
+                        <a:spcAft>
+                          <a:spcPts val="0"/>
+                        </a:spcAft>
+                      </a:pPr>
+                      <a:r>
+                        <a:rPr lang="ru-RU" sz="900" dirty="0">
+                          <a:effectLst/>
+                        </a:rPr>
+                        <a:t>99,92</a:t>
+                      </a:r>
+                      <a:endParaRPr lang="ru-RU" sz="900" dirty="0">
+                        <a:effectLst/>
+                        <a:latin typeface="Calibri" panose="020F0502020204030204" pitchFamily="34" charset="0"/>
+                        <a:ea typeface="Calibri" panose="020F0502020204030204" pitchFamily="34" charset="0"/>
+                        <a:cs typeface="Times New Roman" panose="02020603050405020304" pitchFamily="18" charset="0"/>
+                      </a:endParaRPr>
+                    </a:p>
+                  </a:txBody>
+                  <a:tcPr marL="42343" marR="42343" marT="0" marB="0" anchor="ctr"/>
+                </a:tc>
+              </a:tr>
+              <a:tr h="235239">
+                <a:tc rowSpan="5">
+                  <a:txBody>
+                    <a:bodyPr/>
+                    <a:lstStyle/>
+                    <a:p>
+                      <a:pPr algn="ctr">
+                        <a:lnSpc>
+                          <a:spcPct val="107000"/>
+                        </a:lnSpc>
+                        <a:spcAft>
+                          <a:spcPts val="0"/>
+                        </a:spcAft>
+                      </a:pPr>
+                      <a:r>
+                        <a:rPr lang="ru-RU" sz="900">
+                          <a:effectLst/>
+                        </a:rPr>
+                        <a:t>Экономические показатели (BYN)</a:t>
+                      </a:r>
+                      <a:endParaRPr lang="ru-RU" sz="900">
+                        <a:effectLst/>
+                        <a:latin typeface="Calibri" panose="020F0502020204030204" pitchFamily="34" charset="0"/>
+                        <a:ea typeface="Calibri" panose="020F0502020204030204" pitchFamily="34" charset="0"/>
+                        <a:cs typeface="Times New Roman" panose="02020603050405020304" pitchFamily="18" charset="0"/>
+                      </a:endParaRPr>
+                    </a:p>
+                  </a:txBody>
+                  <a:tcPr marL="42343" marR="42343" marT="0" marB="0" vert="vert270" anchor="ctr"/>
+                </a:tc>
+                <a:tc>
+                  <a:txBody>
+                    <a:bodyPr/>
+                    <a:lstStyle/>
+                    <a:p>
+                      <a:pPr algn="ctr">
+                        <a:lnSpc>
+                          <a:spcPct val="107000"/>
+                        </a:lnSpc>
+                        <a:spcAft>
+                          <a:spcPts val="0"/>
+                        </a:spcAft>
+                      </a:pPr>
+                      <a:r>
+                        <a:rPr lang="ru-RU" sz="900">
+                          <a:effectLst/>
+                        </a:rPr>
+                        <a:t>Потери на процентах</a:t>
+                      </a:r>
+                      <a:endParaRPr lang="ru-RU" sz="900">
+                        <a:effectLst/>
+                        <a:latin typeface="Calibri" panose="020F0502020204030204" pitchFamily="34" charset="0"/>
+                        <a:ea typeface="Calibri" panose="020F0502020204030204" pitchFamily="34" charset="0"/>
+                        <a:cs typeface="Times New Roman" panose="02020603050405020304" pitchFamily="18" charset="0"/>
+                      </a:endParaRPr>
+                    </a:p>
+                  </a:txBody>
+                  <a:tcPr marL="42343" marR="42343" marT="0" marB="0" anchor="ctr"/>
+                </a:tc>
+                <a:tc>
+                  <a:txBody>
+                    <a:bodyPr/>
+                    <a:lstStyle/>
+                    <a:p>
+                      <a:pPr algn="ctr">
+                        <a:lnSpc>
+                          <a:spcPct val="107000"/>
+                        </a:lnSpc>
+                        <a:spcAft>
+                          <a:spcPts val="0"/>
+                        </a:spcAft>
+                      </a:pPr>
+                      <a:r>
+                        <a:rPr lang="ru-RU" sz="900">
+                          <a:effectLst/>
+                        </a:rPr>
+                        <a:t>5294381</a:t>
+                      </a:r>
+                      <a:endParaRPr lang="ru-RU" sz="900">
+                        <a:effectLst/>
+                        <a:latin typeface="Calibri" panose="020F0502020204030204" pitchFamily="34" charset="0"/>
+                        <a:ea typeface="Calibri" panose="020F0502020204030204" pitchFamily="34" charset="0"/>
+                        <a:cs typeface="Times New Roman" panose="02020603050405020304" pitchFamily="18" charset="0"/>
+                      </a:endParaRPr>
+                    </a:p>
+                  </a:txBody>
+                  <a:tcPr marL="42343" marR="42343" marT="0" marB="0" anchor="ctr"/>
+                </a:tc>
+                <a:tc>
+                  <a:txBody>
+                    <a:bodyPr/>
+                    <a:lstStyle/>
+                    <a:p>
+                      <a:pPr algn="ctr">
+                        <a:lnSpc>
+                          <a:spcPct val="107000"/>
+                        </a:lnSpc>
+                        <a:spcAft>
+                          <a:spcPts val="0"/>
+                        </a:spcAft>
+                      </a:pPr>
+                      <a:r>
+                        <a:rPr lang="ru-RU" sz="900">
+                          <a:effectLst/>
+                        </a:rPr>
+                        <a:t>1339533</a:t>
+                      </a:r>
+                      <a:endParaRPr lang="ru-RU" sz="900">
+                        <a:effectLst/>
+                        <a:latin typeface="Calibri" panose="020F0502020204030204" pitchFamily="34" charset="0"/>
+                        <a:ea typeface="Calibri" panose="020F0502020204030204" pitchFamily="34" charset="0"/>
+                        <a:cs typeface="Times New Roman" panose="02020603050405020304" pitchFamily="18" charset="0"/>
+                      </a:endParaRPr>
+                    </a:p>
+                  </a:txBody>
+                  <a:tcPr marL="42343" marR="42343" marT="0" marB="0" anchor="ctr"/>
+                </a:tc>
+                <a:tc>
+                  <a:txBody>
+                    <a:bodyPr/>
+                    <a:lstStyle/>
+                    <a:p>
+                      <a:pPr algn="ctr">
+                        <a:lnSpc>
+                          <a:spcPct val="107000"/>
+                        </a:lnSpc>
+                        <a:spcAft>
+                          <a:spcPts val="0"/>
+                        </a:spcAft>
+                      </a:pPr>
+                      <a:r>
+                        <a:rPr lang="ru-RU" sz="900">
+                          <a:effectLst/>
+                        </a:rPr>
+                        <a:t>350132,7</a:t>
+                      </a:r>
+                      <a:endParaRPr lang="ru-RU" sz="900">
+                        <a:effectLst/>
+                        <a:latin typeface="Calibri" panose="020F0502020204030204" pitchFamily="34" charset="0"/>
+                        <a:ea typeface="Calibri" panose="020F0502020204030204" pitchFamily="34" charset="0"/>
+                        <a:cs typeface="Times New Roman" panose="02020603050405020304" pitchFamily="18" charset="0"/>
+                      </a:endParaRPr>
+                    </a:p>
+                  </a:txBody>
+                  <a:tcPr marL="42343" marR="42343" marT="0" marB="0" anchor="ctr"/>
+                </a:tc>
+                <a:tc>
+                  <a:txBody>
+                    <a:bodyPr/>
+                    <a:lstStyle/>
+                    <a:p>
+                      <a:pPr algn="ctr">
+                        <a:lnSpc>
+                          <a:spcPct val="107000"/>
+                        </a:lnSpc>
+                        <a:spcAft>
+                          <a:spcPts val="0"/>
+                        </a:spcAft>
+                      </a:pPr>
+                      <a:r>
+                        <a:rPr lang="ru-RU" sz="900">
+                          <a:effectLst/>
+                        </a:rPr>
+                        <a:t>101219,9</a:t>
+                      </a:r>
+                      <a:endParaRPr lang="ru-RU" sz="900">
+                        <a:effectLst/>
+                        <a:latin typeface="Calibri" panose="020F0502020204030204" pitchFamily="34" charset="0"/>
+                        <a:ea typeface="Calibri" panose="020F0502020204030204" pitchFamily="34" charset="0"/>
+                        <a:cs typeface="Times New Roman" panose="02020603050405020304" pitchFamily="18" charset="0"/>
+                      </a:endParaRPr>
+                    </a:p>
+                  </a:txBody>
+                  <a:tcPr marL="42343" marR="42343" marT="0" marB="0" anchor="ctr"/>
+                </a:tc>
+                <a:tc>
+                  <a:txBody>
+                    <a:bodyPr/>
+                    <a:lstStyle/>
+                    <a:p>
+                      <a:pPr algn="ctr">
+                        <a:lnSpc>
+                          <a:spcPct val="107000"/>
+                        </a:lnSpc>
+                        <a:spcAft>
+                          <a:spcPts val="0"/>
+                        </a:spcAft>
+                      </a:pPr>
+                      <a:r>
+                        <a:rPr lang="ru-RU" sz="900">
+                          <a:effectLst/>
+                        </a:rPr>
+                        <a:t>26105,66</a:t>
+                      </a:r>
+                      <a:endParaRPr lang="ru-RU" sz="900">
+                        <a:effectLst/>
+                        <a:latin typeface="Calibri" panose="020F0502020204030204" pitchFamily="34" charset="0"/>
+                        <a:ea typeface="Calibri" panose="020F0502020204030204" pitchFamily="34" charset="0"/>
+                        <a:cs typeface="Times New Roman" panose="02020603050405020304" pitchFamily="18" charset="0"/>
+                      </a:endParaRPr>
+                    </a:p>
+                  </a:txBody>
+                  <a:tcPr marL="42343" marR="42343" marT="0" marB="0" anchor="ctr"/>
+                </a:tc>
+                <a:tc>
+                  <a:txBody>
+                    <a:bodyPr/>
+                    <a:lstStyle/>
+                    <a:p>
+                      <a:pPr algn="ctr">
+                        <a:lnSpc>
+                          <a:spcPct val="107000"/>
+                        </a:lnSpc>
+                        <a:spcAft>
+                          <a:spcPts val="0"/>
+                        </a:spcAft>
+                      </a:pPr>
+                      <a:r>
+                        <a:rPr lang="ru-RU" sz="900">
+                          <a:effectLst/>
+                        </a:rPr>
+                        <a:t>6211,94</a:t>
+                      </a:r>
+                      <a:endParaRPr lang="ru-RU" sz="900">
+                        <a:effectLst/>
+                        <a:latin typeface="Calibri" panose="020F0502020204030204" pitchFamily="34" charset="0"/>
+                        <a:ea typeface="Calibri" panose="020F0502020204030204" pitchFamily="34" charset="0"/>
+                        <a:cs typeface="Times New Roman" panose="02020603050405020304" pitchFamily="18" charset="0"/>
+                      </a:endParaRPr>
+                    </a:p>
+                  </a:txBody>
+                  <a:tcPr marL="42343" marR="42343" marT="0" marB="0" anchor="ctr"/>
+                </a:tc>
+              </a:tr>
+              <a:tr h="235239">
+                <a:tc vMerge="1">
+                  <a:txBody>
+                    <a:bodyPr/>
+                    <a:lstStyle/>
+                    <a:p>
+                      <a:endParaRPr lang="ru-RU"/>
+                    </a:p>
+                  </a:txBody>
+                  <a:tcPr/>
+                </a:tc>
+                <a:tc>
+                  <a:txBody>
+                    <a:bodyPr/>
+                    <a:lstStyle/>
+                    <a:p>
+                      <a:pPr algn="ctr">
+                        <a:lnSpc>
+                          <a:spcPct val="107000"/>
+                        </a:lnSpc>
+                        <a:spcAft>
+                          <a:spcPts val="0"/>
+                        </a:spcAft>
+                      </a:pPr>
+                      <a:r>
+                        <a:rPr lang="ru-RU" sz="900">
+                          <a:effectLst/>
+                        </a:rPr>
+                        <a:t>Потери от невозврата</a:t>
+                      </a:r>
+                      <a:endParaRPr lang="ru-RU" sz="900">
+                        <a:effectLst/>
+                        <a:latin typeface="Calibri" panose="020F0502020204030204" pitchFamily="34" charset="0"/>
+                        <a:ea typeface="Calibri" panose="020F0502020204030204" pitchFamily="34" charset="0"/>
+                        <a:cs typeface="Times New Roman" panose="02020603050405020304" pitchFamily="18" charset="0"/>
+                      </a:endParaRPr>
+                    </a:p>
+                  </a:txBody>
+                  <a:tcPr marL="42343" marR="42343" marT="0" marB="0" anchor="ctr"/>
+                </a:tc>
+                <a:tc>
+                  <a:txBody>
+                    <a:bodyPr/>
+                    <a:lstStyle/>
+                    <a:p>
+                      <a:pPr algn="ctr">
+                        <a:lnSpc>
+                          <a:spcPct val="107000"/>
+                        </a:lnSpc>
+                        <a:spcAft>
+                          <a:spcPts val="0"/>
+                        </a:spcAft>
+                      </a:pPr>
+                      <a:r>
+                        <a:rPr lang="ru-RU" sz="900">
+                          <a:effectLst/>
+                        </a:rPr>
+                        <a:t>447152,8</a:t>
+                      </a:r>
+                      <a:endParaRPr lang="ru-RU" sz="900">
+                        <a:effectLst/>
+                        <a:latin typeface="Calibri" panose="020F0502020204030204" pitchFamily="34" charset="0"/>
+                        <a:ea typeface="Calibri" panose="020F0502020204030204" pitchFamily="34" charset="0"/>
+                        <a:cs typeface="Times New Roman" panose="02020603050405020304" pitchFamily="18" charset="0"/>
+                      </a:endParaRPr>
+                    </a:p>
+                  </a:txBody>
+                  <a:tcPr marL="42343" marR="42343" marT="0" marB="0" anchor="ctr"/>
+                </a:tc>
+                <a:tc>
+                  <a:txBody>
+                    <a:bodyPr/>
+                    <a:lstStyle/>
+                    <a:p>
+                      <a:pPr algn="ctr">
+                        <a:lnSpc>
+                          <a:spcPct val="107000"/>
+                        </a:lnSpc>
+                        <a:spcAft>
+                          <a:spcPts val="0"/>
+                        </a:spcAft>
+                      </a:pPr>
+                      <a:r>
+                        <a:rPr lang="ru-RU" sz="900">
+                          <a:effectLst/>
+                        </a:rPr>
+                        <a:t>857556,1</a:t>
+                      </a:r>
+                      <a:endParaRPr lang="ru-RU" sz="900">
+                        <a:effectLst/>
+                        <a:latin typeface="Calibri" panose="020F0502020204030204" pitchFamily="34" charset="0"/>
+                        <a:ea typeface="Calibri" panose="020F0502020204030204" pitchFamily="34" charset="0"/>
+                        <a:cs typeface="Times New Roman" panose="02020603050405020304" pitchFamily="18" charset="0"/>
+                      </a:endParaRPr>
+                    </a:p>
+                  </a:txBody>
+                  <a:tcPr marL="42343" marR="42343" marT="0" marB="0" anchor="ctr"/>
+                </a:tc>
+                <a:tc>
+                  <a:txBody>
+                    <a:bodyPr/>
+                    <a:lstStyle/>
+                    <a:p>
+                      <a:pPr algn="ctr">
+                        <a:lnSpc>
+                          <a:spcPct val="107000"/>
+                        </a:lnSpc>
+                        <a:spcAft>
+                          <a:spcPts val="0"/>
+                        </a:spcAft>
+                      </a:pPr>
+                      <a:r>
+                        <a:rPr lang="ru-RU" sz="900">
+                          <a:effectLst/>
+                        </a:rPr>
+                        <a:t>1023652</a:t>
+                      </a:r>
+                      <a:endParaRPr lang="ru-RU" sz="900">
+                        <a:effectLst/>
+                        <a:latin typeface="Calibri" panose="020F0502020204030204" pitchFamily="34" charset="0"/>
+                        <a:ea typeface="Calibri" panose="020F0502020204030204" pitchFamily="34" charset="0"/>
+                        <a:cs typeface="Times New Roman" panose="02020603050405020304" pitchFamily="18" charset="0"/>
+                      </a:endParaRPr>
+                    </a:p>
+                  </a:txBody>
+                  <a:tcPr marL="42343" marR="42343" marT="0" marB="0" anchor="ctr"/>
+                </a:tc>
+                <a:tc>
+                  <a:txBody>
+                    <a:bodyPr/>
+                    <a:lstStyle/>
+                    <a:p>
+                      <a:pPr algn="ctr">
+                        <a:lnSpc>
+                          <a:spcPct val="107000"/>
+                        </a:lnSpc>
+                        <a:spcAft>
+                          <a:spcPts val="0"/>
+                        </a:spcAft>
+                      </a:pPr>
+                      <a:r>
+                        <a:rPr lang="ru-RU" sz="900">
+                          <a:effectLst/>
+                        </a:rPr>
+                        <a:t>1088162</a:t>
+                      </a:r>
+                      <a:endParaRPr lang="ru-RU" sz="900">
+                        <a:effectLst/>
+                        <a:latin typeface="Calibri" panose="020F0502020204030204" pitchFamily="34" charset="0"/>
+                        <a:ea typeface="Calibri" panose="020F0502020204030204" pitchFamily="34" charset="0"/>
+                        <a:cs typeface="Times New Roman" panose="02020603050405020304" pitchFamily="18" charset="0"/>
+                      </a:endParaRPr>
+                    </a:p>
+                  </a:txBody>
+                  <a:tcPr marL="42343" marR="42343" marT="0" marB="0" anchor="ctr"/>
+                </a:tc>
+                <a:tc>
+                  <a:txBody>
+                    <a:bodyPr/>
+                    <a:lstStyle/>
+                    <a:p>
+                      <a:pPr algn="ctr">
+                        <a:lnSpc>
+                          <a:spcPct val="107000"/>
+                        </a:lnSpc>
+                        <a:spcAft>
+                          <a:spcPts val="0"/>
+                        </a:spcAft>
+                      </a:pPr>
+                      <a:r>
+                        <a:rPr lang="ru-RU" sz="900">
+                          <a:effectLst/>
+                        </a:rPr>
+                        <a:t>1117317</a:t>
+                      </a:r>
+                      <a:endParaRPr lang="ru-RU" sz="900">
+                        <a:effectLst/>
+                        <a:latin typeface="Calibri" panose="020F0502020204030204" pitchFamily="34" charset="0"/>
+                        <a:ea typeface="Calibri" panose="020F0502020204030204" pitchFamily="34" charset="0"/>
+                        <a:cs typeface="Times New Roman" panose="02020603050405020304" pitchFamily="18" charset="0"/>
+                      </a:endParaRPr>
+                    </a:p>
+                  </a:txBody>
+                  <a:tcPr marL="42343" marR="42343" marT="0" marB="0" anchor="ctr"/>
+                </a:tc>
+                <a:tc>
+                  <a:txBody>
+                    <a:bodyPr/>
+                    <a:lstStyle/>
+                    <a:p>
+                      <a:pPr algn="ctr">
+                        <a:lnSpc>
+                          <a:spcPct val="107000"/>
+                        </a:lnSpc>
+                        <a:spcAft>
+                          <a:spcPts val="0"/>
+                        </a:spcAft>
+                      </a:pPr>
+                      <a:r>
+                        <a:rPr lang="ru-RU" sz="900">
+                          <a:effectLst/>
+                        </a:rPr>
+                        <a:t>1129349</a:t>
+                      </a:r>
+                      <a:endParaRPr lang="ru-RU" sz="900">
+                        <a:effectLst/>
+                        <a:latin typeface="Calibri" panose="020F0502020204030204" pitchFamily="34" charset="0"/>
+                        <a:ea typeface="Calibri" panose="020F0502020204030204" pitchFamily="34" charset="0"/>
+                        <a:cs typeface="Times New Roman" panose="02020603050405020304" pitchFamily="18" charset="0"/>
+                      </a:endParaRPr>
+                    </a:p>
+                  </a:txBody>
+                  <a:tcPr marL="42343" marR="42343" marT="0" marB="0" anchor="ctr"/>
+                </a:tc>
+              </a:tr>
+              <a:tr h="235239">
+                <a:tc vMerge="1">
+                  <a:txBody>
+                    <a:bodyPr/>
+                    <a:lstStyle/>
+                    <a:p>
+                      <a:endParaRPr lang="ru-RU"/>
+                    </a:p>
+                  </a:txBody>
+                  <a:tcPr/>
+                </a:tc>
+                <a:tc>
+                  <a:txBody>
+                    <a:bodyPr/>
+                    <a:lstStyle/>
+                    <a:p>
+                      <a:pPr algn="ctr">
+                        <a:lnSpc>
+                          <a:spcPct val="107000"/>
+                        </a:lnSpc>
+                        <a:spcAft>
+                          <a:spcPts val="0"/>
+                        </a:spcAft>
+                      </a:pPr>
+                      <a:r>
+                        <a:rPr lang="ru-RU" sz="900">
+                          <a:effectLst/>
+                        </a:rPr>
+                        <a:t>Полученные проценты</a:t>
+                      </a:r>
+                      <a:endParaRPr lang="ru-RU" sz="900">
+                        <a:effectLst/>
+                        <a:latin typeface="Calibri" panose="020F0502020204030204" pitchFamily="34" charset="0"/>
+                        <a:ea typeface="Calibri" panose="020F0502020204030204" pitchFamily="34" charset="0"/>
+                        <a:cs typeface="Times New Roman" panose="02020603050405020304" pitchFamily="18" charset="0"/>
+                      </a:endParaRPr>
+                    </a:p>
+                  </a:txBody>
+                  <a:tcPr marL="42343" marR="42343" marT="0" marB="0" anchor="ctr"/>
+                </a:tc>
+                <a:tc>
+                  <a:txBody>
+                    <a:bodyPr/>
+                    <a:lstStyle/>
+                    <a:p>
+                      <a:pPr algn="ctr">
+                        <a:lnSpc>
+                          <a:spcPct val="107000"/>
+                        </a:lnSpc>
+                        <a:spcAft>
+                          <a:spcPts val="0"/>
+                        </a:spcAft>
+                      </a:pPr>
+                      <a:r>
+                        <a:rPr lang="ru-RU" sz="900">
+                          <a:effectLst/>
+                        </a:rPr>
+                        <a:t>15328995</a:t>
+                      </a:r>
+                      <a:endParaRPr lang="ru-RU" sz="900">
+                        <a:effectLst/>
+                        <a:latin typeface="Calibri" panose="020F0502020204030204" pitchFamily="34" charset="0"/>
+                        <a:ea typeface="Calibri" panose="020F0502020204030204" pitchFamily="34" charset="0"/>
+                        <a:cs typeface="Times New Roman" panose="02020603050405020304" pitchFamily="18" charset="0"/>
+                      </a:endParaRPr>
+                    </a:p>
+                  </a:txBody>
+                  <a:tcPr marL="42343" marR="42343" marT="0" marB="0" anchor="ctr"/>
+                </a:tc>
+                <a:tc>
+                  <a:txBody>
+                    <a:bodyPr/>
+                    <a:lstStyle/>
+                    <a:p>
+                      <a:pPr algn="ctr">
+                        <a:lnSpc>
+                          <a:spcPct val="107000"/>
+                        </a:lnSpc>
+                        <a:spcAft>
+                          <a:spcPts val="0"/>
+                        </a:spcAft>
+                      </a:pPr>
+                      <a:r>
+                        <a:rPr lang="ru-RU" sz="900">
+                          <a:effectLst/>
+                        </a:rPr>
+                        <a:t>19283842</a:t>
+                      </a:r>
+                      <a:endParaRPr lang="ru-RU" sz="900">
+                        <a:effectLst/>
+                        <a:latin typeface="Calibri" panose="020F0502020204030204" pitchFamily="34" charset="0"/>
+                        <a:ea typeface="Calibri" panose="020F0502020204030204" pitchFamily="34" charset="0"/>
+                        <a:cs typeface="Times New Roman" panose="02020603050405020304" pitchFamily="18" charset="0"/>
+                      </a:endParaRPr>
+                    </a:p>
+                  </a:txBody>
+                  <a:tcPr marL="42343" marR="42343" marT="0" marB="0" anchor="ctr"/>
+                </a:tc>
+                <a:tc>
+                  <a:txBody>
+                    <a:bodyPr/>
+                    <a:lstStyle/>
+                    <a:p>
+                      <a:pPr algn="ctr">
+                        <a:lnSpc>
+                          <a:spcPct val="107000"/>
+                        </a:lnSpc>
+                        <a:spcAft>
+                          <a:spcPts val="0"/>
+                        </a:spcAft>
+                      </a:pPr>
+                      <a:r>
+                        <a:rPr lang="ru-RU" sz="900">
+                          <a:effectLst/>
+                        </a:rPr>
+                        <a:t>20273243</a:t>
+                      </a:r>
+                      <a:endParaRPr lang="ru-RU" sz="900">
+                        <a:effectLst/>
+                        <a:latin typeface="Calibri" panose="020F0502020204030204" pitchFamily="34" charset="0"/>
+                        <a:ea typeface="Calibri" panose="020F0502020204030204" pitchFamily="34" charset="0"/>
+                        <a:cs typeface="Times New Roman" panose="02020603050405020304" pitchFamily="18" charset="0"/>
+                      </a:endParaRPr>
+                    </a:p>
+                  </a:txBody>
+                  <a:tcPr marL="42343" marR="42343" marT="0" marB="0" anchor="ctr"/>
+                </a:tc>
+                <a:tc>
+                  <a:txBody>
+                    <a:bodyPr/>
+                    <a:lstStyle/>
+                    <a:p>
+                      <a:pPr algn="ctr">
+                        <a:lnSpc>
+                          <a:spcPct val="107000"/>
+                        </a:lnSpc>
+                        <a:spcAft>
+                          <a:spcPts val="0"/>
+                        </a:spcAft>
+                      </a:pPr>
+                      <a:r>
+                        <a:rPr lang="ru-RU" sz="900">
+                          <a:effectLst/>
+                        </a:rPr>
+                        <a:t>20522155</a:t>
+                      </a:r>
+                      <a:endParaRPr lang="ru-RU" sz="900">
+                        <a:effectLst/>
+                        <a:latin typeface="Calibri" panose="020F0502020204030204" pitchFamily="34" charset="0"/>
+                        <a:ea typeface="Calibri" panose="020F0502020204030204" pitchFamily="34" charset="0"/>
+                        <a:cs typeface="Times New Roman" panose="02020603050405020304" pitchFamily="18" charset="0"/>
+                      </a:endParaRPr>
+                    </a:p>
+                  </a:txBody>
+                  <a:tcPr marL="42343" marR="42343" marT="0" marB="0" anchor="ctr"/>
+                </a:tc>
+                <a:tc>
+                  <a:txBody>
+                    <a:bodyPr/>
+                    <a:lstStyle/>
+                    <a:p>
+                      <a:pPr algn="ctr">
+                        <a:lnSpc>
+                          <a:spcPct val="107000"/>
+                        </a:lnSpc>
+                        <a:spcAft>
+                          <a:spcPts val="0"/>
+                        </a:spcAft>
+                      </a:pPr>
+                      <a:r>
+                        <a:rPr lang="ru-RU" sz="900">
+                          <a:effectLst/>
+                        </a:rPr>
+                        <a:t>20597270</a:t>
+                      </a:r>
+                      <a:endParaRPr lang="ru-RU" sz="900">
+                        <a:effectLst/>
+                        <a:latin typeface="Calibri" panose="020F0502020204030204" pitchFamily="34" charset="0"/>
+                        <a:ea typeface="Calibri" panose="020F0502020204030204" pitchFamily="34" charset="0"/>
+                        <a:cs typeface="Times New Roman" panose="02020603050405020304" pitchFamily="18" charset="0"/>
+                      </a:endParaRPr>
+                    </a:p>
+                  </a:txBody>
+                  <a:tcPr marL="42343" marR="42343" marT="0" marB="0" anchor="ctr"/>
+                </a:tc>
+                <a:tc>
+                  <a:txBody>
+                    <a:bodyPr/>
+                    <a:lstStyle/>
+                    <a:p>
+                      <a:pPr algn="ctr">
+                        <a:lnSpc>
+                          <a:spcPct val="107000"/>
+                        </a:lnSpc>
+                        <a:spcAft>
+                          <a:spcPts val="0"/>
+                        </a:spcAft>
+                      </a:pPr>
+                      <a:r>
+                        <a:rPr lang="ru-RU" sz="900">
+                          <a:effectLst/>
+                        </a:rPr>
+                        <a:t>20617163</a:t>
+                      </a:r>
+                      <a:endParaRPr lang="ru-RU" sz="900">
+                        <a:effectLst/>
+                        <a:latin typeface="Calibri" panose="020F0502020204030204" pitchFamily="34" charset="0"/>
+                        <a:ea typeface="Calibri" panose="020F0502020204030204" pitchFamily="34" charset="0"/>
+                        <a:cs typeface="Times New Roman" panose="02020603050405020304" pitchFamily="18" charset="0"/>
+                      </a:endParaRPr>
+                    </a:p>
+                  </a:txBody>
+                  <a:tcPr marL="42343" marR="42343" marT="0" marB="0" anchor="ctr"/>
+                </a:tc>
+              </a:tr>
+              <a:tr h="352858">
+                <a:tc vMerge="1">
+                  <a:txBody>
+                    <a:bodyPr/>
+                    <a:lstStyle/>
+                    <a:p>
+                      <a:endParaRPr lang="ru-RU"/>
+                    </a:p>
+                  </a:txBody>
+                  <a:tcPr/>
+                </a:tc>
+                <a:tc>
+                  <a:txBody>
+                    <a:bodyPr/>
+                    <a:lstStyle/>
+                    <a:p>
+                      <a:pPr algn="ctr">
+                        <a:lnSpc>
+                          <a:spcPct val="107000"/>
+                        </a:lnSpc>
+                        <a:spcAft>
+                          <a:spcPts val="0"/>
+                        </a:spcAft>
+                      </a:pPr>
+                      <a:r>
+                        <a:rPr lang="ru-RU" sz="900">
+                          <a:effectLst/>
+                        </a:rPr>
+                        <a:t>Предот-вращенный невозврат</a:t>
+                      </a:r>
+                      <a:endParaRPr lang="ru-RU" sz="900">
+                        <a:effectLst/>
+                        <a:latin typeface="Calibri" panose="020F0502020204030204" pitchFamily="34" charset="0"/>
+                        <a:ea typeface="Calibri" panose="020F0502020204030204" pitchFamily="34" charset="0"/>
+                        <a:cs typeface="Times New Roman" panose="02020603050405020304" pitchFamily="18" charset="0"/>
+                      </a:endParaRPr>
+                    </a:p>
+                  </a:txBody>
+                  <a:tcPr marL="42343" marR="42343" marT="0" marB="0" anchor="ctr"/>
+                </a:tc>
+                <a:tc>
+                  <a:txBody>
+                    <a:bodyPr/>
+                    <a:lstStyle/>
+                    <a:p>
+                      <a:pPr algn="ctr">
+                        <a:lnSpc>
+                          <a:spcPct val="107000"/>
+                        </a:lnSpc>
+                        <a:spcAft>
+                          <a:spcPts val="0"/>
+                        </a:spcAft>
+                      </a:pPr>
+                      <a:r>
+                        <a:rPr lang="ru-RU" sz="900">
+                          <a:effectLst/>
+                        </a:rPr>
+                        <a:t>697447,9</a:t>
+                      </a:r>
+                      <a:endParaRPr lang="ru-RU" sz="900">
+                        <a:effectLst/>
+                        <a:latin typeface="Calibri" panose="020F0502020204030204" pitchFamily="34" charset="0"/>
+                        <a:ea typeface="Calibri" panose="020F0502020204030204" pitchFamily="34" charset="0"/>
+                        <a:cs typeface="Times New Roman" panose="02020603050405020304" pitchFamily="18" charset="0"/>
+                      </a:endParaRPr>
+                    </a:p>
+                  </a:txBody>
+                  <a:tcPr marL="42343" marR="42343" marT="0" marB="0" anchor="ctr"/>
+                </a:tc>
+                <a:tc>
+                  <a:txBody>
+                    <a:bodyPr/>
+                    <a:lstStyle/>
+                    <a:p>
+                      <a:pPr algn="ctr">
+                        <a:lnSpc>
+                          <a:spcPct val="107000"/>
+                        </a:lnSpc>
+                        <a:spcAft>
+                          <a:spcPts val="0"/>
+                        </a:spcAft>
+                      </a:pPr>
+                      <a:r>
+                        <a:rPr lang="ru-RU" sz="900">
+                          <a:effectLst/>
+                        </a:rPr>
+                        <a:t>287044,6</a:t>
+                      </a:r>
+                      <a:endParaRPr lang="ru-RU" sz="900">
+                        <a:effectLst/>
+                        <a:latin typeface="Calibri" panose="020F0502020204030204" pitchFamily="34" charset="0"/>
+                        <a:ea typeface="Calibri" panose="020F0502020204030204" pitchFamily="34" charset="0"/>
+                        <a:cs typeface="Times New Roman" panose="02020603050405020304" pitchFamily="18" charset="0"/>
+                      </a:endParaRPr>
+                    </a:p>
+                  </a:txBody>
+                  <a:tcPr marL="42343" marR="42343" marT="0" marB="0" anchor="ctr"/>
+                </a:tc>
+                <a:tc>
+                  <a:txBody>
+                    <a:bodyPr/>
+                    <a:lstStyle/>
+                    <a:p>
+                      <a:pPr algn="ctr">
+                        <a:lnSpc>
+                          <a:spcPct val="107000"/>
+                        </a:lnSpc>
+                        <a:spcAft>
+                          <a:spcPts val="0"/>
+                        </a:spcAft>
+                      </a:pPr>
+                      <a:r>
+                        <a:rPr lang="ru-RU" sz="900">
+                          <a:effectLst/>
+                        </a:rPr>
+                        <a:t>120948,5</a:t>
+                      </a:r>
+                      <a:endParaRPr lang="ru-RU" sz="900">
+                        <a:effectLst/>
+                        <a:latin typeface="Calibri" panose="020F0502020204030204" pitchFamily="34" charset="0"/>
+                        <a:ea typeface="Calibri" panose="020F0502020204030204" pitchFamily="34" charset="0"/>
+                        <a:cs typeface="Times New Roman" panose="02020603050405020304" pitchFamily="18" charset="0"/>
+                      </a:endParaRPr>
+                    </a:p>
+                  </a:txBody>
+                  <a:tcPr marL="42343" marR="42343" marT="0" marB="0" anchor="ctr"/>
+                </a:tc>
+                <a:tc>
+                  <a:txBody>
+                    <a:bodyPr/>
+                    <a:lstStyle/>
+                    <a:p>
+                      <a:pPr algn="ctr">
+                        <a:lnSpc>
+                          <a:spcPct val="107000"/>
+                        </a:lnSpc>
+                        <a:spcAft>
+                          <a:spcPts val="0"/>
+                        </a:spcAft>
+                      </a:pPr>
+                      <a:r>
+                        <a:rPr lang="ru-RU" sz="900">
+                          <a:effectLst/>
+                        </a:rPr>
+                        <a:t>56438,44</a:t>
+                      </a:r>
+                      <a:endParaRPr lang="ru-RU" sz="900">
+                        <a:effectLst/>
+                        <a:latin typeface="Calibri" panose="020F0502020204030204" pitchFamily="34" charset="0"/>
+                        <a:ea typeface="Calibri" panose="020F0502020204030204" pitchFamily="34" charset="0"/>
+                        <a:cs typeface="Times New Roman" panose="02020603050405020304" pitchFamily="18" charset="0"/>
+                      </a:endParaRPr>
+                    </a:p>
+                  </a:txBody>
+                  <a:tcPr marL="42343" marR="42343" marT="0" marB="0" anchor="ctr"/>
+                </a:tc>
+                <a:tc>
+                  <a:txBody>
+                    <a:bodyPr/>
+                    <a:lstStyle/>
+                    <a:p>
+                      <a:pPr algn="ctr">
+                        <a:lnSpc>
+                          <a:spcPct val="107000"/>
+                        </a:lnSpc>
+                        <a:spcAft>
+                          <a:spcPts val="0"/>
+                        </a:spcAft>
+                      </a:pPr>
+                      <a:r>
+                        <a:rPr lang="ru-RU" sz="900">
+                          <a:effectLst/>
+                        </a:rPr>
+                        <a:t>27283,94</a:t>
+                      </a:r>
+                      <a:endParaRPr lang="ru-RU" sz="900">
+                        <a:effectLst/>
+                        <a:latin typeface="Calibri" panose="020F0502020204030204" pitchFamily="34" charset="0"/>
+                        <a:ea typeface="Calibri" panose="020F0502020204030204" pitchFamily="34" charset="0"/>
+                        <a:cs typeface="Times New Roman" panose="02020603050405020304" pitchFamily="18" charset="0"/>
+                      </a:endParaRPr>
+                    </a:p>
+                  </a:txBody>
+                  <a:tcPr marL="42343" marR="42343" marT="0" marB="0" anchor="ctr"/>
+                </a:tc>
+                <a:tc>
+                  <a:txBody>
+                    <a:bodyPr/>
+                    <a:lstStyle/>
+                    <a:p>
+                      <a:pPr algn="ctr">
+                        <a:lnSpc>
+                          <a:spcPct val="107000"/>
+                        </a:lnSpc>
+                        <a:spcAft>
+                          <a:spcPts val="0"/>
+                        </a:spcAft>
+                      </a:pPr>
+                      <a:r>
+                        <a:rPr lang="ru-RU" sz="900">
+                          <a:effectLst/>
+                        </a:rPr>
+                        <a:t>15251,53</a:t>
+                      </a:r>
+                      <a:endParaRPr lang="ru-RU" sz="900">
+                        <a:effectLst/>
+                        <a:latin typeface="Calibri" panose="020F0502020204030204" pitchFamily="34" charset="0"/>
+                        <a:ea typeface="Calibri" panose="020F0502020204030204" pitchFamily="34" charset="0"/>
+                        <a:cs typeface="Times New Roman" panose="02020603050405020304" pitchFamily="18" charset="0"/>
+                      </a:endParaRPr>
+                    </a:p>
+                  </a:txBody>
+                  <a:tcPr marL="42343" marR="42343" marT="0" marB="0" anchor="ctr"/>
+                </a:tc>
+              </a:tr>
+              <a:tr h="352858">
+                <a:tc vMerge="1">
+                  <a:txBody>
+                    <a:bodyPr/>
+                    <a:lstStyle/>
+                    <a:p>
+                      <a:endParaRPr lang="ru-RU"/>
+                    </a:p>
+                  </a:txBody>
+                  <a:tcPr/>
+                </a:tc>
+                <a:tc>
+                  <a:txBody>
+                    <a:bodyPr/>
+                    <a:lstStyle/>
+                    <a:p>
+                      <a:pPr algn="ctr">
+                        <a:lnSpc>
+                          <a:spcPct val="107000"/>
+                        </a:lnSpc>
+                        <a:spcAft>
+                          <a:spcPts val="0"/>
+                        </a:spcAft>
+                      </a:pPr>
+                      <a:r>
+                        <a:rPr lang="ru-RU" sz="900">
+                          <a:effectLst/>
+                        </a:rPr>
+                        <a:t>Выйгрыш класси-фикатора</a:t>
+                      </a:r>
+                      <a:endParaRPr lang="ru-RU" sz="900">
+                        <a:effectLst/>
+                        <a:latin typeface="Calibri" panose="020F0502020204030204" pitchFamily="34" charset="0"/>
+                        <a:ea typeface="Calibri" panose="020F0502020204030204" pitchFamily="34" charset="0"/>
+                        <a:cs typeface="Times New Roman" panose="02020603050405020304" pitchFamily="18" charset="0"/>
+                      </a:endParaRPr>
+                    </a:p>
+                  </a:txBody>
+                  <a:tcPr marL="42343" marR="42343" marT="0" marB="0" anchor="ctr"/>
+                </a:tc>
+                <a:tc>
+                  <a:txBody>
+                    <a:bodyPr/>
+                    <a:lstStyle/>
+                    <a:p>
+                      <a:pPr algn="ctr">
+                        <a:lnSpc>
+                          <a:spcPct val="107000"/>
+                        </a:lnSpc>
+                        <a:spcAft>
+                          <a:spcPts val="0"/>
+                        </a:spcAft>
+                      </a:pPr>
+                      <a:r>
+                        <a:rPr lang="ru-RU" sz="900">
+                          <a:effectLst/>
+                        </a:rPr>
+                        <a:t>-4596933</a:t>
+                      </a:r>
+                      <a:endParaRPr lang="ru-RU" sz="900">
+                        <a:effectLst/>
+                        <a:latin typeface="Calibri" panose="020F0502020204030204" pitchFamily="34" charset="0"/>
+                        <a:ea typeface="Calibri" panose="020F0502020204030204" pitchFamily="34" charset="0"/>
+                        <a:cs typeface="Times New Roman" panose="02020603050405020304" pitchFamily="18" charset="0"/>
+                      </a:endParaRPr>
+                    </a:p>
+                  </a:txBody>
+                  <a:tcPr marL="42343" marR="42343" marT="0" marB="0" anchor="ctr"/>
+                </a:tc>
+                <a:tc>
+                  <a:txBody>
+                    <a:bodyPr/>
+                    <a:lstStyle/>
+                    <a:p>
+                      <a:pPr algn="ctr">
+                        <a:lnSpc>
+                          <a:spcPct val="107000"/>
+                        </a:lnSpc>
+                        <a:spcAft>
+                          <a:spcPts val="0"/>
+                        </a:spcAft>
+                      </a:pPr>
+                      <a:r>
+                        <a:rPr lang="ru-RU" sz="900">
+                          <a:effectLst/>
+                        </a:rPr>
+                        <a:t>-1052489</a:t>
+                      </a:r>
+                      <a:endParaRPr lang="ru-RU" sz="900">
+                        <a:effectLst/>
+                        <a:latin typeface="Calibri" panose="020F0502020204030204" pitchFamily="34" charset="0"/>
+                        <a:ea typeface="Calibri" panose="020F0502020204030204" pitchFamily="34" charset="0"/>
+                        <a:cs typeface="Times New Roman" panose="02020603050405020304" pitchFamily="18" charset="0"/>
+                      </a:endParaRPr>
+                    </a:p>
+                  </a:txBody>
+                  <a:tcPr marL="42343" marR="42343" marT="0" marB="0" anchor="ctr"/>
+                </a:tc>
+                <a:tc>
+                  <a:txBody>
+                    <a:bodyPr/>
+                    <a:lstStyle/>
+                    <a:p>
+                      <a:pPr algn="ctr">
+                        <a:lnSpc>
+                          <a:spcPct val="107000"/>
+                        </a:lnSpc>
+                        <a:spcAft>
+                          <a:spcPts val="0"/>
+                        </a:spcAft>
+                      </a:pPr>
+                      <a:r>
+                        <a:rPr lang="ru-RU" sz="900">
+                          <a:effectLst/>
+                        </a:rPr>
+                        <a:t>-229184</a:t>
+                      </a:r>
+                      <a:endParaRPr lang="ru-RU" sz="900">
+                        <a:effectLst/>
+                        <a:latin typeface="Calibri" panose="020F0502020204030204" pitchFamily="34" charset="0"/>
+                        <a:ea typeface="Calibri" panose="020F0502020204030204" pitchFamily="34" charset="0"/>
+                        <a:cs typeface="Times New Roman" panose="02020603050405020304" pitchFamily="18" charset="0"/>
+                      </a:endParaRPr>
+                    </a:p>
+                  </a:txBody>
+                  <a:tcPr marL="42343" marR="42343" marT="0" marB="0" anchor="ctr"/>
+                </a:tc>
+                <a:tc>
+                  <a:txBody>
+                    <a:bodyPr/>
+                    <a:lstStyle/>
+                    <a:p>
+                      <a:pPr algn="ctr">
+                        <a:lnSpc>
+                          <a:spcPct val="107000"/>
+                        </a:lnSpc>
+                        <a:spcAft>
+                          <a:spcPts val="0"/>
+                        </a:spcAft>
+                      </a:pPr>
+                      <a:r>
+                        <a:rPr lang="ru-RU" sz="900">
+                          <a:effectLst/>
+                        </a:rPr>
+                        <a:t>-44781,4</a:t>
+                      </a:r>
+                      <a:endParaRPr lang="ru-RU" sz="900">
+                        <a:effectLst/>
+                        <a:latin typeface="Calibri" panose="020F0502020204030204" pitchFamily="34" charset="0"/>
+                        <a:ea typeface="Calibri" panose="020F0502020204030204" pitchFamily="34" charset="0"/>
+                        <a:cs typeface="Times New Roman" panose="02020603050405020304" pitchFamily="18" charset="0"/>
+                      </a:endParaRPr>
+                    </a:p>
+                  </a:txBody>
+                  <a:tcPr marL="42343" marR="42343" marT="0" marB="0" anchor="ctr"/>
+                </a:tc>
+                <a:tc>
+                  <a:txBody>
+                    <a:bodyPr/>
+                    <a:lstStyle/>
+                    <a:p>
+                      <a:pPr algn="ctr">
+                        <a:lnSpc>
+                          <a:spcPct val="107000"/>
+                        </a:lnSpc>
+                        <a:spcAft>
+                          <a:spcPts val="0"/>
+                        </a:spcAft>
+                      </a:pPr>
+                      <a:r>
+                        <a:rPr lang="ru-RU" sz="900" dirty="0">
+                          <a:effectLst/>
+                        </a:rPr>
+                        <a:t>1178,28</a:t>
+                      </a:r>
+                      <a:endParaRPr lang="ru-RU" sz="900" dirty="0">
+                        <a:effectLst/>
+                        <a:latin typeface="Calibri" panose="020F0502020204030204" pitchFamily="34" charset="0"/>
+                        <a:ea typeface="Calibri" panose="020F0502020204030204" pitchFamily="34" charset="0"/>
+                        <a:cs typeface="Times New Roman" panose="02020603050405020304" pitchFamily="18" charset="0"/>
+                      </a:endParaRPr>
+                    </a:p>
+                  </a:txBody>
+                  <a:tcPr marL="42343" marR="42343" marT="0" marB="0" anchor="ctr"/>
+                </a:tc>
+                <a:tc>
+                  <a:txBody>
+                    <a:bodyPr/>
+                    <a:lstStyle/>
+                    <a:p>
+                      <a:pPr algn="ctr">
+                        <a:lnSpc>
+                          <a:spcPct val="107000"/>
+                        </a:lnSpc>
+                        <a:spcAft>
+                          <a:spcPts val="0"/>
+                        </a:spcAft>
+                      </a:pPr>
+                      <a:r>
+                        <a:rPr lang="ru-RU" sz="900" dirty="0">
+                          <a:effectLst/>
+                        </a:rPr>
+                        <a:t>9039,59</a:t>
+                      </a:r>
+                      <a:endParaRPr lang="ru-RU" sz="900" dirty="0">
+                        <a:effectLst/>
+                        <a:latin typeface="Calibri" panose="020F0502020204030204" pitchFamily="34" charset="0"/>
+                        <a:ea typeface="Calibri" panose="020F0502020204030204" pitchFamily="34" charset="0"/>
+                        <a:cs typeface="Times New Roman" panose="02020603050405020304" pitchFamily="18" charset="0"/>
+                      </a:endParaRPr>
+                    </a:p>
+                  </a:txBody>
+                  <a:tcPr marL="42343" marR="42343" marT="0" marB="0" anchor="ctr"/>
+                </a:tc>
+              </a:tr>
+            </a:tbl>
+          </a:graphicData>
+        </a:graphic>
+      </p:graphicFrame>
+      <p:graphicFrame>
+        <p:nvGraphicFramePr>
+          <p:cNvPr id="11" name="Таблица 10"/>
+          <p:cNvGraphicFramePr>
+            <a:graphicFrameLocks noGrp="1"/>
+          </p:cNvGraphicFramePr>
+          <p:nvPr>
+            <p:extLst>
+              <p:ext uri="{D42A27DB-BD31-4B8C-83A1-F6EECF244321}">
+                <p14:modId xmlns:p14="http://schemas.microsoft.com/office/powerpoint/2010/main" val="2109700736"/>
+              </p:ext>
+            </p:extLst>
+          </p:nvPr>
+        </p:nvGraphicFramePr>
+        <p:xfrm>
+          <a:off x="4975668" y="1702800"/>
+          <a:ext cx="5855614" cy="4085342"/>
+        </p:xfrm>
+        <a:graphic>
+          <a:graphicData uri="http://schemas.openxmlformats.org/drawingml/2006/table">
+            <a:tbl>
+              <a:tblPr firstRow="1" firstCol="1" bandRow="1">
+                <a:tableStyleId>{5C22544A-7EE6-4342-B048-85BDC9FD1C3A}</a:tableStyleId>
+              </a:tblPr>
+              <a:tblGrid>
+                <a:gridCol w="1194950"/>
+                <a:gridCol w="1194950"/>
+                <a:gridCol w="577619"/>
+                <a:gridCol w="577619"/>
+                <a:gridCol w="577619"/>
+                <a:gridCol w="577619"/>
+                <a:gridCol w="577619"/>
+                <a:gridCol w="577619"/>
+              </a:tblGrid>
+              <a:tr h="117619">
+                <a:tc gridSpan="2">
+                  <a:txBody>
+                    <a:bodyPr/>
+                    <a:lstStyle/>
+                    <a:p>
+                      <a:pPr algn="ctr">
+                        <a:lnSpc>
+                          <a:spcPct val="107000"/>
+                        </a:lnSpc>
+                        <a:spcAft>
+                          <a:spcPts val="0"/>
+                        </a:spcAft>
+                      </a:pPr>
+                      <a:r>
+                        <a:rPr lang="ru-RU" sz="900" dirty="0">
+                          <a:effectLst/>
+                        </a:rPr>
+                        <a:t>p</a:t>
+                      </a:r>
+                      <a:endParaRPr lang="ru-RU" sz="900" dirty="0">
+                        <a:effectLst/>
+                        <a:latin typeface="Calibri" panose="020F0502020204030204" pitchFamily="34" charset="0"/>
+                        <a:ea typeface="Calibri" panose="020F0502020204030204" pitchFamily="34" charset="0"/>
+                        <a:cs typeface="Times New Roman" panose="02020603050405020304" pitchFamily="18" charset="0"/>
+                      </a:endParaRPr>
+                    </a:p>
+                  </a:txBody>
+                  <a:tcPr marL="42343" marR="42343" marT="0" marB="0" anchor="ctr"/>
+                </a:tc>
+                <a:tc hMerge="1">
+                  <a:txBody>
+                    <a:bodyPr/>
+                    <a:lstStyle/>
+                    <a:p>
+                      <a:endParaRPr lang="ru-RU"/>
+                    </a:p>
+                  </a:txBody>
+                  <a:tcPr/>
+                </a:tc>
+                <a:tc>
+                  <a:txBody>
+                    <a:bodyPr/>
+                    <a:lstStyle/>
+                    <a:p>
+                      <a:pPr algn="ctr">
+                        <a:lnSpc>
+                          <a:spcPct val="107000"/>
+                        </a:lnSpc>
+                        <a:spcAft>
+                          <a:spcPts val="0"/>
+                        </a:spcAft>
+                      </a:pPr>
+                      <a:r>
+                        <a:rPr lang="ru-RU" sz="900">
+                          <a:effectLst/>
+                        </a:rPr>
+                        <a:t>0,05</a:t>
+                      </a:r>
+                      <a:endParaRPr lang="ru-RU" sz="900">
+                        <a:effectLst/>
+                        <a:latin typeface="Calibri" panose="020F0502020204030204" pitchFamily="34" charset="0"/>
+                        <a:ea typeface="Calibri" panose="020F0502020204030204" pitchFamily="34" charset="0"/>
+                        <a:cs typeface="Times New Roman" panose="02020603050405020304" pitchFamily="18" charset="0"/>
+                      </a:endParaRPr>
+                    </a:p>
+                  </a:txBody>
+                  <a:tcPr marL="42343" marR="42343" marT="0" marB="0" anchor="ctr"/>
+                </a:tc>
+                <a:tc>
+                  <a:txBody>
+                    <a:bodyPr/>
+                    <a:lstStyle/>
+                    <a:p>
+                      <a:pPr algn="ctr">
+                        <a:lnSpc>
+                          <a:spcPct val="107000"/>
+                        </a:lnSpc>
+                        <a:spcAft>
+                          <a:spcPts val="0"/>
+                        </a:spcAft>
+                      </a:pPr>
+                      <a:r>
+                        <a:rPr lang="ru-RU" sz="900">
+                          <a:effectLst/>
+                        </a:rPr>
+                        <a:t>0,11</a:t>
+                      </a:r>
+                      <a:endParaRPr lang="ru-RU" sz="900">
+                        <a:effectLst/>
+                        <a:latin typeface="Calibri" panose="020F0502020204030204" pitchFamily="34" charset="0"/>
+                        <a:ea typeface="Calibri" panose="020F0502020204030204" pitchFamily="34" charset="0"/>
+                        <a:cs typeface="Times New Roman" panose="02020603050405020304" pitchFamily="18" charset="0"/>
+                      </a:endParaRPr>
+                    </a:p>
+                  </a:txBody>
+                  <a:tcPr marL="42343" marR="42343" marT="0" marB="0" anchor="ctr"/>
+                </a:tc>
+                <a:tc>
+                  <a:txBody>
+                    <a:bodyPr/>
+                    <a:lstStyle/>
+                    <a:p>
+                      <a:pPr algn="ctr">
+                        <a:lnSpc>
+                          <a:spcPct val="107000"/>
+                        </a:lnSpc>
+                        <a:spcAft>
+                          <a:spcPts val="0"/>
+                        </a:spcAft>
+                      </a:pPr>
+                      <a:r>
+                        <a:rPr lang="ru-RU" sz="900">
+                          <a:effectLst/>
+                        </a:rPr>
+                        <a:t>0,16</a:t>
+                      </a:r>
+                      <a:endParaRPr lang="ru-RU" sz="900">
+                        <a:effectLst/>
+                        <a:latin typeface="Calibri" panose="020F0502020204030204" pitchFamily="34" charset="0"/>
+                        <a:ea typeface="Calibri" panose="020F0502020204030204" pitchFamily="34" charset="0"/>
+                        <a:cs typeface="Times New Roman" panose="02020603050405020304" pitchFamily="18" charset="0"/>
+                      </a:endParaRPr>
+                    </a:p>
+                  </a:txBody>
+                  <a:tcPr marL="42343" marR="42343" marT="0" marB="0" anchor="ctr"/>
+                </a:tc>
+                <a:tc>
+                  <a:txBody>
+                    <a:bodyPr/>
+                    <a:lstStyle/>
+                    <a:p>
+                      <a:pPr algn="ctr">
+                        <a:lnSpc>
+                          <a:spcPct val="107000"/>
+                        </a:lnSpc>
+                        <a:spcAft>
+                          <a:spcPts val="0"/>
+                        </a:spcAft>
+                      </a:pPr>
+                      <a:r>
+                        <a:rPr lang="ru-RU" sz="900">
+                          <a:effectLst/>
+                        </a:rPr>
+                        <a:t>0,22</a:t>
+                      </a:r>
+                      <a:endParaRPr lang="ru-RU" sz="900">
+                        <a:effectLst/>
+                        <a:latin typeface="Calibri" panose="020F0502020204030204" pitchFamily="34" charset="0"/>
+                        <a:ea typeface="Calibri" panose="020F0502020204030204" pitchFamily="34" charset="0"/>
+                        <a:cs typeface="Times New Roman" panose="02020603050405020304" pitchFamily="18" charset="0"/>
+                      </a:endParaRPr>
+                    </a:p>
+                  </a:txBody>
+                  <a:tcPr marL="42343" marR="42343" marT="0" marB="0" anchor="ctr"/>
+                </a:tc>
+                <a:tc>
+                  <a:txBody>
+                    <a:bodyPr/>
+                    <a:lstStyle/>
+                    <a:p>
+                      <a:pPr algn="ctr">
+                        <a:lnSpc>
+                          <a:spcPct val="107000"/>
+                        </a:lnSpc>
+                        <a:spcAft>
+                          <a:spcPts val="0"/>
+                        </a:spcAft>
+                      </a:pPr>
+                      <a:r>
+                        <a:rPr lang="ru-RU" sz="900">
+                          <a:effectLst/>
+                        </a:rPr>
+                        <a:t>0,28</a:t>
+                      </a:r>
+                      <a:endParaRPr lang="ru-RU" sz="900">
+                        <a:effectLst/>
+                        <a:latin typeface="Calibri" panose="020F0502020204030204" pitchFamily="34" charset="0"/>
+                        <a:ea typeface="Calibri" panose="020F0502020204030204" pitchFamily="34" charset="0"/>
+                        <a:cs typeface="Times New Roman" panose="02020603050405020304" pitchFamily="18" charset="0"/>
+                      </a:endParaRPr>
+                    </a:p>
+                  </a:txBody>
+                  <a:tcPr marL="42343" marR="42343" marT="0" marB="0" anchor="ctr"/>
+                </a:tc>
+                <a:tc>
+                  <a:txBody>
+                    <a:bodyPr/>
+                    <a:lstStyle/>
+                    <a:p>
+                      <a:pPr algn="ctr">
+                        <a:lnSpc>
+                          <a:spcPct val="107000"/>
+                        </a:lnSpc>
+                        <a:spcAft>
+                          <a:spcPts val="0"/>
+                        </a:spcAft>
+                      </a:pPr>
+                      <a:r>
+                        <a:rPr lang="ru-RU" sz="900">
+                          <a:effectLst/>
+                        </a:rPr>
+                        <a:t>0,34</a:t>
+                      </a:r>
+                      <a:endParaRPr lang="ru-RU" sz="900">
+                        <a:effectLst/>
+                        <a:latin typeface="Calibri" panose="020F0502020204030204" pitchFamily="34" charset="0"/>
+                        <a:ea typeface="Calibri" panose="020F0502020204030204" pitchFamily="34" charset="0"/>
+                        <a:cs typeface="Times New Roman" panose="02020603050405020304" pitchFamily="18" charset="0"/>
+                      </a:endParaRPr>
+                    </a:p>
+                  </a:txBody>
+                  <a:tcPr marL="42343" marR="42343" marT="0" marB="0" anchor="ctr"/>
+                </a:tc>
+              </a:tr>
+              <a:tr h="470477">
+                <a:tc rowSpan="2">
+                  <a:txBody>
+                    <a:bodyPr/>
+                    <a:lstStyle/>
+                    <a:p>
+                      <a:pPr algn="ctr">
+                        <a:lnSpc>
+                          <a:spcPct val="107000"/>
+                        </a:lnSpc>
+                        <a:spcAft>
+                          <a:spcPts val="0"/>
+                        </a:spcAft>
+                      </a:pPr>
+                      <a:r>
+                        <a:rPr lang="ru-RU" sz="900">
+                          <a:effectLst/>
+                        </a:rPr>
+                        <a:t>Количества</a:t>
+                      </a:r>
+                      <a:endParaRPr lang="ru-RU" sz="900">
+                        <a:effectLst/>
+                        <a:latin typeface="Calibri" panose="020F0502020204030204" pitchFamily="34" charset="0"/>
+                        <a:ea typeface="Calibri" panose="020F0502020204030204" pitchFamily="34" charset="0"/>
+                        <a:cs typeface="Times New Roman" panose="02020603050405020304" pitchFamily="18" charset="0"/>
+                      </a:endParaRPr>
+                    </a:p>
+                  </a:txBody>
+                  <a:tcPr marL="42343" marR="42343" marT="0" marB="0" vert="vert270" anchor="ctr"/>
+                </a:tc>
+                <a:tc>
+                  <a:txBody>
+                    <a:bodyPr/>
+                    <a:lstStyle/>
+                    <a:p>
+                      <a:pPr algn="ctr">
+                        <a:lnSpc>
+                          <a:spcPct val="107000"/>
+                        </a:lnSpc>
+                        <a:spcAft>
+                          <a:spcPts val="0"/>
+                        </a:spcAft>
+                      </a:pPr>
+                      <a:r>
+                        <a:rPr lang="ru-RU" sz="900">
+                          <a:effectLst/>
+                        </a:rPr>
+                        <a:t>Правильно класси-фицировано дефолтов</a:t>
+                      </a:r>
+                      <a:endParaRPr lang="ru-RU" sz="900">
+                        <a:effectLst/>
+                        <a:latin typeface="Calibri" panose="020F0502020204030204" pitchFamily="34" charset="0"/>
+                        <a:ea typeface="Calibri" panose="020F0502020204030204" pitchFamily="34" charset="0"/>
+                        <a:cs typeface="Times New Roman" panose="02020603050405020304" pitchFamily="18" charset="0"/>
+                      </a:endParaRPr>
+                    </a:p>
+                  </a:txBody>
+                  <a:tcPr marL="42343" marR="42343" marT="0" marB="0" anchor="ctr"/>
+                </a:tc>
+                <a:tc>
+                  <a:txBody>
+                    <a:bodyPr/>
+                    <a:lstStyle/>
+                    <a:p>
+                      <a:pPr algn="ctr">
+                        <a:lnSpc>
+                          <a:spcPct val="107000"/>
+                        </a:lnSpc>
+                        <a:spcAft>
+                          <a:spcPts val="0"/>
+                        </a:spcAft>
+                      </a:pPr>
+                      <a:r>
+                        <a:rPr lang="ru-RU" sz="900" dirty="0">
+                          <a:effectLst/>
+                        </a:rPr>
+                        <a:t>4304</a:t>
+                      </a:r>
+                      <a:endParaRPr lang="ru-RU" sz="900" dirty="0">
+                        <a:effectLst/>
+                        <a:latin typeface="Calibri" panose="020F0502020204030204" pitchFamily="34" charset="0"/>
+                        <a:ea typeface="Calibri" panose="020F0502020204030204" pitchFamily="34" charset="0"/>
+                        <a:cs typeface="Times New Roman" panose="02020603050405020304" pitchFamily="18" charset="0"/>
+                      </a:endParaRPr>
+                    </a:p>
+                  </a:txBody>
+                  <a:tcPr marL="42343" marR="42343" marT="0" marB="0" anchor="ctr">
+                    <a:solidFill>
+                      <a:schemeClr val="accent4">
+                        <a:lumMod val="40000"/>
+                        <a:lumOff val="60000"/>
+                      </a:schemeClr>
+                    </a:solidFill>
+                  </a:tcPr>
+                </a:tc>
+                <a:tc>
+                  <a:txBody>
+                    <a:bodyPr/>
+                    <a:lstStyle/>
+                    <a:p>
+                      <a:pPr algn="ctr">
+                        <a:lnSpc>
+                          <a:spcPct val="107000"/>
+                        </a:lnSpc>
+                        <a:spcAft>
+                          <a:spcPts val="0"/>
+                        </a:spcAft>
+                      </a:pPr>
+                      <a:r>
+                        <a:rPr lang="ru-RU" sz="900">
+                          <a:effectLst/>
+                        </a:rPr>
+                        <a:t>2132</a:t>
+                      </a:r>
+                      <a:endParaRPr lang="ru-RU" sz="900">
+                        <a:effectLst/>
+                        <a:latin typeface="Calibri" panose="020F0502020204030204" pitchFamily="34" charset="0"/>
+                        <a:ea typeface="Calibri" panose="020F0502020204030204" pitchFamily="34" charset="0"/>
+                        <a:cs typeface="Times New Roman" panose="02020603050405020304" pitchFamily="18" charset="0"/>
+                      </a:endParaRPr>
+                    </a:p>
+                  </a:txBody>
+                  <a:tcPr marL="42343" marR="42343" marT="0" marB="0" anchor="ctr"/>
+                </a:tc>
+                <a:tc>
+                  <a:txBody>
+                    <a:bodyPr/>
+                    <a:lstStyle/>
+                    <a:p>
+                      <a:pPr algn="ctr">
+                        <a:lnSpc>
+                          <a:spcPct val="107000"/>
+                        </a:lnSpc>
+                        <a:spcAft>
+                          <a:spcPts val="0"/>
+                        </a:spcAft>
+                      </a:pPr>
+                      <a:r>
+                        <a:rPr lang="ru-RU" sz="900" dirty="0">
+                          <a:effectLst/>
+                        </a:rPr>
+                        <a:t>1028</a:t>
+                      </a:r>
+                      <a:endParaRPr lang="ru-RU" sz="900" dirty="0">
+                        <a:effectLst/>
+                        <a:latin typeface="Calibri" panose="020F0502020204030204" pitchFamily="34" charset="0"/>
+                        <a:ea typeface="Calibri" panose="020F0502020204030204" pitchFamily="34" charset="0"/>
+                        <a:cs typeface="Times New Roman" panose="02020603050405020304" pitchFamily="18" charset="0"/>
+                      </a:endParaRPr>
+                    </a:p>
+                  </a:txBody>
+                  <a:tcPr marL="42343" marR="42343" marT="0" marB="0" anchor="ctr"/>
+                </a:tc>
+                <a:tc>
+                  <a:txBody>
+                    <a:bodyPr/>
+                    <a:lstStyle/>
+                    <a:p>
+                      <a:pPr algn="ctr">
+                        <a:lnSpc>
+                          <a:spcPct val="107000"/>
+                        </a:lnSpc>
+                        <a:spcAft>
+                          <a:spcPts val="0"/>
+                        </a:spcAft>
+                      </a:pPr>
+                      <a:r>
+                        <a:rPr lang="ru-RU" sz="900">
+                          <a:effectLst/>
+                        </a:rPr>
+                        <a:t>515</a:t>
+                      </a:r>
+                      <a:endParaRPr lang="ru-RU" sz="900">
+                        <a:effectLst/>
+                        <a:latin typeface="Calibri" panose="020F0502020204030204" pitchFamily="34" charset="0"/>
+                        <a:ea typeface="Calibri" panose="020F0502020204030204" pitchFamily="34" charset="0"/>
+                        <a:cs typeface="Times New Roman" panose="02020603050405020304" pitchFamily="18" charset="0"/>
+                      </a:endParaRPr>
+                    </a:p>
+                  </a:txBody>
+                  <a:tcPr marL="42343" marR="42343" marT="0" marB="0" anchor="ctr"/>
+                </a:tc>
+                <a:tc>
+                  <a:txBody>
+                    <a:bodyPr/>
+                    <a:lstStyle/>
+                    <a:p>
+                      <a:pPr algn="ctr">
+                        <a:lnSpc>
+                          <a:spcPct val="107000"/>
+                        </a:lnSpc>
+                        <a:spcAft>
+                          <a:spcPts val="0"/>
+                        </a:spcAft>
+                      </a:pPr>
+                      <a:r>
+                        <a:rPr lang="ru-RU" sz="900" dirty="0">
+                          <a:effectLst/>
+                        </a:rPr>
+                        <a:t>256</a:t>
+                      </a:r>
+                      <a:endParaRPr lang="ru-RU" sz="900" dirty="0">
+                        <a:effectLst/>
+                        <a:latin typeface="Calibri" panose="020F0502020204030204" pitchFamily="34" charset="0"/>
+                        <a:ea typeface="Calibri" panose="020F0502020204030204" pitchFamily="34" charset="0"/>
+                        <a:cs typeface="Times New Roman" panose="02020603050405020304" pitchFamily="18" charset="0"/>
+                      </a:endParaRPr>
+                    </a:p>
+                  </a:txBody>
+                  <a:tcPr marL="42343" marR="42343" marT="0" marB="0" anchor="ctr"/>
+                </a:tc>
+                <a:tc>
+                  <a:txBody>
+                    <a:bodyPr/>
+                    <a:lstStyle/>
+                    <a:p>
+                      <a:pPr algn="ctr">
+                        <a:lnSpc>
+                          <a:spcPct val="107000"/>
+                        </a:lnSpc>
+                        <a:spcAft>
+                          <a:spcPts val="0"/>
+                        </a:spcAft>
+                      </a:pPr>
+                      <a:r>
+                        <a:rPr lang="ru-RU" sz="900">
+                          <a:effectLst/>
+                        </a:rPr>
+                        <a:t>133</a:t>
+                      </a:r>
+                      <a:endParaRPr lang="ru-RU" sz="900">
+                        <a:effectLst/>
+                        <a:latin typeface="Calibri" panose="020F0502020204030204" pitchFamily="34" charset="0"/>
+                        <a:ea typeface="Calibri" panose="020F0502020204030204" pitchFamily="34" charset="0"/>
+                        <a:cs typeface="Times New Roman" panose="02020603050405020304" pitchFamily="18" charset="0"/>
+                      </a:endParaRPr>
+                    </a:p>
+                  </a:txBody>
+                  <a:tcPr marL="42343" marR="42343" marT="0" marB="0" anchor="ctr"/>
+                </a:tc>
+              </a:tr>
+              <a:tr h="470477">
+                <a:tc vMerge="1">
+                  <a:txBody>
+                    <a:bodyPr/>
+                    <a:lstStyle/>
+                    <a:p>
+                      <a:endParaRPr lang="ru-RU"/>
+                    </a:p>
+                  </a:txBody>
+                  <a:tcPr/>
+                </a:tc>
+                <a:tc>
+                  <a:txBody>
+                    <a:bodyPr/>
+                    <a:lstStyle/>
+                    <a:p>
+                      <a:pPr algn="ctr">
+                        <a:lnSpc>
+                          <a:spcPct val="107000"/>
+                        </a:lnSpc>
+                        <a:spcAft>
+                          <a:spcPts val="0"/>
+                        </a:spcAft>
+                      </a:pPr>
+                      <a:r>
+                        <a:rPr lang="ru-RU" sz="900">
+                          <a:effectLst/>
+                        </a:rPr>
+                        <a:t>Правильно класси-фицировано не дефолтов</a:t>
+                      </a:r>
+                      <a:endParaRPr lang="ru-RU" sz="900">
+                        <a:effectLst/>
+                        <a:latin typeface="Calibri" panose="020F0502020204030204" pitchFamily="34" charset="0"/>
+                        <a:ea typeface="Calibri" panose="020F0502020204030204" pitchFamily="34" charset="0"/>
+                        <a:cs typeface="Times New Roman" panose="02020603050405020304" pitchFamily="18" charset="0"/>
+                      </a:endParaRPr>
+                    </a:p>
+                  </a:txBody>
+                  <a:tcPr marL="42343" marR="42343" marT="0" marB="0" anchor="ctr"/>
+                </a:tc>
+                <a:tc>
+                  <a:txBody>
+                    <a:bodyPr/>
+                    <a:lstStyle/>
+                    <a:p>
+                      <a:pPr algn="ctr">
+                        <a:lnSpc>
+                          <a:spcPct val="107000"/>
+                        </a:lnSpc>
+                        <a:spcAft>
+                          <a:spcPts val="0"/>
+                        </a:spcAft>
+                      </a:pPr>
+                      <a:r>
+                        <a:rPr lang="ru-RU" sz="900" dirty="0">
+                          <a:effectLst/>
+                        </a:rPr>
+                        <a:t>171477</a:t>
+                      </a:r>
+                      <a:endParaRPr lang="ru-RU" sz="900" dirty="0">
+                        <a:effectLst/>
+                        <a:latin typeface="Calibri" panose="020F0502020204030204" pitchFamily="34" charset="0"/>
+                        <a:ea typeface="Calibri" panose="020F0502020204030204" pitchFamily="34" charset="0"/>
+                        <a:cs typeface="Times New Roman" panose="02020603050405020304" pitchFamily="18" charset="0"/>
+                      </a:endParaRPr>
+                    </a:p>
+                  </a:txBody>
+                  <a:tcPr marL="42343" marR="42343" marT="0" marB="0" anchor="ctr">
+                    <a:solidFill>
+                      <a:schemeClr val="accent4">
+                        <a:lumMod val="40000"/>
+                        <a:lumOff val="60000"/>
+                      </a:schemeClr>
+                    </a:solidFill>
+                  </a:tcPr>
+                </a:tc>
+                <a:tc>
+                  <a:txBody>
+                    <a:bodyPr/>
+                    <a:lstStyle/>
+                    <a:p>
+                      <a:pPr algn="ctr">
+                        <a:lnSpc>
+                          <a:spcPct val="107000"/>
+                        </a:lnSpc>
+                        <a:spcAft>
+                          <a:spcPts val="0"/>
+                        </a:spcAft>
+                      </a:pPr>
+                      <a:r>
+                        <a:rPr lang="ru-RU" sz="900">
+                          <a:effectLst/>
+                        </a:rPr>
+                        <a:t>199168</a:t>
+                      </a:r>
+                      <a:endParaRPr lang="ru-RU" sz="900">
+                        <a:effectLst/>
+                        <a:latin typeface="Calibri" panose="020F0502020204030204" pitchFamily="34" charset="0"/>
+                        <a:ea typeface="Calibri" panose="020F0502020204030204" pitchFamily="34" charset="0"/>
+                        <a:cs typeface="Times New Roman" panose="02020603050405020304" pitchFamily="18" charset="0"/>
+                      </a:endParaRPr>
+                    </a:p>
+                  </a:txBody>
+                  <a:tcPr marL="42343" marR="42343" marT="0" marB="0" anchor="ctr"/>
+                </a:tc>
+                <a:tc>
+                  <a:txBody>
+                    <a:bodyPr/>
+                    <a:lstStyle/>
+                    <a:p>
+                      <a:pPr algn="ctr">
+                        <a:lnSpc>
+                          <a:spcPct val="107000"/>
+                        </a:lnSpc>
+                        <a:spcAft>
+                          <a:spcPts val="0"/>
+                        </a:spcAft>
+                      </a:pPr>
+                      <a:r>
+                        <a:rPr lang="ru-RU" sz="900">
+                          <a:effectLst/>
+                        </a:rPr>
+                        <a:t>206352</a:t>
+                      </a:r>
+                      <a:endParaRPr lang="ru-RU" sz="900">
+                        <a:effectLst/>
+                        <a:latin typeface="Calibri" panose="020F0502020204030204" pitchFamily="34" charset="0"/>
+                        <a:ea typeface="Calibri" panose="020F0502020204030204" pitchFamily="34" charset="0"/>
+                        <a:cs typeface="Times New Roman" panose="02020603050405020304" pitchFamily="18" charset="0"/>
+                      </a:endParaRPr>
+                    </a:p>
+                  </a:txBody>
+                  <a:tcPr marL="42343" marR="42343" marT="0" marB="0" anchor="ctr"/>
+                </a:tc>
+                <a:tc>
+                  <a:txBody>
+                    <a:bodyPr/>
+                    <a:lstStyle/>
+                    <a:p>
+                      <a:pPr algn="ctr">
+                        <a:lnSpc>
+                          <a:spcPct val="107000"/>
+                        </a:lnSpc>
+                        <a:spcAft>
+                          <a:spcPts val="0"/>
+                        </a:spcAft>
+                      </a:pPr>
+                      <a:r>
+                        <a:rPr lang="ru-RU" sz="900" dirty="0">
+                          <a:effectLst/>
+                        </a:rPr>
+                        <a:t>208329</a:t>
+                      </a:r>
+                      <a:endParaRPr lang="ru-RU" sz="900" dirty="0">
+                        <a:effectLst/>
+                        <a:latin typeface="Calibri" panose="020F0502020204030204" pitchFamily="34" charset="0"/>
+                        <a:ea typeface="Calibri" panose="020F0502020204030204" pitchFamily="34" charset="0"/>
+                        <a:cs typeface="Times New Roman" panose="02020603050405020304" pitchFamily="18" charset="0"/>
+                      </a:endParaRPr>
+                    </a:p>
+                  </a:txBody>
+                  <a:tcPr marL="42343" marR="42343" marT="0" marB="0" anchor="ctr"/>
+                </a:tc>
+                <a:tc>
+                  <a:txBody>
+                    <a:bodyPr/>
+                    <a:lstStyle/>
+                    <a:p>
+                      <a:pPr algn="ctr">
+                        <a:lnSpc>
+                          <a:spcPct val="107000"/>
+                        </a:lnSpc>
+                        <a:spcAft>
+                          <a:spcPts val="0"/>
+                        </a:spcAft>
+                      </a:pPr>
+                      <a:r>
+                        <a:rPr lang="ru-RU" sz="900">
+                          <a:effectLst/>
+                        </a:rPr>
+                        <a:t>208990</a:t>
+                      </a:r>
+                      <a:endParaRPr lang="ru-RU" sz="900">
+                        <a:effectLst/>
+                        <a:latin typeface="Calibri" panose="020F0502020204030204" pitchFamily="34" charset="0"/>
+                        <a:ea typeface="Calibri" panose="020F0502020204030204" pitchFamily="34" charset="0"/>
+                        <a:cs typeface="Times New Roman" panose="02020603050405020304" pitchFamily="18" charset="0"/>
+                      </a:endParaRPr>
+                    </a:p>
+                  </a:txBody>
+                  <a:tcPr marL="42343" marR="42343" marT="0" marB="0" anchor="ctr"/>
+                </a:tc>
+                <a:tc>
+                  <a:txBody>
+                    <a:bodyPr/>
+                    <a:lstStyle/>
+                    <a:p>
+                      <a:pPr algn="ctr">
+                        <a:lnSpc>
+                          <a:spcPct val="107000"/>
+                        </a:lnSpc>
+                        <a:spcAft>
+                          <a:spcPts val="0"/>
+                        </a:spcAft>
+                      </a:pPr>
+                      <a:r>
+                        <a:rPr lang="ru-RU" sz="900">
+                          <a:effectLst/>
+                        </a:rPr>
+                        <a:t>209235</a:t>
+                      </a:r>
+                      <a:endParaRPr lang="ru-RU" sz="900">
+                        <a:effectLst/>
+                        <a:latin typeface="Calibri" panose="020F0502020204030204" pitchFamily="34" charset="0"/>
+                        <a:ea typeface="Calibri" panose="020F0502020204030204" pitchFamily="34" charset="0"/>
+                        <a:cs typeface="Times New Roman" panose="02020603050405020304" pitchFamily="18" charset="0"/>
+                      </a:endParaRPr>
+                    </a:p>
+                  </a:txBody>
+                  <a:tcPr marL="42343" marR="42343" marT="0" marB="0" anchor="ctr"/>
+                </a:tc>
+              </a:tr>
+              <a:tr h="705716">
+                <a:tc rowSpan="2">
+                  <a:txBody>
+                    <a:bodyPr/>
+                    <a:lstStyle/>
+                    <a:p>
+                      <a:pPr algn="ctr">
+                        <a:lnSpc>
+                          <a:spcPct val="107000"/>
+                        </a:lnSpc>
+                        <a:spcAft>
+                          <a:spcPts val="0"/>
+                        </a:spcAft>
+                      </a:pPr>
+                      <a:r>
+                        <a:rPr lang="ru-RU" sz="900">
+                          <a:effectLst/>
+                        </a:rPr>
+                        <a:t>Доли</a:t>
+                      </a:r>
+                      <a:endParaRPr lang="ru-RU" sz="900">
+                        <a:effectLst/>
+                        <a:latin typeface="Calibri" panose="020F0502020204030204" pitchFamily="34" charset="0"/>
+                        <a:ea typeface="Calibri" panose="020F0502020204030204" pitchFamily="34" charset="0"/>
+                        <a:cs typeface="Times New Roman" panose="02020603050405020304" pitchFamily="18" charset="0"/>
+                      </a:endParaRPr>
+                    </a:p>
+                  </a:txBody>
+                  <a:tcPr marL="42343" marR="42343" marT="0" marB="0" vert="vert270" anchor="ctr"/>
+                </a:tc>
+                <a:tc>
+                  <a:txBody>
+                    <a:bodyPr/>
+                    <a:lstStyle/>
+                    <a:p>
+                      <a:pPr algn="ctr">
+                        <a:lnSpc>
+                          <a:spcPct val="107000"/>
+                        </a:lnSpc>
+                        <a:spcAft>
+                          <a:spcPts val="0"/>
+                        </a:spcAft>
+                      </a:pPr>
+                      <a:r>
+                        <a:rPr lang="ru-RU" sz="900">
+                          <a:effectLst/>
+                        </a:rPr>
+                        <a:t>Доля правильно клас-сифицированных дефолтов%</a:t>
+                      </a:r>
+                      <a:endParaRPr lang="ru-RU" sz="900">
+                        <a:effectLst/>
+                        <a:latin typeface="Calibri" panose="020F0502020204030204" pitchFamily="34" charset="0"/>
+                        <a:ea typeface="Calibri" panose="020F0502020204030204" pitchFamily="34" charset="0"/>
+                        <a:cs typeface="Times New Roman" panose="02020603050405020304" pitchFamily="18" charset="0"/>
+                      </a:endParaRPr>
+                    </a:p>
+                  </a:txBody>
+                  <a:tcPr marL="42343" marR="42343" marT="0" marB="0" anchor="ctr"/>
+                </a:tc>
+                <a:tc>
+                  <a:txBody>
+                    <a:bodyPr/>
+                    <a:lstStyle/>
+                    <a:p>
+                      <a:pPr algn="ctr">
+                        <a:lnSpc>
+                          <a:spcPct val="107000"/>
+                        </a:lnSpc>
+                        <a:spcAft>
+                          <a:spcPts val="0"/>
+                        </a:spcAft>
+                      </a:pPr>
+                      <a:r>
+                        <a:rPr lang="ru-RU" sz="900" dirty="0">
+                          <a:effectLst/>
+                        </a:rPr>
+                        <a:t>61,81</a:t>
+                      </a:r>
+                      <a:endParaRPr lang="ru-RU" sz="900" dirty="0">
+                        <a:effectLst/>
+                        <a:latin typeface="Calibri" panose="020F0502020204030204" pitchFamily="34" charset="0"/>
+                        <a:ea typeface="Calibri" panose="020F0502020204030204" pitchFamily="34" charset="0"/>
+                        <a:cs typeface="Times New Roman" panose="02020603050405020304" pitchFamily="18" charset="0"/>
+                      </a:endParaRPr>
+                    </a:p>
+                  </a:txBody>
+                  <a:tcPr marL="42343" marR="42343" marT="0" marB="0" anchor="ctr">
+                    <a:solidFill>
+                      <a:schemeClr val="accent4">
+                        <a:lumMod val="40000"/>
+                        <a:lumOff val="60000"/>
+                      </a:schemeClr>
+                    </a:solidFill>
+                  </a:tcPr>
+                </a:tc>
+                <a:tc>
+                  <a:txBody>
+                    <a:bodyPr/>
+                    <a:lstStyle/>
+                    <a:p>
+                      <a:pPr algn="ctr">
+                        <a:lnSpc>
+                          <a:spcPct val="107000"/>
+                        </a:lnSpc>
+                        <a:spcAft>
+                          <a:spcPts val="0"/>
+                        </a:spcAft>
+                      </a:pPr>
+                      <a:r>
+                        <a:rPr lang="ru-RU" sz="900">
+                          <a:effectLst/>
+                        </a:rPr>
+                        <a:t>30,62</a:t>
+                      </a:r>
+                      <a:endParaRPr lang="ru-RU" sz="900">
+                        <a:effectLst/>
+                        <a:latin typeface="Calibri" panose="020F0502020204030204" pitchFamily="34" charset="0"/>
+                        <a:ea typeface="Calibri" panose="020F0502020204030204" pitchFamily="34" charset="0"/>
+                        <a:cs typeface="Times New Roman" panose="02020603050405020304" pitchFamily="18" charset="0"/>
+                      </a:endParaRPr>
+                    </a:p>
+                  </a:txBody>
+                  <a:tcPr marL="42343" marR="42343" marT="0" marB="0" anchor="ctr"/>
+                </a:tc>
+                <a:tc>
+                  <a:txBody>
+                    <a:bodyPr/>
+                    <a:lstStyle/>
+                    <a:p>
+                      <a:pPr algn="ctr">
+                        <a:lnSpc>
+                          <a:spcPct val="107000"/>
+                        </a:lnSpc>
+                        <a:spcAft>
+                          <a:spcPts val="0"/>
+                        </a:spcAft>
+                      </a:pPr>
+                      <a:r>
+                        <a:rPr lang="ru-RU" sz="900">
+                          <a:effectLst/>
+                        </a:rPr>
+                        <a:t>14,76</a:t>
+                      </a:r>
+                      <a:endParaRPr lang="ru-RU" sz="900">
+                        <a:effectLst/>
+                        <a:latin typeface="Calibri" panose="020F0502020204030204" pitchFamily="34" charset="0"/>
+                        <a:ea typeface="Calibri" panose="020F0502020204030204" pitchFamily="34" charset="0"/>
+                        <a:cs typeface="Times New Roman" panose="02020603050405020304" pitchFamily="18" charset="0"/>
+                      </a:endParaRPr>
+                    </a:p>
+                  </a:txBody>
+                  <a:tcPr marL="42343" marR="42343" marT="0" marB="0" anchor="ctr"/>
+                </a:tc>
+                <a:tc>
+                  <a:txBody>
+                    <a:bodyPr/>
+                    <a:lstStyle/>
+                    <a:p>
+                      <a:pPr algn="ctr">
+                        <a:lnSpc>
+                          <a:spcPct val="107000"/>
+                        </a:lnSpc>
+                        <a:spcAft>
+                          <a:spcPts val="0"/>
+                        </a:spcAft>
+                      </a:pPr>
+                      <a:r>
+                        <a:rPr lang="ru-RU" sz="900">
+                          <a:effectLst/>
+                        </a:rPr>
+                        <a:t>7,4</a:t>
+                      </a:r>
+                      <a:endParaRPr lang="ru-RU" sz="900">
+                        <a:effectLst/>
+                        <a:latin typeface="Calibri" panose="020F0502020204030204" pitchFamily="34" charset="0"/>
+                        <a:ea typeface="Calibri" panose="020F0502020204030204" pitchFamily="34" charset="0"/>
+                        <a:cs typeface="Times New Roman" panose="02020603050405020304" pitchFamily="18" charset="0"/>
+                      </a:endParaRPr>
+                    </a:p>
+                  </a:txBody>
+                  <a:tcPr marL="42343" marR="42343" marT="0" marB="0" anchor="ctr"/>
+                </a:tc>
+                <a:tc>
+                  <a:txBody>
+                    <a:bodyPr/>
+                    <a:lstStyle/>
+                    <a:p>
+                      <a:pPr algn="ctr">
+                        <a:lnSpc>
+                          <a:spcPct val="107000"/>
+                        </a:lnSpc>
+                        <a:spcAft>
+                          <a:spcPts val="0"/>
+                        </a:spcAft>
+                      </a:pPr>
+                      <a:r>
+                        <a:rPr lang="ru-RU" sz="900">
+                          <a:effectLst/>
+                        </a:rPr>
+                        <a:t>3,68</a:t>
+                      </a:r>
+                      <a:endParaRPr lang="ru-RU" sz="900">
+                        <a:effectLst/>
+                        <a:latin typeface="Calibri" panose="020F0502020204030204" pitchFamily="34" charset="0"/>
+                        <a:ea typeface="Calibri" panose="020F0502020204030204" pitchFamily="34" charset="0"/>
+                        <a:cs typeface="Times New Roman" panose="02020603050405020304" pitchFamily="18" charset="0"/>
+                      </a:endParaRPr>
+                    </a:p>
+                  </a:txBody>
+                  <a:tcPr marL="42343" marR="42343" marT="0" marB="0" anchor="ctr"/>
+                </a:tc>
+                <a:tc>
+                  <a:txBody>
+                    <a:bodyPr/>
+                    <a:lstStyle/>
+                    <a:p>
+                      <a:pPr algn="ctr">
+                        <a:lnSpc>
+                          <a:spcPct val="107000"/>
+                        </a:lnSpc>
+                        <a:spcAft>
+                          <a:spcPts val="0"/>
+                        </a:spcAft>
+                      </a:pPr>
+                      <a:r>
+                        <a:rPr lang="ru-RU" sz="900">
+                          <a:effectLst/>
+                        </a:rPr>
+                        <a:t>1,91</a:t>
+                      </a:r>
+                      <a:endParaRPr lang="ru-RU" sz="900">
+                        <a:effectLst/>
+                        <a:latin typeface="Calibri" panose="020F0502020204030204" pitchFamily="34" charset="0"/>
+                        <a:ea typeface="Calibri" panose="020F0502020204030204" pitchFamily="34" charset="0"/>
+                        <a:cs typeface="Times New Roman" panose="02020603050405020304" pitchFamily="18" charset="0"/>
+                      </a:endParaRPr>
+                    </a:p>
+                  </a:txBody>
+                  <a:tcPr marL="42343" marR="42343" marT="0" marB="0" anchor="ctr"/>
+                </a:tc>
+              </a:tr>
+              <a:tr h="705716">
+                <a:tc vMerge="1">
+                  <a:txBody>
+                    <a:bodyPr/>
+                    <a:lstStyle/>
+                    <a:p>
+                      <a:endParaRPr lang="ru-RU"/>
+                    </a:p>
+                  </a:txBody>
+                  <a:tcPr/>
+                </a:tc>
+                <a:tc>
+                  <a:txBody>
+                    <a:bodyPr/>
+                    <a:lstStyle/>
+                    <a:p>
+                      <a:pPr algn="ctr">
+                        <a:lnSpc>
+                          <a:spcPct val="107000"/>
+                        </a:lnSpc>
+                        <a:spcAft>
+                          <a:spcPts val="0"/>
+                        </a:spcAft>
+                      </a:pPr>
+                      <a:r>
+                        <a:rPr lang="ru-RU" sz="900">
+                          <a:effectLst/>
+                        </a:rPr>
+                        <a:t>Доля правильно клас-сифицированных не дефолтов%</a:t>
+                      </a:r>
+                      <a:endParaRPr lang="ru-RU" sz="900">
+                        <a:effectLst/>
+                        <a:latin typeface="Calibri" panose="020F0502020204030204" pitchFamily="34" charset="0"/>
+                        <a:ea typeface="Calibri" panose="020F0502020204030204" pitchFamily="34" charset="0"/>
+                        <a:cs typeface="Times New Roman" panose="02020603050405020304" pitchFamily="18" charset="0"/>
+                      </a:endParaRPr>
+                    </a:p>
+                  </a:txBody>
+                  <a:tcPr marL="42343" marR="42343" marT="0" marB="0" anchor="ctr"/>
+                </a:tc>
+                <a:tc>
+                  <a:txBody>
+                    <a:bodyPr/>
+                    <a:lstStyle/>
+                    <a:p>
+                      <a:pPr algn="ctr">
+                        <a:lnSpc>
+                          <a:spcPct val="107000"/>
+                        </a:lnSpc>
+                        <a:spcAft>
+                          <a:spcPts val="0"/>
+                        </a:spcAft>
+                      </a:pPr>
+                      <a:r>
+                        <a:rPr lang="ru-RU" sz="900">
+                          <a:effectLst/>
+                        </a:rPr>
+                        <a:t>81,89</a:t>
+                      </a:r>
+                      <a:endParaRPr lang="ru-RU" sz="900">
+                        <a:effectLst/>
+                        <a:latin typeface="Calibri" panose="020F0502020204030204" pitchFamily="34" charset="0"/>
+                        <a:ea typeface="Calibri" panose="020F0502020204030204" pitchFamily="34" charset="0"/>
+                        <a:cs typeface="Times New Roman" panose="02020603050405020304" pitchFamily="18" charset="0"/>
+                      </a:endParaRPr>
+                    </a:p>
+                  </a:txBody>
+                  <a:tcPr marL="42343" marR="42343" marT="0" marB="0" anchor="ctr">
+                    <a:solidFill>
+                      <a:schemeClr val="accent4">
+                        <a:lumMod val="40000"/>
+                        <a:lumOff val="60000"/>
+                      </a:schemeClr>
+                    </a:solidFill>
+                  </a:tcPr>
+                </a:tc>
+                <a:tc>
+                  <a:txBody>
+                    <a:bodyPr/>
+                    <a:lstStyle/>
+                    <a:p>
+                      <a:pPr algn="ctr">
+                        <a:lnSpc>
+                          <a:spcPct val="107000"/>
+                        </a:lnSpc>
+                        <a:spcAft>
+                          <a:spcPts val="0"/>
+                        </a:spcAft>
+                      </a:pPr>
+                      <a:r>
+                        <a:rPr lang="ru-RU" sz="900" dirty="0">
+                          <a:effectLst/>
+                        </a:rPr>
+                        <a:t>95,11</a:t>
+                      </a:r>
+                      <a:endParaRPr lang="ru-RU" sz="900" dirty="0">
+                        <a:effectLst/>
+                        <a:latin typeface="Calibri" panose="020F0502020204030204" pitchFamily="34" charset="0"/>
+                        <a:ea typeface="Calibri" panose="020F0502020204030204" pitchFamily="34" charset="0"/>
+                        <a:cs typeface="Times New Roman" panose="02020603050405020304" pitchFamily="18" charset="0"/>
+                      </a:endParaRPr>
+                    </a:p>
+                  </a:txBody>
+                  <a:tcPr marL="42343" marR="42343" marT="0" marB="0" anchor="ctr"/>
+                </a:tc>
+                <a:tc>
+                  <a:txBody>
+                    <a:bodyPr/>
+                    <a:lstStyle/>
+                    <a:p>
+                      <a:pPr algn="ctr">
+                        <a:lnSpc>
+                          <a:spcPct val="107000"/>
+                        </a:lnSpc>
+                        <a:spcAft>
+                          <a:spcPts val="0"/>
+                        </a:spcAft>
+                      </a:pPr>
+                      <a:r>
+                        <a:rPr lang="ru-RU" sz="900">
+                          <a:effectLst/>
+                        </a:rPr>
+                        <a:t>98,54</a:t>
+                      </a:r>
+                      <a:endParaRPr lang="ru-RU" sz="900">
+                        <a:effectLst/>
+                        <a:latin typeface="Calibri" panose="020F0502020204030204" pitchFamily="34" charset="0"/>
+                        <a:ea typeface="Calibri" panose="020F0502020204030204" pitchFamily="34" charset="0"/>
+                        <a:cs typeface="Times New Roman" panose="02020603050405020304" pitchFamily="18" charset="0"/>
+                      </a:endParaRPr>
+                    </a:p>
+                  </a:txBody>
+                  <a:tcPr marL="42343" marR="42343" marT="0" marB="0" anchor="ctr"/>
+                </a:tc>
+                <a:tc>
+                  <a:txBody>
+                    <a:bodyPr/>
+                    <a:lstStyle/>
+                    <a:p>
+                      <a:pPr algn="ctr">
+                        <a:lnSpc>
+                          <a:spcPct val="107000"/>
+                        </a:lnSpc>
+                        <a:spcAft>
+                          <a:spcPts val="0"/>
+                        </a:spcAft>
+                      </a:pPr>
+                      <a:r>
+                        <a:rPr lang="ru-RU" sz="900">
+                          <a:effectLst/>
+                        </a:rPr>
+                        <a:t>99,49</a:t>
+                      </a:r>
+                      <a:endParaRPr lang="ru-RU" sz="900">
+                        <a:effectLst/>
+                        <a:latin typeface="Calibri" panose="020F0502020204030204" pitchFamily="34" charset="0"/>
+                        <a:ea typeface="Calibri" panose="020F0502020204030204" pitchFamily="34" charset="0"/>
+                        <a:cs typeface="Times New Roman" panose="02020603050405020304" pitchFamily="18" charset="0"/>
+                      </a:endParaRPr>
+                    </a:p>
+                  </a:txBody>
+                  <a:tcPr marL="42343" marR="42343" marT="0" marB="0" anchor="ctr"/>
+                </a:tc>
+                <a:tc>
+                  <a:txBody>
+                    <a:bodyPr/>
+                    <a:lstStyle/>
+                    <a:p>
+                      <a:pPr algn="ctr">
+                        <a:lnSpc>
+                          <a:spcPct val="107000"/>
+                        </a:lnSpc>
+                        <a:spcAft>
+                          <a:spcPts val="0"/>
+                        </a:spcAft>
+                      </a:pPr>
+                      <a:r>
+                        <a:rPr lang="ru-RU" sz="900">
+                          <a:effectLst/>
+                        </a:rPr>
+                        <a:t>99,8</a:t>
+                      </a:r>
+                      <a:endParaRPr lang="ru-RU" sz="900">
+                        <a:effectLst/>
+                        <a:latin typeface="Calibri" panose="020F0502020204030204" pitchFamily="34" charset="0"/>
+                        <a:ea typeface="Calibri" panose="020F0502020204030204" pitchFamily="34" charset="0"/>
+                        <a:cs typeface="Times New Roman" panose="02020603050405020304" pitchFamily="18" charset="0"/>
+                      </a:endParaRPr>
+                    </a:p>
+                  </a:txBody>
+                  <a:tcPr marL="42343" marR="42343" marT="0" marB="0" anchor="ctr"/>
+                </a:tc>
+                <a:tc>
+                  <a:txBody>
+                    <a:bodyPr/>
+                    <a:lstStyle/>
+                    <a:p>
+                      <a:pPr algn="ctr">
+                        <a:lnSpc>
+                          <a:spcPct val="107000"/>
+                        </a:lnSpc>
+                        <a:spcAft>
+                          <a:spcPts val="0"/>
+                        </a:spcAft>
+                      </a:pPr>
+                      <a:r>
+                        <a:rPr lang="ru-RU" sz="900" dirty="0">
+                          <a:effectLst/>
+                        </a:rPr>
+                        <a:t>99,92</a:t>
+                      </a:r>
+                      <a:endParaRPr lang="ru-RU" sz="900" dirty="0">
+                        <a:effectLst/>
+                        <a:latin typeface="Calibri" panose="020F0502020204030204" pitchFamily="34" charset="0"/>
+                        <a:ea typeface="Calibri" panose="020F0502020204030204" pitchFamily="34" charset="0"/>
+                        <a:cs typeface="Times New Roman" panose="02020603050405020304" pitchFamily="18" charset="0"/>
+                      </a:endParaRPr>
+                    </a:p>
+                  </a:txBody>
+                  <a:tcPr marL="42343" marR="42343" marT="0" marB="0" anchor="ctr"/>
+                </a:tc>
+              </a:tr>
+              <a:tr h="235239">
+                <a:tc rowSpan="5">
+                  <a:txBody>
+                    <a:bodyPr/>
+                    <a:lstStyle/>
+                    <a:p>
+                      <a:pPr algn="ctr">
+                        <a:lnSpc>
+                          <a:spcPct val="107000"/>
+                        </a:lnSpc>
+                        <a:spcAft>
+                          <a:spcPts val="0"/>
+                        </a:spcAft>
+                      </a:pPr>
+                      <a:r>
+                        <a:rPr lang="ru-RU" sz="900">
+                          <a:effectLst/>
+                        </a:rPr>
+                        <a:t>Экономические показатели (BYN)</a:t>
+                      </a:r>
+                      <a:endParaRPr lang="ru-RU" sz="900">
+                        <a:effectLst/>
+                        <a:latin typeface="Calibri" panose="020F0502020204030204" pitchFamily="34" charset="0"/>
+                        <a:ea typeface="Calibri" panose="020F0502020204030204" pitchFamily="34" charset="0"/>
+                        <a:cs typeface="Times New Roman" panose="02020603050405020304" pitchFamily="18" charset="0"/>
+                      </a:endParaRPr>
+                    </a:p>
+                  </a:txBody>
+                  <a:tcPr marL="42343" marR="42343" marT="0" marB="0" vert="vert270" anchor="ctr"/>
+                </a:tc>
+                <a:tc>
+                  <a:txBody>
+                    <a:bodyPr/>
+                    <a:lstStyle/>
+                    <a:p>
+                      <a:pPr algn="ctr">
+                        <a:lnSpc>
+                          <a:spcPct val="107000"/>
+                        </a:lnSpc>
+                        <a:spcAft>
+                          <a:spcPts val="0"/>
+                        </a:spcAft>
+                      </a:pPr>
+                      <a:r>
+                        <a:rPr lang="ru-RU" sz="900">
+                          <a:effectLst/>
+                        </a:rPr>
+                        <a:t>Потери на процентах</a:t>
+                      </a:r>
+                      <a:endParaRPr lang="ru-RU" sz="900">
+                        <a:effectLst/>
+                        <a:latin typeface="Calibri" panose="020F0502020204030204" pitchFamily="34" charset="0"/>
+                        <a:ea typeface="Calibri" panose="020F0502020204030204" pitchFamily="34" charset="0"/>
+                        <a:cs typeface="Times New Roman" panose="02020603050405020304" pitchFamily="18" charset="0"/>
+                      </a:endParaRPr>
+                    </a:p>
+                  </a:txBody>
+                  <a:tcPr marL="42343" marR="42343" marT="0" marB="0" anchor="ctr"/>
+                </a:tc>
+                <a:tc>
+                  <a:txBody>
+                    <a:bodyPr/>
+                    <a:lstStyle/>
+                    <a:p>
+                      <a:pPr algn="ctr">
+                        <a:lnSpc>
+                          <a:spcPct val="107000"/>
+                        </a:lnSpc>
+                        <a:spcAft>
+                          <a:spcPts val="0"/>
+                        </a:spcAft>
+                      </a:pPr>
+                      <a:r>
+                        <a:rPr lang="ru-RU" sz="900">
+                          <a:effectLst/>
+                        </a:rPr>
+                        <a:t>5294381</a:t>
+                      </a:r>
+                      <a:endParaRPr lang="ru-RU" sz="900">
+                        <a:effectLst/>
+                        <a:latin typeface="Calibri" panose="020F0502020204030204" pitchFamily="34" charset="0"/>
+                        <a:ea typeface="Calibri" panose="020F0502020204030204" pitchFamily="34" charset="0"/>
+                        <a:cs typeface="Times New Roman" panose="02020603050405020304" pitchFamily="18" charset="0"/>
+                      </a:endParaRPr>
+                    </a:p>
+                  </a:txBody>
+                  <a:tcPr marL="42343" marR="42343" marT="0" marB="0" anchor="ctr">
+                    <a:solidFill>
+                      <a:schemeClr val="accent4">
+                        <a:lumMod val="40000"/>
+                        <a:lumOff val="60000"/>
+                      </a:schemeClr>
+                    </a:solidFill>
+                  </a:tcPr>
+                </a:tc>
+                <a:tc>
+                  <a:txBody>
+                    <a:bodyPr/>
+                    <a:lstStyle/>
+                    <a:p>
+                      <a:pPr algn="ctr">
+                        <a:lnSpc>
+                          <a:spcPct val="107000"/>
+                        </a:lnSpc>
+                        <a:spcAft>
+                          <a:spcPts val="0"/>
+                        </a:spcAft>
+                      </a:pPr>
+                      <a:r>
+                        <a:rPr lang="ru-RU" sz="900">
+                          <a:effectLst/>
+                        </a:rPr>
+                        <a:t>1339533</a:t>
+                      </a:r>
+                      <a:endParaRPr lang="ru-RU" sz="900">
+                        <a:effectLst/>
+                        <a:latin typeface="Calibri" panose="020F0502020204030204" pitchFamily="34" charset="0"/>
+                        <a:ea typeface="Calibri" panose="020F0502020204030204" pitchFamily="34" charset="0"/>
+                        <a:cs typeface="Times New Roman" panose="02020603050405020304" pitchFamily="18" charset="0"/>
+                      </a:endParaRPr>
+                    </a:p>
+                  </a:txBody>
+                  <a:tcPr marL="42343" marR="42343" marT="0" marB="0" anchor="ctr"/>
+                </a:tc>
+                <a:tc>
+                  <a:txBody>
+                    <a:bodyPr/>
+                    <a:lstStyle/>
+                    <a:p>
+                      <a:pPr algn="ctr">
+                        <a:lnSpc>
+                          <a:spcPct val="107000"/>
+                        </a:lnSpc>
+                        <a:spcAft>
+                          <a:spcPts val="0"/>
+                        </a:spcAft>
+                      </a:pPr>
+                      <a:r>
+                        <a:rPr lang="ru-RU" sz="900">
+                          <a:effectLst/>
+                        </a:rPr>
+                        <a:t>350132,7</a:t>
+                      </a:r>
+                      <a:endParaRPr lang="ru-RU" sz="900">
+                        <a:effectLst/>
+                        <a:latin typeface="Calibri" panose="020F0502020204030204" pitchFamily="34" charset="0"/>
+                        <a:ea typeface="Calibri" panose="020F0502020204030204" pitchFamily="34" charset="0"/>
+                        <a:cs typeface="Times New Roman" panose="02020603050405020304" pitchFamily="18" charset="0"/>
+                      </a:endParaRPr>
+                    </a:p>
+                  </a:txBody>
+                  <a:tcPr marL="42343" marR="42343" marT="0" marB="0" anchor="ctr"/>
+                </a:tc>
+                <a:tc>
+                  <a:txBody>
+                    <a:bodyPr/>
+                    <a:lstStyle/>
+                    <a:p>
+                      <a:pPr algn="ctr">
+                        <a:lnSpc>
+                          <a:spcPct val="107000"/>
+                        </a:lnSpc>
+                        <a:spcAft>
+                          <a:spcPts val="0"/>
+                        </a:spcAft>
+                      </a:pPr>
+                      <a:r>
+                        <a:rPr lang="ru-RU" sz="900">
+                          <a:effectLst/>
+                        </a:rPr>
+                        <a:t>101219,9</a:t>
+                      </a:r>
+                      <a:endParaRPr lang="ru-RU" sz="900">
+                        <a:effectLst/>
+                        <a:latin typeface="Calibri" panose="020F0502020204030204" pitchFamily="34" charset="0"/>
+                        <a:ea typeface="Calibri" panose="020F0502020204030204" pitchFamily="34" charset="0"/>
+                        <a:cs typeface="Times New Roman" panose="02020603050405020304" pitchFamily="18" charset="0"/>
+                      </a:endParaRPr>
+                    </a:p>
+                  </a:txBody>
+                  <a:tcPr marL="42343" marR="42343" marT="0" marB="0" anchor="ctr"/>
+                </a:tc>
+                <a:tc>
+                  <a:txBody>
+                    <a:bodyPr/>
+                    <a:lstStyle/>
+                    <a:p>
+                      <a:pPr algn="ctr">
+                        <a:lnSpc>
+                          <a:spcPct val="107000"/>
+                        </a:lnSpc>
+                        <a:spcAft>
+                          <a:spcPts val="0"/>
+                        </a:spcAft>
+                      </a:pPr>
+                      <a:r>
+                        <a:rPr lang="ru-RU" sz="900">
+                          <a:effectLst/>
+                        </a:rPr>
+                        <a:t>26105,66</a:t>
+                      </a:r>
+                      <a:endParaRPr lang="ru-RU" sz="900">
+                        <a:effectLst/>
+                        <a:latin typeface="Calibri" panose="020F0502020204030204" pitchFamily="34" charset="0"/>
+                        <a:ea typeface="Calibri" panose="020F0502020204030204" pitchFamily="34" charset="0"/>
+                        <a:cs typeface="Times New Roman" panose="02020603050405020304" pitchFamily="18" charset="0"/>
+                      </a:endParaRPr>
+                    </a:p>
+                  </a:txBody>
+                  <a:tcPr marL="42343" marR="42343" marT="0" marB="0" anchor="ctr"/>
+                </a:tc>
+                <a:tc>
+                  <a:txBody>
+                    <a:bodyPr/>
+                    <a:lstStyle/>
+                    <a:p>
+                      <a:pPr algn="ctr">
+                        <a:lnSpc>
+                          <a:spcPct val="107000"/>
+                        </a:lnSpc>
+                        <a:spcAft>
+                          <a:spcPts val="0"/>
+                        </a:spcAft>
+                      </a:pPr>
+                      <a:r>
+                        <a:rPr lang="ru-RU" sz="900">
+                          <a:effectLst/>
+                        </a:rPr>
+                        <a:t>6211,94</a:t>
+                      </a:r>
+                      <a:endParaRPr lang="ru-RU" sz="900">
+                        <a:effectLst/>
+                        <a:latin typeface="Calibri" panose="020F0502020204030204" pitchFamily="34" charset="0"/>
+                        <a:ea typeface="Calibri" panose="020F0502020204030204" pitchFamily="34" charset="0"/>
+                        <a:cs typeface="Times New Roman" panose="02020603050405020304" pitchFamily="18" charset="0"/>
+                      </a:endParaRPr>
+                    </a:p>
+                  </a:txBody>
+                  <a:tcPr marL="42343" marR="42343" marT="0" marB="0" anchor="ctr"/>
+                </a:tc>
+              </a:tr>
+              <a:tr h="235239">
+                <a:tc vMerge="1">
+                  <a:txBody>
+                    <a:bodyPr/>
+                    <a:lstStyle/>
+                    <a:p>
+                      <a:endParaRPr lang="ru-RU"/>
+                    </a:p>
+                  </a:txBody>
+                  <a:tcPr/>
+                </a:tc>
+                <a:tc>
+                  <a:txBody>
+                    <a:bodyPr/>
+                    <a:lstStyle/>
+                    <a:p>
+                      <a:pPr algn="ctr">
+                        <a:lnSpc>
+                          <a:spcPct val="107000"/>
+                        </a:lnSpc>
+                        <a:spcAft>
+                          <a:spcPts val="0"/>
+                        </a:spcAft>
+                      </a:pPr>
+                      <a:r>
+                        <a:rPr lang="ru-RU" sz="900">
+                          <a:effectLst/>
+                        </a:rPr>
+                        <a:t>Потери от невозврата</a:t>
+                      </a:r>
+                      <a:endParaRPr lang="ru-RU" sz="900">
+                        <a:effectLst/>
+                        <a:latin typeface="Calibri" panose="020F0502020204030204" pitchFamily="34" charset="0"/>
+                        <a:ea typeface="Calibri" panose="020F0502020204030204" pitchFamily="34" charset="0"/>
+                        <a:cs typeface="Times New Roman" panose="02020603050405020304" pitchFamily="18" charset="0"/>
+                      </a:endParaRPr>
+                    </a:p>
+                  </a:txBody>
+                  <a:tcPr marL="42343" marR="42343" marT="0" marB="0" anchor="ctr"/>
+                </a:tc>
+                <a:tc>
+                  <a:txBody>
+                    <a:bodyPr/>
+                    <a:lstStyle/>
+                    <a:p>
+                      <a:pPr algn="ctr">
+                        <a:lnSpc>
+                          <a:spcPct val="107000"/>
+                        </a:lnSpc>
+                        <a:spcAft>
+                          <a:spcPts val="0"/>
+                        </a:spcAft>
+                      </a:pPr>
+                      <a:r>
+                        <a:rPr lang="ru-RU" sz="900">
+                          <a:effectLst/>
+                        </a:rPr>
+                        <a:t>447152,8</a:t>
+                      </a:r>
+                      <a:endParaRPr lang="ru-RU" sz="900">
+                        <a:effectLst/>
+                        <a:latin typeface="Calibri" panose="020F0502020204030204" pitchFamily="34" charset="0"/>
+                        <a:ea typeface="Calibri" panose="020F0502020204030204" pitchFamily="34" charset="0"/>
+                        <a:cs typeface="Times New Roman" panose="02020603050405020304" pitchFamily="18" charset="0"/>
+                      </a:endParaRPr>
+                    </a:p>
+                  </a:txBody>
+                  <a:tcPr marL="42343" marR="42343" marT="0" marB="0" anchor="ctr">
+                    <a:solidFill>
+                      <a:schemeClr val="accent4">
+                        <a:lumMod val="40000"/>
+                        <a:lumOff val="60000"/>
+                      </a:schemeClr>
+                    </a:solidFill>
+                  </a:tcPr>
+                </a:tc>
+                <a:tc>
+                  <a:txBody>
+                    <a:bodyPr/>
+                    <a:lstStyle/>
+                    <a:p>
+                      <a:pPr algn="ctr">
+                        <a:lnSpc>
+                          <a:spcPct val="107000"/>
+                        </a:lnSpc>
+                        <a:spcAft>
+                          <a:spcPts val="0"/>
+                        </a:spcAft>
+                      </a:pPr>
+                      <a:r>
+                        <a:rPr lang="ru-RU" sz="900">
+                          <a:effectLst/>
+                        </a:rPr>
+                        <a:t>857556,1</a:t>
+                      </a:r>
+                      <a:endParaRPr lang="ru-RU" sz="900">
+                        <a:effectLst/>
+                        <a:latin typeface="Calibri" panose="020F0502020204030204" pitchFamily="34" charset="0"/>
+                        <a:ea typeface="Calibri" panose="020F0502020204030204" pitchFamily="34" charset="0"/>
+                        <a:cs typeface="Times New Roman" panose="02020603050405020304" pitchFamily="18" charset="0"/>
+                      </a:endParaRPr>
+                    </a:p>
+                  </a:txBody>
+                  <a:tcPr marL="42343" marR="42343" marT="0" marB="0" anchor="ctr"/>
+                </a:tc>
+                <a:tc>
+                  <a:txBody>
+                    <a:bodyPr/>
+                    <a:lstStyle/>
+                    <a:p>
+                      <a:pPr algn="ctr">
+                        <a:lnSpc>
+                          <a:spcPct val="107000"/>
+                        </a:lnSpc>
+                        <a:spcAft>
+                          <a:spcPts val="0"/>
+                        </a:spcAft>
+                      </a:pPr>
+                      <a:r>
+                        <a:rPr lang="ru-RU" sz="900">
+                          <a:effectLst/>
+                        </a:rPr>
+                        <a:t>1023652</a:t>
+                      </a:r>
+                      <a:endParaRPr lang="ru-RU" sz="900">
+                        <a:effectLst/>
+                        <a:latin typeface="Calibri" panose="020F0502020204030204" pitchFamily="34" charset="0"/>
+                        <a:ea typeface="Calibri" panose="020F0502020204030204" pitchFamily="34" charset="0"/>
+                        <a:cs typeface="Times New Roman" panose="02020603050405020304" pitchFamily="18" charset="0"/>
+                      </a:endParaRPr>
+                    </a:p>
+                  </a:txBody>
+                  <a:tcPr marL="42343" marR="42343" marT="0" marB="0" anchor="ctr"/>
+                </a:tc>
+                <a:tc>
+                  <a:txBody>
+                    <a:bodyPr/>
+                    <a:lstStyle/>
+                    <a:p>
+                      <a:pPr algn="ctr">
+                        <a:lnSpc>
+                          <a:spcPct val="107000"/>
+                        </a:lnSpc>
+                        <a:spcAft>
+                          <a:spcPts val="0"/>
+                        </a:spcAft>
+                      </a:pPr>
+                      <a:r>
+                        <a:rPr lang="ru-RU" sz="900">
+                          <a:effectLst/>
+                        </a:rPr>
+                        <a:t>1088162</a:t>
+                      </a:r>
+                      <a:endParaRPr lang="ru-RU" sz="900">
+                        <a:effectLst/>
+                        <a:latin typeface="Calibri" panose="020F0502020204030204" pitchFamily="34" charset="0"/>
+                        <a:ea typeface="Calibri" panose="020F0502020204030204" pitchFamily="34" charset="0"/>
+                        <a:cs typeface="Times New Roman" panose="02020603050405020304" pitchFamily="18" charset="0"/>
+                      </a:endParaRPr>
+                    </a:p>
+                  </a:txBody>
+                  <a:tcPr marL="42343" marR="42343" marT="0" marB="0" anchor="ctr"/>
+                </a:tc>
+                <a:tc>
+                  <a:txBody>
+                    <a:bodyPr/>
+                    <a:lstStyle/>
+                    <a:p>
+                      <a:pPr algn="ctr">
+                        <a:lnSpc>
+                          <a:spcPct val="107000"/>
+                        </a:lnSpc>
+                        <a:spcAft>
+                          <a:spcPts val="0"/>
+                        </a:spcAft>
+                      </a:pPr>
+                      <a:r>
+                        <a:rPr lang="ru-RU" sz="900">
+                          <a:effectLst/>
+                        </a:rPr>
+                        <a:t>1117317</a:t>
+                      </a:r>
+                      <a:endParaRPr lang="ru-RU" sz="900">
+                        <a:effectLst/>
+                        <a:latin typeface="Calibri" panose="020F0502020204030204" pitchFamily="34" charset="0"/>
+                        <a:ea typeface="Calibri" panose="020F0502020204030204" pitchFamily="34" charset="0"/>
+                        <a:cs typeface="Times New Roman" panose="02020603050405020304" pitchFamily="18" charset="0"/>
+                      </a:endParaRPr>
+                    </a:p>
+                  </a:txBody>
+                  <a:tcPr marL="42343" marR="42343" marT="0" marB="0" anchor="ctr"/>
+                </a:tc>
+                <a:tc>
+                  <a:txBody>
+                    <a:bodyPr/>
+                    <a:lstStyle/>
+                    <a:p>
+                      <a:pPr algn="ctr">
+                        <a:lnSpc>
+                          <a:spcPct val="107000"/>
+                        </a:lnSpc>
+                        <a:spcAft>
+                          <a:spcPts val="0"/>
+                        </a:spcAft>
+                      </a:pPr>
+                      <a:r>
+                        <a:rPr lang="ru-RU" sz="900">
+                          <a:effectLst/>
+                        </a:rPr>
+                        <a:t>1129349</a:t>
+                      </a:r>
+                      <a:endParaRPr lang="ru-RU" sz="900">
+                        <a:effectLst/>
+                        <a:latin typeface="Calibri" panose="020F0502020204030204" pitchFamily="34" charset="0"/>
+                        <a:ea typeface="Calibri" panose="020F0502020204030204" pitchFamily="34" charset="0"/>
+                        <a:cs typeface="Times New Roman" panose="02020603050405020304" pitchFamily="18" charset="0"/>
+                      </a:endParaRPr>
+                    </a:p>
+                  </a:txBody>
+                  <a:tcPr marL="42343" marR="42343" marT="0" marB="0" anchor="ctr"/>
+                </a:tc>
+              </a:tr>
+              <a:tr h="235239">
+                <a:tc vMerge="1">
+                  <a:txBody>
+                    <a:bodyPr/>
+                    <a:lstStyle/>
+                    <a:p>
+                      <a:endParaRPr lang="ru-RU"/>
+                    </a:p>
+                  </a:txBody>
+                  <a:tcPr/>
+                </a:tc>
+                <a:tc>
+                  <a:txBody>
+                    <a:bodyPr/>
+                    <a:lstStyle/>
+                    <a:p>
+                      <a:pPr algn="ctr">
+                        <a:lnSpc>
+                          <a:spcPct val="107000"/>
+                        </a:lnSpc>
+                        <a:spcAft>
+                          <a:spcPts val="0"/>
+                        </a:spcAft>
+                      </a:pPr>
+                      <a:r>
+                        <a:rPr lang="ru-RU" sz="900">
+                          <a:effectLst/>
+                        </a:rPr>
+                        <a:t>Полученные проценты</a:t>
+                      </a:r>
+                      <a:endParaRPr lang="ru-RU" sz="900">
+                        <a:effectLst/>
+                        <a:latin typeface="Calibri" panose="020F0502020204030204" pitchFamily="34" charset="0"/>
+                        <a:ea typeface="Calibri" panose="020F0502020204030204" pitchFamily="34" charset="0"/>
+                        <a:cs typeface="Times New Roman" panose="02020603050405020304" pitchFamily="18" charset="0"/>
+                      </a:endParaRPr>
+                    </a:p>
+                  </a:txBody>
+                  <a:tcPr marL="42343" marR="42343" marT="0" marB="0" anchor="ctr"/>
+                </a:tc>
+                <a:tc>
+                  <a:txBody>
+                    <a:bodyPr/>
+                    <a:lstStyle/>
+                    <a:p>
+                      <a:pPr algn="ctr">
+                        <a:lnSpc>
+                          <a:spcPct val="107000"/>
+                        </a:lnSpc>
+                        <a:spcAft>
+                          <a:spcPts val="0"/>
+                        </a:spcAft>
+                      </a:pPr>
+                      <a:r>
+                        <a:rPr lang="ru-RU" sz="900">
+                          <a:effectLst/>
+                        </a:rPr>
+                        <a:t>15328995</a:t>
+                      </a:r>
+                      <a:endParaRPr lang="ru-RU" sz="900">
+                        <a:effectLst/>
+                        <a:latin typeface="Calibri" panose="020F0502020204030204" pitchFamily="34" charset="0"/>
+                        <a:ea typeface="Calibri" panose="020F0502020204030204" pitchFamily="34" charset="0"/>
+                        <a:cs typeface="Times New Roman" panose="02020603050405020304" pitchFamily="18" charset="0"/>
+                      </a:endParaRPr>
+                    </a:p>
+                  </a:txBody>
+                  <a:tcPr marL="42343" marR="42343" marT="0" marB="0" anchor="ctr">
+                    <a:solidFill>
+                      <a:schemeClr val="accent4">
+                        <a:lumMod val="40000"/>
+                        <a:lumOff val="60000"/>
+                      </a:schemeClr>
+                    </a:solidFill>
+                  </a:tcPr>
+                </a:tc>
+                <a:tc>
+                  <a:txBody>
+                    <a:bodyPr/>
+                    <a:lstStyle/>
+                    <a:p>
+                      <a:pPr algn="ctr">
+                        <a:lnSpc>
+                          <a:spcPct val="107000"/>
+                        </a:lnSpc>
+                        <a:spcAft>
+                          <a:spcPts val="0"/>
+                        </a:spcAft>
+                      </a:pPr>
+                      <a:r>
+                        <a:rPr lang="ru-RU" sz="900">
+                          <a:effectLst/>
+                        </a:rPr>
+                        <a:t>19283842</a:t>
+                      </a:r>
+                      <a:endParaRPr lang="ru-RU" sz="900">
+                        <a:effectLst/>
+                        <a:latin typeface="Calibri" panose="020F0502020204030204" pitchFamily="34" charset="0"/>
+                        <a:ea typeface="Calibri" panose="020F0502020204030204" pitchFamily="34" charset="0"/>
+                        <a:cs typeface="Times New Roman" panose="02020603050405020304" pitchFamily="18" charset="0"/>
+                      </a:endParaRPr>
+                    </a:p>
+                  </a:txBody>
+                  <a:tcPr marL="42343" marR="42343" marT="0" marB="0" anchor="ctr"/>
+                </a:tc>
+                <a:tc>
+                  <a:txBody>
+                    <a:bodyPr/>
+                    <a:lstStyle/>
+                    <a:p>
+                      <a:pPr algn="ctr">
+                        <a:lnSpc>
+                          <a:spcPct val="107000"/>
+                        </a:lnSpc>
+                        <a:spcAft>
+                          <a:spcPts val="0"/>
+                        </a:spcAft>
+                      </a:pPr>
+                      <a:r>
+                        <a:rPr lang="ru-RU" sz="900">
+                          <a:effectLst/>
+                        </a:rPr>
+                        <a:t>20273243</a:t>
+                      </a:r>
+                      <a:endParaRPr lang="ru-RU" sz="900">
+                        <a:effectLst/>
+                        <a:latin typeface="Calibri" panose="020F0502020204030204" pitchFamily="34" charset="0"/>
+                        <a:ea typeface="Calibri" panose="020F0502020204030204" pitchFamily="34" charset="0"/>
+                        <a:cs typeface="Times New Roman" panose="02020603050405020304" pitchFamily="18" charset="0"/>
+                      </a:endParaRPr>
+                    </a:p>
+                  </a:txBody>
+                  <a:tcPr marL="42343" marR="42343" marT="0" marB="0" anchor="ctr"/>
+                </a:tc>
+                <a:tc>
+                  <a:txBody>
+                    <a:bodyPr/>
+                    <a:lstStyle/>
+                    <a:p>
+                      <a:pPr algn="ctr">
+                        <a:lnSpc>
+                          <a:spcPct val="107000"/>
+                        </a:lnSpc>
+                        <a:spcAft>
+                          <a:spcPts val="0"/>
+                        </a:spcAft>
+                      </a:pPr>
+                      <a:r>
+                        <a:rPr lang="ru-RU" sz="900">
+                          <a:effectLst/>
+                        </a:rPr>
+                        <a:t>20522155</a:t>
+                      </a:r>
+                      <a:endParaRPr lang="ru-RU" sz="900">
+                        <a:effectLst/>
+                        <a:latin typeface="Calibri" panose="020F0502020204030204" pitchFamily="34" charset="0"/>
+                        <a:ea typeface="Calibri" panose="020F0502020204030204" pitchFamily="34" charset="0"/>
+                        <a:cs typeface="Times New Roman" panose="02020603050405020304" pitchFamily="18" charset="0"/>
+                      </a:endParaRPr>
+                    </a:p>
+                  </a:txBody>
+                  <a:tcPr marL="42343" marR="42343" marT="0" marB="0" anchor="ctr"/>
+                </a:tc>
+                <a:tc>
+                  <a:txBody>
+                    <a:bodyPr/>
+                    <a:lstStyle/>
+                    <a:p>
+                      <a:pPr algn="ctr">
+                        <a:lnSpc>
+                          <a:spcPct val="107000"/>
+                        </a:lnSpc>
+                        <a:spcAft>
+                          <a:spcPts val="0"/>
+                        </a:spcAft>
+                      </a:pPr>
+                      <a:r>
+                        <a:rPr lang="ru-RU" sz="900">
+                          <a:effectLst/>
+                        </a:rPr>
+                        <a:t>20597270</a:t>
+                      </a:r>
+                      <a:endParaRPr lang="ru-RU" sz="900">
+                        <a:effectLst/>
+                        <a:latin typeface="Calibri" panose="020F0502020204030204" pitchFamily="34" charset="0"/>
+                        <a:ea typeface="Calibri" panose="020F0502020204030204" pitchFamily="34" charset="0"/>
+                        <a:cs typeface="Times New Roman" panose="02020603050405020304" pitchFamily="18" charset="0"/>
+                      </a:endParaRPr>
+                    </a:p>
+                  </a:txBody>
+                  <a:tcPr marL="42343" marR="42343" marT="0" marB="0" anchor="ctr"/>
+                </a:tc>
+                <a:tc>
+                  <a:txBody>
+                    <a:bodyPr/>
+                    <a:lstStyle/>
+                    <a:p>
+                      <a:pPr algn="ctr">
+                        <a:lnSpc>
+                          <a:spcPct val="107000"/>
+                        </a:lnSpc>
+                        <a:spcAft>
+                          <a:spcPts val="0"/>
+                        </a:spcAft>
+                      </a:pPr>
+                      <a:r>
+                        <a:rPr lang="ru-RU" sz="900">
+                          <a:effectLst/>
+                        </a:rPr>
+                        <a:t>20617163</a:t>
+                      </a:r>
+                      <a:endParaRPr lang="ru-RU" sz="900">
+                        <a:effectLst/>
+                        <a:latin typeface="Calibri" panose="020F0502020204030204" pitchFamily="34" charset="0"/>
+                        <a:ea typeface="Calibri" panose="020F0502020204030204" pitchFamily="34" charset="0"/>
+                        <a:cs typeface="Times New Roman" panose="02020603050405020304" pitchFamily="18" charset="0"/>
+                      </a:endParaRPr>
+                    </a:p>
+                  </a:txBody>
+                  <a:tcPr marL="42343" marR="42343" marT="0" marB="0" anchor="ctr"/>
+                </a:tc>
+              </a:tr>
+              <a:tr h="352858">
+                <a:tc vMerge="1">
+                  <a:txBody>
+                    <a:bodyPr/>
+                    <a:lstStyle/>
+                    <a:p>
+                      <a:endParaRPr lang="ru-RU"/>
+                    </a:p>
+                  </a:txBody>
+                  <a:tcPr/>
+                </a:tc>
+                <a:tc>
+                  <a:txBody>
+                    <a:bodyPr/>
+                    <a:lstStyle/>
+                    <a:p>
+                      <a:pPr algn="ctr">
+                        <a:lnSpc>
+                          <a:spcPct val="107000"/>
+                        </a:lnSpc>
+                        <a:spcAft>
+                          <a:spcPts val="0"/>
+                        </a:spcAft>
+                      </a:pPr>
+                      <a:r>
+                        <a:rPr lang="ru-RU" sz="900">
+                          <a:effectLst/>
+                        </a:rPr>
+                        <a:t>Предот-вращенный невозврат</a:t>
+                      </a:r>
+                      <a:endParaRPr lang="ru-RU" sz="900">
+                        <a:effectLst/>
+                        <a:latin typeface="Calibri" panose="020F0502020204030204" pitchFamily="34" charset="0"/>
+                        <a:ea typeface="Calibri" panose="020F0502020204030204" pitchFamily="34" charset="0"/>
+                        <a:cs typeface="Times New Roman" panose="02020603050405020304" pitchFamily="18" charset="0"/>
+                      </a:endParaRPr>
+                    </a:p>
+                  </a:txBody>
+                  <a:tcPr marL="42343" marR="42343" marT="0" marB="0" anchor="ctr"/>
+                </a:tc>
+                <a:tc>
+                  <a:txBody>
+                    <a:bodyPr/>
+                    <a:lstStyle/>
+                    <a:p>
+                      <a:pPr algn="ctr">
+                        <a:lnSpc>
+                          <a:spcPct val="107000"/>
+                        </a:lnSpc>
+                        <a:spcAft>
+                          <a:spcPts val="0"/>
+                        </a:spcAft>
+                      </a:pPr>
+                      <a:r>
+                        <a:rPr lang="ru-RU" sz="900">
+                          <a:effectLst/>
+                        </a:rPr>
+                        <a:t>697447,9</a:t>
+                      </a:r>
+                      <a:endParaRPr lang="ru-RU" sz="900">
+                        <a:effectLst/>
+                        <a:latin typeface="Calibri" panose="020F0502020204030204" pitchFamily="34" charset="0"/>
+                        <a:ea typeface="Calibri" panose="020F0502020204030204" pitchFamily="34" charset="0"/>
+                        <a:cs typeface="Times New Roman" panose="02020603050405020304" pitchFamily="18" charset="0"/>
+                      </a:endParaRPr>
+                    </a:p>
+                  </a:txBody>
+                  <a:tcPr marL="42343" marR="42343" marT="0" marB="0" anchor="ctr">
+                    <a:solidFill>
+                      <a:schemeClr val="accent4">
+                        <a:lumMod val="40000"/>
+                        <a:lumOff val="60000"/>
+                      </a:schemeClr>
+                    </a:solidFill>
+                  </a:tcPr>
+                </a:tc>
+                <a:tc>
+                  <a:txBody>
+                    <a:bodyPr/>
+                    <a:lstStyle/>
+                    <a:p>
+                      <a:pPr algn="ctr">
+                        <a:lnSpc>
+                          <a:spcPct val="107000"/>
+                        </a:lnSpc>
+                        <a:spcAft>
+                          <a:spcPts val="0"/>
+                        </a:spcAft>
+                      </a:pPr>
+                      <a:r>
+                        <a:rPr lang="ru-RU" sz="900">
+                          <a:effectLst/>
+                        </a:rPr>
+                        <a:t>287044,6</a:t>
+                      </a:r>
+                      <a:endParaRPr lang="ru-RU" sz="900">
+                        <a:effectLst/>
+                        <a:latin typeface="Calibri" panose="020F0502020204030204" pitchFamily="34" charset="0"/>
+                        <a:ea typeface="Calibri" panose="020F0502020204030204" pitchFamily="34" charset="0"/>
+                        <a:cs typeface="Times New Roman" panose="02020603050405020304" pitchFamily="18" charset="0"/>
+                      </a:endParaRPr>
+                    </a:p>
+                  </a:txBody>
+                  <a:tcPr marL="42343" marR="42343" marT="0" marB="0" anchor="ctr"/>
+                </a:tc>
+                <a:tc>
+                  <a:txBody>
+                    <a:bodyPr/>
+                    <a:lstStyle/>
+                    <a:p>
+                      <a:pPr algn="ctr">
+                        <a:lnSpc>
+                          <a:spcPct val="107000"/>
+                        </a:lnSpc>
+                        <a:spcAft>
+                          <a:spcPts val="0"/>
+                        </a:spcAft>
+                      </a:pPr>
+                      <a:r>
+                        <a:rPr lang="ru-RU" sz="900">
+                          <a:effectLst/>
+                        </a:rPr>
+                        <a:t>120948,5</a:t>
+                      </a:r>
+                      <a:endParaRPr lang="ru-RU" sz="900">
+                        <a:effectLst/>
+                        <a:latin typeface="Calibri" panose="020F0502020204030204" pitchFamily="34" charset="0"/>
+                        <a:ea typeface="Calibri" panose="020F0502020204030204" pitchFamily="34" charset="0"/>
+                        <a:cs typeface="Times New Roman" panose="02020603050405020304" pitchFamily="18" charset="0"/>
+                      </a:endParaRPr>
+                    </a:p>
+                  </a:txBody>
+                  <a:tcPr marL="42343" marR="42343" marT="0" marB="0" anchor="ctr"/>
+                </a:tc>
+                <a:tc>
+                  <a:txBody>
+                    <a:bodyPr/>
+                    <a:lstStyle/>
+                    <a:p>
+                      <a:pPr algn="ctr">
+                        <a:lnSpc>
+                          <a:spcPct val="107000"/>
+                        </a:lnSpc>
+                        <a:spcAft>
+                          <a:spcPts val="0"/>
+                        </a:spcAft>
+                      </a:pPr>
+                      <a:r>
+                        <a:rPr lang="ru-RU" sz="900">
+                          <a:effectLst/>
+                        </a:rPr>
+                        <a:t>56438,44</a:t>
+                      </a:r>
+                      <a:endParaRPr lang="ru-RU" sz="900">
+                        <a:effectLst/>
+                        <a:latin typeface="Calibri" panose="020F0502020204030204" pitchFamily="34" charset="0"/>
+                        <a:ea typeface="Calibri" panose="020F0502020204030204" pitchFamily="34" charset="0"/>
+                        <a:cs typeface="Times New Roman" panose="02020603050405020304" pitchFamily="18" charset="0"/>
+                      </a:endParaRPr>
+                    </a:p>
+                  </a:txBody>
+                  <a:tcPr marL="42343" marR="42343" marT="0" marB="0" anchor="ctr"/>
+                </a:tc>
+                <a:tc>
+                  <a:txBody>
+                    <a:bodyPr/>
+                    <a:lstStyle/>
+                    <a:p>
+                      <a:pPr algn="ctr">
+                        <a:lnSpc>
+                          <a:spcPct val="107000"/>
+                        </a:lnSpc>
+                        <a:spcAft>
+                          <a:spcPts val="0"/>
+                        </a:spcAft>
+                      </a:pPr>
+                      <a:r>
+                        <a:rPr lang="ru-RU" sz="900">
+                          <a:effectLst/>
+                        </a:rPr>
+                        <a:t>27283,94</a:t>
+                      </a:r>
+                      <a:endParaRPr lang="ru-RU" sz="900">
+                        <a:effectLst/>
+                        <a:latin typeface="Calibri" panose="020F0502020204030204" pitchFamily="34" charset="0"/>
+                        <a:ea typeface="Calibri" panose="020F0502020204030204" pitchFamily="34" charset="0"/>
+                        <a:cs typeface="Times New Roman" panose="02020603050405020304" pitchFamily="18" charset="0"/>
+                      </a:endParaRPr>
+                    </a:p>
+                  </a:txBody>
+                  <a:tcPr marL="42343" marR="42343" marT="0" marB="0" anchor="ctr"/>
+                </a:tc>
+                <a:tc>
+                  <a:txBody>
+                    <a:bodyPr/>
+                    <a:lstStyle/>
+                    <a:p>
+                      <a:pPr algn="ctr">
+                        <a:lnSpc>
+                          <a:spcPct val="107000"/>
+                        </a:lnSpc>
+                        <a:spcAft>
+                          <a:spcPts val="0"/>
+                        </a:spcAft>
+                      </a:pPr>
+                      <a:r>
+                        <a:rPr lang="ru-RU" sz="900">
+                          <a:effectLst/>
+                        </a:rPr>
+                        <a:t>15251,53</a:t>
+                      </a:r>
+                      <a:endParaRPr lang="ru-RU" sz="900">
+                        <a:effectLst/>
+                        <a:latin typeface="Calibri" panose="020F0502020204030204" pitchFamily="34" charset="0"/>
+                        <a:ea typeface="Calibri" panose="020F0502020204030204" pitchFamily="34" charset="0"/>
+                        <a:cs typeface="Times New Roman" panose="02020603050405020304" pitchFamily="18" charset="0"/>
+                      </a:endParaRPr>
+                    </a:p>
+                  </a:txBody>
+                  <a:tcPr marL="42343" marR="42343" marT="0" marB="0" anchor="ctr"/>
+                </a:tc>
+              </a:tr>
+              <a:tr h="352858">
+                <a:tc vMerge="1">
+                  <a:txBody>
+                    <a:bodyPr/>
+                    <a:lstStyle/>
+                    <a:p>
+                      <a:endParaRPr lang="ru-RU"/>
+                    </a:p>
+                  </a:txBody>
+                  <a:tcPr/>
+                </a:tc>
+                <a:tc>
+                  <a:txBody>
+                    <a:bodyPr/>
+                    <a:lstStyle/>
+                    <a:p>
+                      <a:pPr algn="ctr">
+                        <a:lnSpc>
+                          <a:spcPct val="107000"/>
+                        </a:lnSpc>
+                        <a:spcAft>
+                          <a:spcPts val="0"/>
+                        </a:spcAft>
+                      </a:pPr>
+                      <a:r>
+                        <a:rPr lang="ru-RU" sz="900">
+                          <a:effectLst/>
+                        </a:rPr>
+                        <a:t>Выйгрыш класси-фикатора</a:t>
+                      </a:r>
+                      <a:endParaRPr lang="ru-RU" sz="900">
+                        <a:effectLst/>
+                        <a:latin typeface="Calibri" panose="020F0502020204030204" pitchFamily="34" charset="0"/>
+                        <a:ea typeface="Calibri" panose="020F0502020204030204" pitchFamily="34" charset="0"/>
+                        <a:cs typeface="Times New Roman" panose="02020603050405020304" pitchFamily="18" charset="0"/>
+                      </a:endParaRPr>
+                    </a:p>
+                  </a:txBody>
+                  <a:tcPr marL="42343" marR="42343" marT="0" marB="0" anchor="ctr"/>
+                </a:tc>
+                <a:tc>
+                  <a:txBody>
+                    <a:bodyPr/>
+                    <a:lstStyle/>
+                    <a:p>
+                      <a:pPr algn="ctr">
+                        <a:lnSpc>
+                          <a:spcPct val="107000"/>
+                        </a:lnSpc>
+                        <a:spcAft>
+                          <a:spcPts val="0"/>
+                        </a:spcAft>
+                      </a:pPr>
+                      <a:r>
+                        <a:rPr lang="ru-RU" sz="900" dirty="0">
+                          <a:effectLst/>
+                        </a:rPr>
+                        <a:t>-4596933</a:t>
+                      </a:r>
+                      <a:endParaRPr lang="ru-RU" sz="900" dirty="0">
+                        <a:effectLst/>
+                        <a:latin typeface="Calibri" panose="020F0502020204030204" pitchFamily="34" charset="0"/>
+                        <a:ea typeface="Calibri" panose="020F0502020204030204" pitchFamily="34" charset="0"/>
+                        <a:cs typeface="Times New Roman" panose="02020603050405020304" pitchFamily="18" charset="0"/>
+                      </a:endParaRPr>
+                    </a:p>
+                  </a:txBody>
+                  <a:tcPr marL="42343" marR="42343" marT="0" marB="0" anchor="ctr">
+                    <a:solidFill>
+                      <a:schemeClr val="accent4">
+                        <a:lumMod val="40000"/>
+                        <a:lumOff val="60000"/>
+                      </a:schemeClr>
+                    </a:solidFill>
+                  </a:tcPr>
+                </a:tc>
+                <a:tc>
+                  <a:txBody>
+                    <a:bodyPr/>
+                    <a:lstStyle/>
+                    <a:p>
+                      <a:pPr algn="ctr">
+                        <a:lnSpc>
+                          <a:spcPct val="107000"/>
+                        </a:lnSpc>
+                        <a:spcAft>
+                          <a:spcPts val="0"/>
+                        </a:spcAft>
+                      </a:pPr>
+                      <a:r>
+                        <a:rPr lang="ru-RU" sz="900">
+                          <a:effectLst/>
+                        </a:rPr>
+                        <a:t>-1052489</a:t>
+                      </a:r>
+                      <a:endParaRPr lang="ru-RU" sz="900">
+                        <a:effectLst/>
+                        <a:latin typeface="Calibri" panose="020F0502020204030204" pitchFamily="34" charset="0"/>
+                        <a:ea typeface="Calibri" panose="020F0502020204030204" pitchFamily="34" charset="0"/>
+                        <a:cs typeface="Times New Roman" panose="02020603050405020304" pitchFamily="18" charset="0"/>
+                      </a:endParaRPr>
+                    </a:p>
+                  </a:txBody>
+                  <a:tcPr marL="42343" marR="42343" marT="0" marB="0" anchor="ctr"/>
+                </a:tc>
+                <a:tc>
+                  <a:txBody>
+                    <a:bodyPr/>
+                    <a:lstStyle/>
+                    <a:p>
+                      <a:pPr algn="ctr">
+                        <a:lnSpc>
+                          <a:spcPct val="107000"/>
+                        </a:lnSpc>
+                        <a:spcAft>
+                          <a:spcPts val="0"/>
+                        </a:spcAft>
+                      </a:pPr>
+                      <a:r>
+                        <a:rPr lang="ru-RU" sz="900">
+                          <a:effectLst/>
+                        </a:rPr>
+                        <a:t>-229184</a:t>
+                      </a:r>
+                      <a:endParaRPr lang="ru-RU" sz="900">
+                        <a:effectLst/>
+                        <a:latin typeface="Calibri" panose="020F0502020204030204" pitchFamily="34" charset="0"/>
+                        <a:ea typeface="Calibri" panose="020F0502020204030204" pitchFamily="34" charset="0"/>
+                        <a:cs typeface="Times New Roman" panose="02020603050405020304" pitchFamily="18" charset="0"/>
+                      </a:endParaRPr>
+                    </a:p>
+                  </a:txBody>
+                  <a:tcPr marL="42343" marR="42343" marT="0" marB="0" anchor="ctr"/>
+                </a:tc>
+                <a:tc>
+                  <a:txBody>
+                    <a:bodyPr/>
+                    <a:lstStyle/>
+                    <a:p>
+                      <a:pPr algn="ctr">
+                        <a:lnSpc>
+                          <a:spcPct val="107000"/>
+                        </a:lnSpc>
+                        <a:spcAft>
+                          <a:spcPts val="0"/>
+                        </a:spcAft>
+                      </a:pPr>
+                      <a:r>
+                        <a:rPr lang="ru-RU" sz="900">
+                          <a:effectLst/>
+                        </a:rPr>
+                        <a:t>-44781,4</a:t>
+                      </a:r>
+                      <a:endParaRPr lang="ru-RU" sz="900">
+                        <a:effectLst/>
+                        <a:latin typeface="Calibri" panose="020F0502020204030204" pitchFamily="34" charset="0"/>
+                        <a:ea typeface="Calibri" panose="020F0502020204030204" pitchFamily="34" charset="0"/>
+                        <a:cs typeface="Times New Roman" panose="02020603050405020304" pitchFamily="18" charset="0"/>
+                      </a:endParaRPr>
+                    </a:p>
+                  </a:txBody>
+                  <a:tcPr marL="42343" marR="42343" marT="0" marB="0" anchor="ctr"/>
+                </a:tc>
+                <a:tc>
+                  <a:txBody>
+                    <a:bodyPr/>
+                    <a:lstStyle/>
+                    <a:p>
+                      <a:pPr algn="ctr">
+                        <a:lnSpc>
+                          <a:spcPct val="107000"/>
+                        </a:lnSpc>
+                        <a:spcAft>
+                          <a:spcPts val="0"/>
+                        </a:spcAft>
+                      </a:pPr>
+                      <a:r>
+                        <a:rPr lang="ru-RU" sz="900">
+                          <a:effectLst/>
+                        </a:rPr>
+                        <a:t>1178,28</a:t>
+                      </a:r>
+                      <a:endParaRPr lang="ru-RU" sz="900">
+                        <a:effectLst/>
+                        <a:latin typeface="Calibri" panose="020F0502020204030204" pitchFamily="34" charset="0"/>
+                        <a:ea typeface="Calibri" panose="020F0502020204030204" pitchFamily="34" charset="0"/>
+                        <a:cs typeface="Times New Roman" panose="02020603050405020304" pitchFamily="18" charset="0"/>
+                      </a:endParaRPr>
+                    </a:p>
+                  </a:txBody>
+                  <a:tcPr marL="42343" marR="42343" marT="0" marB="0" anchor="ctr"/>
+                </a:tc>
+                <a:tc>
+                  <a:txBody>
+                    <a:bodyPr/>
+                    <a:lstStyle/>
+                    <a:p>
+                      <a:pPr algn="ctr">
+                        <a:lnSpc>
+                          <a:spcPct val="107000"/>
+                        </a:lnSpc>
+                        <a:spcAft>
+                          <a:spcPts val="0"/>
+                        </a:spcAft>
+                      </a:pPr>
+                      <a:r>
+                        <a:rPr lang="ru-RU" sz="900" dirty="0">
+                          <a:effectLst/>
+                        </a:rPr>
+                        <a:t>9039,59</a:t>
+                      </a:r>
+                      <a:endParaRPr lang="ru-RU" sz="900" dirty="0">
+                        <a:effectLst/>
+                        <a:latin typeface="Calibri" panose="020F0502020204030204" pitchFamily="34" charset="0"/>
+                        <a:ea typeface="Calibri" panose="020F0502020204030204" pitchFamily="34" charset="0"/>
+                        <a:cs typeface="Times New Roman" panose="02020603050405020304" pitchFamily="18" charset="0"/>
+                      </a:endParaRPr>
+                    </a:p>
+                  </a:txBody>
+                  <a:tcPr marL="42343" marR="42343" marT="0" marB="0" anchor="ctr"/>
+                </a:tc>
+              </a:tr>
+            </a:tbl>
+          </a:graphicData>
+        </a:graphic>
+      </p:graphicFrame>
+      <p:pic>
+        <p:nvPicPr>
+          <p:cNvPr id="5" name="Рисунок 4"/>
+          <p:cNvPicPr>
+            <a:picLocks noChangeAspect="1"/>
+          </p:cNvPicPr>
+          <p:nvPr/>
+        </p:nvPicPr>
+        <p:blipFill>
+          <a:blip r:embed="rId4">
+            <a:extLst>
+              <a:ext uri="{28A0092B-C50C-407E-A947-70E740481C1C}">
+                <a14:useLocalDpi xmlns:a14="http://schemas.microsoft.com/office/drawing/2010/main" val="0"/>
+              </a:ext>
+            </a:extLst>
+          </a:blip>
+          <a:stretch>
+            <a:fillRect/>
+          </a:stretch>
+        </p:blipFill>
+        <p:spPr>
+          <a:xfrm>
+            <a:off x="741125" y="1284514"/>
+            <a:ext cx="4234543" cy="5293179"/>
+          </a:xfrm>
+          <a:prstGeom prst="rect">
+            <a:avLst/>
+          </a:prstGeom>
+        </p:spPr>
+      </p:pic>
+      <p:graphicFrame>
+        <p:nvGraphicFramePr>
+          <p:cNvPr id="8" name="Таблица 7"/>
+          <p:cNvGraphicFramePr>
+            <a:graphicFrameLocks noGrp="1"/>
+          </p:cNvGraphicFramePr>
+          <p:nvPr>
+            <p:extLst>
+              <p:ext uri="{D42A27DB-BD31-4B8C-83A1-F6EECF244321}">
+                <p14:modId xmlns:p14="http://schemas.microsoft.com/office/powerpoint/2010/main" val="868052184"/>
+              </p:ext>
+            </p:extLst>
+          </p:nvPr>
+        </p:nvGraphicFramePr>
+        <p:xfrm>
+          <a:off x="4975200" y="1702800"/>
+          <a:ext cx="5855614" cy="4085342"/>
+        </p:xfrm>
+        <a:graphic>
+          <a:graphicData uri="http://schemas.openxmlformats.org/drawingml/2006/table">
+            <a:tbl>
+              <a:tblPr firstRow="1" firstCol="1" bandRow="1">
+                <a:tableStyleId>{5C22544A-7EE6-4342-B048-85BDC9FD1C3A}</a:tableStyleId>
+              </a:tblPr>
+              <a:tblGrid>
+                <a:gridCol w="1194950"/>
+                <a:gridCol w="1194950"/>
+                <a:gridCol w="577619"/>
+                <a:gridCol w="577619"/>
+                <a:gridCol w="577619"/>
+                <a:gridCol w="577619"/>
+                <a:gridCol w="577619"/>
+                <a:gridCol w="577619"/>
+              </a:tblGrid>
+              <a:tr h="117619">
+                <a:tc gridSpan="2">
+                  <a:txBody>
+                    <a:bodyPr/>
+                    <a:lstStyle/>
+                    <a:p>
+                      <a:pPr algn="ctr">
+                        <a:lnSpc>
+                          <a:spcPct val="107000"/>
+                        </a:lnSpc>
+                        <a:spcAft>
+                          <a:spcPts val="0"/>
+                        </a:spcAft>
+                      </a:pPr>
+                      <a:r>
+                        <a:rPr lang="ru-RU" sz="900" dirty="0">
+                          <a:effectLst/>
+                        </a:rPr>
+                        <a:t>p</a:t>
+                      </a:r>
+                      <a:endParaRPr lang="ru-RU" sz="900" dirty="0">
+                        <a:effectLst/>
+                        <a:latin typeface="Calibri" panose="020F0502020204030204" pitchFamily="34" charset="0"/>
+                        <a:ea typeface="Calibri" panose="020F0502020204030204" pitchFamily="34" charset="0"/>
+                        <a:cs typeface="Times New Roman" panose="02020603050405020304" pitchFamily="18" charset="0"/>
+                      </a:endParaRPr>
+                    </a:p>
+                  </a:txBody>
+                  <a:tcPr marL="42343" marR="42343" marT="0" marB="0" anchor="ctr"/>
+                </a:tc>
+                <a:tc hMerge="1">
+                  <a:txBody>
+                    <a:bodyPr/>
+                    <a:lstStyle/>
+                    <a:p>
+                      <a:endParaRPr lang="ru-RU"/>
+                    </a:p>
+                  </a:txBody>
+                  <a:tcPr/>
+                </a:tc>
+                <a:tc>
+                  <a:txBody>
+                    <a:bodyPr/>
+                    <a:lstStyle/>
+                    <a:p>
+                      <a:pPr algn="ctr">
+                        <a:lnSpc>
+                          <a:spcPct val="107000"/>
+                        </a:lnSpc>
+                        <a:spcAft>
+                          <a:spcPts val="0"/>
+                        </a:spcAft>
+                      </a:pPr>
+                      <a:r>
+                        <a:rPr lang="ru-RU" sz="900">
+                          <a:effectLst/>
+                        </a:rPr>
+                        <a:t>0,05</a:t>
+                      </a:r>
+                      <a:endParaRPr lang="ru-RU" sz="900">
+                        <a:effectLst/>
+                        <a:latin typeface="Calibri" panose="020F0502020204030204" pitchFamily="34" charset="0"/>
+                        <a:ea typeface="Calibri" panose="020F0502020204030204" pitchFamily="34" charset="0"/>
+                        <a:cs typeface="Times New Roman" panose="02020603050405020304" pitchFamily="18" charset="0"/>
+                      </a:endParaRPr>
+                    </a:p>
+                  </a:txBody>
+                  <a:tcPr marL="42343" marR="42343" marT="0" marB="0" anchor="ctr"/>
+                </a:tc>
+                <a:tc>
+                  <a:txBody>
+                    <a:bodyPr/>
+                    <a:lstStyle/>
+                    <a:p>
+                      <a:pPr algn="ctr">
+                        <a:lnSpc>
+                          <a:spcPct val="107000"/>
+                        </a:lnSpc>
+                        <a:spcAft>
+                          <a:spcPts val="0"/>
+                        </a:spcAft>
+                      </a:pPr>
+                      <a:r>
+                        <a:rPr lang="ru-RU" sz="900">
+                          <a:effectLst/>
+                        </a:rPr>
+                        <a:t>0,11</a:t>
+                      </a:r>
+                      <a:endParaRPr lang="ru-RU" sz="900">
+                        <a:effectLst/>
+                        <a:latin typeface="Calibri" panose="020F0502020204030204" pitchFamily="34" charset="0"/>
+                        <a:ea typeface="Calibri" panose="020F0502020204030204" pitchFamily="34" charset="0"/>
+                        <a:cs typeface="Times New Roman" panose="02020603050405020304" pitchFamily="18" charset="0"/>
+                      </a:endParaRPr>
+                    </a:p>
+                  </a:txBody>
+                  <a:tcPr marL="42343" marR="42343" marT="0" marB="0" anchor="ctr"/>
+                </a:tc>
+                <a:tc>
+                  <a:txBody>
+                    <a:bodyPr/>
+                    <a:lstStyle/>
+                    <a:p>
+                      <a:pPr algn="ctr">
+                        <a:lnSpc>
+                          <a:spcPct val="107000"/>
+                        </a:lnSpc>
+                        <a:spcAft>
+                          <a:spcPts val="0"/>
+                        </a:spcAft>
+                      </a:pPr>
+                      <a:r>
+                        <a:rPr lang="ru-RU" sz="900">
+                          <a:effectLst/>
+                        </a:rPr>
+                        <a:t>0,16</a:t>
+                      </a:r>
+                      <a:endParaRPr lang="ru-RU" sz="900">
+                        <a:effectLst/>
+                        <a:latin typeface="Calibri" panose="020F0502020204030204" pitchFamily="34" charset="0"/>
+                        <a:ea typeface="Calibri" panose="020F0502020204030204" pitchFamily="34" charset="0"/>
+                        <a:cs typeface="Times New Roman" panose="02020603050405020304" pitchFamily="18" charset="0"/>
+                      </a:endParaRPr>
+                    </a:p>
+                  </a:txBody>
+                  <a:tcPr marL="42343" marR="42343" marT="0" marB="0" anchor="ctr"/>
+                </a:tc>
+                <a:tc>
+                  <a:txBody>
+                    <a:bodyPr/>
+                    <a:lstStyle/>
+                    <a:p>
+                      <a:pPr algn="ctr">
+                        <a:lnSpc>
+                          <a:spcPct val="107000"/>
+                        </a:lnSpc>
+                        <a:spcAft>
+                          <a:spcPts val="0"/>
+                        </a:spcAft>
+                      </a:pPr>
+                      <a:r>
+                        <a:rPr lang="ru-RU" sz="900">
+                          <a:effectLst/>
+                        </a:rPr>
+                        <a:t>0,22</a:t>
+                      </a:r>
+                      <a:endParaRPr lang="ru-RU" sz="900">
+                        <a:effectLst/>
+                        <a:latin typeface="Calibri" panose="020F0502020204030204" pitchFamily="34" charset="0"/>
+                        <a:ea typeface="Calibri" panose="020F0502020204030204" pitchFamily="34" charset="0"/>
+                        <a:cs typeface="Times New Roman" panose="02020603050405020304" pitchFamily="18" charset="0"/>
+                      </a:endParaRPr>
+                    </a:p>
+                  </a:txBody>
+                  <a:tcPr marL="42343" marR="42343" marT="0" marB="0" anchor="ctr"/>
+                </a:tc>
+                <a:tc>
+                  <a:txBody>
+                    <a:bodyPr/>
+                    <a:lstStyle/>
+                    <a:p>
+                      <a:pPr algn="ctr">
+                        <a:lnSpc>
+                          <a:spcPct val="107000"/>
+                        </a:lnSpc>
+                        <a:spcAft>
+                          <a:spcPts val="0"/>
+                        </a:spcAft>
+                      </a:pPr>
+                      <a:r>
+                        <a:rPr lang="ru-RU" sz="900">
+                          <a:effectLst/>
+                        </a:rPr>
+                        <a:t>0,28</a:t>
+                      </a:r>
+                      <a:endParaRPr lang="ru-RU" sz="900">
+                        <a:effectLst/>
+                        <a:latin typeface="Calibri" panose="020F0502020204030204" pitchFamily="34" charset="0"/>
+                        <a:ea typeface="Calibri" panose="020F0502020204030204" pitchFamily="34" charset="0"/>
+                        <a:cs typeface="Times New Roman" panose="02020603050405020304" pitchFamily="18" charset="0"/>
+                      </a:endParaRPr>
+                    </a:p>
+                  </a:txBody>
+                  <a:tcPr marL="42343" marR="42343" marT="0" marB="0" anchor="ctr"/>
+                </a:tc>
+                <a:tc>
+                  <a:txBody>
+                    <a:bodyPr/>
+                    <a:lstStyle/>
+                    <a:p>
+                      <a:pPr algn="ctr">
+                        <a:lnSpc>
+                          <a:spcPct val="107000"/>
+                        </a:lnSpc>
+                        <a:spcAft>
+                          <a:spcPts val="0"/>
+                        </a:spcAft>
+                      </a:pPr>
+                      <a:r>
+                        <a:rPr lang="ru-RU" sz="900">
+                          <a:effectLst/>
+                        </a:rPr>
+                        <a:t>0,34</a:t>
+                      </a:r>
+                      <a:endParaRPr lang="ru-RU" sz="900">
+                        <a:effectLst/>
+                        <a:latin typeface="Calibri" panose="020F0502020204030204" pitchFamily="34" charset="0"/>
+                        <a:ea typeface="Calibri" panose="020F0502020204030204" pitchFamily="34" charset="0"/>
+                        <a:cs typeface="Times New Roman" panose="02020603050405020304" pitchFamily="18" charset="0"/>
+                      </a:endParaRPr>
+                    </a:p>
+                  </a:txBody>
+                  <a:tcPr marL="42343" marR="42343" marT="0" marB="0" anchor="ctr"/>
+                </a:tc>
+              </a:tr>
+              <a:tr h="470477">
+                <a:tc rowSpan="2">
+                  <a:txBody>
+                    <a:bodyPr/>
+                    <a:lstStyle/>
+                    <a:p>
+                      <a:pPr algn="ctr">
+                        <a:lnSpc>
+                          <a:spcPct val="107000"/>
+                        </a:lnSpc>
+                        <a:spcAft>
+                          <a:spcPts val="0"/>
+                        </a:spcAft>
+                      </a:pPr>
+                      <a:r>
+                        <a:rPr lang="ru-RU" sz="900">
+                          <a:effectLst/>
+                        </a:rPr>
+                        <a:t>Количества</a:t>
+                      </a:r>
+                      <a:endParaRPr lang="ru-RU" sz="900">
+                        <a:effectLst/>
+                        <a:latin typeface="Calibri" panose="020F0502020204030204" pitchFamily="34" charset="0"/>
+                        <a:ea typeface="Calibri" panose="020F0502020204030204" pitchFamily="34" charset="0"/>
+                        <a:cs typeface="Times New Roman" panose="02020603050405020304" pitchFamily="18" charset="0"/>
+                      </a:endParaRPr>
+                    </a:p>
+                  </a:txBody>
+                  <a:tcPr marL="42343" marR="42343" marT="0" marB="0" vert="vert270" anchor="ctr"/>
+                </a:tc>
+                <a:tc>
+                  <a:txBody>
+                    <a:bodyPr/>
+                    <a:lstStyle/>
+                    <a:p>
+                      <a:pPr algn="ctr">
+                        <a:lnSpc>
+                          <a:spcPct val="107000"/>
+                        </a:lnSpc>
+                        <a:spcAft>
+                          <a:spcPts val="0"/>
+                        </a:spcAft>
+                      </a:pPr>
+                      <a:r>
+                        <a:rPr lang="ru-RU" sz="900">
+                          <a:effectLst/>
+                        </a:rPr>
+                        <a:t>Правильно класси-фицировано дефолтов</a:t>
+                      </a:r>
+                      <a:endParaRPr lang="ru-RU" sz="900">
+                        <a:effectLst/>
+                        <a:latin typeface="Calibri" panose="020F0502020204030204" pitchFamily="34" charset="0"/>
+                        <a:ea typeface="Calibri" panose="020F0502020204030204" pitchFamily="34" charset="0"/>
+                        <a:cs typeface="Times New Roman" panose="02020603050405020304" pitchFamily="18" charset="0"/>
+                      </a:endParaRPr>
+                    </a:p>
+                  </a:txBody>
+                  <a:tcPr marL="42343" marR="42343" marT="0" marB="0" anchor="ctr"/>
+                </a:tc>
+                <a:tc>
+                  <a:txBody>
+                    <a:bodyPr/>
+                    <a:lstStyle/>
+                    <a:p>
+                      <a:pPr algn="ctr">
+                        <a:lnSpc>
+                          <a:spcPct val="107000"/>
+                        </a:lnSpc>
+                        <a:spcAft>
+                          <a:spcPts val="0"/>
+                        </a:spcAft>
+                      </a:pPr>
+                      <a:r>
+                        <a:rPr lang="ru-RU" sz="900" dirty="0">
+                          <a:effectLst/>
+                        </a:rPr>
+                        <a:t>4304</a:t>
+                      </a:r>
+                      <a:endParaRPr lang="ru-RU" sz="900" dirty="0">
+                        <a:effectLst/>
+                        <a:latin typeface="Calibri" panose="020F0502020204030204" pitchFamily="34" charset="0"/>
+                        <a:ea typeface="Calibri" panose="020F0502020204030204" pitchFamily="34" charset="0"/>
+                        <a:cs typeface="Times New Roman" panose="02020603050405020304" pitchFamily="18" charset="0"/>
+                      </a:endParaRPr>
+                    </a:p>
+                  </a:txBody>
+                  <a:tcPr marL="42343" marR="42343" marT="0" marB="0" anchor="ctr">
+                    <a:solidFill>
+                      <a:schemeClr val="accent4">
+                        <a:lumMod val="40000"/>
+                        <a:lumOff val="60000"/>
+                      </a:schemeClr>
+                    </a:solidFill>
+                  </a:tcPr>
+                </a:tc>
+                <a:tc>
+                  <a:txBody>
+                    <a:bodyPr/>
+                    <a:lstStyle/>
+                    <a:p>
+                      <a:pPr algn="ctr">
+                        <a:lnSpc>
+                          <a:spcPct val="107000"/>
+                        </a:lnSpc>
+                        <a:spcAft>
+                          <a:spcPts val="0"/>
+                        </a:spcAft>
+                      </a:pPr>
+                      <a:r>
+                        <a:rPr lang="ru-RU" sz="900">
+                          <a:effectLst/>
+                        </a:rPr>
+                        <a:t>2132</a:t>
+                      </a:r>
+                      <a:endParaRPr lang="ru-RU" sz="900">
+                        <a:effectLst/>
+                        <a:latin typeface="Calibri" panose="020F0502020204030204" pitchFamily="34" charset="0"/>
+                        <a:ea typeface="Calibri" panose="020F0502020204030204" pitchFamily="34" charset="0"/>
+                        <a:cs typeface="Times New Roman" panose="02020603050405020304" pitchFamily="18" charset="0"/>
+                      </a:endParaRPr>
+                    </a:p>
+                  </a:txBody>
+                  <a:tcPr marL="42343" marR="42343" marT="0" marB="0" anchor="ctr"/>
+                </a:tc>
+                <a:tc>
+                  <a:txBody>
+                    <a:bodyPr/>
+                    <a:lstStyle/>
+                    <a:p>
+                      <a:pPr algn="ctr">
+                        <a:lnSpc>
+                          <a:spcPct val="107000"/>
+                        </a:lnSpc>
+                        <a:spcAft>
+                          <a:spcPts val="0"/>
+                        </a:spcAft>
+                      </a:pPr>
+                      <a:r>
+                        <a:rPr lang="ru-RU" sz="900" dirty="0">
+                          <a:effectLst/>
+                        </a:rPr>
+                        <a:t>1028</a:t>
+                      </a:r>
+                      <a:endParaRPr lang="ru-RU" sz="900" dirty="0">
+                        <a:effectLst/>
+                        <a:latin typeface="Calibri" panose="020F0502020204030204" pitchFamily="34" charset="0"/>
+                        <a:ea typeface="Calibri" panose="020F0502020204030204" pitchFamily="34" charset="0"/>
+                        <a:cs typeface="Times New Roman" panose="02020603050405020304" pitchFamily="18" charset="0"/>
+                      </a:endParaRPr>
+                    </a:p>
+                  </a:txBody>
+                  <a:tcPr marL="42343" marR="42343" marT="0" marB="0" anchor="ctr"/>
+                </a:tc>
+                <a:tc>
+                  <a:txBody>
+                    <a:bodyPr/>
+                    <a:lstStyle/>
+                    <a:p>
+                      <a:pPr algn="ctr">
+                        <a:lnSpc>
+                          <a:spcPct val="107000"/>
+                        </a:lnSpc>
+                        <a:spcAft>
+                          <a:spcPts val="0"/>
+                        </a:spcAft>
+                      </a:pPr>
+                      <a:r>
+                        <a:rPr lang="ru-RU" sz="900">
+                          <a:effectLst/>
+                        </a:rPr>
+                        <a:t>515</a:t>
+                      </a:r>
+                      <a:endParaRPr lang="ru-RU" sz="900">
+                        <a:effectLst/>
+                        <a:latin typeface="Calibri" panose="020F0502020204030204" pitchFamily="34" charset="0"/>
+                        <a:ea typeface="Calibri" panose="020F0502020204030204" pitchFamily="34" charset="0"/>
+                        <a:cs typeface="Times New Roman" panose="02020603050405020304" pitchFamily="18" charset="0"/>
+                      </a:endParaRPr>
+                    </a:p>
+                  </a:txBody>
+                  <a:tcPr marL="42343" marR="42343" marT="0" marB="0" anchor="ctr"/>
+                </a:tc>
+                <a:tc>
+                  <a:txBody>
+                    <a:bodyPr/>
+                    <a:lstStyle/>
+                    <a:p>
+                      <a:pPr algn="ctr">
+                        <a:lnSpc>
+                          <a:spcPct val="107000"/>
+                        </a:lnSpc>
+                        <a:spcAft>
+                          <a:spcPts val="0"/>
+                        </a:spcAft>
+                      </a:pPr>
+                      <a:r>
+                        <a:rPr lang="ru-RU" sz="900" dirty="0">
+                          <a:effectLst/>
+                        </a:rPr>
+                        <a:t>256</a:t>
+                      </a:r>
+                      <a:endParaRPr lang="ru-RU" sz="900" dirty="0">
+                        <a:effectLst/>
+                        <a:latin typeface="Calibri" panose="020F0502020204030204" pitchFamily="34" charset="0"/>
+                        <a:ea typeface="Calibri" panose="020F0502020204030204" pitchFamily="34" charset="0"/>
+                        <a:cs typeface="Times New Roman" panose="02020603050405020304" pitchFamily="18" charset="0"/>
+                      </a:endParaRPr>
+                    </a:p>
+                  </a:txBody>
+                  <a:tcPr marL="42343" marR="42343" marT="0" marB="0" anchor="ctr"/>
+                </a:tc>
+                <a:tc>
+                  <a:txBody>
+                    <a:bodyPr/>
+                    <a:lstStyle/>
+                    <a:p>
+                      <a:pPr algn="ctr">
+                        <a:lnSpc>
+                          <a:spcPct val="107000"/>
+                        </a:lnSpc>
+                        <a:spcAft>
+                          <a:spcPts val="0"/>
+                        </a:spcAft>
+                      </a:pPr>
+                      <a:r>
+                        <a:rPr lang="ru-RU" sz="900">
+                          <a:effectLst/>
+                        </a:rPr>
+                        <a:t>133</a:t>
+                      </a:r>
+                      <a:endParaRPr lang="ru-RU" sz="900">
+                        <a:effectLst/>
+                        <a:latin typeface="Calibri" panose="020F0502020204030204" pitchFamily="34" charset="0"/>
+                        <a:ea typeface="Calibri" panose="020F0502020204030204" pitchFamily="34" charset="0"/>
+                        <a:cs typeface="Times New Roman" panose="02020603050405020304" pitchFamily="18" charset="0"/>
+                      </a:endParaRPr>
+                    </a:p>
+                  </a:txBody>
+                  <a:tcPr marL="42343" marR="42343" marT="0" marB="0" anchor="ctr">
+                    <a:solidFill>
+                      <a:schemeClr val="accent4">
+                        <a:lumMod val="40000"/>
+                        <a:lumOff val="60000"/>
+                      </a:schemeClr>
+                    </a:solidFill>
+                  </a:tcPr>
+                </a:tc>
+              </a:tr>
+              <a:tr h="470477">
+                <a:tc vMerge="1">
+                  <a:txBody>
+                    <a:bodyPr/>
+                    <a:lstStyle/>
+                    <a:p>
+                      <a:endParaRPr lang="ru-RU"/>
+                    </a:p>
+                  </a:txBody>
+                  <a:tcPr/>
+                </a:tc>
+                <a:tc>
+                  <a:txBody>
+                    <a:bodyPr/>
+                    <a:lstStyle/>
+                    <a:p>
+                      <a:pPr algn="ctr">
+                        <a:lnSpc>
+                          <a:spcPct val="107000"/>
+                        </a:lnSpc>
+                        <a:spcAft>
+                          <a:spcPts val="0"/>
+                        </a:spcAft>
+                      </a:pPr>
+                      <a:r>
+                        <a:rPr lang="ru-RU" sz="900">
+                          <a:effectLst/>
+                        </a:rPr>
+                        <a:t>Правильно класси-фицировано не дефолтов</a:t>
+                      </a:r>
+                      <a:endParaRPr lang="ru-RU" sz="900">
+                        <a:effectLst/>
+                        <a:latin typeface="Calibri" panose="020F0502020204030204" pitchFamily="34" charset="0"/>
+                        <a:ea typeface="Calibri" panose="020F0502020204030204" pitchFamily="34" charset="0"/>
+                        <a:cs typeface="Times New Roman" panose="02020603050405020304" pitchFamily="18" charset="0"/>
+                      </a:endParaRPr>
+                    </a:p>
+                  </a:txBody>
+                  <a:tcPr marL="42343" marR="42343" marT="0" marB="0" anchor="ctr"/>
+                </a:tc>
+                <a:tc>
+                  <a:txBody>
+                    <a:bodyPr/>
+                    <a:lstStyle/>
+                    <a:p>
+                      <a:pPr algn="ctr">
+                        <a:lnSpc>
+                          <a:spcPct val="107000"/>
+                        </a:lnSpc>
+                        <a:spcAft>
+                          <a:spcPts val="0"/>
+                        </a:spcAft>
+                      </a:pPr>
+                      <a:r>
+                        <a:rPr lang="ru-RU" sz="900" dirty="0">
+                          <a:effectLst/>
+                        </a:rPr>
+                        <a:t>171477</a:t>
+                      </a:r>
+                      <a:endParaRPr lang="ru-RU" sz="900" dirty="0">
+                        <a:effectLst/>
+                        <a:latin typeface="Calibri" panose="020F0502020204030204" pitchFamily="34" charset="0"/>
+                        <a:ea typeface="Calibri" panose="020F0502020204030204" pitchFamily="34" charset="0"/>
+                        <a:cs typeface="Times New Roman" panose="02020603050405020304" pitchFamily="18" charset="0"/>
+                      </a:endParaRPr>
+                    </a:p>
+                  </a:txBody>
+                  <a:tcPr marL="42343" marR="42343" marT="0" marB="0" anchor="ctr">
+                    <a:solidFill>
+                      <a:schemeClr val="accent4">
+                        <a:lumMod val="40000"/>
+                        <a:lumOff val="60000"/>
+                      </a:schemeClr>
+                    </a:solidFill>
+                  </a:tcPr>
+                </a:tc>
+                <a:tc>
+                  <a:txBody>
+                    <a:bodyPr/>
+                    <a:lstStyle/>
+                    <a:p>
+                      <a:pPr algn="ctr">
+                        <a:lnSpc>
+                          <a:spcPct val="107000"/>
+                        </a:lnSpc>
+                        <a:spcAft>
+                          <a:spcPts val="0"/>
+                        </a:spcAft>
+                      </a:pPr>
+                      <a:r>
+                        <a:rPr lang="ru-RU" sz="900">
+                          <a:effectLst/>
+                        </a:rPr>
+                        <a:t>199168</a:t>
+                      </a:r>
+                      <a:endParaRPr lang="ru-RU" sz="900">
+                        <a:effectLst/>
+                        <a:latin typeface="Calibri" panose="020F0502020204030204" pitchFamily="34" charset="0"/>
+                        <a:ea typeface="Calibri" panose="020F0502020204030204" pitchFamily="34" charset="0"/>
+                        <a:cs typeface="Times New Roman" panose="02020603050405020304" pitchFamily="18" charset="0"/>
+                      </a:endParaRPr>
+                    </a:p>
+                  </a:txBody>
+                  <a:tcPr marL="42343" marR="42343" marT="0" marB="0" anchor="ctr"/>
+                </a:tc>
+                <a:tc>
+                  <a:txBody>
+                    <a:bodyPr/>
+                    <a:lstStyle/>
+                    <a:p>
+                      <a:pPr algn="ctr">
+                        <a:lnSpc>
+                          <a:spcPct val="107000"/>
+                        </a:lnSpc>
+                        <a:spcAft>
+                          <a:spcPts val="0"/>
+                        </a:spcAft>
+                      </a:pPr>
+                      <a:r>
+                        <a:rPr lang="ru-RU" sz="900">
+                          <a:effectLst/>
+                        </a:rPr>
+                        <a:t>206352</a:t>
+                      </a:r>
+                      <a:endParaRPr lang="ru-RU" sz="900">
+                        <a:effectLst/>
+                        <a:latin typeface="Calibri" panose="020F0502020204030204" pitchFamily="34" charset="0"/>
+                        <a:ea typeface="Calibri" panose="020F0502020204030204" pitchFamily="34" charset="0"/>
+                        <a:cs typeface="Times New Roman" panose="02020603050405020304" pitchFamily="18" charset="0"/>
+                      </a:endParaRPr>
+                    </a:p>
+                  </a:txBody>
+                  <a:tcPr marL="42343" marR="42343" marT="0" marB="0" anchor="ctr"/>
+                </a:tc>
+                <a:tc>
+                  <a:txBody>
+                    <a:bodyPr/>
+                    <a:lstStyle/>
+                    <a:p>
+                      <a:pPr algn="ctr">
+                        <a:lnSpc>
+                          <a:spcPct val="107000"/>
+                        </a:lnSpc>
+                        <a:spcAft>
+                          <a:spcPts val="0"/>
+                        </a:spcAft>
+                      </a:pPr>
+                      <a:r>
+                        <a:rPr lang="ru-RU" sz="900" dirty="0">
+                          <a:effectLst/>
+                        </a:rPr>
+                        <a:t>208329</a:t>
+                      </a:r>
+                      <a:endParaRPr lang="ru-RU" sz="900" dirty="0">
+                        <a:effectLst/>
+                        <a:latin typeface="Calibri" panose="020F0502020204030204" pitchFamily="34" charset="0"/>
+                        <a:ea typeface="Calibri" panose="020F0502020204030204" pitchFamily="34" charset="0"/>
+                        <a:cs typeface="Times New Roman" panose="02020603050405020304" pitchFamily="18" charset="0"/>
+                      </a:endParaRPr>
+                    </a:p>
+                  </a:txBody>
+                  <a:tcPr marL="42343" marR="42343" marT="0" marB="0" anchor="ctr"/>
+                </a:tc>
+                <a:tc>
+                  <a:txBody>
+                    <a:bodyPr/>
+                    <a:lstStyle/>
+                    <a:p>
+                      <a:pPr algn="ctr">
+                        <a:lnSpc>
+                          <a:spcPct val="107000"/>
+                        </a:lnSpc>
+                        <a:spcAft>
+                          <a:spcPts val="0"/>
+                        </a:spcAft>
+                      </a:pPr>
+                      <a:r>
+                        <a:rPr lang="ru-RU" sz="900" dirty="0">
+                          <a:effectLst/>
+                        </a:rPr>
+                        <a:t>208990</a:t>
+                      </a:r>
+                      <a:endParaRPr lang="ru-RU" sz="900" dirty="0">
+                        <a:effectLst/>
+                        <a:latin typeface="Calibri" panose="020F0502020204030204" pitchFamily="34" charset="0"/>
+                        <a:ea typeface="Calibri" panose="020F0502020204030204" pitchFamily="34" charset="0"/>
+                        <a:cs typeface="Times New Roman" panose="02020603050405020304" pitchFamily="18" charset="0"/>
+                      </a:endParaRPr>
+                    </a:p>
+                  </a:txBody>
+                  <a:tcPr marL="42343" marR="42343" marT="0" marB="0" anchor="ctr"/>
+                </a:tc>
+                <a:tc>
+                  <a:txBody>
+                    <a:bodyPr/>
+                    <a:lstStyle/>
+                    <a:p>
+                      <a:pPr algn="ctr">
+                        <a:lnSpc>
+                          <a:spcPct val="107000"/>
+                        </a:lnSpc>
+                        <a:spcAft>
+                          <a:spcPts val="0"/>
+                        </a:spcAft>
+                      </a:pPr>
+                      <a:r>
+                        <a:rPr lang="ru-RU" sz="900">
+                          <a:effectLst/>
+                        </a:rPr>
+                        <a:t>209235</a:t>
+                      </a:r>
+                      <a:endParaRPr lang="ru-RU" sz="900">
+                        <a:effectLst/>
+                        <a:latin typeface="Calibri" panose="020F0502020204030204" pitchFamily="34" charset="0"/>
+                        <a:ea typeface="Calibri" panose="020F0502020204030204" pitchFamily="34" charset="0"/>
+                        <a:cs typeface="Times New Roman" panose="02020603050405020304" pitchFamily="18" charset="0"/>
+                      </a:endParaRPr>
+                    </a:p>
+                  </a:txBody>
+                  <a:tcPr marL="42343" marR="42343" marT="0" marB="0" anchor="ctr">
+                    <a:solidFill>
+                      <a:schemeClr val="accent4">
+                        <a:lumMod val="40000"/>
+                        <a:lumOff val="60000"/>
+                      </a:schemeClr>
+                    </a:solidFill>
+                  </a:tcPr>
+                </a:tc>
+              </a:tr>
+              <a:tr h="705716">
+                <a:tc rowSpan="2">
+                  <a:txBody>
+                    <a:bodyPr/>
+                    <a:lstStyle/>
+                    <a:p>
+                      <a:pPr algn="ctr">
+                        <a:lnSpc>
+                          <a:spcPct val="107000"/>
+                        </a:lnSpc>
+                        <a:spcAft>
+                          <a:spcPts val="0"/>
+                        </a:spcAft>
+                      </a:pPr>
+                      <a:r>
+                        <a:rPr lang="ru-RU" sz="900">
+                          <a:effectLst/>
+                        </a:rPr>
+                        <a:t>Доли</a:t>
+                      </a:r>
+                      <a:endParaRPr lang="ru-RU" sz="900">
+                        <a:effectLst/>
+                        <a:latin typeface="Calibri" panose="020F0502020204030204" pitchFamily="34" charset="0"/>
+                        <a:ea typeface="Calibri" panose="020F0502020204030204" pitchFamily="34" charset="0"/>
+                        <a:cs typeface="Times New Roman" panose="02020603050405020304" pitchFamily="18" charset="0"/>
+                      </a:endParaRPr>
+                    </a:p>
+                  </a:txBody>
+                  <a:tcPr marL="42343" marR="42343" marT="0" marB="0" vert="vert270" anchor="ctr"/>
+                </a:tc>
+                <a:tc>
+                  <a:txBody>
+                    <a:bodyPr/>
+                    <a:lstStyle/>
+                    <a:p>
+                      <a:pPr algn="ctr">
+                        <a:lnSpc>
+                          <a:spcPct val="107000"/>
+                        </a:lnSpc>
+                        <a:spcAft>
+                          <a:spcPts val="0"/>
+                        </a:spcAft>
+                      </a:pPr>
+                      <a:r>
+                        <a:rPr lang="ru-RU" sz="900">
+                          <a:effectLst/>
+                        </a:rPr>
+                        <a:t>Доля правильно клас-сифицированных дефолтов%</a:t>
+                      </a:r>
+                      <a:endParaRPr lang="ru-RU" sz="900">
+                        <a:effectLst/>
+                        <a:latin typeface="Calibri" panose="020F0502020204030204" pitchFamily="34" charset="0"/>
+                        <a:ea typeface="Calibri" panose="020F0502020204030204" pitchFamily="34" charset="0"/>
+                        <a:cs typeface="Times New Roman" panose="02020603050405020304" pitchFamily="18" charset="0"/>
+                      </a:endParaRPr>
+                    </a:p>
+                  </a:txBody>
+                  <a:tcPr marL="42343" marR="42343" marT="0" marB="0" anchor="ctr"/>
+                </a:tc>
+                <a:tc>
+                  <a:txBody>
+                    <a:bodyPr/>
+                    <a:lstStyle/>
+                    <a:p>
+                      <a:pPr algn="ctr">
+                        <a:lnSpc>
+                          <a:spcPct val="107000"/>
+                        </a:lnSpc>
+                        <a:spcAft>
+                          <a:spcPts val="0"/>
+                        </a:spcAft>
+                      </a:pPr>
+                      <a:r>
+                        <a:rPr lang="ru-RU" sz="900" dirty="0">
+                          <a:effectLst/>
+                        </a:rPr>
+                        <a:t>61,81</a:t>
+                      </a:r>
+                      <a:endParaRPr lang="ru-RU" sz="900" dirty="0">
+                        <a:effectLst/>
+                        <a:latin typeface="Calibri" panose="020F0502020204030204" pitchFamily="34" charset="0"/>
+                        <a:ea typeface="Calibri" panose="020F0502020204030204" pitchFamily="34" charset="0"/>
+                        <a:cs typeface="Times New Roman" panose="02020603050405020304" pitchFamily="18" charset="0"/>
+                      </a:endParaRPr>
+                    </a:p>
+                  </a:txBody>
+                  <a:tcPr marL="42343" marR="42343" marT="0" marB="0" anchor="ctr">
+                    <a:solidFill>
+                      <a:schemeClr val="accent4">
+                        <a:lumMod val="40000"/>
+                        <a:lumOff val="60000"/>
+                      </a:schemeClr>
+                    </a:solidFill>
+                  </a:tcPr>
+                </a:tc>
+                <a:tc>
+                  <a:txBody>
+                    <a:bodyPr/>
+                    <a:lstStyle/>
+                    <a:p>
+                      <a:pPr algn="ctr">
+                        <a:lnSpc>
+                          <a:spcPct val="107000"/>
+                        </a:lnSpc>
+                        <a:spcAft>
+                          <a:spcPts val="0"/>
+                        </a:spcAft>
+                      </a:pPr>
+                      <a:r>
+                        <a:rPr lang="ru-RU" sz="900">
+                          <a:effectLst/>
+                        </a:rPr>
+                        <a:t>30,62</a:t>
+                      </a:r>
+                      <a:endParaRPr lang="ru-RU" sz="900">
+                        <a:effectLst/>
+                        <a:latin typeface="Calibri" panose="020F0502020204030204" pitchFamily="34" charset="0"/>
+                        <a:ea typeface="Calibri" panose="020F0502020204030204" pitchFamily="34" charset="0"/>
+                        <a:cs typeface="Times New Roman" panose="02020603050405020304" pitchFamily="18" charset="0"/>
+                      </a:endParaRPr>
+                    </a:p>
+                  </a:txBody>
+                  <a:tcPr marL="42343" marR="42343" marT="0" marB="0" anchor="ctr"/>
+                </a:tc>
+                <a:tc>
+                  <a:txBody>
+                    <a:bodyPr/>
+                    <a:lstStyle/>
+                    <a:p>
+                      <a:pPr algn="ctr">
+                        <a:lnSpc>
+                          <a:spcPct val="107000"/>
+                        </a:lnSpc>
+                        <a:spcAft>
+                          <a:spcPts val="0"/>
+                        </a:spcAft>
+                      </a:pPr>
+                      <a:r>
+                        <a:rPr lang="ru-RU" sz="900">
+                          <a:effectLst/>
+                        </a:rPr>
+                        <a:t>14,76</a:t>
+                      </a:r>
+                      <a:endParaRPr lang="ru-RU" sz="900">
+                        <a:effectLst/>
+                        <a:latin typeface="Calibri" panose="020F0502020204030204" pitchFamily="34" charset="0"/>
+                        <a:ea typeface="Calibri" panose="020F0502020204030204" pitchFamily="34" charset="0"/>
+                        <a:cs typeface="Times New Roman" panose="02020603050405020304" pitchFamily="18" charset="0"/>
+                      </a:endParaRPr>
+                    </a:p>
+                  </a:txBody>
+                  <a:tcPr marL="42343" marR="42343" marT="0" marB="0" anchor="ctr"/>
+                </a:tc>
+                <a:tc>
+                  <a:txBody>
+                    <a:bodyPr/>
+                    <a:lstStyle/>
+                    <a:p>
+                      <a:pPr algn="ctr">
+                        <a:lnSpc>
+                          <a:spcPct val="107000"/>
+                        </a:lnSpc>
+                        <a:spcAft>
+                          <a:spcPts val="0"/>
+                        </a:spcAft>
+                      </a:pPr>
+                      <a:r>
+                        <a:rPr lang="ru-RU" sz="900">
+                          <a:effectLst/>
+                        </a:rPr>
+                        <a:t>7,4</a:t>
+                      </a:r>
+                      <a:endParaRPr lang="ru-RU" sz="900">
+                        <a:effectLst/>
+                        <a:latin typeface="Calibri" panose="020F0502020204030204" pitchFamily="34" charset="0"/>
+                        <a:ea typeface="Calibri" panose="020F0502020204030204" pitchFamily="34" charset="0"/>
+                        <a:cs typeface="Times New Roman" panose="02020603050405020304" pitchFamily="18" charset="0"/>
+                      </a:endParaRPr>
+                    </a:p>
+                  </a:txBody>
+                  <a:tcPr marL="42343" marR="42343" marT="0" marB="0" anchor="ctr"/>
+                </a:tc>
+                <a:tc>
+                  <a:txBody>
+                    <a:bodyPr/>
+                    <a:lstStyle/>
+                    <a:p>
+                      <a:pPr algn="ctr">
+                        <a:lnSpc>
+                          <a:spcPct val="107000"/>
+                        </a:lnSpc>
+                        <a:spcAft>
+                          <a:spcPts val="0"/>
+                        </a:spcAft>
+                      </a:pPr>
+                      <a:r>
+                        <a:rPr lang="ru-RU" sz="900">
+                          <a:effectLst/>
+                        </a:rPr>
+                        <a:t>3,68</a:t>
+                      </a:r>
+                      <a:endParaRPr lang="ru-RU" sz="900">
+                        <a:effectLst/>
+                        <a:latin typeface="Calibri" panose="020F0502020204030204" pitchFamily="34" charset="0"/>
+                        <a:ea typeface="Calibri" panose="020F0502020204030204" pitchFamily="34" charset="0"/>
+                        <a:cs typeface="Times New Roman" panose="02020603050405020304" pitchFamily="18" charset="0"/>
+                      </a:endParaRPr>
+                    </a:p>
+                  </a:txBody>
+                  <a:tcPr marL="42343" marR="42343" marT="0" marB="0" anchor="ctr"/>
+                </a:tc>
+                <a:tc>
+                  <a:txBody>
+                    <a:bodyPr/>
+                    <a:lstStyle/>
+                    <a:p>
+                      <a:pPr algn="ctr">
+                        <a:lnSpc>
+                          <a:spcPct val="107000"/>
+                        </a:lnSpc>
+                        <a:spcAft>
+                          <a:spcPts val="0"/>
+                        </a:spcAft>
+                      </a:pPr>
+                      <a:r>
+                        <a:rPr lang="ru-RU" sz="900">
+                          <a:effectLst/>
+                        </a:rPr>
+                        <a:t>1,91</a:t>
+                      </a:r>
+                      <a:endParaRPr lang="ru-RU" sz="900">
+                        <a:effectLst/>
+                        <a:latin typeface="Calibri" panose="020F0502020204030204" pitchFamily="34" charset="0"/>
+                        <a:ea typeface="Calibri" panose="020F0502020204030204" pitchFamily="34" charset="0"/>
+                        <a:cs typeface="Times New Roman" panose="02020603050405020304" pitchFamily="18" charset="0"/>
+                      </a:endParaRPr>
+                    </a:p>
+                  </a:txBody>
+                  <a:tcPr marL="42343" marR="42343" marT="0" marB="0" anchor="ctr">
+                    <a:solidFill>
+                      <a:schemeClr val="accent4">
+                        <a:lumMod val="40000"/>
+                        <a:lumOff val="60000"/>
+                      </a:schemeClr>
+                    </a:solidFill>
+                  </a:tcPr>
+                </a:tc>
+              </a:tr>
+              <a:tr h="705716">
+                <a:tc vMerge="1">
+                  <a:txBody>
+                    <a:bodyPr/>
+                    <a:lstStyle/>
+                    <a:p>
+                      <a:endParaRPr lang="ru-RU"/>
+                    </a:p>
+                  </a:txBody>
+                  <a:tcPr/>
+                </a:tc>
+                <a:tc>
+                  <a:txBody>
+                    <a:bodyPr/>
+                    <a:lstStyle/>
+                    <a:p>
+                      <a:pPr algn="ctr">
+                        <a:lnSpc>
+                          <a:spcPct val="107000"/>
+                        </a:lnSpc>
+                        <a:spcAft>
+                          <a:spcPts val="0"/>
+                        </a:spcAft>
+                      </a:pPr>
+                      <a:r>
+                        <a:rPr lang="ru-RU" sz="900">
+                          <a:effectLst/>
+                        </a:rPr>
+                        <a:t>Доля правильно клас-сифицированных не дефолтов%</a:t>
+                      </a:r>
+                      <a:endParaRPr lang="ru-RU" sz="900">
+                        <a:effectLst/>
+                        <a:latin typeface="Calibri" panose="020F0502020204030204" pitchFamily="34" charset="0"/>
+                        <a:ea typeface="Calibri" panose="020F0502020204030204" pitchFamily="34" charset="0"/>
+                        <a:cs typeface="Times New Roman" panose="02020603050405020304" pitchFamily="18" charset="0"/>
+                      </a:endParaRPr>
+                    </a:p>
+                  </a:txBody>
+                  <a:tcPr marL="42343" marR="42343" marT="0" marB="0" anchor="ctr"/>
+                </a:tc>
+                <a:tc>
+                  <a:txBody>
+                    <a:bodyPr/>
+                    <a:lstStyle/>
+                    <a:p>
+                      <a:pPr algn="ctr">
+                        <a:lnSpc>
+                          <a:spcPct val="107000"/>
+                        </a:lnSpc>
+                        <a:spcAft>
+                          <a:spcPts val="0"/>
+                        </a:spcAft>
+                      </a:pPr>
+                      <a:r>
+                        <a:rPr lang="ru-RU" sz="900">
+                          <a:effectLst/>
+                        </a:rPr>
+                        <a:t>81,89</a:t>
+                      </a:r>
+                      <a:endParaRPr lang="ru-RU" sz="900">
+                        <a:effectLst/>
+                        <a:latin typeface="Calibri" panose="020F0502020204030204" pitchFamily="34" charset="0"/>
+                        <a:ea typeface="Calibri" panose="020F0502020204030204" pitchFamily="34" charset="0"/>
+                        <a:cs typeface="Times New Roman" panose="02020603050405020304" pitchFamily="18" charset="0"/>
+                      </a:endParaRPr>
+                    </a:p>
+                  </a:txBody>
+                  <a:tcPr marL="42343" marR="42343" marT="0" marB="0" anchor="ctr">
+                    <a:solidFill>
+                      <a:schemeClr val="accent4">
+                        <a:lumMod val="40000"/>
+                        <a:lumOff val="60000"/>
+                      </a:schemeClr>
+                    </a:solidFill>
+                  </a:tcPr>
+                </a:tc>
+                <a:tc>
+                  <a:txBody>
+                    <a:bodyPr/>
+                    <a:lstStyle/>
+                    <a:p>
+                      <a:pPr algn="ctr">
+                        <a:lnSpc>
+                          <a:spcPct val="107000"/>
+                        </a:lnSpc>
+                        <a:spcAft>
+                          <a:spcPts val="0"/>
+                        </a:spcAft>
+                      </a:pPr>
+                      <a:r>
+                        <a:rPr lang="ru-RU" sz="900" dirty="0">
+                          <a:effectLst/>
+                        </a:rPr>
+                        <a:t>95,11</a:t>
+                      </a:r>
+                      <a:endParaRPr lang="ru-RU" sz="900" dirty="0">
+                        <a:effectLst/>
+                        <a:latin typeface="Calibri" panose="020F0502020204030204" pitchFamily="34" charset="0"/>
+                        <a:ea typeface="Calibri" panose="020F0502020204030204" pitchFamily="34" charset="0"/>
+                        <a:cs typeface="Times New Roman" panose="02020603050405020304" pitchFamily="18" charset="0"/>
+                      </a:endParaRPr>
+                    </a:p>
+                  </a:txBody>
+                  <a:tcPr marL="42343" marR="42343" marT="0" marB="0" anchor="ctr"/>
+                </a:tc>
+                <a:tc>
+                  <a:txBody>
+                    <a:bodyPr/>
+                    <a:lstStyle/>
+                    <a:p>
+                      <a:pPr algn="ctr">
+                        <a:lnSpc>
+                          <a:spcPct val="107000"/>
+                        </a:lnSpc>
+                        <a:spcAft>
+                          <a:spcPts val="0"/>
+                        </a:spcAft>
+                      </a:pPr>
+                      <a:r>
+                        <a:rPr lang="ru-RU" sz="900">
+                          <a:effectLst/>
+                        </a:rPr>
+                        <a:t>98,54</a:t>
+                      </a:r>
+                      <a:endParaRPr lang="ru-RU" sz="900">
+                        <a:effectLst/>
+                        <a:latin typeface="Calibri" panose="020F0502020204030204" pitchFamily="34" charset="0"/>
+                        <a:ea typeface="Calibri" panose="020F0502020204030204" pitchFamily="34" charset="0"/>
+                        <a:cs typeface="Times New Roman" panose="02020603050405020304" pitchFamily="18" charset="0"/>
+                      </a:endParaRPr>
+                    </a:p>
+                  </a:txBody>
+                  <a:tcPr marL="42343" marR="42343" marT="0" marB="0" anchor="ctr"/>
+                </a:tc>
+                <a:tc>
+                  <a:txBody>
+                    <a:bodyPr/>
+                    <a:lstStyle/>
+                    <a:p>
+                      <a:pPr algn="ctr">
+                        <a:lnSpc>
+                          <a:spcPct val="107000"/>
+                        </a:lnSpc>
+                        <a:spcAft>
+                          <a:spcPts val="0"/>
+                        </a:spcAft>
+                      </a:pPr>
+                      <a:r>
+                        <a:rPr lang="ru-RU" sz="900">
+                          <a:effectLst/>
+                        </a:rPr>
+                        <a:t>99,49</a:t>
+                      </a:r>
+                      <a:endParaRPr lang="ru-RU" sz="900">
+                        <a:effectLst/>
+                        <a:latin typeface="Calibri" panose="020F0502020204030204" pitchFamily="34" charset="0"/>
+                        <a:ea typeface="Calibri" panose="020F0502020204030204" pitchFamily="34" charset="0"/>
+                        <a:cs typeface="Times New Roman" panose="02020603050405020304" pitchFamily="18" charset="0"/>
+                      </a:endParaRPr>
+                    </a:p>
+                  </a:txBody>
+                  <a:tcPr marL="42343" marR="42343" marT="0" marB="0" anchor="ctr"/>
+                </a:tc>
+                <a:tc>
+                  <a:txBody>
+                    <a:bodyPr/>
+                    <a:lstStyle/>
+                    <a:p>
+                      <a:pPr algn="ctr">
+                        <a:lnSpc>
+                          <a:spcPct val="107000"/>
+                        </a:lnSpc>
+                        <a:spcAft>
+                          <a:spcPts val="0"/>
+                        </a:spcAft>
+                      </a:pPr>
+                      <a:r>
+                        <a:rPr lang="ru-RU" sz="900">
+                          <a:effectLst/>
+                        </a:rPr>
+                        <a:t>99,8</a:t>
+                      </a:r>
+                      <a:endParaRPr lang="ru-RU" sz="900">
+                        <a:effectLst/>
+                        <a:latin typeface="Calibri" panose="020F0502020204030204" pitchFamily="34" charset="0"/>
+                        <a:ea typeface="Calibri" panose="020F0502020204030204" pitchFamily="34" charset="0"/>
+                        <a:cs typeface="Times New Roman" panose="02020603050405020304" pitchFamily="18" charset="0"/>
+                      </a:endParaRPr>
+                    </a:p>
+                  </a:txBody>
+                  <a:tcPr marL="42343" marR="42343" marT="0" marB="0" anchor="ctr"/>
+                </a:tc>
+                <a:tc>
+                  <a:txBody>
+                    <a:bodyPr/>
+                    <a:lstStyle/>
+                    <a:p>
+                      <a:pPr algn="ctr">
+                        <a:lnSpc>
+                          <a:spcPct val="107000"/>
+                        </a:lnSpc>
+                        <a:spcAft>
+                          <a:spcPts val="0"/>
+                        </a:spcAft>
+                      </a:pPr>
+                      <a:r>
+                        <a:rPr lang="ru-RU" sz="900" dirty="0">
+                          <a:effectLst/>
+                        </a:rPr>
+                        <a:t>99,92</a:t>
+                      </a:r>
+                      <a:endParaRPr lang="ru-RU" sz="900" dirty="0">
+                        <a:effectLst/>
+                        <a:latin typeface="Calibri" panose="020F0502020204030204" pitchFamily="34" charset="0"/>
+                        <a:ea typeface="Calibri" panose="020F0502020204030204" pitchFamily="34" charset="0"/>
+                        <a:cs typeface="Times New Roman" panose="02020603050405020304" pitchFamily="18" charset="0"/>
+                      </a:endParaRPr>
+                    </a:p>
+                  </a:txBody>
+                  <a:tcPr marL="42343" marR="42343" marT="0" marB="0" anchor="ctr">
+                    <a:solidFill>
+                      <a:schemeClr val="accent4">
+                        <a:lumMod val="40000"/>
+                        <a:lumOff val="60000"/>
+                      </a:schemeClr>
+                    </a:solidFill>
+                  </a:tcPr>
+                </a:tc>
+              </a:tr>
+              <a:tr h="235239">
+                <a:tc rowSpan="5">
+                  <a:txBody>
+                    <a:bodyPr/>
+                    <a:lstStyle/>
+                    <a:p>
+                      <a:pPr algn="ctr">
+                        <a:lnSpc>
+                          <a:spcPct val="107000"/>
+                        </a:lnSpc>
+                        <a:spcAft>
+                          <a:spcPts val="0"/>
+                        </a:spcAft>
+                      </a:pPr>
+                      <a:r>
+                        <a:rPr lang="ru-RU" sz="900">
+                          <a:effectLst/>
+                        </a:rPr>
+                        <a:t>Экономические показатели (BYN)</a:t>
+                      </a:r>
+                      <a:endParaRPr lang="ru-RU" sz="900">
+                        <a:effectLst/>
+                        <a:latin typeface="Calibri" panose="020F0502020204030204" pitchFamily="34" charset="0"/>
+                        <a:ea typeface="Calibri" panose="020F0502020204030204" pitchFamily="34" charset="0"/>
+                        <a:cs typeface="Times New Roman" panose="02020603050405020304" pitchFamily="18" charset="0"/>
+                      </a:endParaRPr>
+                    </a:p>
+                  </a:txBody>
+                  <a:tcPr marL="42343" marR="42343" marT="0" marB="0" vert="vert270" anchor="ctr"/>
+                </a:tc>
+                <a:tc>
+                  <a:txBody>
+                    <a:bodyPr/>
+                    <a:lstStyle/>
+                    <a:p>
+                      <a:pPr algn="ctr">
+                        <a:lnSpc>
+                          <a:spcPct val="107000"/>
+                        </a:lnSpc>
+                        <a:spcAft>
+                          <a:spcPts val="0"/>
+                        </a:spcAft>
+                      </a:pPr>
+                      <a:r>
+                        <a:rPr lang="ru-RU" sz="900">
+                          <a:effectLst/>
+                        </a:rPr>
+                        <a:t>Потери на процентах</a:t>
+                      </a:r>
+                      <a:endParaRPr lang="ru-RU" sz="900">
+                        <a:effectLst/>
+                        <a:latin typeface="Calibri" panose="020F0502020204030204" pitchFamily="34" charset="0"/>
+                        <a:ea typeface="Calibri" panose="020F0502020204030204" pitchFamily="34" charset="0"/>
+                        <a:cs typeface="Times New Roman" panose="02020603050405020304" pitchFamily="18" charset="0"/>
+                      </a:endParaRPr>
+                    </a:p>
+                  </a:txBody>
+                  <a:tcPr marL="42343" marR="42343" marT="0" marB="0" anchor="ctr"/>
+                </a:tc>
+                <a:tc>
+                  <a:txBody>
+                    <a:bodyPr/>
+                    <a:lstStyle/>
+                    <a:p>
+                      <a:pPr algn="ctr">
+                        <a:lnSpc>
+                          <a:spcPct val="107000"/>
+                        </a:lnSpc>
+                        <a:spcAft>
+                          <a:spcPts val="0"/>
+                        </a:spcAft>
+                      </a:pPr>
+                      <a:r>
+                        <a:rPr lang="ru-RU" sz="900">
+                          <a:effectLst/>
+                        </a:rPr>
+                        <a:t>5294381</a:t>
+                      </a:r>
+                      <a:endParaRPr lang="ru-RU" sz="900">
+                        <a:effectLst/>
+                        <a:latin typeface="Calibri" panose="020F0502020204030204" pitchFamily="34" charset="0"/>
+                        <a:ea typeface="Calibri" panose="020F0502020204030204" pitchFamily="34" charset="0"/>
+                        <a:cs typeface="Times New Roman" panose="02020603050405020304" pitchFamily="18" charset="0"/>
+                      </a:endParaRPr>
+                    </a:p>
+                  </a:txBody>
+                  <a:tcPr marL="42343" marR="42343" marT="0" marB="0" anchor="ctr">
+                    <a:solidFill>
+                      <a:schemeClr val="accent4">
+                        <a:lumMod val="40000"/>
+                        <a:lumOff val="60000"/>
+                      </a:schemeClr>
+                    </a:solidFill>
+                  </a:tcPr>
+                </a:tc>
+                <a:tc>
+                  <a:txBody>
+                    <a:bodyPr/>
+                    <a:lstStyle/>
+                    <a:p>
+                      <a:pPr algn="ctr">
+                        <a:lnSpc>
+                          <a:spcPct val="107000"/>
+                        </a:lnSpc>
+                        <a:spcAft>
+                          <a:spcPts val="0"/>
+                        </a:spcAft>
+                      </a:pPr>
+                      <a:r>
+                        <a:rPr lang="ru-RU" sz="900">
+                          <a:effectLst/>
+                        </a:rPr>
+                        <a:t>1339533</a:t>
+                      </a:r>
+                      <a:endParaRPr lang="ru-RU" sz="900">
+                        <a:effectLst/>
+                        <a:latin typeface="Calibri" panose="020F0502020204030204" pitchFamily="34" charset="0"/>
+                        <a:ea typeface="Calibri" panose="020F0502020204030204" pitchFamily="34" charset="0"/>
+                        <a:cs typeface="Times New Roman" panose="02020603050405020304" pitchFamily="18" charset="0"/>
+                      </a:endParaRPr>
+                    </a:p>
+                  </a:txBody>
+                  <a:tcPr marL="42343" marR="42343" marT="0" marB="0" anchor="ctr"/>
+                </a:tc>
+                <a:tc>
+                  <a:txBody>
+                    <a:bodyPr/>
+                    <a:lstStyle/>
+                    <a:p>
+                      <a:pPr algn="ctr">
+                        <a:lnSpc>
+                          <a:spcPct val="107000"/>
+                        </a:lnSpc>
+                        <a:spcAft>
+                          <a:spcPts val="0"/>
+                        </a:spcAft>
+                      </a:pPr>
+                      <a:r>
+                        <a:rPr lang="ru-RU" sz="900">
+                          <a:effectLst/>
+                        </a:rPr>
+                        <a:t>350132,7</a:t>
+                      </a:r>
+                      <a:endParaRPr lang="ru-RU" sz="900">
+                        <a:effectLst/>
+                        <a:latin typeface="Calibri" panose="020F0502020204030204" pitchFamily="34" charset="0"/>
+                        <a:ea typeface="Calibri" panose="020F0502020204030204" pitchFamily="34" charset="0"/>
+                        <a:cs typeface="Times New Roman" panose="02020603050405020304" pitchFamily="18" charset="0"/>
+                      </a:endParaRPr>
+                    </a:p>
+                  </a:txBody>
+                  <a:tcPr marL="42343" marR="42343" marT="0" marB="0" anchor="ctr"/>
+                </a:tc>
+                <a:tc>
+                  <a:txBody>
+                    <a:bodyPr/>
+                    <a:lstStyle/>
+                    <a:p>
+                      <a:pPr algn="ctr">
+                        <a:lnSpc>
+                          <a:spcPct val="107000"/>
+                        </a:lnSpc>
+                        <a:spcAft>
+                          <a:spcPts val="0"/>
+                        </a:spcAft>
+                      </a:pPr>
+                      <a:r>
+                        <a:rPr lang="ru-RU" sz="900">
+                          <a:effectLst/>
+                        </a:rPr>
+                        <a:t>101219,9</a:t>
+                      </a:r>
+                      <a:endParaRPr lang="ru-RU" sz="900">
+                        <a:effectLst/>
+                        <a:latin typeface="Calibri" panose="020F0502020204030204" pitchFamily="34" charset="0"/>
+                        <a:ea typeface="Calibri" panose="020F0502020204030204" pitchFamily="34" charset="0"/>
+                        <a:cs typeface="Times New Roman" panose="02020603050405020304" pitchFamily="18" charset="0"/>
+                      </a:endParaRPr>
+                    </a:p>
+                  </a:txBody>
+                  <a:tcPr marL="42343" marR="42343" marT="0" marB="0" anchor="ctr"/>
+                </a:tc>
+                <a:tc>
+                  <a:txBody>
+                    <a:bodyPr/>
+                    <a:lstStyle/>
+                    <a:p>
+                      <a:pPr algn="ctr">
+                        <a:lnSpc>
+                          <a:spcPct val="107000"/>
+                        </a:lnSpc>
+                        <a:spcAft>
+                          <a:spcPts val="0"/>
+                        </a:spcAft>
+                      </a:pPr>
+                      <a:r>
+                        <a:rPr lang="ru-RU" sz="900">
+                          <a:effectLst/>
+                        </a:rPr>
+                        <a:t>26105,66</a:t>
+                      </a:r>
+                      <a:endParaRPr lang="ru-RU" sz="900">
+                        <a:effectLst/>
+                        <a:latin typeface="Calibri" panose="020F0502020204030204" pitchFamily="34" charset="0"/>
+                        <a:ea typeface="Calibri" panose="020F0502020204030204" pitchFamily="34" charset="0"/>
+                        <a:cs typeface="Times New Roman" panose="02020603050405020304" pitchFamily="18" charset="0"/>
+                      </a:endParaRPr>
+                    </a:p>
+                  </a:txBody>
+                  <a:tcPr marL="42343" marR="42343" marT="0" marB="0" anchor="ctr"/>
+                </a:tc>
+                <a:tc>
+                  <a:txBody>
+                    <a:bodyPr/>
+                    <a:lstStyle/>
+                    <a:p>
+                      <a:pPr algn="ctr">
+                        <a:lnSpc>
+                          <a:spcPct val="107000"/>
+                        </a:lnSpc>
+                        <a:spcAft>
+                          <a:spcPts val="0"/>
+                        </a:spcAft>
+                      </a:pPr>
+                      <a:r>
+                        <a:rPr lang="ru-RU" sz="900">
+                          <a:effectLst/>
+                        </a:rPr>
+                        <a:t>6211,94</a:t>
+                      </a:r>
+                      <a:endParaRPr lang="ru-RU" sz="900">
+                        <a:effectLst/>
+                        <a:latin typeface="Calibri" panose="020F0502020204030204" pitchFamily="34" charset="0"/>
+                        <a:ea typeface="Calibri" panose="020F0502020204030204" pitchFamily="34" charset="0"/>
+                        <a:cs typeface="Times New Roman" panose="02020603050405020304" pitchFamily="18" charset="0"/>
+                      </a:endParaRPr>
+                    </a:p>
+                  </a:txBody>
+                  <a:tcPr marL="42343" marR="42343" marT="0" marB="0" anchor="ctr">
+                    <a:solidFill>
+                      <a:schemeClr val="accent4">
+                        <a:lumMod val="40000"/>
+                        <a:lumOff val="60000"/>
+                      </a:schemeClr>
+                    </a:solidFill>
+                  </a:tcPr>
+                </a:tc>
+              </a:tr>
+              <a:tr h="235239">
+                <a:tc vMerge="1">
+                  <a:txBody>
+                    <a:bodyPr/>
+                    <a:lstStyle/>
+                    <a:p>
+                      <a:endParaRPr lang="ru-RU"/>
+                    </a:p>
+                  </a:txBody>
+                  <a:tcPr/>
+                </a:tc>
+                <a:tc>
+                  <a:txBody>
+                    <a:bodyPr/>
+                    <a:lstStyle/>
+                    <a:p>
+                      <a:pPr algn="ctr">
+                        <a:lnSpc>
+                          <a:spcPct val="107000"/>
+                        </a:lnSpc>
+                        <a:spcAft>
+                          <a:spcPts val="0"/>
+                        </a:spcAft>
+                      </a:pPr>
+                      <a:r>
+                        <a:rPr lang="ru-RU" sz="900">
+                          <a:effectLst/>
+                        </a:rPr>
+                        <a:t>Потери от невозврата</a:t>
+                      </a:r>
+                      <a:endParaRPr lang="ru-RU" sz="900">
+                        <a:effectLst/>
+                        <a:latin typeface="Calibri" panose="020F0502020204030204" pitchFamily="34" charset="0"/>
+                        <a:ea typeface="Calibri" panose="020F0502020204030204" pitchFamily="34" charset="0"/>
+                        <a:cs typeface="Times New Roman" panose="02020603050405020304" pitchFamily="18" charset="0"/>
+                      </a:endParaRPr>
+                    </a:p>
+                  </a:txBody>
+                  <a:tcPr marL="42343" marR="42343" marT="0" marB="0" anchor="ctr"/>
+                </a:tc>
+                <a:tc>
+                  <a:txBody>
+                    <a:bodyPr/>
+                    <a:lstStyle/>
+                    <a:p>
+                      <a:pPr algn="ctr">
+                        <a:lnSpc>
+                          <a:spcPct val="107000"/>
+                        </a:lnSpc>
+                        <a:spcAft>
+                          <a:spcPts val="0"/>
+                        </a:spcAft>
+                      </a:pPr>
+                      <a:r>
+                        <a:rPr lang="ru-RU" sz="900">
+                          <a:effectLst/>
+                        </a:rPr>
+                        <a:t>447152,8</a:t>
+                      </a:r>
+                      <a:endParaRPr lang="ru-RU" sz="900">
+                        <a:effectLst/>
+                        <a:latin typeface="Calibri" panose="020F0502020204030204" pitchFamily="34" charset="0"/>
+                        <a:ea typeface="Calibri" panose="020F0502020204030204" pitchFamily="34" charset="0"/>
+                        <a:cs typeface="Times New Roman" panose="02020603050405020304" pitchFamily="18" charset="0"/>
+                      </a:endParaRPr>
+                    </a:p>
+                  </a:txBody>
+                  <a:tcPr marL="42343" marR="42343" marT="0" marB="0" anchor="ctr">
+                    <a:solidFill>
+                      <a:schemeClr val="accent4">
+                        <a:lumMod val="40000"/>
+                        <a:lumOff val="60000"/>
+                      </a:schemeClr>
+                    </a:solidFill>
+                  </a:tcPr>
+                </a:tc>
+                <a:tc>
+                  <a:txBody>
+                    <a:bodyPr/>
+                    <a:lstStyle/>
+                    <a:p>
+                      <a:pPr algn="ctr">
+                        <a:lnSpc>
+                          <a:spcPct val="107000"/>
+                        </a:lnSpc>
+                        <a:spcAft>
+                          <a:spcPts val="0"/>
+                        </a:spcAft>
+                      </a:pPr>
+                      <a:r>
+                        <a:rPr lang="ru-RU" sz="900">
+                          <a:effectLst/>
+                        </a:rPr>
+                        <a:t>857556,1</a:t>
+                      </a:r>
+                      <a:endParaRPr lang="ru-RU" sz="900">
+                        <a:effectLst/>
+                        <a:latin typeface="Calibri" panose="020F0502020204030204" pitchFamily="34" charset="0"/>
+                        <a:ea typeface="Calibri" panose="020F0502020204030204" pitchFamily="34" charset="0"/>
+                        <a:cs typeface="Times New Roman" panose="02020603050405020304" pitchFamily="18" charset="0"/>
+                      </a:endParaRPr>
+                    </a:p>
+                  </a:txBody>
+                  <a:tcPr marL="42343" marR="42343" marT="0" marB="0" anchor="ctr"/>
+                </a:tc>
+                <a:tc>
+                  <a:txBody>
+                    <a:bodyPr/>
+                    <a:lstStyle/>
+                    <a:p>
+                      <a:pPr algn="ctr">
+                        <a:lnSpc>
+                          <a:spcPct val="107000"/>
+                        </a:lnSpc>
+                        <a:spcAft>
+                          <a:spcPts val="0"/>
+                        </a:spcAft>
+                      </a:pPr>
+                      <a:r>
+                        <a:rPr lang="ru-RU" sz="900">
+                          <a:effectLst/>
+                        </a:rPr>
+                        <a:t>1023652</a:t>
+                      </a:r>
+                      <a:endParaRPr lang="ru-RU" sz="900">
+                        <a:effectLst/>
+                        <a:latin typeface="Calibri" panose="020F0502020204030204" pitchFamily="34" charset="0"/>
+                        <a:ea typeface="Calibri" panose="020F0502020204030204" pitchFamily="34" charset="0"/>
+                        <a:cs typeface="Times New Roman" panose="02020603050405020304" pitchFamily="18" charset="0"/>
+                      </a:endParaRPr>
+                    </a:p>
+                  </a:txBody>
+                  <a:tcPr marL="42343" marR="42343" marT="0" marB="0" anchor="ctr"/>
+                </a:tc>
+                <a:tc>
+                  <a:txBody>
+                    <a:bodyPr/>
+                    <a:lstStyle/>
+                    <a:p>
+                      <a:pPr algn="ctr">
+                        <a:lnSpc>
+                          <a:spcPct val="107000"/>
+                        </a:lnSpc>
+                        <a:spcAft>
+                          <a:spcPts val="0"/>
+                        </a:spcAft>
+                      </a:pPr>
+                      <a:r>
+                        <a:rPr lang="ru-RU" sz="900">
+                          <a:effectLst/>
+                        </a:rPr>
+                        <a:t>1088162</a:t>
+                      </a:r>
+                      <a:endParaRPr lang="ru-RU" sz="900">
+                        <a:effectLst/>
+                        <a:latin typeface="Calibri" panose="020F0502020204030204" pitchFamily="34" charset="0"/>
+                        <a:ea typeface="Calibri" panose="020F0502020204030204" pitchFamily="34" charset="0"/>
+                        <a:cs typeface="Times New Roman" panose="02020603050405020304" pitchFamily="18" charset="0"/>
+                      </a:endParaRPr>
+                    </a:p>
+                  </a:txBody>
+                  <a:tcPr marL="42343" marR="42343" marT="0" marB="0" anchor="ctr"/>
+                </a:tc>
+                <a:tc>
+                  <a:txBody>
+                    <a:bodyPr/>
+                    <a:lstStyle/>
+                    <a:p>
+                      <a:pPr algn="ctr">
+                        <a:lnSpc>
+                          <a:spcPct val="107000"/>
+                        </a:lnSpc>
+                        <a:spcAft>
+                          <a:spcPts val="0"/>
+                        </a:spcAft>
+                      </a:pPr>
+                      <a:r>
+                        <a:rPr lang="ru-RU" sz="900">
+                          <a:effectLst/>
+                        </a:rPr>
+                        <a:t>1117317</a:t>
+                      </a:r>
+                      <a:endParaRPr lang="ru-RU" sz="900">
+                        <a:effectLst/>
+                        <a:latin typeface="Calibri" panose="020F0502020204030204" pitchFamily="34" charset="0"/>
+                        <a:ea typeface="Calibri" panose="020F0502020204030204" pitchFamily="34" charset="0"/>
+                        <a:cs typeface="Times New Roman" panose="02020603050405020304" pitchFamily="18" charset="0"/>
+                      </a:endParaRPr>
+                    </a:p>
+                  </a:txBody>
+                  <a:tcPr marL="42343" marR="42343" marT="0" marB="0" anchor="ctr"/>
+                </a:tc>
+                <a:tc>
+                  <a:txBody>
+                    <a:bodyPr/>
+                    <a:lstStyle/>
+                    <a:p>
+                      <a:pPr algn="ctr">
+                        <a:lnSpc>
+                          <a:spcPct val="107000"/>
+                        </a:lnSpc>
+                        <a:spcAft>
+                          <a:spcPts val="0"/>
+                        </a:spcAft>
+                      </a:pPr>
+                      <a:r>
+                        <a:rPr lang="ru-RU" sz="900">
+                          <a:effectLst/>
+                        </a:rPr>
+                        <a:t>1129349</a:t>
+                      </a:r>
+                      <a:endParaRPr lang="ru-RU" sz="900">
+                        <a:effectLst/>
+                        <a:latin typeface="Calibri" panose="020F0502020204030204" pitchFamily="34" charset="0"/>
+                        <a:ea typeface="Calibri" panose="020F0502020204030204" pitchFamily="34" charset="0"/>
+                        <a:cs typeface="Times New Roman" panose="02020603050405020304" pitchFamily="18" charset="0"/>
+                      </a:endParaRPr>
+                    </a:p>
+                  </a:txBody>
+                  <a:tcPr marL="42343" marR="42343" marT="0" marB="0" anchor="ctr">
+                    <a:solidFill>
+                      <a:schemeClr val="accent4">
+                        <a:lumMod val="40000"/>
+                        <a:lumOff val="60000"/>
+                      </a:schemeClr>
+                    </a:solidFill>
+                  </a:tcPr>
+                </a:tc>
+              </a:tr>
+              <a:tr h="235239">
+                <a:tc vMerge="1">
+                  <a:txBody>
+                    <a:bodyPr/>
+                    <a:lstStyle/>
+                    <a:p>
+                      <a:endParaRPr lang="ru-RU"/>
+                    </a:p>
+                  </a:txBody>
+                  <a:tcPr/>
+                </a:tc>
+                <a:tc>
+                  <a:txBody>
+                    <a:bodyPr/>
+                    <a:lstStyle/>
+                    <a:p>
+                      <a:pPr algn="ctr">
+                        <a:lnSpc>
+                          <a:spcPct val="107000"/>
+                        </a:lnSpc>
+                        <a:spcAft>
+                          <a:spcPts val="0"/>
+                        </a:spcAft>
+                      </a:pPr>
+                      <a:r>
+                        <a:rPr lang="ru-RU" sz="900">
+                          <a:effectLst/>
+                        </a:rPr>
+                        <a:t>Полученные проценты</a:t>
+                      </a:r>
+                      <a:endParaRPr lang="ru-RU" sz="900">
+                        <a:effectLst/>
+                        <a:latin typeface="Calibri" panose="020F0502020204030204" pitchFamily="34" charset="0"/>
+                        <a:ea typeface="Calibri" panose="020F0502020204030204" pitchFamily="34" charset="0"/>
+                        <a:cs typeface="Times New Roman" panose="02020603050405020304" pitchFamily="18" charset="0"/>
+                      </a:endParaRPr>
+                    </a:p>
+                  </a:txBody>
+                  <a:tcPr marL="42343" marR="42343" marT="0" marB="0" anchor="ctr"/>
+                </a:tc>
+                <a:tc>
+                  <a:txBody>
+                    <a:bodyPr/>
+                    <a:lstStyle/>
+                    <a:p>
+                      <a:pPr algn="ctr">
+                        <a:lnSpc>
+                          <a:spcPct val="107000"/>
+                        </a:lnSpc>
+                        <a:spcAft>
+                          <a:spcPts val="0"/>
+                        </a:spcAft>
+                      </a:pPr>
+                      <a:r>
+                        <a:rPr lang="ru-RU" sz="900">
+                          <a:effectLst/>
+                        </a:rPr>
+                        <a:t>15328995</a:t>
+                      </a:r>
+                      <a:endParaRPr lang="ru-RU" sz="900">
+                        <a:effectLst/>
+                        <a:latin typeface="Calibri" panose="020F0502020204030204" pitchFamily="34" charset="0"/>
+                        <a:ea typeface="Calibri" panose="020F0502020204030204" pitchFamily="34" charset="0"/>
+                        <a:cs typeface="Times New Roman" panose="02020603050405020304" pitchFamily="18" charset="0"/>
+                      </a:endParaRPr>
+                    </a:p>
+                  </a:txBody>
+                  <a:tcPr marL="42343" marR="42343" marT="0" marB="0" anchor="ctr">
+                    <a:solidFill>
+                      <a:schemeClr val="accent4">
+                        <a:lumMod val="40000"/>
+                        <a:lumOff val="60000"/>
+                      </a:schemeClr>
+                    </a:solidFill>
+                  </a:tcPr>
+                </a:tc>
+                <a:tc>
+                  <a:txBody>
+                    <a:bodyPr/>
+                    <a:lstStyle/>
+                    <a:p>
+                      <a:pPr algn="ctr">
+                        <a:lnSpc>
+                          <a:spcPct val="107000"/>
+                        </a:lnSpc>
+                        <a:spcAft>
+                          <a:spcPts val="0"/>
+                        </a:spcAft>
+                      </a:pPr>
+                      <a:r>
+                        <a:rPr lang="ru-RU" sz="900">
+                          <a:effectLst/>
+                        </a:rPr>
+                        <a:t>19283842</a:t>
+                      </a:r>
+                      <a:endParaRPr lang="ru-RU" sz="900">
+                        <a:effectLst/>
+                        <a:latin typeface="Calibri" panose="020F0502020204030204" pitchFamily="34" charset="0"/>
+                        <a:ea typeface="Calibri" panose="020F0502020204030204" pitchFamily="34" charset="0"/>
+                        <a:cs typeface="Times New Roman" panose="02020603050405020304" pitchFamily="18" charset="0"/>
+                      </a:endParaRPr>
+                    </a:p>
+                  </a:txBody>
+                  <a:tcPr marL="42343" marR="42343" marT="0" marB="0" anchor="ctr"/>
+                </a:tc>
+                <a:tc>
+                  <a:txBody>
+                    <a:bodyPr/>
+                    <a:lstStyle/>
+                    <a:p>
+                      <a:pPr algn="ctr">
+                        <a:lnSpc>
+                          <a:spcPct val="107000"/>
+                        </a:lnSpc>
+                        <a:spcAft>
+                          <a:spcPts val="0"/>
+                        </a:spcAft>
+                      </a:pPr>
+                      <a:r>
+                        <a:rPr lang="ru-RU" sz="900">
+                          <a:effectLst/>
+                        </a:rPr>
+                        <a:t>20273243</a:t>
+                      </a:r>
+                      <a:endParaRPr lang="ru-RU" sz="900">
+                        <a:effectLst/>
+                        <a:latin typeface="Calibri" panose="020F0502020204030204" pitchFamily="34" charset="0"/>
+                        <a:ea typeface="Calibri" panose="020F0502020204030204" pitchFamily="34" charset="0"/>
+                        <a:cs typeface="Times New Roman" panose="02020603050405020304" pitchFamily="18" charset="0"/>
+                      </a:endParaRPr>
+                    </a:p>
+                  </a:txBody>
+                  <a:tcPr marL="42343" marR="42343" marT="0" marB="0" anchor="ctr"/>
+                </a:tc>
+                <a:tc>
+                  <a:txBody>
+                    <a:bodyPr/>
+                    <a:lstStyle/>
+                    <a:p>
+                      <a:pPr algn="ctr">
+                        <a:lnSpc>
+                          <a:spcPct val="107000"/>
+                        </a:lnSpc>
+                        <a:spcAft>
+                          <a:spcPts val="0"/>
+                        </a:spcAft>
+                      </a:pPr>
+                      <a:r>
+                        <a:rPr lang="ru-RU" sz="900" dirty="0">
+                          <a:effectLst/>
+                        </a:rPr>
+                        <a:t>20522155</a:t>
+                      </a:r>
+                      <a:endParaRPr lang="ru-RU" sz="900" dirty="0">
+                        <a:effectLst/>
+                        <a:latin typeface="Calibri" panose="020F0502020204030204" pitchFamily="34" charset="0"/>
+                        <a:ea typeface="Calibri" panose="020F0502020204030204" pitchFamily="34" charset="0"/>
+                        <a:cs typeface="Times New Roman" panose="02020603050405020304" pitchFamily="18" charset="0"/>
+                      </a:endParaRPr>
+                    </a:p>
+                  </a:txBody>
+                  <a:tcPr marL="42343" marR="42343" marT="0" marB="0" anchor="ctr"/>
+                </a:tc>
+                <a:tc>
+                  <a:txBody>
+                    <a:bodyPr/>
+                    <a:lstStyle/>
+                    <a:p>
+                      <a:pPr algn="ctr">
+                        <a:lnSpc>
+                          <a:spcPct val="107000"/>
+                        </a:lnSpc>
+                        <a:spcAft>
+                          <a:spcPts val="0"/>
+                        </a:spcAft>
+                      </a:pPr>
+                      <a:r>
+                        <a:rPr lang="ru-RU" sz="900">
+                          <a:effectLst/>
+                        </a:rPr>
+                        <a:t>20597270</a:t>
+                      </a:r>
+                      <a:endParaRPr lang="ru-RU" sz="900">
+                        <a:effectLst/>
+                        <a:latin typeface="Calibri" panose="020F0502020204030204" pitchFamily="34" charset="0"/>
+                        <a:ea typeface="Calibri" panose="020F0502020204030204" pitchFamily="34" charset="0"/>
+                        <a:cs typeface="Times New Roman" panose="02020603050405020304" pitchFamily="18" charset="0"/>
+                      </a:endParaRPr>
+                    </a:p>
+                  </a:txBody>
+                  <a:tcPr marL="42343" marR="42343" marT="0" marB="0" anchor="ctr"/>
+                </a:tc>
+                <a:tc>
+                  <a:txBody>
+                    <a:bodyPr/>
+                    <a:lstStyle/>
+                    <a:p>
+                      <a:pPr algn="ctr">
+                        <a:lnSpc>
+                          <a:spcPct val="107000"/>
+                        </a:lnSpc>
+                        <a:spcAft>
+                          <a:spcPts val="0"/>
+                        </a:spcAft>
+                      </a:pPr>
+                      <a:r>
+                        <a:rPr lang="ru-RU" sz="900">
+                          <a:effectLst/>
+                        </a:rPr>
+                        <a:t>20617163</a:t>
+                      </a:r>
+                      <a:endParaRPr lang="ru-RU" sz="900">
+                        <a:effectLst/>
+                        <a:latin typeface="Calibri" panose="020F0502020204030204" pitchFamily="34" charset="0"/>
+                        <a:ea typeface="Calibri" panose="020F0502020204030204" pitchFamily="34" charset="0"/>
+                        <a:cs typeface="Times New Roman" panose="02020603050405020304" pitchFamily="18" charset="0"/>
+                      </a:endParaRPr>
+                    </a:p>
+                  </a:txBody>
+                  <a:tcPr marL="42343" marR="42343" marT="0" marB="0" anchor="ctr">
+                    <a:solidFill>
+                      <a:schemeClr val="accent4">
+                        <a:lumMod val="40000"/>
+                        <a:lumOff val="60000"/>
+                      </a:schemeClr>
+                    </a:solidFill>
+                  </a:tcPr>
+                </a:tc>
+              </a:tr>
+              <a:tr h="352858">
+                <a:tc vMerge="1">
+                  <a:txBody>
+                    <a:bodyPr/>
+                    <a:lstStyle/>
+                    <a:p>
+                      <a:endParaRPr lang="ru-RU"/>
+                    </a:p>
+                  </a:txBody>
+                  <a:tcPr/>
+                </a:tc>
+                <a:tc>
+                  <a:txBody>
+                    <a:bodyPr/>
+                    <a:lstStyle/>
+                    <a:p>
+                      <a:pPr algn="ctr">
+                        <a:lnSpc>
+                          <a:spcPct val="107000"/>
+                        </a:lnSpc>
+                        <a:spcAft>
+                          <a:spcPts val="0"/>
+                        </a:spcAft>
+                      </a:pPr>
+                      <a:r>
+                        <a:rPr lang="ru-RU" sz="900">
+                          <a:effectLst/>
+                        </a:rPr>
+                        <a:t>Предот-вращенный невозврат</a:t>
+                      </a:r>
+                      <a:endParaRPr lang="ru-RU" sz="900">
+                        <a:effectLst/>
+                        <a:latin typeface="Calibri" panose="020F0502020204030204" pitchFamily="34" charset="0"/>
+                        <a:ea typeface="Calibri" panose="020F0502020204030204" pitchFamily="34" charset="0"/>
+                        <a:cs typeface="Times New Roman" panose="02020603050405020304" pitchFamily="18" charset="0"/>
+                      </a:endParaRPr>
+                    </a:p>
+                  </a:txBody>
+                  <a:tcPr marL="42343" marR="42343" marT="0" marB="0" anchor="ctr"/>
+                </a:tc>
+                <a:tc>
+                  <a:txBody>
+                    <a:bodyPr/>
+                    <a:lstStyle/>
+                    <a:p>
+                      <a:pPr algn="ctr">
+                        <a:lnSpc>
+                          <a:spcPct val="107000"/>
+                        </a:lnSpc>
+                        <a:spcAft>
+                          <a:spcPts val="0"/>
+                        </a:spcAft>
+                      </a:pPr>
+                      <a:r>
+                        <a:rPr lang="ru-RU" sz="900">
+                          <a:effectLst/>
+                        </a:rPr>
+                        <a:t>697447,9</a:t>
+                      </a:r>
+                      <a:endParaRPr lang="ru-RU" sz="900">
+                        <a:effectLst/>
+                        <a:latin typeface="Calibri" panose="020F0502020204030204" pitchFamily="34" charset="0"/>
+                        <a:ea typeface="Calibri" panose="020F0502020204030204" pitchFamily="34" charset="0"/>
+                        <a:cs typeface="Times New Roman" panose="02020603050405020304" pitchFamily="18" charset="0"/>
+                      </a:endParaRPr>
+                    </a:p>
+                  </a:txBody>
+                  <a:tcPr marL="42343" marR="42343" marT="0" marB="0" anchor="ctr">
+                    <a:solidFill>
+                      <a:schemeClr val="accent4">
+                        <a:lumMod val="40000"/>
+                        <a:lumOff val="60000"/>
+                      </a:schemeClr>
+                    </a:solidFill>
+                  </a:tcPr>
+                </a:tc>
+                <a:tc>
+                  <a:txBody>
+                    <a:bodyPr/>
+                    <a:lstStyle/>
+                    <a:p>
+                      <a:pPr algn="ctr">
+                        <a:lnSpc>
+                          <a:spcPct val="107000"/>
+                        </a:lnSpc>
+                        <a:spcAft>
+                          <a:spcPts val="0"/>
+                        </a:spcAft>
+                      </a:pPr>
+                      <a:r>
+                        <a:rPr lang="ru-RU" sz="900">
+                          <a:effectLst/>
+                        </a:rPr>
+                        <a:t>287044,6</a:t>
+                      </a:r>
+                      <a:endParaRPr lang="ru-RU" sz="900">
+                        <a:effectLst/>
+                        <a:latin typeface="Calibri" panose="020F0502020204030204" pitchFamily="34" charset="0"/>
+                        <a:ea typeface="Calibri" panose="020F0502020204030204" pitchFamily="34" charset="0"/>
+                        <a:cs typeface="Times New Roman" panose="02020603050405020304" pitchFamily="18" charset="0"/>
+                      </a:endParaRPr>
+                    </a:p>
+                  </a:txBody>
+                  <a:tcPr marL="42343" marR="42343" marT="0" marB="0" anchor="ctr"/>
+                </a:tc>
+                <a:tc>
+                  <a:txBody>
+                    <a:bodyPr/>
+                    <a:lstStyle/>
+                    <a:p>
+                      <a:pPr algn="ctr">
+                        <a:lnSpc>
+                          <a:spcPct val="107000"/>
+                        </a:lnSpc>
+                        <a:spcAft>
+                          <a:spcPts val="0"/>
+                        </a:spcAft>
+                      </a:pPr>
+                      <a:r>
+                        <a:rPr lang="ru-RU" sz="900">
+                          <a:effectLst/>
+                        </a:rPr>
+                        <a:t>120948,5</a:t>
+                      </a:r>
+                      <a:endParaRPr lang="ru-RU" sz="900">
+                        <a:effectLst/>
+                        <a:latin typeface="Calibri" panose="020F0502020204030204" pitchFamily="34" charset="0"/>
+                        <a:ea typeface="Calibri" panose="020F0502020204030204" pitchFamily="34" charset="0"/>
+                        <a:cs typeface="Times New Roman" panose="02020603050405020304" pitchFamily="18" charset="0"/>
+                      </a:endParaRPr>
+                    </a:p>
+                  </a:txBody>
+                  <a:tcPr marL="42343" marR="42343" marT="0" marB="0" anchor="ctr"/>
+                </a:tc>
+                <a:tc>
+                  <a:txBody>
+                    <a:bodyPr/>
+                    <a:lstStyle/>
+                    <a:p>
+                      <a:pPr algn="ctr">
+                        <a:lnSpc>
+                          <a:spcPct val="107000"/>
+                        </a:lnSpc>
+                        <a:spcAft>
+                          <a:spcPts val="0"/>
+                        </a:spcAft>
+                      </a:pPr>
+                      <a:r>
+                        <a:rPr lang="ru-RU" sz="900">
+                          <a:effectLst/>
+                        </a:rPr>
+                        <a:t>56438,44</a:t>
+                      </a:r>
+                      <a:endParaRPr lang="ru-RU" sz="900">
+                        <a:effectLst/>
+                        <a:latin typeface="Calibri" panose="020F0502020204030204" pitchFamily="34" charset="0"/>
+                        <a:ea typeface="Calibri" panose="020F0502020204030204" pitchFamily="34" charset="0"/>
+                        <a:cs typeface="Times New Roman" panose="02020603050405020304" pitchFamily="18" charset="0"/>
+                      </a:endParaRPr>
+                    </a:p>
+                  </a:txBody>
+                  <a:tcPr marL="42343" marR="42343" marT="0" marB="0" anchor="ctr"/>
+                </a:tc>
+                <a:tc>
+                  <a:txBody>
+                    <a:bodyPr/>
+                    <a:lstStyle/>
+                    <a:p>
+                      <a:pPr algn="ctr">
+                        <a:lnSpc>
+                          <a:spcPct val="107000"/>
+                        </a:lnSpc>
+                        <a:spcAft>
+                          <a:spcPts val="0"/>
+                        </a:spcAft>
+                      </a:pPr>
+                      <a:r>
+                        <a:rPr lang="ru-RU" sz="900">
+                          <a:effectLst/>
+                        </a:rPr>
+                        <a:t>27283,94</a:t>
+                      </a:r>
+                      <a:endParaRPr lang="ru-RU" sz="900">
+                        <a:effectLst/>
+                        <a:latin typeface="Calibri" panose="020F0502020204030204" pitchFamily="34" charset="0"/>
+                        <a:ea typeface="Calibri" panose="020F0502020204030204" pitchFamily="34" charset="0"/>
+                        <a:cs typeface="Times New Roman" panose="02020603050405020304" pitchFamily="18" charset="0"/>
+                      </a:endParaRPr>
+                    </a:p>
+                  </a:txBody>
+                  <a:tcPr marL="42343" marR="42343" marT="0" marB="0" anchor="ctr"/>
+                </a:tc>
+                <a:tc>
+                  <a:txBody>
+                    <a:bodyPr/>
+                    <a:lstStyle/>
+                    <a:p>
+                      <a:pPr algn="ctr">
+                        <a:lnSpc>
+                          <a:spcPct val="107000"/>
+                        </a:lnSpc>
+                        <a:spcAft>
+                          <a:spcPts val="0"/>
+                        </a:spcAft>
+                      </a:pPr>
+                      <a:r>
+                        <a:rPr lang="ru-RU" sz="900">
+                          <a:effectLst/>
+                        </a:rPr>
+                        <a:t>15251,53</a:t>
+                      </a:r>
+                      <a:endParaRPr lang="ru-RU" sz="900">
+                        <a:effectLst/>
+                        <a:latin typeface="Calibri" panose="020F0502020204030204" pitchFamily="34" charset="0"/>
+                        <a:ea typeface="Calibri" panose="020F0502020204030204" pitchFamily="34" charset="0"/>
+                        <a:cs typeface="Times New Roman" panose="02020603050405020304" pitchFamily="18" charset="0"/>
+                      </a:endParaRPr>
+                    </a:p>
+                  </a:txBody>
+                  <a:tcPr marL="42343" marR="42343" marT="0" marB="0" anchor="ctr">
+                    <a:solidFill>
+                      <a:schemeClr val="accent4">
+                        <a:lumMod val="40000"/>
+                        <a:lumOff val="60000"/>
+                      </a:schemeClr>
+                    </a:solidFill>
+                  </a:tcPr>
+                </a:tc>
+              </a:tr>
+              <a:tr h="352858">
+                <a:tc vMerge="1">
+                  <a:txBody>
+                    <a:bodyPr/>
+                    <a:lstStyle/>
+                    <a:p>
+                      <a:endParaRPr lang="ru-RU"/>
+                    </a:p>
+                  </a:txBody>
+                  <a:tcPr/>
+                </a:tc>
+                <a:tc>
+                  <a:txBody>
+                    <a:bodyPr/>
+                    <a:lstStyle/>
+                    <a:p>
+                      <a:pPr algn="ctr">
+                        <a:lnSpc>
+                          <a:spcPct val="107000"/>
+                        </a:lnSpc>
+                        <a:spcAft>
+                          <a:spcPts val="0"/>
+                        </a:spcAft>
+                      </a:pPr>
+                      <a:r>
+                        <a:rPr lang="ru-RU" sz="900">
+                          <a:effectLst/>
+                        </a:rPr>
+                        <a:t>Выйгрыш класси-фикатора</a:t>
+                      </a:r>
+                      <a:endParaRPr lang="ru-RU" sz="900">
+                        <a:effectLst/>
+                        <a:latin typeface="Calibri" panose="020F0502020204030204" pitchFamily="34" charset="0"/>
+                        <a:ea typeface="Calibri" panose="020F0502020204030204" pitchFamily="34" charset="0"/>
+                        <a:cs typeface="Times New Roman" panose="02020603050405020304" pitchFamily="18" charset="0"/>
+                      </a:endParaRPr>
+                    </a:p>
+                  </a:txBody>
+                  <a:tcPr marL="42343" marR="42343" marT="0" marB="0" anchor="ctr"/>
+                </a:tc>
+                <a:tc>
+                  <a:txBody>
+                    <a:bodyPr/>
+                    <a:lstStyle/>
+                    <a:p>
+                      <a:pPr algn="ctr">
+                        <a:lnSpc>
+                          <a:spcPct val="107000"/>
+                        </a:lnSpc>
+                        <a:spcAft>
+                          <a:spcPts val="0"/>
+                        </a:spcAft>
+                      </a:pPr>
+                      <a:r>
+                        <a:rPr lang="ru-RU" sz="900" dirty="0">
+                          <a:effectLst/>
+                        </a:rPr>
+                        <a:t>-4596933</a:t>
+                      </a:r>
+                      <a:endParaRPr lang="ru-RU" sz="900" dirty="0">
+                        <a:effectLst/>
+                        <a:latin typeface="Calibri" panose="020F0502020204030204" pitchFamily="34" charset="0"/>
+                        <a:ea typeface="Calibri" panose="020F0502020204030204" pitchFamily="34" charset="0"/>
+                        <a:cs typeface="Times New Roman" panose="02020603050405020304" pitchFamily="18" charset="0"/>
+                      </a:endParaRPr>
+                    </a:p>
+                  </a:txBody>
+                  <a:tcPr marL="42343" marR="42343" marT="0" marB="0" anchor="ctr">
+                    <a:solidFill>
+                      <a:schemeClr val="accent4">
+                        <a:lumMod val="40000"/>
+                        <a:lumOff val="60000"/>
+                      </a:schemeClr>
+                    </a:solidFill>
+                  </a:tcPr>
+                </a:tc>
+                <a:tc>
+                  <a:txBody>
+                    <a:bodyPr/>
+                    <a:lstStyle/>
+                    <a:p>
+                      <a:pPr algn="ctr">
+                        <a:lnSpc>
+                          <a:spcPct val="107000"/>
+                        </a:lnSpc>
+                        <a:spcAft>
+                          <a:spcPts val="0"/>
+                        </a:spcAft>
+                      </a:pPr>
+                      <a:r>
+                        <a:rPr lang="ru-RU" sz="900">
+                          <a:effectLst/>
+                        </a:rPr>
+                        <a:t>-1052489</a:t>
+                      </a:r>
+                      <a:endParaRPr lang="ru-RU" sz="900">
+                        <a:effectLst/>
+                        <a:latin typeface="Calibri" panose="020F0502020204030204" pitchFamily="34" charset="0"/>
+                        <a:ea typeface="Calibri" panose="020F0502020204030204" pitchFamily="34" charset="0"/>
+                        <a:cs typeface="Times New Roman" panose="02020603050405020304" pitchFamily="18" charset="0"/>
+                      </a:endParaRPr>
+                    </a:p>
+                  </a:txBody>
+                  <a:tcPr marL="42343" marR="42343" marT="0" marB="0" anchor="ctr"/>
+                </a:tc>
+                <a:tc>
+                  <a:txBody>
+                    <a:bodyPr/>
+                    <a:lstStyle/>
+                    <a:p>
+                      <a:pPr algn="ctr">
+                        <a:lnSpc>
+                          <a:spcPct val="107000"/>
+                        </a:lnSpc>
+                        <a:spcAft>
+                          <a:spcPts val="0"/>
+                        </a:spcAft>
+                      </a:pPr>
+                      <a:r>
+                        <a:rPr lang="ru-RU" sz="900">
+                          <a:effectLst/>
+                        </a:rPr>
+                        <a:t>-229184</a:t>
+                      </a:r>
+                      <a:endParaRPr lang="ru-RU" sz="900">
+                        <a:effectLst/>
+                        <a:latin typeface="Calibri" panose="020F0502020204030204" pitchFamily="34" charset="0"/>
+                        <a:ea typeface="Calibri" panose="020F0502020204030204" pitchFamily="34" charset="0"/>
+                        <a:cs typeface="Times New Roman" panose="02020603050405020304" pitchFamily="18" charset="0"/>
+                      </a:endParaRPr>
+                    </a:p>
+                  </a:txBody>
+                  <a:tcPr marL="42343" marR="42343" marT="0" marB="0" anchor="ctr"/>
+                </a:tc>
+                <a:tc>
+                  <a:txBody>
+                    <a:bodyPr/>
+                    <a:lstStyle/>
+                    <a:p>
+                      <a:pPr algn="ctr">
+                        <a:lnSpc>
+                          <a:spcPct val="107000"/>
+                        </a:lnSpc>
+                        <a:spcAft>
+                          <a:spcPts val="0"/>
+                        </a:spcAft>
+                      </a:pPr>
+                      <a:r>
+                        <a:rPr lang="ru-RU" sz="900">
+                          <a:effectLst/>
+                        </a:rPr>
+                        <a:t>-44781,4</a:t>
+                      </a:r>
+                      <a:endParaRPr lang="ru-RU" sz="900">
+                        <a:effectLst/>
+                        <a:latin typeface="Calibri" panose="020F0502020204030204" pitchFamily="34" charset="0"/>
+                        <a:ea typeface="Calibri" panose="020F0502020204030204" pitchFamily="34" charset="0"/>
+                        <a:cs typeface="Times New Roman" panose="02020603050405020304" pitchFamily="18" charset="0"/>
+                      </a:endParaRPr>
+                    </a:p>
+                  </a:txBody>
+                  <a:tcPr marL="42343" marR="42343" marT="0" marB="0" anchor="ctr"/>
+                </a:tc>
+                <a:tc>
+                  <a:txBody>
+                    <a:bodyPr/>
+                    <a:lstStyle/>
+                    <a:p>
+                      <a:pPr algn="ctr">
+                        <a:lnSpc>
+                          <a:spcPct val="107000"/>
+                        </a:lnSpc>
+                        <a:spcAft>
+                          <a:spcPts val="0"/>
+                        </a:spcAft>
+                      </a:pPr>
+                      <a:r>
+                        <a:rPr lang="ru-RU" sz="900">
+                          <a:effectLst/>
+                        </a:rPr>
+                        <a:t>1178,28</a:t>
+                      </a:r>
+                      <a:endParaRPr lang="ru-RU" sz="900">
+                        <a:effectLst/>
+                        <a:latin typeface="Calibri" panose="020F0502020204030204" pitchFamily="34" charset="0"/>
+                        <a:ea typeface="Calibri" panose="020F0502020204030204" pitchFamily="34" charset="0"/>
+                        <a:cs typeface="Times New Roman" panose="02020603050405020304" pitchFamily="18" charset="0"/>
+                      </a:endParaRPr>
+                    </a:p>
+                  </a:txBody>
+                  <a:tcPr marL="42343" marR="42343" marT="0" marB="0" anchor="ctr"/>
+                </a:tc>
+                <a:tc>
+                  <a:txBody>
+                    <a:bodyPr/>
+                    <a:lstStyle/>
+                    <a:p>
+                      <a:pPr algn="ctr">
+                        <a:lnSpc>
+                          <a:spcPct val="107000"/>
+                        </a:lnSpc>
+                        <a:spcAft>
+                          <a:spcPts val="0"/>
+                        </a:spcAft>
+                      </a:pPr>
+                      <a:r>
+                        <a:rPr lang="ru-RU" sz="900" dirty="0">
+                          <a:effectLst/>
+                        </a:rPr>
+                        <a:t>9039,59</a:t>
+                      </a:r>
+                      <a:endParaRPr lang="ru-RU" sz="900" dirty="0">
+                        <a:effectLst/>
+                        <a:latin typeface="Calibri" panose="020F0502020204030204" pitchFamily="34" charset="0"/>
+                        <a:ea typeface="Calibri" panose="020F0502020204030204" pitchFamily="34" charset="0"/>
+                        <a:cs typeface="Times New Roman" panose="02020603050405020304" pitchFamily="18" charset="0"/>
+                      </a:endParaRPr>
+                    </a:p>
+                  </a:txBody>
+                  <a:tcPr marL="42343" marR="42343" marT="0" marB="0" anchor="ctr">
+                    <a:solidFill>
+                      <a:schemeClr val="accent4">
+                        <a:lumMod val="40000"/>
+                        <a:lumOff val="60000"/>
+                      </a:schemeClr>
+                    </a:solidFill>
+                  </a:tcPr>
+                </a:tc>
+              </a:tr>
+            </a:tbl>
+          </a:graphicData>
+        </a:graphic>
+      </p:graphicFrame>
     </p:spTree>
     <p:extLst>
       <p:ext uri="{BB962C8B-B14F-4D97-AF65-F5344CB8AC3E}">
         <p14:creationId xmlns:p14="http://schemas.microsoft.com/office/powerpoint/2010/main" val="29296739"/>
+      </p:ext>
+    </p:extLst>
+  </p:cSld>
+  <p:clrMapOvr>
+    <a:masterClrMapping/>
+  </p:clrMapOvr>
+  <p:timing>
+    <p:tnLst>
+      <p:par>
+        <p:cTn id="1" dur="indefinite" restart="never" nodeType="tmRoot">
+          <p:childTnLst>
+            <p:seq concurrent="1" nextAc="seek">
+              <p:cTn id="2" dur="indefinite" nodeType="mainSeq">
+                <p:childTnLst>
+                  <p:par>
+                    <p:cTn id="3" fill="hold">
+                      <p:stCondLst>
+                        <p:cond delay="indefinite"/>
+                      </p:stCondLst>
+                      <p:childTnLst>
+                        <p:par>
+                          <p:cTn id="4" fill="hold">
+                            <p:stCondLst>
+                              <p:cond delay="0"/>
+                            </p:stCondLst>
+                            <p:childTnLst>
+                              <p:par>
+                                <p:cTn id="5" presetID="10" presetClass="entr" presetSubtype="0" fill="hold" nodeType="clickEffect">
+                                  <p:stCondLst>
+                                    <p:cond delay="0"/>
+                                  </p:stCondLst>
+                                  <p:childTnLst>
+                                    <p:set>
+                                      <p:cBhvr>
+                                        <p:cTn id="6" dur="1" fill="hold">
+                                          <p:stCondLst>
+                                            <p:cond delay="0"/>
+                                          </p:stCondLst>
+                                        </p:cTn>
+                                        <p:tgtEl>
+                                          <p:spTgt spid="4"/>
+                                        </p:tgtEl>
+                                        <p:attrNameLst>
+                                          <p:attrName>style.visibility</p:attrName>
+                                        </p:attrNameLst>
+                                      </p:cBhvr>
+                                      <p:to>
+                                        <p:strVal val="visible"/>
+                                      </p:to>
+                                    </p:set>
+                                    <p:animEffect transition="in" filter="fade">
+                                      <p:cBhvr>
+                                        <p:cTn id="7" dur="500"/>
+                                        <p:tgtEl>
+                                          <p:spTgt spid="4"/>
+                                        </p:tgtEl>
+                                      </p:cBhvr>
+                                    </p:animEffect>
+                                  </p:childTnLst>
+                                </p:cTn>
+                              </p:par>
+                              <p:par>
+                                <p:cTn id="8" presetID="10" presetClass="entr" presetSubtype="0" fill="hold" nodeType="withEffect">
+                                  <p:stCondLst>
+                                    <p:cond delay="0"/>
+                                  </p:stCondLst>
+                                  <p:childTnLst>
+                                    <p:set>
+                                      <p:cBhvr>
+                                        <p:cTn id="9" dur="1" fill="hold">
+                                          <p:stCondLst>
+                                            <p:cond delay="0"/>
+                                          </p:stCondLst>
+                                        </p:cTn>
+                                        <p:tgtEl>
+                                          <p:spTgt spid="11"/>
+                                        </p:tgtEl>
+                                        <p:attrNameLst>
+                                          <p:attrName>style.visibility</p:attrName>
+                                        </p:attrNameLst>
+                                      </p:cBhvr>
+                                      <p:to>
+                                        <p:strVal val="visible"/>
+                                      </p:to>
+                                    </p:set>
+                                    <p:animEffect transition="in" filter="fade">
+                                      <p:cBhvr>
+                                        <p:cTn id="10" dur="500"/>
+                                        <p:tgtEl>
+                                          <p:spTgt spid="11"/>
+                                        </p:tgtEl>
+                                      </p:cBhvr>
+                                    </p:animEffect>
+                                  </p:childTnLst>
+                                </p:cTn>
+                              </p:par>
+                            </p:childTnLst>
+                          </p:cTn>
+                        </p:par>
+                      </p:childTnLst>
+                    </p:cTn>
+                  </p:par>
+                  <p:par>
+                    <p:cTn id="11" fill="hold">
+                      <p:stCondLst>
+                        <p:cond delay="indefinite"/>
+                      </p:stCondLst>
+                      <p:childTnLst>
+                        <p:par>
+                          <p:cTn id="12" fill="hold">
+                            <p:stCondLst>
+                              <p:cond delay="0"/>
+                            </p:stCondLst>
+                            <p:childTnLst>
+                              <p:par>
+                                <p:cTn id="13" presetID="10" presetClass="entr" presetSubtype="0" fill="hold" nodeType="clickEffect">
+                                  <p:stCondLst>
+                                    <p:cond delay="0"/>
+                                  </p:stCondLst>
+                                  <p:childTnLst>
+                                    <p:set>
+                                      <p:cBhvr>
+                                        <p:cTn id="14" dur="1" fill="hold">
+                                          <p:stCondLst>
+                                            <p:cond delay="0"/>
+                                          </p:stCondLst>
+                                        </p:cTn>
+                                        <p:tgtEl>
+                                          <p:spTgt spid="5"/>
+                                        </p:tgtEl>
+                                        <p:attrNameLst>
+                                          <p:attrName>style.visibility</p:attrName>
+                                        </p:attrNameLst>
+                                      </p:cBhvr>
+                                      <p:to>
+                                        <p:strVal val="visible"/>
+                                      </p:to>
+                                    </p:set>
+                                    <p:animEffect transition="in" filter="fade">
+                                      <p:cBhvr>
+                                        <p:cTn id="15" dur="500"/>
+                                        <p:tgtEl>
+                                          <p:spTgt spid="5"/>
+                                        </p:tgtEl>
+                                      </p:cBhvr>
+                                    </p:animEffect>
+                                  </p:childTnLst>
+                                </p:cTn>
+                              </p:par>
+                              <p:par>
+                                <p:cTn id="16" presetID="10" presetClass="entr" presetSubtype="0" fill="hold" nodeType="withEffect">
+                                  <p:stCondLst>
+                                    <p:cond delay="0"/>
+                                  </p:stCondLst>
+                                  <p:childTnLst>
+                                    <p:set>
+                                      <p:cBhvr>
+                                        <p:cTn id="17" dur="1" fill="hold">
+                                          <p:stCondLst>
+                                            <p:cond delay="0"/>
+                                          </p:stCondLst>
+                                        </p:cTn>
+                                        <p:tgtEl>
+                                          <p:spTgt spid="8"/>
+                                        </p:tgtEl>
+                                        <p:attrNameLst>
+                                          <p:attrName>style.visibility</p:attrName>
+                                        </p:attrNameLst>
+                                      </p:cBhvr>
+                                      <p:to>
+                                        <p:strVal val="visible"/>
+                                      </p:to>
+                                    </p:set>
+                                    <p:animEffect transition="in" filter="fade">
+                                      <p:cBhvr>
+                                        <p:cTn id="18" dur="500"/>
+                                        <p:tgtEl>
+                                          <p:spTgt spid="8"/>
+                                        </p:tgtEl>
+                                      </p:cBhvr>
+                                    </p:animEffect>
+                                  </p:childTnLst>
+                                </p:cTn>
+                              </p:par>
+                            </p:childTnLst>
+                          </p:cTn>
+                        </p:par>
+                      </p:childTnLst>
+                    </p:cTn>
+                  </p:par>
+                </p:childTnLst>
+              </p:cTn>
+              <p:prevCondLst>
+                <p:cond evt="onPrev" delay="0">
+                  <p:tgtEl>
+                    <p:sldTgt/>
+                  </p:tgtEl>
+                </p:cond>
+              </p:prevCondLst>
+              <p:nextCondLst>
+                <p:cond evt="onNext" delay="0">
+                  <p:tgtEl>
+                    <p:sldTgt/>
+                  </p:tgtEl>
+                </p:cond>
+              </p:nextCondLst>
+            </p:seq>
+          </p:childTnLst>
+        </p:cTn>
+      </p:par>
+    </p:tnLst>
+  </p:timing>
+</p:sld>
+</file>
+
+<file path=ppt/slides/slide13.xml><?xml version="1.0" encoding="utf-8"?>
+<p:sld xmlns:a="http://schemas.openxmlformats.org/drawingml/2006/main" xmlns:r="http://schemas.openxmlformats.org/officeDocument/2006/relationships" xmlns:p="http://schemas.openxmlformats.org/presentationml/2006/main">
+  <p:cSld>
+    <p:spTree>
+      <p:nvGrpSpPr>
+        <p:cNvPr id="1" name=""/>
+        <p:cNvGrpSpPr/>
+        <p:nvPr/>
+      </p:nvGrpSpPr>
+      <p:grpSpPr>
+        <a:xfrm>
+          <a:off x="0" y="0"/>
+          <a:ext cx="0" cy="0"/>
+          <a:chOff x="0" y="0"/>
+          <a:chExt cx="0" cy="0"/>
+        </a:xfrm>
+      </p:grpSpPr>
+      <p:sp>
+        <p:nvSpPr>
+          <p:cNvPr id="2" name="Заголовок 1"/>
+          <p:cNvSpPr>
+            <a:spLocks noGrp="1"/>
+          </p:cNvSpPr>
+          <p:nvPr>
+            <p:ph type="title"/>
+          </p:nvPr>
+        </p:nvSpPr>
+        <p:spPr>
+          <a:xfrm>
+            <a:off x="3529391" y="2841172"/>
+            <a:ext cx="5146523" cy="1320800"/>
+          </a:xfrm>
+        </p:spPr>
+        <p:txBody>
+          <a:bodyPr/>
+          <a:lstStyle/>
+          <a:p>
+            <a:r>
+              <a:rPr lang="ru-RU" dirty="0" smtClean="0"/>
+              <a:t>Спасибо за внимание!</a:t>
+            </a:r>
+            <a:endParaRPr lang="ru-RU" dirty="0"/>
+          </a:p>
+        </p:txBody>
+      </p:sp>
+    </p:spTree>
+    <p:extLst>
+      <p:ext uri="{BB962C8B-B14F-4D97-AF65-F5344CB8AC3E}">
+        <p14:creationId xmlns:p14="http://schemas.microsoft.com/office/powerpoint/2010/main" val="2225065446"/>
       </p:ext>
     </p:extLst>
   </p:cSld>
@@ -8921,8 +16200,8 @@
           </p:sp>
         </mc:Fallback>
       </mc:AlternateContent>
-      <mc:AlternateContent xmlns:mc="http://schemas.openxmlformats.org/markup-compatibility/2006">
-        <mc:Choice xmlns:a14="http://schemas.microsoft.com/office/drawing/2010/main" Requires="a14">
+      <mc:AlternateContent xmlns:mc="http://schemas.openxmlformats.org/markup-compatibility/2006" xmlns:a14="http://schemas.microsoft.com/office/drawing/2010/main">
+        <mc:Choice Requires="a14">
           <p:sp>
             <p:nvSpPr>
               <p:cNvPr id="6" name="TextBox 5"/>
@@ -9450,7 +16729,7 @@
             </p:txBody>
           </p:sp>
         </mc:Choice>
-        <mc:Fallback>
+        <mc:Fallback xmlns="">
           <p:sp>
             <p:nvSpPr>
               <p:cNvPr id="6" name="TextBox 5"/>
@@ -22462,7 +29741,7 @@
           <p:nvPr>
             <p:extLst>
               <p:ext uri="{D42A27DB-BD31-4B8C-83A1-F6EECF244321}">
-                <p14:modId xmlns:p14="http://schemas.microsoft.com/office/powerpoint/2010/main" val="14166649"/>
+                <p14:modId xmlns:p14="http://schemas.microsoft.com/office/powerpoint/2010/main" val="346905892"/>
               </p:ext>
             </p:extLst>
           </p:nvPr>
@@ -22764,12 +30043,12 @@
                         </a:spcAft>
                       </a:pPr>
                       <a:r>
-                        <a:rPr lang="ru-RU" sz="1100">
+                        <a:rPr lang="ru-RU" sz="1100" dirty="0">
                           <a:effectLst/>
                         </a:rPr>
                         <a:t>3,04</a:t>
                       </a:r>
-                      <a:endParaRPr lang="ru-RU" sz="1100">
+                      <a:endParaRPr lang="ru-RU" sz="1100" dirty="0">
                         <a:effectLst/>
                         <a:latin typeface="Calibri" panose="020F0502020204030204" pitchFamily="34" charset="0"/>
                         <a:ea typeface="Calibri" panose="020F0502020204030204" pitchFamily="34" charset="0"/>
@@ -22793,12 +30072,12 @@
                         </a:spcAft>
                       </a:pPr>
                       <a:r>
-                        <a:rPr lang="ru-RU" sz="1100">
+                        <a:rPr lang="ru-RU" sz="1100" dirty="0">
                           <a:effectLst/>
                         </a:rPr>
                         <a:t>7,42</a:t>
                       </a:r>
-                      <a:endParaRPr lang="ru-RU" sz="1100">
+                      <a:endParaRPr lang="ru-RU" sz="1100" dirty="0">
                         <a:effectLst/>
                         <a:latin typeface="Calibri" panose="020F0502020204030204" pitchFamily="34" charset="0"/>
                         <a:ea typeface="Calibri" panose="020F0502020204030204" pitchFamily="34" charset="0"/>
@@ -22911,10 +30190,68 @@
                         </a:spcAft>
                       </a:pPr>
                       <a:r>
+                        <a:rPr lang="ru-RU" sz="1100" dirty="0">
+                          <a:effectLst/>
+                        </a:rPr>
+                        <a:t>СКО</a:t>
+                      </a:r>
+                      <a:endParaRPr lang="ru-RU" sz="1100" dirty="0">
+                        <a:effectLst/>
+                        <a:latin typeface="Calibri" panose="020F0502020204030204" pitchFamily="34" charset="0"/>
+                        <a:ea typeface="Calibri" panose="020F0502020204030204" pitchFamily="34" charset="0"/>
+                        <a:cs typeface="Times New Roman" panose="02020603050405020304" pitchFamily="18" charset="0"/>
+                      </a:endParaRPr>
+                    </a:p>
+                  </a:txBody>
+                  <a:tcPr marL="68580" marR="68580" marT="0" marB="0" anchor="ctr"/>
+                </a:tc>
+                <a:tc>
+                  <a:txBody>
+                    <a:bodyPr/>
+                    <a:lstStyle/>
+                    <a:p>
+                      <a:pPr algn="ctr">
+                        <a:lnSpc>
+                          <a:spcPct val="107000"/>
+                        </a:lnSpc>
+                        <a:spcAft>
+                          <a:spcPts val="0"/>
+                        </a:spcAft>
+                      </a:pPr>
+                      <a:r>
+                        <a:rPr lang="ru-RU" sz="1100" dirty="0">
+                          <a:effectLst/>
+                        </a:rPr>
+                        <a:t>2,89</a:t>
+                      </a:r>
+                      <a:endParaRPr lang="ru-RU" sz="1100" dirty="0">
+                        <a:effectLst/>
+                        <a:latin typeface="Calibri" panose="020F0502020204030204" pitchFamily="34" charset="0"/>
+                        <a:ea typeface="Calibri" panose="020F0502020204030204" pitchFamily="34" charset="0"/>
+                        <a:cs typeface="Times New Roman" panose="02020603050405020304" pitchFamily="18" charset="0"/>
+                      </a:endParaRPr>
+                    </a:p>
+                  </a:txBody>
+                  <a:tcPr marL="68580" marR="68580" marT="0" marB="0" anchor="ctr"/>
+                </a:tc>
+                <a:tc>
+                  <a:txBody>
+                    <a:bodyPr/>
+                    <a:lstStyle/>
+                    <a:p>
+                      <a:pPr algn="ctr">
+                        <a:lnSpc>
+                          <a:spcPct val="107000"/>
+                        </a:lnSpc>
+                        <a:spcAft>
+                          <a:spcPts val="0"/>
+                        </a:spcAft>
+                      </a:pPr>
+                      <a:r>
                         <a:rPr lang="ru-RU" sz="1100">
                           <a:effectLst/>
                         </a:rPr>
-                        <a:t>СКО</a:t>
+                        <a:t>4,18</a:t>
                       </a:r>
                       <a:endParaRPr lang="ru-RU" sz="1100">
                         <a:effectLst/>
@@ -22943,7 +30280,7 @@
                         <a:rPr lang="ru-RU" sz="1100" dirty="0">
                           <a:effectLst/>
                         </a:rPr>
-                        <a:t>2,89</a:t>
+                        <a:t>5,28</a:t>
                       </a:r>
                       <a:endParaRPr lang="ru-RU" sz="1100" dirty="0">
                         <a:effectLst/>
@@ -22969,70 +30306,12 @@
                         </a:spcAft>
                       </a:pPr>
                       <a:r>
-                        <a:rPr lang="ru-RU" sz="1100">
-                          <a:effectLst/>
-                        </a:rPr>
-                        <a:t>4,18</a:t>
-                      </a:r>
-                      <a:endParaRPr lang="ru-RU" sz="1100">
-                        <a:effectLst/>
-                        <a:latin typeface="Calibri" panose="020F0502020204030204" pitchFamily="34" charset="0"/>
-                        <a:ea typeface="Calibri" panose="020F0502020204030204" pitchFamily="34" charset="0"/>
-                        <a:cs typeface="Times New Roman" panose="02020603050405020304" pitchFamily="18" charset="0"/>
-                      </a:endParaRPr>
-                    </a:p>
-                  </a:txBody>
-                  <a:tcPr marL="68580" marR="68580" marT="0" marB="0" anchor="ctr"/>
-                </a:tc>
-                <a:tc>
-                  <a:txBody>
-                    <a:bodyPr/>
-                    <a:lstStyle/>
-                    <a:p>
-                      <a:pPr algn="ctr">
-                        <a:lnSpc>
-                          <a:spcPct val="107000"/>
-                        </a:lnSpc>
-                        <a:spcAft>
-                          <a:spcPts val="0"/>
-                        </a:spcAft>
-                      </a:pPr>
-                      <a:r>
-                        <a:rPr lang="ru-RU" sz="1100">
-                          <a:effectLst/>
-                        </a:rPr>
-                        <a:t>5,28</a:t>
-                      </a:r>
-                      <a:endParaRPr lang="ru-RU" sz="1100">
-                        <a:effectLst/>
-                        <a:latin typeface="Calibri" panose="020F0502020204030204" pitchFamily="34" charset="0"/>
-                        <a:ea typeface="Calibri" panose="020F0502020204030204" pitchFamily="34" charset="0"/>
-                        <a:cs typeface="Times New Roman" panose="02020603050405020304" pitchFamily="18" charset="0"/>
-                      </a:endParaRPr>
-                    </a:p>
-                  </a:txBody>
-                  <a:tcPr marL="68580" marR="68580" marT="0" marB="0" anchor="ctr"/>
-                </a:tc>
-                <a:tc>
-                  <a:txBody>
-                    <a:bodyPr/>
-                    <a:lstStyle/>
-                    <a:p>
-                      <a:pPr algn="ctr">
-                        <a:lnSpc>
-                          <a:spcPct val="107000"/>
-                        </a:lnSpc>
-                        <a:spcAft>
-                          <a:spcPts val="0"/>
-                        </a:spcAft>
-                      </a:pPr>
-                      <a:r>
-                        <a:rPr lang="ru-RU" sz="1100">
+                        <a:rPr lang="ru-RU" sz="1100" dirty="0">
                           <a:effectLst/>
                         </a:rPr>
                         <a:t>4643,93</a:t>
                       </a:r>
-                      <a:endParaRPr lang="ru-RU" sz="1100">
+                      <a:endParaRPr lang="ru-RU" sz="1100" dirty="0">
                         <a:effectLst/>
                         <a:latin typeface="Calibri" panose="020F0502020204030204" pitchFamily="34" charset="0"/>
                         <a:ea typeface="Calibri" panose="020F0502020204030204" pitchFamily="34" charset="0"/>
@@ -23174,6 +30453,35 @@
                         </a:spcAft>
                       </a:pPr>
                       <a:r>
+                        <a:rPr lang="ru-RU" sz="1100" dirty="0">
+                          <a:effectLst/>
+                        </a:rPr>
+                        <a:t>0,00</a:t>
+                      </a:r>
+                      <a:endParaRPr lang="ru-RU" sz="1100" dirty="0">
+                        <a:effectLst/>
+                        <a:latin typeface="Calibri" panose="020F0502020204030204" pitchFamily="34" charset="0"/>
+                        <a:ea typeface="Calibri" panose="020F0502020204030204" pitchFamily="34" charset="0"/>
+                        <a:cs typeface="Times New Roman" panose="02020603050405020304" pitchFamily="18" charset="0"/>
+                      </a:endParaRPr>
+                    </a:p>
+                  </a:txBody>
+                  <a:tcPr marL="68580" marR="68580" marT="0" marB="0" anchor="ctr"/>
+                </a:tc>
+                <a:tc>
+                  <a:txBody>
+                    <a:bodyPr/>
+                    <a:lstStyle/>
+                    <a:p>
+                      <a:pPr algn="ctr">
+                        <a:lnSpc>
+                          <a:spcPct val="107000"/>
+                        </a:lnSpc>
+                        <a:spcAft>
+                          <a:spcPts val="0"/>
+                        </a:spcAft>
+                      </a:pPr>
+                      <a:r>
                         <a:rPr lang="ru-RU" sz="1100">
                           <a:effectLst/>
                         </a:rPr>
@@ -23203,12 +30511,12 @@
                         </a:spcAft>
                       </a:pPr>
                       <a:r>
-                        <a:rPr lang="ru-RU" sz="1100">
+                        <a:rPr lang="ru-RU" sz="1100" dirty="0">
                           <a:effectLst/>
                         </a:rPr>
                         <a:t>0,00</a:t>
                       </a:r>
-                      <a:endParaRPr lang="ru-RU" sz="1100">
+                      <a:endParaRPr lang="ru-RU" sz="1100" dirty="0">
                         <a:effectLst/>
                         <a:latin typeface="Calibri" panose="020F0502020204030204" pitchFamily="34" charset="0"/>
                         <a:ea typeface="Calibri" panose="020F0502020204030204" pitchFamily="34" charset="0"/>
@@ -23232,41 +30540,12 @@
                         </a:spcAft>
                       </a:pPr>
                       <a:r>
-                        <a:rPr lang="ru-RU" sz="1100">
+                        <a:rPr lang="ru-RU" sz="1100" dirty="0">
                           <a:effectLst/>
                         </a:rPr>
                         <a:t>0,00</a:t>
                       </a:r>
-                      <a:endParaRPr lang="ru-RU" sz="1100">
-                        <a:effectLst/>
-                        <a:latin typeface="Calibri" panose="020F0502020204030204" pitchFamily="34" charset="0"/>
-                        <a:ea typeface="Calibri" panose="020F0502020204030204" pitchFamily="34" charset="0"/>
-                        <a:cs typeface="Times New Roman" panose="02020603050405020304" pitchFamily="18" charset="0"/>
-                      </a:endParaRPr>
-                    </a:p>
-                  </a:txBody>
-                  <a:tcPr marL="68580" marR="68580" marT="0" marB="0" anchor="ctr"/>
-                </a:tc>
-                <a:tc>
-                  <a:txBody>
-                    <a:bodyPr/>
-                    <a:lstStyle/>
-                    <a:p>
-                      <a:pPr algn="ctr">
-                        <a:lnSpc>
-                          <a:spcPct val="107000"/>
-                        </a:lnSpc>
-                        <a:spcAft>
-                          <a:spcPts val="0"/>
-                        </a:spcAft>
-                      </a:pPr>
-                      <a:r>
-                        <a:rPr lang="ru-RU" sz="1100">
-                          <a:effectLst/>
-                        </a:rPr>
-                        <a:t>0,00</a:t>
-                      </a:r>
-                      <a:endParaRPr lang="ru-RU" sz="1100">
+                      <a:endParaRPr lang="ru-RU" sz="1100" dirty="0">
                         <a:effectLst/>
                         <a:latin typeface="Calibri" panose="020F0502020204030204" pitchFamily="34" charset="0"/>
                         <a:ea typeface="Calibri" panose="020F0502020204030204" pitchFamily="34" charset="0"/>
@@ -23466,12 +30745,12 @@
                         </a:spcAft>
                       </a:pPr>
                       <a:r>
-                        <a:rPr lang="ru-RU" sz="1100">
+                        <a:rPr lang="ru-RU" sz="1100" dirty="0">
                           <a:effectLst/>
                         </a:rPr>
                         <a:t>570,80</a:t>
                       </a:r>
-                      <a:endParaRPr lang="ru-RU" sz="1100">
+                      <a:endParaRPr lang="ru-RU" sz="1100" dirty="0">
                         <a:effectLst/>
                         <a:latin typeface="Calibri" panose="020F0502020204030204" pitchFamily="34" charset="0"/>
                         <a:ea typeface="Calibri" panose="020F0502020204030204" pitchFamily="34" charset="0"/>
@@ -23495,12 +30774,12 @@
                         </a:spcAft>
                       </a:pPr>
                       <a:r>
-                        <a:rPr lang="ru-RU" sz="1100">
+                        <a:rPr lang="ru-RU" sz="1100" dirty="0">
                           <a:effectLst/>
                         </a:rPr>
                         <a:t>1,12</a:t>
                       </a:r>
-                      <a:endParaRPr lang="ru-RU" sz="1100">
+                      <a:endParaRPr lang="ru-RU" sz="1100" dirty="0">
                         <a:effectLst/>
                         <a:latin typeface="Calibri" panose="020F0502020204030204" pitchFamily="34" charset="0"/>
                         <a:ea typeface="Calibri" panose="020F0502020204030204" pitchFamily="34" charset="0"/>
@@ -23671,12 +30950,12 @@
                         </a:spcAft>
                       </a:pPr>
                       <a:r>
-                        <a:rPr lang="ru-RU" sz="1100">
+                        <a:rPr lang="ru-RU" sz="1100" dirty="0">
                           <a:effectLst/>
                         </a:rPr>
                         <a:t>1118,88</a:t>
                       </a:r>
-                      <a:endParaRPr lang="ru-RU" sz="1100">
+                      <a:endParaRPr lang="ru-RU" sz="1100" dirty="0">
                         <a:effectLst/>
                         <a:latin typeface="Calibri" panose="020F0502020204030204" pitchFamily="34" charset="0"/>
                         <a:ea typeface="Calibri" panose="020F0502020204030204" pitchFamily="34" charset="0"/>
@@ -23700,12 +30979,12 @@
                         </a:spcAft>
                       </a:pPr>
                       <a:r>
-                        <a:rPr lang="ru-RU" sz="1100">
+                        <a:rPr lang="ru-RU" sz="1100" dirty="0">
                           <a:effectLst/>
                         </a:rPr>
                         <a:t>1,76</a:t>
                       </a:r>
-                      <a:endParaRPr lang="ru-RU" sz="1100">
+                      <a:endParaRPr lang="ru-RU" sz="1100" dirty="0">
                         <a:effectLst/>
                         <a:latin typeface="Calibri" panose="020F0502020204030204" pitchFamily="34" charset="0"/>
                         <a:ea typeface="Calibri" panose="020F0502020204030204" pitchFamily="34" charset="0"/>
@@ -24214,6 +31493,208 @@
           </a:graphicData>
         </a:graphic>
       </p:graphicFrame>
+      <mc:AlternateContent xmlns:mc="http://schemas.openxmlformats.org/markup-compatibility/2006">
+        <mc:Choice xmlns:a14="http://schemas.microsoft.com/office/drawing/2010/main" Requires="a14">
+          <p:sp>
+            <p:nvSpPr>
+              <p:cNvPr id="3" name="Прямоугольник 2"/>
+              <p:cNvSpPr/>
+              <p:nvPr/>
+            </p:nvSpPr>
+            <p:spPr>
+              <a:xfrm>
+                <a:off x="2327063" y="5589918"/>
+                <a:ext cx="5351933" cy="322845"/>
+              </a:xfrm>
+              <a:prstGeom prst="rect">
+                <a:avLst/>
+              </a:prstGeom>
+            </p:spPr>
+            <p:txBody>
+              <a:bodyPr wrap="square">
+                <a:spAutoFit/>
+              </a:bodyPr>
+              <a:lstStyle/>
+              <a:p>
+                <a:pPr>
+                  <a:lnSpc>
+                    <a:spcPct val="107000"/>
+                  </a:lnSpc>
+                  <a:spcAft>
+                    <a:spcPts val="0"/>
+                  </a:spcAft>
+                </a:pPr>
+                <a:r>
+                  <a:rPr lang="ru-RU" sz="1400" dirty="0">
+                    <a:latin typeface="Times New Roman" panose="02020603050405020304" pitchFamily="18" charset="0"/>
+                    <a:ea typeface="Times New Roman" panose="02020603050405020304" pitchFamily="18" charset="0"/>
+                    <a:cs typeface="Times New Roman" panose="02020603050405020304" pitchFamily="18" charset="0"/>
+                  </a:rPr>
+                  <a:t>Где </a:t>
+                </a:r>
+                <a14:m>
+                  <m:oMath xmlns:m="http://schemas.openxmlformats.org/officeDocument/2006/math">
+                    <m:sSub>
+                      <m:sSubPr>
+                        <m:ctrlPr>
+                          <a:rPr lang="ru-RU" sz="1400" i="1">
+                            <a:effectLst/>
+                            <a:latin typeface="Cambria Math" panose="02040503050406030204" pitchFamily="18" charset="0"/>
+                            <a:ea typeface="Calibri" panose="020F0502020204030204" pitchFamily="34" charset="0"/>
+                            <a:cs typeface="Times New Roman" panose="02020603050405020304" pitchFamily="18" charset="0"/>
+                          </a:rPr>
+                        </m:ctrlPr>
+                      </m:sSubPr>
+                      <m:e>
+                        <m:r>
+                          <a:rPr lang="ru-RU" sz="1400" i="1">
+                            <a:effectLst/>
+                            <a:latin typeface="Cambria Math" panose="02040503050406030204" pitchFamily="18" charset="0"/>
+                            <a:ea typeface="Calibri" panose="020F0502020204030204" pitchFamily="34" charset="0"/>
+                            <a:cs typeface="Times New Roman" panose="02020603050405020304" pitchFamily="18" charset="0"/>
+                          </a:rPr>
+                          <m:t>𝑥</m:t>
+                        </m:r>
+                      </m:e>
+                      <m:sub>
+                        <m:r>
+                          <a:rPr lang="en-US" sz="1400" i="1">
+                            <a:effectLst/>
+                            <a:latin typeface="Cambria Math" panose="02040503050406030204" pitchFamily="18" charset="0"/>
+                            <a:ea typeface="Calibri" panose="020F0502020204030204" pitchFamily="34" charset="0"/>
+                            <a:cs typeface="Times New Roman" panose="02020603050405020304" pitchFamily="18" charset="0"/>
+                          </a:rPr>
+                          <m:t>𝑘</m:t>
+                        </m:r>
+                      </m:sub>
+                    </m:sSub>
+                  </m:oMath>
+                </a14:m>
+                <a:r>
+                  <a:rPr lang="ru-RU" sz="1400" dirty="0">
+                    <a:effectLst/>
+                    <a:latin typeface="Times New Roman" panose="02020603050405020304" pitchFamily="18" charset="0"/>
+                    <a:ea typeface="Times New Roman" panose="02020603050405020304" pitchFamily="18" charset="0"/>
+                    <a:cs typeface="Times New Roman" panose="02020603050405020304" pitchFamily="18" charset="0"/>
+                  </a:rPr>
+                  <a:t> – </a:t>
+                </a:r>
+                <a:r>
+                  <a:rPr lang="en-US" sz="1400" i="1" dirty="0">
+                    <a:effectLst/>
+                    <a:latin typeface="Times New Roman" panose="02020603050405020304" pitchFamily="18" charset="0"/>
+                    <a:ea typeface="Times New Roman" panose="02020603050405020304" pitchFamily="18" charset="0"/>
+                    <a:cs typeface="Times New Roman" panose="02020603050405020304" pitchFamily="18" charset="0"/>
+                  </a:rPr>
+                  <a:t>k</a:t>
+                </a:r>
+                <a:r>
+                  <a:rPr lang="ru-RU" sz="1400" dirty="0">
+                    <a:effectLst/>
+                    <a:latin typeface="Times New Roman" panose="02020603050405020304" pitchFamily="18" charset="0"/>
+                    <a:ea typeface="Times New Roman" panose="02020603050405020304" pitchFamily="18" charset="0"/>
+                    <a:cs typeface="Times New Roman" panose="02020603050405020304" pitchFamily="18" charset="0"/>
+                  </a:rPr>
+                  <a:t>-я </a:t>
+                </a:r>
+                <a:r>
+                  <a:rPr lang="ru-RU" sz="1400" dirty="0" err="1">
+                    <a:effectLst/>
+                    <a:latin typeface="Times New Roman" panose="02020603050405020304" pitchFamily="18" charset="0"/>
+                    <a:ea typeface="Times New Roman" panose="02020603050405020304" pitchFamily="18" charset="0"/>
+                    <a:cs typeface="Times New Roman" panose="02020603050405020304" pitchFamily="18" charset="0"/>
+                  </a:rPr>
+                  <a:t>персентиль</a:t>
+                </a:r>
+                <a:r>
+                  <a:rPr lang="ru-RU" sz="1400" dirty="0">
+                    <a:effectLst/>
+                    <a:latin typeface="Times New Roman" panose="02020603050405020304" pitchFamily="18" charset="0"/>
+                    <a:ea typeface="Times New Roman" panose="02020603050405020304" pitchFamily="18" charset="0"/>
+                    <a:cs typeface="Times New Roman" panose="02020603050405020304" pitchFamily="18" charset="0"/>
+                  </a:rPr>
+                  <a:t> рассматриваемого показателя </a:t>
+                </a:r>
+                <a14:m>
+                  <m:oMath xmlns:m="http://schemas.openxmlformats.org/officeDocument/2006/math">
+                    <m:r>
+                      <a:rPr lang="ru-RU" sz="1400" i="1">
+                        <a:effectLst/>
+                        <a:latin typeface="Cambria Math" panose="02040503050406030204" pitchFamily="18" charset="0"/>
+                        <a:ea typeface="Times New Roman" panose="02020603050405020304" pitchFamily="18" charset="0"/>
+                        <a:cs typeface="Times New Roman" panose="02020603050405020304" pitchFamily="18" charset="0"/>
+                      </a:rPr>
+                      <m:t>𝑘</m:t>
+                    </m:r>
+                    <m:r>
+                      <a:rPr lang="ru-RU" sz="1400" i="1">
+                        <a:effectLst/>
+                        <a:latin typeface="Cambria Math" panose="02040503050406030204" pitchFamily="18" charset="0"/>
+                        <a:ea typeface="Times New Roman" panose="02020603050405020304" pitchFamily="18" charset="0"/>
+                        <a:cs typeface="Times New Roman" panose="02020603050405020304" pitchFamily="18" charset="0"/>
+                      </a:rPr>
+                      <m:t>∈[0,100]</m:t>
+                    </m:r>
+                  </m:oMath>
+                </a14:m>
+                <a:r>
+                  <a:rPr lang="ru-RU" sz="1400" dirty="0">
+                    <a:effectLst/>
+                    <a:latin typeface="Times New Roman" panose="02020603050405020304" pitchFamily="18" charset="0"/>
+                    <a:ea typeface="Times New Roman" panose="02020603050405020304" pitchFamily="18" charset="0"/>
+                    <a:cs typeface="Times New Roman" panose="02020603050405020304" pitchFamily="18" charset="0"/>
+                  </a:rPr>
+                  <a:t>.</a:t>
+                </a:r>
+                <a:endParaRPr lang="ru-RU" sz="1400" dirty="0">
+                  <a:effectLst/>
+                  <a:latin typeface="Calibri" panose="020F0502020204030204" pitchFamily="34" charset="0"/>
+                  <a:ea typeface="Calibri" panose="020F0502020204030204" pitchFamily="34" charset="0"/>
+                  <a:cs typeface="Times New Roman" panose="02020603050405020304" pitchFamily="18" charset="0"/>
+                </a:endParaRPr>
+              </a:p>
+            </p:txBody>
+          </p:sp>
+        </mc:Choice>
+        <mc:Fallback>
+          <p:sp>
+            <p:nvSpPr>
+              <p:cNvPr id="3" name="Прямоугольник 2"/>
+              <p:cNvSpPr>
+                <a:spLocks noRot="1" noChangeAspect="1" noMove="1" noResize="1" noEditPoints="1" noAdjustHandles="1" noChangeArrowheads="1" noChangeShapeType="1" noTextEdit="1"/>
+              </p:cNvSpPr>
+              <p:nvPr/>
+            </p:nvSpPr>
+            <p:spPr>
+              <a:xfrm>
+                <a:off x="2327063" y="5589918"/>
+                <a:ext cx="5351933" cy="322845"/>
+              </a:xfrm>
+              <a:prstGeom prst="rect">
+                <a:avLst/>
+              </a:prstGeom>
+              <a:blipFill rotWithShape="0">
+                <a:blip r:embed="rId4"/>
+                <a:stretch>
+                  <a:fillRect l="-342" t="-3774" b="-13208"/>
+                </a:stretch>
+              </a:blipFill>
+            </p:spPr>
+            <p:txBody>
+              <a:bodyPr/>
+              <a:lstStyle/>
+              <a:p>
+                <a:r>
+                  <a:rPr lang="ru-RU">
+                    <a:noFill/>
+                  </a:rPr>
+                  <a:t> </a:t>
+                </a:r>
+              </a:p>
+            </p:txBody>
+          </p:sp>
+        </mc:Fallback>
+      </mc:AlternateContent>
     </p:spTree>
     <p:extLst>
       <p:ext uri="{BB962C8B-B14F-4D97-AF65-F5344CB8AC3E}">
@@ -25544,6 +33025,666 @@
           </p:graphicFrame>
         </mc:Fallback>
       </mc:AlternateContent>
+      <p:graphicFrame>
+        <p:nvGraphicFramePr>
+          <p:cNvPr id="3" name="Таблица 2"/>
+          <p:cNvGraphicFramePr>
+            <a:graphicFrameLocks noGrp="1"/>
+          </p:cNvGraphicFramePr>
+          <p:nvPr>
+            <p:extLst>
+              <p:ext uri="{D42A27DB-BD31-4B8C-83A1-F6EECF244321}">
+                <p14:modId xmlns:p14="http://schemas.microsoft.com/office/powerpoint/2010/main" val="213744977"/>
+              </p:ext>
+            </p:extLst>
+          </p:nvPr>
+        </p:nvGraphicFramePr>
+        <p:xfrm>
+          <a:off x="1404257" y="5344885"/>
+          <a:ext cx="6085114" cy="1168899"/>
+        </p:xfrm>
+        <a:graphic>
+          <a:graphicData uri="http://schemas.openxmlformats.org/drawingml/2006/table">
+            <a:tbl>
+              <a:tblPr>
+                <a:tableStyleId>{5C22544A-7EE6-4342-B048-85BDC9FD1C3A}</a:tableStyleId>
+              </a:tblPr>
+              <a:tblGrid>
+                <a:gridCol w="869302"/>
+                <a:gridCol w="869302"/>
+                <a:gridCol w="869302"/>
+                <a:gridCol w="869302"/>
+                <a:gridCol w="869302"/>
+                <a:gridCol w="869302"/>
+                <a:gridCol w="869302"/>
+              </a:tblGrid>
+              <a:tr h="268046">
+                <a:tc rowSpan="2">
+                  <a:txBody>
+                    <a:bodyPr/>
+                    <a:lstStyle/>
+                    <a:p>
+                      <a:pPr algn="ctr" fontAlgn="t"/>
+                      <a:r>
+                        <a:rPr lang="ru-RU" sz="1100" u="none" strike="noStrike" dirty="0">
+                          <a:effectLst/>
+                        </a:rPr>
+                        <a:t> </a:t>
+                      </a:r>
+                      <a:endParaRPr lang="ru-RU" sz="1100" b="1" i="0" u="none" strike="noStrike" dirty="0">
+                        <a:solidFill>
+                          <a:srgbClr val="000000"/>
+                        </a:solidFill>
+                        <a:effectLst/>
+                        <a:latin typeface="Calibri" panose="020F0502020204030204" pitchFamily="34" charset="0"/>
+                      </a:endParaRPr>
+                    </a:p>
+                    <a:p>
+                      <a:pPr algn="ctr" fontAlgn="t"/>
+                      <a:r>
+                        <a:rPr lang="ru-RU" sz="1100" u="none" strike="noStrike" dirty="0">
+                          <a:effectLst/>
+                        </a:rPr>
+                        <a:t> </a:t>
+                      </a:r>
+                      <a:endParaRPr lang="ru-RU" sz="1100" b="1" i="0" u="none" strike="noStrike" dirty="0">
+                        <a:solidFill>
+                          <a:srgbClr val="000000"/>
+                        </a:solidFill>
+                        <a:effectLst/>
+                        <a:latin typeface="Calibri" panose="020F0502020204030204" pitchFamily="34" charset="0"/>
+                      </a:endParaRPr>
+                    </a:p>
+                  </a:txBody>
+                  <a:tcPr marL="9525" marR="9525" marT="9525" marB="0"/>
+                </a:tc>
+                <a:tc gridSpan="2">
+                  <a:txBody>
+                    <a:bodyPr/>
+                    <a:lstStyle/>
+                    <a:p>
+                      <a:pPr algn="ctr" fontAlgn="t"/>
+                      <a:r>
+                        <a:rPr lang="ru-RU" sz="1100" u="none" strike="noStrike" dirty="0">
+                          <a:effectLst/>
+                        </a:rPr>
+                        <a:t>Полные данные</a:t>
+                      </a:r>
+                      <a:endParaRPr lang="ru-RU" sz="1100" b="1" i="0" u="none" strike="noStrike" dirty="0">
+                        <a:solidFill>
+                          <a:srgbClr val="000000"/>
+                        </a:solidFill>
+                        <a:effectLst/>
+                        <a:latin typeface="Calibri" panose="020F0502020204030204" pitchFamily="34" charset="0"/>
+                      </a:endParaRPr>
+                    </a:p>
+                  </a:txBody>
+                  <a:tcPr marL="9525" marR="9525" marT="9525" marB="0" anchor="ctr"/>
+                </a:tc>
+                <a:tc hMerge="1">
+                  <a:txBody>
+                    <a:bodyPr/>
+                    <a:lstStyle/>
+                    <a:p>
+                      <a:endParaRPr lang="ru-RU"/>
+                    </a:p>
+                  </a:txBody>
+                  <a:tcPr/>
+                </a:tc>
+                <a:tc gridSpan="2">
+                  <a:txBody>
+                    <a:bodyPr/>
+                    <a:lstStyle/>
+                    <a:p>
+                      <a:pPr algn="ctr" fontAlgn="t"/>
+                      <a:r>
+                        <a:rPr lang="ru-RU" sz="1100" u="none" strike="noStrike">
+                          <a:effectLst/>
+                        </a:rPr>
+                        <a:t>Тренировочные данные</a:t>
+                      </a:r>
+                      <a:endParaRPr lang="ru-RU" sz="1100" b="1" i="0" u="none" strike="noStrike">
+                        <a:solidFill>
+                          <a:srgbClr val="000000"/>
+                        </a:solidFill>
+                        <a:effectLst/>
+                        <a:latin typeface="Calibri" panose="020F0502020204030204" pitchFamily="34" charset="0"/>
+                      </a:endParaRPr>
+                    </a:p>
+                  </a:txBody>
+                  <a:tcPr marL="9525" marR="9525" marT="9525" marB="0" anchor="ctr"/>
+                </a:tc>
+                <a:tc hMerge="1">
+                  <a:txBody>
+                    <a:bodyPr/>
+                    <a:lstStyle/>
+                    <a:p>
+                      <a:endParaRPr lang="ru-RU"/>
+                    </a:p>
+                  </a:txBody>
+                  <a:tcPr/>
+                </a:tc>
+                <a:tc gridSpan="2">
+                  <a:txBody>
+                    <a:bodyPr/>
+                    <a:lstStyle/>
+                    <a:p>
+                      <a:pPr algn="ctr" fontAlgn="t"/>
+                      <a:r>
+                        <a:rPr lang="ru-RU" sz="1100" u="none" strike="noStrike" dirty="0">
+                          <a:effectLst/>
+                        </a:rPr>
+                        <a:t>Тестовые данные</a:t>
+                      </a:r>
+                      <a:endParaRPr lang="ru-RU" sz="1100" b="1" i="0" u="none" strike="noStrike" dirty="0">
+                        <a:solidFill>
+                          <a:srgbClr val="000000"/>
+                        </a:solidFill>
+                        <a:effectLst/>
+                        <a:latin typeface="Calibri" panose="020F0502020204030204" pitchFamily="34" charset="0"/>
+                      </a:endParaRPr>
+                    </a:p>
+                  </a:txBody>
+                  <a:tcPr marL="9525" marR="9525" marT="9525" marB="0" anchor="ctr"/>
+                </a:tc>
+                <a:tc hMerge="1">
+                  <a:txBody>
+                    <a:bodyPr/>
+                    <a:lstStyle/>
+                    <a:p>
+                      <a:endParaRPr lang="ru-RU"/>
+                    </a:p>
+                  </a:txBody>
+                  <a:tcPr/>
+                </a:tc>
+              </a:tr>
+              <a:tr h="355131">
+                <a:tc vMerge="1">
+                  <a:txBody>
+                    <a:bodyPr/>
+                    <a:lstStyle/>
+                    <a:p>
+                      <a:pPr algn="ctr" fontAlgn="t"/>
+                      <a:endParaRPr lang="ru-RU" sz="1100" b="1" i="0" u="none" strike="noStrike" dirty="0">
+                        <a:solidFill>
+                          <a:srgbClr val="000000"/>
+                        </a:solidFill>
+                        <a:effectLst/>
+                        <a:latin typeface="Calibri" panose="020F0502020204030204" pitchFamily="34" charset="0"/>
+                      </a:endParaRPr>
+                    </a:p>
+                  </a:txBody>
+                  <a:tcPr marL="9525" marR="9525" marT="9525" marB="0"/>
+                </a:tc>
+                <a:tc>
+                  <a:txBody>
+                    <a:bodyPr/>
+                    <a:lstStyle/>
+                    <a:p>
+                      <a:pPr algn="ctr" fontAlgn="t"/>
+                      <a:r>
+                        <a:rPr lang="ru-RU" sz="1100" u="none" strike="noStrike" dirty="0">
+                          <a:effectLst/>
+                        </a:rPr>
+                        <a:t>Количество</a:t>
+                      </a:r>
+                      <a:endParaRPr lang="ru-RU" sz="1100" b="1" i="0" u="none" strike="noStrike" dirty="0">
+                        <a:solidFill>
+                          <a:srgbClr val="000000"/>
+                        </a:solidFill>
+                        <a:effectLst/>
+                        <a:latin typeface="Calibri" panose="020F0502020204030204" pitchFamily="34" charset="0"/>
+                      </a:endParaRPr>
+                    </a:p>
+                  </a:txBody>
+                  <a:tcPr marL="9525" marR="9525" marT="9525" marB="0" anchor="ctr"/>
+                </a:tc>
+                <a:tc>
+                  <a:txBody>
+                    <a:bodyPr/>
+                    <a:lstStyle/>
+                    <a:p>
+                      <a:pPr algn="ctr" fontAlgn="t"/>
+                      <a:r>
+                        <a:rPr lang="ru-RU" sz="1100" u="none" strike="noStrike" dirty="0">
+                          <a:effectLst/>
+                        </a:rPr>
+                        <a:t>Доля%</a:t>
+                      </a:r>
+                      <a:endParaRPr lang="ru-RU" sz="1100" b="1" i="0" u="none" strike="noStrike" dirty="0">
+                        <a:solidFill>
+                          <a:srgbClr val="000000"/>
+                        </a:solidFill>
+                        <a:effectLst/>
+                        <a:latin typeface="Calibri" panose="020F0502020204030204" pitchFamily="34" charset="0"/>
+                      </a:endParaRPr>
+                    </a:p>
+                  </a:txBody>
+                  <a:tcPr marL="9525" marR="9525" marT="9525" marB="0" anchor="ctr"/>
+                </a:tc>
+                <a:tc>
+                  <a:txBody>
+                    <a:bodyPr/>
+                    <a:lstStyle/>
+                    <a:p>
+                      <a:pPr algn="ctr" fontAlgn="t"/>
+                      <a:r>
+                        <a:rPr lang="ru-RU" sz="1100" u="none" strike="noStrike" dirty="0">
+                          <a:effectLst/>
+                        </a:rPr>
+                        <a:t>Количество</a:t>
+                      </a:r>
+                      <a:endParaRPr lang="ru-RU" sz="1100" b="1" i="0" u="none" strike="noStrike" dirty="0">
+                        <a:solidFill>
+                          <a:srgbClr val="000000"/>
+                        </a:solidFill>
+                        <a:effectLst/>
+                        <a:latin typeface="Calibri" panose="020F0502020204030204" pitchFamily="34" charset="0"/>
+                      </a:endParaRPr>
+                    </a:p>
+                  </a:txBody>
+                  <a:tcPr marL="9525" marR="9525" marT="9525" marB="0" anchor="ctr"/>
+                </a:tc>
+                <a:tc>
+                  <a:txBody>
+                    <a:bodyPr/>
+                    <a:lstStyle/>
+                    <a:p>
+                      <a:pPr algn="ctr" fontAlgn="t"/>
+                      <a:r>
+                        <a:rPr lang="ru-RU" sz="1100" u="none" strike="noStrike">
+                          <a:effectLst/>
+                        </a:rPr>
+                        <a:t>Доля%</a:t>
+                      </a:r>
+                      <a:endParaRPr lang="ru-RU" sz="1100" b="1" i="0" u="none" strike="noStrike">
+                        <a:solidFill>
+                          <a:srgbClr val="000000"/>
+                        </a:solidFill>
+                        <a:effectLst/>
+                        <a:latin typeface="Calibri" panose="020F0502020204030204" pitchFamily="34" charset="0"/>
+                      </a:endParaRPr>
+                    </a:p>
+                  </a:txBody>
+                  <a:tcPr marL="9525" marR="9525" marT="9525" marB="0" anchor="ctr"/>
+                </a:tc>
+                <a:tc>
+                  <a:txBody>
+                    <a:bodyPr/>
+                    <a:lstStyle/>
+                    <a:p>
+                      <a:pPr algn="ctr" fontAlgn="t"/>
+                      <a:r>
+                        <a:rPr lang="ru-RU" sz="1100" u="none" strike="noStrike">
+                          <a:effectLst/>
+                        </a:rPr>
+                        <a:t>Количество</a:t>
+                      </a:r>
+                      <a:endParaRPr lang="ru-RU" sz="1100" b="1" i="0" u="none" strike="noStrike">
+                        <a:solidFill>
+                          <a:srgbClr val="000000"/>
+                        </a:solidFill>
+                        <a:effectLst/>
+                        <a:latin typeface="Calibri" panose="020F0502020204030204" pitchFamily="34" charset="0"/>
+                      </a:endParaRPr>
+                    </a:p>
+                  </a:txBody>
+                  <a:tcPr marL="9525" marR="9525" marT="9525" marB="0" anchor="ctr"/>
+                </a:tc>
+                <a:tc>
+                  <a:txBody>
+                    <a:bodyPr/>
+                    <a:lstStyle/>
+                    <a:p>
+                      <a:pPr algn="ctr" fontAlgn="t"/>
+                      <a:r>
+                        <a:rPr lang="ru-RU" sz="1100" u="none" strike="noStrike" dirty="0">
+                          <a:effectLst/>
+                        </a:rPr>
+                        <a:t>Доля%</a:t>
+                      </a:r>
+                      <a:endParaRPr lang="ru-RU" sz="1100" b="1" i="0" u="none" strike="noStrike" dirty="0">
+                        <a:solidFill>
+                          <a:srgbClr val="000000"/>
+                        </a:solidFill>
+                        <a:effectLst/>
+                        <a:latin typeface="Calibri" panose="020F0502020204030204" pitchFamily="34" charset="0"/>
+                      </a:endParaRPr>
+                    </a:p>
+                  </a:txBody>
+                  <a:tcPr marL="9525" marR="9525" marT="9525" marB="0" anchor="ctr"/>
+                </a:tc>
+              </a:tr>
+              <a:tr h="351515">
+                <a:tc>
+                  <a:txBody>
+                    <a:bodyPr/>
+                    <a:lstStyle/>
+                    <a:p>
+                      <a:pPr algn="ctr" fontAlgn="t"/>
+                      <a:r>
+                        <a:rPr lang="ru-RU" sz="1100" u="none" strike="noStrike">
+                          <a:effectLst/>
+                        </a:rPr>
+                        <a:t>Не дефолт</a:t>
+                      </a:r>
+                      <a:endParaRPr lang="ru-RU" sz="1100" b="1" i="0" u="none" strike="noStrike">
+                        <a:solidFill>
+                          <a:srgbClr val="000000"/>
+                        </a:solidFill>
+                        <a:effectLst/>
+                        <a:latin typeface="Calibri" panose="020F0502020204030204" pitchFamily="34" charset="0"/>
+                      </a:endParaRPr>
+                    </a:p>
+                  </a:txBody>
+                  <a:tcPr marL="9525" marR="9525" marT="9525" marB="0" anchor="ctr"/>
+                </a:tc>
+                <a:tc>
+                  <a:txBody>
+                    <a:bodyPr/>
+                    <a:lstStyle/>
+                    <a:p>
+                      <a:pPr algn="ctr" fontAlgn="b"/>
+                      <a:r>
+                        <a:rPr lang="ru-RU" sz="1100" u="none" strike="noStrike">
+                          <a:effectLst/>
+                        </a:rPr>
+                        <a:t>209401</a:t>
+                      </a:r>
+                      <a:endParaRPr lang="ru-RU" sz="1100" b="0" i="0" u="none" strike="noStrike">
+                        <a:solidFill>
+                          <a:srgbClr val="000000"/>
+                        </a:solidFill>
+                        <a:effectLst/>
+                        <a:latin typeface="Calibri" panose="020F0502020204030204" pitchFamily="34" charset="0"/>
+                      </a:endParaRPr>
+                    </a:p>
+                  </a:txBody>
+                  <a:tcPr marL="9525" marR="9525" marT="9525" marB="0" anchor="ctr"/>
+                </a:tc>
+                <a:tc>
+                  <a:txBody>
+                    <a:bodyPr/>
+                    <a:lstStyle/>
+                    <a:p>
+                      <a:pPr algn="ctr" fontAlgn="b"/>
+                      <a:r>
+                        <a:rPr lang="ru-RU" sz="1100" u="none" strike="noStrike">
+                          <a:effectLst/>
+                        </a:rPr>
+                        <a:t>96,78</a:t>
+                      </a:r>
+                      <a:endParaRPr lang="ru-RU" sz="1100" b="0" i="0" u="none" strike="noStrike">
+                        <a:solidFill>
+                          <a:srgbClr val="000000"/>
+                        </a:solidFill>
+                        <a:effectLst/>
+                        <a:latin typeface="Calibri" panose="020F0502020204030204" pitchFamily="34" charset="0"/>
+                      </a:endParaRPr>
+                    </a:p>
+                  </a:txBody>
+                  <a:tcPr marL="9525" marR="9525" marT="9525" marB="0" anchor="ctr"/>
+                </a:tc>
+                <a:tc>
+                  <a:txBody>
+                    <a:bodyPr/>
+                    <a:lstStyle/>
+                    <a:p>
+                      <a:pPr algn="ctr" fontAlgn="b"/>
+                      <a:r>
+                        <a:rPr lang="ru-RU" sz="1100" u="none" strike="noStrike" dirty="0">
+                          <a:effectLst/>
+                        </a:rPr>
+                        <a:t>157051</a:t>
+                      </a:r>
+                      <a:endParaRPr lang="ru-RU" sz="1100" b="0" i="0" u="none" strike="noStrike" dirty="0">
+                        <a:solidFill>
+                          <a:srgbClr val="000000"/>
+                        </a:solidFill>
+                        <a:effectLst/>
+                        <a:latin typeface="Calibri" panose="020F0502020204030204" pitchFamily="34" charset="0"/>
+                      </a:endParaRPr>
+                    </a:p>
+                  </a:txBody>
+                  <a:tcPr marL="9525" marR="9525" marT="9525" marB="0" anchor="ctr"/>
+                </a:tc>
+                <a:tc>
+                  <a:txBody>
+                    <a:bodyPr/>
+                    <a:lstStyle/>
+                    <a:p>
+                      <a:pPr algn="ctr" fontAlgn="b"/>
+                      <a:r>
+                        <a:rPr lang="ru-RU" sz="1100" u="none" strike="noStrike" dirty="0">
+                          <a:effectLst/>
+                        </a:rPr>
+                        <a:t>96,78</a:t>
+                      </a:r>
+                      <a:endParaRPr lang="ru-RU" sz="1100" b="0" i="0" u="none" strike="noStrike" dirty="0">
+                        <a:solidFill>
+                          <a:srgbClr val="000000"/>
+                        </a:solidFill>
+                        <a:effectLst/>
+                        <a:latin typeface="Calibri" panose="020F0502020204030204" pitchFamily="34" charset="0"/>
+                      </a:endParaRPr>
+                    </a:p>
+                  </a:txBody>
+                  <a:tcPr marL="9525" marR="9525" marT="9525" marB="0" anchor="ctr"/>
+                </a:tc>
+                <a:tc>
+                  <a:txBody>
+                    <a:bodyPr/>
+                    <a:lstStyle/>
+                    <a:p>
+                      <a:pPr algn="ctr" fontAlgn="b"/>
+                      <a:r>
+                        <a:rPr lang="ru-RU" sz="1100" u="none" strike="noStrike" dirty="0">
+                          <a:effectLst/>
+                        </a:rPr>
+                        <a:t>52350</a:t>
+                      </a:r>
+                      <a:endParaRPr lang="ru-RU" sz="1100" b="0" i="0" u="none" strike="noStrike" dirty="0">
+                        <a:solidFill>
+                          <a:srgbClr val="000000"/>
+                        </a:solidFill>
+                        <a:effectLst/>
+                        <a:latin typeface="Calibri" panose="020F0502020204030204" pitchFamily="34" charset="0"/>
+                      </a:endParaRPr>
+                    </a:p>
+                  </a:txBody>
+                  <a:tcPr marL="9525" marR="9525" marT="9525" marB="0" anchor="ctr"/>
+                </a:tc>
+                <a:tc>
+                  <a:txBody>
+                    <a:bodyPr/>
+                    <a:lstStyle/>
+                    <a:p>
+                      <a:pPr algn="ctr" fontAlgn="b"/>
+                      <a:r>
+                        <a:rPr lang="ru-RU" sz="1100" u="none" strike="noStrike" dirty="0">
+                          <a:effectLst/>
+                        </a:rPr>
+                        <a:t>96,78</a:t>
+                      </a:r>
+                      <a:endParaRPr lang="ru-RU" sz="1100" b="0" i="0" u="none" strike="noStrike" dirty="0">
+                        <a:solidFill>
+                          <a:srgbClr val="000000"/>
+                        </a:solidFill>
+                        <a:effectLst/>
+                        <a:latin typeface="Calibri" panose="020F0502020204030204" pitchFamily="34" charset="0"/>
+                      </a:endParaRPr>
+                    </a:p>
+                  </a:txBody>
+                  <a:tcPr marL="9525" marR="9525" marT="9525" marB="0" anchor="ctr"/>
+                </a:tc>
+              </a:tr>
+              <a:tr h="194207">
+                <a:tc>
+                  <a:txBody>
+                    <a:bodyPr/>
+                    <a:lstStyle/>
+                    <a:p>
+                      <a:pPr algn="ctr" fontAlgn="t"/>
+                      <a:r>
+                        <a:rPr lang="ru-RU" sz="1100" u="none" strike="noStrike" dirty="0">
+                          <a:effectLst/>
+                        </a:rPr>
+                        <a:t>Дефолт</a:t>
+                      </a:r>
+                      <a:endParaRPr lang="ru-RU" sz="1100" b="1" i="0" u="none" strike="noStrike" dirty="0">
+                        <a:solidFill>
+                          <a:srgbClr val="000000"/>
+                        </a:solidFill>
+                        <a:effectLst/>
+                        <a:latin typeface="Calibri" panose="020F0502020204030204" pitchFamily="34" charset="0"/>
+                      </a:endParaRPr>
+                    </a:p>
+                  </a:txBody>
+                  <a:tcPr marL="9525" marR="9525" marT="9525" marB="0" anchor="ctr"/>
+                </a:tc>
+                <a:tc>
+                  <a:txBody>
+                    <a:bodyPr/>
+                    <a:lstStyle/>
+                    <a:p>
+                      <a:pPr algn="ctr" fontAlgn="b"/>
+                      <a:r>
+                        <a:rPr lang="ru-RU" sz="1100" u="none" strike="noStrike">
+                          <a:effectLst/>
+                        </a:rPr>
+                        <a:t>6963</a:t>
+                      </a:r>
+                      <a:endParaRPr lang="ru-RU" sz="1100" b="0" i="0" u="none" strike="noStrike">
+                        <a:solidFill>
+                          <a:srgbClr val="000000"/>
+                        </a:solidFill>
+                        <a:effectLst/>
+                        <a:latin typeface="Calibri" panose="020F0502020204030204" pitchFamily="34" charset="0"/>
+                      </a:endParaRPr>
+                    </a:p>
+                  </a:txBody>
+                  <a:tcPr marL="9525" marR="9525" marT="9525" marB="0" anchor="ctr"/>
+                </a:tc>
+                <a:tc>
+                  <a:txBody>
+                    <a:bodyPr/>
+                    <a:lstStyle/>
+                    <a:p>
+                      <a:pPr algn="ctr" fontAlgn="b"/>
+                      <a:r>
+                        <a:rPr lang="ru-RU" sz="1100" u="none" strike="noStrike">
+                          <a:effectLst/>
+                        </a:rPr>
+                        <a:t>3,22</a:t>
+                      </a:r>
+                      <a:endParaRPr lang="ru-RU" sz="1100" b="0" i="0" u="none" strike="noStrike">
+                        <a:solidFill>
+                          <a:srgbClr val="000000"/>
+                        </a:solidFill>
+                        <a:effectLst/>
+                        <a:latin typeface="Calibri" panose="020F0502020204030204" pitchFamily="34" charset="0"/>
+                      </a:endParaRPr>
+                    </a:p>
+                  </a:txBody>
+                  <a:tcPr marL="9525" marR="9525" marT="9525" marB="0" anchor="ctr"/>
+                </a:tc>
+                <a:tc>
+                  <a:txBody>
+                    <a:bodyPr/>
+                    <a:lstStyle/>
+                    <a:p>
+                      <a:pPr algn="ctr" fontAlgn="b"/>
+                      <a:r>
+                        <a:rPr lang="ru-RU" sz="1100" u="none" strike="noStrike">
+                          <a:effectLst/>
+                        </a:rPr>
+                        <a:t>5222</a:t>
+                      </a:r>
+                      <a:endParaRPr lang="ru-RU" sz="1100" b="0" i="0" u="none" strike="noStrike">
+                        <a:solidFill>
+                          <a:srgbClr val="000000"/>
+                        </a:solidFill>
+                        <a:effectLst/>
+                        <a:latin typeface="Calibri" panose="020F0502020204030204" pitchFamily="34" charset="0"/>
+                      </a:endParaRPr>
+                    </a:p>
+                  </a:txBody>
+                  <a:tcPr marL="9525" marR="9525" marT="9525" marB="0" anchor="ctr"/>
+                </a:tc>
+                <a:tc>
+                  <a:txBody>
+                    <a:bodyPr/>
+                    <a:lstStyle/>
+                    <a:p>
+                      <a:pPr algn="ctr" fontAlgn="b"/>
+                      <a:r>
+                        <a:rPr lang="ru-RU" sz="1100" u="none" strike="noStrike">
+                          <a:effectLst/>
+                        </a:rPr>
+                        <a:t>3,22</a:t>
+                      </a:r>
+                      <a:endParaRPr lang="ru-RU" sz="1100" b="0" i="0" u="none" strike="noStrike">
+                        <a:solidFill>
+                          <a:srgbClr val="000000"/>
+                        </a:solidFill>
+                        <a:effectLst/>
+                        <a:latin typeface="Calibri" panose="020F0502020204030204" pitchFamily="34" charset="0"/>
+                      </a:endParaRPr>
+                    </a:p>
+                  </a:txBody>
+                  <a:tcPr marL="9525" marR="9525" marT="9525" marB="0" anchor="ctr"/>
+                </a:tc>
+                <a:tc>
+                  <a:txBody>
+                    <a:bodyPr/>
+                    <a:lstStyle/>
+                    <a:p>
+                      <a:pPr algn="ctr" fontAlgn="b"/>
+                      <a:r>
+                        <a:rPr lang="ru-RU" sz="1100" u="none" strike="noStrike">
+                          <a:effectLst/>
+                        </a:rPr>
+                        <a:t>1741</a:t>
+                      </a:r>
+                      <a:endParaRPr lang="ru-RU" sz="1100" b="0" i="0" u="none" strike="noStrike">
+                        <a:solidFill>
+                          <a:srgbClr val="000000"/>
+                        </a:solidFill>
+                        <a:effectLst/>
+                        <a:latin typeface="Calibri" panose="020F0502020204030204" pitchFamily="34" charset="0"/>
+                      </a:endParaRPr>
+                    </a:p>
+                  </a:txBody>
+                  <a:tcPr marL="9525" marR="9525" marT="9525" marB="0" anchor="ctr"/>
+                </a:tc>
+                <a:tc>
+                  <a:txBody>
+                    <a:bodyPr/>
+                    <a:lstStyle/>
+                    <a:p>
+                      <a:pPr algn="ctr" fontAlgn="b"/>
+                      <a:r>
+                        <a:rPr lang="ru-RU" sz="1100" u="none" strike="noStrike" dirty="0">
+                          <a:effectLst/>
+                        </a:rPr>
+                        <a:t>3,22</a:t>
+                      </a:r>
+                      <a:endParaRPr lang="ru-RU" sz="1100" b="0" i="0" u="none" strike="noStrike" dirty="0">
+                        <a:solidFill>
+                          <a:srgbClr val="000000"/>
+                        </a:solidFill>
+                        <a:effectLst/>
+                        <a:latin typeface="Calibri" panose="020F0502020204030204" pitchFamily="34" charset="0"/>
+                      </a:endParaRPr>
+                    </a:p>
+                  </a:txBody>
+                  <a:tcPr marL="9525" marR="9525" marT="9525" marB="0" anchor="ctr"/>
+                </a:tc>
+              </a:tr>
+            </a:tbl>
+          </a:graphicData>
+        </a:graphic>
+      </p:graphicFrame>
     </p:spTree>
     <p:extLst>
       <p:ext uri="{BB962C8B-B14F-4D97-AF65-F5344CB8AC3E}">
@@ -25606,6 +33747,59 @@
                                         <p:cTn id="7" dur="500"/>
                                         <p:tgtEl>
                                           <p:spTgt spid="6"/>
+                                        </p:tgtEl>
+                                      </p:cBhvr>
+                                    </p:animEffect>
+                                  </p:childTnLst>
+                                </p:cTn>
+                              </p:par>
+                            </p:childTnLst>
+                          </p:cTn>
+                        </p:par>
+                      </p:childTnLst>
+                    </p:cTn>
+                  </p:par>
+                  <p:par>
+                    <p:cTn id="8" fill="hold">
+                      <p:stCondLst>
+                        <p:cond delay="indefinite"/>
+                      </p:stCondLst>
+                      <p:childTnLst>
+                        <p:par>
+                          <p:cTn id="9" fill="hold">
+                            <p:stCondLst>
+                              <p:cond delay="0"/>
+                            </p:stCondLst>
+                            <p:childTnLst>
+                              <p:par>
+                                <p:cTn id="10" presetID="10" presetClass="entr" presetSubtype="0" fill="hold" nodeType="clickEffect">
+                                  <p:stCondLst>
+                                    <p:cond delay="0"/>
+                                  </p:stCondLst>
+                                  <p:childTnLst>
+                                    <p:set>
+                                      <p:cBhvr>
+                                        <p:cTn id="11" dur="1" fill="hold">
+                                          <p:stCondLst>
+                                            <p:cond delay="0"/>
+                                          </p:stCondLst>
+                                        </p:cTn>
+                                        <p:tgtEl>
+                                          <p:spTgt spid="3"/>
+                                        </p:tgtEl>
+                                        <p:attrNameLst>
+                                          <p:attrName>style.visibility</p:attrName>
+                                        </p:attrNameLst>
+                                      </p:cBhvr>
+                                      <p:to>
+                                        <p:strVal val="visible"/>
+                                      </p:to>
+                                    </p:set>
+                                    <p:animEffect transition="in" filter="fade">
+                                      <p:cBhvr>
+                                        <p:cTn id="12" dur="500"/>
+                                        <p:tgtEl>
+                                          <p:spTgt spid="3"/>
                                         </p:tgtEl>
                                       </p:cBhvr>
                                     </p:animEffect>
